--- a/Documents/화면설계서.pptx
+++ b/Documents/화면설계서.pptx
@@ -212,7 +212,7 @@
           <a:p>
             <a:fld id="{2A2A61BD-85B6-4952-8352-7323239EDB97}" type="datetimeFigureOut">
               <a:rPr lang="ko-KR" altLang="en-US" smtClean="0"/>
-              <a:t>2020-05-23</a:t>
+              <a:t>2020-05-25</a:t>
             </a:fld>
             <a:endParaRPr lang="ko-KR" altLang="en-US"/>
           </a:p>
@@ -276,38 +276,37 @@
           <a:p>
             <a:pPr lvl="0"/>
             <a:r>
-              <a:rPr lang="ko-KR" altLang="en-US" smtClean="0"/>
+              <a:rPr lang="ko-KR" altLang="en-US"/>
               <a:t>마스터 텍스트 스타일 편집</a:t>
             </a:r>
           </a:p>
           <a:p>
             <a:pPr lvl="1"/>
             <a:r>
-              <a:rPr lang="ko-KR" altLang="en-US" smtClean="0"/>
+              <a:rPr lang="ko-KR" altLang="en-US"/>
               <a:t>둘째 수준</a:t>
             </a:r>
           </a:p>
           <a:p>
             <a:pPr lvl="2"/>
             <a:r>
-              <a:rPr lang="ko-KR" altLang="en-US" smtClean="0"/>
+              <a:rPr lang="ko-KR" altLang="en-US"/>
               <a:t>셋째 수준</a:t>
             </a:r>
           </a:p>
           <a:p>
             <a:pPr lvl="3"/>
             <a:r>
-              <a:rPr lang="ko-KR" altLang="en-US" smtClean="0"/>
+              <a:rPr lang="ko-KR" altLang="en-US"/>
               <a:t>넷째 수준</a:t>
             </a:r>
           </a:p>
           <a:p>
             <a:pPr lvl="4"/>
             <a:r>
-              <a:rPr lang="ko-KR" altLang="en-US" smtClean="0"/>
+              <a:rPr lang="ko-KR" altLang="en-US"/>
               <a:t>다섯째 수준</a:t>
             </a:r>
-            <a:endParaRPr lang="ko-KR" altLang="en-US"/>
           </a:p>
         </p:txBody>
       </p:sp>
@@ -522,10 +521,9 @@
           </a:lstStyle>
           <a:p>
             <a:r>
-              <a:rPr lang="ko-KR" altLang="en-US" smtClean="0"/>
+              <a:rPr lang="ko-KR" altLang="en-US"/>
               <a:t>마스터 제목 스타일 편집</a:t>
             </a:r>
-            <a:endParaRPr lang="ko-KR" altLang="en-US"/>
           </a:p>
         </p:txBody>
       </p:sp>
@@ -587,10 +585,9 @@
           </a:lstStyle>
           <a:p>
             <a:r>
-              <a:rPr lang="ko-KR" altLang="en-US" smtClean="0"/>
+              <a:rPr lang="ko-KR" altLang="en-US"/>
               <a:t>클릭하여 마스터 부제목 스타일 편집</a:t>
             </a:r>
-            <a:endParaRPr lang="ko-KR" altLang="en-US"/>
           </a:p>
         </p:txBody>
       </p:sp>
@@ -611,7 +608,7 @@
           <a:p>
             <a:fld id="{1F3F10A2-1868-4C8C-9F00-753B47F5FC10}" type="datetimeFigureOut">
               <a:rPr lang="ko-KR" altLang="en-US" smtClean="0"/>
-              <a:t>2020-05-23</a:t>
+              <a:t>2020-05-25</a:t>
             </a:fld>
             <a:endParaRPr lang="ko-KR" altLang="en-US"/>
           </a:p>
@@ -705,10 +702,9 @@
           <a:lstStyle/>
           <a:p>
             <a:r>
-              <a:rPr lang="ko-KR" altLang="en-US" smtClean="0"/>
+              <a:rPr lang="ko-KR" altLang="en-US"/>
               <a:t>마스터 제목 스타일 편집</a:t>
             </a:r>
-            <a:endParaRPr lang="ko-KR" altLang="en-US"/>
           </a:p>
         </p:txBody>
       </p:sp>
@@ -729,38 +725,37 @@
           <a:p>
             <a:pPr lvl="0"/>
             <a:r>
-              <a:rPr lang="ko-KR" altLang="en-US" smtClean="0"/>
+              <a:rPr lang="ko-KR" altLang="en-US"/>
               <a:t>마스터 텍스트 스타일 편집</a:t>
             </a:r>
           </a:p>
           <a:p>
             <a:pPr lvl="1"/>
             <a:r>
-              <a:rPr lang="ko-KR" altLang="en-US" smtClean="0"/>
+              <a:rPr lang="ko-KR" altLang="en-US"/>
               <a:t>둘째 수준</a:t>
             </a:r>
           </a:p>
           <a:p>
             <a:pPr lvl="2"/>
             <a:r>
-              <a:rPr lang="ko-KR" altLang="en-US" smtClean="0"/>
+              <a:rPr lang="ko-KR" altLang="en-US"/>
               <a:t>셋째 수준</a:t>
             </a:r>
           </a:p>
           <a:p>
             <a:pPr lvl="3"/>
             <a:r>
-              <a:rPr lang="ko-KR" altLang="en-US" smtClean="0"/>
+              <a:rPr lang="ko-KR" altLang="en-US"/>
               <a:t>넷째 수준</a:t>
             </a:r>
           </a:p>
           <a:p>
             <a:pPr lvl="4"/>
             <a:r>
-              <a:rPr lang="ko-KR" altLang="en-US" smtClean="0"/>
+              <a:rPr lang="ko-KR" altLang="en-US"/>
               <a:t>다섯째 수준</a:t>
             </a:r>
-            <a:endParaRPr lang="ko-KR" altLang="en-US"/>
           </a:p>
         </p:txBody>
       </p:sp>
@@ -781,7 +776,7 @@
           <a:p>
             <a:fld id="{1F3F10A2-1868-4C8C-9F00-753B47F5FC10}" type="datetimeFigureOut">
               <a:rPr lang="ko-KR" altLang="en-US" smtClean="0"/>
-              <a:t>2020-05-23</a:t>
+              <a:t>2020-05-25</a:t>
             </a:fld>
             <a:endParaRPr lang="ko-KR" altLang="en-US"/>
           </a:p>
@@ -880,10 +875,9 @@
           <a:lstStyle/>
           <a:p>
             <a:r>
-              <a:rPr lang="ko-KR" altLang="en-US" smtClean="0"/>
+              <a:rPr lang="ko-KR" altLang="en-US"/>
               <a:t>마스터 제목 스타일 편집</a:t>
             </a:r>
-            <a:endParaRPr lang="ko-KR" altLang="en-US"/>
           </a:p>
         </p:txBody>
       </p:sp>
@@ -909,38 +903,37 @@
           <a:p>
             <a:pPr lvl="0"/>
             <a:r>
-              <a:rPr lang="ko-KR" altLang="en-US" smtClean="0"/>
+              <a:rPr lang="ko-KR" altLang="en-US"/>
               <a:t>마스터 텍스트 스타일 편집</a:t>
             </a:r>
           </a:p>
           <a:p>
             <a:pPr lvl="1"/>
             <a:r>
-              <a:rPr lang="ko-KR" altLang="en-US" smtClean="0"/>
+              <a:rPr lang="ko-KR" altLang="en-US"/>
               <a:t>둘째 수준</a:t>
             </a:r>
           </a:p>
           <a:p>
             <a:pPr lvl="2"/>
             <a:r>
-              <a:rPr lang="ko-KR" altLang="en-US" smtClean="0"/>
+              <a:rPr lang="ko-KR" altLang="en-US"/>
               <a:t>셋째 수준</a:t>
             </a:r>
           </a:p>
           <a:p>
             <a:pPr lvl="3"/>
             <a:r>
-              <a:rPr lang="ko-KR" altLang="en-US" smtClean="0"/>
+              <a:rPr lang="ko-KR" altLang="en-US"/>
               <a:t>넷째 수준</a:t>
             </a:r>
           </a:p>
           <a:p>
             <a:pPr lvl="4"/>
             <a:r>
-              <a:rPr lang="ko-KR" altLang="en-US" smtClean="0"/>
+              <a:rPr lang="ko-KR" altLang="en-US"/>
               <a:t>다섯째 수준</a:t>
             </a:r>
-            <a:endParaRPr lang="ko-KR" altLang="en-US"/>
           </a:p>
         </p:txBody>
       </p:sp>
@@ -961,7 +954,7 @@
           <a:p>
             <a:fld id="{1F3F10A2-1868-4C8C-9F00-753B47F5FC10}" type="datetimeFigureOut">
               <a:rPr lang="ko-KR" altLang="en-US" smtClean="0"/>
-              <a:t>2020-05-23</a:t>
+              <a:t>2020-05-25</a:t>
             </a:fld>
             <a:endParaRPr lang="ko-KR" altLang="en-US"/>
           </a:p>
@@ -1055,10 +1048,9 @@
           <a:lstStyle/>
           <a:p>
             <a:r>
-              <a:rPr lang="ko-KR" altLang="en-US" smtClean="0"/>
+              <a:rPr lang="ko-KR" altLang="en-US"/>
               <a:t>마스터 제목 스타일 편집</a:t>
             </a:r>
-            <a:endParaRPr lang="ko-KR" altLang="en-US"/>
           </a:p>
         </p:txBody>
       </p:sp>
@@ -1079,38 +1071,37 @@
           <a:p>
             <a:pPr lvl="0"/>
             <a:r>
-              <a:rPr lang="ko-KR" altLang="en-US" smtClean="0"/>
+              <a:rPr lang="ko-KR" altLang="en-US"/>
               <a:t>마스터 텍스트 스타일 편집</a:t>
             </a:r>
           </a:p>
           <a:p>
             <a:pPr lvl="1"/>
             <a:r>
-              <a:rPr lang="ko-KR" altLang="en-US" smtClean="0"/>
+              <a:rPr lang="ko-KR" altLang="en-US"/>
               <a:t>둘째 수준</a:t>
             </a:r>
           </a:p>
           <a:p>
             <a:pPr lvl="2"/>
             <a:r>
-              <a:rPr lang="ko-KR" altLang="en-US" smtClean="0"/>
+              <a:rPr lang="ko-KR" altLang="en-US"/>
               <a:t>셋째 수준</a:t>
             </a:r>
           </a:p>
           <a:p>
             <a:pPr lvl="3"/>
             <a:r>
-              <a:rPr lang="ko-KR" altLang="en-US" smtClean="0"/>
+              <a:rPr lang="ko-KR" altLang="en-US"/>
               <a:t>넷째 수준</a:t>
             </a:r>
           </a:p>
           <a:p>
             <a:pPr lvl="4"/>
             <a:r>
-              <a:rPr lang="ko-KR" altLang="en-US" smtClean="0"/>
+              <a:rPr lang="ko-KR" altLang="en-US"/>
               <a:t>다섯째 수준</a:t>
             </a:r>
-            <a:endParaRPr lang="ko-KR" altLang="en-US"/>
           </a:p>
         </p:txBody>
       </p:sp>
@@ -1131,7 +1122,7 @@
           <a:p>
             <a:fld id="{1F3F10A2-1868-4C8C-9F00-753B47F5FC10}" type="datetimeFigureOut">
               <a:rPr lang="ko-KR" altLang="en-US" smtClean="0"/>
-              <a:t>2020-05-23</a:t>
+              <a:t>2020-05-25</a:t>
             </a:fld>
             <a:endParaRPr lang="ko-KR" altLang="en-US"/>
           </a:p>
@@ -1234,10 +1225,9 @@
           </a:lstStyle>
           <a:p>
             <a:r>
-              <a:rPr lang="ko-KR" altLang="en-US" smtClean="0"/>
+              <a:rPr lang="ko-KR" altLang="en-US"/>
               <a:t>마스터 제목 스타일 편집</a:t>
             </a:r>
-            <a:endParaRPr lang="ko-KR" altLang="en-US"/>
           </a:p>
         </p:txBody>
       </p:sp>
@@ -1354,7 +1344,7 @@
           <a:p>
             <a:pPr lvl="0"/>
             <a:r>
-              <a:rPr lang="ko-KR" altLang="en-US" smtClean="0"/>
+              <a:rPr lang="ko-KR" altLang="en-US"/>
               <a:t>마스터 텍스트 스타일 편집</a:t>
             </a:r>
           </a:p>
@@ -1377,7 +1367,7 @@
           <a:p>
             <a:fld id="{1F3F10A2-1868-4C8C-9F00-753B47F5FC10}" type="datetimeFigureOut">
               <a:rPr lang="ko-KR" altLang="en-US" smtClean="0"/>
-              <a:t>2020-05-23</a:t>
+              <a:t>2020-05-25</a:t>
             </a:fld>
             <a:endParaRPr lang="ko-KR" altLang="en-US"/>
           </a:p>
@@ -1471,10 +1461,9 @@
           <a:lstStyle/>
           <a:p>
             <a:r>
-              <a:rPr lang="ko-KR" altLang="en-US" smtClean="0"/>
+              <a:rPr lang="ko-KR" altLang="en-US"/>
               <a:t>마스터 제목 스타일 편집</a:t>
             </a:r>
-            <a:endParaRPr lang="ko-KR" altLang="en-US"/>
           </a:p>
         </p:txBody>
       </p:sp>
@@ -1500,38 +1489,37 @@
           <a:p>
             <a:pPr lvl="0"/>
             <a:r>
-              <a:rPr lang="ko-KR" altLang="en-US" smtClean="0"/>
+              <a:rPr lang="ko-KR" altLang="en-US"/>
               <a:t>마스터 텍스트 스타일 편집</a:t>
             </a:r>
           </a:p>
           <a:p>
             <a:pPr lvl="1"/>
             <a:r>
-              <a:rPr lang="ko-KR" altLang="en-US" smtClean="0"/>
+              <a:rPr lang="ko-KR" altLang="en-US"/>
               <a:t>둘째 수준</a:t>
             </a:r>
           </a:p>
           <a:p>
             <a:pPr lvl="2"/>
             <a:r>
-              <a:rPr lang="ko-KR" altLang="en-US" smtClean="0"/>
+              <a:rPr lang="ko-KR" altLang="en-US"/>
               <a:t>셋째 수준</a:t>
             </a:r>
           </a:p>
           <a:p>
             <a:pPr lvl="3"/>
             <a:r>
-              <a:rPr lang="ko-KR" altLang="en-US" smtClean="0"/>
+              <a:rPr lang="ko-KR" altLang="en-US"/>
               <a:t>넷째 수준</a:t>
             </a:r>
           </a:p>
           <a:p>
             <a:pPr lvl="4"/>
             <a:r>
-              <a:rPr lang="ko-KR" altLang="en-US" smtClean="0"/>
+              <a:rPr lang="ko-KR" altLang="en-US"/>
               <a:t>다섯째 수준</a:t>
             </a:r>
-            <a:endParaRPr lang="ko-KR" altLang="en-US"/>
           </a:p>
         </p:txBody>
       </p:sp>
@@ -1557,38 +1545,37 @@
           <a:p>
             <a:pPr lvl="0"/>
             <a:r>
-              <a:rPr lang="ko-KR" altLang="en-US" smtClean="0"/>
+              <a:rPr lang="ko-KR" altLang="en-US"/>
               <a:t>마스터 텍스트 스타일 편집</a:t>
             </a:r>
           </a:p>
           <a:p>
             <a:pPr lvl="1"/>
             <a:r>
-              <a:rPr lang="ko-KR" altLang="en-US" smtClean="0"/>
+              <a:rPr lang="ko-KR" altLang="en-US"/>
               <a:t>둘째 수준</a:t>
             </a:r>
           </a:p>
           <a:p>
             <a:pPr lvl="2"/>
             <a:r>
-              <a:rPr lang="ko-KR" altLang="en-US" smtClean="0"/>
+              <a:rPr lang="ko-KR" altLang="en-US"/>
               <a:t>셋째 수준</a:t>
             </a:r>
           </a:p>
           <a:p>
             <a:pPr lvl="3"/>
             <a:r>
-              <a:rPr lang="ko-KR" altLang="en-US" smtClean="0"/>
+              <a:rPr lang="ko-KR" altLang="en-US"/>
               <a:t>넷째 수준</a:t>
             </a:r>
           </a:p>
           <a:p>
             <a:pPr lvl="4"/>
             <a:r>
-              <a:rPr lang="ko-KR" altLang="en-US" smtClean="0"/>
+              <a:rPr lang="ko-KR" altLang="en-US"/>
               <a:t>다섯째 수준</a:t>
             </a:r>
-            <a:endParaRPr lang="ko-KR" altLang="en-US"/>
           </a:p>
         </p:txBody>
       </p:sp>
@@ -1609,7 +1596,7 @@
           <a:p>
             <a:fld id="{1F3F10A2-1868-4C8C-9F00-753B47F5FC10}" type="datetimeFigureOut">
               <a:rPr lang="ko-KR" altLang="en-US" smtClean="0"/>
-              <a:t>2020-05-23</a:t>
+              <a:t>2020-05-25</a:t>
             </a:fld>
             <a:endParaRPr lang="ko-KR" altLang="en-US"/>
           </a:p>
@@ -1708,10 +1695,9 @@
           <a:lstStyle/>
           <a:p>
             <a:r>
-              <a:rPr lang="ko-KR" altLang="en-US" smtClean="0"/>
+              <a:rPr lang="ko-KR" altLang="en-US"/>
               <a:t>마스터 제목 스타일 편집</a:t>
             </a:r>
-            <a:endParaRPr lang="ko-KR" altLang="en-US"/>
           </a:p>
         </p:txBody>
       </p:sp>
@@ -1774,7 +1760,7 @@
           <a:p>
             <a:pPr lvl="0"/>
             <a:r>
-              <a:rPr lang="ko-KR" altLang="en-US" smtClean="0"/>
+              <a:rPr lang="ko-KR" altLang="en-US"/>
               <a:t>마스터 텍스트 스타일 편집</a:t>
             </a:r>
           </a:p>
@@ -1802,38 +1788,37 @@
           <a:p>
             <a:pPr lvl="0"/>
             <a:r>
-              <a:rPr lang="ko-KR" altLang="en-US" smtClean="0"/>
+              <a:rPr lang="ko-KR" altLang="en-US"/>
               <a:t>마스터 텍스트 스타일 편집</a:t>
             </a:r>
           </a:p>
           <a:p>
             <a:pPr lvl="1"/>
             <a:r>
-              <a:rPr lang="ko-KR" altLang="en-US" smtClean="0"/>
+              <a:rPr lang="ko-KR" altLang="en-US"/>
               <a:t>둘째 수준</a:t>
             </a:r>
           </a:p>
           <a:p>
             <a:pPr lvl="2"/>
             <a:r>
-              <a:rPr lang="ko-KR" altLang="en-US" smtClean="0"/>
+              <a:rPr lang="ko-KR" altLang="en-US"/>
               <a:t>셋째 수준</a:t>
             </a:r>
           </a:p>
           <a:p>
             <a:pPr lvl="3"/>
             <a:r>
-              <a:rPr lang="ko-KR" altLang="en-US" smtClean="0"/>
+              <a:rPr lang="ko-KR" altLang="en-US"/>
               <a:t>넷째 수준</a:t>
             </a:r>
           </a:p>
           <a:p>
             <a:pPr lvl="4"/>
             <a:r>
-              <a:rPr lang="ko-KR" altLang="en-US" smtClean="0"/>
+              <a:rPr lang="ko-KR" altLang="en-US"/>
               <a:t>다섯째 수준</a:t>
             </a:r>
-            <a:endParaRPr lang="ko-KR" altLang="en-US"/>
           </a:p>
         </p:txBody>
       </p:sp>
@@ -1896,7 +1881,7 @@
           <a:p>
             <a:pPr lvl="0"/>
             <a:r>
-              <a:rPr lang="ko-KR" altLang="en-US" smtClean="0"/>
+              <a:rPr lang="ko-KR" altLang="en-US"/>
               <a:t>마스터 텍스트 스타일 편집</a:t>
             </a:r>
           </a:p>
@@ -1924,38 +1909,37 @@
           <a:p>
             <a:pPr lvl="0"/>
             <a:r>
-              <a:rPr lang="ko-KR" altLang="en-US" smtClean="0"/>
+              <a:rPr lang="ko-KR" altLang="en-US"/>
               <a:t>마스터 텍스트 스타일 편집</a:t>
             </a:r>
           </a:p>
           <a:p>
             <a:pPr lvl="1"/>
             <a:r>
-              <a:rPr lang="ko-KR" altLang="en-US" smtClean="0"/>
+              <a:rPr lang="ko-KR" altLang="en-US"/>
               <a:t>둘째 수준</a:t>
             </a:r>
           </a:p>
           <a:p>
             <a:pPr lvl="2"/>
             <a:r>
-              <a:rPr lang="ko-KR" altLang="en-US" smtClean="0"/>
+              <a:rPr lang="ko-KR" altLang="en-US"/>
               <a:t>셋째 수준</a:t>
             </a:r>
           </a:p>
           <a:p>
             <a:pPr lvl="3"/>
             <a:r>
-              <a:rPr lang="ko-KR" altLang="en-US" smtClean="0"/>
+              <a:rPr lang="ko-KR" altLang="en-US"/>
               <a:t>넷째 수준</a:t>
             </a:r>
           </a:p>
           <a:p>
             <a:pPr lvl="4"/>
             <a:r>
-              <a:rPr lang="ko-KR" altLang="en-US" smtClean="0"/>
+              <a:rPr lang="ko-KR" altLang="en-US"/>
               <a:t>다섯째 수준</a:t>
             </a:r>
-            <a:endParaRPr lang="ko-KR" altLang="en-US"/>
           </a:p>
         </p:txBody>
       </p:sp>
@@ -1976,7 +1960,7 @@
           <a:p>
             <a:fld id="{1F3F10A2-1868-4C8C-9F00-753B47F5FC10}" type="datetimeFigureOut">
               <a:rPr lang="ko-KR" altLang="en-US" smtClean="0"/>
-              <a:t>2020-05-23</a:t>
+              <a:t>2020-05-25</a:t>
             </a:fld>
             <a:endParaRPr lang="ko-KR" altLang="en-US"/>
           </a:p>
@@ -2070,10 +2054,9 @@
           <a:lstStyle/>
           <a:p>
             <a:r>
-              <a:rPr lang="ko-KR" altLang="en-US" smtClean="0"/>
+              <a:rPr lang="ko-KR" altLang="en-US"/>
               <a:t>마스터 제목 스타일 편집</a:t>
             </a:r>
-            <a:endParaRPr lang="ko-KR" altLang="en-US"/>
           </a:p>
         </p:txBody>
       </p:sp>
@@ -2094,7 +2077,7 @@
           <a:p>
             <a:fld id="{1F3F10A2-1868-4C8C-9F00-753B47F5FC10}" type="datetimeFigureOut">
               <a:rPr lang="ko-KR" altLang="en-US" smtClean="0"/>
-              <a:t>2020-05-23</a:t>
+              <a:t>2020-05-25</a:t>
             </a:fld>
             <a:endParaRPr lang="ko-KR" altLang="en-US"/>
           </a:p>
@@ -2189,7 +2172,7 @@
           <a:p>
             <a:fld id="{1F3F10A2-1868-4C8C-9F00-753B47F5FC10}" type="datetimeFigureOut">
               <a:rPr lang="ko-KR" altLang="en-US" smtClean="0"/>
-              <a:t>2020-05-23</a:t>
+              <a:t>2020-05-25</a:t>
             </a:fld>
             <a:endParaRPr lang="ko-KR" altLang="en-US"/>
           </a:p>
@@ -2292,10 +2275,9 @@
           </a:lstStyle>
           <a:p>
             <a:r>
-              <a:rPr lang="ko-KR" altLang="en-US" smtClean="0"/>
+              <a:rPr lang="ko-KR" altLang="en-US"/>
               <a:t>마스터 제목 스타일 편집</a:t>
             </a:r>
-            <a:endParaRPr lang="ko-KR" altLang="en-US"/>
           </a:p>
         </p:txBody>
       </p:sp>
@@ -2349,38 +2331,37 @@
           <a:p>
             <a:pPr lvl="0"/>
             <a:r>
-              <a:rPr lang="ko-KR" altLang="en-US" smtClean="0"/>
+              <a:rPr lang="ko-KR" altLang="en-US"/>
               <a:t>마스터 텍스트 스타일 편집</a:t>
             </a:r>
           </a:p>
           <a:p>
             <a:pPr lvl="1"/>
             <a:r>
-              <a:rPr lang="ko-KR" altLang="en-US" smtClean="0"/>
+              <a:rPr lang="ko-KR" altLang="en-US"/>
               <a:t>둘째 수준</a:t>
             </a:r>
           </a:p>
           <a:p>
             <a:pPr lvl="2"/>
             <a:r>
-              <a:rPr lang="ko-KR" altLang="en-US" smtClean="0"/>
+              <a:rPr lang="ko-KR" altLang="en-US"/>
               <a:t>셋째 수준</a:t>
             </a:r>
           </a:p>
           <a:p>
             <a:pPr lvl="3"/>
             <a:r>
-              <a:rPr lang="ko-KR" altLang="en-US" smtClean="0"/>
+              <a:rPr lang="ko-KR" altLang="en-US"/>
               <a:t>넷째 수준</a:t>
             </a:r>
           </a:p>
           <a:p>
             <a:pPr lvl="4"/>
             <a:r>
-              <a:rPr lang="ko-KR" altLang="en-US" smtClean="0"/>
+              <a:rPr lang="ko-KR" altLang="en-US"/>
               <a:t>다섯째 수준</a:t>
             </a:r>
-            <a:endParaRPr lang="ko-KR" altLang="en-US"/>
           </a:p>
         </p:txBody>
       </p:sp>
@@ -2443,7 +2424,7 @@
           <a:p>
             <a:pPr lvl="0"/>
             <a:r>
-              <a:rPr lang="ko-KR" altLang="en-US" smtClean="0"/>
+              <a:rPr lang="ko-KR" altLang="en-US"/>
               <a:t>마스터 텍스트 스타일 편집</a:t>
             </a:r>
           </a:p>
@@ -2466,7 +2447,7 @@
           <a:p>
             <a:fld id="{1F3F10A2-1868-4C8C-9F00-753B47F5FC10}" type="datetimeFigureOut">
               <a:rPr lang="ko-KR" altLang="en-US" smtClean="0"/>
-              <a:t>2020-05-23</a:t>
+              <a:t>2020-05-25</a:t>
             </a:fld>
             <a:endParaRPr lang="ko-KR" altLang="en-US"/>
           </a:p>
@@ -2569,10 +2550,9 @@
           </a:lstStyle>
           <a:p>
             <a:r>
-              <a:rPr lang="ko-KR" altLang="en-US" smtClean="0"/>
+              <a:rPr lang="ko-KR" altLang="en-US"/>
               <a:t>마스터 제목 스타일 편집</a:t>
             </a:r>
-            <a:endParaRPr lang="ko-KR" altLang="en-US"/>
           </a:p>
         </p:txBody>
       </p:sp>
@@ -2696,7 +2676,7 @@
           <a:p>
             <a:pPr lvl="0"/>
             <a:r>
-              <a:rPr lang="ko-KR" altLang="en-US" smtClean="0"/>
+              <a:rPr lang="ko-KR" altLang="en-US"/>
               <a:t>마스터 텍스트 스타일 편집</a:t>
             </a:r>
           </a:p>
@@ -2719,7 +2699,7 @@
           <a:p>
             <a:fld id="{1F3F10A2-1868-4C8C-9F00-753B47F5FC10}" type="datetimeFigureOut">
               <a:rPr lang="ko-KR" altLang="en-US" smtClean="0"/>
-              <a:t>2020-05-23</a:t>
+              <a:t>2020-05-25</a:t>
             </a:fld>
             <a:endParaRPr lang="ko-KR" altLang="en-US"/>
           </a:p>
@@ -2828,10 +2808,9 @@
           <a:lstStyle/>
           <a:p>
             <a:r>
-              <a:rPr lang="ko-KR" altLang="en-US" smtClean="0"/>
+              <a:rPr lang="ko-KR" altLang="en-US"/>
               <a:t>마스터 제목 스타일 편집</a:t>
             </a:r>
-            <a:endParaRPr lang="ko-KR" altLang="en-US"/>
           </a:p>
         </p:txBody>
       </p:sp>
@@ -2862,38 +2841,37 @@
           <a:p>
             <a:pPr lvl="0"/>
             <a:r>
-              <a:rPr lang="ko-KR" altLang="en-US" smtClean="0"/>
+              <a:rPr lang="ko-KR" altLang="en-US"/>
               <a:t>마스터 텍스트 스타일 편집</a:t>
             </a:r>
           </a:p>
           <a:p>
             <a:pPr lvl="1"/>
             <a:r>
-              <a:rPr lang="ko-KR" altLang="en-US" smtClean="0"/>
+              <a:rPr lang="ko-KR" altLang="en-US"/>
               <a:t>둘째 수준</a:t>
             </a:r>
           </a:p>
           <a:p>
             <a:pPr lvl="2"/>
             <a:r>
-              <a:rPr lang="ko-KR" altLang="en-US" smtClean="0"/>
+              <a:rPr lang="ko-KR" altLang="en-US"/>
               <a:t>셋째 수준</a:t>
             </a:r>
           </a:p>
           <a:p>
             <a:pPr lvl="3"/>
             <a:r>
-              <a:rPr lang="ko-KR" altLang="en-US" smtClean="0"/>
+              <a:rPr lang="ko-KR" altLang="en-US"/>
               <a:t>넷째 수준</a:t>
             </a:r>
           </a:p>
           <a:p>
             <a:pPr lvl="4"/>
             <a:r>
-              <a:rPr lang="ko-KR" altLang="en-US" smtClean="0"/>
+              <a:rPr lang="ko-KR" altLang="en-US"/>
               <a:t>다섯째 수준</a:t>
             </a:r>
-            <a:endParaRPr lang="ko-KR" altLang="en-US"/>
           </a:p>
         </p:txBody>
       </p:sp>
@@ -2932,7 +2910,7 @@
           <a:p>
             <a:fld id="{1F3F10A2-1868-4C8C-9F00-753B47F5FC10}" type="datetimeFigureOut">
               <a:rPr lang="ko-KR" altLang="en-US" smtClean="0"/>
-              <a:t>2020-05-23</a:t>
+              <a:t>2020-05-25</a:t>
             </a:fld>
             <a:endParaRPr lang="ko-KR" altLang="en-US"/>
           </a:p>
@@ -3406,11 +3384,11 @@
           <a:lstStyle/>
           <a:p>
             <a:r>
-              <a:rPr lang="en-US" altLang="ko-KR" sz="4000" b="1" dirty="0" err="1" smtClean="0"/>
+              <a:rPr lang="en-US" altLang="ko-KR" sz="4000" b="1" dirty="0" err="1"/>
               <a:t>Taemin’s</a:t>
             </a:r>
             <a:r>
-              <a:rPr lang="en-US" altLang="ko-KR" sz="4000" b="1" dirty="0" smtClean="0"/>
+              <a:rPr lang="en-US" altLang="ko-KR" sz="4000" b="1" dirty="0"/>
               <a:t> Portfolio</a:t>
             </a:r>
             <a:endParaRPr lang="ko-KR" altLang="en-US" b="1" dirty="0"/>
@@ -3472,7 +3450,7 @@
                     <a:p>
                       <a:pPr algn="ctr" latinLnBrk="1"/>
                       <a:r>
-                        <a:rPr lang="en-US" altLang="ko-KR" dirty="0" smtClean="0">
+                        <a:rPr lang="en-US" altLang="ko-KR" dirty="0">
                           <a:solidFill>
                             <a:schemeClr val="tx1"/>
                           </a:solidFill>
@@ -3480,7 +3458,7 @@
                         <a:t>Document</a:t>
                       </a:r>
                       <a:r>
-                        <a:rPr lang="en-US" altLang="ko-KR" baseline="0" dirty="0" smtClean="0">
+                        <a:rPr lang="en-US" altLang="ko-KR" baseline="0" dirty="0">
                           <a:solidFill>
                             <a:schemeClr val="tx1"/>
                           </a:solidFill>
@@ -3543,7 +3521,7 @@
                     <a:p>
                       <a:pPr algn="ctr" latinLnBrk="1"/>
                       <a:r>
-                        <a:rPr lang="en-US" altLang="ko-KR" dirty="0" smtClean="0">
+                        <a:rPr lang="en-US" altLang="ko-KR" dirty="0">
                           <a:solidFill>
                             <a:schemeClr val="tx1"/>
                           </a:solidFill>
@@ -3608,7 +3586,7 @@
                     <a:p>
                       <a:pPr algn="ctr" latinLnBrk="1"/>
                       <a:r>
-                        <a:rPr lang="en-US" altLang="ko-KR" dirty="0" smtClean="0">
+                        <a:rPr lang="en-US" altLang="ko-KR" dirty="0">
                           <a:solidFill>
                             <a:schemeClr val="tx1"/>
                           </a:solidFill>
@@ -3678,7 +3656,7 @@
                     <a:p>
                       <a:pPr algn="ctr" latinLnBrk="1"/>
                       <a:r>
-                        <a:rPr lang="en-US" altLang="ko-KR" dirty="0" smtClean="0"/>
+                        <a:rPr lang="en-US" altLang="ko-KR" dirty="0"/>
                         <a:t>0.2</a:t>
                       </a:r>
                       <a:endParaRPr lang="ko-KR" altLang="en-US" dirty="0"/>
@@ -3729,7 +3707,7 @@
                     <a:p>
                       <a:pPr algn="ctr" latinLnBrk="1"/>
                       <a:r>
-                        <a:rPr lang="en-US" altLang="ko-KR" dirty="0" smtClean="0"/>
+                        <a:rPr lang="en-US" altLang="ko-KR" dirty="0"/>
                         <a:t>2020-05-16</a:t>
                       </a:r>
                       <a:endParaRPr lang="ko-KR" altLang="en-US" dirty="0"/>
@@ -3782,10 +3760,9 @@
                     <a:p>
                       <a:pPr algn="ctr" latinLnBrk="1"/>
                       <a:r>
-                        <a:rPr lang="ko-KR" altLang="en-US" dirty="0" smtClean="0"/>
+                        <a:rPr lang="ko-KR" altLang="en-US" dirty="0"/>
                         <a:t>하 태민</a:t>
                       </a:r>
-                      <a:endParaRPr lang="ko-KR" altLang="en-US" dirty="0"/>
                     </a:p>
                   </a:txBody>
                   <a:tcPr>
@@ -3859,7 +3836,7 @@
           <a:lstStyle/>
           <a:p>
             <a:r>
-              <a:rPr lang="en-US" altLang="ko-KR" sz="2800" dirty="0" smtClean="0"/>
+              <a:rPr lang="en-US" altLang="ko-KR" sz="2800" dirty="0"/>
               <a:t>Publisher Website Project</a:t>
             </a:r>
             <a:endParaRPr lang="ko-KR" altLang="en-US" sz="2800" dirty="0"/>
@@ -3993,18 +3970,13 @@
                     <a:p>
                       <a:pPr algn="ctr" latinLnBrk="1"/>
                       <a:r>
-                        <a:rPr lang="ko-KR" altLang="en-US" sz="1600" dirty="0" smtClean="0">
+                        <a:rPr lang="ko-KR" altLang="en-US" sz="1600" dirty="0">
                           <a:solidFill>
                             <a:schemeClr val="tx1"/>
                           </a:solidFill>
                         </a:rPr>
                         <a:t>문서 코드</a:t>
                       </a:r>
-                      <a:endParaRPr lang="ko-KR" altLang="en-US" sz="1600" dirty="0">
-                        <a:solidFill>
-                          <a:schemeClr val="tx1"/>
-                        </a:solidFill>
-                      </a:endParaRPr>
                     </a:p>
                   </a:txBody>
                   <a:tcPr>
@@ -4066,12 +4038,72 @@
                     <a:p>
                       <a:pPr algn="ctr" latinLnBrk="1"/>
                       <a:r>
-                        <a:rPr lang="ko-KR" altLang="en-US" sz="1600" dirty="0" smtClean="0">
+                        <a:rPr lang="ko-KR" altLang="en-US" sz="1600" dirty="0">
                           <a:solidFill>
                             <a:schemeClr val="tx1"/>
                           </a:solidFill>
                         </a:rPr>
                         <a:t>파일명</a:t>
+                      </a:r>
+                    </a:p>
+                  </a:txBody>
+                  <a:tcPr>
+                    <a:lnL w="12700" cap="flat" cmpd="sng" algn="ctr">
+                      <a:solidFill>
+                        <a:schemeClr val="tx1"/>
+                      </a:solidFill>
+                      <a:prstDash val="solid"/>
+                      <a:round/>
+                      <a:headEnd type="none" w="med" len="med"/>
+                      <a:tailEnd type="none" w="med" len="med"/>
+                    </a:lnL>
+                    <a:lnR w="12700" cap="flat" cmpd="sng" algn="ctr">
+                      <a:solidFill>
+                        <a:schemeClr val="tx1"/>
+                      </a:solidFill>
+                      <a:prstDash val="solid"/>
+                      <a:round/>
+                      <a:headEnd type="none" w="med" len="med"/>
+                      <a:tailEnd type="none" w="med" len="med"/>
+                    </a:lnR>
+                    <a:lnT w="12700" cap="flat" cmpd="sng" algn="ctr">
+                      <a:solidFill>
+                        <a:schemeClr val="tx1"/>
+                      </a:solidFill>
+                      <a:prstDash val="solid"/>
+                      <a:round/>
+                      <a:headEnd type="none" w="med" len="med"/>
+                      <a:tailEnd type="none" w="med" len="med"/>
+                    </a:lnT>
+                    <a:lnB w="12700" cap="flat" cmpd="sng" algn="ctr">
+                      <a:solidFill>
+                        <a:schemeClr val="tx1"/>
+                      </a:solidFill>
+                      <a:prstDash val="solid"/>
+                      <a:round/>
+                      <a:headEnd type="none" w="med" len="med"/>
+                      <a:tailEnd type="none" w="med" len="med"/>
+                    </a:lnB>
+                    <a:solidFill>
+                      <a:schemeClr val="bg2">
+                        <a:lumMod val="90000"/>
+                      </a:schemeClr>
+                    </a:solidFill>
+                  </a:tcPr>
+                </a:tc>
+                <a:tc>
+                  <a:txBody>
+                    <a:bodyPr/>
+                    <a:lstStyle/>
+                    <a:p>
+                      <a:pPr algn="ctr" latinLnBrk="1"/>
+                      <a:r>
+                        <a:rPr lang="ko-KR" altLang="en-US" sz="1600" dirty="0" err="1">
+                          <a:solidFill>
+                            <a:schemeClr val="tx1"/>
+                          </a:solidFill>
+                        </a:rPr>
+                        <a:t>화면명</a:t>
                       </a:r>
                       <a:endParaRPr lang="ko-KR" altLang="en-US" sz="1600" dirty="0">
                         <a:solidFill>
@@ -4131,83 +4163,13 @@
                     <a:p>
                       <a:pPr algn="ctr" latinLnBrk="1"/>
                       <a:r>
-                        <a:rPr lang="ko-KR" altLang="en-US" sz="1600" dirty="0" err="1" smtClean="0">
-                          <a:solidFill>
-                            <a:schemeClr val="tx1"/>
-                          </a:solidFill>
-                        </a:rPr>
-                        <a:t>화면명</a:t>
-                      </a:r>
-                      <a:endParaRPr lang="ko-KR" altLang="en-US" sz="1600" dirty="0">
-                        <a:solidFill>
-                          <a:schemeClr val="tx1"/>
-                        </a:solidFill>
-                      </a:endParaRPr>
-                    </a:p>
-                  </a:txBody>
-                  <a:tcPr>
-                    <a:lnL w="12700" cap="flat" cmpd="sng" algn="ctr">
-                      <a:solidFill>
-                        <a:schemeClr val="tx1"/>
-                      </a:solidFill>
-                      <a:prstDash val="solid"/>
-                      <a:round/>
-                      <a:headEnd type="none" w="med" len="med"/>
-                      <a:tailEnd type="none" w="med" len="med"/>
-                    </a:lnL>
-                    <a:lnR w="12700" cap="flat" cmpd="sng" algn="ctr">
-                      <a:solidFill>
-                        <a:schemeClr val="tx1"/>
-                      </a:solidFill>
-                      <a:prstDash val="solid"/>
-                      <a:round/>
-                      <a:headEnd type="none" w="med" len="med"/>
-                      <a:tailEnd type="none" w="med" len="med"/>
-                    </a:lnR>
-                    <a:lnT w="12700" cap="flat" cmpd="sng" algn="ctr">
-                      <a:solidFill>
-                        <a:schemeClr val="tx1"/>
-                      </a:solidFill>
-                      <a:prstDash val="solid"/>
-                      <a:round/>
-                      <a:headEnd type="none" w="med" len="med"/>
-                      <a:tailEnd type="none" w="med" len="med"/>
-                    </a:lnT>
-                    <a:lnB w="12700" cap="flat" cmpd="sng" algn="ctr">
-                      <a:solidFill>
-                        <a:schemeClr val="tx1"/>
-                      </a:solidFill>
-                      <a:prstDash val="solid"/>
-                      <a:round/>
-                      <a:headEnd type="none" w="med" len="med"/>
-                      <a:tailEnd type="none" w="med" len="med"/>
-                    </a:lnB>
-                    <a:solidFill>
-                      <a:schemeClr val="bg2">
-                        <a:lumMod val="90000"/>
-                      </a:schemeClr>
-                    </a:solidFill>
-                  </a:tcPr>
-                </a:tc>
-                <a:tc>
-                  <a:txBody>
-                    <a:bodyPr/>
-                    <a:lstStyle/>
-                    <a:p>
-                      <a:pPr algn="ctr" latinLnBrk="1"/>
-                      <a:r>
-                        <a:rPr lang="ko-KR" altLang="en-US" sz="1600" dirty="0" smtClean="0">
+                        <a:rPr lang="ko-KR" altLang="en-US" sz="1600" dirty="0">
                           <a:solidFill>
                             <a:schemeClr val="tx1"/>
                           </a:solidFill>
                         </a:rPr>
                         <a:t>작성자</a:t>
                       </a:r>
-                      <a:endParaRPr lang="ko-KR" altLang="en-US" sz="1600" dirty="0">
-                        <a:solidFill>
-                          <a:schemeClr val="tx1"/>
-                        </a:solidFill>
-                      </a:endParaRPr>
                     </a:p>
                   </a:txBody>
                   <a:tcPr>
@@ -4268,7 +4230,7 @@
                     <a:p>
                       <a:pPr algn="ctr" latinLnBrk="1"/>
                       <a:r>
-                        <a:rPr lang="en-US" altLang="ko-KR" sz="1600" dirty="0" smtClean="0">
+                        <a:rPr lang="en-US" altLang="ko-KR" sz="1600" dirty="0">
                           <a:solidFill>
                             <a:schemeClr val="tx1"/>
                           </a:solidFill>
@@ -4329,7 +4291,7 @@
                     <a:p>
                       <a:pPr algn="ctr" latinLnBrk="1"/>
                       <a:r>
-                        <a:rPr lang="en-US" altLang="ko-KR" sz="1600" dirty="0" err="1" smtClean="0">
+                        <a:rPr lang="en-US" altLang="ko-KR" sz="1600" dirty="0" err="1">
                           <a:solidFill>
                             <a:schemeClr val="tx1"/>
                           </a:solidFill>
@@ -4390,7 +4352,7 @@
                     <a:p>
                       <a:pPr algn="ctr" latinLnBrk="1"/>
                       <a:r>
-                        <a:rPr lang="ko-KR" altLang="en-US" sz="1600" dirty="0" smtClean="0">
+                        <a:rPr lang="ko-KR" altLang="en-US" sz="1600" dirty="0">
                           <a:solidFill>
                             <a:schemeClr val="tx1"/>
                           </a:solidFill>
@@ -4398,7 +4360,7 @@
                         <a:t>회원가입 페이지 </a:t>
                       </a:r>
                       <a:r>
-                        <a:rPr lang="en-US" altLang="ko-KR" sz="1600" dirty="0" smtClean="0">
+                        <a:rPr lang="en-US" altLang="ko-KR" sz="1600" dirty="0">
                           <a:solidFill>
                             <a:schemeClr val="tx1"/>
                           </a:solidFill>
@@ -4406,18 +4368,13 @@
                         <a:t>- </a:t>
                       </a:r>
                       <a:r>
-                        <a:rPr lang="ko-KR" altLang="en-US" sz="1600" dirty="0" smtClean="0">
+                        <a:rPr lang="ko-KR" altLang="en-US" sz="1600" dirty="0">
                           <a:solidFill>
                             <a:schemeClr val="tx1"/>
                           </a:solidFill>
                         </a:rPr>
                         <a:t>약관동의</a:t>
                       </a:r>
-                      <a:endParaRPr lang="ko-KR" altLang="en-US" sz="1600" dirty="0">
-                        <a:solidFill>
-                          <a:schemeClr val="tx1"/>
-                        </a:solidFill>
-                      </a:endParaRPr>
                     </a:p>
                   </a:txBody>
                   <a:tcPr>
@@ -4467,18 +4424,13 @@
                     <a:p>
                       <a:pPr algn="ctr" latinLnBrk="1"/>
                       <a:r>
-                        <a:rPr lang="ko-KR" altLang="en-US" sz="1600" dirty="0" smtClean="0">
+                        <a:rPr lang="ko-KR" altLang="en-US" sz="1600" dirty="0">
                           <a:solidFill>
                             <a:schemeClr val="tx1"/>
                           </a:solidFill>
                         </a:rPr>
                         <a:t>하 태민</a:t>
                       </a:r>
-                      <a:endParaRPr lang="ko-KR" altLang="en-US" sz="1600" dirty="0">
-                        <a:solidFill>
-                          <a:schemeClr val="tx1"/>
-                        </a:solidFill>
-                      </a:endParaRPr>
                     </a:p>
                   </a:txBody>
                   <a:tcPr>
@@ -4586,7 +4538,7 @@
                     <a:p>
                       <a:pPr algn="ctr" latinLnBrk="1"/>
                       <a:r>
-                        <a:rPr lang="en-US" altLang="ko-KR" sz="1400" dirty="0" smtClean="0">
+                        <a:rPr lang="en-US" altLang="ko-KR" sz="1400" dirty="0">
                           <a:solidFill>
                             <a:schemeClr val="tx1"/>
                           </a:solidFill>
@@ -4659,7 +4611,7 @@
                     <a:p>
                       <a:pPr algn="ctr" latinLnBrk="1"/>
                       <a:r>
-                        <a:rPr lang="en-US" altLang="ko-KR" sz="1400" dirty="0" smtClean="0">
+                        <a:rPr lang="en-US" altLang="ko-KR" sz="1400" dirty="0">
                           <a:solidFill>
                             <a:schemeClr val="tx1"/>
                           </a:solidFill>
@@ -4724,18 +4676,13 @@
                     <a:p>
                       <a:pPr algn="ctr" latinLnBrk="1"/>
                       <a:r>
-                        <a:rPr lang="ko-KR" altLang="en-US" sz="1400" dirty="0" smtClean="0">
+                        <a:rPr lang="ko-KR" altLang="en-US" sz="1400" dirty="0">
                           <a:solidFill>
                             <a:schemeClr val="tx1"/>
                           </a:solidFill>
                         </a:rPr>
                         <a:t>기능</a:t>
                       </a:r>
-                      <a:endParaRPr lang="ko-KR" altLang="en-US" sz="1400" dirty="0">
-                        <a:solidFill>
-                          <a:schemeClr val="tx1"/>
-                        </a:solidFill>
-                      </a:endParaRPr>
                     </a:p>
                   </a:txBody>
                   <a:tcPr>
@@ -4796,7 +4743,7 @@
                     <a:p>
                       <a:pPr algn="ctr" latinLnBrk="1"/>
                       <a:r>
-                        <a:rPr lang="en-US" altLang="ko-KR" sz="1100" dirty="0" smtClean="0">
+                        <a:rPr lang="en-US" altLang="ko-KR" sz="1100" dirty="0">
                           <a:solidFill>
                             <a:schemeClr val="tx1"/>
                           </a:solidFill>
@@ -4913,7 +4860,7 @@
                         <a:buChar char="-"/>
                       </a:pPr>
                       <a:r>
-                        <a:rPr lang="ko-KR" altLang="en-US" sz="1100" dirty="0" smtClean="0">
+                        <a:rPr lang="ko-KR" altLang="en-US" sz="1100" dirty="0">
                           <a:solidFill>
                             <a:schemeClr val="tx1"/>
                           </a:solidFill>
@@ -4921,7 +4868,7 @@
                         <a:t>이용 약관 동의</a:t>
                       </a:r>
                       <a:r>
-                        <a:rPr lang="en-US" altLang="ko-KR" sz="1100" dirty="0" smtClean="0">
+                        <a:rPr lang="en-US" altLang="ko-KR" sz="1100" dirty="0">
                           <a:solidFill>
                             <a:schemeClr val="tx1"/>
                           </a:solidFill>
@@ -4989,7 +4936,7 @@
                     <a:p>
                       <a:pPr algn="ctr" latinLnBrk="1"/>
                       <a:r>
-                        <a:rPr lang="en-US" altLang="ko-KR" sz="1100" dirty="0" smtClean="0">
+                        <a:rPr lang="en-US" altLang="ko-KR" sz="1100" dirty="0">
                           <a:solidFill>
                             <a:schemeClr val="tx1"/>
                           </a:solidFill>
@@ -5106,7 +5053,7 @@
                         <a:buChar char="-"/>
                       </a:pPr>
                       <a:r>
-                        <a:rPr lang="ko-KR" altLang="en-US" sz="1100" dirty="0" smtClean="0">
+                        <a:rPr lang="ko-KR" altLang="en-US" sz="1100" dirty="0">
                           <a:solidFill>
                             <a:schemeClr val="tx1"/>
                           </a:solidFill>
@@ -5114,7 +5061,7 @@
                         <a:t>개인정보취급방침 동의</a:t>
                       </a:r>
                       <a:r>
-                        <a:rPr lang="en-US" altLang="ko-KR" sz="1100" dirty="0" smtClean="0">
+                        <a:rPr lang="en-US" altLang="ko-KR" sz="1100" dirty="0">
                           <a:solidFill>
                             <a:schemeClr val="tx1"/>
                           </a:solidFill>
@@ -5182,7 +5129,7 @@
                     <a:p>
                       <a:pPr algn="ctr" latinLnBrk="1"/>
                       <a:r>
-                        <a:rPr lang="en-US" altLang="ko-KR" sz="1100" dirty="0" smtClean="0">
+                        <a:rPr lang="en-US" altLang="ko-KR" sz="1100" dirty="0">
                           <a:solidFill>
                             <a:schemeClr val="tx1"/>
                           </a:solidFill>
@@ -5299,14 +5246,14 @@
                         <a:buChar char="-"/>
                       </a:pPr>
                       <a:r>
-                        <a:rPr lang="ko-KR" altLang="en-US" sz="1100" dirty="0" smtClean="0">
+                        <a:rPr lang="ko-KR" altLang="en-US" sz="1100" dirty="0">
                           <a:solidFill>
                             <a:schemeClr val="tx1"/>
                           </a:solidFill>
                         </a:rPr>
                         <a:t>전체 약관 동의</a:t>
                       </a:r>
-                      <a:endParaRPr lang="en-US" altLang="ko-KR" sz="1100" dirty="0" smtClean="0">
+                      <a:endParaRPr lang="en-US" altLang="ko-KR" sz="1100" dirty="0">
                         <a:solidFill>
                           <a:schemeClr val="tx1"/>
                         </a:solidFill>
@@ -5367,7 +5314,7 @@
                     <a:p>
                       <a:pPr algn="ctr" latinLnBrk="1"/>
                       <a:r>
-                        <a:rPr lang="en-US" altLang="ko-KR" sz="1100" dirty="0" smtClean="0">
+                        <a:rPr lang="en-US" altLang="ko-KR" sz="1100" dirty="0">
                           <a:solidFill>
                             <a:schemeClr val="tx1"/>
                           </a:solidFill>
@@ -5484,7 +5431,7 @@
                         <a:buChar char="-"/>
                       </a:pPr>
                       <a:r>
-                        <a:rPr lang="ko-KR" altLang="en-US" sz="1100" baseline="0" dirty="0" smtClean="0">
+                        <a:rPr lang="ko-KR" altLang="en-US" sz="1100" baseline="0" dirty="0">
                           <a:solidFill>
                             <a:schemeClr val="tx1"/>
                           </a:solidFill>
@@ -5492,7 +5439,7 @@
                         <a:t>약관에 전체 동의 하지 않는 경우 확인버튼 비 활성화</a:t>
                       </a:r>
                       <a:r>
-                        <a:rPr lang="en-US" altLang="ko-KR" sz="1100" baseline="0" dirty="0" smtClean="0">
+                        <a:rPr lang="en-US" altLang="ko-KR" sz="1100" baseline="0" dirty="0">
                           <a:solidFill>
                             <a:schemeClr val="tx1"/>
                           </a:solidFill>
@@ -5505,7 +5452,7 @@
                         <a:buFontTx/>
                         <a:buChar char="-"/>
                       </a:pPr>
-                      <a:endParaRPr lang="en-US" altLang="ko-KR" sz="1100" baseline="0" dirty="0" smtClean="0">
+                      <a:endParaRPr lang="en-US" altLang="ko-KR" sz="1100" baseline="0" dirty="0">
                         <a:solidFill>
                           <a:schemeClr val="tx1"/>
                         </a:solidFill>
@@ -5517,7 +5464,7 @@
                         <a:buChar char="-"/>
                       </a:pPr>
                       <a:r>
-                        <a:rPr lang="ko-KR" altLang="en-US" sz="1100" baseline="0" dirty="0" smtClean="0">
+                        <a:rPr lang="ko-KR" altLang="en-US" sz="1100" baseline="0" dirty="0">
                           <a:solidFill>
                             <a:schemeClr val="tx1"/>
                           </a:solidFill>
@@ -5525,7 +5472,7 @@
                         <a:t>약관 전체 동의 한 경우 </a:t>
                       </a:r>
                       <a:r>
-                        <a:rPr lang="ko-KR" altLang="en-US" sz="1100" baseline="0" dirty="0" err="1" smtClean="0">
+                        <a:rPr lang="ko-KR" altLang="en-US" sz="1100" baseline="0" dirty="0" err="1">
                           <a:solidFill>
                             <a:schemeClr val="tx1"/>
                           </a:solidFill>
@@ -5533,14 +5480,14 @@
                         <a:t>정보입력</a:t>
                       </a:r>
                       <a:r>
-                        <a:rPr lang="ko-KR" altLang="en-US" sz="1100" baseline="0" dirty="0" smtClean="0">
+                        <a:rPr lang="ko-KR" altLang="en-US" sz="1100" baseline="0" dirty="0">
                           <a:solidFill>
                             <a:schemeClr val="tx1"/>
                           </a:solidFill>
                         </a:rPr>
                         <a:t> 페이지로 이동</a:t>
                       </a:r>
-                      <a:endParaRPr lang="en-US" altLang="ko-KR" sz="1100" baseline="0" dirty="0" smtClean="0">
+                      <a:endParaRPr lang="en-US" altLang="ko-KR" sz="1100" baseline="0" dirty="0">
                         <a:solidFill>
                           <a:schemeClr val="tx1"/>
                         </a:solidFill>
@@ -5552,7 +5499,7 @@
                         <a:buNone/>
                       </a:pPr>
                       <a:r>
-                        <a:rPr lang="en-US" altLang="ko-KR" sz="1100" baseline="0" dirty="0" err="1" smtClean="0">
+                        <a:rPr lang="en-US" altLang="ko-KR" sz="1100" baseline="0" dirty="0" err="1">
                           <a:solidFill>
                             <a:schemeClr val="tx1"/>
                           </a:solidFill>
@@ -5560,7 +5507,7 @@
                         <a:t>url</a:t>
                       </a:r>
                       <a:r>
-                        <a:rPr lang="en-US" altLang="ko-KR" sz="1100" baseline="0" dirty="0" smtClean="0">
+                        <a:rPr lang="en-US" altLang="ko-KR" sz="1100" baseline="0" dirty="0">
                           <a:solidFill>
                             <a:schemeClr val="tx1"/>
                           </a:solidFill>
@@ -5568,14 +5515,14 @@
                         <a:t> : </a:t>
                       </a:r>
                       <a:r>
-                        <a:rPr lang="en-US" altLang="ko-KR" sz="1100" baseline="0" dirty="0" err="1" smtClean="0">
+                        <a:rPr lang="en-US" altLang="ko-KR" sz="1100" baseline="0" dirty="0" err="1">
                           <a:solidFill>
                             <a:schemeClr val="tx1"/>
                           </a:solidFill>
                         </a:rPr>
                         <a:t>join_form</a:t>
                       </a:r>
-                      <a:endParaRPr lang="en-US" altLang="ko-KR" sz="1100" baseline="0" dirty="0" smtClean="0">
+                      <a:endParaRPr lang="en-US" altLang="ko-KR" sz="1100" baseline="0" dirty="0">
                         <a:solidFill>
                           <a:schemeClr val="tx1"/>
                         </a:solidFill>
@@ -5636,7 +5583,7 @@
                     <a:p>
                       <a:pPr algn="ctr" latinLnBrk="1"/>
                       <a:r>
-                        <a:rPr lang="en-US" altLang="ko-KR" sz="1100" dirty="0" smtClean="0">
+                        <a:rPr lang="en-US" altLang="ko-KR" sz="1100" dirty="0">
                           <a:solidFill>
                             <a:schemeClr val="tx1"/>
                           </a:solidFill>
@@ -5753,7 +5700,7 @@
                         <a:buChar char="-"/>
                       </a:pPr>
                       <a:r>
-                        <a:rPr lang="ko-KR" altLang="en-US" sz="1100" dirty="0" smtClean="0">
+                        <a:rPr lang="ko-KR" altLang="en-US" sz="1100" dirty="0">
                           <a:solidFill>
                             <a:schemeClr val="tx1"/>
                           </a:solidFill>
@@ -5761,7 +5708,7 @@
                         <a:t>메인 페이지로 이동</a:t>
                       </a:r>
                       <a:r>
-                        <a:rPr lang="en-US" altLang="ko-KR" sz="1100" dirty="0" smtClean="0">
+                        <a:rPr lang="en-US" altLang="ko-KR" sz="1100" dirty="0">
                           <a:solidFill>
                             <a:schemeClr val="tx1"/>
                           </a:solidFill>
@@ -5775,7 +5722,7 @@
                         <a:buNone/>
                       </a:pPr>
                       <a:r>
-                        <a:rPr lang="en-US" altLang="ko-KR" sz="1100" dirty="0" err="1" smtClean="0">
+                        <a:rPr lang="en-US" altLang="ko-KR" sz="1100" dirty="0" err="1">
                           <a:solidFill>
                             <a:schemeClr val="tx1"/>
                           </a:solidFill>
@@ -5783,14 +5730,14 @@
                         <a:t>url</a:t>
                       </a:r>
                       <a:r>
-                        <a:rPr lang="en-US" altLang="ko-KR" sz="1100" baseline="0" dirty="0" smtClean="0">
+                        <a:rPr lang="en-US" altLang="ko-KR" sz="1100" baseline="0" dirty="0">
                           <a:solidFill>
                             <a:schemeClr val="tx1"/>
                           </a:solidFill>
                         </a:rPr>
                         <a:t> : index</a:t>
                       </a:r>
-                      <a:endParaRPr lang="en-US" altLang="ko-KR" sz="1100" dirty="0" smtClean="0">
+                      <a:endParaRPr lang="en-US" altLang="ko-KR" sz="1100" dirty="0">
                         <a:solidFill>
                           <a:schemeClr val="tx1"/>
                         </a:solidFill>
@@ -5887,7 +5834,7 @@
           <a:p>
             <a:pPr algn="ctr"/>
             <a:r>
-              <a:rPr lang="en-US" altLang="ko-KR" dirty="0" smtClean="0"/>
+              <a:rPr lang="en-US" altLang="ko-KR" dirty="0"/>
               <a:t>1</a:t>
             </a:r>
             <a:endParaRPr lang="ko-KR" altLang="en-US" dirty="0"/>
@@ -5981,7 +5928,7 @@
           <a:p>
             <a:pPr algn="ctr"/>
             <a:r>
-              <a:rPr lang="en-US" altLang="ko-KR" dirty="0" smtClean="0"/>
+              <a:rPr lang="en-US" altLang="ko-KR" dirty="0"/>
               <a:t>3</a:t>
             </a:r>
             <a:endParaRPr lang="ko-KR" altLang="en-US" dirty="0"/>
@@ -6075,7 +6022,7 @@
           <a:p>
             <a:pPr algn="ctr"/>
             <a:r>
-              <a:rPr lang="en-US" altLang="ko-KR" dirty="0" smtClean="0"/>
+              <a:rPr lang="en-US" altLang="ko-KR" dirty="0"/>
               <a:t>5</a:t>
             </a:r>
             <a:endParaRPr lang="ko-KR" altLang="en-US" dirty="0"/>
@@ -6092,13 +6039,6 @@
   <p:clrMapOvr>
     <a:masterClrMapping/>
   </p:clrMapOvr>
-  <p:timing>
-    <p:tnLst>
-      <p:par>
-        <p:cTn id="1" dur="indefinite" restart="never" nodeType="tmRoot"/>
-      </p:par>
-    </p:tnLst>
-  </p:timing>
 </p:sld>
 </file>
 
@@ -6216,18 +6156,13 @@
                     <a:p>
                       <a:pPr algn="ctr" latinLnBrk="1"/>
                       <a:r>
-                        <a:rPr lang="ko-KR" altLang="en-US" sz="1600" dirty="0" smtClean="0">
+                        <a:rPr lang="ko-KR" altLang="en-US" sz="1600" dirty="0">
                           <a:solidFill>
                             <a:schemeClr val="tx1"/>
                           </a:solidFill>
                         </a:rPr>
                         <a:t>문서 코드</a:t>
                       </a:r>
-                      <a:endParaRPr lang="ko-KR" altLang="en-US" sz="1600" dirty="0">
-                        <a:solidFill>
-                          <a:schemeClr val="tx1"/>
-                        </a:solidFill>
-                      </a:endParaRPr>
                     </a:p>
                   </a:txBody>
                   <a:tcPr>
@@ -6289,12 +6224,72 @@
                     <a:p>
                       <a:pPr algn="ctr" latinLnBrk="1"/>
                       <a:r>
-                        <a:rPr lang="ko-KR" altLang="en-US" sz="1600" dirty="0" smtClean="0">
+                        <a:rPr lang="ko-KR" altLang="en-US" sz="1600" dirty="0">
                           <a:solidFill>
                             <a:schemeClr val="tx1"/>
                           </a:solidFill>
                         </a:rPr>
                         <a:t>파일명</a:t>
+                      </a:r>
+                    </a:p>
+                  </a:txBody>
+                  <a:tcPr>
+                    <a:lnL w="12700" cap="flat" cmpd="sng" algn="ctr">
+                      <a:solidFill>
+                        <a:schemeClr val="tx1"/>
+                      </a:solidFill>
+                      <a:prstDash val="solid"/>
+                      <a:round/>
+                      <a:headEnd type="none" w="med" len="med"/>
+                      <a:tailEnd type="none" w="med" len="med"/>
+                    </a:lnL>
+                    <a:lnR w="12700" cap="flat" cmpd="sng" algn="ctr">
+                      <a:solidFill>
+                        <a:schemeClr val="tx1"/>
+                      </a:solidFill>
+                      <a:prstDash val="solid"/>
+                      <a:round/>
+                      <a:headEnd type="none" w="med" len="med"/>
+                      <a:tailEnd type="none" w="med" len="med"/>
+                    </a:lnR>
+                    <a:lnT w="12700" cap="flat" cmpd="sng" algn="ctr">
+                      <a:solidFill>
+                        <a:schemeClr val="tx1"/>
+                      </a:solidFill>
+                      <a:prstDash val="solid"/>
+                      <a:round/>
+                      <a:headEnd type="none" w="med" len="med"/>
+                      <a:tailEnd type="none" w="med" len="med"/>
+                    </a:lnT>
+                    <a:lnB w="12700" cap="flat" cmpd="sng" algn="ctr">
+                      <a:solidFill>
+                        <a:schemeClr val="tx1"/>
+                      </a:solidFill>
+                      <a:prstDash val="solid"/>
+                      <a:round/>
+                      <a:headEnd type="none" w="med" len="med"/>
+                      <a:tailEnd type="none" w="med" len="med"/>
+                    </a:lnB>
+                    <a:solidFill>
+                      <a:schemeClr val="bg2">
+                        <a:lumMod val="90000"/>
+                      </a:schemeClr>
+                    </a:solidFill>
+                  </a:tcPr>
+                </a:tc>
+                <a:tc>
+                  <a:txBody>
+                    <a:bodyPr/>
+                    <a:lstStyle/>
+                    <a:p>
+                      <a:pPr algn="ctr" latinLnBrk="1"/>
+                      <a:r>
+                        <a:rPr lang="ko-KR" altLang="en-US" sz="1600" dirty="0" err="1">
+                          <a:solidFill>
+                            <a:schemeClr val="tx1"/>
+                          </a:solidFill>
+                        </a:rPr>
+                        <a:t>화면명</a:t>
                       </a:r>
                       <a:endParaRPr lang="ko-KR" altLang="en-US" sz="1600" dirty="0">
                         <a:solidFill>
@@ -6354,83 +6349,13 @@
                     <a:p>
                       <a:pPr algn="ctr" latinLnBrk="1"/>
                       <a:r>
-                        <a:rPr lang="ko-KR" altLang="en-US" sz="1600" dirty="0" err="1" smtClean="0">
-                          <a:solidFill>
-                            <a:schemeClr val="tx1"/>
-                          </a:solidFill>
-                        </a:rPr>
-                        <a:t>화면명</a:t>
-                      </a:r>
-                      <a:endParaRPr lang="ko-KR" altLang="en-US" sz="1600" dirty="0">
-                        <a:solidFill>
-                          <a:schemeClr val="tx1"/>
-                        </a:solidFill>
-                      </a:endParaRPr>
-                    </a:p>
-                  </a:txBody>
-                  <a:tcPr>
-                    <a:lnL w="12700" cap="flat" cmpd="sng" algn="ctr">
-                      <a:solidFill>
-                        <a:schemeClr val="tx1"/>
-                      </a:solidFill>
-                      <a:prstDash val="solid"/>
-                      <a:round/>
-                      <a:headEnd type="none" w="med" len="med"/>
-                      <a:tailEnd type="none" w="med" len="med"/>
-                    </a:lnL>
-                    <a:lnR w="12700" cap="flat" cmpd="sng" algn="ctr">
-                      <a:solidFill>
-                        <a:schemeClr val="tx1"/>
-                      </a:solidFill>
-                      <a:prstDash val="solid"/>
-                      <a:round/>
-                      <a:headEnd type="none" w="med" len="med"/>
-                      <a:tailEnd type="none" w="med" len="med"/>
-                    </a:lnR>
-                    <a:lnT w="12700" cap="flat" cmpd="sng" algn="ctr">
-                      <a:solidFill>
-                        <a:schemeClr val="tx1"/>
-                      </a:solidFill>
-                      <a:prstDash val="solid"/>
-                      <a:round/>
-                      <a:headEnd type="none" w="med" len="med"/>
-                      <a:tailEnd type="none" w="med" len="med"/>
-                    </a:lnT>
-                    <a:lnB w="12700" cap="flat" cmpd="sng" algn="ctr">
-                      <a:solidFill>
-                        <a:schemeClr val="tx1"/>
-                      </a:solidFill>
-                      <a:prstDash val="solid"/>
-                      <a:round/>
-                      <a:headEnd type="none" w="med" len="med"/>
-                      <a:tailEnd type="none" w="med" len="med"/>
-                    </a:lnB>
-                    <a:solidFill>
-                      <a:schemeClr val="bg2">
-                        <a:lumMod val="90000"/>
-                      </a:schemeClr>
-                    </a:solidFill>
-                  </a:tcPr>
-                </a:tc>
-                <a:tc>
-                  <a:txBody>
-                    <a:bodyPr/>
-                    <a:lstStyle/>
-                    <a:p>
-                      <a:pPr algn="ctr" latinLnBrk="1"/>
-                      <a:r>
-                        <a:rPr lang="ko-KR" altLang="en-US" sz="1600" dirty="0" smtClean="0">
+                        <a:rPr lang="ko-KR" altLang="en-US" sz="1600" dirty="0">
                           <a:solidFill>
                             <a:schemeClr val="tx1"/>
                           </a:solidFill>
                         </a:rPr>
                         <a:t>작성자</a:t>
                       </a:r>
-                      <a:endParaRPr lang="ko-KR" altLang="en-US" sz="1600" dirty="0">
-                        <a:solidFill>
-                          <a:schemeClr val="tx1"/>
-                        </a:solidFill>
-                      </a:endParaRPr>
                     </a:p>
                   </a:txBody>
                   <a:tcPr>
@@ -6491,7 +6416,7 @@
                     <a:p>
                       <a:pPr algn="ctr" latinLnBrk="1"/>
                       <a:r>
-                        <a:rPr lang="en-US" altLang="ko-KR" sz="1600" dirty="0" smtClean="0">
+                        <a:rPr lang="en-US" altLang="ko-KR" sz="1600" dirty="0">
                           <a:solidFill>
                             <a:schemeClr val="tx1"/>
                           </a:solidFill>
@@ -6552,7 +6477,7 @@
                     <a:p>
                       <a:pPr algn="ctr" latinLnBrk="1"/>
                       <a:r>
-                        <a:rPr lang="en-US" altLang="ko-KR" sz="1600" dirty="0" err="1" smtClean="0">
+                        <a:rPr lang="en-US" altLang="ko-KR" sz="1600" dirty="0" err="1">
                           <a:solidFill>
                             <a:schemeClr val="tx1"/>
                           </a:solidFill>
@@ -6613,7 +6538,7 @@
                     <a:p>
                       <a:pPr algn="ctr" latinLnBrk="1"/>
                       <a:r>
-                        <a:rPr lang="ko-KR" altLang="en-US" sz="1600" dirty="0" smtClean="0">
+                        <a:rPr lang="ko-KR" altLang="en-US" sz="1600" dirty="0">
                           <a:solidFill>
                             <a:schemeClr val="tx1"/>
                           </a:solidFill>
@@ -6621,7 +6546,7 @@
                         <a:t>회원가입 페이지 </a:t>
                       </a:r>
                       <a:r>
-                        <a:rPr lang="en-US" altLang="ko-KR" sz="1600" dirty="0" smtClean="0">
+                        <a:rPr lang="en-US" altLang="ko-KR" sz="1600" dirty="0">
                           <a:solidFill>
                             <a:schemeClr val="tx1"/>
                           </a:solidFill>
@@ -6629,7 +6554,7 @@
                         <a:t>- </a:t>
                       </a:r>
                       <a:r>
-                        <a:rPr lang="ko-KR" altLang="en-US" sz="1600" dirty="0" err="1" smtClean="0">
+                        <a:rPr lang="ko-KR" altLang="en-US" sz="1600" dirty="0" err="1">
                           <a:solidFill>
                             <a:schemeClr val="tx1"/>
                           </a:solidFill>
@@ -6690,18 +6615,13 @@
                     <a:p>
                       <a:pPr algn="ctr" latinLnBrk="1"/>
                       <a:r>
-                        <a:rPr lang="ko-KR" altLang="en-US" sz="1600" dirty="0" smtClean="0">
+                        <a:rPr lang="ko-KR" altLang="en-US" sz="1600" dirty="0">
                           <a:solidFill>
                             <a:schemeClr val="tx1"/>
                           </a:solidFill>
                         </a:rPr>
                         <a:t>하 태민</a:t>
                       </a:r>
-                      <a:endParaRPr lang="ko-KR" altLang="en-US" sz="1600" dirty="0">
-                        <a:solidFill>
-                          <a:schemeClr val="tx1"/>
-                        </a:solidFill>
-                      </a:endParaRPr>
                     </a:p>
                   </a:txBody>
                   <a:tcPr>
@@ -6809,7 +6729,7 @@
                     <a:p>
                       <a:pPr algn="ctr" latinLnBrk="1"/>
                       <a:r>
-                        <a:rPr lang="en-US" altLang="ko-KR" sz="1400" dirty="0" smtClean="0">
+                        <a:rPr lang="en-US" altLang="ko-KR" sz="1400" dirty="0">
                           <a:solidFill>
                             <a:schemeClr val="tx1"/>
                           </a:solidFill>
@@ -6882,7 +6802,7 @@
                     <a:p>
                       <a:pPr algn="ctr" latinLnBrk="1"/>
                       <a:r>
-                        <a:rPr lang="en-US" altLang="ko-KR" sz="1400" dirty="0" smtClean="0">
+                        <a:rPr lang="en-US" altLang="ko-KR" sz="1400" dirty="0">
                           <a:solidFill>
                             <a:schemeClr val="tx1"/>
                           </a:solidFill>
@@ -6947,18 +6867,13 @@
                     <a:p>
                       <a:pPr algn="ctr" latinLnBrk="1"/>
                       <a:r>
-                        <a:rPr lang="ko-KR" altLang="en-US" sz="1400" dirty="0" smtClean="0">
+                        <a:rPr lang="ko-KR" altLang="en-US" sz="1400" dirty="0">
                           <a:solidFill>
                             <a:schemeClr val="tx1"/>
                           </a:solidFill>
                         </a:rPr>
                         <a:t>기능</a:t>
                       </a:r>
-                      <a:endParaRPr lang="ko-KR" altLang="en-US" sz="1400" dirty="0">
-                        <a:solidFill>
-                          <a:schemeClr val="tx1"/>
-                        </a:solidFill>
-                      </a:endParaRPr>
                     </a:p>
                   </a:txBody>
                   <a:tcPr>
@@ -7019,7 +6934,7 @@
                     <a:p>
                       <a:pPr algn="ctr" latinLnBrk="1"/>
                       <a:r>
-                        <a:rPr lang="en-US" altLang="ko-KR" sz="1100" dirty="0" smtClean="0">
+                        <a:rPr lang="en-US" altLang="ko-KR" sz="1100" dirty="0">
                           <a:solidFill>
                             <a:schemeClr val="tx1"/>
                           </a:solidFill>
@@ -7136,7 +7051,7 @@
                         <a:buChar char="-"/>
                       </a:pPr>
                       <a:r>
-                        <a:rPr lang="ko-KR" altLang="en-US" sz="1100" dirty="0" smtClean="0">
+                        <a:rPr lang="ko-KR" altLang="en-US" sz="1100" dirty="0">
                           <a:solidFill>
                             <a:schemeClr val="tx1"/>
                           </a:solidFill>
@@ -7144,7 +7059,7 @@
                         <a:t>아이디 입력 </a:t>
                       </a:r>
                       <a:r>
-                        <a:rPr lang="en-US" altLang="ko-KR" sz="1100" dirty="0" smtClean="0">
+                        <a:rPr lang="en-US" altLang="ko-KR" sz="1100" dirty="0">
                           <a:solidFill>
                             <a:schemeClr val="tx1"/>
                           </a:solidFill>
@@ -7152,7 +7067,7 @@
                         <a:t>(</a:t>
                       </a:r>
                       <a:r>
-                        <a:rPr lang="ko-KR" altLang="en-US" sz="1100" dirty="0" smtClean="0">
+                        <a:rPr lang="ko-KR" altLang="en-US" sz="1100" dirty="0">
                           <a:solidFill>
                             <a:schemeClr val="tx1"/>
                           </a:solidFill>
@@ -7160,7 +7075,7 @@
                         <a:t>최소 </a:t>
                       </a:r>
                       <a:r>
-                        <a:rPr lang="en-US" altLang="ko-KR" sz="1100" dirty="0" smtClean="0">
+                        <a:rPr lang="en-US" altLang="ko-KR" sz="1100" dirty="0">
                           <a:solidFill>
                             <a:schemeClr val="tx1"/>
                           </a:solidFill>
@@ -7168,7 +7083,7 @@
                         <a:t>5, </a:t>
                       </a:r>
                       <a:r>
-                        <a:rPr lang="ko-KR" altLang="en-US" sz="1100" dirty="0" smtClean="0">
+                        <a:rPr lang="ko-KR" altLang="en-US" sz="1100" dirty="0">
                           <a:solidFill>
                             <a:schemeClr val="tx1"/>
                           </a:solidFill>
@@ -7176,7 +7091,7 @@
                         <a:t>최대 </a:t>
                       </a:r>
                       <a:r>
-                        <a:rPr lang="en-US" altLang="ko-KR" sz="1100" dirty="0" smtClean="0">
+                        <a:rPr lang="en-US" altLang="ko-KR" sz="1100" dirty="0">
                           <a:solidFill>
                             <a:schemeClr val="tx1"/>
                           </a:solidFill>
@@ -7184,7 +7099,7 @@
                         <a:t>15</a:t>
                       </a:r>
                       <a:r>
-                        <a:rPr lang="ko-KR" altLang="en-US" sz="1100" dirty="0" smtClean="0">
+                        <a:rPr lang="ko-KR" altLang="en-US" sz="1100" dirty="0">
                           <a:solidFill>
                             <a:schemeClr val="tx1"/>
                           </a:solidFill>
@@ -7192,7 +7107,7 @@
                         <a:t>자</a:t>
                       </a:r>
                       <a:r>
-                        <a:rPr lang="en-US" altLang="ko-KR" sz="1100" dirty="0" smtClean="0">
+                        <a:rPr lang="en-US" altLang="ko-KR" sz="1100" dirty="0">
                           <a:solidFill>
                             <a:schemeClr val="tx1"/>
                           </a:solidFill>
@@ -7260,7 +7175,7 @@
                     <a:p>
                       <a:pPr algn="ctr" latinLnBrk="1"/>
                       <a:r>
-                        <a:rPr lang="en-US" altLang="ko-KR" sz="1100" dirty="0" smtClean="0">
+                        <a:rPr lang="en-US" altLang="ko-KR" sz="1100" dirty="0">
                           <a:solidFill>
                             <a:schemeClr val="tx1"/>
                           </a:solidFill>
@@ -7377,7 +7292,7 @@
                         <a:buChar char="-"/>
                       </a:pPr>
                       <a:r>
-                        <a:rPr lang="ko-KR" altLang="en-US" sz="1100" dirty="0" smtClean="0">
+                        <a:rPr lang="ko-KR" altLang="en-US" sz="1100" dirty="0">
                           <a:solidFill>
                             <a:schemeClr val="tx1"/>
                           </a:solidFill>
@@ -7385,56 +7300,7 @@
                         <a:t>아이디 중복 확인</a:t>
                       </a:r>
                       <a:r>
-                        <a:rPr lang="en-US" altLang="ko-KR" sz="1100" dirty="0" smtClean="0">
-                          <a:solidFill>
-                            <a:schemeClr val="tx1"/>
-                          </a:solidFill>
-                        </a:rPr>
-                        <a:t>.</a:t>
-                      </a:r>
-                    </a:p>
-                    <a:p>
-                      <a:pPr marL="171450" indent="-171450" algn="l" latinLnBrk="1">
-                        <a:buFontTx/>
-                        <a:buChar char="-"/>
-                      </a:pPr>
-                      <a:endParaRPr lang="en-US" altLang="ko-KR" sz="1100" dirty="0" smtClean="0">
-                        <a:solidFill>
-                          <a:schemeClr val="tx1"/>
-                        </a:solidFill>
-                      </a:endParaRPr>
-                    </a:p>
-                    <a:p>
-                      <a:pPr marL="171450" indent="-171450" algn="l" latinLnBrk="1">
-                        <a:buFontTx/>
-                        <a:buChar char="-"/>
-                      </a:pPr>
-                      <a:r>
-                        <a:rPr lang="ko-KR" altLang="en-US" sz="1100" dirty="0" smtClean="0">
-                          <a:solidFill>
-                            <a:schemeClr val="tx1"/>
-                          </a:solidFill>
-                        </a:rPr>
-                        <a:t>이미 아이디가 존재 한 경우 </a:t>
-                      </a:r>
-                      <a:r>
-                        <a:rPr lang="en-US" altLang="ko-KR" sz="1100" dirty="0" smtClean="0">
-                          <a:solidFill>
-                            <a:schemeClr val="tx1"/>
-                          </a:solidFill>
-                        </a:rPr>
-                        <a:t>alert </a:t>
-                      </a:r>
-                      <a:r>
-                        <a:rPr lang="ko-KR" altLang="en-US" sz="1100" dirty="0" smtClean="0">
-                          <a:solidFill>
-                            <a:schemeClr val="tx1"/>
-                          </a:solidFill>
-                        </a:rPr>
-                        <a:t>표시</a:t>
-                      </a:r>
-                      <a:r>
-                        <a:rPr lang="en-US" altLang="ko-KR" sz="1100" dirty="0" smtClean="0">
+                        <a:rPr lang="en-US" altLang="ko-KR" sz="1100" dirty="0">
                           <a:solidFill>
                             <a:schemeClr val="tx1"/>
                           </a:solidFill>
@@ -7459,7 +7325,56 @@
                         <a:buChar char="-"/>
                       </a:pPr>
                       <a:r>
-                        <a:rPr lang="ko-KR" altLang="en-US" sz="1100" dirty="0" smtClean="0">
+                        <a:rPr lang="ko-KR" altLang="en-US" sz="1100" dirty="0">
+                          <a:solidFill>
+                            <a:schemeClr val="tx1"/>
+                          </a:solidFill>
+                        </a:rPr>
+                        <a:t>이미 아이디가 존재 한 경우 </a:t>
+                      </a:r>
+                      <a:r>
+                        <a:rPr lang="en-US" altLang="ko-KR" sz="1100" dirty="0">
+                          <a:solidFill>
+                            <a:schemeClr val="tx1"/>
+                          </a:solidFill>
+                        </a:rPr>
+                        <a:t>alert </a:t>
+                      </a:r>
+                      <a:r>
+                        <a:rPr lang="ko-KR" altLang="en-US" sz="1100" dirty="0">
+                          <a:solidFill>
+                            <a:schemeClr val="tx1"/>
+                          </a:solidFill>
+                        </a:rPr>
+                        <a:t>표시</a:t>
+                      </a:r>
+                      <a:r>
+                        <a:rPr lang="en-US" altLang="ko-KR" sz="1100" dirty="0">
+                          <a:solidFill>
+                            <a:schemeClr val="tx1"/>
+                          </a:solidFill>
+                        </a:rPr>
+                        <a:t>.</a:t>
+                      </a:r>
+                    </a:p>
+                    <a:p>
+                      <a:pPr marL="171450" indent="-171450" algn="l" latinLnBrk="1">
+                        <a:buFontTx/>
+                        <a:buChar char="-"/>
+                      </a:pPr>
+                      <a:endParaRPr lang="en-US" altLang="ko-KR" sz="1100" dirty="0">
+                        <a:solidFill>
+                          <a:schemeClr val="tx1"/>
+                        </a:solidFill>
+                      </a:endParaRPr>
+                    </a:p>
+                    <a:p>
+                      <a:pPr marL="171450" indent="-171450" algn="l" latinLnBrk="1">
+                        <a:buFontTx/>
+                        <a:buChar char="-"/>
+                      </a:pPr>
+                      <a:r>
+                        <a:rPr lang="ko-KR" altLang="en-US" sz="1100" dirty="0">
                           <a:solidFill>
                             <a:schemeClr val="tx1"/>
                           </a:solidFill>
@@ -7467,7 +7382,7 @@
                         <a:t>아이디가 존재 하지 않는 경우 </a:t>
                       </a:r>
                       <a:r>
-                        <a:rPr lang="en-US" altLang="ko-KR" sz="1100" dirty="0" smtClean="0">
+                        <a:rPr lang="en-US" altLang="ko-KR" sz="1100" dirty="0">
                           <a:solidFill>
                             <a:schemeClr val="tx1"/>
                           </a:solidFill>
@@ -7475,7 +7390,7 @@
                         <a:t>alert </a:t>
                       </a:r>
                       <a:r>
-                        <a:rPr lang="ko-KR" altLang="en-US" sz="1100" dirty="0" smtClean="0">
+                        <a:rPr lang="ko-KR" altLang="en-US" sz="1100" dirty="0">
                           <a:solidFill>
                             <a:schemeClr val="tx1"/>
                           </a:solidFill>
@@ -7483,7 +7398,7 @@
                         <a:t>표시</a:t>
                       </a:r>
                       <a:r>
-                        <a:rPr lang="en-US" altLang="ko-KR" sz="1100" dirty="0" smtClean="0">
+                        <a:rPr lang="en-US" altLang="ko-KR" sz="1100" dirty="0">
                           <a:solidFill>
                             <a:schemeClr val="tx1"/>
                           </a:solidFill>
@@ -7546,7 +7461,7 @@
                     <a:p>
                       <a:pPr algn="ctr" latinLnBrk="1"/>
                       <a:r>
-                        <a:rPr lang="en-US" altLang="ko-KR" sz="1100" dirty="0" smtClean="0">
+                        <a:rPr lang="en-US" altLang="ko-KR" sz="1100" dirty="0">
                           <a:solidFill>
                             <a:schemeClr val="tx1"/>
                           </a:solidFill>
@@ -7663,7 +7578,7 @@
                         <a:buChar char="-"/>
                       </a:pPr>
                       <a:r>
-                        <a:rPr lang="ko-KR" altLang="en-US" sz="1100" dirty="0" smtClean="0">
+                        <a:rPr lang="ko-KR" altLang="en-US" sz="1100" dirty="0">
                           <a:solidFill>
                             <a:schemeClr val="tx1"/>
                           </a:solidFill>
@@ -7671,7 +7586,7 @@
                         <a:t>이메일 주소 형식 입력 가능</a:t>
                       </a:r>
                       <a:r>
-                        <a:rPr lang="en-US" altLang="ko-KR" sz="1100" dirty="0" smtClean="0">
+                        <a:rPr lang="en-US" altLang="ko-KR" sz="1100" dirty="0">
                           <a:solidFill>
                             <a:schemeClr val="tx1"/>
                           </a:solidFill>
@@ -7739,7 +7654,7 @@
                     <a:p>
                       <a:pPr algn="ctr" latinLnBrk="1"/>
                       <a:r>
-                        <a:rPr lang="en-US" altLang="ko-KR" sz="1100" dirty="0" smtClean="0">
+                        <a:rPr lang="en-US" altLang="ko-KR" sz="1100" dirty="0">
                           <a:solidFill>
                             <a:schemeClr val="tx1"/>
                           </a:solidFill>
@@ -7856,7 +7771,7 @@
                         <a:buChar char="-"/>
                       </a:pPr>
                       <a:r>
-                        <a:rPr lang="ko-KR" altLang="en-US" sz="1100" dirty="0" smtClean="0">
+                        <a:rPr lang="ko-KR" altLang="en-US" sz="1100" dirty="0">
                           <a:solidFill>
                             <a:schemeClr val="tx1"/>
                           </a:solidFill>
@@ -7864,7 +7779,7 @@
                         <a:t>이미 이메일이 존재 한 경우 </a:t>
                       </a:r>
                       <a:r>
-                        <a:rPr lang="en-US" altLang="ko-KR" sz="1100" dirty="0" smtClean="0">
+                        <a:rPr lang="en-US" altLang="ko-KR" sz="1100" dirty="0">
                           <a:solidFill>
                             <a:schemeClr val="tx1"/>
                           </a:solidFill>
@@ -7872,7 +7787,7 @@
                         <a:t>alert </a:t>
                       </a:r>
                       <a:r>
-                        <a:rPr lang="ko-KR" altLang="en-US" sz="1100" dirty="0" smtClean="0">
+                        <a:rPr lang="ko-KR" altLang="en-US" sz="1100" dirty="0">
                           <a:solidFill>
                             <a:schemeClr val="tx1"/>
                           </a:solidFill>
@@ -7880,7 +7795,7 @@
                         <a:t>표시</a:t>
                       </a:r>
                       <a:r>
-                        <a:rPr lang="en-US" altLang="ko-KR" sz="1100" dirty="0" smtClean="0">
+                        <a:rPr lang="en-US" altLang="ko-KR" sz="1100" dirty="0">
                           <a:solidFill>
                             <a:schemeClr val="tx1"/>
                           </a:solidFill>
@@ -7893,7 +7808,7 @@
                         <a:buFontTx/>
                         <a:buChar char="-"/>
                       </a:pPr>
-                      <a:endParaRPr lang="en-US" altLang="ko-KR" sz="1100" dirty="0" smtClean="0">
+                      <a:endParaRPr lang="en-US" altLang="ko-KR" sz="1100" dirty="0">
                         <a:solidFill>
                           <a:schemeClr val="tx1"/>
                         </a:solidFill>
@@ -7905,7 +7820,7 @@
                         <a:buChar char="-"/>
                       </a:pPr>
                       <a:r>
-                        <a:rPr lang="ko-KR" altLang="en-US" sz="1100" dirty="0" smtClean="0">
+                        <a:rPr lang="ko-KR" altLang="en-US" sz="1100" dirty="0">
                           <a:solidFill>
                             <a:schemeClr val="tx1"/>
                           </a:solidFill>
@@ -7913,7 +7828,7 @@
                         <a:t>이메일이 존재 하지 않는 경우 </a:t>
                       </a:r>
                       <a:r>
-                        <a:rPr lang="en-US" altLang="ko-KR" sz="1100" dirty="0" smtClean="0">
+                        <a:rPr lang="en-US" altLang="ko-KR" sz="1100" dirty="0">
                           <a:solidFill>
                             <a:schemeClr val="tx1"/>
                           </a:solidFill>
@@ -7921,7 +7836,7 @@
                         <a:t>alert </a:t>
                       </a:r>
                       <a:r>
-                        <a:rPr lang="ko-KR" altLang="en-US" sz="1100" dirty="0" smtClean="0">
+                        <a:rPr lang="ko-KR" altLang="en-US" sz="1100" dirty="0">
                           <a:solidFill>
                             <a:schemeClr val="tx1"/>
                           </a:solidFill>
@@ -7929,7 +7844,7 @@
                         <a:t>표시</a:t>
                       </a:r>
                       <a:r>
-                        <a:rPr lang="en-US" altLang="ko-KR" sz="1100" dirty="0" smtClean="0">
+                        <a:rPr lang="en-US" altLang="ko-KR" sz="1100" dirty="0">
                           <a:solidFill>
                             <a:schemeClr val="tx1"/>
                           </a:solidFill>
@@ -7992,7 +7907,7 @@
                     <a:p>
                       <a:pPr algn="ctr" latinLnBrk="1"/>
                       <a:r>
-                        <a:rPr lang="en-US" altLang="ko-KR" sz="1100" dirty="0" smtClean="0">
+                        <a:rPr lang="en-US" altLang="ko-KR" sz="1100" dirty="0">
                           <a:solidFill>
                             <a:schemeClr val="tx1"/>
                           </a:solidFill>
@@ -8109,7 +8024,7 @@
                         <a:buChar char="-"/>
                       </a:pPr>
                       <a:r>
-                        <a:rPr lang="ko-KR" altLang="en-US" sz="1100" dirty="0" smtClean="0">
+                        <a:rPr lang="ko-KR" altLang="en-US" sz="1100" dirty="0">
                           <a:solidFill>
                             <a:schemeClr val="tx1"/>
                           </a:solidFill>
@@ -8117,7 +8032,7 @@
                         <a:t>비밀번호 입력 </a:t>
                       </a:r>
                       <a:r>
-                        <a:rPr lang="en-US" altLang="ko-KR" sz="1100" dirty="0" smtClean="0">
+                        <a:rPr lang="en-US" altLang="ko-KR" sz="1100" dirty="0">
                           <a:solidFill>
                             <a:schemeClr val="tx1"/>
                           </a:solidFill>
@@ -8125,7 +8040,7 @@
                         <a:t>(</a:t>
                       </a:r>
                       <a:r>
-                        <a:rPr lang="ko-KR" altLang="en-US" sz="1100" dirty="0" smtClean="0">
+                        <a:rPr lang="ko-KR" altLang="en-US" sz="1100" dirty="0">
                           <a:solidFill>
                             <a:schemeClr val="tx1"/>
                           </a:solidFill>
@@ -8133,7 +8048,7 @@
                         <a:t>최소 </a:t>
                       </a:r>
                       <a:r>
-                        <a:rPr lang="en-US" altLang="ko-KR" sz="1100" dirty="0" smtClean="0">
+                        <a:rPr lang="en-US" altLang="ko-KR" sz="1100" dirty="0">
                           <a:solidFill>
                             <a:schemeClr val="tx1"/>
                           </a:solidFill>
@@ -8141,7 +8056,7 @@
                         <a:t>8, </a:t>
                       </a:r>
                       <a:r>
-                        <a:rPr lang="ko-KR" altLang="en-US" sz="1100" dirty="0" smtClean="0">
+                        <a:rPr lang="ko-KR" altLang="en-US" sz="1100" dirty="0">
                           <a:solidFill>
                             <a:schemeClr val="tx1"/>
                           </a:solidFill>
@@ -8149,7 +8064,7 @@
                         <a:t>최대 </a:t>
                       </a:r>
                       <a:r>
-                        <a:rPr lang="en-US" altLang="ko-KR" sz="1100" dirty="0" smtClean="0">
+                        <a:rPr lang="en-US" altLang="ko-KR" sz="1100" dirty="0">
                           <a:solidFill>
                             <a:schemeClr val="tx1"/>
                           </a:solidFill>
@@ -8157,7 +8072,7 @@
                         <a:t>18</a:t>
                       </a:r>
                       <a:r>
-                        <a:rPr lang="ko-KR" altLang="en-US" sz="1100" dirty="0" smtClean="0">
+                        <a:rPr lang="ko-KR" altLang="en-US" sz="1100" dirty="0">
                           <a:solidFill>
                             <a:schemeClr val="tx1"/>
                           </a:solidFill>
@@ -8165,7 +8080,7 @@
                         <a:t>자</a:t>
                       </a:r>
                       <a:r>
-                        <a:rPr lang="en-US" altLang="ko-KR" sz="1100" dirty="0" smtClean="0">
+                        <a:rPr lang="en-US" altLang="ko-KR" sz="1100" dirty="0">
                           <a:solidFill>
                             <a:schemeClr val="tx1"/>
                           </a:solidFill>
@@ -8228,7 +8143,7 @@
                     <a:p>
                       <a:pPr algn="ctr" latinLnBrk="1"/>
                       <a:r>
-                        <a:rPr lang="en-US" altLang="ko-KR" sz="1100" dirty="0" smtClean="0">
+                        <a:rPr lang="en-US" altLang="ko-KR" sz="1100" dirty="0">
                           <a:solidFill>
                             <a:schemeClr val="tx1"/>
                           </a:solidFill>
@@ -8345,7 +8260,7 @@
                         <a:buChar char="-"/>
                       </a:pPr>
                       <a:r>
-                        <a:rPr lang="ko-KR" altLang="en-US" sz="1100" dirty="0" smtClean="0">
+                        <a:rPr lang="ko-KR" altLang="en-US" sz="1100" dirty="0">
                           <a:solidFill>
                             <a:schemeClr val="tx1"/>
                           </a:solidFill>
@@ -8353,7 +8268,7 @@
                         <a:t>비밀번호 확인 입력 </a:t>
                       </a:r>
                       <a:r>
-                        <a:rPr lang="en-US" altLang="ko-KR" sz="1100" dirty="0" smtClean="0">
+                        <a:rPr lang="en-US" altLang="ko-KR" sz="1100" dirty="0">
                           <a:solidFill>
                             <a:schemeClr val="tx1"/>
                           </a:solidFill>
@@ -8361,7 +8276,7 @@
                         <a:t>(</a:t>
                       </a:r>
                       <a:r>
-                        <a:rPr lang="ko-KR" altLang="en-US" sz="1100" dirty="0" smtClean="0">
+                        <a:rPr lang="ko-KR" altLang="en-US" sz="1100" dirty="0">
                           <a:solidFill>
                             <a:schemeClr val="tx1"/>
                           </a:solidFill>
@@ -8369,7 +8284,7 @@
                         <a:t>최소 </a:t>
                       </a:r>
                       <a:r>
-                        <a:rPr lang="en-US" altLang="ko-KR" sz="1100" dirty="0" smtClean="0">
+                        <a:rPr lang="en-US" altLang="ko-KR" sz="1100" dirty="0">
                           <a:solidFill>
                             <a:schemeClr val="tx1"/>
                           </a:solidFill>
@@ -8377,7 +8292,7 @@
                         <a:t>8, </a:t>
                       </a:r>
                       <a:r>
-                        <a:rPr lang="ko-KR" altLang="en-US" sz="1100" dirty="0" smtClean="0">
+                        <a:rPr lang="ko-KR" altLang="en-US" sz="1100" dirty="0">
                           <a:solidFill>
                             <a:schemeClr val="tx1"/>
                           </a:solidFill>
@@ -8385,7 +8300,7 @@
                         <a:t>최대 </a:t>
                       </a:r>
                       <a:r>
-                        <a:rPr lang="en-US" altLang="ko-KR" sz="1100" dirty="0" smtClean="0">
+                        <a:rPr lang="en-US" altLang="ko-KR" sz="1100" dirty="0">
                           <a:solidFill>
                             <a:schemeClr val="tx1"/>
                           </a:solidFill>
@@ -8393,7 +8308,7 @@
                         <a:t>18</a:t>
                       </a:r>
                       <a:r>
-                        <a:rPr lang="ko-KR" altLang="en-US" sz="1100" dirty="0" smtClean="0">
+                        <a:rPr lang="ko-KR" altLang="en-US" sz="1100" dirty="0">
                           <a:solidFill>
                             <a:schemeClr val="tx1"/>
                           </a:solidFill>
@@ -8401,7 +8316,7 @@
                         <a:t>자</a:t>
                       </a:r>
                       <a:r>
-                        <a:rPr lang="en-US" altLang="ko-KR" sz="1100" dirty="0" smtClean="0">
+                        <a:rPr lang="en-US" altLang="ko-KR" sz="1100" dirty="0">
                           <a:solidFill>
                             <a:schemeClr val="tx1"/>
                           </a:solidFill>
@@ -8464,7 +8379,7 @@
                     <a:p>
                       <a:pPr algn="ctr" latinLnBrk="1"/>
                       <a:r>
-                        <a:rPr lang="en-US" altLang="ko-KR" sz="1100" dirty="0" smtClean="0">
+                        <a:rPr lang="en-US" altLang="ko-KR" sz="1100" dirty="0">
                           <a:solidFill>
                             <a:schemeClr val="tx1"/>
                           </a:solidFill>
@@ -8581,7 +8496,7 @@
                         <a:buChar char="-"/>
                       </a:pPr>
                       <a:r>
-                        <a:rPr lang="ko-KR" altLang="en-US" sz="1100" dirty="0" smtClean="0">
+                        <a:rPr lang="ko-KR" altLang="en-US" sz="1100" dirty="0">
                           <a:solidFill>
                             <a:schemeClr val="tx1"/>
                           </a:solidFill>
@@ -8589,7 +8504,7 @@
                         <a:t>모든 입력 정보가 입력 되면 가입 완료 페이지로 이동</a:t>
                       </a:r>
                       <a:r>
-                        <a:rPr lang="en-US" altLang="ko-KR" sz="1100" dirty="0" smtClean="0">
+                        <a:rPr lang="en-US" altLang="ko-KR" sz="1100" dirty="0">
                           <a:solidFill>
                             <a:schemeClr val="tx1"/>
                           </a:solidFill>
@@ -8603,7 +8518,7 @@
                         <a:buNone/>
                       </a:pPr>
                       <a:r>
-                        <a:rPr lang="en-US" altLang="ko-KR" sz="1100" dirty="0" err="1" smtClean="0">
+                        <a:rPr lang="en-US" altLang="ko-KR" sz="1100" dirty="0" err="1">
                           <a:solidFill>
                             <a:schemeClr val="tx1"/>
                           </a:solidFill>
@@ -8611,7 +8526,7 @@
                         <a:t>url</a:t>
                       </a:r>
                       <a:r>
-                        <a:rPr lang="en-US" altLang="ko-KR" sz="1100" baseline="0" dirty="0" smtClean="0">
+                        <a:rPr lang="en-US" altLang="ko-KR" sz="1100" baseline="0" dirty="0">
                           <a:solidFill>
                             <a:schemeClr val="tx1"/>
                           </a:solidFill>
@@ -8619,14 +8534,14 @@
                         <a:t> : </a:t>
                       </a:r>
                       <a:r>
-                        <a:rPr lang="en-US" altLang="ko-KR" sz="1100" baseline="0" dirty="0" err="1" smtClean="0">
+                        <a:rPr lang="en-US" altLang="ko-KR" sz="1100" baseline="0" dirty="0" err="1">
                           <a:solidFill>
                             <a:schemeClr val="tx1"/>
                           </a:solidFill>
                         </a:rPr>
                         <a:t>join_ok</a:t>
                       </a:r>
-                      <a:endParaRPr lang="en-US" altLang="ko-KR" sz="1100" dirty="0" smtClean="0">
+                      <a:endParaRPr lang="en-US" altLang="ko-KR" sz="1100" dirty="0">
                         <a:solidFill>
                           <a:schemeClr val="tx1"/>
                         </a:solidFill>
@@ -8687,7 +8602,7 @@
                     <a:p>
                       <a:pPr algn="ctr" latinLnBrk="1"/>
                       <a:r>
-                        <a:rPr lang="en-US" altLang="ko-KR" sz="1100" dirty="0" smtClean="0">
+                        <a:rPr lang="en-US" altLang="ko-KR" sz="1100" dirty="0">
                           <a:solidFill>
                             <a:schemeClr val="tx1"/>
                           </a:solidFill>
@@ -8804,7 +8719,7 @@
                         <a:buChar char="-"/>
                       </a:pPr>
                       <a:r>
-                        <a:rPr lang="ko-KR" altLang="en-US" sz="1100" dirty="0" smtClean="0">
+                        <a:rPr lang="ko-KR" altLang="en-US" sz="1100" dirty="0">
                           <a:solidFill>
                             <a:schemeClr val="tx1"/>
                           </a:solidFill>
@@ -8812,7 +8727,7 @@
                         <a:t>메인 페이지로 이동</a:t>
                       </a:r>
                       <a:r>
-                        <a:rPr lang="en-US" altLang="ko-KR" sz="1100" dirty="0" smtClean="0">
+                        <a:rPr lang="en-US" altLang="ko-KR" sz="1100" dirty="0">
                           <a:solidFill>
                             <a:schemeClr val="tx1"/>
                           </a:solidFill>
@@ -8826,7 +8741,7 @@
                         <a:buNone/>
                       </a:pPr>
                       <a:r>
-                        <a:rPr lang="en-US" altLang="ko-KR" sz="1100" dirty="0" err="1" smtClean="0">
+                        <a:rPr lang="en-US" altLang="ko-KR" sz="1100" dirty="0" err="1">
                           <a:solidFill>
                             <a:schemeClr val="tx1"/>
                           </a:solidFill>
@@ -8834,14 +8749,14 @@
                         <a:t>url</a:t>
                       </a:r>
                       <a:r>
-                        <a:rPr lang="en-US" altLang="ko-KR" sz="1100" baseline="0" dirty="0" smtClean="0">
+                        <a:rPr lang="en-US" altLang="ko-KR" sz="1100" baseline="0" dirty="0">
                           <a:solidFill>
                             <a:schemeClr val="tx1"/>
                           </a:solidFill>
                         </a:rPr>
                         <a:t> : index</a:t>
                       </a:r>
-                      <a:endParaRPr lang="en-US" altLang="ko-KR" sz="1100" dirty="0" smtClean="0">
+                      <a:endParaRPr lang="en-US" altLang="ko-KR" sz="1100" dirty="0">
                         <a:solidFill>
                           <a:schemeClr val="tx1"/>
                         </a:solidFill>
@@ -8938,7 +8853,7 @@
           <a:p>
             <a:pPr algn="ctr"/>
             <a:r>
-              <a:rPr lang="en-US" altLang="ko-KR" dirty="0" smtClean="0"/>
+              <a:rPr lang="en-US" altLang="ko-KR" dirty="0"/>
               <a:t>1</a:t>
             </a:r>
             <a:endParaRPr lang="ko-KR" altLang="en-US" dirty="0"/>
@@ -9032,7 +8947,7 @@
           <a:p>
             <a:pPr algn="ctr"/>
             <a:r>
-              <a:rPr lang="en-US" altLang="ko-KR" dirty="0" smtClean="0"/>
+              <a:rPr lang="en-US" altLang="ko-KR" dirty="0"/>
               <a:t>3</a:t>
             </a:r>
             <a:endParaRPr lang="ko-KR" altLang="en-US" dirty="0"/>
@@ -9126,7 +9041,7 @@
           <a:p>
             <a:pPr algn="ctr"/>
             <a:r>
-              <a:rPr lang="en-US" altLang="ko-KR" dirty="0" smtClean="0"/>
+              <a:rPr lang="en-US" altLang="ko-KR" dirty="0"/>
               <a:t>5</a:t>
             </a:r>
             <a:endParaRPr lang="ko-KR" altLang="en-US" dirty="0"/>
@@ -9220,7 +9135,7 @@
           <a:p>
             <a:pPr algn="ctr"/>
             <a:r>
-              <a:rPr lang="en-US" altLang="ko-KR" dirty="0" smtClean="0"/>
+              <a:rPr lang="en-US" altLang="ko-KR" dirty="0"/>
               <a:t>7</a:t>
             </a:r>
             <a:endParaRPr lang="ko-KR" altLang="en-US" dirty="0"/>
@@ -9284,13 +9199,6 @@
   <p:clrMapOvr>
     <a:masterClrMapping/>
   </p:clrMapOvr>
-  <p:timing>
-    <p:tnLst>
-      <p:par>
-        <p:cTn id="1" dur="indefinite" restart="never" nodeType="tmRoot"/>
-      </p:par>
-    </p:tnLst>
-  </p:timing>
 </p:sld>
 </file>
 
@@ -9408,18 +9316,13 @@
                     <a:p>
                       <a:pPr algn="ctr" latinLnBrk="1"/>
                       <a:r>
-                        <a:rPr lang="ko-KR" altLang="en-US" sz="1600" dirty="0" smtClean="0">
+                        <a:rPr lang="ko-KR" altLang="en-US" sz="1600" dirty="0">
                           <a:solidFill>
                             <a:schemeClr val="tx1"/>
                           </a:solidFill>
                         </a:rPr>
                         <a:t>문서 코드</a:t>
                       </a:r>
-                      <a:endParaRPr lang="ko-KR" altLang="en-US" sz="1600" dirty="0">
-                        <a:solidFill>
-                          <a:schemeClr val="tx1"/>
-                        </a:solidFill>
-                      </a:endParaRPr>
                     </a:p>
                   </a:txBody>
                   <a:tcPr>
@@ -9481,12 +9384,72 @@
                     <a:p>
                       <a:pPr algn="ctr" latinLnBrk="1"/>
                       <a:r>
-                        <a:rPr lang="ko-KR" altLang="en-US" sz="1600" dirty="0" smtClean="0">
+                        <a:rPr lang="ko-KR" altLang="en-US" sz="1600" dirty="0">
                           <a:solidFill>
                             <a:schemeClr val="tx1"/>
                           </a:solidFill>
                         </a:rPr>
                         <a:t>파일명</a:t>
+                      </a:r>
+                    </a:p>
+                  </a:txBody>
+                  <a:tcPr>
+                    <a:lnL w="12700" cap="flat" cmpd="sng" algn="ctr">
+                      <a:solidFill>
+                        <a:schemeClr val="tx1"/>
+                      </a:solidFill>
+                      <a:prstDash val="solid"/>
+                      <a:round/>
+                      <a:headEnd type="none" w="med" len="med"/>
+                      <a:tailEnd type="none" w="med" len="med"/>
+                    </a:lnL>
+                    <a:lnR w="12700" cap="flat" cmpd="sng" algn="ctr">
+                      <a:solidFill>
+                        <a:schemeClr val="tx1"/>
+                      </a:solidFill>
+                      <a:prstDash val="solid"/>
+                      <a:round/>
+                      <a:headEnd type="none" w="med" len="med"/>
+                      <a:tailEnd type="none" w="med" len="med"/>
+                    </a:lnR>
+                    <a:lnT w="12700" cap="flat" cmpd="sng" algn="ctr">
+                      <a:solidFill>
+                        <a:schemeClr val="tx1"/>
+                      </a:solidFill>
+                      <a:prstDash val="solid"/>
+                      <a:round/>
+                      <a:headEnd type="none" w="med" len="med"/>
+                      <a:tailEnd type="none" w="med" len="med"/>
+                    </a:lnT>
+                    <a:lnB w="12700" cap="flat" cmpd="sng" algn="ctr">
+                      <a:solidFill>
+                        <a:schemeClr val="tx1"/>
+                      </a:solidFill>
+                      <a:prstDash val="solid"/>
+                      <a:round/>
+                      <a:headEnd type="none" w="med" len="med"/>
+                      <a:tailEnd type="none" w="med" len="med"/>
+                    </a:lnB>
+                    <a:solidFill>
+                      <a:schemeClr val="bg2">
+                        <a:lumMod val="90000"/>
+                      </a:schemeClr>
+                    </a:solidFill>
+                  </a:tcPr>
+                </a:tc>
+                <a:tc>
+                  <a:txBody>
+                    <a:bodyPr/>
+                    <a:lstStyle/>
+                    <a:p>
+                      <a:pPr algn="ctr" latinLnBrk="1"/>
+                      <a:r>
+                        <a:rPr lang="ko-KR" altLang="en-US" sz="1600" dirty="0" err="1">
+                          <a:solidFill>
+                            <a:schemeClr val="tx1"/>
+                          </a:solidFill>
+                        </a:rPr>
+                        <a:t>화면명</a:t>
                       </a:r>
                       <a:endParaRPr lang="ko-KR" altLang="en-US" sz="1600" dirty="0">
                         <a:solidFill>
@@ -9546,83 +9509,13 @@
                     <a:p>
                       <a:pPr algn="ctr" latinLnBrk="1"/>
                       <a:r>
-                        <a:rPr lang="ko-KR" altLang="en-US" sz="1600" dirty="0" err="1" smtClean="0">
-                          <a:solidFill>
-                            <a:schemeClr val="tx1"/>
-                          </a:solidFill>
-                        </a:rPr>
-                        <a:t>화면명</a:t>
-                      </a:r>
-                      <a:endParaRPr lang="ko-KR" altLang="en-US" sz="1600" dirty="0">
-                        <a:solidFill>
-                          <a:schemeClr val="tx1"/>
-                        </a:solidFill>
-                      </a:endParaRPr>
-                    </a:p>
-                  </a:txBody>
-                  <a:tcPr>
-                    <a:lnL w="12700" cap="flat" cmpd="sng" algn="ctr">
-                      <a:solidFill>
-                        <a:schemeClr val="tx1"/>
-                      </a:solidFill>
-                      <a:prstDash val="solid"/>
-                      <a:round/>
-                      <a:headEnd type="none" w="med" len="med"/>
-                      <a:tailEnd type="none" w="med" len="med"/>
-                    </a:lnL>
-                    <a:lnR w="12700" cap="flat" cmpd="sng" algn="ctr">
-                      <a:solidFill>
-                        <a:schemeClr val="tx1"/>
-                      </a:solidFill>
-                      <a:prstDash val="solid"/>
-                      <a:round/>
-                      <a:headEnd type="none" w="med" len="med"/>
-                      <a:tailEnd type="none" w="med" len="med"/>
-                    </a:lnR>
-                    <a:lnT w="12700" cap="flat" cmpd="sng" algn="ctr">
-                      <a:solidFill>
-                        <a:schemeClr val="tx1"/>
-                      </a:solidFill>
-                      <a:prstDash val="solid"/>
-                      <a:round/>
-                      <a:headEnd type="none" w="med" len="med"/>
-                      <a:tailEnd type="none" w="med" len="med"/>
-                    </a:lnT>
-                    <a:lnB w="12700" cap="flat" cmpd="sng" algn="ctr">
-                      <a:solidFill>
-                        <a:schemeClr val="tx1"/>
-                      </a:solidFill>
-                      <a:prstDash val="solid"/>
-                      <a:round/>
-                      <a:headEnd type="none" w="med" len="med"/>
-                      <a:tailEnd type="none" w="med" len="med"/>
-                    </a:lnB>
-                    <a:solidFill>
-                      <a:schemeClr val="bg2">
-                        <a:lumMod val="90000"/>
-                      </a:schemeClr>
-                    </a:solidFill>
-                  </a:tcPr>
-                </a:tc>
-                <a:tc>
-                  <a:txBody>
-                    <a:bodyPr/>
-                    <a:lstStyle/>
-                    <a:p>
-                      <a:pPr algn="ctr" latinLnBrk="1"/>
-                      <a:r>
-                        <a:rPr lang="ko-KR" altLang="en-US" sz="1600" dirty="0" smtClean="0">
+                        <a:rPr lang="ko-KR" altLang="en-US" sz="1600" dirty="0">
                           <a:solidFill>
                             <a:schemeClr val="tx1"/>
                           </a:solidFill>
                         </a:rPr>
                         <a:t>작성자</a:t>
                       </a:r>
-                      <a:endParaRPr lang="ko-KR" altLang="en-US" sz="1600" dirty="0">
-                        <a:solidFill>
-                          <a:schemeClr val="tx1"/>
-                        </a:solidFill>
-                      </a:endParaRPr>
                     </a:p>
                   </a:txBody>
                   <a:tcPr>
@@ -9683,7 +9576,7 @@
                     <a:p>
                       <a:pPr algn="ctr" latinLnBrk="1"/>
                       <a:r>
-                        <a:rPr lang="en-US" altLang="ko-KR" sz="1600" dirty="0" smtClean="0">
+                        <a:rPr lang="en-US" altLang="ko-KR" sz="1600" dirty="0">
                           <a:solidFill>
                             <a:schemeClr val="tx1"/>
                           </a:solidFill>
@@ -9744,7 +9637,7 @@
                     <a:p>
                       <a:pPr algn="ctr" latinLnBrk="1"/>
                       <a:r>
-                        <a:rPr lang="en-US" altLang="ko-KR" sz="1600" dirty="0" err="1" smtClean="0">
+                        <a:rPr lang="en-US" altLang="ko-KR" sz="1600" dirty="0" err="1">
                           <a:solidFill>
                             <a:schemeClr val="tx1"/>
                           </a:solidFill>
@@ -9805,7 +9698,7 @@
                     <a:p>
                       <a:pPr algn="ctr" latinLnBrk="1"/>
                       <a:r>
-                        <a:rPr lang="ko-KR" altLang="en-US" sz="1600" dirty="0" smtClean="0">
+                        <a:rPr lang="ko-KR" altLang="en-US" sz="1600" dirty="0">
                           <a:solidFill>
                             <a:schemeClr val="tx1"/>
                           </a:solidFill>
@@ -9813,7 +9706,7 @@
                         <a:t>회원가입 페이지 </a:t>
                       </a:r>
                       <a:r>
-                        <a:rPr lang="en-US" altLang="ko-KR" sz="1600" dirty="0" smtClean="0">
+                        <a:rPr lang="en-US" altLang="ko-KR" sz="1600" dirty="0">
                           <a:solidFill>
                             <a:schemeClr val="tx1"/>
                           </a:solidFill>
@@ -9821,18 +9714,13 @@
                         <a:t>- </a:t>
                       </a:r>
                       <a:r>
-                        <a:rPr lang="ko-KR" altLang="en-US" sz="1600" dirty="0" smtClean="0">
+                        <a:rPr lang="ko-KR" altLang="en-US" sz="1600" dirty="0">
                           <a:solidFill>
                             <a:schemeClr val="tx1"/>
                           </a:solidFill>
                         </a:rPr>
                         <a:t>가입완료</a:t>
                       </a:r>
-                      <a:endParaRPr lang="ko-KR" altLang="en-US" sz="1600" dirty="0">
-                        <a:solidFill>
-                          <a:schemeClr val="tx1"/>
-                        </a:solidFill>
-                      </a:endParaRPr>
                     </a:p>
                   </a:txBody>
                   <a:tcPr>
@@ -9882,18 +9770,13 @@
                     <a:p>
                       <a:pPr algn="ctr" latinLnBrk="1"/>
                       <a:r>
-                        <a:rPr lang="ko-KR" altLang="en-US" sz="1600" dirty="0" smtClean="0">
+                        <a:rPr lang="ko-KR" altLang="en-US" sz="1600" dirty="0">
                           <a:solidFill>
                             <a:schemeClr val="tx1"/>
                           </a:solidFill>
                         </a:rPr>
                         <a:t>하 태민</a:t>
                       </a:r>
-                      <a:endParaRPr lang="ko-KR" altLang="en-US" sz="1600" dirty="0">
-                        <a:solidFill>
-                          <a:schemeClr val="tx1"/>
-                        </a:solidFill>
-                      </a:endParaRPr>
                     </a:p>
                   </a:txBody>
                   <a:tcPr>
@@ -10001,7 +9884,7 @@
                     <a:p>
                       <a:pPr algn="ctr" latinLnBrk="1"/>
                       <a:r>
-                        <a:rPr lang="en-US" altLang="ko-KR" sz="1400" dirty="0" smtClean="0">
+                        <a:rPr lang="en-US" altLang="ko-KR" sz="1400" dirty="0">
                           <a:solidFill>
                             <a:schemeClr val="tx1"/>
                           </a:solidFill>
@@ -10074,7 +9957,7 @@
                     <a:p>
                       <a:pPr algn="ctr" latinLnBrk="1"/>
                       <a:r>
-                        <a:rPr lang="en-US" altLang="ko-KR" sz="1400" dirty="0" smtClean="0">
+                        <a:rPr lang="en-US" altLang="ko-KR" sz="1400" dirty="0">
                           <a:solidFill>
                             <a:schemeClr val="tx1"/>
                           </a:solidFill>
@@ -10139,18 +10022,13 @@
                     <a:p>
                       <a:pPr algn="ctr" latinLnBrk="1"/>
                       <a:r>
-                        <a:rPr lang="ko-KR" altLang="en-US" sz="1400" dirty="0" smtClean="0">
+                        <a:rPr lang="ko-KR" altLang="en-US" sz="1400" dirty="0">
                           <a:solidFill>
                             <a:schemeClr val="tx1"/>
                           </a:solidFill>
                         </a:rPr>
                         <a:t>기능</a:t>
                       </a:r>
-                      <a:endParaRPr lang="ko-KR" altLang="en-US" sz="1400" dirty="0">
-                        <a:solidFill>
-                          <a:schemeClr val="tx1"/>
-                        </a:solidFill>
-                      </a:endParaRPr>
                     </a:p>
                   </a:txBody>
                   <a:tcPr>
@@ -10211,7 +10089,7 @@
                     <a:p>
                       <a:pPr algn="ctr" latinLnBrk="1"/>
                       <a:r>
-                        <a:rPr lang="en-US" altLang="ko-KR" sz="1100" dirty="0" smtClean="0">
+                        <a:rPr lang="en-US" altLang="ko-KR" sz="1100" dirty="0">
                           <a:solidFill>
                             <a:schemeClr val="tx1"/>
                           </a:solidFill>
@@ -10328,7 +10206,7 @@
                         <a:buChar char="-"/>
                       </a:pPr>
                       <a:r>
-                        <a:rPr lang="ko-KR" altLang="en-US" sz="1100" dirty="0" smtClean="0">
+                        <a:rPr lang="ko-KR" altLang="en-US" sz="1100" dirty="0">
                           <a:solidFill>
                             <a:schemeClr val="tx1"/>
                           </a:solidFill>
@@ -10336,7 +10214,7 @@
                         <a:t>메인 페이지로 이동</a:t>
                       </a:r>
                       <a:r>
-                        <a:rPr lang="en-US" altLang="ko-KR" sz="1100" dirty="0" smtClean="0">
+                        <a:rPr lang="en-US" altLang="ko-KR" sz="1100" dirty="0">
                           <a:solidFill>
                             <a:schemeClr val="tx1"/>
                           </a:solidFill>
@@ -10350,7 +10228,7 @@
                         <a:buNone/>
                       </a:pPr>
                       <a:r>
-                        <a:rPr lang="en-US" altLang="ko-KR" sz="1100" dirty="0" err="1" smtClean="0">
+                        <a:rPr lang="en-US" altLang="ko-KR" sz="1100" dirty="0" err="1">
                           <a:solidFill>
                             <a:schemeClr val="tx1"/>
                           </a:solidFill>
@@ -10358,14 +10236,14 @@
                         <a:t>url</a:t>
                       </a:r>
                       <a:r>
-                        <a:rPr lang="en-US" altLang="ko-KR" sz="1100" baseline="0" dirty="0" smtClean="0">
+                        <a:rPr lang="en-US" altLang="ko-KR" sz="1100" baseline="0" dirty="0">
                           <a:solidFill>
                             <a:schemeClr val="tx1"/>
                           </a:solidFill>
                         </a:rPr>
                         <a:t> : index</a:t>
                       </a:r>
-                      <a:endParaRPr lang="en-US" altLang="ko-KR" sz="1100" dirty="0" smtClean="0">
+                      <a:endParaRPr lang="en-US" altLang="ko-KR" sz="1100" dirty="0">
                         <a:solidFill>
                           <a:schemeClr val="tx1"/>
                         </a:solidFill>
@@ -10462,7 +10340,7 @@
           <a:p>
             <a:pPr algn="ctr"/>
             <a:r>
-              <a:rPr lang="en-US" altLang="ko-KR" dirty="0" smtClean="0"/>
+              <a:rPr lang="en-US" altLang="ko-KR" dirty="0"/>
               <a:t>1</a:t>
             </a:r>
             <a:endParaRPr lang="ko-KR" altLang="en-US" dirty="0"/>
@@ -10479,13 +10357,6 @@
   <p:clrMapOvr>
     <a:masterClrMapping/>
   </p:clrMapOvr>
-  <p:timing>
-    <p:tnLst>
-      <p:par>
-        <p:cTn id="1" dur="indefinite" restart="never" nodeType="tmRoot"/>
-      </p:par>
-    </p:tnLst>
-  </p:timing>
 </p:sld>
 </file>
 
@@ -10603,18 +10474,13 @@
                     <a:p>
                       <a:pPr algn="ctr" latinLnBrk="1"/>
                       <a:r>
-                        <a:rPr lang="ko-KR" altLang="en-US" sz="1600" dirty="0" smtClean="0">
+                        <a:rPr lang="ko-KR" altLang="en-US" sz="1600" dirty="0">
                           <a:solidFill>
                             <a:schemeClr val="tx1"/>
                           </a:solidFill>
                         </a:rPr>
                         <a:t>문서 코드</a:t>
                       </a:r>
-                      <a:endParaRPr lang="ko-KR" altLang="en-US" sz="1600" dirty="0">
-                        <a:solidFill>
-                          <a:schemeClr val="tx1"/>
-                        </a:solidFill>
-                      </a:endParaRPr>
                     </a:p>
                   </a:txBody>
                   <a:tcPr>
@@ -10676,12 +10542,72 @@
                     <a:p>
                       <a:pPr algn="ctr" latinLnBrk="1"/>
                       <a:r>
-                        <a:rPr lang="ko-KR" altLang="en-US" sz="1600" dirty="0" smtClean="0">
+                        <a:rPr lang="ko-KR" altLang="en-US" sz="1600" dirty="0">
                           <a:solidFill>
                             <a:schemeClr val="tx1"/>
                           </a:solidFill>
                         </a:rPr>
                         <a:t>파일명</a:t>
+                      </a:r>
+                    </a:p>
+                  </a:txBody>
+                  <a:tcPr>
+                    <a:lnL w="12700" cap="flat" cmpd="sng" algn="ctr">
+                      <a:solidFill>
+                        <a:schemeClr val="tx1"/>
+                      </a:solidFill>
+                      <a:prstDash val="solid"/>
+                      <a:round/>
+                      <a:headEnd type="none" w="med" len="med"/>
+                      <a:tailEnd type="none" w="med" len="med"/>
+                    </a:lnL>
+                    <a:lnR w="12700" cap="flat" cmpd="sng" algn="ctr">
+                      <a:solidFill>
+                        <a:schemeClr val="tx1"/>
+                      </a:solidFill>
+                      <a:prstDash val="solid"/>
+                      <a:round/>
+                      <a:headEnd type="none" w="med" len="med"/>
+                      <a:tailEnd type="none" w="med" len="med"/>
+                    </a:lnR>
+                    <a:lnT w="12700" cap="flat" cmpd="sng" algn="ctr">
+                      <a:solidFill>
+                        <a:schemeClr val="tx1"/>
+                      </a:solidFill>
+                      <a:prstDash val="solid"/>
+                      <a:round/>
+                      <a:headEnd type="none" w="med" len="med"/>
+                      <a:tailEnd type="none" w="med" len="med"/>
+                    </a:lnT>
+                    <a:lnB w="12700" cap="flat" cmpd="sng" algn="ctr">
+                      <a:solidFill>
+                        <a:schemeClr val="tx1"/>
+                      </a:solidFill>
+                      <a:prstDash val="solid"/>
+                      <a:round/>
+                      <a:headEnd type="none" w="med" len="med"/>
+                      <a:tailEnd type="none" w="med" len="med"/>
+                    </a:lnB>
+                    <a:solidFill>
+                      <a:schemeClr val="bg2">
+                        <a:lumMod val="90000"/>
+                      </a:schemeClr>
+                    </a:solidFill>
+                  </a:tcPr>
+                </a:tc>
+                <a:tc>
+                  <a:txBody>
+                    <a:bodyPr/>
+                    <a:lstStyle/>
+                    <a:p>
+                      <a:pPr algn="ctr" latinLnBrk="1"/>
+                      <a:r>
+                        <a:rPr lang="ko-KR" altLang="en-US" sz="1600" dirty="0" err="1">
+                          <a:solidFill>
+                            <a:schemeClr val="tx1"/>
+                          </a:solidFill>
+                        </a:rPr>
+                        <a:t>화면명</a:t>
                       </a:r>
                       <a:endParaRPr lang="ko-KR" altLang="en-US" sz="1600" dirty="0">
                         <a:solidFill>
@@ -10741,83 +10667,13 @@
                     <a:p>
                       <a:pPr algn="ctr" latinLnBrk="1"/>
                       <a:r>
-                        <a:rPr lang="ko-KR" altLang="en-US" sz="1600" dirty="0" err="1" smtClean="0">
-                          <a:solidFill>
-                            <a:schemeClr val="tx1"/>
-                          </a:solidFill>
-                        </a:rPr>
-                        <a:t>화면명</a:t>
-                      </a:r>
-                      <a:endParaRPr lang="ko-KR" altLang="en-US" sz="1600" dirty="0">
-                        <a:solidFill>
-                          <a:schemeClr val="tx1"/>
-                        </a:solidFill>
-                      </a:endParaRPr>
-                    </a:p>
-                  </a:txBody>
-                  <a:tcPr>
-                    <a:lnL w="12700" cap="flat" cmpd="sng" algn="ctr">
-                      <a:solidFill>
-                        <a:schemeClr val="tx1"/>
-                      </a:solidFill>
-                      <a:prstDash val="solid"/>
-                      <a:round/>
-                      <a:headEnd type="none" w="med" len="med"/>
-                      <a:tailEnd type="none" w="med" len="med"/>
-                    </a:lnL>
-                    <a:lnR w="12700" cap="flat" cmpd="sng" algn="ctr">
-                      <a:solidFill>
-                        <a:schemeClr val="tx1"/>
-                      </a:solidFill>
-                      <a:prstDash val="solid"/>
-                      <a:round/>
-                      <a:headEnd type="none" w="med" len="med"/>
-                      <a:tailEnd type="none" w="med" len="med"/>
-                    </a:lnR>
-                    <a:lnT w="12700" cap="flat" cmpd="sng" algn="ctr">
-                      <a:solidFill>
-                        <a:schemeClr val="tx1"/>
-                      </a:solidFill>
-                      <a:prstDash val="solid"/>
-                      <a:round/>
-                      <a:headEnd type="none" w="med" len="med"/>
-                      <a:tailEnd type="none" w="med" len="med"/>
-                    </a:lnT>
-                    <a:lnB w="12700" cap="flat" cmpd="sng" algn="ctr">
-                      <a:solidFill>
-                        <a:schemeClr val="tx1"/>
-                      </a:solidFill>
-                      <a:prstDash val="solid"/>
-                      <a:round/>
-                      <a:headEnd type="none" w="med" len="med"/>
-                      <a:tailEnd type="none" w="med" len="med"/>
-                    </a:lnB>
-                    <a:solidFill>
-                      <a:schemeClr val="bg2">
-                        <a:lumMod val="90000"/>
-                      </a:schemeClr>
-                    </a:solidFill>
-                  </a:tcPr>
-                </a:tc>
-                <a:tc>
-                  <a:txBody>
-                    <a:bodyPr/>
-                    <a:lstStyle/>
-                    <a:p>
-                      <a:pPr algn="ctr" latinLnBrk="1"/>
-                      <a:r>
-                        <a:rPr lang="ko-KR" altLang="en-US" sz="1600" dirty="0" smtClean="0">
+                        <a:rPr lang="ko-KR" altLang="en-US" sz="1600" dirty="0">
                           <a:solidFill>
                             <a:schemeClr val="tx1"/>
                           </a:solidFill>
                         </a:rPr>
                         <a:t>작성자</a:t>
                       </a:r>
-                      <a:endParaRPr lang="ko-KR" altLang="en-US" sz="1600" dirty="0">
-                        <a:solidFill>
-                          <a:schemeClr val="tx1"/>
-                        </a:solidFill>
-                      </a:endParaRPr>
                     </a:p>
                   </a:txBody>
                   <a:tcPr>
@@ -10878,7 +10734,7 @@
                     <a:p>
                       <a:pPr algn="ctr" latinLnBrk="1"/>
                       <a:r>
-                        <a:rPr lang="en-US" altLang="ko-KR" sz="1600" dirty="0" smtClean="0">
+                        <a:rPr lang="en-US" altLang="ko-KR" sz="1600" dirty="0">
                           <a:solidFill>
                             <a:schemeClr val="tx1"/>
                           </a:solidFill>
@@ -10939,7 +10795,7 @@
                     <a:p>
                       <a:pPr algn="ctr" latinLnBrk="1"/>
                       <a:r>
-                        <a:rPr lang="en-US" altLang="ko-KR" sz="1600" dirty="0" smtClean="0">
+                        <a:rPr lang="en-US" altLang="ko-KR" sz="1600" dirty="0">
                           <a:solidFill>
                             <a:schemeClr val="tx1"/>
                           </a:solidFill>
@@ -11000,18 +10856,13 @@
                     <a:p>
                       <a:pPr algn="ctr" latinLnBrk="1"/>
                       <a:r>
-                        <a:rPr lang="ko-KR" altLang="en-US" sz="1600" dirty="0" smtClean="0">
+                        <a:rPr lang="ko-KR" altLang="en-US" sz="1600" dirty="0">
                           <a:solidFill>
                             <a:schemeClr val="tx1"/>
                           </a:solidFill>
                         </a:rPr>
                         <a:t>회사소개</a:t>
                       </a:r>
-                      <a:endParaRPr lang="ko-KR" altLang="en-US" sz="1600" dirty="0">
-                        <a:solidFill>
-                          <a:schemeClr val="tx1"/>
-                        </a:solidFill>
-                      </a:endParaRPr>
                     </a:p>
                   </a:txBody>
                   <a:tcPr>
@@ -11061,18 +10912,13 @@
                     <a:p>
                       <a:pPr algn="ctr" latinLnBrk="1"/>
                       <a:r>
-                        <a:rPr lang="ko-KR" altLang="en-US" sz="1600" dirty="0" smtClean="0">
+                        <a:rPr lang="ko-KR" altLang="en-US" sz="1600" dirty="0">
                           <a:solidFill>
                             <a:schemeClr val="tx1"/>
                           </a:solidFill>
                         </a:rPr>
                         <a:t>하 태민</a:t>
                       </a:r>
-                      <a:endParaRPr lang="ko-KR" altLang="en-US" sz="1600" dirty="0">
-                        <a:solidFill>
-                          <a:schemeClr val="tx1"/>
-                        </a:solidFill>
-                      </a:endParaRPr>
                     </a:p>
                   </a:txBody>
                   <a:tcPr>
@@ -11180,7 +11026,7 @@
                     <a:p>
                       <a:pPr algn="ctr" latinLnBrk="1"/>
                       <a:r>
-                        <a:rPr lang="en-US" altLang="ko-KR" sz="1400" dirty="0" smtClean="0">
+                        <a:rPr lang="en-US" altLang="ko-KR" sz="1400" dirty="0">
                           <a:solidFill>
                             <a:schemeClr val="tx1"/>
                           </a:solidFill>
@@ -11253,7 +11099,7 @@
                     <a:p>
                       <a:pPr algn="ctr" latinLnBrk="1"/>
                       <a:r>
-                        <a:rPr lang="en-US" altLang="ko-KR" sz="1400" dirty="0" smtClean="0">
+                        <a:rPr lang="en-US" altLang="ko-KR" sz="1400" dirty="0">
                           <a:solidFill>
                             <a:schemeClr val="tx1"/>
                           </a:solidFill>
@@ -11318,18 +11164,13 @@
                     <a:p>
                       <a:pPr algn="ctr" latinLnBrk="1"/>
                       <a:r>
-                        <a:rPr lang="ko-KR" altLang="en-US" sz="1400" dirty="0" smtClean="0">
+                        <a:rPr lang="ko-KR" altLang="en-US" sz="1400" dirty="0">
                           <a:solidFill>
                             <a:schemeClr val="tx1"/>
                           </a:solidFill>
                         </a:rPr>
                         <a:t>기능</a:t>
                       </a:r>
-                      <a:endParaRPr lang="ko-KR" altLang="en-US" sz="1400" dirty="0">
-                        <a:solidFill>
-                          <a:schemeClr val="tx1"/>
-                        </a:solidFill>
-                      </a:endParaRPr>
                     </a:p>
                   </a:txBody>
                   <a:tcPr>
@@ -11498,7 +11339,7 @@
                         <a:buFontTx/>
                         <a:buChar char="-"/>
                       </a:pPr>
-                      <a:endParaRPr lang="en-US" altLang="ko-KR" sz="1100" dirty="0" smtClean="0">
+                      <a:endParaRPr lang="en-US" altLang="ko-KR" sz="1100" dirty="0">
                         <a:solidFill>
                           <a:schemeClr val="tx1"/>
                         </a:solidFill>
@@ -11565,13 +11406,6 @@
   <p:clrMapOvr>
     <a:masterClrMapping/>
   </p:clrMapOvr>
-  <p:timing>
-    <p:tnLst>
-      <p:par>
-        <p:cTn id="1" dur="indefinite" restart="never" nodeType="tmRoot"/>
-      </p:par>
-    </p:tnLst>
-  </p:timing>
 </p:sld>
 </file>
 
@@ -11689,18 +11523,13 @@
                     <a:p>
                       <a:pPr algn="ctr" latinLnBrk="1"/>
                       <a:r>
-                        <a:rPr lang="ko-KR" altLang="en-US" sz="1600" dirty="0" smtClean="0">
+                        <a:rPr lang="ko-KR" altLang="en-US" sz="1600" dirty="0">
                           <a:solidFill>
                             <a:schemeClr val="tx1"/>
                           </a:solidFill>
                         </a:rPr>
                         <a:t>문서 코드</a:t>
                       </a:r>
-                      <a:endParaRPr lang="ko-KR" altLang="en-US" sz="1600" dirty="0">
-                        <a:solidFill>
-                          <a:schemeClr val="tx1"/>
-                        </a:solidFill>
-                      </a:endParaRPr>
                     </a:p>
                   </a:txBody>
                   <a:tcPr>
@@ -11762,12 +11591,72 @@
                     <a:p>
                       <a:pPr algn="ctr" latinLnBrk="1"/>
                       <a:r>
-                        <a:rPr lang="ko-KR" altLang="en-US" sz="1600" dirty="0" smtClean="0">
+                        <a:rPr lang="ko-KR" altLang="en-US" sz="1600" dirty="0">
                           <a:solidFill>
                             <a:schemeClr val="tx1"/>
                           </a:solidFill>
                         </a:rPr>
                         <a:t>파일명</a:t>
+                      </a:r>
+                    </a:p>
+                  </a:txBody>
+                  <a:tcPr>
+                    <a:lnL w="12700" cap="flat" cmpd="sng" algn="ctr">
+                      <a:solidFill>
+                        <a:schemeClr val="tx1"/>
+                      </a:solidFill>
+                      <a:prstDash val="solid"/>
+                      <a:round/>
+                      <a:headEnd type="none" w="med" len="med"/>
+                      <a:tailEnd type="none" w="med" len="med"/>
+                    </a:lnL>
+                    <a:lnR w="12700" cap="flat" cmpd="sng" algn="ctr">
+                      <a:solidFill>
+                        <a:schemeClr val="tx1"/>
+                      </a:solidFill>
+                      <a:prstDash val="solid"/>
+                      <a:round/>
+                      <a:headEnd type="none" w="med" len="med"/>
+                      <a:tailEnd type="none" w="med" len="med"/>
+                    </a:lnR>
+                    <a:lnT w="12700" cap="flat" cmpd="sng" algn="ctr">
+                      <a:solidFill>
+                        <a:schemeClr val="tx1"/>
+                      </a:solidFill>
+                      <a:prstDash val="solid"/>
+                      <a:round/>
+                      <a:headEnd type="none" w="med" len="med"/>
+                      <a:tailEnd type="none" w="med" len="med"/>
+                    </a:lnT>
+                    <a:lnB w="12700" cap="flat" cmpd="sng" algn="ctr">
+                      <a:solidFill>
+                        <a:schemeClr val="tx1"/>
+                      </a:solidFill>
+                      <a:prstDash val="solid"/>
+                      <a:round/>
+                      <a:headEnd type="none" w="med" len="med"/>
+                      <a:tailEnd type="none" w="med" len="med"/>
+                    </a:lnB>
+                    <a:solidFill>
+                      <a:schemeClr val="bg2">
+                        <a:lumMod val="90000"/>
+                      </a:schemeClr>
+                    </a:solidFill>
+                  </a:tcPr>
+                </a:tc>
+                <a:tc>
+                  <a:txBody>
+                    <a:bodyPr/>
+                    <a:lstStyle/>
+                    <a:p>
+                      <a:pPr algn="ctr" latinLnBrk="1"/>
+                      <a:r>
+                        <a:rPr lang="ko-KR" altLang="en-US" sz="1600" dirty="0" err="1">
+                          <a:solidFill>
+                            <a:schemeClr val="tx1"/>
+                          </a:solidFill>
+                        </a:rPr>
+                        <a:t>화면명</a:t>
                       </a:r>
                       <a:endParaRPr lang="ko-KR" altLang="en-US" sz="1600" dirty="0">
                         <a:solidFill>
@@ -11827,83 +11716,13 @@
                     <a:p>
                       <a:pPr algn="ctr" latinLnBrk="1"/>
                       <a:r>
-                        <a:rPr lang="ko-KR" altLang="en-US" sz="1600" dirty="0" err="1" smtClean="0">
-                          <a:solidFill>
-                            <a:schemeClr val="tx1"/>
-                          </a:solidFill>
-                        </a:rPr>
-                        <a:t>화면명</a:t>
-                      </a:r>
-                      <a:endParaRPr lang="ko-KR" altLang="en-US" sz="1600" dirty="0">
-                        <a:solidFill>
-                          <a:schemeClr val="tx1"/>
-                        </a:solidFill>
-                      </a:endParaRPr>
-                    </a:p>
-                  </a:txBody>
-                  <a:tcPr>
-                    <a:lnL w="12700" cap="flat" cmpd="sng" algn="ctr">
-                      <a:solidFill>
-                        <a:schemeClr val="tx1"/>
-                      </a:solidFill>
-                      <a:prstDash val="solid"/>
-                      <a:round/>
-                      <a:headEnd type="none" w="med" len="med"/>
-                      <a:tailEnd type="none" w="med" len="med"/>
-                    </a:lnL>
-                    <a:lnR w="12700" cap="flat" cmpd="sng" algn="ctr">
-                      <a:solidFill>
-                        <a:schemeClr val="tx1"/>
-                      </a:solidFill>
-                      <a:prstDash val="solid"/>
-                      <a:round/>
-                      <a:headEnd type="none" w="med" len="med"/>
-                      <a:tailEnd type="none" w="med" len="med"/>
-                    </a:lnR>
-                    <a:lnT w="12700" cap="flat" cmpd="sng" algn="ctr">
-                      <a:solidFill>
-                        <a:schemeClr val="tx1"/>
-                      </a:solidFill>
-                      <a:prstDash val="solid"/>
-                      <a:round/>
-                      <a:headEnd type="none" w="med" len="med"/>
-                      <a:tailEnd type="none" w="med" len="med"/>
-                    </a:lnT>
-                    <a:lnB w="12700" cap="flat" cmpd="sng" algn="ctr">
-                      <a:solidFill>
-                        <a:schemeClr val="tx1"/>
-                      </a:solidFill>
-                      <a:prstDash val="solid"/>
-                      <a:round/>
-                      <a:headEnd type="none" w="med" len="med"/>
-                      <a:tailEnd type="none" w="med" len="med"/>
-                    </a:lnB>
-                    <a:solidFill>
-                      <a:schemeClr val="bg2">
-                        <a:lumMod val="90000"/>
-                      </a:schemeClr>
-                    </a:solidFill>
-                  </a:tcPr>
-                </a:tc>
-                <a:tc>
-                  <a:txBody>
-                    <a:bodyPr/>
-                    <a:lstStyle/>
-                    <a:p>
-                      <a:pPr algn="ctr" latinLnBrk="1"/>
-                      <a:r>
-                        <a:rPr lang="ko-KR" altLang="en-US" sz="1600" dirty="0" smtClean="0">
+                        <a:rPr lang="ko-KR" altLang="en-US" sz="1600" dirty="0">
                           <a:solidFill>
                             <a:schemeClr val="tx1"/>
                           </a:solidFill>
                         </a:rPr>
                         <a:t>작성자</a:t>
                       </a:r>
-                      <a:endParaRPr lang="ko-KR" altLang="en-US" sz="1600" dirty="0">
-                        <a:solidFill>
-                          <a:schemeClr val="tx1"/>
-                        </a:solidFill>
-                      </a:endParaRPr>
                     </a:p>
                   </a:txBody>
                   <a:tcPr>
@@ -11964,7 +11783,7 @@
                     <a:p>
                       <a:pPr algn="ctr" latinLnBrk="1"/>
                       <a:r>
-                        <a:rPr lang="en-US" altLang="ko-KR" sz="1600" dirty="0" smtClean="0">
+                        <a:rPr lang="en-US" altLang="ko-KR" sz="1600" dirty="0">
                           <a:solidFill>
                             <a:schemeClr val="tx1"/>
                           </a:solidFill>
@@ -12025,7 +11844,7 @@
                     <a:p>
                       <a:pPr algn="ctr" latinLnBrk="1"/>
                       <a:r>
-                        <a:rPr lang="en-US" altLang="ko-KR" sz="1600" dirty="0" err="1" smtClean="0">
+                        <a:rPr lang="en-US" altLang="ko-KR" sz="1600" dirty="0" err="1">
                           <a:solidFill>
                             <a:schemeClr val="tx1"/>
                           </a:solidFill>
@@ -12086,18 +11905,13 @@
                     <a:p>
                       <a:pPr algn="ctr" latinLnBrk="1"/>
                       <a:r>
-                        <a:rPr lang="ko-KR" altLang="en-US" sz="1600" dirty="0" smtClean="0">
+                        <a:rPr lang="ko-KR" altLang="en-US" sz="1600" dirty="0">
                           <a:solidFill>
                             <a:schemeClr val="tx1"/>
                           </a:solidFill>
                         </a:rPr>
                         <a:t>자료실</a:t>
                       </a:r>
-                      <a:endParaRPr lang="ko-KR" altLang="en-US" sz="1600" dirty="0">
-                        <a:solidFill>
-                          <a:schemeClr val="tx1"/>
-                        </a:solidFill>
-                      </a:endParaRPr>
                     </a:p>
                   </a:txBody>
                   <a:tcPr>
@@ -12147,18 +11961,13 @@
                     <a:p>
                       <a:pPr algn="ctr" latinLnBrk="1"/>
                       <a:r>
-                        <a:rPr lang="ko-KR" altLang="en-US" sz="1600" dirty="0" smtClean="0">
+                        <a:rPr lang="ko-KR" altLang="en-US" sz="1600" dirty="0">
                           <a:solidFill>
                             <a:schemeClr val="tx1"/>
                           </a:solidFill>
                         </a:rPr>
                         <a:t>하 태민</a:t>
                       </a:r>
-                      <a:endParaRPr lang="ko-KR" altLang="en-US" sz="1600" dirty="0">
-                        <a:solidFill>
-                          <a:schemeClr val="tx1"/>
-                        </a:solidFill>
-                      </a:endParaRPr>
                     </a:p>
                   </a:txBody>
                   <a:tcPr>
@@ -12266,7 +12075,7 @@
                     <a:p>
                       <a:pPr algn="ctr" latinLnBrk="1"/>
                       <a:r>
-                        <a:rPr lang="en-US" altLang="ko-KR" sz="1400" dirty="0" smtClean="0">
+                        <a:rPr lang="en-US" altLang="ko-KR" sz="1400" dirty="0">
                           <a:solidFill>
                             <a:schemeClr val="tx1"/>
                           </a:solidFill>
@@ -12339,7 +12148,7 @@
                     <a:p>
                       <a:pPr algn="ctr" latinLnBrk="1"/>
                       <a:r>
-                        <a:rPr lang="en-US" altLang="ko-KR" sz="1400" dirty="0" smtClean="0">
+                        <a:rPr lang="en-US" altLang="ko-KR" sz="1400" dirty="0">
                           <a:solidFill>
                             <a:schemeClr val="tx1"/>
                           </a:solidFill>
@@ -12404,18 +12213,13 @@
                     <a:p>
                       <a:pPr algn="ctr" latinLnBrk="1"/>
                       <a:r>
-                        <a:rPr lang="ko-KR" altLang="en-US" sz="1400" dirty="0" smtClean="0">
+                        <a:rPr lang="ko-KR" altLang="en-US" sz="1400" dirty="0">
                           <a:solidFill>
                             <a:schemeClr val="tx1"/>
                           </a:solidFill>
                         </a:rPr>
                         <a:t>기능</a:t>
                       </a:r>
-                      <a:endParaRPr lang="ko-KR" altLang="en-US" sz="1400" dirty="0">
-                        <a:solidFill>
-                          <a:schemeClr val="tx1"/>
-                        </a:solidFill>
-                      </a:endParaRPr>
                     </a:p>
                   </a:txBody>
                   <a:tcPr>
@@ -12476,7 +12280,7 @@
                     <a:p>
                       <a:pPr algn="ctr" latinLnBrk="1"/>
                       <a:r>
-                        <a:rPr lang="en-US" altLang="ko-KR" sz="1100" dirty="0" smtClean="0">
+                        <a:rPr lang="en-US" altLang="ko-KR" sz="1100" dirty="0">
                           <a:solidFill>
                             <a:schemeClr val="tx1"/>
                           </a:solidFill>
@@ -12593,7 +12397,7 @@
                         <a:buChar char="-"/>
                       </a:pPr>
                       <a:r>
-                        <a:rPr lang="ko-KR" altLang="en-US" sz="1100" dirty="0" err="1" smtClean="0">
+                        <a:rPr lang="ko-KR" altLang="en-US" sz="1100" dirty="0" err="1">
                           <a:solidFill>
                             <a:schemeClr val="tx1"/>
                           </a:solidFill>
@@ -12601,7 +12405,7 @@
                         <a:t>드롭박스</a:t>
                       </a:r>
                       <a:r>
-                        <a:rPr lang="ko-KR" altLang="en-US" sz="1100" dirty="0" smtClean="0">
+                        <a:rPr lang="ko-KR" altLang="en-US" sz="1100" dirty="0">
                           <a:solidFill>
                             <a:schemeClr val="tx1"/>
                           </a:solidFill>
@@ -12609,7 +12413,7 @@
                         <a:t> </a:t>
                       </a:r>
                       <a:r>
-                        <a:rPr lang="en-US" altLang="ko-KR" sz="1100" dirty="0" smtClean="0">
+                        <a:rPr lang="en-US" altLang="ko-KR" sz="1100" dirty="0">
                           <a:solidFill>
                             <a:schemeClr val="tx1"/>
                           </a:solidFill>
@@ -12617,7 +12421,7 @@
                         <a:t>(</a:t>
                       </a:r>
                       <a:r>
-                        <a:rPr lang="ko-KR" altLang="en-US" sz="1100" dirty="0" smtClean="0">
+                        <a:rPr lang="ko-KR" altLang="en-US" sz="1100" dirty="0">
                           <a:solidFill>
                             <a:schemeClr val="tx1"/>
                           </a:solidFill>
@@ -12625,7 +12429,7 @@
                         <a:t>제목</a:t>
                       </a:r>
                       <a:r>
-                        <a:rPr lang="en-US" altLang="ko-KR" sz="1100" dirty="0" smtClean="0">
+                        <a:rPr lang="en-US" altLang="ko-KR" sz="1100" dirty="0">
                           <a:solidFill>
                             <a:schemeClr val="tx1"/>
                           </a:solidFill>
@@ -12633,7 +12437,7 @@
                         <a:t>, </a:t>
                       </a:r>
                       <a:r>
-                        <a:rPr lang="ko-KR" altLang="en-US" sz="1100" dirty="0" smtClean="0">
+                        <a:rPr lang="ko-KR" altLang="en-US" sz="1100" dirty="0">
                           <a:solidFill>
                             <a:schemeClr val="tx1"/>
                           </a:solidFill>
@@ -12641,7 +12445,7 @@
                         <a:t>도서명</a:t>
                       </a:r>
                       <a:r>
-                        <a:rPr lang="en-US" altLang="ko-KR" sz="1100" dirty="0" smtClean="0">
+                        <a:rPr lang="en-US" altLang="ko-KR" sz="1100" dirty="0">
                           <a:solidFill>
                             <a:schemeClr val="tx1"/>
                           </a:solidFill>
@@ -12709,7 +12513,7 @@
                     <a:p>
                       <a:pPr algn="ctr" latinLnBrk="1"/>
                       <a:r>
-                        <a:rPr lang="en-US" altLang="ko-KR" sz="1100" dirty="0" smtClean="0">
+                        <a:rPr lang="en-US" altLang="ko-KR" sz="1100" dirty="0">
                           <a:solidFill>
                             <a:schemeClr val="tx1"/>
                           </a:solidFill>
@@ -12826,7 +12630,7 @@
                         <a:buChar char="-"/>
                       </a:pPr>
                       <a:r>
-                        <a:rPr lang="ko-KR" altLang="en-US" sz="1100" dirty="0" smtClean="0">
+                        <a:rPr lang="ko-KR" altLang="en-US" sz="1100" dirty="0">
                           <a:solidFill>
                             <a:schemeClr val="tx1"/>
                           </a:solidFill>
@@ -12834,7 +12638,7 @@
                         <a:t>자료실 검색</a:t>
                       </a:r>
                       <a:r>
-                        <a:rPr lang="en-US" altLang="ko-KR" sz="1100" dirty="0" smtClean="0">
+                        <a:rPr lang="en-US" altLang="ko-KR" sz="1100" dirty="0">
                           <a:solidFill>
                             <a:schemeClr val="tx1"/>
                           </a:solidFill>
@@ -12897,7 +12701,7 @@
                     <a:p>
                       <a:pPr algn="ctr" latinLnBrk="1"/>
                       <a:r>
-                        <a:rPr lang="en-US" altLang="ko-KR" sz="1100" dirty="0" smtClean="0">
+                        <a:rPr lang="en-US" altLang="ko-KR" sz="1100" dirty="0">
                           <a:solidFill>
                             <a:schemeClr val="tx1"/>
                           </a:solidFill>
@@ -13014,14 +12818,14 @@
                         <a:buChar char="-"/>
                       </a:pPr>
                       <a:r>
-                        <a:rPr lang="ko-KR" altLang="en-US" sz="1100" dirty="0" smtClean="0">
+                        <a:rPr lang="ko-KR" altLang="en-US" sz="1100" dirty="0">
                           <a:solidFill>
                             <a:schemeClr val="tx1"/>
                           </a:solidFill>
                         </a:rPr>
                         <a:t>자료실 컨텐츠</a:t>
                       </a:r>
-                      <a:endParaRPr lang="en-US" altLang="ko-KR" sz="1100" dirty="0" smtClean="0">
+                      <a:endParaRPr lang="en-US" altLang="ko-KR" sz="1100" dirty="0">
                         <a:solidFill>
                           <a:schemeClr val="tx1"/>
                         </a:solidFill>
@@ -13032,7 +12836,7 @@
                         <a:buFontTx/>
                         <a:buChar char="-"/>
                       </a:pPr>
-                      <a:endParaRPr lang="en-US" altLang="ko-KR" sz="1100" dirty="0" smtClean="0">
+                      <a:endParaRPr lang="en-US" altLang="ko-KR" sz="1100" dirty="0">
                         <a:solidFill>
                           <a:schemeClr val="tx1"/>
                         </a:solidFill>
@@ -13044,7 +12848,7 @@
                         <a:buChar char="-"/>
                       </a:pPr>
                       <a:r>
-                        <a:rPr lang="ko-KR" altLang="en-US" sz="1100" dirty="0" smtClean="0">
+                        <a:rPr lang="ko-KR" altLang="en-US" sz="1100" dirty="0">
                           <a:solidFill>
                             <a:schemeClr val="tx1"/>
                           </a:solidFill>
@@ -13052,7 +12856,7 @@
                         <a:t>한 페이지당</a:t>
                       </a:r>
                       <a:r>
-                        <a:rPr lang="ko-KR" altLang="en-US" sz="1100" baseline="0" dirty="0" smtClean="0">
+                        <a:rPr lang="ko-KR" altLang="en-US" sz="1100" baseline="0" dirty="0">
                           <a:solidFill>
                             <a:schemeClr val="tx1"/>
                           </a:solidFill>
@@ -13060,7 +12864,7 @@
                         <a:t> </a:t>
                       </a:r>
                       <a:r>
-                        <a:rPr lang="ko-KR" altLang="en-US" sz="1100" dirty="0" smtClean="0">
+                        <a:rPr lang="ko-KR" altLang="en-US" sz="1100" dirty="0">
                           <a:solidFill>
                             <a:schemeClr val="tx1"/>
                           </a:solidFill>
@@ -13068,7 +12872,7 @@
                         <a:t>컨텐츠 </a:t>
                       </a:r>
                       <a:r>
-                        <a:rPr lang="en-US" altLang="ko-KR" sz="1100" dirty="0" smtClean="0">
+                        <a:rPr lang="en-US" altLang="ko-KR" sz="1100" dirty="0">
                           <a:solidFill>
                             <a:schemeClr val="tx1"/>
                           </a:solidFill>
@@ -13076,7 +12880,7 @@
                         <a:t>6</a:t>
                       </a:r>
                       <a:r>
-                        <a:rPr lang="ko-KR" altLang="en-US" sz="1100" dirty="0" smtClean="0">
+                        <a:rPr lang="ko-KR" altLang="en-US" sz="1100" dirty="0">
                           <a:solidFill>
                             <a:schemeClr val="tx1"/>
                           </a:solidFill>
@@ -13084,7 +12888,7 @@
                         <a:t>개 출력</a:t>
                       </a:r>
                       <a:r>
-                        <a:rPr lang="en-US" altLang="ko-KR" sz="1100" dirty="0" smtClean="0">
+                        <a:rPr lang="en-US" altLang="ko-KR" sz="1100" dirty="0">
                           <a:solidFill>
                             <a:schemeClr val="tx1"/>
                           </a:solidFill>
@@ -13147,7 +12951,7 @@
                     <a:p>
                       <a:pPr algn="ctr" latinLnBrk="1"/>
                       <a:r>
-                        <a:rPr lang="en-US" altLang="ko-KR" sz="1100" dirty="0" smtClean="0">
+                        <a:rPr lang="en-US" altLang="ko-KR" sz="1100" dirty="0">
                           <a:solidFill>
                             <a:schemeClr val="tx1"/>
                           </a:solidFill>
@@ -13264,7 +13068,7 @@
                         <a:buChar char="-"/>
                       </a:pPr>
                       <a:r>
-                        <a:rPr lang="ko-KR" altLang="en-US" sz="1100" dirty="0" smtClean="0">
+                        <a:rPr lang="ko-KR" altLang="en-US" sz="1100" dirty="0">
                           <a:solidFill>
                             <a:schemeClr val="tx1"/>
                           </a:solidFill>
@@ -13272,7 +13076,7 @@
                         <a:t>페이지 이동</a:t>
                       </a:r>
                       <a:r>
-                        <a:rPr lang="en-US" altLang="ko-KR" sz="1100" dirty="0" smtClean="0">
+                        <a:rPr lang="en-US" altLang="ko-KR" sz="1100" dirty="0">
                           <a:solidFill>
                             <a:schemeClr val="tx1"/>
                           </a:solidFill>
@@ -13371,7 +13175,7 @@
           <a:p>
             <a:pPr algn="ctr"/>
             <a:r>
-              <a:rPr lang="en-US" altLang="ko-KR" dirty="0" smtClean="0"/>
+              <a:rPr lang="en-US" altLang="ko-KR" dirty="0"/>
               <a:t>1</a:t>
             </a:r>
             <a:endParaRPr lang="ko-KR" altLang="en-US" dirty="0"/>
@@ -13465,7 +13269,7 @@
           <a:p>
             <a:pPr algn="ctr"/>
             <a:r>
-              <a:rPr lang="en-US" altLang="ko-KR" dirty="0" smtClean="0"/>
+              <a:rPr lang="en-US" altLang="ko-KR" dirty="0"/>
               <a:t>3</a:t>
             </a:r>
             <a:endParaRPr lang="ko-KR" altLang="en-US" dirty="0"/>
@@ -13529,13 +13333,6 @@
   <p:clrMapOvr>
     <a:masterClrMapping/>
   </p:clrMapOvr>
-  <p:timing>
-    <p:tnLst>
-      <p:par>
-        <p:cTn id="1" dur="indefinite" restart="never" nodeType="tmRoot"/>
-      </p:par>
-    </p:tnLst>
-  </p:timing>
 </p:sld>
 </file>
 
@@ -13653,18 +13450,13 @@
                     <a:p>
                       <a:pPr algn="ctr" latinLnBrk="1"/>
                       <a:r>
-                        <a:rPr lang="ko-KR" altLang="en-US" sz="1600" dirty="0" smtClean="0">
+                        <a:rPr lang="ko-KR" altLang="en-US" sz="1600" dirty="0">
                           <a:solidFill>
                             <a:schemeClr val="tx1"/>
                           </a:solidFill>
                         </a:rPr>
                         <a:t>문서 코드</a:t>
                       </a:r>
-                      <a:endParaRPr lang="ko-KR" altLang="en-US" sz="1600" dirty="0">
-                        <a:solidFill>
-                          <a:schemeClr val="tx1"/>
-                        </a:solidFill>
-                      </a:endParaRPr>
                     </a:p>
                   </a:txBody>
                   <a:tcPr>
@@ -13726,12 +13518,72 @@
                     <a:p>
                       <a:pPr algn="ctr" latinLnBrk="1"/>
                       <a:r>
-                        <a:rPr lang="ko-KR" altLang="en-US" sz="1600" dirty="0" smtClean="0">
+                        <a:rPr lang="ko-KR" altLang="en-US" sz="1600" dirty="0">
                           <a:solidFill>
                             <a:schemeClr val="tx1"/>
                           </a:solidFill>
                         </a:rPr>
                         <a:t>파일명</a:t>
+                      </a:r>
+                    </a:p>
+                  </a:txBody>
+                  <a:tcPr>
+                    <a:lnL w="12700" cap="flat" cmpd="sng" algn="ctr">
+                      <a:solidFill>
+                        <a:schemeClr val="tx1"/>
+                      </a:solidFill>
+                      <a:prstDash val="solid"/>
+                      <a:round/>
+                      <a:headEnd type="none" w="med" len="med"/>
+                      <a:tailEnd type="none" w="med" len="med"/>
+                    </a:lnL>
+                    <a:lnR w="12700" cap="flat" cmpd="sng" algn="ctr">
+                      <a:solidFill>
+                        <a:schemeClr val="tx1"/>
+                      </a:solidFill>
+                      <a:prstDash val="solid"/>
+                      <a:round/>
+                      <a:headEnd type="none" w="med" len="med"/>
+                      <a:tailEnd type="none" w="med" len="med"/>
+                    </a:lnR>
+                    <a:lnT w="12700" cap="flat" cmpd="sng" algn="ctr">
+                      <a:solidFill>
+                        <a:schemeClr val="tx1"/>
+                      </a:solidFill>
+                      <a:prstDash val="solid"/>
+                      <a:round/>
+                      <a:headEnd type="none" w="med" len="med"/>
+                      <a:tailEnd type="none" w="med" len="med"/>
+                    </a:lnT>
+                    <a:lnB w="12700" cap="flat" cmpd="sng" algn="ctr">
+                      <a:solidFill>
+                        <a:schemeClr val="tx1"/>
+                      </a:solidFill>
+                      <a:prstDash val="solid"/>
+                      <a:round/>
+                      <a:headEnd type="none" w="med" len="med"/>
+                      <a:tailEnd type="none" w="med" len="med"/>
+                    </a:lnB>
+                    <a:solidFill>
+                      <a:schemeClr val="bg2">
+                        <a:lumMod val="90000"/>
+                      </a:schemeClr>
+                    </a:solidFill>
+                  </a:tcPr>
+                </a:tc>
+                <a:tc>
+                  <a:txBody>
+                    <a:bodyPr/>
+                    <a:lstStyle/>
+                    <a:p>
+                      <a:pPr algn="ctr" latinLnBrk="1"/>
+                      <a:r>
+                        <a:rPr lang="ko-KR" altLang="en-US" sz="1600" dirty="0" err="1">
+                          <a:solidFill>
+                            <a:schemeClr val="tx1"/>
+                          </a:solidFill>
+                        </a:rPr>
+                        <a:t>화면명</a:t>
                       </a:r>
                       <a:endParaRPr lang="ko-KR" altLang="en-US" sz="1600" dirty="0">
                         <a:solidFill>
@@ -13791,83 +13643,13 @@
                     <a:p>
                       <a:pPr algn="ctr" latinLnBrk="1"/>
                       <a:r>
-                        <a:rPr lang="ko-KR" altLang="en-US" sz="1600" dirty="0" err="1" smtClean="0">
-                          <a:solidFill>
-                            <a:schemeClr val="tx1"/>
-                          </a:solidFill>
-                        </a:rPr>
-                        <a:t>화면명</a:t>
-                      </a:r>
-                      <a:endParaRPr lang="ko-KR" altLang="en-US" sz="1600" dirty="0">
-                        <a:solidFill>
-                          <a:schemeClr val="tx1"/>
-                        </a:solidFill>
-                      </a:endParaRPr>
-                    </a:p>
-                  </a:txBody>
-                  <a:tcPr>
-                    <a:lnL w="12700" cap="flat" cmpd="sng" algn="ctr">
-                      <a:solidFill>
-                        <a:schemeClr val="tx1"/>
-                      </a:solidFill>
-                      <a:prstDash val="solid"/>
-                      <a:round/>
-                      <a:headEnd type="none" w="med" len="med"/>
-                      <a:tailEnd type="none" w="med" len="med"/>
-                    </a:lnL>
-                    <a:lnR w="12700" cap="flat" cmpd="sng" algn="ctr">
-                      <a:solidFill>
-                        <a:schemeClr val="tx1"/>
-                      </a:solidFill>
-                      <a:prstDash val="solid"/>
-                      <a:round/>
-                      <a:headEnd type="none" w="med" len="med"/>
-                      <a:tailEnd type="none" w="med" len="med"/>
-                    </a:lnR>
-                    <a:lnT w="12700" cap="flat" cmpd="sng" algn="ctr">
-                      <a:solidFill>
-                        <a:schemeClr val="tx1"/>
-                      </a:solidFill>
-                      <a:prstDash val="solid"/>
-                      <a:round/>
-                      <a:headEnd type="none" w="med" len="med"/>
-                      <a:tailEnd type="none" w="med" len="med"/>
-                    </a:lnT>
-                    <a:lnB w="12700" cap="flat" cmpd="sng" algn="ctr">
-                      <a:solidFill>
-                        <a:schemeClr val="tx1"/>
-                      </a:solidFill>
-                      <a:prstDash val="solid"/>
-                      <a:round/>
-                      <a:headEnd type="none" w="med" len="med"/>
-                      <a:tailEnd type="none" w="med" len="med"/>
-                    </a:lnB>
-                    <a:solidFill>
-                      <a:schemeClr val="bg2">
-                        <a:lumMod val="90000"/>
-                      </a:schemeClr>
-                    </a:solidFill>
-                  </a:tcPr>
-                </a:tc>
-                <a:tc>
-                  <a:txBody>
-                    <a:bodyPr/>
-                    <a:lstStyle/>
-                    <a:p>
-                      <a:pPr algn="ctr" latinLnBrk="1"/>
-                      <a:r>
-                        <a:rPr lang="ko-KR" altLang="en-US" sz="1600" dirty="0" smtClean="0">
+                        <a:rPr lang="ko-KR" altLang="en-US" sz="1600" dirty="0">
                           <a:solidFill>
                             <a:schemeClr val="tx1"/>
                           </a:solidFill>
                         </a:rPr>
                         <a:t>작성자</a:t>
                       </a:r>
-                      <a:endParaRPr lang="ko-KR" altLang="en-US" sz="1600" dirty="0">
-                        <a:solidFill>
-                          <a:schemeClr val="tx1"/>
-                        </a:solidFill>
-                      </a:endParaRPr>
                     </a:p>
                   </a:txBody>
                   <a:tcPr>
@@ -13928,7 +13710,7 @@
                     <a:p>
                       <a:pPr algn="ctr" latinLnBrk="1"/>
                       <a:r>
-                        <a:rPr lang="en-US" altLang="ko-KR" sz="1600" dirty="0" smtClean="0">
+                        <a:rPr lang="en-US" altLang="ko-KR" sz="1600" dirty="0">
                           <a:solidFill>
                             <a:schemeClr val="tx1"/>
                           </a:solidFill>
@@ -13989,7 +13771,7 @@
                     <a:p>
                       <a:pPr algn="ctr" latinLnBrk="1"/>
                       <a:r>
-                        <a:rPr lang="en-US" altLang="ko-KR" sz="1600" dirty="0" err="1" smtClean="0">
+                        <a:rPr lang="en-US" altLang="ko-KR" sz="1600" dirty="0" err="1">
                           <a:solidFill>
                             <a:schemeClr val="tx1"/>
                           </a:solidFill>
@@ -14050,18 +13832,13 @@
                     <a:p>
                       <a:pPr algn="ctr" latinLnBrk="1"/>
                       <a:r>
-                        <a:rPr lang="ko-KR" altLang="en-US" sz="1600" dirty="0" smtClean="0">
+                        <a:rPr lang="ko-KR" altLang="en-US" sz="1600" dirty="0">
                           <a:solidFill>
                             <a:schemeClr val="tx1"/>
                           </a:solidFill>
                         </a:rPr>
                         <a:t>질문답변</a:t>
                       </a:r>
-                      <a:endParaRPr lang="ko-KR" altLang="en-US" sz="1600" dirty="0">
-                        <a:solidFill>
-                          <a:schemeClr val="tx1"/>
-                        </a:solidFill>
-                      </a:endParaRPr>
                     </a:p>
                   </a:txBody>
                   <a:tcPr>
@@ -14111,18 +13888,13 @@
                     <a:p>
                       <a:pPr algn="ctr" latinLnBrk="1"/>
                       <a:r>
-                        <a:rPr lang="ko-KR" altLang="en-US" sz="1600" dirty="0" smtClean="0">
+                        <a:rPr lang="ko-KR" altLang="en-US" sz="1600" dirty="0">
                           <a:solidFill>
                             <a:schemeClr val="tx1"/>
                           </a:solidFill>
                         </a:rPr>
                         <a:t>하 태민</a:t>
                       </a:r>
-                      <a:endParaRPr lang="ko-KR" altLang="en-US" sz="1600" dirty="0">
-                        <a:solidFill>
-                          <a:schemeClr val="tx1"/>
-                        </a:solidFill>
-                      </a:endParaRPr>
                     </a:p>
                   </a:txBody>
                   <a:tcPr>
@@ -14230,7 +14002,7 @@
                     <a:p>
                       <a:pPr algn="ctr" latinLnBrk="1"/>
                       <a:r>
-                        <a:rPr lang="en-US" altLang="ko-KR" sz="1400" dirty="0" smtClean="0">
+                        <a:rPr lang="en-US" altLang="ko-KR" sz="1400" dirty="0">
                           <a:solidFill>
                             <a:schemeClr val="tx1"/>
                           </a:solidFill>
@@ -14303,7 +14075,7 @@
                     <a:p>
                       <a:pPr algn="ctr" latinLnBrk="1"/>
                       <a:r>
-                        <a:rPr lang="en-US" altLang="ko-KR" sz="1400" dirty="0" smtClean="0">
+                        <a:rPr lang="en-US" altLang="ko-KR" sz="1400" dirty="0">
                           <a:solidFill>
                             <a:schemeClr val="tx1"/>
                           </a:solidFill>
@@ -14368,18 +14140,13 @@
                     <a:p>
                       <a:pPr algn="ctr" latinLnBrk="1"/>
                       <a:r>
-                        <a:rPr lang="ko-KR" altLang="en-US" sz="1400" dirty="0" smtClean="0">
+                        <a:rPr lang="ko-KR" altLang="en-US" sz="1400" dirty="0">
                           <a:solidFill>
                             <a:schemeClr val="tx1"/>
                           </a:solidFill>
                         </a:rPr>
                         <a:t>기능</a:t>
                       </a:r>
-                      <a:endParaRPr lang="ko-KR" altLang="en-US" sz="1400" dirty="0">
-                        <a:solidFill>
-                          <a:schemeClr val="tx1"/>
-                        </a:solidFill>
-                      </a:endParaRPr>
                     </a:p>
                   </a:txBody>
                   <a:tcPr>
@@ -14440,7 +14207,7 @@
                     <a:p>
                       <a:pPr algn="ctr" latinLnBrk="1"/>
                       <a:r>
-                        <a:rPr lang="en-US" altLang="ko-KR" sz="1100" dirty="0" smtClean="0">
+                        <a:rPr lang="en-US" altLang="ko-KR" sz="1100" dirty="0">
                           <a:solidFill>
                             <a:schemeClr val="tx1"/>
                           </a:solidFill>
@@ -14557,7 +14324,7 @@
                         <a:buChar char="-"/>
                       </a:pPr>
                       <a:r>
-                        <a:rPr lang="ko-KR" altLang="en-US" sz="1100" dirty="0" err="1" smtClean="0">
+                        <a:rPr lang="ko-KR" altLang="en-US" sz="1100" dirty="0" err="1">
                           <a:solidFill>
                             <a:schemeClr val="tx1"/>
                           </a:solidFill>
@@ -14565,7 +14332,7 @@
                         <a:t>드롭박스</a:t>
                       </a:r>
                       <a:r>
-                        <a:rPr lang="ko-KR" altLang="en-US" sz="1100" dirty="0" smtClean="0">
+                        <a:rPr lang="ko-KR" altLang="en-US" sz="1100" dirty="0">
                           <a:solidFill>
                             <a:schemeClr val="tx1"/>
                           </a:solidFill>
@@ -14573,7 +14340,7 @@
                         <a:t> </a:t>
                       </a:r>
                       <a:r>
-                        <a:rPr lang="en-US" altLang="ko-KR" sz="1100" dirty="0" smtClean="0">
+                        <a:rPr lang="en-US" altLang="ko-KR" sz="1100" dirty="0">
                           <a:solidFill>
                             <a:schemeClr val="tx1"/>
                           </a:solidFill>
@@ -14581,7 +14348,7 @@
                         <a:t>(</a:t>
                       </a:r>
                       <a:r>
-                        <a:rPr lang="ko-KR" altLang="en-US" sz="1100" dirty="0" smtClean="0">
+                        <a:rPr lang="ko-KR" altLang="en-US" sz="1100" dirty="0">
                           <a:solidFill>
                             <a:schemeClr val="tx1"/>
                           </a:solidFill>
@@ -14589,7 +14356,7 @@
                         <a:t>제목</a:t>
                       </a:r>
                       <a:r>
-                        <a:rPr lang="en-US" altLang="ko-KR" sz="1100" dirty="0" smtClean="0">
+                        <a:rPr lang="en-US" altLang="ko-KR" sz="1100" dirty="0">
                           <a:solidFill>
                             <a:schemeClr val="tx1"/>
                           </a:solidFill>
@@ -14597,7 +14364,7 @@
                         <a:t>,</a:t>
                       </a:r>
                       <a:r>
-                        <a:rPr lang="en-US" altLang="ko-KR" sz="1100" baseline="0" dirty="0" smtClean="0">
+                        <a:rPr lang="en-US" altLang="ko-KR" sz="1100" baseline="0" dirty="0">
                           <a:solidFill>
                             <a:schemeClr val="tx1"/>
                           </a:solidFill>
@@ -14605,7 +14372,7 @@
                         <a:t> </a:t>
                       </a:r>
                       <a:r>
-                        <a:rPr lang="ko-KR" altLang="en-US" sz="1100" baseline="0" dirty="0" smtClean="0">
+                        <a:rPr lang="ko-KR" altLang="en-US" sz="1100" baseline="0" dirty="0">
                           <a:solidFill>
                             <a:schemeClr val="tx1"/>
                           </a:solidFill>
@@ -14613,7 +14380,7 @@
                         <a:t>글쓴이</a:t>
                       </a:r>
                       <a:r>
-                        <a:rPr lang="en-US" altLang="ko-KR" sz="1100" dirty="0" smtClean="0">
+                        <a:rPr lang="en-US" altLang="ko-KR" sz="1100" dirty="0">
                           <a:solidFill>
                             <a:schemeClr val="tx1"/>
                           </a:solidFill>
@@ -14681,7 +14448,7 @@
                     <a:p>
                       <a:pPr algn="ctr" latinLnBrk="1"/>
                       <a:r>
-                        <a:rPr lang="en-US" altLang="ko-KR" sz="1100" dirty="0" smtClean="0">
+                        <a:rPr lang="en-US" altLang="ko-KR" sz="1100" dirty="0">
                           <a:solidFill>
                             <a:schemeClr val="tx1"/>
                           </a:solidFill>
@@ -14798,7 +14565,7 @@
                         <a:buChar char="-"/>
                       </a:pPr>
                       <a:r>
-                        <a:rPr lang="en-US" altLang="ko-KR" sz="1100" dirty="0" smtClean="0">
+                        <a:rPr lang="en-US" altLang="ko-KR" sz="1100" dirty="0">
                           <a:solidFill>
                             <a:schemeClr val="tx1"/>
                           </a:solidFill>
@@ -14806,7 +14573,7 @@
                         <a:t>Q&amp;A</a:t>
                       </a:r>
                       <a:r>
-                        <a:rPr lang="ko-KR" altLang="en-US" sz="1100" dirty="0" smtClean="0">
+                        <a:rPr lang="ko-KR" altLang="en-US" sz="1100" dirty="0">
                           <a:solidFill>
                             <a:schemeClr val="tx1"/>
                           </a:solidFill>
@@ -14814,7 +14581,7 @@
                         <a:t> 검색</a:t>
                       </a:r>
                       <a:r>
-                        <a:rPr lang="en-US" altLang="ko-KR" sz="1100" dirty="0" smtClean="0">
+                        <a:rPr lang="en-US" altLang="ko-KR" sz="1100" dirty="0">
                           <a:solidFill>
                             <a:schemeClr val="tx1"/>
                           </a:solidFill>
@@ -14877,7 +14644,7 @@
                     <a:p>
                       <a:pPr algn="ctr" latinLnBrk="1"/>
                       <a:r>
-                        <a:rPr lang="en-US" altLang="ko-KR" sz="1100" dirty="0" smtClean="0">
+                        <a:rPr lang="en-US" altLang="ko-KR" sz="1100" dirty="0">
                           <a:solidFill>
                             <a:schemeClr val="tx1"/>
                           </a:solidFill>
@@ -14994,7 +14761,7 @@
                         <a:buChar char="-"/>
                       </a:pPr>
                       <a:r>
-                        <a:rPr lang="en-US" altLang="ko-KR" sz="1100" dirty="0" smtClean="0">
+                        <a:rPr lang="en-US" altLang="ko-KR" sz="1100" dirty="0">
                           <a:solidFill>
                             <a:schemeClr val="tx1"/>
                           </a:solidFill>
@@ -15002,14 +14769,14 @@
                         <a:t>Q&amp;A</a:t>
                       </a:r>
                       <a:r>
-                        <a:rPr lang="ko-KR" altLang="en-US" sz="1100" dirty="0" smtClean="0">
+                        <a:rPr lang="ko-KR" altLang="en-US" sz="1100" dirty="0">
                           <a:solidFill>
                             <a:schemeClr val="tx1"/>
                           </a:solidFill>
                         </a:rPr>
                         <a:t> 게시판</a:t>
                       </a:r>
-                      <a:endParaRPr lang="en-US" altLang="ko-KR" sz="1100" dirty="0" smtClean="0">
+                      <a:endParaRPr lang="en-US" altLang="ko-KR" sz="1100" dirty="0">
                         <a:solidFill>
                           <a:schemeClr val="tx1"/>
                         </a:solidFill>
@@ -15020,7 +14787,7 @@
                         <a:buFontTx/>
                         <a:buChar char="-"/>
                       </a:pPr>
-                      <a:endParaRPr lang="en-US" altLang="ko-KR" sz="1100" dirty="0" smtClean="0">
+                      <a:endParaRPr lang="en-US" altLang="ko-KR" sz="1100" dirty="0">
                         <a:solidFill>
                           <a:schemeClr val="tx1"/>
                         </a:solidFill>
@@ -15032,7 +14799,7 @@
                         <a:buChar char="-"/>
                       </a:pPr>
                       <a:r>
-                        <a:rPr lang="ko-KR" altLang="en-US" sz="1100" dirty="0" smtClean="0">
+                        <a:rPr lang="ko-KR" altLang="en-US" sz="1100" dirty="0">
                           <a:solidFill>
                             <a:schemeClr val="tx1"/>
                           </a:solidFill>
@@ -15040,7 +14807,7 @@
                         <a:t>한 페이지당</a:t>
                       </a:r>
                       <a:r>
-                        <a:rPr lang="ko-KR" altLang="en-US" sz="1100" baseline="0" dirty="0" smtClean="0">
+                        <a:rPr lang="ko-KR" altLang="en-US" sz="1100" baseline="0" dirty="0">
                           <a:solidFill>
                             <a:schemeClr val="tx1"/>
                           </a:solidFill>
@@ -15048,7 +14815,7 @@
                         <a:t> </a:t>
                       </a:r>
                       <a:r>
-                        <a:rPr lang="ko-KR" altLang="en-US" sz="1100" dirty="0" smtClean="0">
+                        <a:rPr lang="ko-KR" altLang="en-US" sz="1100" dirty="0">
                           <a:solidFill>
                             <a:schemeClr val="tx1"/>
                           </a:solidFill>
@@ -15056,7 +14823,7 @@
                         <a:t>컨텐츠 </a:t>
                       </a:r>
                       <a:r>
-                        <a:rPr lang="en-US" altLang="ko-KR" sz="1100" dirty="0" smtClean="0">
+                        <a:rPr lang="en-US" altLang="ko-KR" sz="1100" dirty="0">
                           <a:solidFill>
                             <a:schemeClr val="tx1"/>
                           </a:solidFill>
@@ -15064,7 +14831,7 @@
                         <a:t>10</a:t>
                       </a:r>
                       <a:r>
-                        <a:rPr lang="ko-KR" altLang="en-US" sz="1100" dirty="0" smtClean="0">
+                        <a:rPr lang="ko-KR" altLang="en-US" sz="1100" dirty="0">
                           <a:solidFill>
                             <a:schemeClr val="tx1"/>
                           </a:solidFill>
@@ -15072,7 +14839,7 @@
                         <a:t>개 출력</a:t>
                       </a:r>
                       <a:r>
-                        <a:rPr lang="en-US" altLang="ko-KR" sz="1100" dirty="0" smtClean="0">
+                        <a:rPr lang="en-US" altLang="ko-KR" sz="1100" dirty="0">
                           <a:solidFill>
                             <a:schemeClr val="tx1"/>
                           </a:solidFill>
@@ -15085,7 +14852,7 @@
                         <a:buFontTx/>
                         <a:buChar char="-"/>
                       </a:pPr>
-                      <a:endParaRPr lang="en-US" altLang="ko-KR" sz="1100" dirty="0" smtClean="0">
+                      <a:endParaRPr lang="en-US" altLang="ko-KR" sz="1100" dirty="0">
                         <a:solidFill>
                           <a:schemeClr val="tx1"/>
                         </a:solidFill>
@@ -15097,7 +14864,7 @@
                         <a:buChar char="-"/>
                       </a:pPr>
                       <a:r>
-                        <a:rPr lang="ko-KR" altLang="en-US" sz="1100" dirty="0" smtClean="0">
+                        <a:rPr lang="ko-KR" altLang="en-US" sz="1100" dirty="0">
                           <a:solidFill>
                             <a:schemeClr val="tx1"/>
                           </a:solidFill>
@@ -15105,7 +14872,7 @@
                         <a:t>제목 클릭 시 관련 게시판 페이지로 이동</a:t>
                       </a:r>
                       <a:r>
-                        <a:rPr lang="en-US" altLang="ko-KR" sz="1100" dirty="0" smtClean="0">
+                        <a:rPr lang="en-US" altLang="ko-KR" sz="1100" dirty="0">
                           <a:solidFill>
                             <a:schemeClr val="tx1"/>
                           </a:solidFill>
@@ -15168,7 +14935,7 @@
                     <a:p>
                       <a:pPr algn="ctr" latinLnBrk="1"/>
                       <a:r>
-                        <a:rPr lang="en-US" altLang="ko-KR" sz="1100" dirty="0" smtClean="0">
+                        <a:rPr lang="en-US" altLang="ko-KR" sz="1100" dirty="0">
                           <a:solidFill>
                             <a:schemeClr val="tx1"/>
                           </a:solidFill>
@@ -15285,7 +15052,7 @@
                         <a:buChar char="-"/>
                       </a:pPr>
                       <a:r>
-                        <a:rPr lang="ko-KR" altLang="en-US" sz="1100" dirty="0" smtClean="0">
+                        <a:rPr lang="ko-KR" altLang="en-US" sz="1100" dirty="0">
                           <a:solidFill>
                             <a:schemeClr val="tx1"/>
                           </a:solidFill>
@@ -15293,7 +15060,7 @@
                         <a:t>페이지 이동</a:t>
                       </a:r>
                       <a:r>
-                        <a:rPr lang="en-US" altLang="ko-KR" sz="1100" dirty="0" smtClean="0">
+                        <a:rPr lang="en-US" altLang="ko-KR" sz="1100" dirty="0">
                           <a:solidFill>
                             <a:schemeClr val="tx1"/>
                           </a:solidFill>
@@ -15392,7 +15159,7 @@
           <a:p>
             <a:pPr algn="ctr"/>
             <a:r>
-              <a:rPr lang="en-US" altLang="ko-KR" dirty="0" smtClean="0"/>
+              <a:rPr lang="en-US" altLang="ko-KR" dirty="0"/>
               <a:t>1</a:t>
             </a:r>
             <a:endParaRPr lang="ko-KR" altLang="en-US" dirty="0"/>
@@ -15486,7 +15253,7 @@
           <a:p>
             <a:pPr algn="ctr"/>
             <a:r>
-              <a:rPr lang="en-US" altLang="ko-KR" dirty="0" smtClean="0"/>
+              <a:rPr lang="en-US" altLang="ko-KR" dirty="0"/>
               <a:t>3</a:t>
             </a:r>
             <a:endParaRPr lang="ko-KR" altLang="en-US" dirty="0"/>
@@ -15550,13 +15317,6 @@
   <p:clrMapOvr>
     <a:masterClrMapping/>
   </p:clrMapOvr>
-  <p:timing>
-    <p:tnLst>
-      <p:par>
-        <p:cTn id="1" dur="indefinite" restart="never" nodeType="tmRoot"/>
-      </p:par>
-    </p:tnLst>
-  </p:timing>
 </p:sld>
 </file>
 
@@ -15674,18 +15434,13 @@
                     <a:p>
                       <a:pPr algn="ctr" latinLnBrk="1"/>
                       <a:r>
-                        <a:rPr lang="ko-KR" altLang="en-US" sz="1600" dirty="0" smtClean="0">
+                        <a:rPr lang="ko-KR" altLang="en-US" sz="1600" dirty="0">
                           <a:solidFill>
                             <a:schemeClr val="tx1"/>
                           </a:solidFill>
                         </a:rPr>
                         <a:t>문서 코드</a:t>
                       </a:r>
-                      <a:endParaRPr lang="ko-KR" altLang="en-US" sz="1600" dirty="0">
-                        <a:solidFill>
-                          <a:schemeClr val="tx1"/>
-                        </a:solidFill>
-                      </a:endParaRPr>
                     </a:p>
                   </a:txBody>
                   <a:tcPr>
@@ -15747,12 +15502,72 @@
                     <a:p>
                       <a:pPr algn="ctr" latinLnBrk="1"/>
                       <a:r>
-                        <a:rPr lang="ko-KR" altLang="en-US" sz="1600" dirty="0" smtClean="0">
+                        <a:rPr lang="ko-KR" altLang="en-US" sz="1600" dirty="0">
                           <a:solidFill>
                             <a:schemeClr val="tx1"/>
                           </a:solidFill>
                         </a:rPr>
                         <a:t>파일명</a:t>
+                      </a:r>
+                    </a:p>
+                  </a:txBody>
+                  <a:tcPr>
+                    <a:lnL w="12700" cap="flat" cmpd="sng" algn="ctr">
+                      <a:solidFill>
+                        <a:schemeClr val="tx1"/>
+                      </a:solidFill>
+                      <a:prstDash val="solid"/>
+                      <a:round/>
+                      <a:headEnd type="none" w="med" len="med"/>
+                      <a:tailEnd type="none" w="med" len="med"/>
+                    </a:lnL>
+                    <a:lnR w="12700" cap="flat" cmpd="sng" algn="ctr">
+                      <a:solidFill>
+                        <a:schemeClr val="tx1"/>
+                      </a:solidFill>
+                      <a:prstDash val="solid"/>
+                      <a:round/>
+                      <a:headEnd type="none" w="med" len="med"/>
+                      <a:tailEnd type="none" w="med" len="med"/>
+                    </a:lnR>
+                    <a:lnT w="12700" cap="flat" cmpd="sng" algn="ctr">
+                      <a:solidFill>
+                        <a:schemeClr val="tx1"/>
+                      </a:solidFill>
+                      <a:prstDash val="solid"/>
+                      <a:round/>
+                      <a:headEnd type="none" w="med" len="med"/>
+                      <a:tailEnd type="none" w="med" len="med"/>
+                    </a:lnT>
+                    <a:lnB w="12700" cap="flat" cmpd="sng" algn="ctr">
+                      <a:solidFill>
+                        <a:schemeClr val="tx1"/>
+                      </a:solidFill>
+                      <a:prstDash val="solid"/>
+                      <a:round/>
+                      <a:headEnd type="none" w="med" len="med"/>
+                      <a:tailEnd type="none" w="med" len="med"/>
+                    </a:lnB>
+                    <a:solidFill>
+                      <a:schemeClr val="bg2">
+                        <a:lumMod val="90000"/>
+                      </a:schemeClr>
+                    </a:solidFill>
+                  </a:tcPr>
+                </a:tc>
+                <a:tc>
+                  <a:txBody>
+                    <a:bodyPr/>
+                    <a:lstStyle/>
+                    <a:p>
+                      <a:pPr algn="ctr" latinLnBrk="1"/>
+                      <a:r>
+                        <a:rPr lang="ko-KR" altLang="en-US" sz="1600" dirty="0" err="1">
+                          <a:solidFill>
+                            <a:schemeClr val="tx1"/>
+                          </a:solidFill>
+                        </a:rPr>
+                        <a:t>화면명</a:t>
                       </a:r>
                       <a:endParaRPr lang="ko-KR" altLang="en-US" sz="1600" dirty="0">
                         <a:solidFill>
@@ -15812,83 +15627,13 @@
                     <a:p>
                       <a:pPr algn="ctr" latinLnBrk="1"/>
                       <a:r>
-                        <a:rPr lang="ko-KR" altLang="en-US" sz="1600" dirty="0" err="1" smtClean="0">
-                          <a:solidFill>
-                            <a:schemeClr val="tx1"/>
-                          </a:solidFill>
-                        </a:rPr>
-                        <a:t>화면명</a:t>
-                      </a:r>
-                      <a:endParaRPr lang="ko-KR" altLang="en-US" sz="1600" dirty="0">
-                        <a:solidFill>
-                          <a:schemeClr val="tx1"/>
-                        </a:solidFill>
-                      </a:endParaRPr>
-                    </a:p>
-                  </a:txBody>
-                  <a:tcPr>
-                    <a:lnL w="12700" cap="flat" cmpd="sng" algn="ctr">
-                      <a:solidFill>
-                        <a:schemeClr val="tx1"/>
-                      </a:solidFill>
-                      <a:prstDash val="solid"/>
-                      <a:round/>
-                      <a:headEnd type="none" w="med" len="med"/>
-                      <a:tailEnd type="none" w="med" len="med"/>
-                    </a:lnL>
-                    <a:lnR w="12700" cap="flat" cmpd="sng" algn="ctr">
-                      <a:solidFill>
-                        <a:schemeClr val="tx1"/>
-                      </a:solidFill>
-                      <a:prstDash val="solid"/>
-                      <a:round/>
-                      <a:headEnd type="none" w="med" len="med"/>
-                      <a:tailEnd type="none" w="med" len="med"/>
-                    </a:lnR>
-                    <a:lnT w="12700" cap="flat" cmpd="sng" algn="ctr">
-                      <a:solidFill>
-                        <a:schemeClr val="tx1"/>
-                      </a:solidFill>
-                      <a:prstDash val="solid"/>
-                      <a:round/>
-                      <a:headEnd type="none" w="med" len="med"/>
-                      <a:tailEnd type="none" w="med" len="med"/>
-                    </a:lnT>
-                    <a:lnB w="12700" cap="flat" cmpd="sng" algn="ctr">
-                      <a:solidFill>
-                        <a:schemeClr val="tx1"/>
-                      </a:solidFill>
-                      <a:prstDash val="solid"/>
-                      <a:round/>
-                      <a:headEnd type="none" w="med" len="med"/>
-                      <a:tailEnd type="none" w="med" len="med"/>
-                    </a:lnB>
-                    <a:solidFill>
-                      <a:schemeClr val="bg2">
-                        <a:lumMod val="90000"/>
-                      </a:schemeClr>
-                    </a:solidFill>
-                  </a:tcPr>
-                </a:tc>
-                <a:tc>
-                  <a:txBody>
-                    <a:bodyPr/>
-                    <a:lstStyle/>
-                    <a:p>
-                      <a:pPr algn="ctr" latinLnBrk="1"/>
-                      <a:r>
-                        <a:rPr lang="ko-KR" altLang="en-US" sz="1600" dirty="0" smtClean="0">
+                        <a:rPr lang="ko-KR" altLang="en-US" sz="1600" dirty="0">
                           <a:solidFill>
                             <a:schemeClr val="tx1"/>
                           </a:solidFill>
                         </a:rPr>
                         <a:t>작성자</a:t>
                       </a:r>
-                      <a:endParaRPr lang="ko-KR" altLang="en-US" sz="1600" dirty="0">
-                        <a:solidFill>
-                          <a:schemeClr val="tx1"/>
-                        </a:solidFill>
-                      </a:endParaRPr>
                     </a:p>
                   </a:txBody>
                   <a:tcPr>
@@ -15949,7 +15694,7 @@
                     <a:p>
                       <a:pPr algn="ctr" latinLnBrk="1"/>
                       <a:r>
-                        <a:rPr lang="en-US" altLang="ko-KR" sz="1600" dirty="0" smtClean="0">
+                        <a:rPr lang="en-US" altLang="ko-KR" sz="1600" dirty="0">
                           <a:solidFill>
                             <a:schemeClr val="tx1"/>
                           </a:solidFill>
@@ -16010,7 +15755,7 @@
                     <a:p>
                       <a:pPr algn="ctr" latinLnBrk="1"/>
                       <a:r>
-                        <a:rPr lang="en-US" altLang="ko-KR" sz="1600" dirty="0" smtClean="0">
+                        <a:rPr lang="en-US" altLang="ko-KR" sz="1600" dirty="0">
                           <a:solidFill>
                             <a:schemeClr val="tx1"/>
                           </a:solidFill>
@@ -16071,18 +15816,13 @@
                     <a:p>
                       <a:pPr algn="ctr" latinLnBrk="1"/>
                       <a:r>
-                        <a:rPr lang="ko-KR" altLang="en-US" sz="1600" dirty="0" smtClean="0">
+                        <a:rPr lang="ko-KR" altLang="en-US" sz="1600" dirty="0">
                           <a:solidFill>
                             <a:schemeClr val="tx1"/>
                           </a:solidFill>
                         </a:rPr>
                         <a:t>동영상 강의</a:t>
                       </a:r>
-                      <a:endParaRPr lang="ko-KR" altLang="en-US" sz="1600" dirty="0">
-                        <a:solidFill>
-                          <a:schemeClr val="tx1"/>
-                        </a:solidFill>
-                      </a:endParaRPr>
                     </a:p>
                   </a:txBody>
                   <a:tcPr>
@@ -16132,18 +15872,13 @@
                     <a:p>
                       <a:pPr algn="ctr" latinLnBrk="1"/>
                       <a:r>
-                        <a:rPr lang="ko-KR" altLang="en-US" sz="1600" dirty="0" smtClean="0">
+                        <a:rPr lang="ko-KR" altLang="en-US" sz="1600" dirty="0">
                           <a:solidFill>
                             <a:schemeClr val="tx1"/>
                           </a:solidFill>
                         </a:rPr>
                         <a:t>하 태민</a:t>
                       </a:r>
-                      <a:endParaRPr lang="ko-KR" altLang="en-US" sz="1600" dirty="0">
-                        <a:solidFill>
-                          <a:schemeClr val="tx1"/>
-                        </a:solidFill>
-                      </a:endParaRPr>
                     </a:p>
                   </a:txBody>
                   <a:tcPr>
@@ -16251,7 +15986,7 @@
                     <a:p>
                       <a:pPr algn="ctr" latinLnBrk="1"/>
                       <a:r>
-                        <a:rPr lang="en-US" altLang="ko-KR" sz="1400" dirty="0" smtClean="0">
+                        <a:rPr lang="en-US" altLang="ko-KR" sz="1400" dirty="0">
                           <a:solidFill>
                             <a:schemeClr val="tx1"/>
                           </a:solidFill>
@@ -16324,7 +16059,7 @@
                     <a:p>
                       <a:pPr algn="ctr" latinLnBrk="1"/>
                       <a:r>
-                        <a:rPr lang="en-US" altLang="ko-KR" sz="1400" dirty="0" smtClean="0">
+                        <a:rPr lang="en-US" altLang="ko-KR" sz="1400" dirty="0">
                           <a:solidFill>
                             <a:schemeClr val="tx1"/>
                           </a:solidFill>
@@ -16389,18 +16124,13 @@
                     <a:p>
                       <a:pPr algn="ctr" latinLnBrk="1"/>
                       <a:r>
-                        <a:rPr lang="ko-KR" altLang="en-US" sz="1400" dirty="0" smtClean="0">
+                        <a:rPr lang="ko-KR" altLang="en-US" sz="1400" dirty="0">
                           <a:solidFill>
                             <a:schemeClr val="tx1"/>
                           </a:solidFill>
                         </a:rPr>
                         <a:t>기능</a:t>
                       </a:r>
-                      <a:endParaRPr lang="ko-KR" altLang="en-US" sz="1400" dirty="0">
-                        <a:solidFill>
-                          <a:schemeClr val="tx1"/>
-                        </a:solidFill>
-                      </a:endParaRPr>
                     </a:p>
                   </a:txBody>
                   <a:tcPr>
@@ -16461,7 +16191,7 @@
                     <a:p>
                       <a:pPr algn="ctr" latinLnBrk="1"/>
                       <a:r>
-                        <a:rPr lang="en-US" altLang="ko-KR" sz="1100" dirty="0" smtClean="0">
+                        <a:rPr lang="en-US" altLang="ko-KR" sz="1100" dirty="0">
                           <a:solidFill>
                             <a:schemeClr val="tx1"/>
                           </a:solidFill>
@@ -16578,7 +16308,7 @@
                         <a:buChar char="-"/>
                       </a:pPr>
                       <a:r>
-                        <a:rPr lang="ko-KR" altLang="en-US" sz="1100" dirty="0" err="1" smtClean="0">
+                        <a:rPr lang="ko-KR" altLang="en-US" sz="1100" dirty="0" err="1">
                           <a:solidFill>
                             <a:schemeClr val="tx1"/>
                           </a:solidFill>
@@ -16586,7 +16316,7 @@
                         <a:t>드롭박스</a:t>
                       </a:r>
                       <a:r>
-                        <a:rPr lang="ko-KR" altLang="en-US" sz="1100" dirty="0" smtClean="0">
+                        <a:rPr lang="ko-KR" altLang="en-US" sz="1100" dirty="0">
                           <a:solidFill>
                             <a:schemeClr val="tx1"/>
                           </a:solidFill>
@@ -16594,7 +16324,7 @@
                         <a:t> </a:t>
                       </a:r>
                       <a:r>
-                        <a:rPr lang="en-US" altLang="ko-KR" sz="1100" dirty="0" smtClean="0">
+                        <a:rPr lang="en-US" altLang="ko-KR" sz="1100" dirty="0">
                           <a:solidFill>
                             <a:schemeClr val="tx1"/>
                           </a:solidFill>
@@ -16602,7 +16332,7 @@
                         <a:t>(</a:t>
                       </a:r>
                       <a:r>
-                        <a:rPr lang="ko-KR" altLang="en-US" sz="1100" dirty="0" smtClean="0">
+                        <a:rPr lang="ko-KR" altLang="en-US" sz="1100" dirty="0">
                           <a:solidFill>
                             <a:schemeClr val="tx1"/>
                           </a:solidFill>
@@ -16610,7 +16340,7 @@
                         <a:t>제목</a:t>
                       </a:r>
                       <a:r>
-                        <a:rPr lang="en-US" altLang="ko-KR" sz="1100" dirty="0" smtClean="0">
+                        <a:rPr lang="en-US" altLang="ko-KR" sz="1100" dirty="0">
                           <a:solidFill>
                             <a:schemeClr val="tx1"/>
                           </a:solidFill>
@@ -16618,7 +16348,7 @@
                         <a:t>, </a:t>
                       </a:r>
                       <a:r>
-                        <a:rPr lang="ko-KR" altLang="en-US" sz="1100" dirty="0" smtClean="0">
+                        <a:rPr lang="ko-KR" altLang="en-US" sz="1100" dirty="0">
                           <a:solidFill>
                             <a:schemeClr val="tx1"/>
                           </a:solidFill>
@@ -16626,7 +16356,7 @@
                         <a:t>도서명</a:t>
                       </a:r>
                       <a:r>
-                        <a:rPr lang="en-US" altLang="ko-KR" sz="1100" dirty="0" smtClean="0">
+                        <a:rPr lang="en-US" altLang="ko-KR" sz="1100" dirty="0">
                           <a:solidFill>
                             <a:schemeClr val="tx1"/>
                           </a:solidFill>
@@ -16694,7 +16424,7 @@
                     <a:p>
                       <a:pPr algn="ctr" latinLnBrk="1"/>
                       <a:r>
-                        <a:rPr lang="en-US" altLang="ko-KR" sz="1100" dirty="0" smtClean="0">
+                        <a:rPr lang="en-US" altLang="ko-KR" sz="1100" dirty="0">
                           <a:solidFill>
                             <a:schemeClr val="tx1"/>
                           </a:solidFill>
@@ -16811,7 +16541,7 @@
                         <a:buChar char="-"/>
                       </a:pPr>
                       <a:r>
-                        <a:rPr lang="ko-KR" altLang="en-US" sz="1100" dirty="0" smtClean="0">
+                        <a:rPr lang="ko-KR" altLang="en-US" sz="1100" dirty="0">
                           <a:solidFill>
                             <a:schemeClr val="tx1"/>
                           </a:solidFill>
@@ -16819,7 +16549,7 @@
                         <a:t>강의 검색</a:t>
                       </a:r>
                       <a:r>
-                        <a:rPr lang="en-US" altLang="ko-KR" sz="1100" dirty="0" smtClean="0">
+                        <a:rPr lang="en-US" altLang="ko-KR" sz="1100" dirty="0">
                           <a:solidFill>
                             <a:schemeClr val="tx1"/>
                           </a:solidFill>
@@ -16882,7 +16612,7 @@
                     <a:p>
                       <a:pPr algn="ctr" latinLnBrk="1"/>
                       <a:r>
-                        <a:rPr lang="en-US" altLang="ko-KR" sz="1100" dirty="0" smtClean="0">
+                        <a:rPr lang="en-US" altLang="ko-KR" sz="1100" dirty="0">
                           <a:solidFill>
                             <a:schemeClr val="tx1"/>
                           </a:solidFill>
@@ -16999,14 +16729,14 @@
                         <a:buChar char="-"/>
                       </a:pPr>
                       <a:r>
-                        <a:rPr lang="ko-KR" altLang="en-US" sz="1100" dirty="0" smtClean="0">
+                        <a:rPr lang="ko-KR" altLang="en-US" sz="1100" dirty="0">
                           <a:solidFill>
                             <a:schemeClr val="tx1"/>
                           </a:solidFill>
                         </a:rPr>
                         <a:t>동영상 강의 컨텐츠</a:t>
                       </a:r>
-                      <a:endParaRPr lang="en-US" altLang="ko-KR" sz="1100" dirty="0" smtClean="0">
+                      <a:endParaRPr lang="en-US" altLang="ko-KR" sz="1100" dirty="0">
                         <a:solidFill>
                           <a:schemeClr val="tx1"/>
                         </a:solidFill>
@@ -17017,7 +16747,7 @@
                         <a:buFontTx/>
                         <a:buChar char="-"/>
                       </a:pPr>
-                      <a:endParaRPr lang="en-US" altLang="ko-KR" sz="1100" dirty="0" smtClean="0">
+                      <a:endParaRPr lang="en-US" altLang="ko-KR" sz="1100" dirty="0">
                         <a:solidFill>
                           <a:schemeClr val="tx1"/>
                         </a:solidFill>
@@ -17029,7 +16759,7 @@
                         <a:buChar char="-"/>
                       </a:pPr>
                       <a:r>
-                        <a:rPr lang="ko-KR" altLang="en-US" sz="1100" dirty="0" smtClean="0">
+                        <a:rPr lang="ko-KR" altLang="en-US" sz="1100" dirty="0">
                           <a:solidFill>
                             <a:schemeClr val="tx1"/>
                           </a:solidFill>
@@ -17037,7 +16767,7 @@
                         <a:t>한 페이지당</a:t>
                       </a:r>
                       <a:r>
-                        <a:rPr lang="ko-KR" altLang="en-US" sz="1100" baseline="0" dirty="0" smtClean="0">
+                        <a:rPr lang="ko-KR" altLang="en-US" sz="1100" baseline="0" dirty="0">
                           <a:solidFill>
                             <a:schemeClr val="tx1"/>
                           </a:solidFill>
@@ -17045,7 +16775,7 @@
                         <a:t> </a:t>
                       </a:r>
                       <a:r>
-                        <a:rPr lang="ko-KR" altLang="en-US" sz="1100" dirty="0" smtClean="0">
+                        <a:rPr lang="ko-KR" altLang="en-US" sz="1100" dirty="0">
                           <a:solidFill>
                             <a:schemeClr val="tx1"/>
                           </a:solidFill>
@@ -17053,7 +16783,7 @@
                         <a:t>컨텐츠 </a:t>
                       </a:r>
                       <a:r>
-                        <a:rPr lang="en-US" altLang="ko-KR" sz="1100" dirty="0" smtClean="0">
+                        <a:rPr lang="en-US" altLang="ko-KR" sz="1100" dirty="0">
                           <a:solidFill>
                             <a:schemeClr val="tx1"/>
                           </a:solidFill>
@@ -17061,7 +16791,7 @@
                         <a:t>6</a:t>
                       </a:r>
                       <a:r>
-                        <a:rPr lang="ko-KR" altLang="en-US" sz="1100" dirty="0" smtClean="0">
+                        <a:rPr lang="ko-KR" altLang="en-US" sz="1100" dirty="0">
                           <a:solidFill>
                             <a:schemeClr val="tx1"/>
                           </a:solidFill>
@@ -17069,7 +16799,7 @@
                         <a:t>개 출력</a:t>
                       </a:r>
                       <a:r>
-                        <a:rPr lang="en-US" altLang="ko-KR" sz="1100" dirty="0" smtClean="0">
+                        <a:rPr lang="en-US" altLang="ko-KR" sz="1100" dirty="0">
                           <a:solidFill>
                             <a:schemeClr val="tx1"/>
                           </a:solidFill>
@@ -17082,7 +16812,7 @@
                         <a:buFontTx/>
                         <a:buChar char="-"/>
                       </a:pPr>
-                      <a:endParaRPr lang="en-US" altLang="ko-KR" sz="1100" dirty="0" smtClean="0">
+                      <a:endParaRPr lang="en-US" altLang="ko-KR" sz="1100" dirty="0">
                         <a:solidFill>
                           <a:schemeClr val="tx1"/>
                         </a:solidFill>
@@ -17094,7 +16824,7 @@
                         <a:buChar char="-"/>
                       </a:pPr>
                       <a:r>
-                        <a:rPr lang="ko-KR" altLang="en-US" sz="1100" dirty="0" smtClean="0">
+                        <a:rPr lang="ko-KR" altLang="en-US" sz="1100" dirty="0">
                           <a:solidFill>
                             <a:schemeClr val="tx1"/>
                           </a:solidFill>
@@ -17102,7 +16832,7 @@
                         <a:t>제목 또는 이미지 클릭 시 관련 유튜브 주소로 이동</a:t>
                       </a:r>
                       <a:r>
-                        <a:rPr lang="en-US" altLang="ko-KR" sz="1100" dirty="0" smtClean="0">
+                        <a:rPr lang="en-US" altLang="ko-KR" sz="1100" dirty="0">
                           <a:solidFill>
                             <a:schemeClr val="tx1"/>
                           </a:solidFill>
@@ -17165,7 +16895,7 @@
                     <a:p>
                       <a:pPr algn="ctr" latinLnBrk="1"/>
                       <a:r>
-                        <a:rPr lang="en-US" altLang="ko-KR" sz="1100" dirty="0" smtClean="0">
+                        <a:rPr lang="en-US" altLang="ko-KR" sz="1100" dirty="0">
                           <a:solidFill>
                             <a:schemeClr val="tx1"/>
                           </a:solidFill>
@@ -17282,7 +17012,7 @@
                         <a:buChar char="-"/>
                       </a:pPr>
                       <a:r>
-                        <a:rPr lang="ko-KR" altLang="en-US" sz="1100" dirty="0" smtClean="0">
+                        <a:rPr lang="ko-KR" altLang="en-US" sz="1100" dirty="0">
                           <a:solidFill>
                             <a:schemeClr val="tx1"/>
                           </a:solidFill>
@@ -17290,7 +17020,7 @@
                         <a:t>페이지 이동</a:t>
                       </a:r>
                       <a:r>
-                        <a:rPr lang="en-US" altLang="ko-KR" sz="1100" dirty="0" smtClean="0">
+                        <a:rPr lang="en-US" altLang="ko-KR" sz="1100" dirty="0">
                           <a:solidFill>
                             <a:schemeClr val="tx1"/>
                           </a:solidFill>
@@ -17389,7 +17119,7 @@
           <a:p>
             <a:pPr algn="ctr"/>
             <a:r>
-              <a:rPr lang="en-US" altLang="ko-KR" dirty="0" smtClean="0"/>
+              <a:rPr lang="en-US" altLang="ko-KR" dirty="0"/>
               <a:t>1</a:t>
             </a:r>
             <a:endParaRPr lang="ko-KR" altLang="en-US" dirty="0"/>
@@ -17483,7 +17213,7 @@
           <a:p>
             <a:pPr algn="ctr"/>
             <a:r>
-              <a:rPr lang="en-US" altLang="ko-KR" dirty="0" smtClean="0"/>
+              <a:rPr lang="en-US" altLang="ko-KR" dirty="0"/>
               <a:t>3</a:t>
             </a:r>
             <a:endParaRPr lang="ko-KR" altLang="en-US" dirty="0"/>
@@ -17547,13 +17277,6 @@
   <p:clrMapOvr>
     <a:masterClrMapping/>
   </p:clrMapOvr>
-  <p:timing>
-    <p:tnLst>
-      <p:par>
-        <p:cTn id="1" dur="indefinite" restart="never" nodeType="tmRoot"/>
-      </p:par>
-    </p:tnLst>
-  </p:timing>
 </p:sld>
 </file>
 
@@ -17643,7 +17366,7 @@
           <a:lstStyle/>
           <a:p>
             <a:r>
-              <a:rPr lang="en-US" altLang="ko-KR" sz="4000" b="1" dirty="0" smtClean="0"/>
+              <a:rPr lang="en-US" altLang="ko-KR" sz="4000" b="1" dirty="0"/>
               <a:t>Contents</a:t>
             </a:r>
             <a:endParaRPr lang="ko-KR" altLang="en-US" b="1" dirty="0"/>
@@ -17749,7 +17472,7 @@
           <a:lstStyle/>
           <a:p>
             <a:r>
-              <a:rPr lang="ko-KR" altLang="en-US" sz="4000" b="1" dirty="0" smtClean="0"/>
+              <a:rPr lang="ko-KR" altLang="en-US" sz="4000" b="1" dirty="0"/>
               <a:t>서비스 개요</a:t>
             </a:r>
             <a:endParaRPr lang="ko-KR" altLang="en-US" b="1" dirty="0"/>
@@ -17804,18 +17527,13 @@
                     <a:p>
                       <a:pPr algn="ctr" latinLnBrk="1"/>
                       <a:r>
-                        <a:rPr lang="ko-KR" altLang="en-US" dirty="0" smtClean="0">
+                        <a:rPr lang="ko-KR" altLang="en-US" dirty="0">
                           <a:solidFill>
                             <a:schemeClr val="tx1"/>
                           </a:solidFill>
                         </a:rPr>
                         <a:t>구분</a:t>
                       </a:r>
-                      <a:endParaRPr lang="ko-KR" altLang="en-US" dirty="0">
-                        <a:solidFill>
-                          <a:schemeClr val="tx1"/>
-                        </a:solidFill>
-                      </a:endParaRPr>
                     </a:p>
                   </a:txBody>
                   <a:tcPr>
@@ -17867,18 +17585,13 @@
                     <a:p>
                       <a:pPr algn="ctr" latinLnBrk="1"/>
                       <a:r>
-                        <a:rPr lang="ko-KR" altLang="en-US" dirty="0" smtClean="0">
+                        <a:rPr lang="ko-KR" altLang="en-US" dirty="0">
                           <a:solidFill>
                             <a:schemeClr val="tx1"/>
                           </a:solidFill>
                         </a:rPr>
                         <a:t>내용</a:t>
                       </a:r>
-                      <a:endParaRPr lang="ko-KR" altLang="en-US" dirty="0">
-                        <a:solidFill>
-                          <a:schemeClr val="tx1"/>
-                        </a:solidFill>
-                      </a:endParaRPr>
                     </a:p>
                   </a:txBody>
                   <a:tcPr>
@@ -17937,18 +17650,13 @@
                     <a:p>
                       <a:pPr algn="ctr" latinLnBrk="1"/>
                       <a:r>
-                        <a:rPr lang="ko-KR" altLang="en-US" dirty="0" smtClean="0">
+                        <a:rPr lang="ko-KR" altLang="en-US" dirty="0">
                           <a:solidFill>
                             <a:schemeClr val="tx1"/>
                           </a:solidFill>
                         </a:rPr>
                         <a:t>기획 배경</a:t>
                       </a:r>
-                      <a:endParaRPr lang="ko-KR" altLang="en-US" dirty="0">
-                        <a:solidFill>
-                          <a:schemeClr val="tx1"/>
-                        </a:solidFill>
-                      </a:endParaRPr>
                     </a:p>
                   </a:txBody>
                   <a:tcPr>
@@ -18057,18 +17765,13 @@
                     <a:p>
                       <a:pPr algn="ctr" latinLnBrk="1"/>
                       <a:r>
-                        <a:rPr lang="ko-KR" altLang="en-US" dirty="0" smtClean="0">
+                        <a:rPr lang="ko-KR" altLang="en-US" dirty="0">
                           <a:solidFill>
                             <a:schemeClr val="tx1"/>
                           </a:solidFill>
                         </a:rPr>
                         <a:t>기획 목적</a:t>
                       </a:r>
-                      <a:endParaRPr lang="ko-KR" altLang="en-US" dirty="0">
-                        <a:solidFill>
-                          <a:schemeClr val="tx1"/>
-                        </a:solidFill>
-                      </a:endParaRPr>
                     </a:p>
                   </a:txBody>
                   <a:tcPr>
@@ -18174,18 +17877,13 @@
                     <a:p>
                       <a:pPr algn="ctr" latinLnBrk="1"/>
                       <a:r>
-                        <a:rPr lang="ko-KR" altLang="en-US" dirty="0" smtClean="0">
+                        <a:rPr lang="ko-KR" altLang="en-US" dirty="0">
                           <a:solidFill>
                             <a:schemeClr val="tx1"/>
                           </a:solidFill>
                         </a:rPr>
                         <a:t>기대 효과</a:t>
                       </a:r>
-                      <a:endParaRPr lang="ko-KR" altLang="en-US" dirty="0">
-                        <a:solidFill>
-                          <a:schemeClr val="tx1"/>
-                        </a:solidFill>
-                      </a:endParaRPr>
                     </a:p>
                   </a:txBody>
                   <a:tcPr>
@@ -18291,18 +17989,13 @@
                     <a:p>
                       <a:pPr algn="ctr" latinLnBrk="1"/>
                       <a:r>
-                        <a:rPr lang="ko-KR" altLang="en-US" dirty="0" smtClean="0">
+                        <a:rPr lang="ko-KR" altLang="en-US" dirty="0">
                           <a:solidFill>
                             <a:schemeClr val="tx1"/>
                           </a:solidFill>
                         </a:rPr>
                         <a:t>기능 요약</a:t>
                       </a:r>
-                      <a:endParaRPr lang="ko-KR" altLang="en-US" dirty="0">
-                        <a:solidFill>
-                          <a:schemeClr val="tx1"/>
-                        </a:solidFill>
-                      </a:endParaRPr>
                     </a:p>
                   </a:txBody>
                   <a:tcPr>
@@ -18411,18 +18104,13 @@
                     <a:p>
                       <a:pPr algn="ctr" latinLnBrk="1"/>
                       <a:r>
-                        <a:rPr lang="ko-KR" altLang="en-US" dirty="0" smtClean="0">
+                        <a:rPr lang="ko-KR" altLang="en-US" dirty="0">
                           <a:solidFill>
                             <a:schemeClr val="tx1"/>
                           </a:solidFill>
                         </a:rPr>
                         <a:t>기타 사항</a:t>
                       </a:r>
-                      <a:endParaRPr lang="ko-KR" altLang="en-US" dirty="0">
-                        <a:solidFill>
-                          <a:schemeClr val="tx1"/>
-                        </a:solidFill>
-                      </a:endParaRPr>
                     </a:p>
                   </a:txBody>
                   <a:tcPr>
@@ -18623,7 +18311,7 @@
           <a:lstStyle/>
           <a:p>
             <a:r>
-              <a:rPr lang="en-US" altLang="ko-KR" sz="4000" b="1" dirty="0" smtClean="0"/>
+              <a:rPr lang="en-US" altLang="ko-KR" sz="4000" b="1" dirty="0"/>
               <a:t>Document History</a:t>
             </a:r>
             <a:endParaRPr lang="ko-KR" altLang="en-US" sz="4000" b="1" dirty="0"/>
@@ -18706,7 +18394,7 @@
                     <a:p>
                       <a:pPr algn="ctr" latinLnBrk="1"/>
                       <a:r>
-                        <a:rPr lang="en-US" altLang="ko-KR" dirty="0" smtClean="0">
+                        <a:rPr lang="en-US" altLang="ko-KR" dirty="0">
                           <a:solidFill>
                             <a:schemeClr val="tx1"/>
                           </a:solidFill>
@@ -18818,7 +18506,7 @@
                     <a:p>
                       <a:pPr algn="ctr" latinLnBrk="1"/>
                       <a:r>
-                        <a:rPr lang="en-US" altLang="ko-KR" dirty="0" smtClean="0">
+                        <a:rPr lang="en-US" altLang="ko-KR" dirty="0">
                           <a:solidFill>
                             <a:schemeClr val="tx1"/>
                           </a:solidFill>
@@ -19035,7 +18723,7 @@
                     <a:p>
                       <a:pPr algn="ctr" latinLnBrk="1"/>
                       <a:r>
-                        <a:rPr lang="en-US" altLang="ko-KR" sz="1600" dirty="0" smtClean="0">
+                        <a:rPr lang="en-US" altLang="ko-KR" sz="1600" dirty="0">
                           <a:solidFill>
                             <a:schemeClr val="tx1"/>
                           </a:solidFill>
@@ -19147,12 +18835,68 @@
                     <a:p>
                       <a:pPr algn="ctr" latinLnBrk="1"/>
                       <a:r>
-                        <a:rPr lang="ko-KR" altLang="en-US" sz="1600" dirty="0" smtClean="0">
+                        <a:rPr lang="ko-KR" altLang="en-US" sz="1600" dirty="0">
                           <a:solidFill>
                             <a:schemeClr val="tx1"/>
                           </a:solidFill>
                         </a:rPr>
                         <a:t>문서 명</a:t>
+                      </a:r>
+                    </a:p>
+                  </a:txBody>
+                  <a:tcPr>
+                    <a:lnL w="12700" cap="flat" cmpd="sng" algn="ctr">
+                      <a:solidFill>
+                        <a:schemeClr val="tx1"/>
+                      </a:solidFill>
+                      <a:prstDash val="solid"/>
+                      <a:round/>
+                      <a:headEnd type="none" w="med" len="med"/>
+                      <a:tailEnd type="none" w="med" len="med"/>
+                    </a:lnL>
+                    <a:lnR w="12700" cap="flat" cmpd="sng" algn="ctr">
+                      <a:solidFill>
+                        <a:schemeClr val="tx1"/>
+                      </a:solidFill>
+                      <a:prstDash val="solid"/>
+                      <a:round/>
+                      <a:headEnd type="none" w="med" len="med"/>
+                      <a:tailEnd type="none" w="med" len="med"/>
+                    </a:lnR>
+                    <a:lnT w="12700" cap="flat" cmpd="sng" algn="ctr">
+                      <a:solidFill>
+                        <a:schemeClr val="tx1"/>
+                      </a:solidFill>
+                      <a:prstDash val="solid"/>
+                      <a:round/>
+                      <a:headEnd type="none" w="med" len="med"/>
+                      <a:tailEnd type="none" w="med" len="med"/>
+                    </a:lnT>
+                    <a:lnB w="12700" cap="flat" cmpd="sng" algn="ctr">
+                      <a:solidFill>
+                        <a:schemeClr val="tx1"/>
+                      </a:solidFill>
+                      <a:prstDash val="solid"/>
+                      <a:round/>
+                      <a:headEnd type="none" w="med" len="med"/>
+                      <a:tailEnd type="none" w="med" len="med"/>
+                    </a:lnB>
+                    <a:noFill/>
+                  </a:tcPr>
+                </a:tc>
+                <a:tc>
+                  <a:txBody>
+                    <a:bodyPr/>
+                    <a:lstStyle/>
+                    <a:p>
+                      <a:pPr algn="ctr" latinLnBrk="1"/>
+                      <a:r>
+                        <a:rPr lang="ko-KR" altLang="en-US" sz="1600" dirty="0" err="1">
+                          <a:solidFill>
+                            <a:schemeClr val="tx1"/>
+                          </a:solidFill>
+                        </a:rPr>
+                        <a:t>화면설계서</a:t>
                       </a:r>
                       <a:endParaRPr lang="ko-KR" altLang="en-US" sz="1600" dirty="0">
                         <a:solidFill>
@@ -19208,18 +18952,13 @@
                     <a:p>
                       <a:pPr algn="ctr" latinLnBrk="1"/>
                       <a:r>
-                        <a:rPr lang="ko-KR" altLang="en-US" sz="1600" dirty="0" err="1" smtClean="0">
-                          <a:solidFill>
-                            <a:schemeClr val="tx1"/>
-                          </a:solidFill>
-                        </a:rPr>
-                        <a:t>화면설계서</a:t>
-                      </a:r>
-                      <a:endParaRPr lang="ko-KR" altLang="en-US" sz="1600" dirty="0">
-                        <a:solidFill>
-                          <a:schemeClr val="tx1"/>
-                        </a:solidFill>
-                      </a:endParaRPr>
+                        <a:rPr lang="ko-KR" altLang="en-US" sz="1600" dirty="0">
+                          <a:solidFill>
+                            <a:schemeClr val="tx1"/>
+                          </a:solidFill>
+                        </a:rPr>
+                        <a:t>작성일</a:t>
+                      </a:r>
                     </a:p>
                   </a:txBody>
                   <a:tcPr>
@@ -19269,68 +19008,7 @@
                     <a:p>
                       <a:pPr algn="ctr" latinLnBrk="1"/>
                       <a:r>
-                        <a:rPr lang="ko-KR" altLang="en-US" sz="1600" dirty="0" smtClean="0">
-                          <a:solidFill>
-                            <a:schemeClr val="tx1"/>
-                          </a:solidFill>
-                        </a:rPr>
-                        <a:t>작성일</a:t>
-                      </a:r>
-                      <a:endParaRPr lang="ko-KR" altLang="en-US" sz="1600" dirty="0">
-                        <a:solidFill>
-                          <a:schemeClr val="tx1"/>
-                        </a:solidFill>
-                      </a:endParaRPr>
-                    </a:p>
-                  </a:txBody>
-                  <a:tcPr>
-                    <a:lnL w="12700" cap="flat" cmpd="sng" algn="ctr">
-                      <a:solidFill>
-                        <a:schemeClr val="tx1"/>
-                      </a:solidFill>
-                      <a:prstDash val="solid"/>
-                      <a:round/>
-                      <a:headEnd type="none" w="med" len="med"/>
-                      <a:tailEnd type="none" w="med" len="med"/>
-                    </a:lnL>
-                    <a:lnR w="12700" cap="flat" cmpd="sng" algn="ctr">
-                      <a:solidFill>
-                        <a:schemeClr val="tx1"/>
-                      </a:solidFill>
-                      <a:prstDash val="solid"/>
-                      <a:round/>
-                      <a:headEnd type="none" w="med" len="med"/>
-                      <a:tailEnd type="none" w="med" len="med"/>
-                    </a:lnR>
-                    <a:lnT w="12700" cap="flat" cmpd="sng" algn="ctr">
-                      <a:solidFill>
-                        <a:schemeClr val="tx1"/>
-                      </a:solidFill>
-                      <a:prstDash val="solid"/>
-                      <a:round/>
-                      <a:headEnd type="none" w="med" len="med"/>
-                      <a:tailEnd type="none" w="med" len="med"/>
-                    </a:lnT>
-                    <a:lnB w="12700" cap="flat" cmpd="sng" algn="ctr">
-                      <a:solidFill>
-                        <a:schemeClr val="tx1"/>
-                      </a:solidFill>
-                      <a:prstDash val="solid"/>
-                      <a:round/>
-                      <a:headEnd type="none" w="med" len="med"/>
-                      <a:tailEnd type="none" w="med" len="med"/>
-                    </a:lnB>
-                    <a:noFill/>
-                  </a:tcPr>
-                </a:tc>
-                <a:tc>
-                  <a:txBody>
-                    <a:bodyPr/>
-                    <a:lstStyle/>
-                    <a:p>
-                      <a:pPr algn="ctr" latinLnBrk="1"/>
-                      <a:r>
-                        <a:rPr lang="en-US" altLang="ko-KR" sz="1600" dirty="0" smtClean="0">
+                        <a:rPr lang="en-US" altLang="ko-KR" sz="1600" dirty="0">
                           <a:solidFill>
                             <a:schemeClr val="tx1"/>
                           </a:solidFill>
@@ -19396,7 +19074,7 @@
                     <a:p>
                       <a:pPr algn="ctr" latinLnBrk="1"/>
                       <a:r>
-                        <a:rPr lang="en-US" altLang="ko-KR" sz="1600" dirty="0" smtClean="0">
+                        <a:rPr lang="en-US" altLang="ko-KR" sz="1600" dirty="0">
                           <a:solidFill>
                             <a:schemeClr val="tx1"/>
                           </a:solidFill>
@@ -19455,7 +19133,7 @@
                     <a:p>
                       <a:pPr algn="ctr" latinLnBrk="1"/>
                       <a:r>
-                        <a:rPr lang="ko-KR" altLang="en-US" sz="1600" dirty="0" smtClean="0">
+                        <a:rPr lang="ko-KR" altLang="en-US" sz="1600" dirty="0">
                           <a:solidFill>
                             <a:schemeClr val="tx1"/>
                           </a:solidFill>
@@ -19463,7 +19141,7 @@
                         <a:t>설계 </a:t>
                       </a:r>
                       <a:r>
-                        <a:rPr lang="en-US" altLang="ko-KR" sz="1600" dirty="0" smtClean="0">
+                        <a:rPr lang="en-US" altLang="ko-KR" sz="1600" dirty="0">
                           <a:solidFill>
                             <a:schemeClr val="tx1"/>
                           </a:solidFill>
@@ -19471,18 +19149,13 @@
                         <a:t>&amp; </a:t>
                       </a:r>
                       <a:r>
-                        <a:rPr lang="ko-KR" altLang="en-US" sz="1600" dirty="0" smtClean="0">
+                        <a:rPr lang="ko-KR" altLang="en-US" sz="1600" dirty="0">
                           <a:solidFill>
                             <a:schemeClr val="tx1"/>
                           </a:solidFill>
                         </a:rPr>
                         <a:t>기획</a:t>
                       </a:r>
-                      <a:endParaRPr lang="ko-KR" altLang="en-US" sz="1600" dirty="0">
-                        <a:solidFill>
-                          <a:schemeClr val="tx1"/>
-                        </a:solidFill>
-                      </a:endParaRPr>
                     </a:p>
                   </a:txBody>
                   <a:tcPr>
@@ -19532,18 +19205,13 @@
                     <a:p>
                       <a:pPr algn="ctr" latinLnBrk="1"/>
                       <a:r>
-                        <a:rPr lang="ko-KR" altLang="en-US" sz="1600" dirty="0" smtClean="0">
+                        <a:rPr lang="ko-KR" altLang="en-US" sz="1600" dirty="0">
                           <a:solidFill>
                             <a:schemeClr val="tx1"/>
                           </a:solidFill>
                         </a:rPr>
                         <a:t>문서번호</a:t>
                       </a:r>
-                      <a:endParaRPr lang="ko-KR" altLang="en-US" sz="1600" dirty="0">
-                        <a:solidFill>
-                          <a:schemeClr val="tx1"/>
-                        </a:solidFill>
-                      </a:endParaRPr>
                     </a:p>
                   </a:txBody>
                   <a:tcPr>
@@ -19646,18 +19314,13 @@
                     <a:p>
                       <a:pPr algn="ctr" latinLnBrk="1"/>
                       <a:r>
-                        <a:rPr lang="ko-KR" altLang="en-US" sz="1600" dirty="0" smtClean="0">
+                        <a:rPr lang="ko-KR" altLang="en-US" sz="1600" dirty="0">
                           <a:solidFill>
                             <a:schemeClr val="tx1"/>
                           </a:solidFill>
                         </a:rPr>
                         <a:t>버 전</a:t>
                       </a:r>
-                      <a:endParaRPr lang="ko-KR" altLang="en-US" sz="1600" dirty="0">
-                        <a:solidFill>
-                          <a:schemeClr val="tx1"/>
-                        </a:solidFill>
-                      </a:endParaRPr>
                     </a:p>
                   </a:txBody>
                   <a:tcPr>
@@ -19707,7 +19370,7 @@
                     <a:p>
                       <a:pPr algn="ctr" latinLnBrk="1"/>
                       <a:r>
-                        <a:rPr lang="en-US" altLang="ko-KR" sz="1600" dirty="0" smtClean="0">
+                        <a:rPr lang="en-US" altLang="ko-KR" sz="1600" dirty="0">
                           <a:solidFill>
                             <a:schemeClr val="tx1"/>
                           </a:solidFill>
@@ -19831,18 +19494,13 @@
                     <a:p>
                       <a:pPr algn="ctr" latinLnBrk="1"/>
                       <a:r>
-                        <a:rPr lang="ko-KR" altLang="en-US" dirty="0" smtClean="0">
+                        <a:rPr lang="ko-KR" altLang="en-US" dirty="0">
                           <a:solidFill>
                             <a:schemeClr val="tx1"/>
                           </a:solidFill>
                         </a:rPr>
                         <a:t>버 전</a:t>
                       </a:r>
-                      <a:endParaRPr lang="ko-KR" altLang="en-US" dirty="0">
-                        <a:solidFill>
-                          <a:schemeClr val="tx1"/>
-                        </a:solidFill>
-                      </a:endParaRPr>
                     </a:p>
                   </a:txBody>
                   <a:tcPr>
@@ -19894,18 +19552,13 @@
                     <a:p>
                       <a:pPr algn="ctr" latinLnBrk="1"/>
                       <a:r>
-                        <a:rPr lang="ko-KR" altLang="en-US" sz="1600" dirty="0" smtClean="0">
+                        <a:rPr lang="ko-KR" altLang="en-US" sz="1600" dirty="0">
                           <a:solidFill>
                             <a:schemeClr val="tx1"/>
                           </a:solidFill>
                         </a:rPr>
                         <a:t>일 자</a:t>
                       </a:r>
-                      <a:endParaRPr lang="ko-KR" altLang="en-US" sz="1600" dirty="0">
-                        <a:solidFill>
-                          <a:schemeClr val="tx1"/>
-                        </a:solidFill>
-                      </a:endParaRPr>
                     </a:p>
                   </a:txBody>
                   <a:tcPr>
@@ -19959,18 +19612,13 @@
                     <a:p>
                       <a:pPr algn="ctr" latinLnBrk="1"/>
                       <a:r>
-                        <a:rPr lang="ko-KR" altLang="en-US" dirty="0" smtClean="0">
+                        <a:rPr lang="ko-KR" altLang="en-US" dirty="0">
                           <a:solidFill>
                             <a:schemeClr val="tx1"/>
                           </a:solidFill>
                         </a:rPr>
                         <a:t>설 명</a:t>
                       </a:r>
-                      <a:endParaRPr lang="ko-KR" altLang="en-US" dirty="0">
-                        <a:solidFill>
-                          <a:schemeClr val="tx1"/>
-                        </a:solidFill>
-                      </a:endParaRPr>
                     </a:p>
                   </a:txBody>
                   <a:tcPr>
@@ -20024,18 +19672,13 @@
                     <a:p>
                       <a:pPr algn="ctr" latinLnBrk="1"/>
                       <a:r>
-                        <a:rPr lang="ko-KR" altLang="en-US" sz="1600" dirty="0" smtClean="0">
+                        <a:rPr lang="ko-KR" altLang="en-US" sz="1600" dirty="0">
                           <a:solidFill>
                             <a:schemeClr val="tx1"/>
                           </a:solidFill>
                         </a:rPr>
                         <a:t>작성자</a:t>
                       </a:r>
-                      <a:endParaRPr lang="ko-KR" altLang="en-US" sz="1600" dirty="0">
-                        <a:solidFill>
-                          <a:schemeClr val="tx1"/>
-                        </a:solidFill>
-                      </a:endParaRPr>
                     </a:p>
                   </a:txBody>
                   <a:tcPr>
@@ -20094,7 +19737,7 @@
                     <a:p>
                       <a:pPr algn="ctr" latinLnBrk="1"/>
                       <a:r>
-                        <a:rPr lang="en-US" altLang="ko-KR" sz="1600" dirty="0" smtClean="0">
+                        <a:rPr lang="en-US" altLang="ko-KR" sz="1600" dirty="0">
                           <a:solidFill>
                             <a:schemeClr val="tx1"/>
                           </a:solidFill>
@@ -20153,7 +19796,7 @@
                     <a:p>
                       <a:pPr algn="ctr" latinLnBrk="1"/>
                       <a:r>
-                        <a:rPr lang="en-US" altLang="ko-KR" sz="1600" dirty="0" smtClean="0">
+                        <a:rPr lang="en-US" altLang="ko-KR" sz="1600" dirty="0">
                           <a:solidFill>
                             <a:schemeClr val="tx1"/>
                           </a:solidFill>
@@ -20217,7 +19860,7 @@
                         <a:buChar char="•"/>
                       </a:pPr>
                       <a:r>
-                        <a:rPr lang="ko-KR" altLang="en-US" sz="1600" dirty="0" err="1" smtClean="0">
+                        <a:rPr lang="ko-KR" altLang="en-US" sz="1600" dirty="0" err="1">
                           <a:solidFill>
                             <a:schemeClr val="tx1"/>
                           </a:solidFill>
@@ -20225,7 +19868,7 @@
                         <a:t>화면설계서</a:t>
                       </a:r>
                       <a:r>
-                        <a:rPr lang="ko-KR" altLang="en-US" sz="1600" baseline="0" dirty="0" smtClean="0">
+                        <a:rPr lang="ko-KR" altLang="en-US" sz="1600" baseline="0" dirty="0">
                           <a:solidFill>
                             <a:schemeClr val="tx1"/>
                           </a:solidFill>
@@ -20233,7 +19876,7 @@
                         <a:t> </a:t>
                       </a:r>
                       <a:r>
-                        <a:rPr lang="ko-KR" altLang="en-US" sz="1600" dirty="0" smtClean="0">
+                        <a:rPr lang="ko-KR" altLang="en-US" sz="1600" dirty="0">
                           <a:solidFill>
                             <a:schemeClr val="tx1"/>
                           </a:solidFill>
@@ -20241,7 +19884,7 @@
                         <a:t>작성</a:t>
                       </a:r>
                       <a:r>
-                        <a:rPr lang="en-US" altLang="ko-KR" sz="1600" dirty="0" smtClean="0">
+                        <a:rPr lang="en-US" altLang="ko-KR" sz="1600" dirty="0">
                           <a:solidFill>
                             <a:schemeClr val="tx1"/>
                           </a:solidFill>
@@ -20302,18 +19945,13 @@
                     <a:p>
                       <a:pPr algn="ctr" latinLnBrk="1"/>
                       <a:r>
-                        <a:rPr lang="ko-KR" altLang="en-US" sz="1600" dirty="0" smtClean="0">
+                        <a:rPr lang="ko-KR" altLang="en-US" sz="1600" dirty="0">
                           <a:solidFill>
                             <a:schemeClr val="tx1"/>
                           </a:solidFill>
                         </a:rPr>
                         <a:t>하 태민</a:t>
                       </a:r>
-                      <a:endParaRPr lang="ko-KR" altLang="en-US" sz="1600" dirty="0">
-                        <a:solidFill>
-                          <a:schemeClr val="tx1"/>
-                        </a:solidFill>
-                      </a:endParaRPr>
                     </a:p>
                   </a:txBody>
                   <a:tcPr>
@@ -20368,7 +20006,7 @@
                     <a:p>
                       <a:pPr algn="ctr" latinLnBrk="1"/>
                       <a:r>
-                        <a:rPr lang="en-US" altLang="ko-KR" sz="1600" dirty="0" smtClean="0">
+                        <a:rPr lang="en-US" altLang="ko-KR" sz="1600" dirty="0">
                           <a:solidFill>
                             <a:schemeClr val="tx1"/>
                           </a:solidFill>
@@ -20427,7 +20065,7 @@
                     <a:p>
                       <a:pPr algn="ctr" latinLnBrk="1"/>
                       <a:r>
-                        <a:rPr lang="en-US" altLang="ko-KR" sz="1600" dirty="0" smtClean="0">
+                        <a:rPr lang="en-US" altLang="ko-KR" sz="1600" dirty="0">
                           <a:solidFill>
                             <a:schemeClr val="tx1"/>
                           </a:solidFill>
@@ -20491,7 +20129,7 @@
                         <a:buChar char="•"/>
                       </a:pPr>
                       <a:r>
-                        <a:rPr lang="ko-KR" altLang="en-US" sz="1600" dirty="0" smtClean="0">
+                        <a:rPr lang="ko-KR" altLang="en-US" sz="1600" dirty="0">
                           <a:solidFill>
                             <a:schemeClr val="tx1"/>
                           </a:solidFill>
@@ -20499,7 +20137,7 @@
                         <a:t>표지</a:t>
                       </a:r>
                       <a:r>
-                        <a:rPr lang="en-US" altLang="ko-KR" sz="1600" dirty="0" smtClean="0">
+                        <a:rPr lang="en-US" altLang="ko-KR" sz="1600" dirty="0">
                           <a:solidFill>
                             <a:schemeClr val="tx1"/>
                           </a:solidFill>
@@ -20507,7 +20145,7 @@
                         <a:t>, </a:t>
                       </a:r>
                       <a:r>
-                        <a:rPr lang="ko-KR" altLang="en-US" sz="1600" dirty="0" smtClean="0">
+                        <a:rPr lang="ko-KR" altLang="en-US" sz="1600" dirty="0">
                           <a:solidFill>
                             <a:schemeClr val="tx1"/>
                           </a:solidFill>
@@ -20515,7 +20153,7 @@
                         <a:t>문서 이력</a:t>
                       </a:r>
                       <a:r>
-                        <a:rPr lang="en-US" altLang="ko-KR" sz="1600" dirty="0" smtClean="0">
+                        <a:rPr lang="en-US" altLang="ko-KR" sz="1600" dirty="0">
                           <a:solidFill>
                             <a:schemeClr val="tx1"/>
                           </a:solidFill>
@@ -20523,7 +20161,7 @@
                         <a:t>, </a:t>
                       </a:r>
                       <a:r>
-                        <a:rPr lang="ko-KR" altLang="en-US" sz="1600" dirty="0" smtClean="0">
+                        <a:rPr lang="ko-KR" altLang="en-US" sz="1600" dirty="0">
                           <a:solidFill>
                             <a:schemeClr val="tx1"/>
                           </a:solidFill>
@@ -20531,7 +20169,7 @@
                         <a:t>목차</a:t>
                       </a:r>
                       <a:r>
-                        <a:rPr lang="en-US" altLang="ko-KR" sz="1600" dirty="0" smtClean="0">
+                        <a:rPr lang="en-US" altLang="ko-KR" sz="1600" dirty="0">
                           <a:solidFill>
                             <a:schemeClr val="tx1"/>
                           </a:solidFill>
@@ -20539,14 +20177,14 @@
                         <a:t>, </a:t>
                       </a:r>
                       <a:r>
-                        <a:rPr lang="ko-KR" altLang="en-US" sz="1600" dirty="0" smtClean="0">
+                        <a:rPr lang="ko-KR" altLang="en-US" sz="1600" dirty="0">
                           <a:solidFill>
                             <a:schemeClr val="tx1"/>
                           </a:solidFill>
                         </a:rPr>
                         <a:t>기획의도 추가</a:t>
                       </a:r>
-                      <a:endParaRPr lang="en-US" altLang="ko-KR" sz="1600" dirty="0" smtClean="0">
+                      <a:endParaRPr lang="en-US" altLang="ko-KR" sz="1600" dirty="0">
                         <a:solidFill>
                           <a:schemeClr val="tx1"/>
                         </a:solidFill>
@@ -20558,7 +20196,7 @@
                         <a:buChar char="•"/>
                       </a:pPr>
                       <a:r>
-                        <a:rPr lang="ko-KR" altLang="en-US" sz="1600" dirty="0" err="1" smtClean="0">
+                        <a:rPr lang="ko-KR" altLang="en-US" sz="1600" dirty="0" err="1">
                           <a:solidFill>
                             <a:schemeClr val="tx1"/>
                           </a:solidFill>
@@ -20566,7 +20204,7 @@
                         <a:t>화면설계</a:t>
                       </a:r>
                       <a:r>
-                        <a:rPr lang="ko-KR" altLang="en-US" sz="1600" dirty="0" smtClean="0">
+                        <a:rPr lang="ko-KR" altLang="en-US" sz="1600" dirty="0">
                           <a:solidFill>
                             <a:schemeClr val="tx1"/>
                           </a:solidFill>
@@ -20574,7 +20212,7 @@
                         <a:t> 수정 </a:t>
                       </a:r>
                       <a:r>
-                        <a:rPr lang="en-US" altLang="ko-KR" sz="1600" dirty="0" smtClean="0">
+                        <a:rPr lang="en-US" altLang="ko-KR" sz="1600" dirty="0">
                           <a:solidFill>
                             <a:schemeClr val="tx1"/>
                           </a:solidFill>
@@ -20582,7 +20220,7 @@
                         <a:t>(index,</a:t>
                       </a:r>
                       <a:r>
-                        <a:rPr lang="en-US" altLang="ko-KR" sz="1600" baseline="0" dirty="0" smtClean="0">
+                        <a:rPr lang="en-US" altLang="ko-KR" sz="1600" baseline="0" dirty="0">
                           <a:solidFill>
                             <a:schemeClr val="tx1"/>
                           </a:solidFill>
@@ -20590,7 +20228,7 @@
                         <a:t> company, </a:t>
                       </a:r>
                       <a:r>
-                        <a:rPr lang="en-US" altLang="ko-KR" sz="1600" baseline="0" dirty="0" err="1" smtClean="0">
+                        <a:rPr lang="en-US" altLang="ko-KR" sz="1600" baseline="0" dirty="0" err="1">
                           <a:solidFill>
                             <a:schemeClr val="tx1"/>
                           </a:solidFill>
@@ -20598,7 +20236,7 @@
                         <a:t>pds</a:t>
                       </a:r>
                       <a:r>
-                        <a:rPr lang="en-US" altLang="ko-KR" sz="1600" baseline="0" dirty="0" smtClean="0">
+                        <a:rPr lang="en-US" altLang="ko-KR" sz="1600" baseline="0" dirty="0">
                           <a:solidFill>
                             <a:schemeClr val="tx1"/>
                           </a:solidFill>
@@ -20606,7 +20244,7 @@
                         <a:t>, online, </a:t>
                       </a:r>
                       <a:r>
-                        <a:rPr lang="en-US" altLang="ko-KR" sz="1600" baseline="0" dirty="0" err="1" smtClean="0">
+                        <a:rPr lang="en-US" altLang="ko-KR" sz="1600" baseline="0" dirty="0" err="1">
                           <a:solidFill>
                             <a:schemeClr val="tx1"/>
                           </a:solidFill>
@@ -20614,7 +20252,7 @@
                         <a:t>ans_board</a:t>
                       </a:r>
                       <a:r>
-                        <a:rPr lang="en-US" altLang="ko-KR" sz="1600" baseline="0" dirty="0" smtClean="0">
+                        <a:rPr lang="en-US" altLang="ko-KR" sz="1600" baseline="0" dirty="0">
                           <a:solidFill>
                             <a:schemeClr val="tx1"/>
                           </a:solidFill>
@@ -20622,7 +20260,7 @@
                         <a:t> ) </a:t>
                       </a:r>
                       <a:r>
-                        <a:rPr lang="ko-KR" altLang="en-US" sz="1600" baseline="0" dirty="0" smtClean="0">
+                        <a:rPr lang="ko-KR" altLang="en-US" sz="1600" baseline="0" dirty="0">
                           <a:solidFill>
                             <a:schemeClr val="tx1"/>
                           </a:solidFill>
@@ -20630,7 +20268,7 @@
                         <a:t>및</a:t>
                       </a:r>
                       <a:r>
-                        <a:rPr lang="en-US" altLang="ko-KR" sz="1600" baseline="0" dirty="0" smtClean="0">
+                        <a:rPr lang="en-US" altLang="ko-KR" sz="1600" baseline="0" dirty="0">
                           <a:solidFill>
                             <a:schemeClr val="tx1"/>
                           </a:solidFill>
@@ -20638,7 +20276,7 @@
                         <a:t> </a:t>
                       </a:r>
                       <a:r>
-                        <a:rPr lang="ko-KR" altLang="en-US" sz="1600" baseline="0" dirty="0" smtClean="0">
+                        <a:rPr lang="ko-KR" altLang="en-US" sz="1600" baseline="0" dirty="0">
                           <a:solidFill>
                             <a:schemeClr val="tx1"/>
                           </a:solidFill>
@@ -20646,7 +20284,7 @@
                         <a:t>추가 </a:t>
                       </a:r>
                       <a:r>
-                        <a:rPr lang="en-US" altLang="ko-KR" sz="1600" baseline="0" dirty="0" smtClean="0">
+                        <a:rPr lang="en-US" altLang="ko-KR" sz="1600" baseline="0" dirty="0">
                           <a:solidFill>
                             <a:schemeClr val="tx1"/>
                           </a:solidFill>
@@ -20654,7 +20292,7 @@
                         <a:t>(directions, books, </a:t>
                       </a:r>
                       <a:r>
-                        <a:rPr lang="en-US" altLang="ko-KR" sz="1600" baseline="0" dirty="0" err="1" smtClean="0">
+                        <a:rPr lang="en-US" altLang="ko-KR" sz="1600" baseline="0" dirty="0" err="1">
                           <a:solidFill>
                             <a:schemeClr val="tx1"/>
                           </a:solidFill>
@@ -20662,7 +20300,7 @@
                         <a:t>online_cnt</a:t>
                       </a:r>
                       <a:r>
-                        <a:rPr lang="en-US" altLang="ko-KR" sz="1600" baseline="0" dirty="0" smtClean="0">
+                        <a:rPr lang="en-US" altLang="ko-KR" sz="1600" baseline="0" dirty="0">
                           <a:solidFill>
                             <a:schemeClr val="tx1"/>
                           </a:solidFill>
@@ -20670,7 +20308,7 @@
                         <a:t>, </a:t>
                       </a:r>
                       <a:r>
-                        <a:rPr lang="en-US" altLang="ko-KR" sz="1600" baseline="0" dirty="0" err="1" smtClean="0">
+                        <a:rPr lang="en-US" altLang="ko-KR" sz="1600" baseline="0" dirty="0" err="1">
                           <a:solidFill>
                             <a:schemeClr val="tx1"/>
                           </a:solidFill>
@@ -20678,7 +20316,7 @@
                         <a:t>ans_board_cnt</a:t>
                       </a:r>
                       <a:r>
-                        <a:rPr lang="en-US" altLang="ko-KR" sz="1600" baseline="0" dirty="0" smtClean="0">
+                        <a:rPr lang="en-US" altLang="ko-KR" sz="1600" baseline="0" dirty="0">
                           <a:solidFill>
                             <a:schemeClr val="tx1"/>
                           </a:solidFill>
@@ -20686,7 +20324,7 @@
                         <a:t>, admin, </a:t>
                       </a:r>
                       <a:r>
-                        <a:rPr lang="en-US" altLang="ko-KR" sz="1600" baseline="0" dirty="0" err="1" smtClean="0">
+                        <a:rPr lang="en-US" altLang="ko-KR" sz="1600" baseline="0" dirty="0" err="1">
                           <a:solidFill>
                             <a:schemeClr val="tx1"/>
                           </a:solidFill>
@@ -20694,7 +20332,7 @@
                         <a:t>alt_user</a:t>
                       </a:r>
                       <a:r>
-                        <a:rPr lang="en-US" altLang="ko-KR" sz="1600" baseline="0" dirty="0" smtClean="0">
+                        <a:rPr lang="en-US" altLang="ko-KR" sz="1600" baseline="0" dirty="0">
                           <a:solidFill>
                             <a:schemeClr val="tx1"/>
                           </a:solidFill>
@@ -20702,7 +20340,7 @@
                         <a:t>, </a:t>
                       </a:r>
                       <a:r>
-                        <a:rPr lang="en-US" altLang="ko-KR" sz="1600" baseline="0" dirty="0" err="1" smtClean="0">
+                        <a:rPr lang="en-US" altLang="ko-KR" sz="1600" baseline="0" dirty="0" err="1">
                           <a:solidFill>
                             <a:schemeClr val="tx1"/>
                           </a:solidFill>
@@ -20710,7 +20348,7 @@
                         <a:t>del_user</a:t>
                       </a:r>
                       <a:r>
-                        <a:rPr lang="en-US" altLang="ko-KR" sz="1600" baseline="0" dirty="0" smtClean="0">
+                        <a:rPr lang="en-US" altLang="ko-KR" sz="1600" baseline="0" dirty="0">
                           <a:solidFill>
                             <a:schemeClr val="tx1"/>
                           </a:solidFill>
@@ -20718,7 +20356,7 @@
                         <a:t>)</a:t>
                       </a:r>
                       <a:r>
-                        <a:rPr lang="ko-KR" altLang="en-US" sz="1600" baseline="0" dirty="0" smtClean="0">
+                        <a:rPr lang="ko-KR" altLang="en-US" sz="1600" baseline="0" dirty="0">
                           <a:solidFill>
                             <a:schemeClr val="tx1"/>
                           </a:solidFill>
@@ -20779,18 +20417,13 @@
                     <a:p>
                       <a:pPr algn="ctr" latinLnBrk="1"/>
                       <a:r>
-                        <a:rPr lang="ko-KR" altLang="en-US" sz="1600" dirty="0" smtClean="0">
+                        <a:rPr lang="ko-KR" altLang="en-US" sz="1600" dirty="0">
                           <a:solidFill>
                             <a:schemeClr val="tx1"/>
                           </a:solidFill>
                         </a:rPr>
                         <a:t>하 태민</a:t>
                       </a:r>
-                      <a:endParaRPr lang="ko-KR" altLang="en-US" sz="1600" dirty="0">
-                        <a:solidFill>
-                          <a:schemeClr val="tx1"/>
-                        </a:solidFill>
-                      </a:endParaRPr>
                     </a:p>
                   </a:txBody>
                   <a:tcPr>
@@ -21585,7 +21218,7 @@
           <a:lstStyle/>
           <a:p>
             <a:r>
-              <a:rPr lang="ko-KR" altLang="en-US" sz="4000" b="1" dirty="0" smtClean="0"/>
+              <a:rPr lang="ko-KR" altLang="en-US" sz="4000" b="1" dirty="0"/>
               <a:t>화면 설계</a:t>
             </a:r>
             <a:endParaRPr lang="ko-KR" altLang="en-US" b="1" dirty="0"/>
@@ -21666,7 +21299,7 @@
           <p:nvPr>
             <p:extLst>
               <p:ext uri="{D42A27DB-BD31-4B8C-83A1-F6EECF244321}">
-                <p14:modId xmlns:p14="http://schemas.microsoft.com/office/powerpoint/2010/main" val="3102169054"/>
+                <p14:modId xmlns:p14="http://schemas.microsoft.com/office/powerpoint/2010/main" val="3043768618"/>
               </p:ext>
             </p:extLst>
           </p:nvPr>
@@ -21719,18 +21352,13 @@
                     <a:p>
                       <a:pPr algn="ctr" latinLnBrk="1"/>
                       <a:r>
-                        <a:rPr lang="ko-KR" altLang="en-US" sz="1600" dirty="0" smtClean="0">
+                        <a:rPr lang="ko-KR" altLang="en-US" sz="1600" dirty="0">
                           <a:solidFill>
                             <a:schemeClr val="tx1"/>
                           </a:solidFill>
                         </a:rPr>
                         <a:t>문서 코드</a:t>
                       </a:r>
-                      <a:endParaRPr lang="ko-KR" altLang="en-US" sz="1600" dirty="0">
-                        <a:solidFill>
-                          <a:schemeClr val="tx1"/>
-                        </a:solidFill>
-                      </a:endParaRPr>
                     </a:p>
                   </a:txBody>
                   <a:tcPr>
@@ -21792,12 +21420,72 @@
                     <a:p>
                       <a:pPr algn="ctr" latinLnBrk="1"/>
                       <a:r>
-                        <a:rPr lang="ko-KR" altLang="en-US" sz="1600" dirty="0" smtClean="0">
+                        <a:rPr lang="ko-KR" altLang="en-US" sz="1600" dirty="0">
                           <a:solidFill>
                             <a:schemeClr val="tx1"/>
                           </a:solidFill>
                         </a:rPr>
                         <a:t>파일명</a:t>
+                      </a:r>
+                    </a:p>
+                  </a:txBody>
+                  <a:tcPr>
+                    <a:lnL w="12700" cap="flat" cmpd="sng" algn="ctr">
+                      <a:solidFill>
+                        <a:schemeClr val="tx1"/>
+                      </a:solidFill>
+                      <a:prstDash val="solid"/>
+                      <a:round/>
+                      <a:headEnd type="none" w="med" len="med"/>
+                      <a:tailEnd type="none" w="med" len="med"/>
+                    </a:lnL>
+                    <a:lnR w="12700" cap="flat" cmpd="sng" algn="ctr">
+                      <a:solidFill>
+                        <a:schemeClr val="tx1"/>
+                      </a:solidFill>
+                      <a:prstDash val="solid"/>
+                      <a:round/>
+                      <a:headEnd type="none" w="med" len="med"/>
+                      <a:tailEnd type="none" w="med" len="med"/>
+                    </a:lnR>
+                    <a:lnT w="12700" cap="flat" cmpd="sng" algn="ctr">
+                      <a:solidFill>
+                        <a:schemeClr val="tx1"/>
+                      </a:solidFill>
+                      <a:prstDash val="solid"/>
+                      <a:round/>
+                      <a:headEnd type="none" w="med" len="med"/>
+                      <a:tailEnd type="none" w="med" len="med"/>
+                    </a:lnT>
+                    <a:lnB w="12700" cap="flat" cmpd="sng" algn="ctr">
+                      <a:solidFill>
+                        <a:schemeClr val="tx1"/>
+                      </a:solidFill>
+                      <a:prstDash val="solid"/>
+                      <a:round/>
+                      <a:headEnd type="none" w="med" len="med"/>
+                      <a:tailEnd type="none" w="med" len="med"/>
+                    </a:lnB>
+                    <a:solidFill>
+                      <a:schemeClr val="bg2">
+                        <a:lumMod val="90000"/>
+                      </a:schemeClr>
+                    </a:solidFill>
+                  </a:tcPr>
+                </a:tc>
+                <a:tc>
+                  <a:txBody>
+                    <a:bodyPr/>
+                    <a:lstStyle/>
+                    <a:p>
+                      <a:pPr algn="ctr" latinLnBrk="1"/>
+                      <a:r>
+                        <a:rPr lang="ko-KR" altLang="en-US" sz="1600" dirty="0" err="1">
+                          <a:solidFill>
+                            <a:schemeClr val="tx1"/>
+                          </a:solidFill>
+                        </a:rPr>
+                        <a:t>화면명</a:t>
                       </a:r>
                       <a:endParaRPr lang="ko-KR" altLang="en-US" sz="1600" dirty="0">
                         <a:solidFill>
@@ -21857,83 +21545,13 @@
                     <a:p>
                       <a:pPr algn="ctr" latinLnBrk="1"/>
                       <a:r>
-                        <a:rPr lang="ko-KR" altLang="en-US" sz="1600" dirty="0" err="1" smtClean="0">
-                          <a:solidFill>
-                            <a:schemeClr val="tx1"/>
-                          </a:solidFill>
-                        </a:rPr>
-                        <a:t>화면명</a:t>
-                      </a:r>
-                      <a:endParaRPr lang="ko-KR" altLang="en-US" sz="1600" dirty="0">
-                        <a:solidFill>
-                          <a:schemeClr val="tx1"/>
-                        </a:solidFill>
-                      </a:endParaRPr>
-                    </a:p>
-                  </a:txBody>
-                  <a:tcPr>
-                    <a:lnL w="12700" cap="flat" cmpd="sng" algn="ctr">
-                      <a:solidFill>
-                        <a:schemeClr val="tx1"/>
-                      </a:solidFill>
-                      <a:prstDash val="solid"/>
-                      <a:round/>
-                      <a:headEnd type="none" w="med" len="med"/>
-                      <a:tailEnd type="none" w="med" len="med"/>
-                    </a:lnL>
-                    <a:lnR w="12700" cap="flat" cmpd="sng" algn="ctr">
-                      <a:solidFill>
-                        <a:schemeClr val="tx1"/>
-                      </a:solidFill>
-                      <a:prstDash val="solid"/>
-                      <a:round/>
-                      <a:headEnd type="none" w="med" len="med"/>
-                      <a:tailEnd type="none" w="med" len="med"/>
-                    </a:lnR>
-                    <a:lnT w="12700" cap="flat" cmpd="sng" algn="ctr">
-                      <a:solidFill>
-                        <a:schemeClr val="tx1"/>
-                      </a:solidFill>
-                      <a:prstDash val="solid"/>
-                      <a:round/>
-                      <a:headEnd type="none" w="med" len="med"/>
-                      <a:tailEnd type="none" w="med" len="med"/>
-                    </a:lnT>
-                    <a:lnB w="12700" cap="flat" cmpd="sng" algn="ctr">
-                      <a:solidFill>
-                        <a:schemeClr val="tx1"/>
-                      </a:solidFill>
-                      <a:prstDash val="solid"/>
-                      <a:round/>
-                      <a:headEnd type="none" w="med" len="med"/>
-                      <a:tailEnd type="none" w="med" len="med"/>
-                    </a:lnB>
-                    <a:solidFill>
-                      <a:schemeClr val="bg2">
-                        <a:lumMod val="90000"/>
-                      </a:schemeClr>
-                    </a:solidFill>
-                  </a:tcPr>
-                </a:tc>
-                <a:tc>
-                  <a:txBody>
-                    <a:bodyPr/>
-                    <a:lstStyle/>
-                    <a:p>
-                      <a:pPr algn="ctr" latinLnBrk="1"/>
-                      <a:r>
-                        <a:rPr lang="ko-KR" altLang="en-US" sz="1600" dirty="0" smtClean="0">
+                        <a:rPr lang="ko-KR" altLang="en-US" sz="1600" dirty="0">
                           <a:solidFill>
                             <a:schemeClr val="tx1"/>
                           </a:solidFill>
                         </a:rPr>
                         <a:t>작성자</a:t>
                       </a:r>
-                      <a:endParaRPr lang="ko-KR" altLang="en-US" sz="1600" dirty="0">
-                        <a:solidFill>
-                          <a:schemeClr val="tx1"/>
-                        </a:solidFill>
-                      </a:endParaRPr>
                     </a:p>
                   </a:txBody>
                   <a:tcPr>
@@ -21994,7 +21612,7 @@
                     <a:p>
                       <a:pPr algn="ctr" latinLnBrk="1"/>
                       <a:r>
-                        <a:rPr lang="en-US" altLang="ko-KR" sz="1600" dirty="0" smtClean="0">
+                        <a:rPr lang="en-US" altLang="ko-KR" sz="1600" dirty="0">
                           <a:solidFill>
                             <a:schemeClr val="tx1"/>
                           </a:solidFill>
@@ -22055,12 +21673,12 @@
                     <a:p>
                       <a:pPr algn="ctr" latinLnBrk="1"/>
                       <a:r>
-                        <a:rPr lang="en-US" altLang="ko-KR" sz="1600" dirty="0" smtClean="0">
-                          <a:solidFill>
-                            <a:schemeClr val="tx1"/>
-                          </a:solidFill>
-                        </a:rPr>
-                        <a:t>index</a:t>
+                        <a:rPr lang="en-US" altLang="ko-KR" sz="1600" dirty="0">
+                          <a:solidFill>
+                            <a:schemeClr val="tx1"/>
+                          </a:solidFill>
+                        </a:rPr>
+                        <a:t>Index.html</a:t>
                       </a:r>
                       <a:endParaRPr lang="ko-KR" altLang="en-US" sz="1600" dirty="0">
                         <a:solidFill>
@@ -22116,18 +21734,13 @@
                     <a:p>
                       <a:pPr algn="ctr" latinLnBrk="1"/>
                       <a:r>
-                        <a:rPr lang="ko-KR" altLang="en-US" sz="1600" dirty="0" smtClean="0">
+                        <a:rPr lang="ko-KR" altLang="en-US" sz="1600" dirty="0">
                           <a:solidFill>
                             <a:schemeClr val="tx1"/>
                           </a:solidFill>
                         </a:rPr>
                         <a:t>메인</a:t>
                       </a:r>
-                      <a:endParaRPr lang="ko-KR" altLang="en-US" sz="1600" dirty="0">
-                        <a:solidFill>
-                          <a:schemeClr val="tx1"/>
-                        </a:solidFill>
-                      </a:endParaRPr>
                     </a:p>
                   </a:txBody>
                   <a:tcPr>
@@ -22177,18 +21790,13 @@
                     <a:p>
                       <a:pPr algn="ctr" latinLnBrk="1"/>
                       <a:r>
-                        <a:rPr lang="ko-KR" altLang="en-US" sz="1600" dirty="0" smtClean="0">
+                        <a:rPr lang="ko-KR" altLang="en-US" sz="1600" dirty="0">
                           <a:solidFill>
                             <a:schemeClr val="tx1"/>
                           </a:solidFill>
                         </a:rPr>
                         <a:t>하 태민</a:t>
                       </a:r>
-                      <a:endParaRPr lang="ko-KR" altLang="en-US" sz="1600" dirty="0">
-                        <a:solidFill>
-                          <a:schemeClr val="tx1"/>
-                        </a:solidFill>
-                      </a:endParaRPr>
                     </a:p>
                   </a:txBody>
                   <a:tcPr>
@@ -22250,14 +21858,14 @@
           <p:nvPr>
             <p:extLst>
               <p:ext uri="{D42A27DB-BD31-4B8C-83A1-F6EECF244321}">
-                <p14:modId xmlns:p14="http://schemas.microsoft.com/office/powerpoint/2010/main" val="2491594903"/>
+                <p14:modId xmlns:p14="http://schemas.microsoft.com/office/powerpoint/2010/main" val="2525212064"/>
               </p:ext>
             </p:extLst>
           </p:nvPr>
         </p:nvGraphicFramePr>
         <p:xfrm>
-          <a:off x="7652239" y="861646"/>
-          <a:ext cx="4539762" cy="5369560"/>
+          <a:off x="7292972" y="793154"/>
+          <a:ext cx="4899028" cy="6338126"/>
         </p:xfrm>
         <a:graphic>
           <a:graphicData uri="http://schemas.openxmlformats.org/drawingml/2006/table">
@@ -22266,21 +21874,21 @@
                 <a:tableStyleId>{F5AB1C69-6EDB-4FF4-983F-18BD219EF322}</a:tableStyleId>
               </a:tblPr>
               <a:tblGrid>
-                <a:gridCol w="744415">
+                <a:gridCol w="803326">
                   <a:extLst>
                     <a:ext uri="{9D8B030D-6E8A-4147-A177-3AD203B41FA5}">
                       <a16:colId xmlns:a16="http://schemas.microsoft.com/office/drawing/2014/main" val="3809828884"/>
                     </a:ext>
                   </a:extLst>
                 </a:gridCol>
-                <a:gridCol w="791308">
+                <a:gridCol w="853930">
                   <a:extLst>
                     <a:ext uri="{9D8B030D-6E8A-4147-A177-3AD203B41FA5}">
                       <a16:colId xmlns:a16="http://schemas.microsoft.com/office/drawing/2014/main" val="3918799943"/>
                     </a:ext>
                   </a:extLst>
                 </a:gridCol>
-                <a:gridCol w="3004039">
+                <a:gridCol w="3241772">
                   <a:extLst>
                     <a:ext uri="{9D8B030D-6E8A-4147-A177-3AD203B41FA5}">
                       <a16:colId xmlns:a16="http://schemas.microsoft.com/office/drawing/2014/main" val="1481046431"/>
@@ -22296,7 +21904,7 @@
                     <a:p>
                       <a:pPr algn="ctr" latinLnBrk="1"/>
                       <a:r>
-                        <a:rPr lang="en-US" altLang="ko-KR" sz="1400" dirty="0" smtClean="0">
+                        <a:rPr lang="en-US" altLang="ko-KR" sz="1400" dirty="0">
                           <a:solidFill>
                             <a:schemeClr val="tx1"/>
                           </a:solidFill>
@@ -22369,7 +21977,7 @@
                     <a:p>
                       <a:pPr algn="ctr" latinLnBrk="1"/>
                       <a:r>
-                        <a:rPr lang="en-US" altLang="ko-KR" sz="1400" dirty="0" smtClean="0">
+                        <a:rPr lang="en-US" altLang="ko-KR" sz="1400" dirty="0">
                           <a:solidFill>
                             <a:schemeClr val="tx1"/>
                           </a:solidFill>
@@ -22434,18 +22042,13 @@
                     <a:p>
                       <a:pPr algn="ctr" latinLnBrk="1"/>
                       <a:r>
-                        <a:rPr lang="ko-KR" altLang="en-US" sz="1400" dirty="0" smtClean="0">
+                        <a:rPr lang="ko-KR" altLang="en-US" sz="1400" dirty="0">
                           <a:solidFill>
                             <a:schemeClr val="tx1"/>
                           </a:solidFill>
                         </a:rPr>
                         <a:t>기능</a:t>
                       </a:r>
-                      <a:endParaRPr lang="ko-KR" altLang="en-US" sz="1400" dirty="0">
-                        <a:solidFill>
-                          <a:schemeClr val="tx1"/>
-                        </a:solidFill>
-                      </a:endParaRPr>
                     </a:p>
                   </a:txBody>
                   <a:tcPr>
@@ -22506,7 +22109,7 @@
                     <a:p>
                       <a:pPr algn="ctr" latinLnBrk="1"/>
                       <a:r>
-                        <a:rPr lang="en-US" altLang="ko-KR" sz="1100" dirty="0" smtClean="0">
+                        <a:rPr lang="en-US" altLang="ko-KR" sz="1100" dirty="0">
                           <a:solidFill>
                             <a:schemeClr val="tx1"/>
                           </a:solidFill>
@@ -22618,61 +22221,71 @@
                     <a:bodyPr/>
                     <a:lstStyle/>
                     <a:p>
-                      <a:pPr marL="171450" indent="-171450" algn="l" latinLnBrk="1">
-                        <a:buFontTx/>
-                        <a:buChar char="-"/>
+                      <a:pPr marL="228600" indent="-228600" algn="l" latinLnBrk="1">
+                        <a:lnSpc>
+                          <a:spcPct val="125000"/>
+                        </a:lnSpc>
+                        <a:buFont typeface="Arial" panose="020B0604020202020204" pitchFamily="34" charset="0"/>
+                        <a:buChar char="•"/>
                       </a:pPr>
                       <a:r>
-                        <a:rPr lang="ko-KR" altLang="en-US" sz="1100" dirty="0" smtClean="0">
-                          <a:solidFill>
-                            <a:schemeClr val="tx1"/>
-                          </a:solidFill>
-                        </a:rPr>
-                        <a:t>회원가입 페이지로 이동</a:t>
-                      </a:r>
-                      <a:r>
-                        <a:rPr lang="en-US" altLang="ko-KR" sz="1100" dirty="0" smtClean="0">
-                          <a:solidFill>
-                            <a:schemeClr val="tx1"/>
-                          </a:solidFill>
-                        </a:rPr>
-                        <a:t>.</a:t>
+                        <a:rPr lang="en-US" altLang="ko-KR" sz="1100" dirty="0">
+                          <a:solidFill>
+                            <a:schemeClr val="tx1"/>
+                          </a:solidFill>
+                        </a:rPr>
+                        <a:t>LOGO</a:t>
                       </a:r>
                     </a:p>
                     <a:p>
                       <a:pPr marL="0" indent="0" algn="l" latinLnBrk="1">
-                        <a:buFontTx/>
+                        <a:lnSpc>
+                          <a:spcPct val="125000"/>
+                        </a:lnSpc>
+                        <a:buFont typeface="+mj-ea"/>
                         <a:buNone/>
                       </a:pPr>
                       <a:r>
-                        <a:rPr lang="en-US" altLang="ko-KR" sz="1100" dirty="0" err="1" smtClean="0">
-                          <a:solidFill>
-                            <a:schemeClr val="tx1"/>
-                          </a:solidFill>
-                        </a:rPr>
-                        <a:t>url</a:t>
-                      </a:r>
-                      <a:r>
-                        <a:rPr lang="en-US" altLang="ko-KR" sz="1100" dirty="0" smtClean="0">
-                          <a:solidFill>
-                            <a:schemeClr val="tx1"/>
-                          </a:solidFill>
-                        </a:rPr>
-                        <a:t> : </a:t>
-                      </a:r>
-                      <a:r>
-                        <a:rPr lang="en-US" altLang="ko-KR" sz="1100" dirty="0" err="1" smtClean="0">
-                          <a:solidFill>
-                            <a:schemeClr val="tx1"/>
-                          </a:solidFill>
-                        </a:rPr>
-                        <a:t>agree_form</a:t>
-                      </a:r>
-                      <a:endParaRPr lang="ko-KR" altLang="en-US" sz="1100" dirty="0">
-                        <a:solidFill>
-                          <a:schemeClr val="tx1"/>
-                        </a:solidFill>
-                      </a:endParaRPr>
+                        <a:rPr lang="en-US" altLang="ko-KR" sz="1100" dirty="0">
+                          <a:solidFill>
+                            <a:schemeClr val="tx1"/>
+                          </a:solidFill>
+                        </a:rPr>
+                        <a:t> - </a:t>
+                      </a:r>
+                      <a:r>
+                        <a:rPr lang="ko-KR" altLang="en-US" sz="1100" dirty="0">
+                          <a:solidFill>
+                            <a:schemeClr val="tx1"/>
+                          </a:solidFill>
+                        </a:rPr>
+                        <a:t>메인 페이지로 이동</a:t>
+                      </a:r>
+                      <a:r>
+                        <a:rPr lang="en-US" altLang="ko-KR" sz="1100" dirty="0">
+                          <a:solidFill>
+                            <a:schemeClr val="tx1"/>
+                          </a:solidFill>
+                        </a:rPr>
+                        <a:t>.</a:t>
+                      </a:r>
+                    </a:p>
+                    <a:p>
+                      <a:pPr marL="0" indent="0" algn="l" latinLnBrk="1">
+                        <a:lnSpc>
+                          <a:spcPct val="125000"/>
+                        </a:lnSpc>
+                        <a:buFont typeface="+mj-ea"/>
+                        <a:buNone/>
+                      </a:pPr>
+                      <a:r>
+                        <a:rPr lang="en-US" altLang="ko-KR" sz="1000" dirty="0">
+                          <a:solidFill>
+                            <a:schemeClr val="tx1"/>
+                          </a:solidFill>
+                        </a:rPr>
+                        <a:t> - URL : index.html</a:t>
+                      </a:r>
                     </a:p>
                   </a:txBody>
                   <a:tcPr>
@@ -22729,7 +22342,7 @@
                     <a:p>
                       <a:pPr algn="ctr" latinLnBrk="1"/>
                       <a:r>
-                        <a:rPr lang="en-US" altLang="ko-KR" sz="1100" dirty="0" smtClean="0">
+                        <a:rPr lang="en-US" altLang="ko-KR" sz="1100" dirty="0">
                           <a:solidFill>
                             <a:schemeClr val="tx1"/>
                           </a:solidFill>
@@ -22841,61 +22454,108 @@
                     <a:bodyPr/>
                     <a:lstStyle/>
                     <a:p>
-                      <a:pPr marL="171450" indent="-171450" algn="l" latinLnBrk="1">
-                        <a:buFontTx/>
-                        <a:buChar char="-"/>
+                      <a:pPr marL="228600" indent="-228600" algn="l" latinLnBrk="1">
+                        <a:lnSpc>
+                          <a:spcPct val="125000"/>
+                        </a:lnSpc>
+                        <a:buFont typeface="Arial" panose="020B0604020202020204" pitchFamily="34" charset="0"/>
+                        <a:buChar char="•"/>
                       </a:pPr>
                       <a:r>
-                        <a:rPr lang="ko-KR" altLang="en-US" sz="1100" dirty="0" smtClean="0">
-                          <a:solidFill>
-                            <a:schemeClr val="tx1"/>
-                          </a:solidFill>
-                        </a:rPr>
-                        <a:t>로그인 페이지로 이동</a:t>
-                      </a:r>
-                      <a:r>
-                        <a:rPr lang="en-US" altLang="ko-KR" sz="1100" dirty="0" smtClean="0">
-                          <a:solidFill>
-                            <a:schemeClr val="tx1"/>
-                          </a:solidFill>
-                        </a:rPr>
-                        <a:t>.</a:t>
-                      </a:r>
-                    </a:p>
-                    <a:p>
-                      <a:pPr marL="0" indent="0" algn="l" latinLnBrk="1">
-                        <a:buFontTx/>
-                        <a:buNone/>
-                      </a:pPr>
-                      <a:r>
-                        <a:rPr lang="en-US" altLang="ko-KR" sz="1100" dirty="0" err="1" smtClean="0">
-                          <a:solidFill>
-                            <a:schemeClr val="tx1"/>
-                          </a:solidFill>
-                        </a:rPr>
-                        <a:t>url</a:t>
-                      </a:r>
-                      <a:r>
-                        <a:rPr lang="en-US" altLang="ko-KR" sz="1100" baseline="0" dirty="0" smtClean="0">
-                          <a:solidFill>
-                            <a:schemeClr val="tx1"/>
-                          </a:solidFill>
-                        </a:rPr>
-                        <a:t> : </a:t>
-                      </a:r>
-                      <a:r>
-                        <a:rPr lang="en-US" altLang="ko-KR" sz="1100" baseline="0" dirty="0" err="1" smtClean="0">
-                          <a:solidFill>
-                            <a:schemeClr val="tx1"/>
-                          </a:solidFill>
-                        </a:rPr>
-                        <a:t>login_form</a:t>
-                      </a:r>
-                      <a:endParaRPr lang="en-US" altLang="ko-KR" sz="1100" dirty="0" smtClean="0">
+                        <a:rPr lang="ko-KR" altLang="en-US" sz="1100" dirty="0">
+                          <a:solidFill>
+                            <a:schemeClr val="tx1"/>
+                          </a:solidFill>
+                        </a:rPr>
+                        <a:t>회원가입</a:t>
+                      </a:r>
+                      <a:endParaRPr lang="en-US" altLang="ko-KR" sz="1100" dirty="0">
                         <a:solidFill>
                           <a:schemeClr val="tx1"/>
                         </a:solidFill>
                       </a:endParaRPr>
+                    </a:p>
+                    <a:p>
+                      <a:pPr marL="0" indent="0" algn="l" latinLnBrk="1">
+                        <a:lnSpc>
+                          <a:spcPct val="125000"/>
+                        </a:lnSpc>
+                        <a:buFont typeface="+mj-ea"/>
+                        <a:buNone/>
+                      </a:pPr>
+                      <a:r>
+                        <a:rPr lang="en-US" altLang="ko-KR" sz="1100" dirty="0">
+                          <a:solidFill>
+                            <a:schemeClr val="tx1"/>
+                          </a:solidFill>
+                        </a:rPr>
+                        <a:t> - </a:t>
+                      </a:r>
+                      <a:r>
+                        <a:rPr lang="ko-KR" altLang="en-US" sz="1100" dirty="0">
+                          <a:solidFill>
+                            <a:schemeClr val="tx1"/>
+                          </a:solidFill>
+                        </a:rPr>
+                        <a:t>회원가입 페이지로 이동</a:t>
+                      </a:r>
+                      <a:r>
+                        <a:rPr lang="en-US" altLang="ko-KR" sz="1100" dirty="0">
+                          <a:solidFill>
+                            <a:schemeClr val="tx1"/>
+                          </a:solidFill>
+                        </a:rPr>
+                        <a:t>.</a:t>
+                      </a:r>
+                    </a:p>
+                    <a:p>
+                      <a:pPr marL="0" indent="0" algn="l" latinLnBrk="1">
+                        <a:lnSpc>
+                          <a:spcPct val="125000"/>
+                        </a:lnSpc>
+                        <a:buFont typeface="+mj-ea"/>
+                        <a:buNone/>
+                      </a:pPr>
+                      <a:r>
+                        <a:rPr lang="en-US" altLang="ko-KR" sz="1000" dirty="0">
+                          <a:solidFill>
+                            <a:schemeClr val="tx1"/>
+                          </a:solidFill>
+                        </a:rPr>
+                        <a:t> - URL</a:t>
+                      </a:r>
+                      <a:r>
+                        <a:rPr lang="ko-KR" altLang="en-US" sz="1000" dirty="0">
+                          <a:solidFill>
+                            <a:schemeClr val="tx1"/>
+                          </a:solidFill>
+                        </a:rPr>
+                        <a:t> </a:t>
+                      </a:r>
+                      <a:r>
+                        <a:rPr lang="en-US" altLang="ko-KR" sz="1000" dirty="0">
+                          <a:solidFill>
+                            <a:schemeClr val="tx1"/>
+                          </a:solidFill>
+                        </a:rPr>
+                        <a:t>:</a:t>
+                      </a:r>
+                      <a:r>
+                        <a:rPr lang="ko-KR" altLang="en-US" sz="1000" dirty="0">
+                          <a:solidFill>
+                            <a:schemeClr val="tx1"/>
+                          </a:solidFill>
+                        </a:rPr>
+                        <a:t> </a:t>
+                      </a:r>
+                      <a:r>
+                        <a:rPr lang="en-US" altLang="ko-KR" sz="1000" dirty="0">
+                          <a:solidFill>
+                            <a:schemeClr val="tx1"/>
+                          </a:solidFill>
+                        </a:rPr>
+                        <a:t>agree_form.html</a:t>
+                      </a:r>
                     </a:p>
                   </a:txBody>
                   <a:tcPr>
@@ -22952,7 +22612,7 @@
                     <a:p>
                       <a:pPr algn="ctr" latinLnBrk="1"/>
                       <a:r>
-                        <a:rPr lang="en-US" altLang="ko-KR" sz="1100" dirty="0" smtClean="0">
+                        <a:rPr lang="en-US" altLang="ko-KR" sz="1100" dirty="0">
                           <a:solidFill>
                             <a:schemeClr val="tx1"/>
                           </a:solidFill>
@@ -23064,80 +22724,78 @@
                     <a:bodyPr/>
                     <a:lstStyle/>
                     <a:p>
-                      <a:pPr marL="171450" indent="-171450" algn="l" latinLnBrk="1">
-                        <a:buFontTx/>
-                        <a:buChar char="-"/>
+                      <a:pPr marL="228600" indent="-228600" algn="l" latinLnBrk="1">
+                        <a:lnSpc>
+                          <a:spcPct val="125000"/>
+                        </a:lnSpc>
+                        <a:buFont typeface="Arial" panose="020B0604020202020204" pitchFamily="34" charset="0"/>
+                        <a:buChar char="•"/>
                       </a:pPr>
                       <a:r>
-                        <a:rPr lang="ko-KR" altLang="en-US" sz="1100" dirty="0" smtClean="0">
-                          <a:solidFill>
-                            <a:schemeClr val="tx1"/>
-                          </a:solidFill>
-                        </a:rPr>
-                        <a:t>상단 탭 메뉴와 검색 창</a:t>
-                      </a:r>
-                      <a:endParaRPr lang="en-US" altLang="ko-KR" sz="1100" dirty="0" smtClean="0">
+                        <a:rPr lang="ko-KR" altLang="en-US" sz="1100" baseline="0" dirty="0">
+                          <a:solidFill>
+                            <a:schemeClr val="tx1"/>
+                          </a:solidFill>
+                        </a:rPr>
+                        <a:t>로그인</a:t>
+                      </a:r>
+                      <a:endParaRPr lang="en-US" altLang="ko-KR" sz="1100" baseline="0" dirty="0">
                         <a:solidFill>
                           <a:schemeClr val="tx1"/>
                         </a:solidFill>
                       </a:endParaRPr>
                     </a:p>
                     <a:p>
-                      <a:pPr marL="171450" indent="-171450" algn="l" latinLnBrk="1">
-                        <a:buFontTx/>
-                        <a:buChar char="-"/>
+                      <a:pPr marL="0" indent="0" algn="l" latinLnBrk="1">
+                        <a:lnSpc>
+                          <a:spcPct val="125000"/>
+                        </a:lnSpc>
+                        <a:buFont typeface="+mj-ea"/>
+                        <a:buNone/>
                       </a:pPr>
-                      <a:endParaRPr lang="en-US" altLang="ko-KR" sz="1100" dirty="0" smtClean="0">
-                        <a:solidFill>
-                          <a:schemeClr val="tx1"/>
-                        </a:solidFill>
-                      </a:endParaRPr>
-                    </a:p>
-                    <a:p>
-                      <a:pPr marL="171450" indent="-171450" algn="l" latinLnBrk="1">
-                        <a:buFontTx/>
-                        <a:buChar char="-"/>
+                      <a:r>
+                        <a:rPr lang="en-US" altLang="ko-KR" sz="1100" baseline="0" dirty="0">
+                          <a:solidFill>
+                            <a:schemeClr val="tx1"/>
+                          </a:solidFill>
+                        </a:rPr>
+                        <a:t> - </a:t>
+                      </a:r>
+                      <a:r>
+                        <a:rPr lang="ko-KR" altLang="en-US" sz="1100" baseline="0" dirty="0">
+                          <a:solidFill>
+                            <a:schemeClr val="tx1"/>
+                          </a:solidFill>
+                        </a:rPr>
+                        <a:t>로그인 페이지로 이동</a:t>
+                      </a:r>
+                      <a:r>
+                        <a:rPr lang="en-US" altLang="ko-KR" sz="1100" baseline="0" dirty="0">
+                          <a:solidFill>
+                            <a:schemeClr val="tx1"/>
+                          </a:solidFill>
+                        </a:rPr>
+                        <a:t>.</a:t>
+                      </a:r>
+                    </a:p>
+                    <a:p>
+                      <a:pPr marL="0" indent="0" algn="l" latinLnBrk="1">
+                        <a:lnSpc>
+                          <a:spcPct val="125000"/>
+                        </a:lnSpc>
+                        <a:buFont typeface="+mj-ea"/>
+                        <a:buNone/>
                       </a:pPr>
                       <a:r>
-                        <a:rPr lang="ko-KR" altLang="en-US" sz="1100" dirty="0" smtClean="0">
-                          <a:solidFill>
-                            <a:schemeClr val="tx1"/>
-                          </a:solidFill>
-                        </a:rPr>
-                        <a:t>메뉴 클릭 시 각 페이지로 이동</a:t>
-                      </a:r>
-                      <a:r>
-                        <a:rPr lang="en-US" altLang="ko-KR" sz="1100" dirty="0" smtClean="0">
-                          <a:solidFill>
-                            <a:schemeClr val="tx1"/>
-                          </a:solidFill>
-                        </a:rPr>
-                        <a:t>.</a:t>
-                      </a:r>
-                    </a:p>
-                    <a:p>
-                      <a:pPr marL="228600" indent="-228600" algn="l" latinLnBrk="1">
-                        <a:buFontTx/>
-                        <a:buAutoNum type="arabicParenR"/>
-                      </a:pPr>
-                      <a:r>
-                        <a:rPr lang="ko-KR" altLang="en-US" sz="1000" dirty="0" smtClean="0">
-                          <a:solidFill>
-                            <a:schemeClr val="tx1"/>
-                          </a:solidFill>
-                        </a:rPr>
-                        <a:t>회사소개 </a:t>
-                      </a:r>
-                      <a:r>
-                        <a:rPr lang="en-US" altLang="ko-KR" sz="1000" dirty="0" smtClean="0">
-                          <a:solidFill>
-                            <a:schemeClr val="tx1"/>
-                          </a:solidFill>
-                        </a:rPr>
-                        <a:t>–</a:t>
-                      </a:r>
-                      <a:r>
-                        <a:rPr lang="en-US" altLang="ko-KR" sz="1000" baseline="0" dirty="0" smtClean="0">
+                        <a:rPr lang="en-US" altLang="ko-KR" sz="1000" baseline="0" dirty="0">
+                          <a:solidFill>
+                            <a:schemeClr val="tx1"/>
+                          </a:solidFill>
+                        </a:rPr>
+                        <a:t> - URL</a:t>
+                      </a:r>
+                      <a:r>
+                        <a:rPr lang="ko-KR" altLang="en-US" sz="1000" baseline="0" dirty="0">
                           <a:solidFill>
                             <a:schemeClr val="tx1"/>
                           </a:solidFill>
@@ -23145,217 +22803,28 @@
                         <a:t> </a:t>
                       </a:r>
                       <a:r>
-                        <a:rPr lang="en-US" altLang="ko-KR" sz="1000" baseline="0" dirty="0" err="1" smtClean="0">
-                          <a:solidFill>
-                            <a:schemeClr val="tx1"/>
-                          </a:solidFill>
-                        </a:rPr>
-                        <a:t>url</a:t>
-                      </a:r>
-                      <a:r>
-                        <a:rPr lang="en-US" altLang="ko-KR" sz="1000" baseline="0" dirty="0" smtClean="0">
-                          <a:solidFill>
-                            <a:schemeClr val="tx1"/>
-                          </a:solidFill>
-                        </a:rPr>
-                        <a:t> : company</a:t>
-                      </a:r>
-                    </a:p>
-                    <a:p>
-                      <a:pPr marL="228600" indent="-228600" algn="l" latinLnBrk="1">
-                        <a:buFontTx/>
-                        <a:buAutoNum type="arabicParenR"/>
-                      </a:pPr>
-                      <a:r>
-                        <a:rPr lang="ko-KR" altLang="en-US" sz="1000" baseline="0" dirty="0" smtClean="0">
-                          <a:solidFill>
-                            <a:schemeClr val="tx1"/>
-                          </a:solidFill>
-                        </a:rPr>
-                        <a:t>자료실 </a:t>
-                      </a:r>
-                      <a:r>
-                        <a:rPr lang="en-US" altLang="ko-KR" sz="1000" baseline="0" dirty="0" smtClean="0">
-                          <a:solidFill>
-                            <a:schemeClr val="tx1"/>
-                          </a:solidFill>
-                        </a:rPr>
-                        <a:t>– </a:t>
-                      </a:r>
-                      <a:r>
-                        <a:rPr lang="en-US" altLang="ko-KR" sz="1000" baseline="0" dirty="0" err="1" smtClean="0">
-                          <a:solidFill>
-                            <a:schemeClr val="tx1"/>
-                          </a:solidFill>
-                        </a:rPr>
-                        <a:t>url</a:t>
-                      </a:r>
-                      <a:r>
-                        <a:rPr lang="en-US" altLang="ko-KR" sz="1000" baseline="0" dirty="0" smtClean="0">
-                          <a:solidFill>
-                            <a:schemeClr val="tx1"/>
-                          </a:solidFill>
-                        </a:rPr>
-                        <a:t> : </a:t>
-                      </a:r>
-                      <a:r>
-                        <a:rPr lang="en-US" altLang="ko-KR" sz="1000" baseline="0" dirty="0" err="1" smtClean="0">
-                          <a:solidFill>
-                            <a:schemeClr val="tx1"/>
-                          </a:solidFill>
-                        </a:rPr>
-                        <a:t>pds</a:t>
-                      </a:r>
-                      <a:endParaRPr lang="en-US" altLang="ko-KR" sz="1000" baseline="0" dirty="0" smtClean="0">
-                        <a:solidFill>
-                          <a:schemeClr val="tx1"/>
-                        </a:solidFill>
-                      </a:endParaRPr>
-                    </a:p>
-                    <a:p>
-                      <a:pPr marL="228600" indent="-228600" algn="l" latinLnBrk="1">
-                        <a:buFontTx/>
-                        <a:buAutoNum type="arabicParenR"/>
-                      </a:pPr>
-                      <a:r>
-                        <a:rPr lang="ko-KR" altLang="en-US" sz="1000" baseline="0" dirty="0" smtClean="0">
-                          <a:solidFill>
-                            <a:schemeClr val="tx1"/>
-                          </a:solidFill>
-                        </a:rPr>
-                        <a:t>질문답변 </a:t>
-                      </a:r>
-                      <a:r>
-                        <a:rPr lang="en-US" altLang="ko-KR" sz="1000" baseline="0" dirty="0" smtClean="0">
-                          <a:solidFill>
-                            <a:schemeClr val="tx1"/>
-                          </a:solidFill>
-                        </a:rPr>
-                        <a:t>– </a:t>
-                      </a:r>
-                      <a:r>
-                        <a:rPr lang="en-US" altLang="ko-KR" sz="1000" baseline="0" dirty="0" err="1" smtClean="0">
-                          <a:solidFill>
-                            <a:schemeClr val="tx1"/>
-                          </a:solidFill>
-                        </a:rPr>
-                        <a:t>url</a:t>
-                      </a:r>
-                      <a:r>
-                        <a:rPr lang="en-US" altLang="ko-KR" sz="1000" baseline="0" dirty="0" smtClean="0">
-                          <a:solidFill>
-                            <a:schemeClr val="tx1"/>
-                          </a:solidFill>
-                        </a:rPr>
-                        <a:t> : </a:t>
-                      </a:r>
-                      <a:r>
-                        <a:rPr lang="en-US" altLang="ko-KR" sz="1000" baseline="0" dirty="0" err="1" smtClean="0">
-                          <a:solidFill>
-                            <a:schemeClr val="tx1"/>
-                          </a:solidFill>
-                        </a:rPr>
-                        <a:t>ans_board</a:t>
-                      </a:r>
-                      <a:endParaRPr lang="en-US" altLang="ko-KR" sz="1000" baseline="0" dirty="0" smtClean="0">
-                        <a:solidFill>
-                          <a:schemeClr val="tx1"/>
-                        </a:solidFill>
-                      </a:endParaRPr>
-                    </a:p>
-                    <a:p>
-                      <a:pPr marL="228600" indent="-228600" algn="l" latinLnBrk="1">
-                        <a:buFontTx/>
-                        <a:buAutoNum type="arabicParenR"/>
-                      </a:pPr>
-                      <a:r>
-                        <a:rPr lang="ko-KR" altLang="en-US" sz="1000" baseline="0" dirty="0" smtClean="0">
-                          <a:solidFill>
-                            <a:schemeClr val="tx1"/>
-                          </a:solidFill>
-                        </a:rPr>
-                        <a:t>동영상 강의 </a:t>
-                      </a:r>
-                      <a:r>
-                        <a:rPr lang="en-US" altLang="ko-KR" sz="1000" baseline="0" dirty="0" smtClean="0">
-                          <a:solidFill>
-                            <a:schemeClr val="tx1"/>
-                          </a:solidFill>
-                        </a:rPr>
-                        <a:t>– </a:t>
-                      </a:r>
-                      <a:r>
-                        <a:rPr lang="en-US" altLang="ko-KR" sz="1000" baseline="0" dirty="0" err="1" smtClean="0">
-                          <a:solidFill>
-                            <a:schemeClr val="tx1"/>
-                          </a:solidFill>
-                        </a:rPr>
-                        <a:t>url</a:t>
-                      </a:r>
-                      <a:r>
-                        <a:rPr lang="en-US" altLang="ko-KR" sz="1000" baseline="0" dirty="0" smtClean="0">
-                          <a:solidFill>
-                            <a:schemeClr val="tx1"/>
-                          </a:solidFill>
-                        </a:rPr>
-                        <a:t> : online</a:t>
-                      </a:r>
-                    </a:p>
-                    <a:p>
-                      <a:pPr marL="228600" indent="-228600" algn="l" latinLnBrk="1">
-                        <a:buFontTx/>
-                        <a:buAutoNum type="arabicParenR"/>
-                      </a:pPr>
-                      <a:endParaRPr lang="en-US" altLang="ko-KR" sz="1000" dirty="0" smtClean="0">
-                        <a:solidFill>
-                          <a:schemeClr val="tx1"/>
-                        </a:solidFill>
-                      </a:endParaRPr>
-                    </a:p>
-                    <a:p>
-                      <a:pPr marL="171450" indent="-171450" algn="l" latinLnBrk="1">
-                        <a:buFontTx/>
-                        <a:buChar char="-"/>
-                      </a:pPr>
-                      <a:r>
-                        <a:rPr lang="ko-KR" altLang="en-US" sz="1100" dirty="0" smtClean="0">
-                          <a:solidFill>
-                            <a:schemeClr val="tx1"/>
-                          </a:solidFill>
-                        </a:rPr>
-                        <a:t>도서명</a:t>
-                      </a:r>
-                      <a:r>
-                        <a:rPr lang="en-US" altLang="ko-KR" sz="1100" dirty="0" smtClean="0">
-                          <a:solidFill>
-                            <a:schemeClr val="tx1"/>
-                          </a:solidFill>
-                        </a:rPr>
-                        <a:t>, </a:t>
-                      </a:r>
-                      <a:r>
-                        <a:rPr lang="ko-KR" altLang="en-US" sz="1100" dirty="0" smtClean="0">
-                          <a:solidFill>
-                            <a:schemeClr val="tx1"/>
-                          </a:solidFill>
-                        </a:rPr>
-                        <a:t>저자</a:t>
-                      </a:r>
-                      <a:r>
-                        <a:rPr lang="ko-KR" altLang="en-US" sz="1100" baseline="0" dirty="0" smtClean="0">
-                          <a:solidFill>
-                            <a:schemeClr val="tx1"/>
-                          </a:solidFill>
-                        </a:rPr>
-                        <a:t> 등 검색</a:t>
-                      </a:r>
-                      <a:r>
-                        <a:rPr lang="en-US" altLang="ko-KR" sz="1100" baseline="0" dirty="0" smtClean="0">
-                          <a:solidFill>
-                            <a:schemeClr val="tx1"/>
-                          </a:solidFill>
-                        </a:rPr>
-                        <a:t>.</a:t>
+                        <a:rPr lang="en-US" altLang="ko-KR" sz="1000" baseline="0" dirty="0">
+                          <a:solidFill>
+                            <a:schemeClr val="tx1"/>
+                          </a:solidFill>
+                        </a:rPr>
+                        <a:t>:</a:t>
+                      </a:r>
+                      <a:r>
+                        <a:rPr lang="ko-KR" altLang="en-US" sz="1000" baseline="0" dirty="0">
+                          <a:solidFill>
+                            <a:schemeClr val="tx1"/>
+                          </a:solidFill>
+                        </a:rPr>
+                        <a:t> </a:t>
+                      </a:r>
+                      <a:r>
+                        <a:rPr lang="en-US" altLang="ko-KR" sz="1000" baseline="0" dirty="0">
+                          <a:solidFill>
+                            <a:schemeClr val="tx1"/>
+                          </a:solidFill>
+                        </a:rPr>
+                        <a:t>login_form.html</a:t>
                       </a:r>
                     </a:p>
                   </a:txBody>
@@ -23413,7 +22882,7 @@
                     <a:p>
                       <a:pPr algn="ctr" latinLnBrk="1"/>
                       <a:r>
-                        <a:rPr lang="en-US" altLang="ko-KR" sz="1100" dirty="0" smtClean="0">
+                        <a:rPr lang="en-US" altLang="ko-KR" sz="1100" dirty="0">
                           <a:solidFill>
                             <a:schemeClr val="tx1"/>
                           </a:solidFill>
@@ -23525,58 +22994,354 @@
                     <a:bodyPr/>
                     <a:lstStyle/>
                     <a:p>
-                      <a:pPr marL="171450" indent="-171450" algn="l" latinLnBrk="1">
-                        <a:buFontTx/>
-                        <a:buChar char="-"/>
+                      <a:pPr marL="228600" indent="-228600" algn="l" latinLnBrk="1">
+                        <a:lnSpc>
+                          <a:spcPct val="125000"/>
+                        </a:lnSpc>
+                        <a:buFont typeface="Arial" panose="020B0604020202020204" pitchFamily="34" charset="0"/>
+                        <a:buChar char="•"/>
                       </a:pPr>
                       <a:r>
-                        <a:rPr lang="ko-KR" altLang="en-US" sz="1100" dirty="0" smtClean="0">
-                          <a:solidFill>
-                            <a:schemeClr val="tx1"/>
-                          </a:solidFill>
-                        </a:rPr>
-                        <a:t>출판</a:t>
-                      </a:r>
-                      <a:r>
-                        <a:rPr lang="ko-KR" altLang="en-US" sz="1100" baseline="0" dirty="0" smtClean="0">
-                          <a:solidFill>
-                            <a:schemeClr val="tx1"/>
-                          </a:solidFill>
-                        </a:rPr>
-                        <a:t> 된 책 목록</a:t>
-                      </a:r>
-                      <a:endParaRPr lang="en-US" altLang="ko-KR" sz="1100" baseline="0" dirty="0" smtClean="0">
+                        <a:rPr lang="ko-KR" altLang="en-US" sz="1100" dirty="0">
+                          <a:solidFill>
+                            <a:schemeClr val="tx1"/>
+                          </a:solidFill>
+                        </a:rPr>
+                        <a:t>상단 탭 메뉴</a:t>
+                      </a:r>
+                      <a:endParaRPr lang="en-US" altLang="ko-KR" sz="1100" dirty="0">
                         <a:solidFill>
                           <a:schemeClr val="tx1"/>
                         </a:solidFill>
                       </a:endParaRPr>
                     </a:p>
                     <a:p>
-                      <a:pPr marL="171450" indent="-171450" algn="l" latinLnBrk="1">
-                        <a:buFontTx/>
-                        <a:buChar char="-"/>
+                      <a:pPr marL="0" indent="0" algn="l" latinLnBrk="1">
+                        <a:lnSpc>
+                          <a:spcPct val="125000"/>
+                        </a:lnSpc>
+                        <a:buFont typeface="+mj-ea"/>
+                        <a:buNone/>
                       </a:pPr>
-                      <a:endParaRPr lang="en-US" altLang="ko-KR" sz="1100" baseline="0" dirty="0" smtClean="0">
+                      <a:r>
+                        <a:rPr lang="en-US" altLang="ko-KR" sz="1100" dirty="0">
+                          <a:solidFill>
+                            <a:schemeClr val="tx1"/>
+                          </a:solidFill>
+                        </a:rPr>
+                        <a:t> - </a:t>
+                      </a:r>
+                      <a:r>
+                        <a:rPr lang="ko-KR" altLang="en-US" sz="1100" dirty="0">
+                          <a:solidFill>
+                            <a:schemeClr val="tx1"/>
+                          </a:solidFill>
+                        </a:rPr>
+                        <a:t>각 메뉴 페이지로 이동</a:t>
+                      </a:r>
+                      <a:r>
+                        <a:rPr lang="en-US" altLang="ko-KR" sz="1100" dirty="0">
+                          <a:solidFill>
+                            <a:schemeClr val="tx1"/>
+                          </a:solidFill>
+                        </a:rPr>
+                        <a:t>.</a:t>
+                      </a:r>
+                    </a:p>
+                    <a:p>
+                      <a:pPr marL="0" indent="0" algn="l" latinLnBrk="1">
+                        <a:lnSpc>
+                          <a:spcPct val="125000"/>
+                        </a:lnSpc>
+                        <a:buFont typeface="+mj-ea"/>
+                        <a:buNone/>
+                      </a:pPr>
+                      <a:r>
+                        <a:rPr lang="en-US" altLang="ko-KR" sz="1000" dirty="0">
+                          <a:solidFill>
+                            <a:schemeClr val="tx1"/>
+                          </a:solidFill>
+                        </a:rPr>
+                        <a:t> - URL : company.html (</a:t>
+                      </a:r>
+                      <a:r>
+                        <a:rPr lang="ko-KR" altLang="en-US" sz="1000" dirty="0">
+                          <a:solidFill>
+                            <a:schemeClr val="tx1"/>
+                          </a:solidFill>
+                        </a:rPr>
+                        <a:t>회사소개</a:t>
+                      </a:r>
+                      <a:r>
+                        <a:rPr lang="en-US" altLang="ko-KR" sz="1000" dirty="0">
+                          <a:solidFill>
+                            <a:schemeClr val="tx1"/>
+                          </a:solidFill>
+                        </a:rPr>
+                        <a:t>)</a:t>
+                      </a:r>
+                    </a:p>
+                    <a:p>
+                      <a:pPr marL="0" indent="0" algn="l" latinLnBrk="1">
+                        <a:lnSpc>
+                          <a:spcPct val="125000"/>
+                        </a:lnSpc>
+                        <a:buFont typeface="+mj-ea"/>
+                        <a:buNone/>
+                      </a:pPr>
+                      <a:r>
+                        <a:rPr lang="en-US" altLang="ko-KR" sz="1000" dirty="0">
+                          <a:solidFill>
+                            <a:schemeClr val="tx1"/>
+                          </a:solidFill>
+                        </a:rPr>
+                        <a:t> - URL : books.html (</a:t>
+                      </a:r>
+                      <a:r>
+                        <a:rPr lang="ko-KR" altLang="en-US" sz="1000" dirty="0">
+                          <a:solidFill>
+                            <a:schemeClr val="tx1"/>
+                          </a:solidFill>
+                        </a:rPr>
+                        <a:t>도서</a:t>
+                      </a:r>
+                      <a:r>
+                        <a:rPr lang="en-US" altLang="ko-KR" sz="1000" dirty="0">
+                          <a:solidFill>
+                            <a:schemeClr val="tx1"/>
+                          </a:solidFill>
+                        </a:rPr>
+                        <a:t>)</a:t>
+                      </a:r>
+                    </a:p>
+                    <a:p>
+                      <a:pPr marL="0" indent="0" algn="l" latinLnBrk="1">
+                        <a:lnSpc>
+                          <a:spcPct val="125000"/>
+                        </a:lnSpc>
+                        <a:buFont typeface="+mj-ea"/>
+                        <a:buNone/>
+                      </a:pPr>
+                      <a:r>
+                        <a:rPr lang="en-US" altLang="ko-KR" sz="1000" dirty="0">
+                          <a:solidFill>
+                            <a:schemeClr val="tx1"/>
+                          </a:solidFill>
+                        </a:rPr>
+                        <a:t> - URL : pds.html (</a:t>
+                      </a:r>
+                      <a:r>
+                        <a:rPr lang="ko-KR" altLang="en-US" sz="1000" dirty="0">
+                          <a:solidFill>
+                            <a:schemeClr val="tx1"/>
+                          </a:solidFill>
+                        </a:rPr>
+                        <a:t>자료실</a:t>
+                      </a:r>
+                      <a:r>
+                        <a:rPr lang="en-US" altLang="ko-KR" sz="1000" dirty="0">
+                          <a:solidFill>
+                            <a:schemeClr val="tx1"/>
+                          </a:solidFill>
+                        </a:rPr>
+                        <a:t>)</a:t>
+                      </a:r>
+                    </a:p>
+                    <a:p>
+                      <a:pPr marL="0" indent="0" algn="l" latinLnBrk="1">
+                        <a:lnSpc>
+                          <a:spcPct val="125000"/>
+                        </a:lnSpc>
+                        <a:buFont typeface="+mj-ea"/>
+                        <a:buNone/>
+                      </a:pPr>
+                      <a:r>
+                        <a:rPr lang="en-US" altLang="ko-KR" sz="1000" dirty="0">
+                          <a:solidFill>
+                            <a:schemeClr val="tx1"/>
+                          </a:solidFill>
+                        </a:rPr>
+                        <a:t> - URL : ans_board.html (</a:t>
+                      </a:r>
+                      <a:r>
+                        <a:rPr lang="ko-KR" altLang="en-US" sz="1000" dirty="0">
+                          <a:solidFill>
+                            <a:schemeClr val="tx1"/>
+                          </a:solidFill>
+                        </a:rPr>
+                        <a:t>질문답변</a:t>
+                      </a:r>
+                      <a:r>
+                        <a:rPr lang="en-US" altLang="ko-KR" sz="1000" dirty="0">
+                          <a:solidFill>
+                            <a:schemeClr val="tx1"/>
+                          </a:solidFill>
+                        </a:rPr>
+                        <a:t>)</a:t>
+                      </a:r>
+                    </a:p>
+                    <a:p>
+                      <a:pPr marL="0" indent="0" algn="l" latinLnBrk="1">
+                        <a:lnSpc>
+                          <a:spcPct val="125000"/>
+                        </a:lnSpc>
+                        <a:buFont typeface="+mj-ea"/>
+                        <a:buNone/>
+                      </a:pPr>
+                      <a:r>
+                        <a:rPr lang="en-US" altLang="ko-KR" sz="1000" dirty="0">
+                          <a:solidFill>
+                            <a:schemeClr val="tx1"/>
+                          </a:solidFill>
+                        </a:rPr>
+                        <a:t> - URL : online.html (</a:t>
+                      </a:r>
+                      <a:r>
+                        <a:rPr lang="ko-KR" altLang="en-US" sz="1000" dirty="0">
+                          <a:solidFill>
+                            <a:schemeClr val="tx1"/>
+                          </a:solidFill>
+                        </a:rPr>
+                        <a:t>동영상 강의</a:t>
+                      </a:r>
+                      <a:r>
+                        <a:rPr lang="en-US" altLang="ko-KR" sz="1000" dirty="0">
+                          <a:solidFill>
+                            <a:schemeClr val="tx1"/>
+                          </a:solidFill>
+                        </a:rPr>
+                        <a:t>)</a:t>
+                      </a:r>
+                    </a:p>
+                    <a:p>
+                      <a:pPr marL="228600" indent="-228600" algn="l" latinLnBrk="1">
+                        <a:lnSpc>
+                          <a:spcPct val="125000"/>
+                        </a:lnSpc>
+                        <a:buFont typeface="Arial" panose="020B0604020202020204" pitchFamily="34" charset="0"/>
+                        <a:buChar char="•"/>
+                      </a:pPr>
+                      <a:r>
+                        <a:rPr lang="ko-KR" altLang="en-US" sz="1100" dirty="0">
+                          <a:solidFill>
+                            <a:schemeClr val="tx1"/>
+                          </a:solidFill>
+                        </a:rPr>
+                        <a:t>검색 창</a:t>
+                      </a:r>
+                      <a:endParaRPr lang="en-US" altLang="ko-KR" sz="1100" dirty="0">
                         <a:solidFill>
                           <a:schemeClr val="tx1"/>
                         </a:solidFill>
                       </a:endParaRPr>
                     </a:p>
                     <a:p>
-                      <a:pPr marL="171450" indent="-171450" algn="l" latinLnBrk="1">
-                        <a:buFontTx/>
-                        <a:buChar char="-"/>
+                      <a:pPr marL="0" indent="0" algn="l" latinLnBrk="1">
+                        <a:lnSpc>
+                          <a:spcPct val="125000"/>
+                        </a:lnSpc>
+                        <a:buFont typeface="Arial" panose="020B0604020202020204" pitchFamily="34" charset="0"/>
+                        <a:buNone/>
                       </a:pPr>
                       <a:r>
-                        <a:rPr lang="ko-KR" altLang="en-US" sz="1100" dirty="0" smtClean="0">
-                          <a:solidFill>
-                            <a:schemeClr val="tx1"/>
-                          </a:solidFill>
-                        </a:rPr>
-                        <a:t>양 방향 아이콘으로</a:t>
-                      </a:r>
-                      <a:r>
-                        <a:rPr lang="ko-KR" altLang="en-US" sz="1100" baseline="0" dirty="0" smtClean="0">
+                        <a:rPr lang="en-US" altLang="ko-KR" sz="1100" dirty="0">
+                          <a:solidFill>
+                            <a:schemeClr val="tx1"/>
+                          </a:solidFill>
+                        </a:rPr>
+                        <a:t> - </a:t>
+                      </a:r>
+                      <a:r>
+                        <a:rPr lang="ko-KR" altLang="en-US" sz="1100" dirty="0">
+                          <a:solidFill>
+                            <a:schemeClr val="tx1"/>
+                          </a:solidFill>
+                        </a:rPr>
+                        <a:t>도서명</a:t>
+                      </a:r>
+                      <a:r>
+                        <a:rPr lang="en-US" altLang="ko-KR" sz="1100" dirty="0">
+                          <a:solidFill>
+                            <a:schemeClr val="tx1"/>
+                          </a:solidFill>
+                        </a:rPr>
+                        <a:t>, </a:t>
+                      </a:r>
+                      <a:r>
+                        <a:rPr lang="ko-KR" altLang="en-US" sz="1100" dirty="0">
+                          <a:solidFill>
+                            <a:schemeClr val="tx1"/>
+                          </a:solidFill>
+                        </a:rPr>
+                        <a:t>저자 등 검색</a:t>
+                      </a:r>
+                      <a:r>
+                        <a:rPr lang="en-US" altLang="ko-KR" sz="1100" dirty="0">
+                          <a:solidFill>
+                            <a:schemeClr val="tx1"/>
+                          </a:solidFill>
+                        </a:rPr>
+                        <a:t>.</a:t>
+                      </a:r>
+                    </a:p>
+                    <a:p>
+                      <a:pPr marL="0" indent="0" algn="l" latinLnBrk="1">
+                        <a:lnSpc>
+                          <a:spcPct val="125000"/>
+                        </a:lnSpc>
+                        <a:buFont typeface="Arial" panose="020B0604020202020204" pitchFamily="34" charset="0"/>
+                        <a:buNone/>
+                      </a:pPr>
+                      <a:r>
+                        <a:rPr lang="en-US" altLang="ko-KR" sz="1100" dirty="0">
+                          <a:solidFill>
+                            <a:schemeClr val="tx1"/>
+                          </a:solidFill>
+                        </a:rPr>
+                        <a:t> - </a:t>
+                      </a:r>
+                      <a:r>
+                        <a:rPr lang="ko-KR" altLang="en-US" sz="1100" dirty="0">
+                          <a:solidFill>
+                            <a:schemeClr val="tx1"/>
+                          </a:solidFill>
+                        </a:rPr>
+                        <a:t>도서</a:t>
+                      </a:r>
+                      <a:r>
+                        <a:rPr lang="en-US" altLang="ko-KR" sz="1100" dirty="0">
+                          <a:solidFill>
+                            <a:schemeClr val="tx1"/>
+                          </a:solidFill>
+                        </a:rPr>
+                        <a:t>, </a:t>
+                      </a:r>
+                      <a:r>
+                        <a:rPr lang="ko-KR" altLang="en-US" sz="1100" dirty="0">
+                          <a:solidFill>
+                            <a:schemeClr val="tx1"/>
+                          </a:solidFill>
+                        </a:rPr>
+                        <a:t>자료실</a:t>
+                      </a:r>
+                      <a:r>
+                        <a:rPr lang="en-US" altLang="ko-KR" sz="1100" dirty="0">
+                          <a:solidFill>
+                            <a:schemeClr val="tx1"/>
+                          </a:solidFill>
+                        </a:rPr>
+                        <a:t>, </a:t>
+                      </a:r>
+                      <a:r>
+                        <a:rPr lang="ko-KR" altLang="en-US" sz="1100" dirty="0">
+                          <a:solidFill>
+                            <a:schemeClr val="tx1"/>
+                          </a:solidFill>
+                        </a:rPr>
+                        <a:t>동영상 강의</a:t>
+                      </a:r>
+                      <a:r>
+                        <a:rPr lang="en-US" altLang="ko-KR" sz="1100" dirty="0">
                           <a:solidFill>
                             <a:schemeClr val="tx1"/>
                           </a:solidFill>
@@ -23584,67 +23349,21 @@
                         <a:t> </a:t>
                       </a:r>
                       <a:r>
-                        <a:rPr lang="ko-KR" altLang="en-US" sz="1100" dirty="0" smtClean="0">
-                          <a:solidFill>
-                            <a:schemeClr val="tx1"/>
-                          </a:solidFill>
-                        </a:rPr>
-                        <a:t>슬라이드 이동</a:t>
-                      </a:r>
-                      <a:r>
-                        <a:rPr lang="en-US" altLang="ko-KR" sz="1100" dirty="0" smtClean="0">
+                        <a:rPr lang="ko-KR" altLang="en-US" sz="1100" dirty="0">
+                          <a:solidFill>
+                            <a:schemeClr val="tx1"/>
+                          </a:solidFill>
+                        </a:rPr>
+                        <a:t>검색 결과 출력</a:t>
+                      </a:r>
+                      <a:r>
+                        <a:rPr lang="en-US" altLang="ko-KR" sz="1100" dirty="0">
                           <a:solidFill>
                             <a:schemeClr val="tx1"/>
                           </a:solidFill>
                         </a:rPr>
                         <a:t>.</a:t>
                       </a:r>
-                    </a:p>
-                    <a:p>
-                      <a:pPr marL="171450" indent="-171450" algn="l" latinLnBrk="1">
-                        <a:buFontTx/>
-                        <a:buChar char="-"/>
-                      </a:pPr>
-                      <a:endParaRPr lang="en-US" altLang="ko-KR" sz="1100" dirty="0" smtClean="0">
-                        <a:solidFill>
-                          <a:schemeClr val="tx1"/>
-                        </a:solidFill>
-                      </a:endParaRPr>
-                    </a:p>
-                    <a:p>
-                      <a:pPr marL="171450" indent="-171450" algn="l" latinLnBrk="1">
-                        <a:buFontTx/>
-                        <a:buChar char="-"/>
-                      </a:pPr>
-                      <a:r>
-                        <a:rPr lang="ko-KR" altLang="en-US" sz="1100" dirty="0" smtClean="0">
-                          <a:solidFill>
-                            <a:schemeClr val="tx1"/>
-                          </a:solidFill>
-                        </a:rPr>
-                        <a:t>책</a:t>
-                      </a:r>
-                      <a:r>
-                        <a:rPr lang="ko-KR" altLang="en-US" sz="1100" baseline="0" dirty="0" smtClean="0">
-                          <a:solidFill>
-                            <a:schemeClr val="tx1"/>
-                          </a:solidFill>
-                        </a:rPr>
-                        <a:t> 클릭 시 책 소개 페이지로 이동</a:t>
-                      </a:r>
-                      <a:r>
-                        <a:rPr lang="en-US" altLang="ko-KR" sz="1100" baseline="0" dirty="0" smtClean="0">
-                          <a:solidFill>
-                            <a:schemeClr val="tx1"/>
-                          </a:solidFill>
-                        </a:rPr>
-                        <a:t>.</a:t>
-                      </a:r>
-                      <a:endParaRPr lang="en-US" altLang="ko-KR" sz="1100" dirty="0" smtClean="0">
-                        <a:solidFill>
-                          <a:schemeClr val="tx1"/>
-                        </a:solidFill>
-                      </a:endParaRPr>
                     </a:p>
                   </a:txBody>
                   <a:tcPr>
@@ -23701,7 +23420,7 @@
                     <a:p>
                       <a:pPr algn="ctr" latinLnBrk="1"/>
                       <a:r>
-                        <a:rPr lang="en-US" altLang="ko-KR" sz="1100" dirty="0" smtClean="0">
+                        <a:rPr lang="en-US" altLang="ko-KR" sz="1100" dirty="0">
                           <a:solidFill>
                             <a:schemeClr val="tx1"/>
                           </a:solidFill>
@@ -23814,155 +23533,17 @@
                     <a:lstStyle/>
                     <a:p>
                       <a:pPr marL="171450" indent="-171450" algn="l" latinLnBrk="1">
+                        <a:lnSpc>
+                          <a:spcPct val="125000"/>
+                        </a:lnSpc>
                         <a:buFontTx/>
                         <a:buChar char="-"/>
                       </a:pPr>
-                      <a:r>
-                        <a:rPr lang="ko-KR" altLang="en-US" sz="1100" dirty="0" smtClean="0">
-                          <a:solidFill>
-                            <a:schemeClr val="tx1"/>
-                          </a:solidFill>
-                        </a:rPr>
-                        <a:t>공지사항</a:t>
-                      </a:r>
-                      <a:r>
-                        <a:rPr lang="en-US" altLang="ko-KR" sz="1100" dirty="0" smtClean="0">
-                          <a:solidFill>
-                            <a:schemeClr val="tx1"/>
-                          </a:solidFill>
-                        </a:rPr>
-                        <a:t>/</a:t>
-                      </a:r>
-                      <a:r>
-                        <a:rPr lang="ko-KR" altLang="en-US" sz="1100" dirty="0" smtClean="0">
-                          <a:solidFill>
-                            <a:schemeClr val="tx1"/>
-                          </a:solidFill>
-                        </a:rPr>
-                        <a:t>이벤트</a:t>
-                      </a:r>
-                      <a:endParaRPr lang="en-US" altLang="ko-KR" sz="1100" dirty="0" smtClean="0">
+                      <a:endParaRPr lang="en-US" altLang="ko-KR" sz="1100" dirty="0">
                         <a:solidFill>
                           <a:schemeClr val="tx1"/>
                         </a:solidFill>
                       </a:endParaRPr>
-                    </a:p>
-                    <a:p>
-                      <a:pPr marL="171450" indent="-171450" algn="l" latinLnBrk="1">
-                        <a:buFontTx/>
-                        <a:buChar char="-"/>
-                      </a:pPr>
-                      <a:endParaRPr lang="en-US" altLang="ko-KR" sz="1100" dirty="0" smtClean="0">
-                        <a:solidFill>
-                          <a:schemeClr val="tx1"/>
-                        </a:solidFill>
-                      </a:endParaRPr>
-                    </a:p>
-                    <a:p>
-                      <a:pPr marL="171450" indent="-171450" algn="l" latinLnBrk="1">
-                        <a:buFontTx/>
-                        <a:buChar char="-"/>
-                      </a:pPr>
-                      <a:r>
-                        <a:rPr lang="ko-KR" altLang="en-US" sz="1100" dirty="0" smtClean="0">
-                          <a:solidFill>
-                            <a:schemeClr val="tx1"/>
-                          </a:solidFill>
-                        </a:rPr>
-                        <a:t>가장 최근의 공지사항</a:t>
-                      </a:r>
-                      <a:r>
-                        <a:rPr lang="en-US" altLang="ko-KR" sz="1100" dirty="0" smtClean="0">
-                          <a:solidFill>
-                            <a:schemeClr val="tx1"/>
-                          </a:solidFill>
-                        </a:rPr>
-                        <a:t>/</a:t>
-                      </a:r>
-                      <a:r>
-                        <a:rPr lang="ko-KR" altLang="en-US" sz="1100" dirty="0" smtClean="0">
-                          <a:solidFill>
-                            <a:schemeClr val="tx1"/>
-                          </a:solidFill>
-                        </a:rPr>
-                        <a:t>이벤트를 출력</a:t>
-                      </a:r>
-                      <a:r>
-                        <a:rPr lang="en-US" altLang="ko-KR" sz="1100" dirty="0" smtClean="0">
-                          <a:solidFill>
-                            <a:schemeClr val="tx1"/>
-                          </a:solidFill>
-                        </a:rPr>
-                        <a:t>.</a:t>
-                      </a:r>
-                    </a:p>
-                    <a:p>
-                      <a:pPr marL="171450" indent="-171450" algn="l" latinLnBrk="1">
-                        <a:buFontTx/>
-                        <a:buChar char="-"/>
-                      </a:pPr>
-                      <a:r>
-                        <a:rPr lang="en-US" altLang="ko-KR" sz="1100" dirty="0" smtClean="0">
-                          <a:solidFill>
-                            <a:schemeClr val="tx1"/>
-                          </a:solidFill>
-                        </a:rPr>
-                        <a:t> </a:t>
-                      </a:r>
-                    </a:p>
-                    <a:p>
-                      <a:pPr marL="171450" indent="-171450" algn="l" latinLnBrk="1">
-                        <a:buFontTx/>
-                        <a:buChar char="-"/>
-                      </a:pPr>
-                      <a:r>
-                        <a:rPr lang="ko-KR" altLang="en-US" sz="1100" dirty="0" smtClean="0">
-                          <a:solidFill>
-                            <a:schemeClr val="tx1"/>
-                          </a:solidFill>
-                        </a:rPr>
-                        <a:t>오른쪽 상단 </a:t>
-                      </a:r>
-                      <a:r>
-                        <a:rPr lang="en-US" altLang="ko-KR" sz="1100" dirty="0" smtClean="0">
-                          <a:solidFill>
-                            <a:schemeClr val="tx1"/>
-                          </a:solidFill>
-                        </a:rPr>
-                        <a:t>+ </a:t>
-                      </a:r>
-                      <a:r>
-                        <a:rPr lang="ko-KR" altLang="en-US" sz="1100" dirty="0" smtClean="0">
-                          <a:solidFill>
-                            <a:schemeClr val="tx1"/>
-                          </a:solidFill>
-                        </a:rPr>
-                        <a:t>아이콘 클릭 시 공지사항</a:t>
-                      </a:r>
-                      <a:r>
-                        <a:rPr lang="en-US" altLang="ko-KR" sz="1100" dirty="0" smtClean="0">
-                          <a:solidFill>
-                            <a:schemeClr val="tx1"/>
-                          </a:solidFill>
-                        </a:rPr>
-                        <a:t>/</a:t>
-                      </a:r>
-                      <a:r>
-                        <a:rPr lang="ko-KR" altLang="en-US" sz="1100" dirty="0" smtClean="0">
-                          <a:solidFill>
-                            <a:schemeClr val="tx1"/>
-                          </a:solidFill>
-                        </a:rPr>
-                        <a:t>이벤트 페이지로 이동</a:t>
-                      </a:r>
-                      <a:r>
-                        <a:rPr lang="en-US" altLang="ko-KR" sz="1100" dirty="0" smtClean="0">
-                          <a:solidFill>
-                            <a:schemeClr val="tx1"/>
-                          </a:solidFill>
-                        </a:rPr>
-                        <a:t>.</a:t>
-                      </a:r>
                     </a:p>
                   </a:txBody>
                   <a:tcPr>
@@ -24019,7 +23600,7 @@
                     <a:p>
                       <a:pPr algn="ctr" latinLnBrk="1"/>
                       <a:r>
-                        <a:rPr lang="en-US" altLang="ko-KR" sz="1100" dirty="0" smtClean="0">
+                        <a:rPr lang="en-US" altLang="ko-KR" sz="1100" dirty="0">
                           <a:solidFill>
                             <a:schemeClr val="tx1"/>
                           </a:solidFill>
@@ -24132,75 +23713,42 @@
                     <a:lstStyle/>
                     <a:p>
                       <a:pPr marL="171450" indent="-171450" algn="l" latinLnBrk="1">
-                        <a:buFontTx/>
-                        <a:buChar char="-"/>
+                        <a:lnSpc>
+                          <a:spcPct val="125000"/>
+                        </a:lnSpc>
+                        <a:buFont typeface="Arial" panose="020B0604020202020204" pitchFamily="34" charset="0"/>
+                        <a:buChar char="•"/>
                       </a:pPr>
                       <a:r>
-                        <a:rPr lang="ko-KR" altLang="en-US" sz="1100" dirty="0" smtClean="0">
-                          <a:solidFill>
-                            <a:schemeClr val="tx1"/>
-                          </a:solidFill>
-                        </a:rPr>
-                        <a:t>출판사 </a:t>
-                      </a:r>
-                      <a:r>
-                        <a:rPr lang="en-US" altLang="ko-KR" sz="1100" dirty="0" smtClean="0">
-                          <a:solidFill>
-                            <a:schemeClr val="tx1"/>
-                          </a:solidFill>
-                        </a:rPr>
-                        <a:t>SNS</a:t>
-                      </a:r>
-                    </a:p>
-                    <a:p>
-                      <a:pPr marL="171450" indent="-171450" algn="l" latinLnBrk="1">
-                        <a:buFontTx/>
-                        <a:buChar char="-"/>
-                      </a:pPr>
-                      <a:endParaRPr lang="en-US" altLang="ko-KR" sz="1100" dirty="0" smtClean="0">
+                        <a:rPr lang="ko-KR" altLang="en-US" sz="1100" dirty="0">
+                          <a:solidFill>
+                            <a:schemeClr val="tx1"/>
+                          </a:solidFill>
+                        </a:rPr>
+                        <a:t>공지사항</a:t>
+                      </a:r>
+                      <a:r>
+                        <a:rPr lang="en-US" altLang="ko-KR" sz="1100" dirty="0">
+                          <a:solidFill>
+                            <a:schemeClr val="tx1"/>
+                          </a:solidFill>
+                        </a:rPr>
+                        <a:t>/</a:t>
+                      </a:r>
+                      <a:r>
+                        <a:rPr lang="ko-KR" altLang="en-US" sz="1100" dirty="0">
+                          <a:solidFill>
+                            <a:schemeClr val="tx1"/>
+                          </a:solidFill>
+                        </a:rPr>
+                        <a:t>이벤트</a:t>
+                      </a:r>
+                      <a:endParaRPr lang="en-US" altLang="ko-KR" sz="1100" dirty="0">
                         <a:solidFill>
                           <a:schemeClr val="tx1"/>
                         </a:solidFill>
                       </a:endParaRPr>
                     </a:p>
-                    <a:p>
-                      <a:pPr marL="171450" indent="-171450" algn="l" latinLnBrk="1">
-                        <a:buFontTx/>
-                        <a:buChar char="-"/>
-                      </a:pPr>
-                      <a:r>
-                        <a:rPr lang="ko-KR" altLang="en-US" sz="1100" dirty="0" smtClean="0">
-                          <a:solidFill>
-                            <a:schemeClr val="tx1"/>
-                          </a:solidFill>
-                        </a:rPr>
-                        <a:t>클릭 시 해당 출판사 </a:t>
-                      </a:r>
-                      <a:r>
-                        <a:rPr lang="en-US" altLang="ko-KR" sz="1100" dirty="0" smtClean="0">
-                          <a:solidFill>
-                            <a:schemeClr val="tx1"/>
-                          </a:solidFill>
-                        </a:rPr>
-                        <a:t>SNS</a:t>
-                      </a:r>
-                      <a:r>
-                        <a:rPr lang="ko-KR" altLang="en-US" sz="1100" dirty="0" smtClean="0">
-                          <a:solidFill>
-                            <a:schemeClr val="tx1"/>
-                          </a:solidFill>
-                        </a:rPr>
-                        <a:t>로 이동</a:t>
-                      </a:r>
-                      <a:r>
-                        <a:rPr lang="en-US" altLang="ko-KR" sz="1100" dirty="0" smtClean="0">
-                          <a:solidFill>
-                            <a:schemeClr val="tx1"/>
-                          </a:solidFill>
-                        </a:rPr>
-                        <a:t>.</a:t>
-                      </a:r>
-                    </a:p>
                   </a:txBody>
                   <a:tcPr>
                     <a:lnL w="12700" cap="flat" cmpd="sng" algn="ctr">
@@ -24245,6 +23793,549 @@
                 <a:extLst>
                   <a:ext uri="{0D108BD9-81ED-4DB2-BD59-A6C34878D82A}">
                     <a16:rowId xmlns:a16="http://schemas.microsoft.com/office/drawing/2014/main" val="1427717693"/>
+                  </a:ext>
+                </a:extLst>
+              </a:tr>
+              <a:tr h="370840">
+                <a:tc>
+                  <a:txBody>
+                    <a:bodyPr/>
+                    <a:lstStyle/>
+                    <a:p>
+                      <a:pPr algn="ctr" latinLnBrk="1"/>
+                      <a:r>
+                        <a:rPr lang="en-US" altLang="ko-KR" sz="1100" dirty="0">
+                          <a:solidFill>
+                            <a:schemeClr val="tx1"/>
+                          </a:solidFill>
+                        </a:rPr>
+                        <a:t>7</a:t>
+                      </a:r>
+                      <a:endParaRPr lang="ko-KR" altLang="en-US" sz="1100" dirty="0">
+                        <a:solidFill>
+                          <a:schemeClr val="tx1"/>
+                        </a:solidFill>
+                      </a:endParaRPr>
+                    </a:p>
+                  </a:txBody>
+                  <a:tcPr>
+                    <a:lnL w="12700" cap="flat" cmpd="sng" algn="ctr">
+                      <a:solidFill>
+                        <a:schemeClr val="tx1"/>
+                      </a:solidFill>
+                      <a:prstDash val="solid"/>
+                      <a:round/>
+                      <a:headEnd type="none" w="med" len="med"/>
+                      <a:tailEnd type="none" w="med" len="med"/>
+                    </a:lnL>
+                    <a:lnR w="12700" cap="flat" cmpd="sng" algn="ctr">
+                      <a:solidFill>
+                        <a:schemeClr val="tx1"/>
+                      </a:solidFill>
+                      <a:prstDash val="solid"/>
+                      <a:round/>
+                      <a:headEnd type="none" w="med" len="med"/>
+                      <a:tailEnd type="none" w="med" len="med"/>
+                    </a:lnR>
+                    <a:lnT w="12700" cap="flat" cmpd="sng" algn="ctr">
+                      <a:solidFill>
+                        <a:schemeClr val="tx1"/>
+                      </a:solidFill>
+                      <a:prstDash val="solid"/>
+                      <a:round/>
+                      <a:headEnd type="none" w="med" len="med"/>
+                      <a:tailEnd type="none" w="med" len="med"/>
+                    </a:lnT>
+                    <a:lnB w="12700" cap="flat" cmpd="sng" algn="ctr">
+                      <a:solidFill>
+                        <a:schemeClr val="tx1"/>
+                      </a:solidFill>
+                      <a:prstDash val="solid"/>
+                      <a:round/>
+                      <a:headEnd type="none" w="med" len="med"/>
+                      <a:tailEnd type="none" w="med" len="med"/>
+                    </a:lnB>
+                    <a:noFill/>
+                  </a:tcPr>
+                </a:tc>
+                <a:tc>
+                  <a:txBody>
+                    <a:bodyPr/>
+                    <a:lstStyle/>
+                    <a:p>
+                      <a:pPr algn="ctr" latinLnBrk="1"/>
+                      <a:endParaRPr lang="ko-KR" altLang="en-US" sz="1100" dirty="0">
+                        <a:solidFill>
+                          <a:schemeClr val="tx1"/>
+                        </a:solidFill>
+                      </a:endParaRPr>
+                    </a:p>
+                  </a:txBody>
+                  <a:tcPr>
+                    <a:lnL w="12700" cap="flat" cmpd="sng" algn="ctr">
+                      <a:solidFill>
+                        <a:schemeClr val="tx1"/>
+                      </a:solidFill>
+                      <a:prstDash val="solid"/>
+                      <a:round/>
+                      <a:headEnd type="none" w="med" len="med"/>
+                      <a:tailEnd type="none" w="med" len="med"/>
+                    </a:lnL>
+                    <a:lnR w="12700" cap="flat" cmpd="sng" algn="ctr">
+                      <a:solidFill>
+                        <a:schemeClr val="tx1"/>
+                      </a:solidFill>
+                      <a:prstDash val="solid"/>
+                      <a:round/>
+                      <a:headEnd type="none" w="med" len="med"/>
+                      <a:tailEnd type="none" w="med" len="med"/>
+                    </a:lnR>
+                    <a:lnT w="12700" cap="flat" cmpd="sng" algn="ctr">
+                      <a:solidFill>
+                        <a:schemeClr val="tx1"/>
+                      </a:solidFill>
+                      <a:prstDash val="solid"/>
+                      <a:round/>
+                      <a:headEnd type="none" w="med" len="med"/>
+                      <a:tailEnd type="none" w="med" len="med"/>
+                    </a:lnT>
+                    <a:lnB w="12700" cap="flat" cmpd="sng" algn="ctr">
+                      <a:solidFill>
+                        <a:schemeClr val="tx1"/>
+                      </a:solidFill>
+                      <a:prstDash val="solid"/>
+                      <a:round/>
+                      <a:headEnd type="none" w="med" len="med"/>
+                      <a:tailEnd type="none" w="med" len="med"/>
+                    </a:lnB>
+                    <a:noFill/>
+                  </a:tcPr>
+                </a:tc>
+                <a:tc>
+                  <a:txBody>
+                    <a:bodyPr/>
+                    <a:lstStyle/>
+                    <a:p>
+                      <a:pPr marL="0" indent="0" algn="l" latinLnBrk="1">
+                        <a:lnSpc>
+                          <a:spcPct val="125000"/>
+                        </a:lnSpc>
+                        <a:buFontTx/>
+                        <a:buNone/>
+                      </a:pPr>
+                      <a:endParaRPr lang="en-US" altLang="ko-KR" sz="1100" dirty="0">
+                        <a:solidFill>
+                          <a:schemeClr val="tx1"/>
+                        </a:solidFill>
+                      </a:endParaRPr>
+                    </a:p>
+                  </a:txBody>
+                  <a:tcPr>
+                    <a:lnL w="12700" cap="flat" cmpd="sng" algn="ctr">
+                      <a:solidFill>
+                        <a:schemeClr val="tx1"/>
+                      </a:solidFill>
+                      <a:prstDash val="solid"/>
+                      <a:round/>
+                      <a:headEnd type="none" w="med" len="med"/>
+                      <a:tailEnd type="none" w="med" len="med"/>
+                    </a:lnL>
+                    <a:lnR w="12700" cap="flat" cmpd="sng" algn="ctr">
+                      <a:solidFill>
+                        <a:schemeClr val="tx1"/>
+                      </a:solidFill>
+                      <a:prstDash val="solid"/>
+                      <a:round/>
+                      <a:headEnd type="none" w="med" len="med"/>
+                      <a:tailEnd type="none" w="med" len="med"/>
+                    </a:lnR>
+                    <a:lnT w="12700" cap="flat" cmpd="sng" algn="ctr">
+                      <a:solidFill>
+                        <a:schemeClr val="tx1"/>
+                      </a:solidFill>
+                      <a:prstDash val="solid"/>
+                      <a:round/>
+                      <a:headEnd type="none" w="med" len="med"/>
+                      <a:tailEnd type="none" w="med" len="med"/>
+                    </a:lnT>
+                    <a:lnB w="12700" cap="flat" cmpd="sng" algn="ctr">
+                      <a:solidFill>
+                        <a:schemeClr val="tx1"/>
+                      </a:solidFill>
+                      <a:prstDash val="solid"/>
+                      <a:round/>
+                      <a:headEnd type="none" w="med" len="med"/>
+                      <a:tailEnd type="none" w="med" len="med"/>
+                    </a:lnB>
+                    <a:noFill/>
+                  </a:tcPr>
+                </a:tc>
+                <a:extLst>
+                  <a:ext uri="{0D108BD9-81ED-4DB2-BD59-A6C34878D82A}">
+                    <a16:rowId xmlns:a16="http://schemas.microsoft.com/office/drawing/2014/main" val="1045098804"/>
+                  </a:ext>
+                </a:extLst>
+              </a:tr>
+              <a:tr h="370840">
+                <a:tc>
+                  <a:txBody>
+                    <a:bodyPr/>
+                    <a:lstStyle/>
+                    <a:p>
+                      <a:pPr algn="ctr" latinLnBrk="1"/>
+                      <a:r>
+                        <a:rPr lang="en-US" altLang="ko-KR" sz="1100" dirty="0">
+                          <a:solidFill>
+                            <a:schemeClr val="tx1"/>
+                          </a:solidFill>
+                        </a:rPr>
+                        <a:t>8</a:t>
+                      </a:r>
+                      <a:endParaRPr lang="ko-KR" altLang="en-US" sz="1100" dirty="0">
+                        <a:solidFill>
+                          <a:schemeClr val="tx1"/>
+                        </a:solidFill>
+                      </a:endParaRPr>
+                    </a:p>
+                  </a:txBody>
+                  <a:tcPr>
+                    <a:lnL w="12700" cap="flat" cmpd="sng" algn="ctr">
+                      <a:solidFill>
+                        <a:schemeClr val="tx1"/>
+                      </a:solidFill>
+                      <a:prstDash val="solid"/>
+                      <a:round/>
+                      <a:headEnd type="none" w="med" len="med"/>
+                      <a:tailEnd type="none" w="med" len="med"/>
+                    </a:lnL>
+                    <a:lnR w="12700" cap="flat" cmpd="sng" algn="ctr">
+                      <a:solidFill>
+                        <a:schemeClr val="tx1"/>
+                      </a:solidFill>
+                      <a:prstDash val="solid"/>
+                      <a:round/>
+                      <a:headEnd type="none" w="med" len="med"/>
+                      <a:tailEnd type="none" w="med" len="med"/>
+                    </a:lnR>
+                    <a:lnT w="12700" cap="flat" cmpd="sng" algn="ctr">
+                      <a:solidFill>
+                        <a:schemeClr val="tx1"/>
+                      </a:solidFill>
+                      <a:prstDash val="solid"/>
+                      <a:round/>
+                      <a:headEnd type="none" w="med" len="med"/>
+                      <a:tailEnd type="none" w="med" len="med"/>
+                    </a:lnT>
+                    <a:lnB w="12700" cap="flat" cmpd="sng" algn="ctr">
+                      <a:solidFill>
+                        <a:schemeClr val="tx1"/>
+                      </a:solidFill>
+                      <a:prstDash val="solid"/>
+                      <a:round/>
+                      <a:headEnd type="none" w="med" len="med"/>
+                      <a:tailEnd type="none" w="med" len="med"/>
+                    </a:lnB>
+                    <a:noFill/>
+                  </a:tcPr>
+                </a:tc>
+                <a:tc>
+                  <a:txBody>
+                    <a:bodyPr/>
+                    <a:lstStyle/>
+                    <a:p>
+                      <a:pPr algn="ctr" latinLnBrk="1"/>
+                      <a:endParaRPr lang="ko-KR" altLang="en-US" sz="1100" dirty="0">
+                        <a:solidFill>
+                          <a:schemeClr val="tx1"/>
+                        </a:solidFill>
+                      </a:endParaRPr>
+                    </a:p>
+                  </a:txBody>
+                  <a:tcPr>
+                    <a:lnL w="12700" cap="flat" cmpd="sng" algn="ctr">
+                      <a:solidFill>
+                        <a:schemeClr val="tx1"/>
+                      </a:solidFill>
+                      <a:prstDash val="solid"/>
+                      <a:round/>
+                      <a:headEnd type="none" w="med" len="med"/>
+                      <a:tailEnd type="none" w="med" len="med"/>
+                    </a:lnL>
+                    <a:lnR w="12700" cap="flat" cmpd="sng" algn="ctr">
+                      <a:solidFill>
+                        <a:schemeClr val="tx1"/>
+                      </a:solidFill>
+                      <a:prstDash val="solid"/>
+                      <a:round/>
+                      <a:headEnd type="none" w="med" len="med"/>
+                      <a:tailEnd type="none" w="med" len="med"/>
+                    </a:lnR>
+                    <a:lnT w="12700" cap="flat" cmpd="sng" algn="ctr">
+                      <a:solidFill>
+                        <a:schemeClr val="tx1"/>
+                      </a:solidFill>
+                      <a:prstDash val="solid"/>
+                      <a:round/>
+                      <a:headEnd type="none" w="med" len="med"/>
+                      <a:tailEnd type="none" w="med" len="med"/>
+                    </a:lnT>
+                    <a:lnB w="12700" cap="flat" cmpd="sng" algn="ctr">
+                      <a:solidFill>
+                        <a:schemeClr val="tx1"/>
+                      </a:solidFill>
+                      <a:prstDash val="solid"/>
+                      <a:round/>
+                      <a:headEnd type="none" w="med" len="med"/>
+                      <a:tailEnd type="none" w="med" len="med"/>
+                    </a:lnB>
+                    <a:noFill/>
+                  </a:tcPr>
+                </a:tc>
+                <a:tc>
+                  <a:txBody>
+                    <a:bodyPr/>
+                    <a:lstStyle/>
+                    <a:p>
+                      <a:pPr marL="171450" indent="-171450" algn="l" latinLnBrk="1">
+                        <a:lnSpc>
+                          <a:spcPct val="125000"/>
+                        </a:lnSpc>
+                        <a:buFont typeface="Arial" panose="020B0604020202020204" pitchFamily="34" charset="0"/>
+                        <a:buChar char="•"/>
+                      </a:pPr>
+                      <a:r>
+                        <a:rPr lang="en-US" altLang="ko-KR" sz="1100" dirty="0">
+                          <a:solidFill>
+                            <a:schemeClr val="tx1"/>
+                          </a:solidFill>
+                        </a:rPr>
+                        <a:t>SNS</a:t>
+                      </a:r>
+                    </a:p>
+                  </a:txBody>
+                  <a:tcPr>
+                    <a:lnL w="12700" cap="flat" cmpd="sng" algn="ctr">
+                      <a:solidFill>
+                        <a:schemeClr val="tx1"/>
+                      </a:solidFill>
+                      <a:prstDash val="solid"/>
+                      <a:round/>
+                      <a:headEnd type="none" w="med" len="med"/>
+                      <a:tailEnd type="none" w="med" len="med"/>
+                    </a:lnL>
+                    <a:lnR w="12700" cap="flat" cmpd="sng" algn="ctr">
+                      <a:solidFill>
+                        <a:schemeClr val="tx1"/>
+                      </a:solidFill>
+                      <a:prstDash val="solid"/>
+                      <a:round/>
+                      <a:headEnd type="none" w="med" len="med"/>
+                      <a:tailEnd type="none" w="med" len="med"/>
+                    </a:lnR>
+                    <a:lnT w="12700" cap="flat" cmpd="sng" algn="ctr">
+                      <a:solidFill>
+                        <a:schemeClr val="tx1"/>
+                      </a:solidFill>
+                      <a:prstDash val="solid"/>
+                      <a:round/>
+                      <a:headEnd type="none" w="med" len="med"/>
+                      <a:tailEnd type="none" w="med" len="med"/>
+                    </a:lnT>
+                    <a:lnB w="12700" cap="flat" cmpd="sng" algn="ctr">
+                      <a:solidFill>
+                        <a:schemeClr val="tx1"/>
+                      </a:solidFill>
+                      <a:prstDash val="solid"/>
+                      <a:round/>
+                      <a:headEnd type="none" w="med" len="med"/>
+                      <a:tailEnd type="none" w="med" len="med"/>
+                    </a:lnB>
+                    <a:noFill/>
+                  </a:tcPr>
+                </a:tc>
+                <a:extLst>
+                  <a:ext uri="{0D108BD9-81ED-4DB2-BD59-A6C34878D82A}">
+                    <a16:rowId xmlns:a16="http://schemas.microsoft.com/office/drawing/2014/main" val="1119314138"/>
+                  </a:ext>
+                </a:extLst>
+              </a:tr>
+              <a:tr h="370840">
+                <a:tc>
+                  <a:txBody>
+                    <a:bodyPr/>
+                    <a:lstStyle/>
+                    <a:p>
+                      <a:pPr algn="ctr" latinLnBrk="1"/>
+                      <a:r>
+                        <a:rPr lang="en-US" altLang="ko-KR" sz="1100" dirty="0">
+                          <a:solidFill>
+                            <a:schemeClr val="tx1"/>
+                          </a:solidFill>
+                        </a:rPr>
+                        <a:t>9</a:t>
+                      </a:r>
+                      <a:endParaRPr lang="ko-KR" altLang="en-US" sz="1100" dirty="0">
+                        <a:solidFill>
+                          <a:schemeClr val="tx1"/>
+                        </a:solidFill>
+                      </a:endParaRPr>
+                    </a:p>
+                  </a:txBody>
+                  <a:tcPr>
+                    <a:lnL w="12700" cap="flat" cmpd="sng" algn="ctr">
+                      <a:solidFill>
+                        <a:schemeClr val="tx1"/>
+                      </a:solidFill>
+                      <a:prstDash val="solid"/>
+                      <a:round/>
+                      <a:headEnd type="none" w="med" len="med"/>
+                      <a:tailEnd type="none" w="med" len="med"/>
+                    </a:lnL>
+                    <a:lnR w="12700" cap="flat" cmpd="sng" algn="ctr">
+                      <a:solidFill>
+                        <a:schemeClr val="tx1"/>
+                      </a:solidFill>
+                      <a:prstDash val="solid"/>
+                      <a:round/>
+                      <a:headEnd type="none" w="med" len="med"/>
+                      <a:tailEnd type="none" w="med" len="med"/>
+                    </a:lnR>
+                    <a:lnT w="12700" cap="flat" cmpd="sng" algn="ctr">
+                      <a:solidFill>
+                        <a:schemeClr val="tx1"/>
+                      </a:solidFill>
+                      <a:prstDash val="solid"/>
+                      <a:round/>
+                      <a:headEnd type="none" w="med" len="med"/>
+                      <a:tailEnd type="none" w="med" len="med"/>
+                    </a:lnT>
+                    <a:lnB w="12700" cap="flat" cmpd="sng" algn="ctr">
+                      <a:solidFill>
+                        <a:schemeClr val="tx1"/>
+                      </a:solidFill>
+                      <a:prstDash val="solid"/>
+                      <a:round/>
+                      <a:headEnd type="none" w="med" len="med"/>
+                      <a:tailEnd type="none" w="med" len="med"/>
+                    </a:lnB>
+                    <a:noFill/>
+                  </a:tcPr>
+                </a:tc>
+                <a:tc>
+                  <a:txBody>
+                    <a:bodyPr/>
+                    <a:lstStyle/>
+                    <a:p>
+                      <a:pPr algn="ctr" latinLnBrk="1"/>
+                      <a:endParaRPr lang="ko-KR" altLang="en-US" sz="1100" dirty="0">
+                        <a:solidFill>
+                          <a:schemeClr val="tx1"/>
+                        </a:solidFill>
+                      </a:endParaRPr>
+                    </a:p>
+                  </a:txBody>
+                  <a:tcPr>
+                    <a:lnL w="12700" cap="flat" cmpd="sng" algn="ctr">
+                      <a:solidFill>
+                        <a:schemeClr val="tx1"/>
+                      </a:solidFill>
+                      <a:prstDash val="solid"/>
+                      <a:round/>
+                      <a:headEnd type="none" w="med" len="med"/>
+                      <a:tailEnd type="none" w="med" len="med"/>
+                    </a:lnL>
+                    <a:lnR w="12700" cap="flat" cmpd="sng" algn="ctr">
+                      <a:solidFill>
+                        <a:schemeClr val="tx1"/>
+                      </a:solidFill>
+                      <a:prstDash val="solid"/>
+                      <a:round/>
+                      <a:headEnd type="none" w="med" len="med"/>
+                      <a:tailEnd type="none" w="med" len="med"/>
+                    </a:lnR>
+                    <a:lnT w="12700" cap="flat" cmpd="sng" algn="ctr">
+                      <a:solidFill>
+                        <a:schemeClr val="tx1"/>
+                      </a:solidFill>
+                      <a:prstDash val="solid"/>
+                      <a:round/>
+                      <a:headEnd type="none" w="med" len="med"/>
+                      <a:tailEnd type="none" w="med" len="med"/>
+                    </a:lnT>
+                    <a:lnB w="12700" cap="flat" cmpd="sng" algn="ctr">
+                      <a:solidFill>
+                        <a:schemeClr val="tx1"/>
+                      </a:solidFill>
+                      <a:prstDash val="solid"/>
+                      <a:round/>
+                      <a:headEnd type="none" w="med" len="med"/>
+                      <a:tailEnd type="none" w="med" len="med"/>
+                    </a:lnB>
+                    <a:noFill/>
+                  </a:tcPr>
+                </a:tc>
+                <a:tc>
+                  <a:txBody>
+                    <a:bodyPr/>
+                    <a:lstStyle/>
+                    <a:p>
+                      <a:pPr marL="0" indent="0" algn="l" latinLnBrk="1">
+                        <a:lnSpc>
+                          <a:spcPct val="125000"/>
+                        </a:lnSpc>
+                        <a:buFontTx/>
+                        <a:buNone/>
+                      </a:pPr>
+                      <a:endParaRPr lang="en-US" altLang="ko-KR" sz="1100" dirty="0">
+                        <a:solidFill>
+                          <a:schemeClr val="tx1"/>
+                        </a:solidFill>
+                      </a:endParaRPr>
+                    </a:p>
+                  </a:txBody>
+                  <a:tcPr>
+                    <a:lnL w="12700" cap="flat" cmpd="sng" algn="ctr">
+                      <a:solidFill>
+                        <a:schemeClr val="tx1"/>
+                      </a:solidFill>
+                      <a:prstDash val="solid"/>
+                      <a:round/>
+                      <a:headEnd type="none" w="med" len="med"/>
+                      <a:tailEnd type="none" w="med" len="med"/>
+                    </a:lnL>
+                    <a:lnR w="12700" cap="flat" cmpd="sng" algn="ctr">
+                      <a:solidFill>
+                        <a:schemeClr val="tx1"/>
+                      </a:solidFill>
+                      <a:prstDash val="solid"/>
+                      <a:round/>
+                      <a:headEnd type="none" w="med" len="med"/>
+                      <a:tailEnd type="none" w="med" len="med"/>
+                    </a:lnR>
+                    <a:lnT w="12700" cap="flat" cmpd="sng" algn="ctr">
+                      <a:solidFill>
+                        <a:schemeClr val="tx1"/>
+                      </a:solidFill>
+                      <a:prstDash val="solid"/>
+                      <a:round/>
+                      <a:headEnd type="none" w="med" len="med"/>
+                      <a:tailEnd type="none" w="med" len="med"/>
+                    </a:lnT>
+                    <a:lnB w="12700" cap="flat" cmpd="sng" algn="ctr">
+                      <a:solidFill>
+                        <a:schemeClr val="tx1"/>
+                      </a:solidFill>
+                      <a:prstDash val="solid"/>
+                      <a:round/>
+                      <a:headEnd type="none" w="med" len="med"/>
+                      <a:tailEnd type="none" w="med" len="med"/>
+                    </a:lnB>
+                    <a:noFill/>
+                  </a:tcPr>
+                </a:tc>
+                <a:extLst>
+                  <a:ext uri="{0D108BD9-81ED-4DB2-BD59-A6C34878D82A}">
+                    <a16:rowId xmlns:a16="http://schemas.microsoft.com/office/drawing/2014/main" val="3041072526"/>
                   </a:ext>
                 </a:extLst>
               </a:tr>
@@ -24292,7 +24383,7 @@
           <a:p>
             <a:pPr algn="ctr"/>
             <a:r>
-              <a:rPr lang="en-US" altLang="ko-KR" dirty="0" smtClean="0"/>
+              <a:rPr lang="en-US" altLang="ko-KR" dirty="0"/>
               <a:t>1</a:t>
             </a:r>
             <a:endParaRPr lang="ko-KR" altLang="en-US" dirty="0"/>
@@ -24432,7 +24523,7 @@
           <a:p>
             <a:pPr algn="ctr"/>
             <a:r>
-              <a:rPr lang="en-US" altLang="ko-KR" dirty="0" smtClean="0"/>
+              <a:rPr lang="en-US" altLang="ko-KR" dirty="0"/>
               <a:t>3</a:t>
             </a:r>
             <a:endParaRPr lang="ko-KR" altLang="en-US" dirty="0"/>
@@ -24618,7 +24709,7 @@
           <a:p>
             <a:pPr algn="ctr"/>
             <a:r>
-              <a:rPr lang="en-US" altLang="ko-KR" dirty="0" smtClean="0"/>
+              <a:rPr lang="en-US" altLang="ko-KR" dirty="0"/>
               <a:t>5</a:t>
             </a:r>
             <a:endParaRPr lang="ko-KR" altLang="en-US" dirty="0"/>
@@ -25007,13 +25098,6 @@
   <p:clrMapOvr>
     <a:masterClrMapping/>
   </p:clrMapOvr>
-  <p:timing>
-    <p:tnLst>
-      <p:par>
-        <p:cTn id="1" dur="indefinite" restart="never" nodeType="tmRoot"/>
-      </p:par>
-    </p:tnLst>
-  </p:timing>
 </p:sld>
 </file>
 
@@ -25131,18 +25215,13 @@
                     <a:p>
                       <a:pPr algn="ctr" latinLnBrk="1"/>
                       <a:r>
-                        <a:rPr lang="ko-KR" altLang="en-US" sz="1600" dirty="0" smtClean="0">
+                        <a:rPr lang="ko-KR" altLang="en-US" sz="1600" dirty="0">
                           <a:solidFill>
                             <a:schemeClr val="tx1"/>
                           </a:solidFill>
                         </a:rPr>
                         <a:t>문서 코드</a:t>
                       </a:r>
-                      <a:endParaRPr lang="ko-KR" altLang="en-US" sz="1600" dirty="0">
-                        <a:solidFill>
-                          <a:schemeClr val="tx1"/>
-                        </a:solidFill>
-                      </a:endParaRPr>
                     </a:p>
                   </a:txBody>
                   <a:tcPr>
@@ -25204,12 +25283,72 @@
                     <a:p>
                       <a:pPr algn="ctr" latinLnBrk="1"/>
                       <a:r>
-                        <a:rPr lang="ko-KR" altLang="en-US" sz="1600" dirty="0" smtClean="0">
+                        <a:rPr lang="ko-KR" altLang="en-US" sz="1600" dirty="0">
                           <a:solidFill>
                             <a:schemeClr val="tx1"/>
                           </a:solidFill>
                         </a:rPr>
                         <a:t>파일명</a:t>
+                      </a:r>
+                    </a:p>
+                  </a:txBody>
+                  <a:tcPr>
+                    <a:lnL w="12700" cap="flat" cmpd="sng" algn="ctr">
+                      <a:solidFill>
+                        <a:schemeClr val="tx1"/>
+                      </a:solidFill>
+                      <a:prstDash val="solid"/>
+                      <a:round/>
+                      <a:headEnd type="none" w="med" len="med"/>
+                      <a:tailEnd type="none" w="med" len="med"/>
+                    </a:lnL>
+                    <a:lnR w="12700" cap="flat" cmpd="sng" algn="ctr">
+                      <a:solidFill>
+                        <a:schemeClr val="tx1"/>
+                      </a:solidFill>
+                      <a:prstDash val="solid"/>
+                      <a:round/>
+                      <a:headEnd type="none" w="med" len="med"/>
+                      <a:tailEnd type="none" w="med" len="med"/>
+                    </a:lnR>
+                    <a:lnT w="12700" cap="flat" cmpd="sng" algn="ctr">
+                      <a:solidFill>
+                        <a:schemeClr val="tx1"/>
+                      </a:solidFill>
+                      <a:prstDash val="solid"/>
+                      <a:round/>
+                      <a:headEnd type="none" w="med" len="med"/>
+                      <a:tailEnd type="none" w="med" len="med"/>
+                    </a:lnT>
+                    <a:lnB w="12700" cap="flat" cmpd="sng" algn="ctr">
+                      <a:solidFill>
+                        <a:schemeClr val="tx1"/>
+                      </a:solidFill>
+                      <a:prstDash val="solid"/>
+                      <a:round/>
+                      <a:headEnd type="none" w="med" len="med"/>
+                      <a:tailEnd type="none" w="med" len="med"/>
+                    </a:lnB>
+                    <a:solidFill>
+                      <a:schemeClr val="bg2">
+                        <a:lumMod val="90000"/>
+                      </a:schemeClr>
+                    </a:solidFill>
+                  </a:tcPr>
+                </a:tc>
+                <a:tc>
+                  <a:txBody>
+                    <a:bodyPr/>
+                    <a:lstStyle/>
+                    <a:p>
+                      <a:pPr algn="ctr" latinLnBrk="1"/>
+                      <a:r>
+                        <a:rPr lang="ko-KR" altLang="en-US" sz="1600" dirty="0" err="1">
+                          <a:solidFill>
+                            <a:schemeClr val="tx1"/>
+                          </a:solidFill>
+                        </a:rPr>
+                        <a:t>화면명</a:t>
                       </a:r>
                       <a:endParaRPr lang="ko-KR" altLang="en-US" sz="1600" dirty="0">
                         <a:solidFill>
@@ -25269,83 +25408,13 @@
                     <a:p>
                       <a:pPr algn="ctr" latinLnBrk="1"/>
                       <a:r>
-                        <a:rPr lang="ko-KR" altLang="en-US" sz="1600" dirty="0" err="1" smtClean="0">
-                          <a:solidFill>
-                            <a:schemeClr val="tx1"/>
-                          </a:solidFill>
-                        </a:rPr>
-                        <a:t>화면명</a:t>
-                      </a:r>
-                      <a:endParaRPr lang="ko-KR" altLang="en-US" sz="1600" dirty="0">
-                        <a:solidFill>
-                          <a:schemeClr val="tx1"/>
-                        </a:solidFill>
-                      </a:endParaRPr>
-                    </a:p>
-                  </a:txBody>
-                  <a:tcPr>
-                    <a:lnL w="12700" cap="flat" cmpd="sng" algn="ctr">
-                      <a:solidFill>
-                        <a:schemeClr val="tx1"/>
-                      </a:solidFill>
-                      <a:prstDash val="solid"/>
-                      <a:round/>
-                      <a:headEnd type="none" w="med" len="med"/>
-                      <a:tailEnd type="none" w="med" len="med"/>
-                    </a:lnL>
-                    <a:lnR w="12700" cap="flat" cmpd="sng" algn="ctr">
-                      <a:solidFill>
-                        <a:schemeClr val="tx1"/>
-                      </a:solidFill>
-                      <a:prstDash val="solid"/>
-                      <a:round/>
-                      <a:headEnd type="none" w="med" len="med"/>
-                      <a:tailEnd type="none" w="med" len="med"/>
-                    </a:lnR>
-                    <a:lnT w="12700" cap="flat" cmpd="sng" algn="ctr">
-                      <a:solidFill>
-                        <a:schemeClr val="tx1"/>
-                      </a:solidFill>
-                      <a:prstDash val="solid"/>
-                      <a:round/>
-                      <a:headEnd type="none" w="med" len="med"/>
-                      <a:tailEnd type="none" w="med" len="med"/>
-                    </a:lnT>
-                    <a:lnB w="12700" cap="flat" cmpd="sng" algn="ctr">
-                      <a:solidFill>
-                        <a:schemeClr val="tx1"/>
-                      </a:solidFill>
-                      <a:prstDash val="solid"/>
-                      <a:round/>
-                      <a:headEnd type="none" w="med" len="med"/>
-                      <a:tailEnd type="none" w="med" len="med"/>
-                    </a:lnB>
-                    <a:solidFill>
-                      <a:schemeClr val="bg2">
-                        <a:lumMod val="90000"/>
-                      </a:schemeClr>
-                    </a:solidFill>
-                  </a:tcPr>
-                </a:tc>
-                <a:tc>
-                  <a:txBody>
-                    <a:bodyPr/>
-                    <a:lstStyle/>
-                    <a:p>
-                      <a:pPr algn="ctr" latinLnBrk="1"/>
-                      <a:r>
-                        <a:rPr lang="ko-KR" altLang="en-US" sz="1600" dirty="0" smtClean="0">
+                        <a:rPr lang="ko-KR" altLang="en-US" sz="1600" dirty="0">
                           <a:solidFill>
                             <a:schemeClr val="tx1"/>
                           </a:solidFill>
                         </a:rPr>
                         <a:t>작성자</a:t>
                       </a:r>
-                      <a:endParaRPr lang="ko-KR" altLang="en-US" sz="1600" dirty="0">
-                        <a:solidFill>
-                          <a:schemeClr val="tx1"/>
-                        </a:solidFill>
-                      </a:endParaRPr>
                     </a:p>
                   </a:txBody>
                   <a:tcPr>
@@ -25406,7 +25475,7 @@
                     <a:p>
                       <a:pPr algn="ctr" latinLnBrk="1"/>
                       <a:r>
-                        <a:rPr lang="en-US" altLang="ko-KR" sz="1600" dirty="0" smtClean="0">
+                        <a:rPr lang="en-US" altLang="ko-KR" sz="1600" dirty="0">
                           <a:solidFill>
                             <a:schemeClr val="tx1"/>
                           </a:solidFill>
@@ -25467,7 +25536,7 @@
                     <a:p>
                       <a:pPr algn="ctr" latinLnBrk="1"/>
                       <a:r>
-                        <a:rPr lang="en-US" altLang="ko-KR" sz="1600" dirty="0" err="1" smtClean="0">
+                        <a:rPr lang="en-US" altLang="ko-KR" sz="1600" dirty="0" err="1">
                           <a:solidFill>
                             <a:schemeClr val="tx1"/>
                           </a:solidFill>
@@ -25528,7 +25597,7 @@
                     <a:p>
                       <a:pPr algn="ctr" latinLnBrk="1"/>
                       <a:r>
-                        <a:rPr lang="ko-KR" altLang="en-US" sz="1600" dirty="0" smtClean="0">
+                        <a:rPr lang="ko-KR" altLang="en-US" sz="1600" dirty="0">
                           <a:solidFill>
                             <a:schemeClr val="tx1"/>
                           </a:solidFill>
@@ -25536,7 +25605,7 @@
                         <a:t>메인 </a:t>
                       </a:r>
                       <a:r>
-                        <a:rPr lang="en-US" altLang="ko-KR" sz="1600" dirty="0" smtClean="0">
+                        <a:rPr lang="en-US" altLang="ko-KR" sz="1600" dirty="0">
                           <a:solidFill>
                             <a:schemeClr val="tx1"/>
                           </a:solidFill>
@@ -25544,18 +25613,13 @@
                         <a:t>&gt; </a:t>
                       </a:r>
                       <a:r>
-                        <a:rPr lang="ko-KR" altLang="en-US" sz="1600" dirty="0" smtClean="0">
+                        <a:rPr lang="ko-KR" altLang="en-US" sz="1600" dirty="0">
                           <a:solidFill>
                             <a:schemeClr val="tx1"/>
                           </a:solidFill>
                         </a:rPr>
                         <a:t>로그인</a:t>
                       </a:r>
-                      <a:endParaRPr lang="ko-KR" altLang="en-US" sz="1600" dirty="0">
-                        <a:solidFill>
-                          <a:schemeClr val="tx1"/>
-                        </a:solidFill>
-                      </a:endParaRPr>
                     </a:p>
                   </a:txBody>
                   <a:tcPr>
@@ -25605,18 +25669,13 @@
                     <a:p>
                       <a:pPr algn="ctr" latinLnBrk="1"/>
                       <a:r>
-                        <a:rPr lang="ko-KR" altLang="en-US" sz="1600" dirty="0" smtClean="0">
+                        <a:rPr lang="ko-KR" altLang="en-US" sz="1600" dirty="0">
                           <a:solidFill>
                             <a:schemeClr val="tx1"/>
                           </a:solidFill>
                         </a:rPr>
                         <a:t>하 태민</a:t>
                       </a:r>
-                      <a:endParaRPr lang="ko-KR" altLang="en-US" sz="1600" dirty="0">
-                        <a:solidFill>
-                          <a:schemeClr val="tx1"/>
-                        </a:solidFill>
-                      </a:endParaRPr>
                     </a:p>
                   </a:txBody>
                   <a:tcPr>
@@ -25724,7 +25783,7 @@
                     <a:p>
                       <a:pPr algn="ctr" latinLnBrk="1"/>
                       <a:r>
-                        <a:rPr lang="en-US" altLang="ko-KR" sz="1400" dirty="0" smtClean="0">
+                        <a:rPr lang="en-US" altLang="ko-KR" sz="1400" dirty="0">
                           <a:solidFill>
                             <a:schemeClr val="tx1"/>
                           </a:solidFill>
@@ -25797,7 +25856,7 @@
                     <a:p>
                       <a:pPr algn="ctr" latinLnBrk="1"/>
                       <a:r>
-                        <a:rPr lang="en-US" altLang="ko-KR" sz="1400" dirty="0" smtClean="0">
+                        <a:rPr lang="en-US" altLang="ko-KR" sz="1400" dirty="0">
                           <a:solidFill>
                             <a:schemeClr val="tx1"/>
                           </a:solidFill>
@@ -25862,18 +25921,13 @@
                     <a:p>
                       <a:pPr algn="ctr" latinLnBrk="1"/>
                       <a:r>
-                        <a:rPr lang="ko-KR" altLang="en-US" sz="1400" dirty="0" smtClean="0">
+                        <a:rPr lang="ko-KR" altLang="en-US" sz="1400" dirty="0">
                           <a:solidFill>
                             <a:schemeClr val="tx1"/>
                           </a:solidFill>
                         </a:rPr>
                         <a:t>기능</a:t>
                       </a:r>
-                      <a:endParaRPr lang="ko-KR" altLang="en-US" sz="1400" dirty="0">
-                        <a:solidFill>
-                          <a:schemeClr val="tx1"/>
-                        </a:solidFill>
-                      </a:endParaRPr>
                     </a:p>
                   </a:txBody>
                   <a:tcPr>
@@ -25934,7 +25988,7 @@
                     <a:p>
                       <a:pPr algn="ctr" latinLnBrk="1"/>
                       <a:r>
-                        <a:rPr lang="en-US" altLang="ko-KR" sz="1100" dirty="0" smtClean="0">
+                        <a:rPr lang="en-US" altLang="ko-KR" sz="1100" dirty="0">
                           <a:solidFill>
                             <a:schemeClr val="tx1"/>
                           </a:solidFill>
@@ -26051,7 +26105,7 @@
                         <a:buChar char="-"/>
                       </a:pPr>
                       <a:r>
-                        <a:rPr lang="ko-KR" altLang="en-US" sz="1100" dirty="0" smtClean="0">
+                        <a:rPr lang="ko-KR" altLang="en-US" sz="1100" dirty="0">
                           <a:solidFill>
                             <a:schemeClr val="tx1"/>
                           </a:solidFill>
@@ -26059,7 +26113,7 @@
                         <a:t>아이디 입력 </a:t>
                       </a:r>
                       <a:r>
-                        <a:rPr lang="en-US" altLang="ko-KR" sz="1100" dirty="0" smtClean="0">
+                        <a:rPr lang="en-US" altLang="ko-KR" sz="1100" dirty="0">
                           <a:solidFill>
                             <a:schemeClr val="tx1"/>
                           </a:solidFill>
@@ -26067,7 +26121,7 @@
                         <a:t>(</a:t>
                       </a:r>
                       <a:r>
-                        <a:rPr lang="ko-KR" altLang="en-US" sz="1100" dirty="0" smtClean="0">
+                        <a:rPr lang="ko-KR" altLang="en-US" sz="1100" dirty="0">
                           <a:solidFill>
                             <a:schemeClr val="tx1"/>
                           </a:solidFill>
@@ -26075,7 +26129,7 @@
                         <a:t>최소 </a:t>
                       </a:r>
                       <a:r>
-                        <a:rPr lang="en-US" altLang="ko-KR" sz="1100" dirty="0" smtClean="0">
+                        <a:rPr lang="en-US" altLang="ko-KR" sz="1100" dirty="0">
                           <a:solidFill>
                             <a:schemeClr val="tx1"/>
                           </a:solidFill>
@@ -26083,7 +26137,7 @@
                         <a:t>5, </a:t>
                       </a:r>
                       <a:r>
-                        <a:rPr lang="ko-KR" altLang="en-US" sz="1100" dirty="0" smtClean="0">
+                        <a:rPr lang="ko-KR" altLang="en-US" sz="1100" dirty="0">
                           <a:solidFill>
                             <a:schemeClr val="tx1"/>
                           </a:solidFill>
@@ -26091,7 +26145,7 @@
                         <a:t>최대 </a:t>
                       </a:r>
                       <a:r>
-                        <a:rPr lang="en-US" altLang="ko-KR" sz="1100" dirty="0" smtClean="0">
+                        <a:rPr lang="en-US" altLang="ko-KR" sz="1100" dirty="0">
                           <a:solidFill>
                             <a:schemeClr val="tx1"/>
                           </a:solidFill>
@@ -26099,7 +26153,7 @@
                         <a:t>15</a:t>
                       </a:r>
                       <a:r>
-                        <a:rPr lang="ko-KR" altLang="en-US" sz="1100" dirty="0" smtClean="0">
+                        <a:rPr lang="ko-KR" altLang="en-US" sz="1100" dirty="0">
                           <a:solidFill>
                             <a:schemeClr val="tx1"/>
                           </a:solidFill>
@@ -26107,7 +26161,7 @@
                         <a:t>자</a:t>
                       </a:r>
                       <a:r>
-                        <a:rPr lang="en-US" altLang="ko-KR" sz="1100" dirty="0" smtClean="0">
+                        <a:rPr lang="en-US" altLang="ko-KR" sz="1100" dirty="0">
                           <a:solidFill>
                             <a:schemeClr val="tx1"/>
                           </a:solidFill>
@@ -26175,7 +26229,7 @@
                     <a:p>
                       <a:pPr algn="ctr" latinLnBrk="1"/>
                       <a:r>
-                        <a:rPr lang="en-US" altLang="ko-KR" sz="1100" dirty="0" smtClean="0">
+                        <a:rPr lang="en-US" altLang="ko-KR" sz="1100" dirty="0">
                           <a:solidFill>
                             <a:schemeClr val="tx1"/>
                           </a:solidFill>
@@ -26292,7 +26346,7 @@
                         <a:buChar char="-"/>
                       </a:pPr>
                       <a:r>
-                        <a:rPr lang="ko-KR" altLang="en-US" sz="1100" dirty="0" smtClean="0">
+                        <a:rPr lang="ko-KR" altLang="en-US" sz="1100" dirty="0">
                           <a:solidFill>
                             <a:schemeClr val="tx1"/>
                           </a:solidFill>
@@ -26300,7 +26354,7 @@
                         <a:t>비밀번호 입력 </a:t>
                       </a:r>
                       <a:r>
-                        <a:rPr lang="en-US" altLang="ko-KR" sz="1100" dirty="0" smtClean="0">
+                        <a:rPr lang="en-US" altLang="ko-KR" sz="1100" dirty="0">
                           <a:solidFill>
                             <a:schemeClr val="tx1"/>
                           </a:solidFill>
@@ -26308,7 +26362,7 @@
                         <a:t>(</a:t>
                       </a:r>
                       <a:r>
-                        <a:rPr lang="ko-KR" altLang="en-US" sz="1100" dirty="0" smtClean="0">
+                        <a:rPr lang="ko-KR" altLang="en-US" sz="1100" dirty="0">
                           <a:solidFill>
                             <a:schemeClr val="tx1"/>
                           </a:solidFill>
@@ -26316,7 +26370,7 @@
                         <a:t>최소 </a:t>
                       </a:r>
                       <a:r>
-                        <a:rPr lang="en-US" altLang="ko-KR" sz="1100" dirty="0" smtClean="0">
+                        <a:rPr lang="en-US" altLang="ko-KR" sz="1100" dirty="0">
                           <a:solidFill>
                             <a:schemeClr val="tx1"/>
                           </a:solidFill>
@@ -26324,7 +26378,7 @@
                         <a:t>8, </a:t>
                       </a:r>
                       <a:r>
-                        <a:rPr lang="ko-KR" altLang="en-US" sz="1100" dirty="0" smtClean="0">
+                        <a:rPr lang="ko-KR" altLang="en-US" sz="1100" dirty="0">
                           <a:solidFill>
                             <a:schemeClr val="tx1"/>
                           </a:solidFill>
@@ -26332,7 +26386,7 @@
                         <a:t>최대 </a:t>
                       </a:r>
                       <a:r>
-                        <a:rPr lang="en-US" altLang="ko-KR" sz="1100" dirty="0" smtClean="0">
+                        <a:rPr lang="en-US" altLang="ko-KR" sz="1100" dirty="0">
                           <a:solidFill>
                             <a:schemeClr val="tx1"/>
                           </a:solidFill>
@@ -26340,7 +26394,7 @@
                         <a:t>18</a:t>
                       </a:r>
                       <a:r>
-                        <a:rPr lang="ko-KR" altLang="en-US" sz="1100" dirty="0" smtClean="0">
+                        <a:rPr lang="ko-KR" altLang="en-US" sz="1100" dirty="0">
                           <a:solidFill>
                             <a:schemeClr val="tx1"/>
                           </a:solidFill>
@@ -26348,7 +26402,7 @@
                         <a:t>자</a:t>
                       </a:r>
                       <a:r>
-                        <a:rPr lang="en-US" altLang="ko-KR" sz="1100" dirty="0" smtClean="0">
+                        <a:rPr lang="en-US" altLang="ko-KR" sz="1100" dirty="0">
                           <a:solidFill>
                             <a:schemeClr val="tx1"/>
                           </a:solidFill>
@@ -26411,7 +26465,7 @@
                     <a:p>
                       <a:pPr algn="ctr" latinLnBrk="1"/>
                       <a:r>
-                        <a:rPr lang="en-US" altLang="ko-KR" sz="1100" dirty="0" smtClean="0">
+                        <a:rPr lang="en-US" altLang="ko-KR" sz="1100" dirty="0">
                           <a:solidFill>
                             <a:schemeClr val="tx1"/>
                           </a:solidFill>
@@ -26528,7 +26582,7 @@
                         <a:buChar char="-"/>
                       </a:pPr>
                       <a:r>
-                        <a:rPr lang="ko-KR" altLang="en-US" sz="1100" baseline="0" dirty="0" smtClean="0">
+                        <a:rPr lang="ko-KR" altLang="en-US" sz="1100" baseline="0" dirty="0">
                           <a:solidFill>
                             <a:schemeClr val="tx1"/>
                           </a:solidFill>
@@ -26536,7 +26590,7 @@
                         <a:t>클릭 시 다음 로그인 할 때 아이디가 저장됨</a:t>
                       </a:r>
                       <a:r>
-                        <a:rPr lang="en-US" altLang="ko-KR" sz="1100" baseline="0" dirty="0" smtClean="0">
+                        <a:rPr lang="en-US" altLang="ko-KR" sz="1100" baseline="0" dirty="0">
                           <a:solidFill>
                             <a:schemeClr val="tx1"/>
                           </a:solidFill>
@@ -26599,7 +26653,7 @@
                     <a:p>
                       <a:pPr algn="ctr" latinLnBrk="1"/>
                       <a:r>
-                        <a:rPr lang="en-US" altLang="ko-KR" sz="1100" dirty="0" smtClean="0">
+                        <a:rPr lang="en-US" altLang="ko-KR" sz="1100" dirty="0">
                           <a:solidFill>
                             <a:schemeClr val="tx1"/>
                           </a:solidFill>
@@ -26716,7 +26770,7 @@
                         <a:buChar char="-"/>
                       </a:pPr>
                       <a:r>
-                        <a:rPr lang="ko-KR" altLang="en-US" sz="1100" dirty="0" smtClean="0">
+                        <a:rPr lang="ko-KR" altLang="en-US" sz="1100" dirty="0">
                           <a:solidFill>
                             <a:schemeClr val="tx1"/>
                           </a:solidFill>
@@ -26724,7 +26778,7 @@
                         <a:t>입력된 정보가 있는 경우</a:t>
                       </a:r>
                       <a:r>
-                        <a:rPr lang="ko-KR" altLang="en-US" sz="1100" baseline="0" dirty="0" smtClean="0">
+                        <a:rPr lang="ko-KR" altLang="en-US" sz="1100" baseline="0" dirty="0">
                           <a:solidFill>
                             <a:schemeClr val="tx1"/>
                           </a:solidFill>
@@ -26732,7 +26786,7 @@
                         <a:t> 메인 페이지로 이동</a:t>
                       </a:r>
                       <a:r>
-                        <a:rPr lang="en-US" altLang="ko-KR" sz="1100" baseline="0" dirty="0" smtClean="0">
+                        <a:rPr lang="en-US" altLang="ko-KR" sz="1100" baseline="0" dirty="0">
                           <a:solidFill>
                             <a:schemeClr val="tx1"/>
                           </a:solidFill>
@@ -26746,7 +26800,7 @@
                         <a:buNone/>
                       </a:pPr>
                       <a:r>
-                        <a:rPr lang="en-US" altLang="ko-KR" sz="1100" baseline="0" dirty="0" err="1" smtClean="0">
+                        <a:rPr lang="en-US" altLang="ko-KR" sz="1100" baseline="0" dirty="0" err="1">
                           <a:solidFill>
                             <a:schemeClr val="tx1"/>
                           </a:solidFill>
@@ -26754,7 +26808,7 @@
                         <a:t>url</a:t>
                       </a:r>
                       <a:r>
-                        <a:rPr lang="en-US" altLang="ko-KR" sz="1100" baseline="0" dirty="0" smtClean="0">
+                        <a:rPr lang="en-US" altLang="ko-KR" sz="1100" baseline="0" dirty="0">
                           <a:solidFill>
                             <a:schemeClr val="tx1"/>
                           </a:solidFill>
@@ -26817,7 +26871,7 @@
                     <a:p>
                       <a:pPr algn="ctr" latinLnBrk="1"/>
                       <a:r>
-                        <a:rPr lang="en-US" altLang="ko-KR" sz="1100" dirty="0" smtClean="0">
+                        <a:rPr lang="en-US" altLang="ko-KR" sz="1100" dirty="0">
                           <a:solidFill>
                             <a:schemeClr val="tx1"/>
                           </a:solidFill>
@@ -26934,7 +26988,7 @@
                         <a:buChar char="-"/>
                       </a:pPr>
                       <a:r>
-                        <a:rPr lang="ko-KR" altLang="en-US" sz="1100" dirty="0" smtClean="0">
+                        <a:rPr lang="ko-KR" altLang="en-US" sz="1100" dirty="0">
                           <a:solidFill>
                             <a:schemeClr val="tx1"/>
                           </a:solidFill>
@@ -26942,7 +26996,7 @@
                         <a:t>아이디 찾기 페이지로 이동</a:t>
                       </a:r>
                       <a:r>
-                        <a:rPr lang="en-US" altLang="ko-KR" sz="1100" dirty="0" smtClean="0">
+                        <a:rPr lang="en-US" altLang="ko-KR" sz="1100" dirty="0">
                           <a:solidFill>
                             <a:schemeClr val="tx1"/>
                           </a:solidFill>
@@ -26956,7 +27010,7 @@
                         <a:buNone/>
                       </a:pPr>
                       <a:r>
-                        <a:rPr lang="en-US" altLang="ko-KR" sz="1100" dirty="0" err="1" smtClean="0">
+                        <a:rPr lang="en-US" altLang="ko-KR" sz="1100" dirty="0" err="1">
                           <a:solidFill>
                             <a:schemeClr val="tx1"/>
                           </a:solidFill>
@@ -26964,7 +27018,7 @@
                         <a:t>url</a:t>
                       </a:r>
                       <a:r>
-                        <a:rPr lang="en-US" altLang="ko-KR" sz="1100" baseline="0" dirty="0" smtClean="0">
+                        <a:rPr lang="en-US" altLang="ko-KR" sz="1100" baseline="0" dirty="0">
                           <a:solidFill>
                             <a:schemeClr val="tx1"/>
                           </a:solidFill>
@@ -26972,14 +27026,14 @@
                         <a:t> : </a:t>
                       </a:r>
                       <a:r>
-                        <a:rPr lang="en-US" altLang="ko-KR" sz="1100" baseline="0" dirty="0" err="1" smtClean="0">
+                        <a:rPr lang="en-US" altLang="ko-KR" sz="1100" baseline="0" dirty="0" err="1">
                           <a:solidFill>
                             <a:schemeClr val="tx1"/>
                           </a:solidFill>
                         </a:rPr>
                         <a:t>id_find_form</a:t>
                       </a:r>
-                      <a:endParaRPr lang="en-US" altLang="ko-KR" sz="1100" dirty="0" smtClean="0">
+                      <a:endParaRPr lang="en-US" altLang="ko-KR" sz="1100" dirty="0">
                         <a:solidFill>
                           <a:schemeClr val="tx1"/>
                         </a:solidFill>
@@ -27040,7 +27094,7 @@
                     <a:p>
                       <a:pPr algn="ctr" latinLnBrk="1"/>
                       <a:r>
-                        <a:rPr lang="en-US" altLang="ko-KR" sz="1100" dirty="0" smtClean="0">
+                        <a:rPr lang="en-US" altLang="ko-KR" sz="1100" dirty="0">
                           <a:solidFill>
                             <a:schemeClr val="tx1"/>
                           </a:solidFill>
@@ -27157,7 +27211,7 @@
                         <a:buChar char="-"/>
                       </a:pPr>
                       <a:r>
-                        <a:rPr lang="ko-KR" altLang="en-US" sz="1100" dirty="0" smtClean="0">
+                        <a:rPr lang="ko-KR" altLang="en-US" sz="1100" dirty="0">
                           <a:solidFill>
                             <a:schemeClr val="tx1"/>
                           </a:solidFill>
@@ -27165,7 +27219,7 @@
                         <a:t>비밀번호 찾기 페이지로 이동</a:t>
                       </a:r>
                       <a:r>
-                        <a:rPr lang="en-US" altLang="ko-KR" sz="1100" dirty="0" smtClean="0">
+                        <a:rPr lang="en-US" altLang="ko-KR" sz="1100" dirty="0">
                           <a:solidFill>
                             <a:schemeClr val="tx1"/>
                           </a:solidFill>
@@ -27179,7 +27233,7 @@
                         <a:buNone/>
                       </a:pPr>
                       <a:r>
-                        <a:rPr lang="en-US" altLang="ko-KR" sz="1100" dirty="0" err="1" smtClean="0">
+                        <a:rPr lang="en-US" altLang="ko-KR" sz="1100" dirty="0" err="1">
                           <a:solidFill>
                             <a:schemeClr val="tx1"/>
                           </a:solidFill>
@@ -27187,7 +27241,7 @@
                         <a:t>url</a:t>
                       </a:r>
                       <a:r>
-                        <a:rPr lang="en-US" altLang="ko-KR" sz="1100" baseline="0" dirty="0" smtClean="0">
+                        <a:rPr lang="en-US" altLang="ko-KR" sz="1100" baseline="0" dirty="0">
                           <a:solidFill>
                             <a:schemeClr val="tx1"/>
                           </a:solidFill>
@@ -27195,14 +27249,14 @@
                         <a:t> : </a:t>
                       </a:r>
                       <a:r>
-                        <a:rPr lang="en-US" altLang="ko-KR" sz="1100" baseline="0" dirty="0" err="1" smtClean="0">
+                        <a:rPr lang="en-US" altLang="ko-KR" sz="1100" baseline="0" dirty="0" err="1">
                           <a:solidFill>
                             <a:schemeClr val="tx1"/>
                           </a:solidFill>
                         </a:rPr>
                         <a:t>pwd_find_form</a:t>
                       </a:r>
-                      <a:endParaRPr lang="en-US" altLang="ko-KR" sz="1100" dirty="0" smtClean="0">
+                      <a:endParaRPr lang="en-US" altLang="ko-KR" sz="1100" dirty="0">
                         <a:solidFill>
                           <a:schemeClr val="tx1"/>
                         </a:solidFill>
@@ -27263,7 +27317,7 @@
                     <a:p>
                       <a:pPr algn="ctr" latinLnBrk="1"/>
                       <a:r>
-                        <a:rPr lang="en-US" altLang="ko-KR" sz="1100" dirty="0" smtClean="0">
+                        <a:rPr lang="en-US" altLang="ko-KR" sz="1100" dirty="0">
                           <a:solidFill>
                             <a:schemeClr val="tx1"/>
                           </a:solidFill>
@@ -27380,7 +27434,7 @@
                         <a:buChar char="-"/>
                       </a:pPr>
                       <a:r>
-                        <a:rPr lang="ko-KR" altLang="en-US" sz="1100" dirty="0" smtClean="0">
+                        <a:rPr lang="ko-KR" altLang="en-US" sz="1100" dirty="0">
                           <a:solidFill>
                             <a:schemeClr val="tx1"/>
                           </a:solidFill>
@@ -27388,7 +27442,7 @@
                         <a:t>회원가입 페이지로 이동</a:t>
                       </a:r>
                       <a:r>
-                        <a:rPr lang="en-US" altLang="ko-KR" sz="1100" dirty="0" smtClean="0">
+                        <a:rPr lang="en-US" altLang="ko-KR" sz="1100" dirty="0">
                           <a:solidFill>
                             <a:schemeClr val="tx1"/>
                           </a:solidFill>
@@ -27402,7 +27456,7 @@
                         <a:buNone/>
                       </a:pPr>
                       <a:r>
-                        <a:rPr lang="en-US" altLang="ko-KR" sz="1100" dirty="0" err="1" smtClean="0">
+                        <a:rPr lang="en-US" altLang="ko-KR" sz="1100" dirty="0" err="1">
                           <a:solidFill>
                             <a:schemeClr val="tx1"/>
                           </a:solidFill>
@@ -27410,7 +27464,7 @@
                         <a:t>url</a:t>
                       </a:r>
                       <a:r>
-                        <a:rPr lang="en-US" altLang="ko-KR" sz="1100" dirty="0" smtClean="0">
+                        <a:rPr lang="en-US" altLang="ko-KR" sz="1100" dirty="0">
                           <a:solidFill>
                             <a:schemeClr val="tx1"/>
                           </a:solidFill>
@@ -27418,14 +27472,14 @@
                         <a:t> : </a:t>
                       </a:r>
                       <a:r>
-                        <a:rPr lang="en-US" altLang="ko-KR" sz="1100" dirty="0" err="1" smtClean="0">
+                        <a:rPr lang="en-US" altLang="ko-KR" sz="1100" dirty="0" err="1">
                           <a:solidFill>
                             <a:schemeClr val="tx1"/>
                           </a:solidFill>
                         </a:rPr>
                         <a:t>agree_form</a:t>
                       </a:r>
-                      <a:endParaRPr lang="en-US" altLang="ko-KR" sz="1100" dirty="0" smtClean="0">
+                      <a:endParaRPr lang="en-US" altLang="ko-KR" sz="1100" dirty="0">
                         <a:solidFill>
                           <a:schemeClr val="tx1"/>
                         </a:solidFill>
@@ -27522,7 +27576,7 @@
           <a:p>
             <a:pPr algn="ctr"/>
             <a:r>
-              <a:rPr lang="en-US" altLang="ko-KR" dirty="0" smtClean="0"/>
+              <a:rPr lang="en-US" altLang="ko-KR" dirty="0"/>
               <a:t>1</a:t>
             </a:r>
             <a:endParaRPr lang="ko-KR" altLang="en-US" dirty="0"/>
@@ -27616,7 +27670,7 @@
           <a:p>
             <a:pPr algn="ctr"/>
             <a:r>
-              <a:rPr lang="en-US" altLang="ko-KR" dirty="0" smtClean="0"/>
+              <a:rPr lang="en-US" altLang="ko-KR" dirty="0"/>
               <a:t>3</a:t>
             </a:r>
             <a:endParaRPr lang="ko-KR" altLang="en-US" dirty="0"/>
@@ -27710,7 +27764,7 @@
           <a:p>
             <a:pPr algn="ctr"/>
             <a:r>
-              <a:rPr lang="en-US" altLang="ko-KR" dirty="0" smtClean="0"/>
+              <a:rPr lang="en-US" altLang="ko-KR" dirty="0"/>
               <a:t>5</a:t>
             </a:r>
             <a:endParaRPr lang="ko-KR" altLang="en-US" dirty="0"/>
@@ -27804,7 +27858,7 @@
           <a:p>
             <a:pPr algn="ctr"/>
             <a:r>
-              <a:rPr lang="en-US" altLang="ko-KR" dirty="0" smtClean="0"/>
+              <a:rPr lang="en-US" altLang="ko-KR" dirty="0"/>
               <a:t>7</a:t>
             </a:r>
             <a:endParaRPr lang="ko-KR" altLang="en-US" dirty="0"/>
@@ -27821,13 +27875,6 @@
   <p:clrMapOvr>
     <a:masterClrMapping/>
   </p:clrMapOvr>
-  <p:timing>
-    <p:tnLst>
-      <p:par>
-        <p:cTn id="1" dur="indefinite" restart="never" nodeType="tmRoot"/>
-      </p:par>
-    </p:tnLst>
-  </p:timing>
 </p:sld>
 </file>
 
@@ -27945,18 +27992,13 @@
                     <a:p>
                       <a:pPr algn="ctr" latinLnBrk="1"/>
                       <a:r>
-                        <a:rPr lang="ko-KR" altLang="en-US" sz="1600" dirty="0" smtClean="0">
+                        <a:rPr lang="ko-KR" altLang="en-US" sz="1600" dirty="0">
                           <a:solidFill>
                             <a:schemeClr val="tx1"/>
                           </a:solidFill>
                         </a:rPr>
                         <a:t>문서 코드</a:t>
                       </a:r>
-                      <a:endParaRPr lang="ko-KR" altLang="en-US" sz="1600" dirty="0">
-                        <a:solidFill>
-                          <a:schemeClr val="tx1"/>
-                        </a:solidFill>
-                      </a:endParaRPr>
                     </a:p>
                   </a:txBody>
                   <a:tcPr>
@@ -28018,12 +28060,72 @@
                     <a:p>
                       <a:pPr algn="ctr" latinLnBrk="1"/>
                       <a:r>
-                        <a:rPr lang="ko-KR" altLang="en-US" sz="1600" dirty="0" smtClean="0">
+                        <a:rPr lang="ko-KR" altLang="en-US" sz="1600" dirty="0">
                           <a:solidFill>
                             <a:schemeClr val="tx1"/>
                           </a:solidFill>
                         </a:rPr>
                         <a:t>파일명</a:t>
+                      </a:r>
+                    </a:p>
+                  </a:txBody>
+                  <a:tcPr>
+                    <a:lnL w="12700" cap="flat" cmpd="sng" algn="ctr">
+                      <a:solidFill>
+                        <a:schemeClr val="tx1"/>
+                      </a:solidFill>
+                      <a:prstDash val="solid"/>
+                      <a:round/>
+                      <a:headEnd type="none" w="med" len="med"/>
+                      <a:tailEnd type="none" w="med" len="med"/>
+                    </a:lnL>
+                    <a:lnR w="12700" cap="flat" cmpd="sng" algn="ctr">
+                      <a:solidFill>
+                        <a:schemeClr val="tx1"/>
+                      </a:solidFill>
+                      <a:prstDash val="solid"/>
+                      <a:round/>
+                      <a:headEnd type="none" w="med" len="med"/>
+                      <a:tailEnd type="none" w="med" len="med"/>
+                    </a:lnR>
+                    <a:lnT w="12700" cap="flat" cmpd="sng" algn="ctr">
+                      <a:solidFill>
+                        <a:schemeClr val="tx1"/>
+                      </a:solidFill>
+                      <a:prstDash val="solid"/>
+                      <a:round/>
+                      <a:headEnd type="none" w="med" len="med"/>
+                      <a:tailEnd type="none" w="med" len="med"/>
+                    </a:lnT>
+                    <a:lnB w="12700" cap="flat" cmpd="sng" algn="ctr">
+                      <a:solidFill>
+                        <a:schemeClr val="tx1"/>
+                      </a:solidFill>
+                      <a:prstDash val="solid"/>
+                      <a:round/>
+                      <a:headEnd type="none" w="med" len="med"/>
+                      <a:tailEnd type="none" w="med" len="med"/>
+                    </a:lnB>
+                    <a:solidFill>
+                      <a:schemeClr val="bg2">
+                        <a:lumMod val="90000"/>
+                      </a:schemeClr>
+                    </a:solidFill>
+                  </a:tcPr>
+                </a:tc>
+                <a:tc>
+                  <a:txBody>
+                    <a:bodyPr/>
+                    <a:lstStyle/>
+                    <a:p>
+                      <a:pPr algn="ctr" latinLnBrk="1"/>
+                      <a:r>
+                        <a:rPr lang="ko-KR" altLang="en-US" sz="1600" dirty="0" err="1">
+                          <a:solidFill>
+                            <a:schemeClr val="tx1"/>
+                          </a:solidFill>
+                        </a:rPr>
+                        <a:t>화면명</a:t>
                       </a:r>
                       <a:endParaRPr lang="ko-KR" altLang="en-US" sz="1600" dirty="0">
                         <a:solidFill>
@@ -28083,83 +28185,13 @@
                     <a:p>
                       <a:pPr algn="ctr" latinLnBrk="1"/>
                       <a:r>
-                        <a:rPr lang="ko-KR" altLang="en-US" sz="1600" dirty="0" err="1" smtClean="0">
-                          <a:solidFill>
-                            <a:schemeClr val="tx1"/>
-                          </a:solidFill>
-                        </a:rPr>
-                        <a:t>화면명</a:t>
-                      </a:r>
-                      <a:endParaRPr lang="ko-KR" altLang="en-US" sz="1600" dirty="0">
-                        <a:solidFill>
-                          <a:schemeClr val="tx1"/>
-                        </a:solidFill>
-                      </a:endParaRPr>
-                    </a:p>
-                  </a:txBody>
-                  <a:tcPr>
-                    <a:lnL w="12700" cap="flat" cmpd="sng" algn="ctr">
-                      <a:solidFill>
-                        <a:schemeClr val="tx1"/>
-                      </a:solidFill>
-                      <a:prstDash val="solid"/>
-                      <a:round/>
-                      <a:headEnd type="none" w="med" len="med"/>
-                      <a:tailEnd type="none" w="med" len="med"/>
-                    </a:lnL>
-                    <a:lnR w="12700" cap="flat" cmpd="sng" algn="ctr">
-                      <a:solidFill>
-                        <a:schemeClr val="tx1"/>
-                      </a:solidFill>
-                      <a:prstDash val="solid"/>
-                      <a:round/>
-                      <a:headEnd type="none" w="med" len="med"/>
-                      <a:tailEnd type="none" w="med" len="med"/>
-                    </a:lnR>
-                    <a:lnT w="12700" cap="flat" cmpd="sng" algn="ctr">
-                      <a:solidFill>
-                        <a:schemeClr val="tx1"/>
-                      </a:solidFill>
-                      <a:prstDash val="solid"/>
-                      <a:round/>
-                      <a:headEnd type="none" w="med" len="med"/>
-                      <a:tailEnd type="none" w="med" len="med"/>
-                    </a:lnT>
-                    <a:lnB w="12700" cap="flat" cmpd="sng" algn="ctr">
-                      <a:solidFill>
-                        <a:schemeClr val="tx1"/>
-                      </a:solidFill>
-                      <a:prstDash val="solid"/>
-                      <a:round/>
-                      <a:headEnd type="none" w="med" len="med"/>
-                      <a:tailEnd type="none" w="med" len="med"/>
-                    </a:lnB>
-                    <a:solidFill>
-                      <a:schemeClr val="bg2">
-                        <a:lumMod val="90000"/>
-                      </a:schemeClr>
-                    </a:solidFill>
-                  </a:tcPr>
-                </a:tc>
-                <a:tc>
-                  <a:txBody>
-                    <a:bodyPr/>
-                    <a:lstStyle/>
-                    <a:p>
-                      <a:pPr algn="ctr" latinLnBrk="1"/>
-                      <a:r>
-                        <a:rPr lang="ko-KR" altLang="en-US" sz="1600" dirty="0" smtClean="0">
+                        <a:rPr lang="ko-KR" altLang="en-US" sz="1600" dirty="0">
                           <a:solidFill>
                             <a:schemeClr val="tx1"/>
                           </a:solidFill>
                         </a:rPr>
                         <a:t>작성자</a:t>
                       </a:r>
-                      <a:endParaRPr lang="ko-KR" altLang="en-US" sz="1600" dirty="0">
-                        <a:solidFill>
-                          <a:schemeClr val="tx1"/>
-                        </a:solidFill>
-                      </a:endParaRPr>
                     </a:p>
                   </a:txBody>
                   <a:tcPr>
@@ -28220,7 +28252,7 @@
                     <a:p>
                       <a:pPr algn="ctr" latinLnBrk="1"/>
                       <a:r>
-                        <a:rPr lang="en-US" altLang="ko-KR" sz="1600" dirty="0" smtClean="0">
+                        <a:rPr lang="en-US" altLang="ko-KR" sz="1600" dirty="0">
                           <a:solidFill>
                             <a:schemeClr val="tx1"/>
                           </a:solidFill>
@@ -28281,7 +28313,7 @@
                     <a:p>
                       <a:pPr algn="ctr" latinLnBrk="1"/>
                       <a:r>
-                        <a:rPr lang="en-US" altLang="ko-KR" sz="1600" dirty="0" err="1" smtClean="0">
+                        <a:rPr lang="en-US" altLang="ko-KR" sz="1600" dirty="0" err="1">
                           <a:solidFill>
                             <a:schemeClr val="tx1"/>
                           </a:solidFill>
@@ -28342,18 +28374,13 @@
                     <a:p>
                       <a:pPr algn="ctr" latinLnBrk="1"/>
                       <a:r>
-                        <a:rPr lang="ko-KR" altLang="en-US" sz="1600" dirty="0" smtClean="0">
+                        <a:rPr lang="ko-KR" altLang="en-US" sz="1600" dirty="0">
                           <a:solidFill>
                             <a:schemeClr val="tx1"/>
                           </a:solidFill>
                         </a:rPr>
                         <a:t>아이디 찾기 페이지</a:t>
                       </a:r>
-                      <a:endParaRPr lang="ko-KR" altLang="en-US" sz="1600" dirty="0">
-                        <a:solidFill>
-                          <a:schemeClr val="tx1"/>
-                        </a:solidFill>
-                      </a:endParaRPr>
                     </a:p>
                   </a:txBody>
                   <a:tcPr>
@@ -28403,18 +28430,13 @@
                     <a:p>
                       <a:pPr algn="ctr" latinLnBrk="1"/>
                       <a:r>
-                        <a:rPr lang="ko-KR" altLang="en-US" sz="1600" dirty="0" smtClean="0">
+                        <a:rPr lang="ko-KR" altLang="en-US" sz="1600" dirty="0">
                           <a:solidFill>
                             <a:schemeClr val="tx1"/>
                           </a:solidFill>
                         </a:rPr>
                         <a:t>하 태민</a:t>
                       </a:r>
-                      <a:endParaRPr lang="ko-KR" altLang="en-US" sz="1600" dirty="0">
-                        <a:solidFill>
-                          <a:schemeClr val="tx1"/>
-                        </a:solidFill>
-                      </a:endParaRPr>
                     </a:p>
                   </a:txBody>
                   <a:tcPr>
@@ -28522,7 +28544,7 @@
                     <a:p>
                       <a:pPr algn="ctr" latinLnBrk="1"/>
                       <a:r>
-                        <a:rPr lang="en-US" altLang="ko-KR" sz="1400" dirty="0" smtClean="0">
+                        <a:rPr lang="en-US" altLang="ko-KR" sz="1400" dirty="0">
                           <a:solidFill>
                             <a:schemeClr val="tx1"/>
                           </a:solidFill>
@@ -28595,7 +28617,7 @@
                     <a:p>
                       <a:pPr algn="ctr" latinLnBrk="1"/>
                       <a:r>
-                        <a:rPr lang="en-US" altLang="ko-KR" sz="1400" dirty="0" smtClean="0">
+                        <a:rPr lang="en-US" altLang="ko-KR" sz="1400" dirty="0">
                           <a:solidFill>
                             <a:schemeClr val="tx1"/>
                           </a:solidFill>
@@ -28660,18 +28682,13 @@
                     <a:p>
                       <a:pPr algn="ctr" latinLnBrk="1"/>
                       <a:r>
-                        <a:rPr lang="ko-KR" altLang="en-US" sz="1400" dirty="0" smtClean="0">
+                        <a:rPr lang="ko-KR" altLang="en-US" sz="1400" dirty="0">
                           <a:solidFill>
                             <a:schemeClr val="tx1"/>
                           </a:solidFill>
                         </a:rPr>
                         <a:t>기능</a:t>
                       </a:r>
-                      <a:endParaRPr lang="ko-KR" altLang="en-US" sz="1400" dirty="0">
-                        <a:solidFill>
-                          <a:schemeClr val="tx1"/>
-                        </a:solidFill>
-                      </a:endParaRPr>
                     </a:p>
                   </a:txBody>
                   <a:tcPr>
@@ -28732,7 +28749,7 @@
                     <a:p>
                       <a:pPr algn="ctr" latinLnBrk="1"/>
                       <a:r>
-                        <a:rPr lang="en-US" altLang="ko-KR" sz="1100" dirty="0" smtClean="0">
+                        <a:rPr lang="en-US" altLang="ko-KR" sz="1100" dirty="0">
                           <a:solidFill>
                             <a:schemeClr val="tx1"/>
                           </a:solidFill>
@@ -28849,7 +28866,7 @@
                         <a:buChar char="-"/>
                       </a:pPr>
                       <a:r>
-                        <a:rPr lang="ko-KR" altLang="en-US" sz="1100" dirty="0" smtClean="0">
+                        <a:rPr lang="ko-KR" altLang="en-US" sz="1100" dirty="0">
                           <a:solidFill>
                             <a:schemeClr val="tx1"/>
                           </a:solidFill>
@@ -28857,7 +28874,7 @@
                         <a:t>이메일 주소 형식 입력 가능</a:t>
                       </a:r>
                       <a:r>
-                        <a:rPr lang="en-US" altLang="ko-KR" sz="1100" dirty="0" smtClean="0">
+                        <a:rPr lang="en-US" altLang="ko-KR" sz="1100" dirty="0">
                           <a:solidFill>
                             <a:schemeClr val="tx1"/>
                           </a:solidFill>
@@ -28925,7 +28942,7 @@
                     <a:p>
                       <a:pPr algn="ctr" latinLnBrk="1"/>
                       <a:r>
-                        <a:rPr lang="en-US" altLang="ko-KR" sz="1100" dirty="0" smtClean="0">
+                        <a:rPr lang="en-US" altLang="ko-KR" sz="1100" dirty="0">
                           <a:solidFill>
                             <a:schemeClr val="tx1"/>
                           </a:solidFill>
@@ -29042,7 +29059,7 @@
                         <a:buChar char="-"/>
                       </a:pPr>
                       <a:r>
-                        <a:rPr lang="en-US" altLang="ko-KR" sz="1100" dirty="0" smtClean="0">
+                        <a:rPr lang="en-US" altLang="ko-KR" sz="1100" dirty="0">
                           <a:solidFill>
                             <a:schemeClr val="tx1"/>
                           </a:solidFill>
@@ -29050,7 +29067,7 @@
                         <a:t>6</a:t>
                       </a:r>
                       <a:r>
-                        <a:rPr lang="ko-KR" altLang="en-US" sz="1100" dirty="0" smtClean="0">
+                        <a:rPr lang="ko-KR" altLang="en-US" sz="1100" dirty="0">
                           <a:solidFill>
                             <a:schemeClr val="tx1"/>
                           </a:solidFill>
@@ -29058,7 +29075,7 @@
                         <a:t>자리 인증번호 입력</a:t>
                       </a:r>
                       <a:r>
-                        <a:rPr lang="en-US" altLang="ko-KR" sz="1100" dirty="0" smtClean="0">
+                        <a:rPr lang="en-US" altLang="ko-KR" sz="1100" dirty="0">
                           <a:solidFill>
                             <a:schemeClr val="tx1"/>
                           </a:solidFill>
@@ -29121,7 +29138,7 @@
                     <a:p>
                       <a:pPr algn="ctr" latinLnBrk="1"/>
                       <a:r>
-                        <a:rPr lang="en-US" altLang="ko-KR" sz="1100" dirty="0" smtClean="0">
+                        <a:rPr lang="en-US" altLang="ko-KR" sz="1100" dirty="0">
                           <a:solidFill>
                             <a:schemeClr val="tx1"/>
                           </a:solidFill>
@@ -29238,7 +29255,7 @@
                         <a:buChar char="-"/>
                       </a:pPr>
                       <a:r>
-                        <a:rPr lang="ko-KR" altLang="en-US" sz="1100" baseline="0" dirty="0" smtClean="0">
+                        <a:rPr lang="ko-KR" altLang="en-US" sz="1100" baseline="0" dirty="0">
                           <a:solidFill>
                             <a:schemeClr val="tx1"/>
                           </a:solidFill>
@@ -29246,7 +29263,7 @@
                         <a:t>이메일 주소 형식이 맞으면 인증번호를 이메일 전송</a:t>
                       </a:r>
                       <a:r>
-                        <a:rPr lang="en-US" altLang="ko-KR" sz="1100" baseline="0" dirty="0" smtClean="0">
+                        <a:rPr lang="en-US" altLang="ko-KR" sz="1100" baseline="0" dirty="0">
                           <a:solidFill>
                             <a:schemeClr val="tx1"/>
                           </a:solidFill>
@@ -29259,7 +29276,7 @@
                         <a:buFontTx/>
                         <a:buChar char="-"/>
                       </a:pPr>
-                      <a:endParaRPr lang="en-US" altLang="ko-KR" sz="1100" baseline="0" dirty="0" smtClean="0">
+                      <a:endParaRPr lang="en-US" altLang="ko-KR" sz="1100" baseline="0" dirty="0">
                         <a:solidFill>
                           <a:schemeClr val="tx1"/>
                         </a:solidFill>
@@ -29271,7 +29288,7 @@
                         <a:buChar char="-"/>
                       </a:pPr>
                       <a:r>
-                        <a:rPr lang="ko-KR" altLang="en-US" sz="1100" baseline="0" dirty="0" smtClean="0">
+                        <a:rPr lang="ko-KR" altLang="en-US" sz="1100" baseline="0" dirty="0">
                           <a:solidFill>
                             <a:schemeClr val="tx1"/>
                           </a:solidFill>
@@ -29279,7 +29296,7 @@
                         <a:t>이메일 주소 형식이 맞지 않으면 브라우저 기능의 </a:t>
                       </a:r>
                       <a:r>
-                        <a:rPr lang="en-US" altLang="ko-KR" sz="1100" baseline="0" dirty="0" smtClean="0">
+                        <a:rPr lang="en-US" altLang="ko-KR" sz="1100" baseline="0" dirty="0">
                           <a:solidFill>
                             <a:schemeClr val="tx1"/>
                           </a:solidFill>
@@ -29287,7 +29304,7 @@
                         <a:t>alert </a:t>
                       </a:r>
                       <a:r>
-                        <a:rPr lang="ko-KR" altLang="en-US" sz="1100" baseline="0" dirty="0" smtClean="0">
+                        <a:rPr lang="ko-KR" altLang="en-US" sz="1100" baseline="0" dirty="0">
                           <a:solidFill>
                             <a:schemeClr val="tx1"/>
                           </a:solidFill>
@@ -29295,7 +29312,7 @@
                         <a:t>표시</a:t>
                       </a:r>
                       <a:r>
-                        <a:rPr lang="en-US" altLang="ko-KR" sz="1100" baseline="0" dirty="0" smtClean="0">
+                        <a:rPr lang="en-US" altLang="ko-KR" sz="1100" baseline="0" dirty="0">
                           <a:solidFill>
                             <a:schemeClr val="tx1"/>
                           </a:solidFill>
@@ -29358,7 +29375,7 @@
                     <a:p>
                       <a:pPr algn="ctr" latinLnBrk="1"/>
                       <a:r>
-                        <a:rPr lang="en-US" altLang="ko-KR" sz="1100" dirty="0" smtClean="0">
+                        <a:rPr lang="en-US" altLang="ko-KR" sz="1100" dirty="0">
                           <a:solidFill>
                             <a:schemeClr val="tx1"/>
                           </a:solidFill>
@@ -29475,7 +29492,7 @@
                         <a:buChar char="-"/>
                       </a:pPr>
                       <a:r>
-                        <a:rPr lang="ko-KR" altLang="en-US" sz="1100" dirty="0" smtClean="0">
+                        <a:rPr lang="ko-KR" altLang="en-US" sz="1100" dirty="0">
                           <a:solidFill>
                             <a:schemeClr val="tx1"/>
                           </a:solidFill>
@@ -29483,7 +29500,7 @@
                         <a:t>인증번호가 맞으면 아이디를 알려주는 페이지로 이동</a:t>
                       </a:r>
                       <a:r>
-                        <a:rPr lang="en-US" altLang="ko-KR" sz="1100" dirty="0" smtClean="0">
+                        <a:rPr lang="en-US" altLang="ko-KR" sz="1100" dirty="0">
                           <a:solidFill>
                             <a:schemeClr val="tx1"/>
                           </a:solidFill>
@@ -29496,7 +29513,7 @@
                         <a:buFontTx/>
                         <a:buChar char="-"/>
                       </a:pPr>
-                      <a:endParaRPr lang="en-US" altLang="ko-KR" sz="1100" dirty="0" smtClean="0">
+                      <a:endParaRPr lang="en-US" altLang="ko-KR" sz="1100" dirty="0">
                         <a:solidFill>
                           <a:schemeClr val="tx1"/>
                         </a:solidFill>
@@ -29508,7 +29525,7 @@
                         <a:buChar char="-"/>
                       </a:pPr>
                       <a:r>
-                        <a:rPr lang="ko-KR" altLang="en-US" sz="1100" dirty="0" smtClean="0">
+                        <a:rPr lang="ko-KR" altLang="en-US" sz="1100" dirty="0">
                           <a:solidFill>
                             <a:schemeClr val="tx1"/>
                           </a:solidFill>
@@ -29516,7 +29533,7 @@
                         <a:t>인증번호가 맞지 않으면 </a:t>
                       </a:r>
                       <a:r>
-                        <a:rPr lang="en-US" altLang="ko-KR" sz="1100" dirty="0" smtClean="0">
+                        <a:rPr lang="en-US" altLang="ko-KR" sz="1100" dirty="0">
                           <a:solidFill>
                             <a:schemeClr val="tx1"/>
                           </a:solidFill>
@@ -29524,7 +29541,7 @@
                         <a:t>alert </a:t>
                       </a:r>
                       <a:r>
-                        <a:rPr lang="ko-KR" altLang="en-US" sz="1100" dirty="0" smtClean="0">
+                        <a:rPr lang="ko-KR" altLang="en-US" sz="1100" dirty="0">
                           <a:solidFill>
                             <a:schemeClr val="tx1"/>
                           </a:solidFill>
@@ -29532,7 +29549,7 @@
                         <a:t>팝업으로 안내</a:t>
                       </a:r>
                       <a:r>
-                        <a:rPr lang="en-US" altLang="ko-KR" sz="1100" dirty="0" smtClean="0">
+                        <a:rPr lang="en-US" altLang="ko-KR" sz="1100" dirty="0">
                           <a:solidFill>
                             <a:schemeClr val="tx1"/>
                           </a:solidFill>
@@ -29595,7 +29612,7 @@
                     <a:p>
                       <a:pPr algn="ctr" latinLnBrk="1"/>
                       <a:r>
-                        <a:rPr lang="en-US" altLang="ko-KR" sz="1100" dirty="0" smtClean="0">
+                        <a:rPr lang="en-US" altLang="ko-KR" sz="1100" dirty="0">
                           <a:solidFill>
                             <a:schemeClr val="tx1"/>
                           </a:solidFill>
@@ -29712,7 +29729,7 @@
                         <a:buChar char="-"/>
                       </a:pPr>
                       <a:r>
-                        <a:rPr lang="ko-KR" altLang="en-US" sz="1100" dirty="0" smtClean="0">
+                        <a:rPr lang="ko-KR" altLang="en-US" sz="1100" dirty="0">
                           <a:solidFill>
                             <a:schemeClr val="tx1"/>
                           </a:solidFill>
@@ -29720,7 +29737,7 @@
                         <a:t>메인 페이지로 이동</a:t>
                       </a:r>
                       <a:r>
-                        <a:rPr lang="en-US" altLang="ko-KR" sz="1100" dirty="0" smtClean="0">
+                        <a:rPr lang="en-US" altLang="ko-KR" sz="1100" dirty="0">
                           <a:solidFill>
                             <a:schemeClr val="tx1"/>
                           </a:solidFill>
@@ -29747,7 +29764,7 @@
                         <a:defRPr/>
                       </a:pPr>
                       <a:r>
-                        <a:rPr lang="en-US" altLang="ko-KR" sz="1100" dirty="0" err="1" smtClean="0">
+                        <a:rPr lang="en-US" altLang="ko-KR" sz="1100" dirty="0" err="1">
                           <a:solidFill>
                             <a:schemeClr val="tx1"/>
                           </a:solidFill>
@@ -29755,14 +29772,14 @@
                         <a:t>url</a:t>
                       </a:r>
                       <a:r>
-                        <a:rPr lang="en-US" altLang="ko-KR" sz="1100" dirty="0" smtClean="0">
+                        <a:rPr lang="en-US" altLang="ko-KR" sz="1100" dirty="0">
                           <a:solidFill>
                             <a:schemeClr val="tx1"/>
                           </a:solidFill>
                         </a:rPr>
                         <a:t> : index</a:t>
                       </a:r>
-                      <a:endParaRPr lang="ko-KR" altLang="en-US" sz="1100" dirty="0" smtClean="0">
+                      <a:endParaRPr lang="ko-KR" altLang="en-US" sz="1100" dirty="0">
                         <a:solidFill>
                           <a:schemeClr val="tx1"/>
                         </a:solidFill>
@@ -29859,7 +29876,7 @@
           <a:p>
             <a:pPr algn="ctr"/>
             <a:r>
-              <a:rPr lang="en-US" altLang="ko-KR" dirty="0" smtClean="0"/>
+              <a:rPr lang="en-US" altLang="ko-KR" dirty="0"/>
               <a:t>1</a:t>
             </a:r>
             <a:endParaRPr lang="ko-KR" altLang="en-US" dirty="0"/>
@@ -29953,7 +29970,7 @@
           <a:p>
             <a:pPr algn="ctr"/>
             <a:r>
-              <a:rPr lang="en-US" altLang="ko-KR" dirty="0" smtClean="0"/>
+              <a:rPr lang="en-US" altLang="ko-KR" dirty="0"/>
               <a:t>3</a:t>
             </a:r>
             <a:endParaRPr lang="ko-KR" altLang="en-US" dirty="0"/>
@@ -30047,7 +30064,7 @@
           <a:p>
             <a:pPr algn="ctr"/>
             <a:r>
-              <a:rPr lang="en-US" altLang="ko-KR" dirty="0" smtClean="0"/>
+              <a:rPr lang="en-US" altLang="ko-KR" dirty="0"/>
               <a:t>5</a:t>
             </a:r>
             <a:endParaRPr lang="ko-KR" altLang="en-US" dirty="0"/>
@@ -30064,13 +30081,6 @@
   <p:clrMapOvr>
     <a:masterClrMapping/>
   </p:clrMapOvr>
-  <p:timing>
-    <p:tnLst>
-      <p:par>
-        <p:cTn id="1" dur="indefinite" restart="never" nodeType="tmRoot"/>
-      </p:par>
-    </p:tnLst>
-  </p:timing>
 </p:sld>
 </file>
 
@@ -30188,18 +30198,13 @@
                     <a:p>
                       <a:pPr algn="ctr" latinLnBrk="1"/>
                       <a:r>
-                        <a:rPr lang="ko-KR" altLang="en-US" sz="1600" dirty="0" smtClean="0">
+                        <a:rPr lang="ko-KR" altLang="en-US" sz="1600" dirty="0">
                           <a:solidFill>
                             <a:schemeClr val="tx1"/>
                           </a:solidFill>
                         </a:rPr>
                         <a:t>문서 코드</a:t>
                       </a:r>
-                      <a:endParaRPr lang="ko-KR" altLang="en-US" sz="1600" dirty="0">
-                        <a:solidFill>
-                          <a:schemeClr val="tx1"/>
-                        </a:solidFill>
-                      </a:endParaRPr>
                     </a:p>
                   </a:txBody>
                   <a:tcPr>
@@ -30261,12 +30266,72 @@
                     <a:p>
                       <a:pPr algn="ctr" latinLnBrk="1"/>
                       <a:r>
-                        <a:rPr lang="ko-KR" altLang="en-US" sz="1600" dirty="0" smtClean="0">
+                        <a:rPr lang="ko-KR" altLang="en-US" sz="1600" dirty="0">
                           <a:solidFill>
                             <a:schemeClr val="tx1"/>
                           </a:solidFill>
                         </a:rPr>
                         <a:t>파일명</a:t>
+                      </a:r>
+                    </a:p>
+                  </a:txBody>
+                  <a:tcPr>
+                    <a:lnL w="12700" cap="flat" cmpd="sng" algn="ctr">
+                      <a:solidFill>
+                        <a:schemeClr val="tx1"/>
+                      </a:solidFill>
+                      <a:prstDash val="solid"/>
+                      <a:round/>
+                      <a:headEnd type="none" w="med" len="med"/>
+                      <a:tailEnd type="none" w="med" len="med"/>
+                    </a:lnL>
+                    <a:lnR w="12700" cap="flat" cmpd="sng" algn="ctr">
+                      <a:solidFill>
+                        <a:schemeClr val="tx1"/>
+                      </a:solidFill>
+                      <a:prstDash val="solid"/>
+                      <a:round/>
+                      <a:headEnd type="none" w="med" len="med"/>
+                      <a:tailEnd type="none" w="med" len="med"/>
+                    </a:lnR>
+                    <a:lnT w="12700" cap="flat" cmpd="sng" algn="ctr">
+                      <a:solidFill>
+                        <a:schemeClr val="tx1"/>
+                      </a:solidFill>
+                      <a:prstDash val="solid"/>
+                      <a:round/>
+                      <a:headEnd type="none" w="med" len="med"/>
+                      <a:tailEnd type="none" w="med" len="med"/>
+                    </a:lnT>
+                    <a:lnB w="12700" cap="flat" cmpd="sng" algn="ctr">
+                      <a:solidFill>
+                        <a:schemeClr val="tx1"/>
+                      </a:solidFill>
+                      <a:prstDash val="solid"/>
+                      <a:round/>
+                      <a:headEnd type="none" w="med" len="med"/>
+                      <a:tailEnd type="none" w="med" len="med"/>
+                    </a:lnB>
+                    <a:solidFill>
+                      <a:schemeClr val="bg2">
+                        <a:lumMod val="90000"/>
+                      </a:schemeClr>
+                    </a:solidFill>
+                  </a:tcPr>
+                </a:tc>
+                <a:tc>
+                  <a:txBody>
+                    <a:bodyPr/>
+                    <a:lstStyle/>
+                    <a:p>
+                      <a:pPr algn="ctr" latinLnBrk="1"/>
+                      <a:r>
+                        <a:rPr lang="ko-KR" altLang="en-US" sz="1600" dirty="0" err="1">
+                          <a:solidFill>
+                            <a:schemeClr val="tx1"/>
+                          </a:solidFill>
+                        </a:rPr>
+                        <a:t>화면명</a:t>
                       </a:r>
                       <a:endParaRPr lang="ko-KR" altLang="en-US" sz="1600" dirty="0">
                         <a:solidFill>
@@ -30326,83 +30391,13 @@
                     <a:p>
                       <a:pPr algn="ctr" latinLnBrk="1"/>
                       <a:r>
-                        <a:rPr lang="ko-KR" altLang="en-US" sz="1600" dirty="0" err="1" smtClean="0">
-                          <a:solidFill>
-                            <a:schemeClr val="tx1"/>
-                          </a:solidFill>
-                        </a:rPr>
-                        <a:t>화면명</a:t>
-                      </a:r>
-                      <a:endParaRPr lang="ko-KR" altLang="en-US" sz="1600" dirty="0">
-                        <a:solidFill>
-                          <a:schemeClr val="tx1"/>
-                        </a:solidFill>
-                      </a:endParaRPr>
-                    </a:p>
-                  </a:txBody>
-                  <a:tcPr>
-                    <a:lnL w="12700" cap="flat" cmpd="sng" algn="ctr">
-                      <a:solidFill>
-                        <a:schemeClr val="tx1"/>
-                      </a:solidFill>
-                      <a:prstDash val="solid"/>
-                      <a:round/>
-                      <a:headEnd type="none" w="med" len="med"/>
-                      <a:tailEnd type="none" w="med" len="med"/>
-                    </a:lnL>
-                    <a:lnR w="12700" cap="flat" cmpd="sng" algn="ctr">
-                      <a:solidFill>
-                        <a:schemeClr val="tx1"/>
-                      </a:solidFill>
-                      <a:prstDash val="solid"/>
-                      <a:round/>
-                      <a:headEnd type="none" w="med" len="med"/>
-                      <a:tailEnd type="none" w="med" len="med"/>
-                    </a:lnR>
-                    <a:lnT w="12700" cap="flat" cmpd="sng" algn="ctr">
-                      <a:solidFill>
-                        <a:schemeClr val="tx1"/>
-                      </a:solidFill>
-                      <a:prstDash val="solid"/>
-                      <a:round/>
-                      <a:headEnd type="none" w="med" len="med"/>
-                      <a:tailEnd type="none" w="med" len="med"/>
-                    </a:lnT>
-                    <a:lnB w="12700" cap="flat" cmpd="sng" algn="ctr">
-                      <a:solidFill>
-                        <a:schemeClr val="tx1"/>
-                      </a:solidFill>
-                      <a:prstDash val="solid"/>
-                      <a:round/>
-                      <a:headEnd type="none" w="med" len="med"/>
-                      <a:tailEnd type="none" w="med" len="med"/>
-                    </a:lnB>
-                    <a:solidFill>
-                      <a:schemeClr val="bg2">
-                        <a:lumMod val="90000"/>
-                      </a:schemeClr>
-                    </a:solidFill>
-                  </a:tcPr>
-                </a:tc>
-                <a:tc>
-                  <a:txBody>
-                    <a:bodyPr/>
-                    <a:lstStyle/>
-                    <a:p>
-                      <a:pPr algn="ctr" latinLnBrk="1"/>
-                      <a:r>
-                        <a:rPr lang="ko-KR" altLang="en-US" sz="1600" dirty="0" smtClean="0">
+                        <a:rPr lang="ko-KR" altLang="en-US" sz="1600" dirty="0">
                           <a:solidFill>
                             <a:schemeClr val="tx1"/>
                           </a:solidFill>
                         </a:rPr>
                         <a:t>작성자</a:t>
                       </a:r>
-                      <a:endParaRPr lang="ko-KR" altLang="en-US" sz="1600" dirty="0">
-                        <a:solidFill>
-                          <a:schemeClr val="tx1"/>
-                        </a:solidFill>
-                      </a:endParaRPr>
                     </a:p>
                   </a:txBody>
                   <a:tcPr>
@@ -30463,7 +30458,7 @@
                     <a:p>
                       <a:pPr algn="ctr" latinLnBrk="1"/>
                       <a:r>
-                        <a:rPr lang="en-US" altLang="ko-KR" sz="1600" dirty="0" smtClean="0">
+                        <a:rPr lang="en-US" altLang="ko-KR" sz="1600" dirty="0">
                           <a:solidFill>
                             <a:schemeClr val="tx1"/>
                           </a:solidFill>
@@ -30524,7 +30519,7 @@
                     <a:p>
                       <a:pPr algn="ctr" latinLnBrk="1"/>
                       <a:r>
-                        <a:rPr lang="en-US" altLang="ko-KR" sz="1600" dirty="0" err="1" smtClean="0">
+                        <a:rPr lang="en-US" altLang="ko-KR" sz="1600" dirty="0" err="1">
                           <a:solidFill>
                             <a:schemeClr val="tx1"/>
                           </a:solidFill>
@@ -30585,18 +30580,13 @@
                     <a:p>
                       <a:pPr algn="ctr" latinLnBrk="1"/>
                       <a:r>
-                        <a:rPr lang="ko-KR" altLang="en-US" sz="1600" dirty="0" smtClean="0">
+                        <a:rPr lang="ko-KR" altLang="en-US" sz="1600" dirty="0">
                           <a:solidFill>
                             <a:schemeClr val="tx1"/>
                           </a:solidFill>
                         </a:rPr>
                         <a:t>비밀번호 찾기 페이지</a:t>
                       </a:r>
-                      <a:endParaRPr lang="ko-KR" altLang="en-US" sz="1600" dirty="0">
-                        <a:solidFill>
-                          <a:schemeClr val="tx1"/>
-                        </a:solidFill>
-                      </a:endParaRPr>
                     </a:p>
                   </a:txBody>
                   <a:tcPr>
@@ -30646,18 +30636,13 @@
                     <a:p>
                       <a:pPr algn="ctr" latinLnBrk="1"/>
                       <a:r>
-                        <a:rPr lang="ko-KR" altLang="en-US" sz="1600" dirty="0" smtClean="0">
+                        <a:rPr lang="ko-KR" altLang="en-US" sz="1600" dirty="0">
                           <a:solidFill>
                             <a:schemeClr val="tx1"/>
                           </a:solidFill>
                         </a:rPr>
                         <a:t>하 태민</a:t>
                       </a:r>
-                      <a:endParaRPr lang="ko-KR" altLang="en-US" sz="1600" dirty="0">
-                        <a:solidFill>
-                          <a:schemeClr val="tx1"/>
-                        </a:solidFill>
-                      </a:endParaRPr>
                     </a:p>
                   </a:txBody>
                   <a:tcPr>
@@ -30765,7 +30750,7 @@
                     <a:p>
                       <a:pPr algn="ctr" latinLnBrk="1"/>
                       <a:r>
-                        <a:rPr lang="en-US" altLang="ko-KR" sz="1400" dirty="0" smtClean="0">
+                        <a:rPr lang="en-US" altLang="ko-KR" sz="1400" dirty="0">
                           <a:solidFill>
                             <a:schemeClr val="tx1"/>
                           </a:solidFill>
@@ -30838,7 +30823,7 @@
                     <a:p>
                       <a:pPr algn="ctr" latinLnBrk="1"/>
                       <a:r>
-                        <a:rPr lang="en-US" altLang="ko-KR" sz="1400" dirty="0" smtClean="0">
+                        <a:rPr lang="en-US" altLang="ko-KR" sz="1400" dirty="0">
                           <a:solidFill>
                             <a:schemeClr val="tx1"/>
                           </a:solidFill>
@@ -30903,18 +30888,13 @@
                     <a:p>
                       <a:pPr algn="ctr" latinLnBrk="1"/>
                       <a:r>
-                        <a:rPr lang="ko-KR" altLang="en-US" sz="1400" dirty="0" smtClean="0">
+                        <a:rPr lang="ko-KR" altLang="en-US" sz="1400" dirty="0">
                           <a:solidFill>
                             <a:schemeClr val="tx1"/>
                           </a:solidFill>
                         </a:rPr>
                         <a:t>기능</a:t>
                       </a:r>
-                      <a:endParaRPr lang="ko-KR" altLang="en-US" sz="1400" dirty="0">
-                        <a:solidFill>
-                          <a:schemeClr val="tx1"/>
-                        </a:solidFill>
-                      </a:endParaRPr>
                     </a:p>
                   </a:txBody>
                   <a:tcPr>
@@ -30975,7 +30955,7 @@
                     <a:p>
                       <a:pPr algn="ctr" latinLnBrk="1"/>
                       <a:r>
-                        <a:rPr lang="en-US" altLang="ko-KR" sz="1100" dirty="0" smtClean="0">
+                        <a:rPr lang="en-US" altLang="ko-KR" sz="1100" dirty="0">
                           <a:solidFill>
                             <a:schemeClr val="tx1"/>
                           </a:solidFill>
@@ -31092,7 +31072,7 @@
                         <a:buChar char="-"/>
                       </a:pPr>
                       <a:r>
-                        <a:rPr lang="ko-KR" altLang="en-US" sz="1100" dirty="0" smtClean="0">
+                        <a:rPr lang="ko-KR" altLang="en-US" sz="1100" dirty="0">
                           <a:solidFill>
                             <a:schemeClr val="tx1"/>
                           </a:solidFill>
@@ -31100,7 +31080,7 @@
                         <a:t>아이디 형식 입력 가능</a:t>
                       </a:r>
                       <a:r>
-                        <a:rPr lang="en-US" altLang="ko-KR" sz="1100" dirty="0" smtClean="0">
+                        <a:rPr lang="en-US" altLang="ko-KR" sz="1100" dirty="0">
                           <a:solidFill>
                             <a:schemeClr val="tx1"/>
                           </a:solidFill>
@@ -31168,7 +31148,7 @@
                     <a:p>
                       <a:pPr algn="ctr" latinLnBrk="1"/>
                       <a:r>
-                        <a:rPr lang="en-US" altLang="ko-KR" sz="1100" dirty="0" smtClean="0">
+                        <a:rPr lang="en-US" altLang="ko-KR" sz="1100" dirty="0">
                           <a:solidFill>
                             <a:schemeClr val="tx1"/>
                           </a:solidFill>
@@ -31285,7 +31265,7 @@
                         <a:buChar char="-"/>
                       </a:pPr>
                       <a:r>
-                        <a:rPr lang="ko-KR" altLang="en-US" sz="1100" dirty="0" smtClean="0">
+                        <a:rPr lang="ko-KR" altLang="en-US" sz="1100" dirty="0">
                           <a:solidFill>
                             <a:schemeClr val="tx1"/>
                           </a:solidFill>
@@ -31293,7 +31273,7 @@
                         <a:t>이메일 주소 형식 입력 가능</a:t>
                       </a:r>
                       <a:r>
-                        <a:rPr lang="en-US" altLang="ko-KR" sz="1100" dirty="0" smtClean="0">
+                        <a:rPr lang="en-US" altLang="ko-KR" sz="1100" dirty="0">
                           <a:solidFill>
                             <a:schemeClr val="tx1"/>
                           </a:solidFill>
@@ -31361,7 +31341,7 @@
                     <a:p>
                       <a:pPr algn="ctr" latinLnBrk="1"/>
                       <a:r>
-                        <a:rPr lang="en-US" altLang="ko-KR" sz="1100" dirty="0" smtClean="0">
+                        <a:rPr lang="en-US" altLang="ko-KR" sz="1100" dirty="0">
                           <a:solidFill>
                             <a:schemeClr val="tx1"/>
                           </a:solidFill>
@@ -31478,7 +31458,7 @@
                         <a:buChar char="-"/>
                       </a:pPr>
                       <a:r>
-                        <a:rPr lang="en-US" altLang="ko-KR" sz="1100" dirty="0" smtClean="0">
+                        <a:rPr lang="en-US" altLang="ko-KR" sz="1100" dirty="0">
                           <a:solidFill>
                             <a:schemeClr val="tx1"/>
                           </a:solidFill>
@@ -31486,7 +31466,7 @@
                         <a:t>6</a:t>
                       </a:r>
                       <a:r>
-                        <a:rPr lang="ko-KR" altLang="en-US" sz="1100" dirty="0" smtClean="0">
+                        <a:rPr lang="ko-KR" altLang="en-US" sz="1100" dirty="0">
                           <a:solidFill>
                             <a:schemeClr val="tx1"/>
                           </a:solidFill>
@@ -31494,7 +31474,7 @@
                         <a:t>자리 인증번호 입력</a:t>
                       </a:r>
                       <a:r>
-                        <a:rPr lang="en-US" altLang="ko-KR" sz="1100" dirty="0" smtClean="0">
+                        <a:rPr lang="en-US" altLang="ko-KR" sz="1100" dirty="0">
                           <a:solidFill>
                             <a:schemeClr val="tx1"/>
                           </a:solidFill>
@@ -31557,7 +31537,7 @@
                     <a:p>
                       <a:pPr algn="ctr" latinLnBrk="1"/>
                       <a:r>
-                        <a:rPr lang="en-US" altLang="ko-KR" sz="1100" dirty="0" smtClean="0">
+                        <a:rPr lang="en-US" altLang="ko-KR" sz="1100" dirty="0">
                           <a:solidFill>
                             <a:schemeClr val="tx1"/>
                           </a:solidFill>
@@ -31674,7 +31654,7 @@
                         <a:buChar char="-"/>
                       </a:pPr>
                       <a:r>
-                        <a:rPr lang="ko-KR" altLang="en-US" sz="1100" baseline="0" dirty="0" smtClean="0">
+                        <a:rPr lang="ko-KR" altLang="en-US" sz="1100" baseline="0" dirty="0">
                           <a:solidFill>
                             <a:schemeClr val="tx1"/>
                           </a:solidFill>
@@ -31682,7 +31662,7 @@
                         <a:t>아이디와 이메일 주소 형식이 맞으면 인증번호를 이메일 전송</a:t>
                       </a:r>
                       <a:r>
-                        <a:rPr lang="en-US" altLang="ko-KR" sz="1100" baseline="0" dirty="0" smtClean="0">
+                        <a:rPr lang="en-US" altLang="ko-KR" sz="1100" baseline="0" dirty="0">
                           <a:solidFill>
                             <a:schemeClr val="tx1"/>
                           </a:solidFill>
@@ -31695,7 +31675,7 @@
                         <a:buFontTx/>
                         <a:buChar char="-"/>
                       </a:pPr>
-                      <a:endParaRPr lang="en-US" altLang="ko-KR" sz="1100" baseline="0" dirty="0" smtClean="0">
+                      <a:endParaRPr lang="en-US" altLang="ko-KR" sz="1100" baseline="0" dirty="0">
                         <a:solidFill>
                           <a:schemeClr val="tx1"/>
                         </a:solidFill>
@@ -31707,7 +31687,7 @@
                         <a:buChar char="-"/>
                       </a:pPr>
                       <a:r>
-                        <a:rPr lang="ko-KR" altLang="en-US" sz="1100" baseline="0" dirty="0" smtClean="0">
+                        <a:rPr lang="ko-KR" altLang="en-US" sz="1100" baseline="0" dirty="0">
                           <a:solidFill>
                             <a:schemeClr val="tx1"/>
                           </a:solidFill>
@@ -31715,7 +31695,7 @@
                         <a:t>아이디와 이메일 주소 형식이 맞지 않으면 브라우저 기능의 </a:t>
                       </a:r>
                       <a:r>
-                        <a:rPr lang="en-US" altLang="ko-KR" sz="1100" baseline="0" dirty="0" smtClean="0">
+                        <a:rPr lang="en-US" altLang="ko-KR" sz="1100" baseline="0" dirty="0">
                           <a:solidFill>
                             <a:schemeClr val="tx1"/>
                           </a:solidFill>
@@ -31723,7 +31703,7 @@
                         <a:t>alert </a:t>
                       </a:r>
                       <a:r>
-                        <a:rPr lang="ko-KR" altLang="en-US" sz="1100" baseline="0" dirty="0" smtClean="0">
+                        <a:rPr lang="ko-KR" altLang="en-US" sz="1100" baseline="0" dirty="0">
                           <a:solidFill>
                             <a:schemeClr val="tx1"/>
                           </a:solidFill>
@@ -31731,7 +31711,7 @@
                         <a:t>표시</a:t>
                       </a:r>
                       <a:r>
-                        <a:rPr lang="en-US" altLang="ko-KR" sz="1100" baseline="0" dirty="0" smtClean="0">
+                        <a:rPr lang="en-US" altLang="ko-KR" sz="1100" baseline="0" dirty="0">
                           <a:solidFill>
                             <a:schemeClr val="tx1"/>
                           </a:solidFill>
@@ -31794,7 +31774,7 @@
                     <a:p>
                       <a:pPr algn="ctr" latinLnBrk="1"/>
                       <a:r>
-                        <a:rPr lang="en-US" altLang="ko-KR" sz="1100" dirty="0" smtClean="0">
+                        <a:rPr lang="en-US" altLang="ko-KR" sz="1100" dirty="0">
                           <a:solidFill>
                             <a:schemeClr val="tx1"/>
                           </a:solidFill>
@@ -31911,7 +31891,7 @@
                         <a:buChar char="-"/>
                       </a:pPr>
                       <a:r>
-                        <a:rPr lang="ko-KR" altLang="en-US" sz="1100" dirty="0" smtClean="0">
+                        <a:rPr lang="ko-KR" altLang="en-US" sz="1100" dirty="0">
                           <a:solidFill>
                             <a:schemeClr val="tx1"/>
                           </a:solidFill>
@@ -31919,7 +31899,7 @@
                         <a:t>인증번호가 맞으면 패스워드 변경 페이지로 이동</a:t>
                       </a:r>
                       <a:r>
-                        <a:rPr lang="en-US" altLang="ko-KR" sz="1100" dirty="0" smtClean="0">
+                        <a:rPr lang="en-US" altLang="ko-KR" sz="1100" dirty="0">
                           <a:solidFill>
                             <a:schemeClr val="tx1"/>
                           </a:solidFill>
@@ -31932,7 +31912,7 @@
                         <a:buFontTx/>
                         <a:buChar char="-"/>
                       </a:pPr>
-                      <a:endParaRPr lang="en-US" altLang="ko-KR" sz="1100" dirty="0" smtClean="0">
+                      <a:endParaRPr lang="en-US" altLang="ko-KR" sz="1100" dirty="0">
                         <a:solidFill>
                           <a:schemeClr val="tx1"/>
                         </a:solidFill>
@@ -31944,7 +31924,7 @@
                         <a:buChar char="-"/>
                       </a:pPr>
                       <a:r>
-                        <a:rPr lang="ko-KR" altLang="en-US" sz="1100" dirty="0" smtClean="0">
+                        <a:rPr lang="ko-KR" altLang="en-US" sz="1100" dirty="0">
                           <a:solidFill>
                             <a:schemeClr val="tx1"/>
                           </a:solidFill>
@@ -31952,7 +31932,7 @@
                         <a:t>인증번호가 맞지 않으면 </a:t>
                       </a:r>
                       <a:r>
-                        <a:rPr lang="en-US" altLang="ko-KR" sz="1100" dirty="0" smtClean="0">
+                        <a:rPr lang="en-US" altLang="ko-KR" sz="1100" dirty="0">
                           <a:solidFill>
                             <a:schemeClr val="tx1"/>
                           </a:solidFill>
@@ -31960,7 +31940,7 @@
                         <a:t>alert </a:t>
                       </a:r>
                       <a:r>
-                        <a:rPr lang="ko-KR" altLang="en-US" sz="1100" dirty="0" smtClean="0">
+                        <a:rPr lang="ko-KR" altLang="en-US" sz="1100" dirty="0">
                           <a:solidFill>
                             <a:schemeClr val="tx1"/>
                           </a:solidFill>
@@ -31968,7 +31948,7 @@
                         <a:t>팝업으로 안내</a:t>
                       </a:r>
                       <a:r>
-                        <a:rPr lang="en-US" altLang="ko-KR" sz="1100" dirty="0" smtClean="0">
+                        <a:rPr lang="en-US" altLang="ko-KR" sz="1100" dirty="0">
                           <a:solidFill>
                             <a:schemeClr val="tx1"/>
                           </a:solidFill>
@@ -32031,7 +32011,7 @@
                     <a:p>
                       <a:pPr algn="ctr" latinLnBrk="1"/>
                       <a:r>
-                        <a:rPr lang="en-US" altLang="ko-KR" sz="1100" dirty="0" smtClean="0">
+                        <a:rPr lang="en-US" altLang="ko-KR" sz="1100" dirty="0">
                           <a:solidFill>
                             <a:schemeClr val="tx1"/>
                           </a:solidFill>
@@ -32148,7 +32128,7 @@
                         <a:buChar char="-"/>
                       </a:pPr>
                       <a:r>
-                        <a:rPr lang="ko-KR" altLang="en-US" sz="1100" dirty="0" smtClean="0">
+                        <a:rPr lang="ko-KR" altLang="en-US" sz="1100" dirty="0">
                           <a:solidFill>
                             <a:schemeClr val="tx1"/>
                           </a:solidFill>
@@ -32156,7 +32136,7 @@
                         <a:t>메인 페이지로 이동</a:t>
                       </a:r>
                       <a:r>
-                        <a:rPr lang="en-US" altLang="ko-KR" sz="1100" dirty="0" smtClean="0">
+                        <a:rPr lang="en-US" altLang="ko-KR" sz="1100" dirty="0">
                           <a:solidFill>
                             <a:schemeClr val="tx1"/>
                           </a:solidFill>
@@ -32183,7 +32163,7 @@
                         <a:defRPr/>
                       </a:pPr>
                       <a:r>
-                        <a:rPr lang="en-US" altLang="ko-KR" sz="1100" dirty="0" err="1" smtClean="0">
+                        <a:rPr lang="en-US" altLang="ko-KR" sz="1100" dirty="0" err="1">
                           <a:solidFill>
                             <a:schemeClr val="tx1"/>
                           </a:solidFill>
@@ -32191,14 +32171,14 @@
                         <a:t>url</a:t>
                       </a:r>
                       <a:r>
-                        <a:rPr lang="en-US" altLang="ko-KR" sz="1100" dirty="0" smtClean="0">
+                        <a:rPr lang="en-US" altLang="ko-KR" sz="1100" dirty="0">
                           <a:solidFill>
                             <a:schemeClr val="tx1"/>
                           </a:solidFill>
                         </a:rPr>
                         <a:t> : index</a:t>
                       </a:r>
-                      <a:endParaRPr lang="ko-KR" altLang="en-US" sz="1100" dirty="0" smtClean="0">
+                      <a:endParaRPr lang="ko-KR" altLang="en-US" sz="1100" dirty="0">
                         <a:solidFill>
                           <a:schemeClr val="tx1"/>
                         </a:solidFill>
@@ -32295,7 +32275,7 @@
           <a:p>
             <a:pPr algn="ctr"/>
             <a:r>
-              <a:rPr lang="en-US" altLang="ko-KR" dirty="0" smtClean="0"/>
+              <a:rPr lang="en-US" altLang="ko-KR" dirty="0"/>
               <a:t>1</a:t>
             </a:r>
             <a:endParaRPr lang="ko-KR" altLang="en-US" dirty="0"/>
@@ -32389,7 +32369,7 @@
           <a:p>
             <a:pPr algn="ctr"/>
             <a:r>
-              <a:rPr lang="en-US" altLang="ko-KR" dirty="0" smtClean="0"/>
+              <a:rPr lang="en-US" altLang="ko-KR" dirty="0"/>
               <a:t>3</a:t>
             </a:r>
             <a:endParaRPr lang="ko-KR" altLang="en-US" dirty="0"/>
@@ -32483,7 +32463,7 @@
           <a:p>
             <a:pPr algn="ctr"/>
             <a:r>
-              <a:rPr lang="en-US" altLang="ko-KR" dirty="0" smtClean="0"/>
+              <a:rPr lang="en-US" altLang="ko-KR" dirty="0"/>
               <a:t>5</a:t>
             </a:r>
             <a:endParaRPr lang="ko-KR" altLang="en-US" dirty="0"/>
@@ -32547,13 +32527,6 @@
   <p:clrMapOvr>
     <a:masterClrMapping/>
   </p:clrMapOvr>
-  <p:timing>
-    <p:tnLst>
-      <p:par>
-        <p:cTn id="1" dur="indefinite" restart="never" nodeType="tmRoot"/>
-      </p:par>
-    </p:tnLst>
-  </p:timing>
 </p:sld>
 </file>
 

--- a/Documents/화면설계서.pptx
+++ b/Documents/화면설계서.pptx
@@ -212,7 +212,7 @@
           <a:p>
             <a:fld id="{2A2A61BD-85B6-4952-8352-7323239EDB97}" type="datetimeFigureOut">
               <a:rPr lang="ko-KR" altLang="en-US" smtClean="0"/>
-              <a:t>2020-05-25</a:t>
+              <a:t>2020-05-27</a:t>
             </a:fld>
             <a:endParaRPr lang="ko-KR" altLang="en-US"/>
           </a:p>
@@ -608,7 +608,7 @@
           <a:p>
             <a:fld id="{1F3F10A2-1868-4C8C-9F00-753B47F5FC10}" type="datetimeFigureOut">
               <a:rPr lang="ko-KR" altLang="en-US" smtClean="0"/>
-              <a:t>2020-05-25</a:t>
+              <a:t>2020-05-27</a:t>
             </a:fld>
             <a:endParaRPr lang="ko-KR" altLang="en-US"/>
           </a:p>
@@ -776,7 +776,7 @@
           <a:p>
             <a:fld id="{1F3F10A2-1868-4C8C-9F00-753B47F5FC10}" type="datetimeFigureOut">
               <a:rPr lang="ko-KR" altLang="en-US" smtClean="0"/>
-              <a:t>2020-05-25</a:t>
+              <a:t>2020-05-27</a:t>
             </a:fld>
             <a:endParaRPr lang="ko-KR" altLang="en-US"/>
           </a:p>
@@ -954,7 +954,7 @@
           <a:p>
             <a:fld id="{1F3F10A2-1868-4C8C-9F00-753B47F5FC10}" type="datetimeFigureOut">
               <a:rPr lang="ko-KR" altLang="en-US" smtClean="0"/>
-              <a:t>2020-05-25</a:t>
+              <a:t>2020-05-27</a:t>
             </a:fld>
             <a:endParaRPr lang="ko-KR" altLang="en-US"/>
           </a:p>
@@ -1122,7 +1122,7 @@
           <a:p>
             <a:fld id="{1F3F10A2-1868-4C8C-9F00-753B47F5FC10}" type="datetimeFigureOut">
               <a:rPr lang="ko-KR" altLang="en-US" smtClean="0"/>
-              <a:t>2020-05-25</a:t>
+              <a:t>2020-05-27</a:t>
             </a:fld>
             <a:endParaRPr lang="ko-KR" altLang="en-US"/>
           </a:p>
@@ -1367,7 +1367,7 @@
           <a:p>
             <a:fld id="{1F3F10A2-1868-4C8C-9F00-753B47F5FC10}" type="datetimeFigureOut">
               <a:rPr lang="ko-KR" altLang="en-US" smtClean="0"/>
-              <a:t>2020-05-25</a:t>
+              <a:t>2020-05-27</a:t>
             </a:fld>
             <a:endParaRPr lang="ko-KR" altLang="en-US"/>
           </a:p>
@@ -1596,7 +1596,7 @@
           <a:p>
             <a:fld id="{1F3F10A2-1868-4C8C-9F00-753B47F5FC10}" type="datetimeFigureOut">
               <a:rPr lang="ko-KR" altLang="en-US" smtClean="0"/>
-              <a:t>2020-05-25</a:t>
+              <a:t>2020-05-27</a:t>
             </a:fld>
             <a:endParaRPr lang="ko-KR" altLang="en-US"/>
           </a:p>
@@ -1960,7 +1960,7 @@
           <a:p>
             <a:fld id="{1F3F10A2-1868-4C8C-9F00-753B47F5FC10}" type="datetimeFigureOut">
               <a:rPr lang="ko-KR" altLang="en-US" smtClean="0"/>
-              <a:t>2020-05-25</a:t>
+              <a:t>2020-05-27</a:t>
             </a:fld>
             <a:endParaRPr lang="ko-KR" altLang="en-US"/>
           </a:p>
@@ -2077,7 +2077,7 @@
           <a:p>
             <a:fld id="{1F3F10A2-1868-4C8C-9F00-753B47F5FC10}" type="datetimeFigureOut">
               <a:rPr lang="ko-KR" altLang="en-US" smtClean="0"/>
-              <a:t>2020-05-25</a:t>
+              <a:t>2020-05-27</a:t>
             </a:fld>
             <a:endParaRPr lang="ko-KR" altLang="en-US"/>
           </a:p>
@@ -2172,7 +2172,7 @@
           <a:p>
             <a:fld id="{1F3F10A2-1868-4C8C-9F00-753B47F5FC10}" type="datetimeFigureOut">
               <a:rPr lang="ko-KR" altLang="en-US" smtClean="0"/>
-              <a:t>2020-05-25</a:t>
+              <a:t>2020-05-27</a:t>
             </a:fld>
             <a:endParaRPr lang="ko-KR" altLang="en-US"/>
           </a:p>
@@ -2447,7 +2447,7 @@
           <a:p>
             <a:fld id="{1F3F10A2-1868-4C8C-9F00-753B47F5FC10}" type="datetimeFigureOut">
               <a:rPr lang="ko-KR" altLang="en-US" smtClean="0"/>
-              <a:t>2020-05-25</a:t>
+              <a:t>2020-05-27</a:t>
             </a:fld>
             <a:endParaRPr lang="ko-KR" altLang="en-US"/>
           </a:p>
@@ -2699,7 +2699,7 @@
           <a:p>
             <a:fld id="{1F3F10A2-1868-4C8C-9F00-753B47F5FC10}" type="datetimeFigureOut">
               <a:rPr lang="ko-KR" altLang="en-US" smtClean="0"/>
-              <a:t>2020-05-25</a:t>
+              <a:t>2020-05-27</a:t>
             </a:fld>
             <a:endParaRPr lang="ko-KR" altLang="en-US"/>
           </a:p>
@@ -2910,7 +2910,7 @@
           <a:p>
             <a:fld id="{1F3F10A2-1868-4C8C-9F00-753B47F5FC10}" type="datetimeFigureOut">
               <a:rPr lang="ko-KR" altLang="en-US" smtClean="0"/>
-              <a:t>2020-05-25</a:t>
+              <a:t>2020-05-27</a:t>
             </a:fld>
             <a:endParaRPr lang="ko-KR" altLang="en-US"/>
           </a:p>
@@ -21858,14 +21858,14 @@
           <p:nvPr>
             <p:extLst>
               <p:ext uri="{D42A27DB-BD31-4B8C-83A1-F6EECF244321}">
-                <p14:modId xmlns:p14="http://schemas.microsoft.com/office/powerpoint/2010/main" val="2525212064"/>
+                <p14:modId xmlns:p14="http://schemas.microsoft.com/office/powerpoint/2010/main" val="2616970819"/>
               </p:ext>
             </p:extLst>
           </p:nvPr>
         </p:nvGraphicFramePr>
         <p:xfrm>
           <a:off x="7292972" y="793154"/>
-          <a:ext cx="4899028" cy="6338126"/>
+          <a:ext cx="4899028" cy="4808222"/>
         </p:xfrm>
         <a:graphic>
           <a:graphicData uri="http://schemas.openxmlformats.org/drawingml/2006/table">
@@ -22270,6 +22270,194 @@
                         <a:t>.</a:t>
                       </a:r>
                     </a:p>
+                  </a:txBody>
+                  <a:tcPr>
+                    <a:lnL w="12700" cap="flat" cmpd="sng" algn="ctr">
+                      <a:solidFill>
+                        <a:schemeClr val="tx1"/>
+                      </a:solidFill>
+                      <a:prstDash val="solid"/>
+                      <a:round/>
+                      <a:headEnd type="none" w="med" len="med"/>
+                      <a:tailEnd type="none" w="med" len="med"/>
+                    </a:lnL>
+                    <a:lnR w="12700" cap="flat" cmpd="sng" algn="ctr">
+                      <a:solidFill>
+                        <a:schemeClr val="tx1"/>
+                      </a:solidFill>
+                      <a:prstDash val="solid"/>
+                      <a:round/>
+                      <a:headEnd type="none" w="med" len="med"/>
+                      <a:tailEnd type="none" w="med" len="med"/>
+                    </a:lnR>
+                    <a:lnT w="12700" cap="flat" cmpd="sng" algn="ctr">
+                      <a:solidFill>
+                        <a:schemeClr val="tx1"/>
+                      </a:solidFill>
+                      <a:prstDash val="solid"/>
+                      <a:round/>
+                      <a:headEnd type="none" w="med" len="med"/>
+                      <a:tailEnd type="none" w="med" len="med"/>
+                    </a:lnT>
+                    <a:lnB w="12700" cap="flat" cmpd="sng" algn="ctr">
+                      <a:solidFill>
+                        <a:schemeClr val="tx1"/>
+                      </a:solidFill>
+                      <a:prstDash val="solid"/>
+                      <a:round/>
+                      <a:headEnd type="none" w="med" len="med"/>
+                      <a:tailEnd type="none" w="med" len="med"/>
+                    </a:lnB>
+                    <a:noFill/>
+                  </a:tcPr>
+                </a:tc>
+                <a:extLst>
+                  <a:ext uri="{0D108BD9-81ED-4DB2-BD59-A6C34878D82A}">
+                    <a16:rowId xmlns:a16="http://schemas.microsoft.com/office/drawing/2014/main" val="3194885923"/>
+                  </a:ext>
+                </a:extLst>
+              </a:tr>
+              <a:tr h="370840">
+                <a:tc>
+                  <a:txBody>
+                    <a:bodyPr/>
+                    <a:lstStyle/>
+                    <a:p>
+                      <a:pPr algn="ctr" latinLnBrk="1"/>
+                      <a:r>
+                        <a:rPr lang="en-US" altLang="ko-KR" sz="1100" dirty="0">
+                          <a:solidFill>
+                            <a:schemeClr val="tx1"/>
+                          </a:solidFill>
+                        </a:rPr>
+                        <a:t>2</a:t>
+                      </a:r>
+                      <a:endParaRPr lang="ko-KR" altLang="en-US" sz="1100" dirty="0">
+                        <a:solidFill>
+                          <a:schemeClr val="tx1"/>
+                        </a:solidFill>
+                      </a:endParaRPr>
+                    </a:p>
+                  </a:txBody>
+                  <a:tcPr>
+                    <a:lnL w="12700" cap="flat" cmpd="sng" algn="ctr">
+                      <a:solidFill>
+                        <a:schemeClr val="tx1"/>
+                      </a:solidFill>
+                      <a:prstDash val="solid"/>
+                      <a:round/>
+                      <a:headEnd type="none" w="med" len="med"/>
+                      <a:tailEnd type="none" w="med" len="med"/>
+                    </a:lnL>
+                    <a:lnR w="12700" cap="flat" cmpd="sng" algn="ctr">
+                      <a:solidFill>
+                        <a:schemeClr val="tx1"/>
+                      </a:solidFill>
+                      <a:prstDash val="solid"/>
+                      <a:round/>
+                      <a:headEnd type="none" w="med" len="med"/>
+                      <a:tailEnd type="none" w="med" len="med"/>
+                    </a:lnR>
+                    <a:lnT w="12700" cap="flat" cmpd="sng" algn="ctr">
+                      <a:solidFill>
+                        <a:schemeClr val="tx1"/>
+                      </a:solidFill>
+                      <a:prstDash val="solid"/>
+                      <a:round/>
+                      <a:headEnd type="none" w="med" len="med"/>
+                      <a:tailEnd type="none" w="med" len="med"/>
+                    </a:lnT>
+                    <a:lnB w="12700" cap="flat" cmpd="sng" algn="ctr">
+                      <a:solidFill>
+                        <a:schemeClr val="tx1"/>
+                      </a:solidFill>
+                      <a:prstDash val="solid"/>
+                      <a:round/>
+                      <a:headEnd type="none" w="med" len="med"/>
+                      <a:tailEnd type="none" w="med" len="med"/>
+                    </a:lnB>
+                    <a:noFill/>
+                  </a:tcPr>
+                </a:tc>
+                <a:tc>
+                  <a:txBody>
+                    <a:bodyPr/>
+                    <a:lstStyle/>
+                    <a:p>
+                      <a:pPr algn="ctr" latinLnBrk="1"/>
+                      <a:endParaRPr lang="ko-KR" altLang="en-US" sz="1100" dirty="0">
+                        <a:solidFill>
+                          <a:schemeClr val="tx1"/>
+                        </a:solidFill>
+                      </a:endParaRPr>
+                    </a:p>
+                  </a:txBody>
+                  <a:tcPr>
+                    <a:lnL w="12700" cap="flat" cmpd="sng" algn="ctr">
+                      <a:solidFill>
+                        <a:schemeClr val="tx1"/>
+                      </a:solidFill>
+                      <a:prstDash val="solid"/>
+                      <a:round/>
+                      <a:headEnd type="none" w="med" len="med"/>
+                      <a:tailEnd type="none" w="med" len="med"/>
+                    </a:lnL>
+                    <a:lnR w="12700" cap="flat" cmpd="sng" algn="ctr">
+                      <a:solidFill>
+                        <a:schemeClr val="tx1"/>
+                      </a:solidFill>
+                      <a:prstDash val="solid"/>
+                      <a:round/>
+                      <a:headEnd type="none" w="med" len="med"/>
+                      <a:tailEnd type="none" w="med" len="med"/>
+                    </a:lnR>
+                    <a:lnT w="12700" cap="flat" cmpd="sng" algn="ctr">
+                      <a:solidFill>
+                        <a:schemeClr val="tx1"/>
+                      </a:solidFill>
+                      <a:prstDash val="solid"/>
+                      <a:round/>
+                      <a:headEnd type="none" w="med" len="med"/>
+                      <a:tailEnd type="none" w="med" len="med"/>
+                    </a:lnT>
+                    <a:lnB w="12700" cap="flat" cmpd="sng" algn="ctr">
+                      <a:solidFill>
+                        <a:schemeClr val="tx1"/>
+                      </a:solidFill>
+                      <a:prstDash val="solid"/>
+                      <a:round/>
+                      <a:headEnd type="none" w="med" len="med"/>
+                      <a:tailEnd type="none" w="med" len="med"/>
+                    </a:lnB>
+                    <a:noFill/>
+                  </a:tcPr>
+                </a:tc>
+                <a:tc>
+                  <a:txBody>
+                    <a:bodyPr/>
+                    <a:lstStyle/>
+                    <a:p>
+                      <a:pPr marL="228600" indent="-228600" algn="l" latinLnBrk="1">
+                        <a:lnSpc>
+                          <a:spcPct val="125000"/>
+                        </a:lnSpc>
+                        <a:buFont typeface="Arial" panose="020B0604020202020204" pitchFamily="34" charset="0"/>
+                        <a:buChar char="•"/>
+                      </a:pPr>
+                      <a:r>
+                        <a:rPr lang="ko-KR" altLang="en-US" sz="1100" dirty="0">
+                          <a:solidFill>
+                            <a:schemeClr val="tx1"/>
+                          </a:solidFill>
+                        </a:rPr>
+                        <a:t>회원가입</a:t>
+                      </a:r>
+                      <a:endParaRPr lang="en-US" altLang="ko-KR" sz="1100" dirty="0">
+                        <a:solidFill>
+                          <a:schemeClr val="tx1"/>
+                        </a:solidFill>
+                      </a:endParaRPr>
+                    </a:p>
                     <a:p>
                       <a:pPr marL="0" indent="0" algn="l" latinLnBrk="1">
                         <a:lnSpc>
@@ -22279,12 +22467,28 @@
                         <a:buNone/>
                       </a:pPr>
                       <a:r>
-                        <a:rPr lang="en-US" altLang="ko-KR" sz="1000" dirty="0">
-                          <a:solidFill>
-                            <a:schemeClr val="tx1"/>
-                          </a:solidFill>
-                        </a:rPr>
-                        <a:t> - URL : index.html</a:t>
+                        <a:rPr lang="en-US" altLang="ko-KR" sz="1100" dirty="0">
+                          <a:solidFill>
+                            <a:schemeClr val="tx1"/>
+                          </a:solidFill>
+                        </a:rPr>
+                        <a:t> - </a:t>
+                      </a:r>
+                      <a:r>
+                        <a:rPr lang="ko-KR" altLang="en-US" sz="1100" dirty="0">
+                          <a:solidFill>
+                            <a:schemeClr val="tx1"/>
+                          </a:solidFill>
+                        </a:rPr>
+                        <a:t>회원가입 페이지로 이동</a:t>
+                      </a:r>
+                      <a:r>
+                        <a:rPr lang="en-US" altLang="ko-KR" sz="1100" dirty="0">
+                          <a:solidFill>
+                            <a:schemeClr val="tx1"/>
+                          </a:solidFill>
+                        </a:rPr>
+                        <a:t>.</a:t>
                       </a:r>
                     </a:p>
                   </a:txBody>
@@ -22330,7 +22534,7 @@
                 </a:tc>
                 <a:extLst>
                   <a:ext uri="{0D108BD9-81ED-4DB2-BD59-A6C34878D82A}">
-                    <a16:rowId xmlns:a16="http://schemas.microsoft.com/office/drawing/2014/main" val="3194885923"/>
+                    <a16:rowId xmlns:a16="http://schemas.microsoft.com/office/drawing/2014/main" val="1592375428"/>
                   </a:ext>
                 </a:extLst>
               </a:tr>
@@ -22347,7 +22551,7 @@
                             <a:schemeClr val="tx1"/>
                           </a:solidFill>
                         </a:rPr>
-                        <a:t>2</a:t>
+                        <a:t>3</a:t>
                       </a:r>
                       <a:endParaRPr lang="ko-KR" altLang="en-US" sz="1100" dirty="0">
                         <a:solidFill>
@@ -22462,14 +22666,14 @@
                         <a:buChar char="•"/>
                       </a:pPr>
                       <a:r>
-                        <a:rPr lang="ko-KR" altLang="en-US" sz="1100" dirty="0">
-                          <a:solidFill>
-                            <a:schemeClr val="tx1"/>
-                          </a:solidFill>
-                        </a:rPr>
-                        <a:t>회원가입</a:t>
-                      </a:r>
-                      <a:endParaRPr lang="en-US" altLang="ko-KR" sz="1100" dirty="0">
+                        <a:rPr lang="ko-KR" altLang="en-US" sz="1100" baseline="0" dirty="0">
+                          <a:solidFill>
+                            <a:schemeClr val="tx1"/>
+                          </a:solidFill>
+                        </a:rPr>
+                        <a:t>로그인</a:t>
+                      </a:r>
+                      <a:endParaRPr lang="en-US" altLang="ko-KR" sz="1100" baseline="0" dirty="0">
                         <a:solidFill>
                           <a:schemeClr val="tx1"/>
                         </a:solidFill>
@@ -22484,29 +22688,217 @@
                         <a:buNone/>
                       </a:pPr>
                       <a:r>
+                        <a:rPr lang="en-US" altLang="ko-KR" sz="1100" baseline="0" dirty="0">
+                          <a:solidFill>
+                            <a:schemeClr val="tx1"/>
+                          </a:solidFill>
+                        </a:rPr>
+                        <a:t> - </a:t>
+                      </a:r>
+                      <a:r>
+                        <a:rPr lang="ko-KR" altLang="en-US" sz="1100" baseline="0" dirty="0">
+                          <a:solidFill>
+                            <a:schemeClr val="tx1"/>
+                          </a:solidFill>
+                        </a:rPr>
+                        <a:t>로그인 페이지로 이동</a:t>
+                      </a:r>
+                      <a:r>
+                        <a:rPr lang="en-US" altLang="ko-KR" sz="1100" baseline="0" dirty="0">
+                          <a:solidFill>
+                            <a:schemeClr val="tx1"/>
+                          </a:solidFill>
+                        </a:rPr>
+                        <a:t>.</a:t>
+                      </a:r>
+                    </a:p>
+                  </a:txBody>
+                  <a:tcPr>
+                    <a:lnL w="12700" cap="flat" cmpd="sng" algn="ctr">
+                      <a:solidFill>
+                        <a:schemeClr val="tx1"/>
+                      </a:solidFill>
+                      <a:prstDash val="solid"/>
+                      <a:round/>
+                      <a:headEnd type="none" w="med" len="med"/>
+                      <a:tailEnd type="none" w="med" len="med"/>
+                    </a:lnL>
+                    <a:lnR w="12700" cap="flat" cmpd="sng" algn="ctr">
+                      <a:solidFill>
+                        <a:schemeClr val="tx1"/>
+                      </a:solidFill>
+                      <a:prstDash val="solid"/>
+                      <a:round/>
+                      <a:headEnd type="none" w="med" len="med"/>
+                      <a:tailEnd type="none" w="med" len="med"/>
+                    </a:lnR>
+                    <a:lnT w="12700" cap="flat" cmpd="sng" algn="ctr">
+                      <a:solidFill>
+                        <a:schemeClr val="tx1"/>
+                      </a:solidFill>
+                      <a:prstDash val="solid"/>
+                      <a:round/>
+                      <a:headEnd type="none" w="med" len="med"/>
+                      <a:tailEnd type="none" w="med" len="med"/>
+                    </a:lnT>
+                    <a:lnB w="12700" cap="flat" cmpd="sng" algn="ctr">
+                      <a:solidFill>
+                        <a:schemeClr val="tx1"/>
+                      </a:solidFill>
+                      <a:prstDash val="solid"/>
+                      <a:round/>
+                      <a:headEnd type="none" w="med" len="med"/>
+                      <a:tailEnd type="none" w="med" len="med"/>
+                    </a:lnB>
+                    <a:noFill/>
+                  </a:tcPr>
+                </a:tc>
+                <a:extLst>
+                  <a:ext uri="{0D108BD9-81ED-4DB2-BD59-A6C34878D82A}">
+                    <a16:rowId xmlns:a16="http://schemas.microsoft.com/office/drawing/2014/main" val="2878950322"/>
+                  </a:ext>
+                </a:extLst>
+              </a:tr>
+              <a:tr h="370840">
+                <a:tc>
+                  <a:txBody>
+                    <a:bodyPr/>
+                    <a:lstStyle/>
+                    <a:p>
+                      <a:pPr algn="ctr" latinLnBrk="1"/>
+                      <a:r>
                         <a:rPr lang="en-US" altLang="ko-KR" sz="1100" dirty="0">
                           <a:solidFill>
                             <a:schemeClr val="tx1"/>
                           </a:solidFill>
                         </a:rPr>
-                        <a:t> - </a:t>
-                      </a:r>
+                        <a:t>4</a:t>
+                      </a:r>
+                      <a:endParaRPr lang="ko-KR" altLang="en-US" sz="1100" dirty="0">
+                        <a:solidFill>
+                          <a:schemeClr val="tx1"/>
+                        </a:solidFill>
+                      </a:endParaRPr>
+                    </a:p>
+                  </a:txBody>
+                  <a:tcPr>
+                    <a:lnL w="12700" cap="flat" cmpd="sng" algn="ctr">
+                      <a:solidFill>
+                        <a:schemeClr val="tx1"/>
+                      </a:solidFill>
+                      <a:prstDash val="solid"/>
+                      <a:round/>
+                      <a:headEnd type="none" w="med" len="med"/>
+                      <a:tailEnd type="none" w="med" len="med"/>
+                    </a:lnL>
+                    <a:lnR w="12700" cap="flat" cmpd="sng" algn="ctr">
+                      <a:solidFill>
+                        <a:schemeClr val="tx1"/>
+                      </a:solidFill>
+                      <a:prstDash val="solid"/>
+                      <a:round/>
+                      <a:headEnd type="none" w="med" len="med"/>
+                      <a:tailEnd type="none" w="med" len="med"/>
+                    </a:lnR>
+                    <a:lnT w="12700" cap="flat" cmpd="sng" algn="ctr">
+                      <a:solidFill>
+                        <a:schemeClr val="tx1"/>
+                      </a:solidFill>
+                      <a:prstDash val="solid"/>
+                      <a:round/>
+                      <a:headEnd type="none" w="med" len="med"/>
+                      <a:tailEnd type="none" w="med" len="med"/>
+                    </a:lnT>
+                    <a:lnB w="12700" cap="flat" cmpd="sng" algn="ctr">
+                      <a:solidFill>
+                        <a:schemeClr val="tx1"/>
+                      </a:solidFill>
+                      <a:prstDash val="solid"/>
+                      <a:round/>
+                      <a:headEnd type="none" w="med" len="med"/>
+                      <a:tailEnd type="none" w="med" len="med"/>
+                    </a:lnB>
+                    <a:noFill/>
+                  </a:tcPr>
+                </a:tc>
+                <a:tc>
+                  <a:txBody>
+                    <a:bodyPr/>
+                    <a:lstStyle/>
+                    <a:p>
+                      <a:pPr algn="ctr" latinLnBrk="1"/>
+                      <a:endParaRPr lang="ko-KR" altLang="en-US" sz="1100" dirty="0">
+                        <a:solidFill>
+                          <a:schemeClr val="tx1"/>
+                        </a:solidFill>
+                      </a:endParaRPr>
+                    </a:p>
+                  </a:txBody>
+                  <a:tcPr>
+                    <a:lnL w="12700" cap="flat" cmpd="sng" algn="ctr">
+                      <a:solidFill>
+                        <a:schemeClr val="tx1"/>
+                      </a:solidFill>
+                      <a:prstDash val="solid"/>
+                      <a:round/>
+                      <a:headEnd type="none" w="med" len="med"/>
+                      <a:tailEnd type="none" w="med" len="med"/>
+                    </a:lnL>
+                    <a:lnR w="12700" cap="flat" cmpd="sng" algn="ctr">
+                      <a:solidFill>
+                        <a:schemeClr val="tx1"/>
+                      </a:solidFill>
+                      <a:prstDash val="solid"/>
+                      <a:round/>
+                      <a:headEnd type="none" w="med" len="med"/>
+                      <a:tailEnd type="none" w="med" len="med"/>
+                    </a:lnR>
+                    <a:lnT w="12700" cap="flat" cmpd="sng" algn="ctr">
+                      <a:solidFill>
+                        <a:schemeClr val="tx1"/>
+                      </a:solidFill>
+                      <a:prstDash val="solid"/>
+                      <a:round/>
+                      <a:headEnd type="none" w="med" len="med"/>
+                      <a:tailEnd type="none" w="med" len="med"/>
+                    </a:lnT>
+                    <a:lnB w="12700" cap="flat" cmpd="sng" algn="ctr">
+                      <a:solidFill>
+                        <a:schemeClr val="tx1"/>
+                      </a:solidFill>
+                      <a:prstDash val="solid"/>
+                      <a:round/>
+                      <a:headEnd type="none" w="med" len="med"/>
+                      <a:tailEnd type="none" w="med" len="med"/>
+                    </a:lnB>
+                    <a:noFill/>
+                  </a:tcPr>
+                </a:tc>
+                <a:tc>
+                  <a:txBody>
+                    <a:bodyPr/>
+                    <a:lstStyle/>
+                    <a:p>
+                      <a:pPr marL="228600" indent="-228600" algn="l" latinLnBrk="1">
+                        <a:lnSpc>
+                          <a:spcPct val="125000"/>
+                        </a:lnSpc>
+                        <a:buFont typeface="Arial" panose="020B0604020202020204" pitchFamily="34" charset="0"/>
+                        <a:buChar char="•"/>
+                      </a:pPr>
                       <a:r>
                         <a:rPr lang="ko-KR" altLang="en-US" sz="1100" dirty="0">
                           <a:solidFill>
                             <a:schemeClr val="tx1"/>
                           </a:solidFill>
                         </a:rPr>
-                        <a:t>회원가입 페이지로 이동</a:t>
-                      </a:r>
-                      <a:r>
-                        <a:rPr lang="en-US" altLang="ko-KR" sz="1100" dirty="0">
-                          <a:solidFill>
-                            <a:schemeClr val="tx1"/>
-                          </a:solidFill>
-                        </a:rPr>
-                        <a:t>.</a:t>
-                      </a:r>
+                        <a:t>상단 탭 메뉴</a:t>
+                      </a:r>
+                      <a:endParaRPr lang="en-US" altLang="ko-KR" sz="1100" dirty="0">
+                        <a:solidFill>
+                          <a:schemeClr val="tx1"/>
+                        </a:solidFill>
+                      </a:endParaRPr>
                     </a:p>
                     <a:p>
                       <a:pPr marL="0" indent="0" algn="l" latinLnBrk="1">
@@ -22517,212 +22909,30 @@
                         <a:buNone/>
                       </a:pPr>
                       <a:r>
-                        <a:rPr lang="en-US" altLang="ko-KR" sz="1000" dirty="0">
-                          <a:solidFill>
-                            <a:schemeClr val="tx1"/>
-                          </a:solidFill>
-                        </a:rPr>
-                        <a:t> - URL</a:t>
-                      </a:r>
-                      <a:r>
-                        <a:rPr lang="ko-KR" altLang="en-US" sz="1000" dirty="0">
-                          <a:solidFill>
-                            <a:schemeClr val="tx1"/>
-                          </a:solidFill>
-                        </a:rPr>
-                        <a:t> </a:t>
-                      </a:r>
-                      <a:r>
-                        <a:rPr lang="en-US" altLang="ko-KR" sz="1000" dirty="0">
-                          <a:solidFill>
-                            <a:schemeClr val="tx1"/>
-                          </a:solidFill>
-                        </a:rPr>
-                        <a:t>:</a:t>
-                      </a:r>
-                      <a:r>
-                        <a:rPr lang="ko-KR" altLang="en-US" sz="1000" dirty="0">
-                          <a:solidFill>
-                            <a:schemeClr val="tx1"/>
-                          </a:solidFill>
-                        </a:rPr>
-                        <a:t> </a:t>
-                      </a:r>
-                      <a:r>
-                        <a:rPr lang="en-US" altLang="ko-KR" sz="1000" dirty="0">
-                          <a:solidFill>
-                            <a:schemeClr val="tx1"/>
-                          </a:solidFill>
-                        </a:rPr>
-                        <a:t>agree_form.html</a:t>
-                      </a:r>
-                    </a:p>
-                  </a:txBody>
-                  <a:tcPr>
-                    <a:lnL w="12700" cap="flat" cmpd="sng" algn="ctr">
-                      <a:solidFill>
-                        <a:schemeClr val="tx1"/>
-                      </a:solidFill>
-                      <a:prstDash val="solid"/>
-                      <a:round/>
-                      <a:headEnd type="none" w="med" len="med"/>
-                      <a:tailEnd type="none" w="med" len="med"/>
-                    </a:lnL>
-                    <a:lnR w="12700" cap="flat" cmpd="sng" algn="ctr">
-                      <a:solidFill>
-                        <a:schemeClr val="tx1"/>
-                      </a:solidFill>
-                      <a:prstDash val="solid"/>
-                      <a:round/>
-                      <a:headEnd type="none" w="med" len="med"/>
-                      <a:tailEnd type="none" w="med" len="med"/>
-                    </a:lnR>
-                    <a:lnT w="12700" cap="flat" cmpd="sng" algn="ctr">
-                      <a:solidFill>
-                        <a:schemeClr val="tx1"/>
-                      </a:solidFill>
-                      <a:prstDash val="solid"/>
-                      <a:round/>
-                      <a:headEnd type="none" w="med" len="med"/>
-                      <a:tailEnd type="none" w="med" len="med"/>
-                    </a:lnT>
-                    <a:lnB w="12700" cap="flat" cmpd="sng" algn="ctr">
-                      <a:solidFill>
-                        <a:schemeClr val="tx1"/>
-                      </a:solidFill>
-                      <a:prstDash val="solid"/>
-                      <a:round/>
-                      <a:headEnd type="none" w="med" len="med"/>
-                      <a:tailEnd type="none" w="med" len="med"/>
-                    </a:lnB>
-                    <a:noFill/>
-                  </a:tcPr>
-                </a:tc>
-                <a:extLst>
-                  <a:ext uri="{0D108BD9-81ED-4DB2-BD59-A6C34878D82A}">
-                    <a16:rowId xmlns:a16="http://schemas.microsoft.com/office/drawing/2014/main" val="1592375428"/>
-                  </a:ext>
-                </a:extLst>
-              </a:tr>
-              <a:tr h="370840">
-                <a:tc>
-                  <a:txBody>
-                    <a:bodyPr/>
-                    <a:lstStyle/>
-                    <a:p>
-                      <a:pPr algn="ctr" latinLnBrk="1"/>
-                      <a:r>
                         <a:rPr lang="en-US" altLang="ko-KR" sz="1100" dirty="0">
                           <a:solidFill>
                             <a:schemeClr val="tx1"/>
                           </a:solidFill>
                         </a:rPr>
-                        <a:t>3</a:t>
-                      </a:r>
-                      <a:endParaRPr lang="ko-KR" altLang="en-US" sz="1100" dirty="0">
-                        <a:solidFill>
-                          <a:schemeClr val="tx1"/>
-                        </a:solidFill>
-                      </a:endParaRPr>
-                    </a:p>
-                  </a:txBody>
-                  <a:tcPr>
-                    <a:lnL w="12700" cap="flat" cmpd="sng" algn="ctr">
-                      <a:solidFill>
-                        <a:schemeClr val="tx1"/>
-                      </a:solidFill>
-                      <a:prstDash val="solid"/>
-                      <a:round/>
-                      <a:headEnd type="none" w="med" len="med"/>
-                      <a:tailEnd type="none" w="med" len="med"/>
-                    </a:lnL>
-                    <a:lnR w="12700" cap="flat" cmpd="sng" algn="ctr">
-                      <a:solidFill>
-                        <a:schemeClr val="tx1"/>
-                      </a:solidFill>
-                      <a:prstDash val="solid"/>
-                      <a:round/>
-                      <a:headEnd type="none" w="med" len="med"/>
-                      <a:tailEnd type="none" w="med" len="med"/>
-                    </a:lnR>
-                    <a:lnT w="12700" cap="flat" cmpd="sng" algn="ctr">
-                      <a:solidFill>
-                        <a:schemeClr val="tx1"/>
-                      </a:solidFill>
-                      <a:prstDash val="solid"/>
-                      <a:round/>
-                      <a:headEnd type="none" w="med" len="med"/>
-                      <a:tailEnd type="none" w="med" len="med"/>
-                    </a:lnT>
-                    <a:lnB w="12700" cap="flat" cmpd="sng" algn="ctr">
-                      <a:solidFill>
-                        <a:schemeClr val="tx1"/>
-                      </a:solidFill>
-                      <a:prstDash val="solid"/>
-                      <a:round/>
-                      <a:headEnd type="none" w="med" len="med"/>
-                      <a:tailEnd type="none" w="med" len="med"/>
-                    </a:lnB>
-                    <a:noFill/>
-                  </a:tcPr>
-                </a:tc>
-                <a:tc>
-                  <a:txBody>
-                    <a:bodyPr/>
-                    <a:lstStyle/>
-                    <a:p>
-                      <a:pPr algn="ctr" latinLnBrk="1"/>
-                      <a:endParaRPr lang="ko-KR" altLang="en-US" sz="1100" dirty="0">
-                        <a:solidFill>
-                          <a:schemeClr val="tx1"/>
-                        </a:solidFill>
-                      </a:endParaRPr>
-                    </a:p>
-                  </a:txBody>
-                  <a:tcPr>
-                    <a:lnL w="12700" cap="flat" cmpd="sng" algn="ctr">
-                      <a:solidFill>
-                        <a:schemeClr val="tx1"/>
-                      </a:solidFill>
-                      <a:prstDash val="solid"/>
-                      <a:round/>
-                      <a:headEnd type="none" w="med" len="med"/>
-                      <a:tailEnd type="none" w="med" len="med"/>
-                    </a:lnL>
-                    <a:lnR w="12700" cap="flat" cmpd="sng" algn="ctr">
-                      <a:solidFill>
-                        <a:schemeClr val="tx1"/>
-                      </a:solidFill>
-                      <a:prstDash val="solid"/>
-                      <a:round/>
-                      <a:headEnd type="none" w="med" len="med"/>
-                      <a:tailEnd type="none" w="med" len="med"/>
-                    </a:lnR>
-                    <a:lnT w="12700" cap="flat" cmpd="sng" algn="ctr">
-                      <a:solidFill>
-                        <a:schemeClr val="tx1"/>
-                      </a:solidFill>
-                      <a:prstDash val="solid"/>
-                      <a:round/>
-                      <a:headEnd type="none" w="med" len="med"/>
-                      <a:tailEnd type="none" w="med" len="med"/>
-                    </a:lnT>
-                    <a:lnB w="12700" cap="flat" cmpd="sng" algn="ctr">
-                      <a:solidFill>
-                        <a:schemeClr val="tx1"/>
-                      </a:solidFill>
-                      <a:prstDash val="solid"/>
-                      <a:round/>
-                      <a:headEnd type="none" w="med" len="med"/>
-                      <a:tailEnd type="none" w="med" len="med"/>
-                    </a:lnB>
-                    <a:noFill/>
-                  </a:tcPr>
-                </a:tc>
-                <a:tc>
-                  <a:txBody>
-                    <a:bodyPr/>
-                    <a:lstStyle/>
+                        <a:t> - </a:t>
+                      </a:r>
+                      <a:r>
+                        <a:rPr lang="ko-KR" altLang="en-US" sz="1100" dirty="0">
+                          <a:solidFill>
+                            <a:schemeClr val="tx1"/>
+                          </a:solidFill>
+                        </a:rPr>
+                        <a:t>각 메뉴 페이지로 이동</a:t>
+                      </a:r>
+                      <a:r>
+                        <a:rPr lang="en-US" altLang="ko-KR" sz="1100" dirty="0">
+                          <a:solidFill>
+                            <a:schemeClr val="tx1"/>
+                          </a:solidFill>
+                        </a:rPr>
+                        <a:t>.</a:t>
+                      </a:r>
+                    </a:p>
                     <a:p>
                       <a:pPr marL="228600" indent="-228600" algn="l" latinLnBrk="1">
                         <a:lnSpc>
@@ -22732,502 +22942,20 @@
                         <a:buChar char="•"/>
                       </a:pPr>
                       <a:r>
-                        <a:rPr lang="ko-KR" altLang="en-US" sz="1100" baseline="0" dirty="0">
-                          <a:solidFill>
-                            <a:schemeClr val="tx1"/>
-                          </a:solidFill>
-                        </a:rPr>
-                        <a:t>로그인</a:t>
-                      </a:r>
-                      <a:endParaRPr lang="en-US" altLang="ko-KR" sz="1100" baseline="0" dirty="0">
-                        <a:solidFill>
-                          <a:schemeClr val="tx1"/>
-                        </a:solidFill>
-                      </a:endParaRPr>
-                    </a:p>
-                    <a:p>
-                      <a:pPr marL="0" indent="0" algn="l" latinLnBrk="1">
-                        <a:lnSpc>
-                          <a:spcPct val="125000"/>
-                        </a:lnSpc>
-                        <a:buFont typeface="+mj-ea"/>
-                        <a:buNone/>
-                      </a:pPr>
-                      <a:r>
-                        <a:rPr lang="en-US" altLang="ko-KR" sz="1100" baseline="0" dirty="0">
-                          <a:solidFill>
-                            <a:schemeClr val="tx1"/>
-                          </a:solidFill>
-                        </a:rPr>
-                        <a:t> - </a:t>
-                      </a:r>
-                      <a:r>
-                        <a:rPr lang="ko-KR" altLang="en-US" sz="1100" baseline="0" dirty="0">
-                          <a:solidFill>
-                            <a:schemeClr val="tx1"/>
-                          </a:solidFill>
-                        </a:rPr>
-                        <a:t>로그인 페이지로 이동</a:t>
-                      </a:r>
-                      <a:r>
-                        <a:rPr lang="en-US" altLang="ko-KR" sz="1100" baseline="0" dirty="0">
-                          <a:solidFill>
-                            <a:schemeClr val="tx1"/>
-                          </a:solidFill>
-                        </a:rPr>
-                        <a:t>.</a:t>
-                      </a:r>
-                    </a:p>
-                    <a:p>
-                      <a:pPr marL="0" indent="0" algn="l" latinLnBrk="1">
-                        <a:lnSpc>
-                          <a:spcPct val="125000"/>
-                        </a:lnSpc>
-                        <a:buFont typeface="+mj-ea"/>
-                        <a:buNone/>
-                      </a:pPr>
-                      <a:r>
-                        <a:rPr lang="en-US" altLang="ko-KR" sz="1000" baseline="0" dirty="0">
-                          <a:solidFill>
-                            <a:schemeClr val="tx1"/>
-                          </a:solidFill>
-                        </a:rPr>
-                        <a:t> - URL</a:t>
-                      </a:r>
-                      <a:r>
-                        <a:rPr lang="ko-KR" altLang="en-US" sz="1000" baseline="0" dirty="0">
-                          <a:solidFill>
-                            <a:schemeClr val="tx1"/>
-                          </a:solidFill>
-                        </a:rPr>
-                        <a:t> </a:t>
-                      </a:r>
-                      <a:r>
-                        <a:rPr lang="en-US" altLang="ko-KR" sz="1000" baseline="0" dirty="0">
-                          <a:solidFill>
-                            <a:schemeClr val="tx1"/>
-                          </a:solidFill>
-                        </a:rPr>
-                        <a:t>:</a:t>
-                      </a:r>
-                      <a:r>
-                        <a:rPr lang="ko-KR" altLang="en-US" sz="1000" baseline="0" dirty="0">
-                          <a:solidFill>
-                            <a:schemeClr val="tx1"/>
-                          </a:solidFill>
-                        </a:rPr>
-                        <a:t> </a:t>
-                      </a:r>
-                      <a:r>
-                        <a:rPr lang="en-US" altLang="ko-KR" sz="1000" baseline="0" dirty="0">
-                          <a:solidFill>
-                            <a:schemeClr val="tx1"/>
-                          </a:solidFill>
-                        </a:rPr>
-                        <a:t>login_form.html</a:t>
-                      </a:r>
-                    </a:p>
-                  </a:txBody>
-                  <a:tcPr>
-                    <a:lnL w="12700" cap="flat" cmpd="sng" algn="ctr">
-                      <a:solidFill>
-                        <a:schemeClr val="tx1"/>
-                      </a:solidFill>
-                      <a:prstDash val="solid"/>
-                      <a:round/>
-                      <a:headEnd type="none" w="med" len="med"/>
-                      <a:tailEnd type="none" w="med" len="med"/>
-                    </a:lnL>
-                    <a:lnR w="12700" cap="flat" cmpd="sng" algn="ctr">
-                      <a:solidFill>
-                        <a:schemeClr val="tx1"/>
-                      </a:solidFill>
-                      <a:prstDash val="solid"/>
-                      <a:round/>
-                      <a:headEnd type="none" w="med" len="med"/>
-                      <a:tailEnd type="none" w="med" len="med"/>
-                    </a:lnR>
-                    <a:lnT w="12700" cap="flat" cmpd="sng" algn="ctr">
-                      <a:solidFill>
-                        <a:schemeClr val="tx1"/>
-                      </a:solidFill>
-                      <a:prstDash val="solid"/>
-                      <a:round/>
-                      <a:headEnd type="none" w="med" len="med"/>
-                      <a:tailEnd type="none" w="med" len="med"/>
-                    </a:lnT>
-                    <a:lnB w="12700" cap="flat" cmpd="sng" algn="ctr">
-                      <a:solidFill>
-                        <a:schemeClr val="tx1"/>
-                      </a:solidFill>
-                      <a:prstDash val="solid"/>
-                      <a:round/>
-                      <a:headEnd type="none" w="med" len="med"/>
-                      <a:tailEnd type="none" w="med" len="med"/>
-                    </a:lnB>
-                    <a:noFill/>
-                  </a:tcPr>
-                </a:tc>
-                <a:extLst>
-                  <a:ext uri="{0D108BD9-81ED-4DB2-BD59-A6C34878D82A}">
-                    <a16:rowId xmlns:a16="http://schemas.microsoft.com/office/drawing/2014/main" val="2878950322"/>
-                  </a:ext>
-                </a:extLst>
-              </a:tr>
-              <a:tr h="370840">
-                <a:tc>
-                  <a:txBody>
-                    <a:bodyPr/>
-                    <a:lstStyle/>
-                    <a:p>
-                      <a:pPr algn="ctr" latinLnBrk="1"/>
-                      <a:r>
-                        <a:rPr lang="en-US" altLang="ko-KR" sz="1100" dirty="0">
-                          <a:solidFill>
-                            <a:schemeClr val="tx1"/>
-                          </a:solidFill>
-                        </a:rPr>
-                        <a:t>4</a:t>
-                      </a:r>
-                      <a:endParaRPr lang="ko-KR" altLang="en-US" sz="1100" dirty="0">
-                        <a:solidFill>
-                          <a:schemeClr val="tx1"/>
-                        </a:solidFill>
-                      </a:endParaRPr>
-                    </a:p>
-                  </a:txBody>
-                  <a:tcPr>
-                    <a:lnL w="12700" cap="flat" cmpd="sng" algn="ctr">
-                      <a:solidFill>
-                        <a:schemeClr val="tx1"/>
-                      </a:solidFill>
-                      <a:prstDash val="solid"/>
-                      <a:round/>
-                      <a:headEnd type="none" w="med" len="med"/>
-                      <a:tailEnd type="none" w="med" len="med"/>
-                    </a:lnL>
-                    <a:lnR w="12700" cap="flat" cmpd="sng" algn="ctr">
-                      <a:solidFill>
-                        <a:schemeClr val="tx1"/>
-                      </a:solidFill>
-                      <a:prstDash val="solid"/>
-                      <a:round/>
-                      <a:headEnd type="none" w="med" len="med"/>
-                      <a:tailEnd type="none" w="med" len="med"/>
-                    </a:lnR>
-                    <a:lnT w="12700" cap="flat" cmpd="sng" algn="ctr">
-                      <a:solidFill>
-                        <a:schemeClr val="tx1"/>
-                      </a:solidFill>
-                      <a:prstDash val="solid"/>
-                      <a:round/>
-                      <a:headEnd type="none" w="med" len="med"/>
-                      <a:tailEnd type="none" w="med" len="med"/>
-                    </a:lnT>
-                    <a:lnB w="12700" cap="flat" cmpd="sng" algn="ctr">
-                      <a:solidFill>
-                        <a:schemeClr val="tx1"/>
-                      </a:solidFill>
-                      <a:prstDash val="solid"/>
-                      <a:round/>
-                      <a:headEnd type="none" w="med" len="med"/>
-                      <a:tailEnd type="none" w="med" len="med"/>
-                    </a:lnB>
-                    <a:noFill/>
-                  </a:tcPr>
-                </a:tc>
-                <a:tc>
-                  <a:txBody>
-                    <a:bodyPr/>
-                    <a:lstStyle/>
-                    <a:p>
-                      <a:pPr algn="ctr" latinLnBrk="1"/>
-                      <a:endParaRPr lang="ko-KR" altLang="en-US" sz="1100" dirty="0">
-                        <a:solidFill>
-                          <a:schemeClr val="tx1"/>
-                        </a:solidFill>
-                      </a:endParaRPr>
-                    </a:p>
-                  </a:txBody>
-                  <a:tcPr>
-                    <a:lnL w="12700" cap="flat" cmpd="sng" algn="ctr">
-                      <a:solidFill>
-                        <a:schemeClr val="tx1"/>
-                      </a:solidFill>
-                      <a:prstDash val="solid"/>
-                      <a:round/>
-                      <a:headEnd type="none" w="med" len="med"/>
-                      <a:tailEnd type="none" w="med" len="med"/>
-                    </a:lnL>
-                    <a:lnR w="12700" cap="flat" cmpd="sng" algn="ctr">
-                      <a:solidFill>
-                        <a:schemeClr val="tx1"/>
-                      </a:solidFill>
-                      <a:prstDash val="solid"/>
-                      <a:round/>
-                      <a:headEnd type="none" w="med" len="med"/>
-                      <a:tailEnd type="none" w="med" len="med"/>
-                    </a:lnR>
-                    <a:lnT w="12700" cap="flat" cmpd="sng" algn="ctr">
-                      <a:solidFill>
-                        <a:schemeClr val="tx1"/>
-                      </a:solidFill>
-                      <a:prstDash val="solid"/>
-                      <a:round/>
-                      <a:headEnd type="none" w="med" len="med"/>
-                      <a:tailEnd type="none" w="med" len="med"/>
-                    </a:lnT>
-                    <a:lnB w="12700" cap="flat" cmpd="sng" algn="ctr">
-                      <a:solidFill>
-                        <a:schemeClr val="tx1"/>
-                      </a:solidFill>
-                      <a:prstDash val="solid"/>
-                      <a:round/>
-                      <a:headEnd type="none" w="med" len="med"/>
-                      <a:tailEnd type="none" w="med" len="med"/>
-                    </a:lnB>
-                    <a:noFill/>
-                  </a:tcPr>
-                </a:tc>
-                <a:tc>
-                  <a:txBody>
-                    <a:bodyPr/>
-                    <a:lstStyle/>
-                    <a:p>
-                      <a:pPr marL="228600" indent="-228600" algn="l" latinLnBrk="1">
-                        <a:lnSpc>
-                          <a:spcPct val="125000"/>
-                        </a:lnSpc>
-                        <a:buFont typeface="Arial" panose="020B0604020202020204" pitchFamily="34" charset="0"/>
-                        <a:buChar char="•"/>
-                      </a:pPr>
+                        <a:rPr lang="ko-KR" altLang="en-US" sz="1100">
+                          <a:solidFill>
+                            <a:schemeClr val="tx1"/>
+                          </a:solidFill>
+                        </a:rPr>
+                        <a:t>검색 </a:t>
+                      </a:r>
                       <a:r>
                         <a:rPr lang="ko-KR" altLang="en-US" sz="1100" dirty="0">
                           <a:solidFill>
                             <a:schemeClr val="tx1"/>
                           </a:solidFill>
                         </a:rPr>
-                        <a:t>상단 탭 메뉴</a:t>
-                      </a:r>
-                      <a:endParaRPr lang="en-US" altLang="ko-KR" sz="1100" dirty="0">
-                        <a:solidFill>
-                          <a:schemeClr val="tx1"/>
-                        </a:solidFill>
-                      </a:endParaRPr>
-                    </a:p>
-                    <a:p>
-                      <a:pPr marL="0" indent="0" algn="l" latinLnBrk="1">
-                        <a:lnSpc>
-                          <a:spcPct val="125000"/>
-                        </a:lnSpc>
-                        <a:buFont typeface="+mj-ea"/>
-                        <a:buNone/>
-                      </a:pPr>
-                      <a:r>
-                        <a:rPr lang="en-US" altLang="ko-KR" sz="1100" dirty="0">
-                          <a:solidFill>
-                            <a:schemeClr val="tx1"/>
-                          </a:solidFill>
-                        </a:rPr>
-                        <a:t> - </a:t>
-                      </a:r>
-                      <a:r>
-                        <a:rPr lang="ko-KR" altLang="en-US" sz="1100" dirty="0">
-                          <a:solidFill>
-                            <a:schemeClr val="tx1"/>
-                          </a:solidFill>
-                        </a:rPr>
-                        <a:t>각 메뉴 페이지로 이동</a:t>
-                      </a:r>
-                      <a:r>
-                        <a:rPr lang="en-US" altLang="ko-KR" sz="1100" dirty="0">
-                          <a:solidFill>
-                            <a:schemeClr val="tx1"/>
-                          </a:solidFill>
-                        </a:rPr>
-                        <a:t>.</a:t>
-                      </a:r>
-                    </a:p>
-                    <a:p>
-                      <a:pPr marL="0" indent="0" algn="l" latinLnBrk="1">
-                        <a:lnSpc>
-                          <a:spcPct val="125000"/>
-                        </a:lnSpc>
-                        <a:buFont typeface="+mj-ea"/>
-                        <a:buNone/>
-                      </a:pPr>
-                      <a:r>
-                        <a:rPr lang="en-US" altLang="ko-KR" sz="1000" dirty="0">
-                          <a:solidFill>
-                            <a:schemeClr val="tx1"/>
-                          </a:solidFill>
-                        </a:rPr>
-                        <a:t> - URL : company.html (</a:t>
-                      </a:r>
-                      <a:r>
-                        <a:rPr lang="ko-KR" altLang="en-US" sz="1000" dirty="0">
-                          <a:solidFill>
-                            <a:schemeClr val="tx1"/>
-                          </a:solidFill>
-                        </a:rPr>
-                        <a:t>회사소개</a:t>
-                      </a:r>
-                      <a:r>
-                        <a:rPr lang="en-US" altLang="ko-KR" sz="1000" dirty="0">
-                          <a:solidFill>
-                            <a:schemeClr val="tx1"/>
-                          </a:solidFill>
-                        </a:rPr>
-                        <a:t>)</a:t>
-                      </a:r>
-                    </a:p>
-                    <a:p>
-                      <a:pPr marL="0" indent="0" algn="l" latinLnBrk="1">
-                        <a:lnSpc>
-                          <a:spcPct val="125000"/>
-                        </a:lnSpc>
-                        <a:buFont typeface="+mj-ea"/>
-                        <a:buNone/>
-                      </a:pPr>
-                      <a:r>
-                        <a:rPr lang="en-US" altLang="ko-KR" sz="1000" dirty="0">
-                          <a:solidFill>
-                            <a:schemeClr val="tx1"/>
-                          </a:solidFill>
-                        </a:rPr>
-                        <a:t> - URL : books.html (</a:t>
-                      </a:r>
-                      <a:r>
-                        <a:rPr lang="ko-KR" altLang="en-US" sz="1000" dirty="0">
-                          <a:solidFill>
-                            <a:schemeClr val="tx1"/>
-                          </a:solidFill>
-                        </a:rPr>
-                        <a:t>도서</a:t>
-                      </a:r>
-                      <a:r>
-                        <a:rPr lang="en-US" altLang="ko-KR" sz="1000" dirty="0">
-                          <a:solidFill>
-                            <a:schemeClr val="tx1"/>
-                          </a:solidFill>
-                        </a:rPr>
-                        <a:t>)</a:t>
-                      </a:r>
-                    </a:p>
-                    <a:p>
-                      <a:pPr marL="0" indent="0" algn="l" latinLnBrk="1">
-                        <a:lnSpc>
-                          <a:spcPct val="125000"/>
-                        </a:lnSpc>
-                        <a:buFont typeface="+mj-ea"/>
-                        <a:buNone/>
-                      </a:pPr>
-                      <a:r>
-                        <a:rPr lang="en-US" altLang="ko-KR" sz="1000" dirty="0">
-                          <a:solidFill>
-                            <a:schemeClr val="tx1"/>
-                          </a:solidFill>
-                        </a:rPr>
-                        <a:t> - URL : pds.html (</a:t>
-                      </a:r>
-                      <a:r>
-                        <a:rPr lang="ko-KR" altLang="en-US" sz="1000" dirty="0">
-                          <a:solidFill>
-                            <a:schemeClr val="tx1"/>
-                          </a:solidFill>
-                        </a:rPr>
-                        <a:t>자료실</a:t>
-                      </a:r>
-                      <a:r>
-                        <a:rPr lang="en-US" altLang="ko-KR" sz="1000" dirty="0">
-                          <a:solidFill>
-                            <a:schemeClr val="tx1"/>
-                          </a:solidFill>
-                        </a:rPr>
-                        <a:t>)</a:t>
-                      </a:r>
-                    </a:p>
-                    <a:p>
-                      <a:pPr marL="0" indent="0" algn="l" latinLnBrk="1">
-                        <a:lnSpc>
-                          <a:spcPct val="125000"/>
-                        </a:lnSpc>
-                        <a:buFont typeface="+mj-ea"/>
-                        <a:buNone/>
-                      </a:pPr>
-                      <a:r>
-                        <a:rPr lang="en-US" altLang="ko-KR" sz="1000" dirty="0">
-                          <a:solidFill>
-                            <a:schemeClr val="tx1"/>
-                          </a:solidFill>
-                        </a:rPr>
-                        <a:t> - URL : ans_board.html (</a:t>
-                      </a:r>
-                      <a:r>
-                        <a:rPr lang="ko-KR" altLang="en-US" sz="1000" dirty="0">
-                          <a:solidFill>
-                            <a:schemeClr val="tx1"/>
-                          </a:solidFill>
-                        </a:rPr>
-                        <a:t>질문답변</a:t>
-                      </a:r>
-                      <a:r>
-                        <a:rPr lang="en-US" altLang="ko-KR" sz="1000" dirty="0">
-                          <a:solidFill>
-                            <a:schemeClr val="tx1"/>
-                          </a:solidFill>
-                        </a:rPr>
-                        <a:t>)</a:t>
-                      </a:r>
-                    </a:p>
-                    <a:p>
-                      <a:pPr marL="0" indent="0" algn="l" latinLnBrk="1">
-                        <a:lnSpc>
-                          <a:spcPct val="125000"/>
-                        </a:lnSpc>
-                        <a:buFont typeface="+mj-ea"/>
-                        <a:buNone/>
-                      </a:pPr>
-                      <a:r>
-                        <a:rPr lang="en-US" altLang="ko-KR" sz="1000" dirty="0">
-                          <a:solidFill>
-                            <a:schemeClr val="tx1"/>
-                          </a:solidFill>
-                        </a:rPr>
-                        <a:t> - URL : online.html (</a:t>
-                      </a:r>
-                      <a:r>
-                        <a:rPr lang="ko-KR" altLang="en-US" sz="1000" dirty="0">
-                          <a:solidFill>
-                            <a:schemeClr val="tx1"/>
-                          </a:solidFill>
-                        </a:rPr>
-                        <a:t>동영상 강의</a:t>
-                      </a:r>
-                      <a:r>
-                        <a:rPr lang="en-US" altLang="ko-KR" sz="1000" dirty="0">
-                          <a:solidFill>
-                            <a:schemeClr val="tx1"/>
-                          </a:solidFill>
-                        </a:rPr>
-                        <a:t>)</a:t>
-                      </a:r>
-                    </a:p>
-                    <a:p>
-                      <a:pPr marL="228600" indent="-228600" algn="l" latinLnBrk="1">
-                        <a:lnSpc>
-                          <a:spcPct val="125000"/>
-                        </a:lnSpc>
-                        <a:buFont typeface="Arial" panose="020B0604020202020204" pitchFamily="34" charset="0"/>
-                        <a:buChar char="•"/>
-                      </a:pPr>
-                      <a:r>
-                        <a:rPr lang="ko-KR" altLang="en-US" sz="1100" dirty="0">
-                          <a:solidFill>
-                            <a:schemeClr val="tx1"/>
-                          </a:solidFill>
-                        </a:rPr>
-                        <a:t>검색 창</a:t>
+                        <a:t>창</a:t>
                       </a:r>
                       <a:endParaRPr lang="en-US" altLang="ko-KR" sz="1100" dirty="0">
                         <a:solidFill>

--- a/Documents/화면설계서.pptx
+++ b/Documents/화면설계서.pptx
@@ -5,7 +5,7 @@
     <p:sldMasterId id="2147483648" r:id="rId1"/>
   </p:sldMasterIdLst>
   <p:notesMasterIdLst>
-    <p:notesMasterId r:id="rId21"/>
+    <p:notesMasterId r:id="rId22"/>
   </p:notesMasterIdLst>
   <p:sldIdLst>
     <p:sldId id="279" r:id="rId2"/>
@@ -24,9 +24,10 @@
     <p:sldId id="287" r:id="rId15"/>
     <p:sldId id="289" r:id="rId16"/>
     <p:sldId id="288" r:id="rId17"/>
-    <p:sldId id="265" r:id="rId18"/>
-    <p:sldId id="268" r:id="rId19"/>
-    <p:sldId id="267" r:id="rId20"/>
+    <p:sldId id="290" r:id="rId18"/>
+    <p:sldId id="265" r:id="rId19"/>
+    <p:sldId id="268" r:id="rId20"/>
+    <p:sldId id="267" r:id="rId21"/>
   </p:sldIdLst>
   <p:sldSz cx="12192000" cy="6858000"/>
   <p:notesSz cx="6858000" cy="9144000"/>
@@ -215,7 +216,7 @@
           <a:p>
             <a:fld id="{2A2A61BD-85B6-4952-8352-7323239EDB97}" type="datetimeFigureOut">
               <a:rPr lang="ko-KR" altLang="en-US" smtClean="0"/>
-              <a:t>2020-06-02</a:t>
+              <a:t>2020-06-03</a:t>
             </a:fld>
             <a:endParaRPr lang="ko-KR" altLang="en-US"/>
           </a:p>
@@ -611,7 +612,7 @@
           <a:p>
             <a:fld id="{1F3F10A2-1868-4C8C-9F00-753B47F5FC10}" type="datetimeFigureOut">
               <a:rPr lang="ko-KR" altLang="en-US" smtClean="0"/>
-              <a:t>2020-06-02</a:t>
+              <a:t>2020-06-03</a:t>
             </a:fld>
             <a:endParaRPr lang="ko-KR" altLang="en-US"/>
           </a:p>
@@ -779,7 +780,7 @@
           <a:p>
             <a:fld id="{1F3F10A2-1868-4C8C-9F00-753B47F5FC10}" type="datetimeFigureOut">
               <a:rPr lang="ko-KR" altLang="en-US" smtClean="0"/>
-              <a:t>2020-06-02</a:t>
+              <a:t>2020-06-03</a:t>
             </a:fld>
             <a:endParaRPr lang="ko-KR" altLang="en-US"/>
           </a:p>
@@ -957,7 +958,7 @@
           <a:p>
             <a:fld id="{1F3F10A2-1868-4C8C-9F00-753B47F5FC10}" type="datetimeFigureOut">
               <a:rPr lang="ko-KR" altLang="en-US" smtClean="0"/>
-              <a:t>2020-06-02</a:t>
+              <a:t>2020-06-03</a:t>
             </a:fld>
             <a:endParaRPr lang="ko-KR" altLang="en-US"/>
           </a:p>
@@ -1125,7 +1126,7 @@
           <a:p>
             <a:fld id="{1F3F10A2-1868-4C8C-9F00-753B47F5FC10}" type="datetimeFigureOut">
               <a:rPr lang="ko-KR" altLang="en-US" smtClean="0"/>
-              <a:t>2020-06-02</a:t>
+              <a:t>2020-06-03</a:t>
             </a:fld>
             <a:endParaRPr lang="ko-KR" altLang="en-US"/>
           </a:p>
@@ -1370,7 +1371,7 @@
           <a:p>
             <a:fld id="{1F3F10A2-1868-4C8C-9F00-753B47F5FC10}" type="datetimeFigureOut">
               <a:rPr lang="ko-KR" altLang="en-US" smtClean="0"/>
-              <a:t>2020-06-02</a:t>
+              <a:t>2020-06-03</a:t>
             </a:fld>
             <a:endParaRPr lang="ko-KR" altLang="en-US"/>
           </a:p>
@@ -1599,7 +1600,7 @@
           <a:p>
             <a:fld id="{1F3F10A2-1868-4C8C-9F00-753B47F5FC10}" type="datetimeFigureOut">
               <a:rPr lang="ko-KR" altLang="en-US" smtClean="0"/>
-              <a:t>2020-06-02</a:t>
+              <a:t>2020-06-03</a:t>
             </a:fld>
             <a:endParaRPr lang="ko-KR" altLang="en-US"/>
           </a:p>
@@ -1963,7 +1964,7 @@
           <a:p>
             <a:fld id="{1F3F10A2-1868-4C8C-9F00-753B47F5FC10}" type="datetimeFigureOut">
               <a:rPr lang="ko-KR" altLang="en-US" smtClean="0"/>
-              <a:t>2020-06-02</a:t>
+              <a:t>2020-06-03</a:t>
             </a:fld>
             <a:endParaRPr lang="ko-KR" altLang="en-US"/>
           </a:p>
@@ -2080,7 +2081,7 @@
           <a:p>
             <a:fld id="{1F3F10A2-1868-4C8C-9F00-753B47F5FC10}" type="datetimeFigureOut">
               <a:rPr lang="ko-KR" altLang="en-US" smtClean="0"/>
-              <a:t>2020-06-02</a:t>
+              <a:t>2020-06-03</a:t>
             </a:fld>
             <a:endParaRPr lang="ko-KR" altLang="en-US"/>
           </a:p>
@@ -2175,7 +2176,7 @@
           <a:p>
             <a:fld id="{1F3F10A2-1868-4C8C-9F00-753B47F5FC10}" type="datetimeFigureOut">
               <a:rPr lang="ko-KR" altLang="en-US" smtClean="0"/>
-              <a:t>2020-06-02</a:t>
+              <a:t>2020-06-03</a:t>
             </a:fld>
             <a:endParaRPr lang="ko-KR" altLang="en-US"/>
           </a:p>
@@ -2450,7 +2451,7 @@
           <a:p>
             <a:fld id="{1F3F10A2-1868-4C8C-9F00-753B47F5FC10}" type="datetimeFigureOut">
               <a:rPr lang="ko-KR" altLang="en-US" smtClean="0"/>
-              <a:t>2020-06-02</a:t>
+              <a:t>2020-06-03</a:t>
             </a:fld>
             <a:endParaRPr lang="ko-KR" altLang="en-US"/>
           </a:p>
@@ -2702,7 +2703,7 @@
           <a:p>
             <a:fld id="{1F3F10A2-1868-4C8C-9F00-753B47F5FC10}" type="datetimeFigureOut">
               <a:rPr lang="ko-KR" altLang="en-US" smtClean="0"/>
-              <a:t>2020-06-02</a:t>
+              <a:t>2020-06-03</a:t>
             </a:fld>
             <a:endParaRPr lang="ko-KR" altLang="en-US"/>
           </a:p>
@@ -2913,7 +2914,7 @@
           <a:p>
             <a:fld id="{1F3F10A2-1868-4C8C-9F00-753B47F5FC10}" type="datetimeFigureOut">
               <a:rPr lang="ko-KR" altLang="en-US" smtClean="0"/>
-              <a:t>2020-06-02</a:t>
+              <a:t>2020-06-03</a:t>
             </a:fld>
             <a:endParaRPr lang="ko-KR" altLang="en-US"/>
           </a:p>
@@ -15180,14 +15181,14 @@
           <p:nvPr>
             <p:extLst>
               <p:ext uri="{D42A27DB-BD31-4B8C-83A1-F6EECF244321}">
-                <p14:modId xmlns:p14="http://schemas.microsoft.com/office/powerpoint/2010/main" val="295391925"/>
+                <p14:modId xmlns:p14="http://schemas.microsoft.com/office/powerpoint/2010/main" val="1167510079"/>
               </p:ext>
             </p:extLst>
           </p:nvPr>
         </p:nvGraphicFramePr>
         <p:xfrm>
           <a:off x="7301681" y="784445"/>
-          <a:ext cx="4899028" cy="741680"/>
+          <a:ext cx="4899028" cy="1348106"/>
         </p:xfrm>
         <a:graphic>
           <a:graphicData uri="http://schemas.openxmlformats.org/drawingml/2006/table">
@@ -15430,6 +15431,14 @@
                     <a:lstStyle/>
                     <a:p>
                       <a:pPr algn="ctr" latinLnBrk="1"/>
+                      <a:r>
+                        <a:rPr lang="en-US" altLang="ko-KR" sz="1100" dirty="0">
+                          <a:solidFill>
+                            <a:schemeClr val="tx1"/>
+                          </a:solidFill>
+                        </a:rPr>
+                        <a:t>1</a:t>
+                      </a:r>
                       <a:endParaRPr lang="ko-KR" altLang="en-US" sz="1100" dirty="0">
                         <a:solidFill>
                           <a:schemeClr val="tx1"/>
@@ -15542,11 +15551,52 @@
                         <a:buFont typeface="Arial" panose="020B0604020202020204" pitchFamily="34" charset="0"/>
                         <a:buChar char="•"/>
                       </a:pPr>
+                      <a:r>
+                        <a:rPr lang="ko-KR" altLang="en-US" sz="1100" dirty="0">
+                          <a:solidFill>
+                            <a:schemeClr val="tx1"/>
+                          </a:solidFill>
+                        </a:rPr>
+                        <a:t>회사소개</a:t>
+                      </a:r>
                       <a:endParaRPr lang="en-US" altLang="ko-KR" sz="1100" dirty="0">
                         <a:solidFill>
                           <a:schemeClr val="tx1"/>
                         </a:solidFill>
                       </a:endParaRPr>
+                    </a:p>
+                    <a:p>
+                      <a:pPr marL="0" indent="0" algn="l" latinLnBrk="1">
+                        <a:lnSpc>
+                          <a:spcPct val="125000"/>
+                        </a:lnSpc>
+                        <a:buFont typeface="Arial" panose="020B0604020202020204" pitchFamily="34" charset="0"/>
+                        <a:buNone/>
+                      </a:pPr>
+                      <a:r>
+                        <a:rPr lang="en-US" altLang="ko-KR" sz="1100" dirty="0">
+                          <a:solidFill>
+                            <a:schemeClr val="tx1"/>
+                          </a:solidFill>
+                        </a:rPr>
+                        <a:t> - </a:t>
+                      </a:r>
+                      <a:r>
+                        <a:rPr lang="ko-KR" altLang="en-US" sz="1100" dirty="0">
+                          <a:solidFill>
+                            <a:schemeClr val="tx1"/>
+                          </a:solidFill>
+                        </a:rPr>
+                        <a:t>회사소개 페이지로 이동</a:t>
+                      </a:r>
+                      <a:r>
+                        <a:rPr lang="en-US" altLang="ko-KR" sz="1100" dirty="0">
+                          <a:solidFill>
+                            <a:schemeClr val="tx1"/>
+                          </a:solidFill>
+                        </a:rPr>
+                        <a:t>.</a:t>
+                      </a:r>
                     </a:p>
                   </a:txBody>
                   <a:tcPr>
@@ -15592,6 +15642,227 @@
                 <a:extLst>
                   <a:ext uri="{0D108BD9-81ED-4DB2-BD59-A6C34878D82A}">
                     <a16:rowId xmlns:a16="http://schemas.microsoft.com/office/drawing/2014/main" val="3194885923"/>
+                  </a:ext>
+                </a:extLst>
+              </a:tr>
+              <a:tr h="370840">
+                <a:tc>
+                  <a:txBody>
+                    <a:bodyPr/>
+                    <a:lstStyle/>
+                    <a:p>
+                      <a:pPr algn="ctr" latinLnBrk="1"/>
+                      <a:r>
+                        <a:rPr lang="en-US" altLang="ko-KR" sz="1100" dirty="0">
+                          <a:solidFill>
+                            <a:schemeClr val="tx1"/>
+                          </a:solidFill>
+                        </a:rPr>
+                        <a:t>2</a:t>
+                      </a:r>
+                      <a:endParaRPr lang="ko-KR" altLang="en-US" sz="1100" dirty="0">
+                        <a:solidFill>
+                          <a:schemeClr val="tx1"/>
+                        </a:solidFill>
+                      </a:endParaRPr>
+                    </a:p>
+                  </a:txBody>
+                  <a:tcPr>
+                    <a:lnL w="12700" cap="flat" cmpd="sng" algn="ctr">
+                      <a:solidFill>
+                        <a:schemeClr val="tx1"/>
+                      </a:solidFill>
+                      <a:prstDash val="solid"/>
+                      <a:round/>
+                      <a:headEnd type="none" w="med" len="med"/>
+                      <a:tailEnd type="none" w="med" len="med"/>
+                    </a:lnL>
+                    <a:lnR w="12700" cap="flat" cmpd="sng" algn="ctr">
+                      <a:solidFill>
+                        <a:schemeClr val="tx1"/>
+                      </a:solidFill>
+                      <a:prstDash val="solid"/>
+                      <a:round/>
+                      <a:headEnd type="none" w="med" len="med"/>
+                      <a:tailEnd type="none" w="med" len="med"/>
+                    </a:lnR>
+                    <a:lnT w="12700" cap="flat" cmpd="sng" algn="ctr">
+                      <a:solidFill>
+                        <a:schemeClr val="tx1"/>
+                      </a:solidFill>
+                      <a:prstDash val="solid"/>
+                      <a:round/>
+                      <a:headEnd type="none" w="med" len="med"/>
+                      <a:tailEnd type="none" w="med" len="med"/>
+                    </a:lnT>
+                    <a:lnB w="12700" cap="flat" cmpd="sng" algn="ctr">
+                      <a:solidFill>
+                        <a:schemeClr val="tx1"/>
+                      </a:solidFill>
+                      <a:prstDash val="solid"/>
+                      <a:round/>
+                      <a:headEnd type="none" w="med" len="med"/>
+                      <a:tailEnd type="none" w="med" len="med"/>
+                    </a:lnB>
+                    <a:noFill/>
+                  </a:tcPr>
+                </a:tc>
+                <a:tc>
+                  <a:txBody>
+                    <a:bodyPr/>
+                    <a:lstStyle/>
+                    <a:p>
+                      <a:pPr algn="ctr" latinLnBrk="1"/>
+                      <a:endParaRPr lang="ko-KR" altLang="en-US" sz="1100" dirty="0">
+                        <a:solidFill>
+                          <a:schemeClr val="tx1"/>
+                        </a:solidFill>
+                      </a:endParaRPr>
+                    </a:p>
+                  </a:txBody>
+                  <a:tcPr>
+                    <a:lnL w="12700" cap="flat" cmpd="sng" algn="ctr">
+                      <a:solidFill>
+                        <a:schemeClr val="tx1"/>
+                      </a:solidFill>
+                      <a:prstDash val="solid"/>
+                      <a:round/>
+                      <a:headEnd type="none" w="med" len="med"/>
+                      <a:tailEnd type="none" w="med" len="med"/>
+                    </a:lnL>
+                    <a:lnR w="12700" cap="flat" cmpd="sng" algn="ctr">
+                      <a:solidFill>
+                        <a:schemeClr val="tx1"/>
+                      </a:solidFill>
+                      <a:prstDash val="solid"/>
+                      <a:round/>
+                      <a:headEnd type="none" w="med" len="med"/>
+                      <a:tailEnd type="none" w="med" len="med"/>
+                    </a:lnR>
+                    <a:lnT w="12700" cap="flat" cmpd="sng" algn="ctr">
+                      <a:solidFill>
+                        <a:schemeClr val="tx1"/>
+                      </a:solidFill>
+                      <a:prstDash val="solid"/>
+                      <a:round/>
+                      <a:headEnd type="none" w="med" len="med"/>
+                      <a:tailEnd type="none" w="med" len="med"/>
+                    </a:lnT>
+                    <a:lnB w="12700" cap="flat" cmpd="sng" algn="ctr">
+                      <a:solidFill>
+                        <a:schemeClr val="tx1"/>
+                      </a:solidFill>
+                      <a:prstDash val="solid"/>
+                      <a:round/>
+                      <a:headEnd type="none" w="med" len="med"/>
+                      <a:tailEnd type="none" w="med" len="med"/>
+                    </a:lnB>
+                    <a:noFill/>
+                  </a:tcPr>
+                </a:tc>
+                <a:tc>
+                  <a:txBody>
+                    <a:bodyPr/>
+                    <a:lstStyle/>
+                    <a:p>
+                      <a:pPr marL="182563" indent="-182563" algn="l" latinLnBrk="1">
+                        <a:lnSpc>
+                          <a:spcPct val="125000"/>
+                        </a:lnSpc>
+                        <a:buFont typeface="Arial" panose="020B0604020202020204" pitchFamily="34" charset="0"/>
+                        <a:buChar char="•"/>
+                      </a:pPr>
+                      <a:r>
+                        <a:rPr lang="ko-KR" altLang="en-US" sz="1100" dirty="0">
+                          <a:solidFill>
+                            <a:schemeClr val="tx1"/>
+                          </a:solidFill>
+                        </a:rPr>
+                        <a:t>찾아오시는 길</a:t>
+                      </a:r>
+                      <a:endParaRPr lang="en-US" altLang="ko-KR" sz="1100" dirty="0">
+                        <a:solidFill>
+                          <a:schemeClr val="tx1"/>
+                        </a:solidFill>
+                      </a:endParaRPr>
+                    </a:p>
+                    <a:p>
+                      <a:pPr marL="0" indent="0" algn="l" latinLnBrk="1">
+                        <a:lnSpc>
+                          <a:spcPct val="125000"/>
+                        </a:lnSpc>
+                        <a:buFont typeface="Arial" panose="020B0604020202020204" pitchFamily="34" charset="0"/>
+                        <a:buNone/>
+                      </a:pPr>
+                      <a:r>
+                        <a:rPr lang="en-US" altLang="ko-KR" sz="1100" dirty="0">
+                          <a:solidFill>
+                            <a:schemeClr val="tx1"/>
+                          </a:solidFill>
+                        </a:rPr>
+                        <a:t> - </a:t>
+                      </a:r>
+                      <a:r>
+                        <a:rPr lang="ko-KR" altLang="en-US" sz="1100" dirty="0">
+                          <a:solidFill>
+                            <a:schemeClr val="tx1"/>
+                          </a:solidFill>
+                        </a:rPr>
+                        <a:t>찾아오시는 길 페이지로 이동</a:t>
+                      </a:r>
+                      <a:r>
+                        <a:rPr lang="en-US" altLang="ko-KR" sz="1100" dirty="0">
+                          <a:solidFill>
+                            <a:schemeClr val="tx1"/>
+                          </a:solidFill>
+                        </a:rPr>
+                        <a:t>.</a:t>
+                      </a:r>
+                    </a:p>
+                  </a:txBody>
+                  <a:tcPr>
+                    <a:lnL w="12700" cap="flat" cmpd="sng" algn="ctr">
+                      <a:solidFill>
+                        <a:schemeClr val="tx1"/>
+                      </a:solidFill>
+                      <a:prstDash val="solid"/>
+                      <a:round/>
+                      <a:headEnd type="none" w="med" len="med"/>
+                      <a:tailEnd type="none" w="med" len="med"/>
+                    </a:lnL>
+                    <a:lnR w="12700" cap="flat" cmpd="sng" algn="ctr">
+                      <a:solidFill>
+                        <a:schemeClr val="tx1"/>
+                      </a:solidFill>
+                      <a:prstDash val="solid"/>
+                      <a:round/>
+                      <a:headEnd type="none" w="med" len="med"/>
+                      <a:tailEnd type="none" w="med" len="med"/>
+                    </a:lnR>
+                    <a:lnT w="12700" cap="flat" cmpd="sng" algn="ctr">
+                      <a:solidFill>
+                        <a:schemeClr val="tx1"/>
+                      </a:solidFill>
+                      <a:prstDash val="solid"/>
+                      <a:round/>
+                      <a:headEnd type="none" w="med" len="med"/>
+                      <a:tailEnd type="none" w="med" len="med"/>
+                    </a:lnT>
+                    <a:lnB w="12700" cap="flat" cmpd="sng" algn="ctr">
+                      <a:solidFill>
+                        <a:schemeClr val="tx1"/>
+                      </a:solidFill>
+                      <a:prstDash val="solid"/>
+                      <a:round/>
+                      <a:headEnd type="none" w="med" len="med"/>
+                      <a:tailEnd type="none" w="med" len="med"/>
+                    </a:lnB>
+                    <a:noFill/>
+                  </a:tcPr>
+                </a:tc>
+                <a:extLst>
+                  <a:ext uri="{0D108BD9-81ED-4DB2-BD59-A6C34878D82A}">
+                    <a16:rowId xmlns:a16="http://schemas.microsoft.com/office/drawing/2014/main" val="2863111091"/>
                   </a:ext>
                 </a:extLst>
               </a:tr>
@@ -16408,6 +16679,216 @@
           </a:p>
         </p:txBody>
       </p:sp>
+      <p:sp>
+        <p:nvSpPr>
+          <p:cNvPr id="11" name="직사각형 10">
+            <a:extLst>
+              <a:ext uri="{FF2B5EF4-FFF2-40B4-BE49-F238E27FC236}">
+                <a16:creationId xmlns:a16="http://schemas.microsoft.com/office/drawing/2014/main" id="{EEB5D449-9917-4A55-BCCE-52E5A75205E2}"/>
+              </a:ext>
+            </a:extLst>
+          </p:cNvPr>
+          <p:cNvSpPr/>
+          <p:nvPr/>
+        </p:nvSpPr>
+        <p:spPr>
+          <a:xfrm>
+            <a:off x="487409" y="1645920"/>
+            <a:ext cx="1282723" cy="171163"/>
+          </a:xfrm>
+          <a:prstGeom prst="rect">
+            <a:avLst/>
+          </a:prstGeom>
+          <a:noFill/>
+          <a:ln w="28575">
+            <a:solidFill>
+              <a:srgbClr val="FF0000"/>
+            </a:solidFill>
+          </a:ln>
+        </p:spPr>
+        <p:style>
+          <a:lnRef idx="2">
+            <a:schemeClr val="accent1">
+              <a:shade val="50000"/>
+            </a:schemeClr>
+          </a:lnRef>
+          <a:fillRef idx="1">
+            <a:schemeClr val="accent1"/>
+          </a:fillRef>
+          <a:effectRef idx="0">
+            <a:schemeClr val="accent1"/>
+          </a:effectRef>
+          <a:fontRef idx="minor">
+            <a:schemeClr val="lt1"/>
+          </a:fontRef>
+        </p:style>
+        <p:txBody>
+          <a:bodyPr rtlCol="0" anchor="ctr"/>
+          <a:lstStyle/>
+          <a:p>
+            <a:pPr algn="ctr"/>
+            <a:endParaRPr lang="ko-KR" altLang="en-US"/>
+          </a:p>
+        </p:txBody>
+      </p:sp>
+      <p:sp>
+        <p:nvSpPr>
+          <p:cNvPr id="12" name="직사각형 11">
+            <a:extLst>
+              <a:ext uri="{FF2B5EF4-FFF2-40B4-BE49-F238E27FC236}">
+                <a16:creationId xmlns:a16="http://schemas.microsoft.com/office/drawing/2014/main" id="{FB4EF422-026E-491C-8060-714479608ECE}"/>
+              </a:ext>
+            </a:extLst>
+          </p:cNvPr>
+          <p:cNvSpPr/>
+          <p:nvPr/>
+        </p:nvSpPr>
+        <p:spPr>
+          <a:xfrm>
+            <a:off x="487409" y="1859848"/>
+            <a:ext cx="1282724" cy="171163"/>
+          </a:xfrm>
+          <a:prstGeom prst="rect">
+            <a:avLst/>
+          </a:prstGeom>
+          <a:noFill/>
+          <a:ln w="28575">
+            <a:solidFill>
+              <a:srgbClr val="FF0000"/>
+            </a:solidFill>
+          </a:ln>
+        </p:spPr>
+        <p:style>
+          <a:lnRef idx="2">
+            <a:schemeClr val="accent1">
+              <a:shade val="50000"/>
+            </a:schemeClr>
+          </a:lnRef>
+          <a:fillRef idx="1">
+            <a:schemeClr val="accent1"/>
+          </a:fillRef>
+          <a:effectRef idx="0">
+            <a:schemeClr val="accent1"/>
+          </a:effectRef>
+          <a:fontRef idx="minor">
+            <a:schemeClr val="lt1"/>
+          </a:fontRef>
+        </p:style>
+        <p:txBody>
+          <a:bodyPr rtlCol="0" anchor="ctr"/>
+          <a:lstStyle/>
+          <a:p>
+            <a:pPr algn="ctr"/>
+            <a:endParaRPr lang="ko-KR" altLang="en-US"/>
+          </a:p>
+        </p:txBody>
+      </p:sp>
+      <p:sp>
+        <p:nvSpPr>
+          <p:cNvPr id="13" name="타원 12">
+            <a:extLst>
+              <a:ext uri="{FF2B5EF4-FFF2-40B4-BE49-F238E27FC236}">
+                <a16:creationId xmlns:a16="http://schemas.microsoft.com/office/drawing/2014/main" id="{22ECAA30-8582-40A1-B331-5BDF2608080C}"/>
+              </a:ext>
+            </a:extLst>
+          </p:cNvPr>
+          <p:cNvSpPr/>
+          <p:nvPr/>
+        </p:nvSpPr>
+        <p:spPr>
+          <a:xfrm>
+            <a:off x="182775" y="1570815"/>
+            <a:ext cx="254977" cy="254977"/>
+          </a:xfrm>
+          <a:prstGeom prst="ellipse">
+            <a:avLst/>
+          </a:prstGeom>
+          <a:ln>
+            <a:noFill/>
+          </a:ln>
+        </p:spPr>
+        <p:style>
+          <a:lnRef idx="2">
+            <a:schemeClr val="accent4">
+              <a:shade val="50000"/>
+            </a:schemeClr>
+          </a:lnRef>
+          <a:fillRef idx="1">
+            <a:schemeClr val="accent4"/>
+          </a:fillRef>
+          <a:effectRef idx="0">
+            <a:schemeClr val="accent4"/>
+          </a:effectRef>
+          <a:fontRef idx="minor">
+            <a:schemeClr val="lt1"/>
+          </a:fontRef>
+        </p:style>
+        <p:txBody>
+          <a:bodyPr rtlCol="0" anchor="ctr"/>
+          <a:lstStyle/>
+          <a:p>
+            <a:pPr algn="ctr"/>
+            <a:r>
+              <a:rPr lang="en-US" altLang="ko-KR" dirty="0"/>
+              <a:t>1</a:t>
+            </a:r>
+            <a:endParaRPr lang="ko-KR" altLang="en-US" dirty="0"/>
+          </a:p>
+        </p:txBody>
+      </p:sp>
+      <p:sp>
+        <p:nvSpPr>
+          <p:cNvPr id="14" name="타원 13">
+            <a:extLst>
+              <a:ext uri="{FF2B5EF4-FFF2-40B4-BE49-F238E27FC236}">
+                <a16:creationId xmlns:a16="http://schemas.microsoft.com/office/drawing/2014/main" id="{08135CBB-2CFE-4274-8697-B2A78BCEA5FF}"/>
+              </a:ext>
+            </a:extLst>
+          </p:cNvPr>
+          <p:cNvSpPr/>
+          <p:nvPr/>
+        </p:nvSpPr>
+        <p:spPr>
+          <a:xfrm>
+            <a:off x="174065" y="1843427"/>
+            <a:ext cx="254977" cy="254977"/>
+          </a:xfrm>
+          <a:prstGeom prst="ellipse">
+            <a:avLst/>
+          </a:prstGeom>
+          <a:ln>
+            <a:noFill/>
+          </a:ln>
+        </p:spPr>
+        <p:style>
+          <a:lnRef idx="2">
+            <a:schemeClr val="accent4">
+              <a:shade val="50000"/>
+            </a:schemeClr>
+          </a:lnRef>
+          <a:fillRef idx="1">
+            <a:schemeClr val="accent4"/>
+          </a:fillRef>
+          <a:effectRef idx="0">
+            <a:schemeClr val="accent4"/>
+          </a:effectRef>
+          <a:fontRef idx="minor">
+            <a:schemeClr val="lt1"/>
+          </a:fontRef>
+        </p:style>
+        <p:txBody>
+          <a:bodyPr rtlCol="0" anchor="ctr"/>
+          <a:lstStyle/>
+          <a:p>
+            <a:pPr algn="ctr"/>
+            <a:r>
+              <a:rPr lang="en-US" altLang="ko-KR" dirty="0"/>
+              <a:t>2</a:t>
+            </a:r>
+            <a:endParaRPr lang="ko-KR" altLang="en-US" dirty="0"/>
+          </a:p>
+        </p:txBody>
+      </p:sp>
     </p:spTree>
     <p:extLst>
       <p:ext uri="{BB962C8B-B14F-4D97-AF65-F5344CB8AC3E}">
@@ -16460,13 +16941,13 @@
               </a:ext>
             </a:extLst>
           </a:blip>
-          <a:srcRect t="16509" b="16317"/>
+          <a:srcRect l="26744" t="16509" b="16317"/>
           <a:stretch/>
         </p:blipFill>
         <p:spPr>
           <a:xfrm>
             <a:off x="0" y="1002158"/>
-            <a:ext cx="7196399" cy="4014653"/>
+            <a:ext cx="7196399" cy="5480295"/>
           </a:xfrm>
           <a:prstGeom prst="rect">
             <a:avLst/>
@@ -16484,7 +16965,13 @@
           <p:cNvGraphicFramePr>
             <a:graphicFrameLocks noGrp="1"/>
           </p:cNvGraphicFramePr>
-          <p:nvPr/>
+          <p:nvPr>
+            <p:extLst>
+              <p:ext uri="{D42A27DB-BD31-4B8C-83A1-F6EECF244321}">
+                <p14:modId xmlns:p14="http://schemas.microsoft.com/office/powerpoint/2010/main" val="3955608204"/>
+              </p:ext>
+            </p:extLst>
+          </p:nvPr>
         </p:nvGraphicFramePr>
         <p:xfrm>
           <a:off x="0" y="0"/>
@@ -16803,7 +17290,7 @@
                             <a:schemeClr val="tx1"/>
                           </a:solidFill>
                         </a:rPr>
-                        <a:t>F-19</a:t>
+                        <a:t>F-20</a:t>
                       </a:r>
                       <a:endParaRPr lang="ko-KR" altLang="en-US" sz="1600" dirty="0">
                         <a:solidFill>
@@ -16932,12 +17419,20 @@
                         <a:t>Gnb</a:t>
                       </a:r>
                       <a:r>
+                        <a:rPr lang="ko-KR" altLang="en-US" sz="1600" dirty="0">
+                          <a:solidFill>
+                            <a:schemeClr val="tx1"/>
+                          </a:solidFill>
+                        </a:rPr>
+                        <a:t> </a:t>
+                      </a:r>
+                      <a:r>
                         <a:rPr lang="en-US" altLang="ko-KR" sz="1600" dirty="0">
                           <a:solidFill>
                             <a:schemeClr val="tx1"/>
                           </a:solidFill>
                         </a:rPr>
-                        <a:t> &gt; </a:t>
+                        <a:t>&gt; </a:t>
                       </a:r>
                       <a:r>
                         <a:rPr lang="ko-KR" altLang="en-US" sz="1600" dirty="0">
@@ -16945,23 +17440,7 @@
                             <a:schemeClr val="tx1"/>
                           </a:solidFill>
                         </a:rPr>
-                        <a:t>회원가입 </a:t>
-                      </a:r>
-                      <a:r>
-                        <a:rPr lang="en-US" altLang="ko-KR" sz="1600" dirty="0">
-                          <a:solidFill>
-                            <a:schemeClr val="tx1"/>
-                          </a:solidFill>
-                        </a:rPr>
-                        <a:t>&gt; </a:t>
-                      </a:r>
-                      <a:r>
-                        <a:rPr lang="ko-KR" altLang="en-US" sz="1600" dirty="0">
-                          <a:solidFill>
-                            <a:schemeClr val="tx1"/>
-                          </a:solidFill>
-                        </a:rPr>
-                        <a:t>약관동의</a:t>
+                        <a:t>회사소개</a:t>
                       </a:r>
                       <a:endParaRPr lang="en-US" altLang="ko-KR" sz="1600" dirty="0">
                         <a:solidFill>
@@ -16993,7 +17472,7 @@
                             <a:schemeClr val="tx1"/>
                           </a:solidFill>
                         </a:rPr>
-                        <a:t>로그인 </a:t>
+                        <a:t>회사소개 </a:t>
                       </a:r>
                       <a:r>
                         <a:rPr lang="en-US" altLang="ko-KR" sz="1600" dirty="0">
@@ -17001,6 +17480,22 @@
                             <a:schemeClr val="tx1"/>
                           </a:solidFill>
                         </a:rPr>
+                        <a:t>&gt; aside</a:t>
+                      </a:r>
+                      <a:r>
+                        <a:rPr lang="ko-KR" altLang="en-US" sz="1600" dirty="0">
+                          <a:solidFill>
+                            <a:schemeClr val="tx1"/>
+                          </a:solidFill>
+                        </a:rPr>
+                        <a:t> </a:t>
+                      </a:r>
+                      <a:r>
+                        <a:rPr lang="en-US" altLang="ko-KR" sz="1600" dirty="0">
+                          <a:solidFill>
+                            <a:schemeClr val="tx1"/>
+                          </a:solidFill>
+                        </a:rPr>
                         <a:t>&gt; </a:t>
                       </a:r>
                       <a:r>
@@ -17009,23 +17504,7 @@
                             <a:schemeClr val="tx1"/>
                           </a:solidFill>
                         </a:rPr>
-                        <a:t>회원가입 </a:t>
-                      </a:r>
-                      <a:r>
-                        <a:rPr lang="en-US" altLang="ko-KR" sz="1600" dirty="0">
-                          <a:solidFill>
-                            <a:schemeClr val="tx1"/>
-                          </a:solidFill>
-                        </a:rPr>
-                        <a:t>&gt; </a:t>
-                      </a:r>
-                      <a:r>
-                        <a:rPr lang="ko-KR" altLang="en-US" sz="1600" dirty="0">
-                          <a:solidFill>
-                            <a:schemeClr val="tx1"/>
-                          </a:solidFill>
-                        </a:rPr>
-                        <a:t>약관동의</a:t>
+                        <a:t>회사소개</a:t>
                       </a:r>
                     </a:p>
                   </a:txBody>
@@ -17613,13 +18092,13 @@
               </a:ext>
             </a:extLst>
           </a:blip>
-          <a:srcRect t="16762" b="16571"/>
+          <a:srcRect l="26260" t="16762" b="16571"/>
           <a:stretch/>
         </p:blipFill>
         <p:spPr>
           <a:xfrm>
-            <a:off x="0" y="793154"/>
-            <a:ext cx="7196400" cy="4014651"/>
+            <a:off x="0" y="993458"/>
+            <a:ext cx="7196400" cy="5444318"/>
           </a:xfrm>
           <a:prstGeom prst="rect">
             <a:avLst/>
@@ -17637,7 +18116,13 @@
           <p:cNvGraphicFramePr>
             <a:graphicFrameLocks noGrp="1"/>
           </p:cNvGraphicFramePr>
-          <p:nvPr/>
+          <p:nvPr>
+            <p:extLst>
+              <p:ext uri="{D42A27DB-BD31-4B8C-83A1-F6EECF244321}">
+                <p14:modId xmlns:p14="http://schemas.microsoft.com/office/powerpoint/2010/main" val="1928360263"/>
+              </p:ext>
+            </p:extLst>
+          </p:nvPr>
         </p:nvGraphicFramePr>
         <p:xfrm>
           <a:off x="0" y="0"/>
@@ -17945,14 +18430,18 @@
                     <a:bodyPr/>
                     <a:lstStyle/>
                     <a:p>
-                      <a:pPr algn="ctr" latinLnBrk="1"/>
+                      <a:pPr algn="ctr" latinLnBrk="1">
+                        <a:lnSpc>
+                          <a:spcPct val="100000"/>
+                        </a:lnSpc>
+                      </a:pPr>
                       <a:r>
                         <a:rPr lang="en-US" altLang="ko-KR" sz="1600" dirty="0">
                           <a:solidFill>
                             <a:schemeClr val="tx1"/>
                           </a:solidFill>
                         </a:rPr>
-                        <a:t>F-13</a:t>
+                        <a:t>F-21</a:t>
                       </a:r>
                       <a:endParaRPr lang="ko-KR" altLang="en-US" sz="1600" dirty="0">
                         <a:solidFill>
@@ -18006,14 +18495,18 @@
                     <a:bodyPr/>
                     <a:lstStyle/>
                     <a:p>
-                      <a:pPr algn="ctr" latinLnBrk="1"/>
+                      <a:pPr algn="ctr" latinLnBrk="1">
+                        <a:lnSpc>
+                          <a:spcPct val="100000"/>
+                        </a:lnSpc>
+                      </a:pPr>
                       <a:r>
                         <a:rPr lang="en-US" altLang="ko-KR" sz="1600" dirty="0">
                           <a:solidFill>
                             <a:schemeClr val="tx1"/>
                           </a:solidFill>
                         </a:rPr>
-                        <a:t>login_form.html</a:t>
+                        <a:t>directions.html</a:t>
                       </a:r>
                       <a:endParaRPr lang="ko-KR" altLang="en-US" sz="1600" dirty="0">
                         <a:solidFill>
@@ -18067,7 +18560,11 @@
                     <a:bodyPr/>
                     <a:lstStyle/>
                     <a:p>
-                      <a:pPr algn="ctr" latinLnBrk="1"/>
+                      <a:pPr algn="ctr" latinLnBrk="1">
+                        <a:lnSpc>
+                          <a:spcPct val="100000"/>
+                        </a:lnSpc>
+                      </a:pPr>
                       <a:r>
                         <a:rPr lang="en-US" altLang="ko-KR" sz="1600" dirty="0" err="1">
                           <a:solidFill>
@@ -18090,7 +18587,39 @@
                             <a:schemeClr val="tx1"/>
                           </a:solidFill>
                         </a:rPr>
-                        <a:t>로그인</a:t>
+                        <a:t>회사소개 </a:t>
+                      </a:r>
+                      <a:r>
+                        <a:rPr lang="en-US" altLang="ko-KR" sz="1600" dirty="0">
+                          <a:solidFill>
+                            <a:schemeClr val="tx1"/>
+                          </a:solidFill>
+                        </a:rPr>
+                        <a:t>&gt; aside</a:t>
+                      </a:r>
+                      <a:r>
+                        <a:rPr lang="ko-KR" altLang="en-US" sz="1600" dirty="0">
+                          <a:solidFill>
+                            <a:schemeClr val="tx1"/>
+                          </a:solidFill>
+                        </a:rPr>
+                        <a:t> </a:t>
+                      </a:r>
+                      <a:r>
+                        <a:rPr lang="en-US" altLang="ko-KR" sz="1600" dirty="0">
+                          <a:solidFill>
+                            <a:schemeClr val="tx1"/>
+                          </a:solidFill>
+                        </a:rPr>
+                        <a:t>&gt; </a:t>
+                      </a:r>
+                      <a:r>
+                        <a:rPr lang="ko-KR" altLang="en-US" sz="1600" dirty="0">
+                          <a:solidFill>
+                            <a:schemeClr val="tx1"/>
+                          </a:solidFill>
+                        </a:rPr>
+                        <a:t>찾아오시는 길</a:t>
                       </a:r>
                     </a:p>
                   </a:txBody>
@@ -18139,7 +18668,11 @@
                     <a:bodyPr/>
                     <a:lstStyle/>
                     <a:p>
-                      <a:pPr algn="ctr" latinLnBrk="1"/>
+                      <a:pPr algn="ctr" latinLnBrk="1">
+                        <a:lnSpc>
+                          <a:spcPct val="100000"/>
+                        </a:lnSpc>
+                      </a:pPr>
                       <a:r>
                         <a:rPr lang="ko-KR" altLang="en-US" sz="1600" dirty="0">
                           <a:solidFill>
@@ -18209,13 +18742,13 @@
           <p:nvPr>
             <p:extLst>
               <p:ext uri="{D42A27DB-BD31-4B8C-83A1-F6EECF244321}">
-                <p14:modId xmlns:p14="http://schemas.microsoft.com/office/powerpoint/2010/main" val="4076803626"/>
+                <p14:modId xmlns:p14="http://schemas.microsoft.com/office/powerpoint/2010/main" val="1582166928"/>
               </p:ext>
             </p:extLst>
           </p:nvPr>
         </p:nvGraphicFramePr>
         <p:xfrm>
-          <a:off x="7292972" y="793154"/>
+          <a:off x="7292972" y="993458"/>
           <a:ext cx="4899028" cy="741680"/>
         </p:xfrm>
         <a:graphic>
@@ -18459,14 +18992,6 @@
                     <a:lstStyle/>
                     <a:p>
                       <a:pPr algn="ctr" latinLnBrk="1"/>
-                      <a:r>
-                        <a:rPr lang="en-US" altLang="ko-KR" sz="1100" dirty="0">
-                          <a:solidFill>
-                            <a:schemeClr val="tx1"/>
-                          </a:solidFill>
-                        </a:rPr>
-                        <a:t>1</a:t>
-                      </a:r>
                       <a:endParaRPr lang="ko-KR" altLang="en-US" sz="1100" dirty="0">
                         <a:solidFill>
                           <a:schemeClr val="tx1"/>
@@ -18650,6 +19175,3283 @@
 </file>
 
 <file path=ppt/slides/slide17.xml><?xml version="1.0" encoding="utf-8"?>
+<p:sld xmlns:a="http://schemas.openxmlformats.org/drawingml/2006/main" xmlns:r="http://schemas.openxmlformats.org/officeDocument/2006/relationships" xmlns:p="http://schemas.openxmlformats.org/presentationml/2006/main">
+  <p:cSld>
+    <p:spTree>
+      <p:nvGrpSpPr>
+        <p:cNvPr id="1" name=""/>
+        <p:cNvGrpSpPr/>
+        <p:nvPr/>
+      </p:nvGrpSpPr>
+      <p:grpSpPr>
+        <a:xfrm>
+          <a:off x="0" y="0"/>
+          <a:ext cx="0" cy="0"/>
+          <a:chOff x="0" y="0"/>
+          <a:chExt cx="0" cy="0"/>
+        </a:xfrm>
+      </p:grpSpPr>
+      <p:pic>
+        <p:nvPicPr>
+          <p:cNvPr id="3" name="그림 2" descr="스크린샷이(가) 표시된 사진&#10;&#10;자동 생성된 설명">
+            <a:extLst>
+              <a:ext uri="{FF2B5EF4-FFF2-40B4-BE49-F238E27FC236}">
+                <a16:creationId xmlns:a16="http://schemas.microsoft.com/office/drawing/2014/main" id="{E52B2B16-E3E1-4F29-92BB-74AEE03F9258}"/>
+              </a:ext>
+            </a:extLst>
+          </p:cNvPr>
+          <p:cNvPicPr>
+            <a:picLocks noChangeAspect="1"/>
+          </p:cNvPicPr>
+          <p:nvPr/>
+        </p:nvPicPr>
+        <p:blipFill rotWithShape="1">
+          <a:blip r:embed="rId2" cstate="print">
+            <a:extLst>
+              <a:ext uri="{28A0092B-C50C-407E-A947-70E740481C1C}">
+                <a14:useLocalDpi xmlns:a14="http://schemas.microsoft.com/office/drawing/2010/main" val="0"/>
+              </a:ext>
+            </a:extLst>
+          </a:blip>
+          <a:srcRect t="16635" b="16190"/>
+          <a:stretch/>
+        </p:blipFill>
+        <p:spPr>
+          <a:xfrm>
+            <a:off x="0" y="793154"/>
+            <a:ext cx="7196400" cy="4014651"/>
+          </a:xfrm>
+          <a:prstGeom prst="rect">
+            <a:avLst/>
+          </a:prstGeom>
+          <a:ln>
+            <a:solidFill>
+              <a:schemeClr val="tx1"/>
+            </a:solidFill>
+          </a:ln>
+        </p:spPr>
+      </p:pic>
+      <p:graphicFrame>
+        <p:nvGraphicFramePr>
+          <p:cNvPr id="7" name="표 6"/>
+          <p:cNvGraphicFramePr>
+            <a:graphicFrameLocks noGrp="1"/>
+          </p:cNvGraphicFramePr>
+          <p:nvPr>
+            <p:extLst>
+              <p:ext uri="{D42A27DB-BD31-4B8C-83A1-F6EECF244321}">
+                <p14:modId xmlns:p14="http://schemas.microsoft.com/office/powerpoint/2010/main" val="1894584858"/>
+              </p:ext>
+            </p:extLst>
+          </p:nvPr>
+        </p:nvGraphicFramePr>
+        <p:xfrm>
+          <a:off x="0" y="0"/>
+          <a:ext cx="12192000" cy="741680"/>
+        </p:xfrm>
+        <a:graphic>
+          <a:graphicData uri="http://schemas.openxmlformats.org/drawingml/2006/table">
+            <a:tbl>
+              <a:tblPr firstRow="1" bandRow="1">
+                <a:tableStyleId>{F5AB1C69-6EDB-4FF4-983F-18BD219EF322}</a:tableStyleId>
+              </a:tblPr>
+              <a:tblGrid>
+                <a:gridCol w="2412274">
+                  <a:extLst>
+                    <a:ext uri="{9D8B030D-6E8A-4147-A177-3AD203B41FA5}">
+                      <a16:colId xmlns:a16="http://schemas.microsoft.com/office/drawing/2014/main" val="3208971625"/>
+                    </a:ext>
+                  </a:extLst>
+                </a:gridCol>
+                <a:gridCol w="3683726">
+                  <a:extLst>
+                    <a:ext uri="{9D8B030D-6E8A-4147-A177-3AD203B41FA5}">
+                      <a16:colId xmlns:a16="http://schemas.microsoft.com/office/drawing/2014/main" val="2054148690"/>
+                    </a:ext>
+                  </a:extLst>
+                </a:gridCol>
+                <a:gridCol w="4621823">
+                  <a:extLst>
+                    <a:ext uri="{9D8B030D-6E8A-4147-A177-3AD203B41FA5}">
+                      <a16:colId xmlns:a16="http://schemas.microsoft.com/office/drawing/2014/main" val="1281498109"/>
+                    </a:ext>
+                  </a:extLst>
+                </a:gridCol>
+                <a:gridCol w="1474177">
+                  <a:extLst>
+                    <a:ext uri="{9D8B030D-6E8A-4147-A177-3AD203B41FA5}">
+                      <a16:colId xmlns:a16="http://schemas.microsoft.com/office/drawing/2014/main" val="3474595918"/>
+                    </a:ext>
+                  </a:extLst>
+                </a:gridCol>
+              </a:tblGrid>
+              <a:tr h="370840">
+                <a:tc>
+                  <a:txBody>
+                    <a:bodyPr/>
+                    <a:lstStyle/>
+                    <a:p>
+                      <a:pPr algn="ctr" latinLnBrk="1"/>
+                      <a:r>
+                        <a:rPr lang="ko-KR" altLang="en-US" sz="1600" dirty="0">
+                          <a:solidFill>
+                            <a:schemeClr val="tx1"/>
+                          </a:solidFill>
+                        </a:rPr>
+                        <a:t>문서 코드</a:t>
+                      </a:r>
+                    </a:p>
+                  </a:txBody>
+                  <a:tcPr>
+                    <a:lnL w="12700" cap="flat" cmpd="sng" algn="ctr">
+                      <a:solidFill>
+                        <a:schemeClr val="tx1"/>
+                      </a:solidFill>
+                      <a:prstDash val="solid"/>
+                      <a:round/>
+                      <a:headEnd type="none" w="med" len="med"/>
+                      <a:tailEnd type="none" w="med" len="med"/>
+                    </a:lnL>
+                    <a:lnR w="12700" cap="flat" cmpd="sng" algn="ctr">
+                      <a:solidFill>
+                        <a:schemeClr val="tx1"/>
+                      </a:solidFill>
+                      <a:prstDash val="solid"/>
+                      <a:round/>
+                      <a:headEnd type="none" w="med" len="med"/>
+                      <a:tailEnd type="none" w="med" len="med"/>
+                    </a:lnR>
+                    <a:lnT w="12700" cap="flat" cmpd="sng" algn="ctr">
+                      <a:solidFill>
+                        <a:schemeClr val="tx1"/>
+                      </a:solidFill>
+                      <a:prstDash val="solid"/>
+                      <a:round/>
+                      <a:headEnd type="none" w="med" len="med"/>
+                      <a:tailEnd type="none" w="med" len="med"/>
+                    </a:lnT>
+                    <a:lnB w="12700" cap="flat" cmpd="sng" algn="ctr">
+                      <a:solidFill>
+                        <a:schemeClr val="tx1"/>
+                      </a:solidFill>
+                      <a:prstDash val="solid"/>
+                      <a:round/>
+                      <a:headEnd type="none" w="med" len="med"/>
+                      <a:tailEnd type="none" w="med" len="med"/>
+                    </a:lnB>
+                    <a:lnTlToBr w="12700" cmpd="sng">
+                      <a:noFill/>
+                      <a:prstDash val="solid"/>
+                    </a:lnTlToBr>
+                    <a:lnBlToTr w="12700" cmpd="sng">
+                      <a:noFill/>
+                      <a:prstDash val="solid"/>
+                    </a:lnBlToTr>
+                    <a:solidFill>
+                      <a:schemeClr val="bg2">
+                        <a:lumMod val="90000"/>
+                      </a:schemeClr>
+                    </a:solidFill>
+                  </a:tcPr>
+                </a:tc>
+                <a:tc>
+                  <a:txBody>
+                    <a:bodyPr/>
+                    <a:lstStyle/>
+                    <a:p>
+                      <a:pPr algn="ctr" latinLnBrk="1"/>
+                      <a:r>
+                        <a:rPr lang="ko-KR" altLang="en-US" sz="1600" dirty="0">
+                          <a:solidFill>
+                            <a:schemeClr val="tx1"/>
+                          </a:solidFill>
+                        </a:rPr>
+                        <a:t>파일명</a:t>
+                      </a:r>
+                    </a:p>
+                  </a:txBody>
+                  <a:tcPr>
+                    <a:lnL w="12700" cap="flat" cmpd="sng" algn="ctr">
+                      <a:solidFill>
+                        <a:schemeClr val="tx1"/>
+                      </a:solidFill>
+                      <a:prstDash val="solid"/>
+                      <a:round/>
+                      <a:headEnd type="none" w="med" len="med"/>
+                      <a:tailEnd type="none" w="med" len="med"/>
+                    </a:lnL>
+                    <a:lnR w="12700" cap="flat" cmpd="sng" algn="ctr">
+                      <a:solidFill>
+                        <a:schemeClr val="tx1"/>
+                      </a:solidFill>
+                      <a:prstDash val="solid"/>
+                      <a:round/>
+                      <a:headEnd type="none" w="med" len="med"/>
+                      <a:tailEnd type="none" w="med" len="med"/>
+                    </a:lnR>
+                    <a:lnT w="12700" cap="flat" cmpd="sng" algn="ctr">
+                      <a:solidFill>
+                        <a:schemeClr val="tx1"/>
+                      </a:solidFill>
+                      <a:prstDash val="solid"/>
+                      <a:round/>
+                      <a:headEnd type="none" w="med" len="med"/>
+                      <a:tailEnd type="none" w="med" len="med"/>
+                    </a:lnT>
+                    <a:lnB w="12700" cap="flat" cmpd="sng" algn="ctr">
+                      <a:solidFill>
+                        <a:schemeClr val="tx1"/>
+                      </a:solidFill>
+                      <a:prstDash val="solid"/>
+                      <a:round/>
+                      <a:headEnd type="none" w="med" len="med"/>
+                      <a:tailEnd type="none" w="med" len="med"/>
+                    </a:lnB>
+                    <a:solidFill>
+                      <a:schemeClr val="bg2">
+                        <a:lumMod val="90000"/>
+                      </a:schemeClr>
+                    </a:solidFill>
+                  </a:tcPr>
+                </a:tc>
+                <a:tc>
+                  <a:txBody>
+                    <a:bodyPr/>
+                    <a:lstStyle/>
+                    <a:p>
+                      <a:pPr algn="ctr" latinLnBrk="1"/>
+                      <a:r>
+                        <a:rPr lang="ko-KR" altLang="en-US" sz="1600" dirty="0" err="1">
+                          <a:solidFill>
+                            <a:schemeClr val="tx1"/>
+                          </a:solidFill>
+                        </a:rPr>
+                        <a:t>화면명</a:t>
+                      </a:r>
+                      <a:endParaRPr lang="ko-KR" altLang="en-US" sz="1600" dirty="0">
+                        <a:solidFill>
+                          <a:schemeClr val="tx1"/>
+                        </a:solidFill>
+                      </a:endParaRPr>
+                    </a:p>
+                  </a:txBody>
+                  <a:tcPr>
+                    <a:lnL w="12700" cap="flat" cmpd="sng" algn="ctr">
+                      <a:solidFill>
+                        <a:schemeClr val="tx1"/>
+                      </a:solidFill>
+                      <a:prstDash val="solid"/>
+                      <a:round/>
+                      <a:headEnd type="none" w="med" len="med"/>
+                      <a:tailEnd type="none" w="med" len="med"/>
+                    </a:lnL>
+                    <a:lnR w="12700" cap="flat" cmpd="sng" algn="ctr">
+                      <a:solidFill>
+                        <a:schemeClr val="tx1"/>
+                      </a:solidFill>
+                      <a:prstDash val="solid"/>
+                      <a:round/>
+                      <a:headEnd type="none" w="med" len="med"/>
+                      <a:tailEnd type="none" w="med" len="med"/>
+                    </a:lnR>
+                    <a:lnT w="12700" cap="flat" cmpd="sng" algn="ctr">
+                      <a:solidFill>
+                        <a:schemeClr val="tx1"/>
+                      </a:solidFill>
+                      <a:prstDash val="solid"/>
+                      <a:round/>
+                      <a:headEnd type="none" w="med" len="med"/>
+                      <a:tailEnd type="none" w="med" len="med"/>
+                    </a:lnT>
+                    <a:lnB w="12700" cap="flat" cmpd="sng" algn="ctr">
+                      <a:solidFill>
+                        <a:schemeClr val="tx1"/>
+                      </a:solidFill>
+                      <a:prstDash val="solid"/>
+                      <a:round/>
+                      <a:headEnd type="none" w="med" len="med"/>
+                      <a:tailEnd type="none" w="med" len="med"/>
+                    </a:lnB>
+                    <a:solidFill>
+                      <a:schemeClr val="bg2">
+                        <a:lumMod val="90000"/>
+                      </a:schemeClr>
+                    </a:solidFill>
+                  </a:tcPr>
+                </a:tc>
+                <a:tc>
+                  <a:txBody>
+                    <a:bodyPr/>
+                    <a:lstStyle/>
+                    <a:p>
+                      <a:pPr algn="ctr" latinLnBrk="1"/>
+                      <a:r>
+                        <a:rPr lang="ko-KR" altLang="en-US" sz="1600" dirty="0">
+                          <a:solidFill>
+                            <a:schemeClr val="tx1"/>
+                          </a:solidFill>
+                        </a:rPr>
+                        <a:t>작성자</a:t>
+                      </a:r>
+                    </a:p>
+                  </a:txBody>
+                  <a:tcPr>
+                    <a:lnL w="12700" cap="flat" cmpd="sng" algn="ctr">
+                      <a:solidFill>
+                        <a:schemeClr val="tx1"/>
+                      </a:solidFill>
+                      <a:prstDash val="solid"/>
+                      <a:round/>
+                      <a:headEnd type="none" w="med" len="med"/>
+                      <a:tailEnd type="none" w="med" len="med"/>
+                    </a:lnL>
+                    <a:lnR w="12700" cap="flat" cmpd="sng" algn="ctr">
+                      <a:solidFill>
+                        <a:schemeClr val="tx1"/>
+                      </a:solidFill>
+                      <a:prstDash val="solid"/>
+                      <a:round/>
+                      <a:headEnd type="none" w="med" len="med"/>
+                      <a:tailEnd type="none" w="med" len="med"/>
+                    </a:lnR>
+                    <a:lnT w="12700" cap="flat" cmpd="sng" algn="ctr">
+                      <a:solidFill>
+                        <a:schemeClr val="tx1"/>
+                      </a:solidFill>
+                      <a:prstDash val="solid"/>
+                      <a:round/>
+                      <a:headEnd type="none" w="med" len="med"/>
+                      <a:tailEnd type="none" w="med" len="med"/>
+                    </a:lnT>
+                    <a:lnB w="12700" cap="flat" cmpd="sng" algn="ctr">
+                      <a:solidFill>
+                        <a:schemeClr val="tx1"/>
+                      </a:solidFill>
+                      <a:prstDash val="solid"/>
+                      <a:round/>
+                      <a:headEnd type="none" w="med" len="med"/>
+                      <a:tailEnd type="none" w="med" len="med"/>
+                    </a:lnB>
+                    <a:solidFill>
+                      <a:schemeClr val="bg2">
+                        <a:lumMod val="90000"/>
+                      </a:schemeClr>
+                    </a:solidFill>
+                  </a:tcPr>
+                </a:tc>
+                <a:extLst>
+                  <a:ext uri="{0D108BD9-81ED-4DB2-BD59-A6C34878D82A}">
+                    <a16:rowId xmlns:a16="http://schemas.microsoft.com/office/drawing/2014/main" val="2705312787"/>
+                  </a:ext>
+                </a:extLst>
+              </a:tr>
+              <a:tr h="370840">
+                <a:tc>
+                  <a:txBody>
+                    <a:bodyPr/>
+                    <a:lstStyle/>
+                    <a:p>
+                      <a:pPr algn="ctr" latinLnBrk="1"/>
+                      <a:r>
+                        <a:rPr lang="en-US" altLang="ko-KR" sz="1600">
+                          <a:solidFill>
+                            <a:schemeClr val="tx1"/>
+                          </a:solidFill>
+                        </a:rPr>
+                        <a:t>F-22</a:t>
+                      </a:r>
+                      <a:endParaRPr lang="ko-KR" altLang="en-US" sz="1600" dirty="0">
+                        <a:solidFill>
+                          <a:schemeClr val="tx1"/>
+                        </a:solidFill>
+                      </a:endParaRPr>
+                    </a:p>
+                  </a:txBody>
+                  <a:tcPr>
+                    <a:lnL w="12700" cap="flat" cmpd="sng" algn="ctr">
+                      <a:solidFill>
+                        <a:schemeClr val="tx1"/>
+                      </a:solidFill>
+                      <a:prstDash val="solid"/>
+                      <a:round/>
+                      <a:headEnd type="none" w="med" len="med"/>
+                      <a:tailEnd type="none" w="med" len="med"/>
+                    </a:lnL>
+                    <a:lnR w="12700" cap="flat" cmpd="sng" algn="ctr">
+                      <a:solidFill>
+                        <a:schemeClr val="tx1"/>
+                      </a:solidFill>
+                      <a:prstDash val="solid"/>
+                      <a:round/>
+                      <a:headEnd type="none" w="med" len="med"/>
+                      <a:tailEnd type="none" w="med" len="med"/>
+                    </a:lnR>
+                    <a:lnT w="12700" cap="flat" cmpd="sng" algn="ctr">
+                      <a:solidFill>
+                        <a:schemeClr val="tx1"/>
+                      </a:solidFill>
+                      <a:prstDash val="solid"/>
+                      <a:round/>
+                      <a:headEnd type="none" w="med" len="med"/>
+                      <a:tailEnd type="none" w="med" len="med"/>
+                    </a:lnT>
+                    <a:lnB w="12700" cap="flat" cmpd="sng" algn="ctr">
+                      <a:solidFill>
+                        <a:schemeClr val="tx1"/>
+                      </a:solidFill>
+                      <a:prstDash val="solid"/>
+                      <a:round/>
+                      <a:headEnd type="none" w="med" len="med"/>
+                      <a:tailEnd type="none" w="med" len="med"/>
+                    </a:lnB>
+                    <a:noFill/>
+                  </a:tcPr>
+                </a:tc>
+                <a:tc>
+                  <a:txBody>
+                    <a:bodyPr/>
+                    <a:lstStyle/>
+                    <a:p>
+                      <a:pPr algn="ctr" latinLnBrk="1"/>
+                      <a:r>
+                        <a:rPr lang="en-US" altLang="ko-KR" sz="1600" dirty="0">
+                          <a:solidFill>
+                            <a:schemeClr val="tx1"/>
+                          </a:solidFill>
+                        </a:rPr>
+                        <a:t>login_form.html</a:t>
+                      </a:r>
+                      <a:endParaRPr lang="ko-KR" altLang="en-US" sz="1600" dirty="0">
+                        <a:solidFill>
+                          <a:schemeClr val="tx1"/>
+                        </a:solidFill>
+                      </a:endParaRPr>
+                    </a:p>
+                  </a:txBody>
+                  <a:tcPr>
+                    <a:lnL w="12700" cap="flat" cmpd="sng" algn="ctr">
+                      <a:solidFill>
+                        <a:schemeClr val="tx1"/>
+                      </a:solidFill>
+                      <a:prstDash val="solid"/>
+                      <a:round/>
+                      <a:headEnd type="none" w="med" len="med"/>
+                      <a:tailEnd type="none" w="med" len="med"/>
+                    </a:lnL>
+                    <a:lnR w="12700" cap="flat" cmpd="sng" algn="ctr">
+                      <a:solidFill>
+                        <a:schemeClr val="tx1"/>
+                      </a:solidFill>
+                      <a:prstDash val="solid"/>
+                      <a:round/>
+                      <a:headEnd type="none" w="med" len="med"/>
+                      <a:tailEnd type="none" w="med" len="med"/>
+                    </a:lnR>
+                    <a:lnT w="12700" cap="flat" cmpd="sng" algn="ctr">
+                      <a:solidFill>
+                        <a:schemeClr val="tx1"/>
+                      </a:solidFill>
+                      <a:prstDash val="solid"/>
+                      <a:round/>
+                      <a:headEnd type="none" w="med" len="med"/>
+                      <a:tailEnd type="none" w="med" len="med"/>
+                    </a:lnT>
+                    <a:lnB w="12700" cap="flat" cmpd="sng" algn="ctr">
+                      <a:solidFill>
+                        <a:schemeClr val="tx1"/>
+                      </a:solidFill>
+                      <a:prstDash val="solid"/>
+                      <a:round/>
+                      <a:headEnd type="none" w="med" len="med"/>
+                      <a:tailEnd type="none" w="med" len="med"/>
+                    </a:lnB>
+                    <a:noFill/>
+                  </a:tcPr>
+                </a:tc>
+                <a:tc>
+                  <a:txBody>
+                    <a:bodyPr/>
+                    <a:lstStyle/>
+                    <a:p>
+                      <a:pPr algn="ctr" latinLnBrk="1"/>
+                      <a:r>
+                        <a:rPr lang="en-US" altLang="ko-KR" sz="1600" dirty="0" err="1">
+                          <a:solidFill>
+                            <a:schemeClr val="tx1"/>
+                          </a:solidFill>
+                        </a:rPr>
+                        <a:t>Gnb</a:t>
+                      </a:r>
+                      <a:r>
+                        <a:rPr lang="en-US" altLang="ko-KR" sz="1600" dirty="0">
+                          <a:solidFill>
+                            <a:schemeClr val="tx1"/>
+                          </a:solidFill>
+                        </a:rPr>
+                        <a:t> &gt; </a:t>
+                      </a:r>
+                      <a:r>
+                        <a:rPr lang="ko-KR" altLang="en-US" sz="1600" dirty="0">
+                          <a:solidFill>
+                            <a:schemeClr val="tx1"/>
+                          </a:solidFill>
+                        </a:rPr>
+                        <a:t>도서</a:t>
+                      </a:r>
+                    </a:p>
+                  </a:txBody>
+                  <a:tcPr>
+                    <a:lnL w="12700" cap="flat" cmpd="sng" algn="ctr">
+                      <a:solidFill>
+                        <a:schemeClr val="tx1"/>
+                      </a:solidFill>
+                      <a:prstDash val="solid"/>
+                      <a:round/>
+                      <a:headEnd type="none" w="med" len="med"/>
+                      <a:tailEnd type="none" w="med" len="med"/>
+                    </a:lnL>
+                    <a:lnR w="12700" cap="flat" cmpd="sng" algn="ctr">
+                      <a:solidFill>
+                        <a:schemeClr val="tx1"/>
+                      </a:solidFill>
+                      <a:prstDash val="solid"/>
+                      <a:round/>
+                      <a:headEnd type="none" w="med" len="med"/>
+                      <a:tailEnd type="none" w="med" len="med"/>
+                    </a:lnR>
+                    <a:lnT w="12700" cap="flat" cmpd="sng" algn="ctr">
+                      <a:solidFill>
+                        <a:schemeClr val="tx1"/>
+                      </a:solidFill>
+                      <a:prstDash val="solid"/>
+                      <a:round/>
+                      <a:headEnd type="none" w="med" len="med"/>
+                      <a:tailEnd type="none" w="med" len="med"/>
+                    </a:lnT>
+                    <a:lnB w="12700" cap="flat" cmpd="sng" algn="ctr">
+                      <a:solidFill>
+                        <a:schemeClr val="tx1"/>
+                      </a:solidFill>
+                      <a:prstDash val="solid"/>
+                      <a:round/>
+                      <a:headEnd type="none" w="med" len="med"/>
+                      <a:tailEnd type="none" w="med" len="med"/>
+                    </a:lnB>
+                    <a:noFill/>
+                  </a:tcPr>
+                </a:tc>
+                <a:tc>
+                  <a:txBody>
+                    <a:bodyPr/>
+                    <a:lstStyle/>
+                    <a:p>
+                      <a:pPr algn="ctr" latinLnBrk="1"/>
+                      <a:r>
+                        <a:rPr lang="ko-KR" altLang="en-US" sz="1600" dirty="0">
+                          <a:solidFill>
+                            <a:schemeClr val="tx1"/>
+                          </a:solidFill>
+                        </a:rPr>
+                        <a:t>하 태민</a:t>
+                      </a:r>
+                    </a:p>
+                  </a:txBody>
+                  <a:tcPr>
+                    <a:lnL w="12700" cap="flat" cmpd="sng" algn="ctr">
+                      <a:solidFill>
+                        <a:schemeClr val="tx1"/>
+                      </a:solidFill>
+                      <a:prstDash val="solid"/>
+                      <a:round/>
+                      <a:headEnd type="none" w="med" len="med"/>
+                      <a:tailEnd type="none" w="med" len="med"/>
+                    </a:lnL>
+                    <a:lnR w="12700" cap="flat" cmpd="sng" algn="ctr">
+                      <a:solidFill>
+                        <a:schemeClr val="tx1"/>
+                      </a:solidFill>
+                      <a:prstDash val="solid"/>
+                      <a:round/>
+                      <a:headEnd type="none" w="med" len="med"/>
+                      <a:tailEnd type="none" w="med" len="med"/>
+                    </a:lnR>
+                    <a:lnT w="12700" cap="flat" cmpd="sng" algn="ctr">
+                      <a:solidFill>
+                        <a:schemeClr val="tx1"/>
+                      </a:solidFill>
+                      <a:prstDash val="solid"/>
+                      <a:round/>
+                      <a:headEnd type="none" w="med" len="med"/>
+                      <a:tailEnd type="none" w="med" len="med"/>
+                    </a:lnT>
+                    <a:lnB w="12700" cap="flat" cmpd="sng" algn="ctr">
+                      <a:solidFill>
+                        <a:schemeClr val="tx1"/>
+                      </a:solidFill>
+                      <a:prstDash val="solid"/>
+                      <a:round/>
+                      <a:headEnd type="none" w="med" len="med"/>
+                      <a:tailEnd type="none" w="med" len="med"/>
+                    </a:lnB>
+                    <a:noFill/>
+                  </a:tcPr>
+                </a:tc>
+                <a:extLst>
+                  <a:ext uri="{0D108BD9-81ED-4DB2-BD59-A6C34878D82A}">
+                    <a16:rowId xmlns:a16="http://schemas.microsoft.com/office/drawing/2014/main" val="2722825038"/>
+                  </a:ext>
+                </a:extLst>
+              </a:tr>
+            </a:tbl>
+          </a:graphicData>
+        </a:graphic>
+      </p:graphicFrame>
+      <p:graphicFrame>
+        <p:nvGraphicFramePr>
+          <p:cNvPr id="8" name="표 7"/>
+          <p:cNvGraphicFramePr>
+            <a:graphicFrameLocks noGrp="1"/>
+          </p:cNvGraphicFramePr>
+          <p:nvPr>
+            <p:extLst>
+              <p:ext uri="{D42A27DB-BD31-4B8C-83A1-F6EECF244321}">
+                <p14:modId xmlns:p14="http://schemas.microsoft.com/office/powerpoint/2010/main" val="3789972067"/>
+              </p:ext>
+            </p:extLst>
+          </p:nvPr>
+        </p:nvGraphicFramePr>
+        <p:xfrm>
+          <a:off x="7292972" y="793154"/>
+          <a:ext cx="4899028" cy="4000821"/>
+        </p:xfrm>
+        <a:graphic>
+          <a:graphicData uri="http://schemas.openxmlformats.org/drawingml/2006/table">
+            <a:tbl>
+              <a:tblPr firstRow="1" bandRow="1">
+                <a:tableStyleId>{F5AB1C69-6EDB-4FF4-983F-18BD219EF322}</a:tableStyleId>
+              </a:tblPr>
+              <a:tblGrid>
+                <a:gridCol w="803326">
+                  <a:extLst>
+                    <a:ext uri="{9D8B030D-6E8A-4147-A177-3AD203B41FA5}">
+                      <a16:colId xmlns:a16="http://schemas.microsoft.com/office/drawing/2014/main" val="3809828884"/>
+                    </a:ext>
+                  </a:extLst>
+                </a:gridCol>
+                <a:gridCol w="853930">
+                  <a:extLst>
+                    <a:ext uri="{9D8B030D-6E8A-4147-A177-3AD203B41FA5}">
+                      <a16:colId xmlns:a16="http://schemas.microsoft.com/office/drawing/2014/main" val="3918799943"/>
+                    </a:ext>
+                  </a:extLst>
+                </a:gridCol>
+                <a:gridCol w="3241772">
+                  <a:extLst>
+                    <a:ext uri="{9D8B030D-6E8A-4147-A177-3AD203B41FA5}">
+                      <a16:colId xmlns:a16="http://schemas.microsoft.com/office/drawing/2014/main" val="1481046431"/>
+                    </a:ext>
+                  </a:extLst>
+                </a:gridCol>
+              </a:tblGrid>
+              <a:tr h="370840">
+                <a:tc>
+                  <a:txBody>
+                    <a:bodyPr/>
+                    <a:lstStyle/>
+                    <a:p>
+                      <a:pPr algn="ctr" latinLnBrk="1"/>
+                      <a:r>
+                        <a:rPr lang="en-US" altLang="ko-KR" sz="1400" dirty="0">
+                          <a:solidFill>
+                            <a:schemeClr val="tx1"/>
+                          </a:solidFill>
+                        </a:rPr>
+                        <a:t>No.1</a:t>
+                      </a:r>
+                      <a:endParaRPr lang="ko-KR" altLang="en-US" sz="1400" dirty="0">
+                        <a:solidFill>
+                          <a:schemeClr val="tx1"/>
+                        </a:solidFill>
+                      </a:endParaRPr>
+                    </a:p>
+                  </a:txBody>
+                  <a:tcPr>
+                    <a:lnL w="12700" cap="flat" cmpd="sng" algn="ctr">
+                      <a:solidFill>
+                        <a:schemeClr val="tx1"/>
+                      </a:solidFill>
+                      <a:prstDash val="solid"/>
+                      <a:round/>
+                      <a:headEnd type="none" w="med" len="med"/>
+                      <a:tailEnd type="none" w="med" len="med"/>
+                    </a:lnL>
+                    <a:lnR w="12700" cap="flat" cmpd="sng" algn="ctr">
+                      <a:solidFill>
+                        <a:schemeClr val="tx1"/>
+                      </a:solidFill>
+                      <a:prstDash val="solid"/>
+                      <a:round/>
+                      <a:headEnd type="none" w="med" len="med"/>
+                      <a:tailEnd type="none" w="med" len="med"/>
+                    </a:lnR>
+                    <a:lnT w="12700" cap="flat" cmpd="sng" algn="ctr">
+                      <a:solidFill>
+                        <a:schemeClr val="tx1"/>
+                      </a:solidFill>
+                      <a:prstDash val="solid"/>
+                      <a:round/>
+                      <a:headEnd type="none" w="med" len="med"/>
+                      <a:tailEnd type="none" w="med" len="med"/>
+                    </a:lnT>
+                    <a:lnB w="12700" cap="flat" cmpd="sng" algn="ctr">
+                      <a:solidFill>
+                        <a:schemeClr val="tx1"/>
+                      </a:solidFill>
+                      <a:prstDash val="solid"/>
+                      <a:round/>
+                      <a:headEnd type="none" w="med" len="med"/>
+                      <a:tailEnd type="none" w="med" len="med"/>
+                    </a:lnB>
+                    <a:lnTlToBr w="12700" cmpd="sng">
+                      <a:noFill/>
+                      <a:prstDash val="solid"/>
+                    </a:lnTlToBr>
+                    <a:lnBlToTr w="12700" cmpd="sng">
+                      <a:noFill/>
+                      <a:prstDash val="solid"/>
+                    </a:lnBlToTr>
+                    <a:solidFill>
+                      <a:schemeClr val="bg2">
+                        <a:lumMod val="90000"/>
+                      </a:schemeClr>
+                    </a:solidFill>
+                  </a:tcPr>
+                </a:tc>
+                <a:tc>
+                  <a:txBody>
+                    <a:bodyPr/>
+                    <a:lstStyle/>
+                    <a:p>
+                      <a:pPr algn="ctr" latinLnBrk="1"/>
+                      <a:r>
+                        <a:rPr lang="en-US" altLang="ko-KR" sz="1400" dirty="0">
+                          <a:solidFill>
+                            <a:schemeClr val="tx1"/>
+                          </a:solidFill>
+                        </a:rPr>
+                        <a:t>CRUD</a:t>
+                      </a:r>
+                      <a:endParaRPr lang="ko-KR" altLang="en-US" sz="1400" dirty="0">
+                        <a:solidFill>
+                          <a:schemeClr val="tx1"/>
+                        </a:solidFill>
+                      </a:endParaRPr>
+                    </a:p>
+                  </a:txBody>
+                  <a:tcPr>
+                    <a:lnL w="12700" cap="flat" cmpd="sng" algn="ctr">
+                      <a:solidFill>
+                        <a:schemeClr val="tx1"/>
+                      </a:solidFill>
+                      <a:prstDash val="solid"/>
+                      <a:round/>
+                      <a:headEnd type="none" w="med" len="med"/>
+                      <a:tailEnd type="none" w="med" len="med"/>
+                    </a:lnL>
+                    <a:lnR w="12700" cap="flat" cmpd="sng" algn="ctr">
+                      <a:solidFill>
+                        <a:schemeClr val="tx1"/>
+                      </a:solidFill>
+                      <a:prstDash val="solid"/>
+                      <a:round/>
+                      <a:headEnd type="none" w="med" len="med"/>
+                      <a:tailEnd type="none" w="med" len="med"/>
+                    </a:lnR>
+                    <a:lnT w="12700" cap="flat" cmpd="sng" algn="ctr">
+                      <a:solidFill>
+                        <a:schemeClr val="tx1"/>
+                      </a:solidFill>
+                      <a:prstDash val="solid"/>
+                      <a:round/>
+                      <a:headEnd type="none" w="med" len="med"/>
+                      <a:tailEnd type="none" w="med" len="med"/>
+                    </a:lnT>
+                    <a:lnB w="12700" cap="flat" cmpd="sng" algn="ctr">
+                      <a:solidFill>
+                        <a:schemeClr val="tx1"/>
+                      </a:solidFill>
+                      <a:prstDash val="solid"/>
+                      <a:round/>
+                      <a:headEnd type="none" w="med" len="med"/>
+                      <a:tailEnd type="none" w="med" len="med"/>
+                    </a:lnB>
+                    <a:solidFill>
+                      <a:schemeClr val="bg2">
+                        <a:lumMod val="90000"/>
+                      </a:schemeClr>
+                    </a:solidFill>
+                  </a:tcPr>
+                </a:tc>
+                <a:tc>
+                  <a:txBody>
+                    <a:bodyPr/>
+                    <a:lstStyle/>
+                    <a:p>
+                      <a:pPr algn="ctr" latinLnBrk="1"/>
+                      <a:r>
+                        <a:rPr lang="ko-KR" altLang="en-US" sz="1400" dirty="0">
+                          <a:solidFill>
+                            <a:schemeClr val="tx1"/>
+                          </a:solidFill>
+                        </a:rPr>
+                        <a:t>기능</a:t>
+                      </a:r>
+                    </a:p>
+                  </a:txBody>
+                  <a:tcPr>
+                    <a:lnL w="12700" cap="flat" cmpd="sng" algn="ctr">
+                      <a:solidFill>
+                        <a:schemeClr val="tx1"/>
+                      </a:solidFill>
+                      <a:prstDash val="solid"/>
+                      <a:round/>
+                      <a:headEnd type="none" w="med" len="med"/>
+                      <a:tailEnd type="none" w="med" len="med"/>
+                    </a:lnL>
+                    <a:lnR w="12700" cap="flat" cmpd="sng" algn="ctr">
+                      <a:solidFill>
+                        <a:schemeClr val="tx1"/>
+                      </a:solidFill>
+                      <a:prstDash val="solid"/>
+                      <a:round/>
+                      <a:headEnd type="none" w="med" len="med"/>
+                      <a:tailEnd type="none" w="med" len="med"/>
+                    </a:lnR>
+                    <a:lnT w="12700" cap="flat" cmpd="sng" algn="ctr">
+                      <a:solidFill>
+                        <a:schemeClr val="tx1"/>
+                      </a:solidFill>
+                      <a:prstDash val="solid"/>
+                      <a:round/>
+                      <a:headEnd type="none" w="med" len="med"/>
+                      <a:tailEnd type="none" w="med" len="med"/>
+                    </a:lnT>
+                    <a:lnB w="12700" cap="flat" cmpd="sng" algn="ctr">
+                      <a:solidFill>
+                        <a:schemeClr val="tx1"/>
+                      </a:solidFill>
+                      <a:prstDash val="solid"/>
+                      <a:round/>
+                      <a:headEnd type="none" w="med" len="med"/>
+                      <a:tailEnd type="none" w="med" len="med"/>
+                    </a:lnB>
+                    <a:solidFill>
+                      <a:schemeClr val="bg2">
+                        <a:lumMod val="90000"/>
+                      </a:schemeClr>
+                    </a:solidFill>
+                  </a:tcPr>
+                </a:tc>
+                <a:extLst>
+                  <a:ext uri="{0D108BD9-81ED-4DB2-BD59-A6C34878D82A}">
+                    <a16:rowId xmlns:a16="http://schemas.microsoft.com/office/drawing/2014/main" val="2659781674"/>
+                  </a:ext>
+                </a:extLst>
+              </a:tr>
+              <a:tr h="370840">
+                <a:tc>
+                  <a:txBody>
+                    <a:bodyPr/>
+                    <a:lstStyle/>
+                    <a:p>
+                      <a:pPr algn="ctr" latinLnBrk="1"/>
+                      <a:r>
+                        <a:rPr lang="en-US" altLang="ko-KR" sz="1100" dirty="0">
+                          <a:solidFill>
+                            <a:schemeClr val="tx1"/>
+                          </a:solidFill>
+                        </a:rPr>
+                        <a:t>1</a:t>
+                      </a:r>
+                      <a:endParaRPr lang="ko-KR" altLang="en-US" sz="1100" dirty="0">
+                        <a:solidFill>
+                          <a:schemeClr val="tx1"/>
+                        </a:solidFill>
+                      </a:endParaRPr>
+                    </a:p>
+                  </a:txBody>
+                  <a:tcPr>
+                    <a:lnL w="12700" cap="flat" cmpd="sng" algn="ctr">
+                      <a:solidFill>
+                        <a:schemeClr val="tx1"/>
+                      </a:solidFill>
+                      <a:prstDash val="solid"/>
+                      <a:round/>
+                      <a:headEnd type="none" w="med" len="med"/>
+                      <a:tailEnd type="none" w="med" len="med"/>
+                    </a:lnL>
+                    <a:lnR w="12700" cap="flat" cmpd="sng" algn="ctr">
+                      <a:solidFill>
+                        <a:schemeClr val="tx1"/>
+                      </a:solidFill>
+                      <a:prstDash val="solid"/>
+                      <a:round/>
+                      <a:headEnd type="none" w="med" len="med"/>
+                      <a:tailEnd type="none" w="med" len="med"/>
+                    </a:lnR>
+                    <a:lnT w="12700" cap="flat" cmpd="sng" algn="ctr">
+                      <a:solidFill>
+                        <a:schemeClr val="tx1"/>
+                      </a:solidFill>
+                      <a:prstDash val="solid"/>
+                      <a:round/>
+                      <a:headEnd type="none" w="med" len="med"/>
+                      <a:tailEnd type="none" w="med" len="med"/>
+                    </a:lnT>
+                    <a:lnB w="12700" cap="flat" cmpd="sng" algn="ctr">
+                      <a:solidFill>
+                        <a:schemeClr val="tx1"/>
+                      </a:solidFill>
+                      <a:prstDash val="solid"/>
+                      <a:round/>
+                      <a:headEnd type="none" w="med" len="med"/>
+                      <a:tailEnd type="none" w="med" len="med"/>
+                    </a:lnB>
+                    <a:noFill/>
+                  </a:tcPr>
+                </a:tc>
+                <a:tc>
+                  <a:txBody>
+                    <a:bodyPr/>
+                    <a:lstStyle/>
+                    <a:p>
+                      <a:pPr algn="ctr" latinLnBrk="1"/>
+                      <a:endParaRPr lang="ko-KR" altLang="en-US" sz="1100" dirty="0">
+                        <a:solidFill>
+                          <a:schemeClr val="tx1"/>
+                        </a:solidFill>
+                      </a:endParaRPr>
+                    </a:p>
+                  </a:txBody>
+                  <a:tcPr>
+                    <a:lnL w="12700" cap="flat" cmpd="sng" algn="ctr">
+                      <a:solidFill>
+                        <a:schemeClr val="tx1"/>
+                      </a:solidFill>
+                      <a:prstDash val="solid"/>
+                      <a:round/>
+                      <a:headEnd type="none" w="med" len="med"/>
+                      <a:tailEnd type="none" w="med" len="med"/>
+                    </a:lnL>
+                    <a:lnR w="12700" cap="flat" cmpd="sng" algn="ctr">
+                      <a:solidFill>
+                        <a:schemeClr val="tx1"/>
+                      </a:solidFill>
+                      <a:prstDash val="solid"/>
+                      <a:round/>
+                      <a:headEnd type="none" w="med" len="med"/>
+                      <a:tailEnd type="none" w="med" len="med"/>
+                    </a:lnR>
+                    <a:lnT w="12700" cap="flat" cmpd="sng" algn="ctr">
+                      <a:solidFill>
+                        <a:schemeClr val="tx1"/>
+                      </a:solidFill>
+                      <a:prstDash val="solid"/>
+                      <a:round/>
+                      <a:headEnd type="none" w="med" len="med"/>
+                      <a:tailEnd type="none" w="med" len="med"/>
+                    </a:lnT>
+                    <a:lnB w="12700" cap="flat" cmpd="sng" algn="ctr">
+                      <a:solidFill>
+                        <a:schemeClr val="tx1"/>
+                      </a:solidFill>
+                      <a:prstDash val="solid"/>
+                      <a:round/>
+                      <a:headEnd type="none" w="med" len="med"/>
+                      <a:tailEnd type="none" w="med" len="med"/>
+                    </a:lnB>
+                    <a:noFill/>
+                  </a:tcPr>
+                </a:tc>
+                <a:tc>
+                  <a:txBody>
+                    <a:bodyPr/>
+                    <a:lstStyle/>
+                    <a:p>
+                      <a:pPr marL="182563" indent="-182563" algn="l" latinLnBrk="1">
+                        <a:lnSpc>
+                          <a:spcPct val="125000"/>
+                        </a:lnSpc>
+                        <a:buFont typeface="Arial" panose="020B0604020202020204" pitchFamily="34" charset="0"/>
+                        <a:buChar char="•"/>
+                      </a:pPr>
+                      <a:r>
+                        <a:rPr lang="ko-KR" altLang="en-US" sz="1100" dirty="0">
+                          <a:solidFill>
+                            <a:schemeClr val="tx1"/>
+                          </a:solidFill>
+                        </a:rPr>
+                        <a:t>검색 창</a:t>
+                      </a:r>
+                      <a:endParaRPr lang="en-US" altLang="ko-KR" sz="1100" dirty="0">
+                        <a:solidFill>
+                          <a:schemeClr val="tx1"/>
+                        </a:solidFill>
+                      </a:endParaRPr>
+                    </a:p>
+                    <a:p>
+                      <a:pPr marL="0" indent="0" algn="l" latinLnBrk="1">
+                        <a:lnSpc>
+                          <a:spcPct val="125000"/>
+                        </a:lnSpc>
+                        <a:buFont typeface="Arial" panose="020B0604020202020204" pitchFamily="34" charset="0"/>
+                        <a:buNone/>
+                      </a:pPr>
+                      <a:r>
+                        <a:rPr lang="en-US" altLang="ko-KR" sz="1100" dirty="0">
+                          <a:solidFill>
+                            <a:schemeClr val="tx1"/>
+                          </a:solidFill>
+                        </a:rPr>
+                        <a:t> - </a:t>
+                      </a:r>
+                      <a:r>
+                        <a:rPr lang="ko-KR" altLang="en-US" sz="1100" dirty="0">
+                          <a:solidFill>
+                            <a:schemeClr val="tx1"/>
+                          </a:solidFill>
+                        </a:rPr>
+                        <a:t>도서명</a:t>
+                      </a:r>
+                      <a:r>
+                        <a:rPr lang="en-US" altLang="ko-KR" sz="1100" dirty="0">
+                          <a:solidFill>
+                            <a:schemeClr val="tx1"/>
+                          </a:solidFill>
+                        </a:rPr>
+                        <a:t>, </a:t>
+                      </a:r>
+                      <a:r>
+                        <a:rPr lang="ko-KR" altLang="en-US" sz="1100" dirty="0">
+                          <a:solidFill>
+                            <a:schemeClr val="tx1"/>
+                          </a:solidFill>
+                        </a:rPr>
+                        <a:t>저자 등 검색</a:t>
+                      </a:r>
+                      <a:r>
+                        <a:rPr lang="en-US" altLang="ko-KR" sz="1100" dirty="0">
+                          <a:solidFill>
+                            <a:schemeClr val="tx1"/>
+                          </a:solidFill>
+                        </a:rPr>
+                        <a:t>.</a:t>
+                      </a:r>
+                    </a:p>
+                    <a:p>
+                      <a:pPr marL="0" indent="0" algn="l" latinLnBrk="1">
+                        <a:lnSpc>
+                          <a:spcPct val="125000"/>
+                        </a:lnSpc>
+                        <a:buFont typeface="Arial" panose="020B0604020202020204" pitchFamily="34" charset="0"/>
+                        <a:buNone/>
+                      </a:pPr>
+                      <a:r>
+                        <a:rPr lang="en-US" altLang="ko-KR" sz="1100" dirty="0">
+                          <a:solidFill>
+                            <a:schemeClr val="tx1"/>
+                          </a:solidFill>
+                        </a:rPr>
+                        <a:t> - </a:t>
+                      </a:r>
+                      <a:r>
+                        <a:rPr lang="ko-KR" altLang="en-US" sz="1100" dirty="0">
+                          <a:solidFill>
+                            <a:schemeClr val="tx1"/>
+                          </a:solidFill>
+                        </a:rPr>
+                        <a:t>검색 결과</a:t>
+                      </a:r>
+                      <a:r>
+                        <a:rPr lang="en-US" altLang="ko-KR" sz="1100" dirty="0">
+                          <a:solidFill>
+                            <a:schemeClr val="tx1"/>
+                          </a:solidFill>
+                        </a:rPr>
+                        <a:t>(</a:t>
+                      </a:r>
+                      <a:r>
+                        <a:rPr lang="ko-KR" altLang="en-US" sz="1100" dirty="0">
+                          <a:solidFill>
+                            <a:schemeClr val="tx1"/>
+                          </a:solidFill>
+                        </a:rPr>
+                        <a:t>도서</a:t>
+                      </a:r>
+                      <a:r>
+                        <a:rPr lang="en-US" altLang="ko-KR" sz="1100" dirty="0">
+                          <a:solidFill>
+                            <a:schemeClr val="tx1"/>
+                          </a:solidFill>
+                        </a:rPr>
+                        <a:t>)</a:t>
+                      </a:r>
+                      <a:r>
+                        <a:rPr lang="ko-KR" altLang="en-US" sz="1100" dirty="0">
+                          <a:solidFill>
+                            <a:schemeClr val="tx1"/>
+                          </a:solidFill>
+                        </a:rPr>
+                        <a:t> 출력</a:t>
+                      </a:r>
+                      <a:r>
+                        <a:rPr lang="en-US" altLang="ko-KR" sz="1100" dirty="0">
+                          <a:solidFill>
+                            <a:schemeClr val="tx1"/>
+                          </a:solidFill>
+                        </a:rPr>
+                        <a:t>.</a:t>
+                      </a:r>
+                    </a:p>
+                  </a:txBody>
+                  <a:tcPr>
+                    <a:lnL w="12700" cap="flat" cmpd="sng" algn="ctr">
+                      <a:solidFill>
+                        <a:schemeClr val="tx1"/>
+                      </a:solidFill>
+                      <a:prstDash val="solid"/>
+                      <a:round/>
+                      <a:headEnd type="none" w="med" len="med"/>
+                      <a:tailEnd type="none" w="med" len="med"/>
+                    </a:lnL>
+                    <a:lnR w="12700" cap="flat" cmpd="sng" algn="ctr">
+                      <a:solidFill>
+                        <a:schemeClr val="tx1"/>
+                      </a:solidFill>
+                      <a:prstDash val="solid"/>
+                      <a:round/>
+                      <a:headEnd type="none" w="med" len="med"/>
+                      <a:tailEnd type="none" w="med" len="med"/>
+                    </a:lnR>
+                    <a:lnT w="12700" cap="flat" cmpd="sng" algn="ctr">
+                      <a:solidFill>
+                        <a:schemeClr val="tx1"/>
+                      </a:solidFill>
+                      <a:prstDash val="solid"/>
+                      <a:round/>
+                      <a:headEnd type="none" w="med" len="med"/>
+                      <a:tailEnd type="none" w="med" len="med"/>
+                    </a:lnT>
+                    <a:lnB w="12700" cap="flat" cmpd="sng" algn="ctr">
+                      <a:solidFill>
+                        <a:schemeClr val="tx1"/>
+                      </a:solidFill>
+                      <a:prstDash val="solid"/>
+                      <a:round/>
+                      <a:headEnd type="none" w="med" len="med"/>
+                      <a:tailEnd type="none" w="med" len="med"/>
+                    </a:lnB>
+                    <a:noFill/>
+                  </a:tcPr>
+                </a:tc>
+                <a:extLst>
+                  <a:ext uri="{0D108BD9-81ED-4DB2-BD59-A6C34878D82A}">
+                    <a16:rowId xmlns:a16="http://schemas.microsoft.com/office/drawing/2014/main" val="3194885923"/>
+                  </a:ext>
+                </a:extLst>
+              </a:tr>
+              <a:tr h="370840">
+                <a:tc>
+                  <a:txBody>
+                    <a:bodyPr/>
+                    <a:lstStyle/>
+                    <a:p>
+                      <a:pPr algn="ctr" latinLnBrk="1"/>
+                      <a:r>
+                        <a:rPr lang="en-US" altLang="ko-KR" sz="1100" dirty="0">
+                          <a:solidFill>
+                            <a:schemeClr val="tx1"/>
+                          </a:solidFill>
+                        </a:rPr>
+                        <a:t>2</a:t>
+                      </a:r>
+                      <a:endParaRPr lang="ko-KR" altLang="en-US" sz="1100" dirty="0">
+                        <a:solidFill>
+                          <a:schemeClr val="tx1"/>
+                        </a:solidFill>
+                      </a:endParaRPr>
+                    </a:p>
+                  </a:txBody>
+                  <a:tcPr>
+                    <a:lnL w="12700" cap="flat" cmpd="sng" algn="ctr">
+                      <a:solidFill>
+                        <a:schemeClr val="tx1"/>
+                      </a:solidFill>
+                      <a:prstDash val="solid"/>
+                      <a:round/>
+                      <a:headEnd type="none" w="med" len="med"/>
+                      <a:tailEnd type="none" w="med" len="med"/>
+                    </a:lnL>
+                    <a:lnR w="12700" cap="flat" cmpd="sng" algn="ctr">
+                      <a:solidFill>
+                        <a:schemeClr val="tx1"/>
+                      </a:solidFill>
+                      <a:prstDash val="solid"/>
+                      <a:round/>
+                      <a:headEnd type="none" w="med" len="med"/>
+                      <a:tailEnd type="none" w="med" len="med"/>
+                    </a:lnR>
+                    <a:lnT w="12700" cap="flat" cmpd="sng" algn="ctr">
+                      <a:solidFill>
+                        <a:schemeClr val="tx1"/>
+                      </a:solidFill>
+                      <a:prstDash val="solid"/>
+                      <a:round/>
+                      <a:headEnd type="none" w="med" len="med"/>
+                      <a:tailEnd type="none" w="med" len="med"/>
+                    </a:lnT>
+                    <a:lnB w="12700" cap="flat" cmpd="sng" algn="ctr">
+                      <a:solidFill>
+                        <a:schemeClr val="tx1"/>
+                      </a:solidFill>
+                      <a:prstDash val="solid"/>
+                      <a:round/>
+                      <a:headEnd type="none" w="med" len="med"/>
+                      <a:tailEnd type="none" w="med" len="med"/>
+                    </a:lnB>
+                    <a:noFill/>
+                  </a:tcPr>
+                </a:tc>
+                <a:tc>
+                  <a:txBody>
+                    <a:bodyPr/>
+                    <a:lstStyle/>
+                    <a:p>
+                      <a:pPr algn="ctr" latinLnBrk="1"/>
+                      <a:endParaRPr lang="ko-KR" altLang="en-US" sz="1100" dirty="0">
+                        <a:solidFill>
+                          <a:schemeClr val="tx1"/>
+                        </a:solidFill>
+                      </a:endParaRPr>
+                    </a:p>
+                  </a:txBody>
+                  <a:tcPr>
+                    <a:lnL w="12700" cap="flat" cmpd="sng" algn="ctr">
+                      <a:solidFill>
+                        <a:schemeClr val="tx1"/>
+                      </a:solidFill>
+                      <a:prstDash val="solid"/>
+                      <a:round/>
+                      <a:headEnd type="none" w="med" len="med"/>
+                      <a:tailEnd type="none" w="med" len="med"/>
+                    </a:lnL>
+                    <a:lnR w="12700" cap="flat" cmpd="sng" algn="ctr">
+                      <a:solidFill>
+                        <a:schemeClr val="tx1"/>
+                      </a:solidFill>
+                      <a:prstDash val="solid"/>
+                      <a:round/>
+                      <a:headEnd type="none" w="med" len="med"/>
+                      <a:tailEnd type="none" w="med" len="med"/>
+                    </a:lnR>
+                    <a:lnT w="12700" cap="flat" cmpd="sng" algn="ctr">
+                      <a:solidFill>
+                        <a:schemeClr val="tx1"/>
+                      </a:solidFill>
+                      <a:prstDash val="solid"/>
+                      <a:round/>
+                      <a:headEnd type="none" w="med" len="med"/>
+                      <a:tailEnd type="none" w="med" len="med"/>
+                    </a:lnT>
+                    <a:lnB w="12700" cap="flat" cmpd="sng" algn="ctr">
+                      <a:solidFill>
+                        <a:schemeClr val="tx1"/>
+                      </a:solidFill>
+                      <a:prstDash val="solid"/>
+                      <a:round/>
+                      <a:headEnd type="none" w="med" len="med"/>
+                      <a:tailEnd type="none" w="med" len="med"/>
+                    </a:lnB>
+                    <a:noFill/>
+                  </a:tcPr>
+                </a:tc>
+                <a:tc>
+                  <a:txBody>
+                    <a:bodyPr/>
+                    <a:lstStyle/>
+                    <a:p>
+                      <a:pPr marL="182563" indent="-182563" algn="l" latinLnBrk="1">
+                        <a:lnSpc>
+                          <a:spcPct val="125000"/>
+                        </a:lnSpc>
+                        <a:buFont typeface="Arial" panose="020B0604020202020204" pitchFamily="34" charset="0"/>
+                        <a:buChar char="•"/>
+                      </a:pPr>
+                      <a:r>
+                        <a:rPr lang="ko-KR" altLang="en-US" sz="1100" dirty="0">
+                          <a:solidFill>
+                            <a:schemeClr val="tx1"/>
+                          </a:solidFill>
+                        </a:rPr>
+                        <a:t>도서 소개</a:t>
+                      </a:r>
+                      <a:endParaRPr lang="en-US" altLang="ko-KR" sz="1100" dirty="0">
+                        <a:solidFill>
+                          <a:schemeClr val="tx1"/>
+                        </a:solidFill>
+                      </a:endParaRPr>
+                    </a:p>
+                    <a:p>
+                      <a:pPr marL="0" indent="0" algn="l" latinLnBrk="1">
+                        <a:lnSpc>
+                          <a:spcPct val="125000"/>
+                        </a:lnSpc>
+                        <a:buFont typeface="Arial" panose="020B0604020202020204" pitchFamily="34" charset="0"/>
+                        <a:buNone/>
+                      </a:pPr>
+                      <a:r>
+                        <a:rPr lang="en-US" altLang="ko-KR" sz="1100" dirty="0">
+                          <a:solidFill>
+                            <a:schemeClr val="tx1"/>
+                          </a:solidFill>
+                        </a:rPr>
+                        <a:t> - </a:t>
+                      </a:r>
+                      <a:r>
+                        <a:rPr lang="ko-KR" altLang="en-US" sz="1100" dirty="0">
+                          <a:solidFill>
+                            <a:schemeClr val="tx1"/>
+                          </a:solidFill>
+                        </a:rPr>
+                        <a:t>페이지 당 </a:t>
+                      </a:r>
+                      <a:r>
+                        <a:rPr lang="en-US" altLang="ko-KR" sz="1100" dirty="0">
+                          <a:solidFill>
+                            <a:schemeClr val="tx1"/>
+                          </a:solidFill>
+                        </a:rPr>
+                        <a:t>5</a:t>
+                      </a:r>
+                    </a:p>
+                  </a:txBody>
+                  <a:tcPr>
+                    <a:lnL w="12700" cap="flat" cmpd="sng" algn="ctr">
+                      <a:solidFill>
+                        <a:schemeClr val="tx1"/>
+                      </a:solidFill>
+                      <a:prstDash val="solid"/>
+                      <a:round/>
+                      <a:headEnd type="none" w="med" len="med"/>
+                      <a:tailEnd type="none" w="med" len="med"/>
+                    </a:lnL>
+                    <a:lnR w="12700" cap="flat" cmpd="sng" algn="ctr">
+                      <a:solidFill>
+                        <a:schemeClr val="tx1"/>
+                      </a:solidFill>
+                      <a:prstDash val="solid"/>
+                      <a:round/>
+                      <a:headEnd type="none" w="med" len="med"/>
+                      <a:tailEnd type="none" w="med" len="med"/>
+                    </a:lnR>
+                    <a:lnT w="12700" cap="flat" cmpd="sng" algn="ctr">
+                      <a:solidFill>
+                        <a:schemeClr val="tx1"/>
+                      </a:solidFill>
+                      <a:prstDash val="solid"/>
+                      <a:round/>
+                      <a:headEnd type="none" w="med" len="med"/>
+                      <a:tailEnd type="none" w="med" len="med"/>
+                    </a:lnT>
+                    <a:lnB w="12700" cap="flat" cmpd="sng" algn="ctr">
+                      <a:solidFill>
+                        <a:schemeClr val="tx1"/>
+                      </a:solidFill>
+                      <a:prstDash val="solid"/>
+                      <a:round/>
+                      <a:headEnd type="none" w="med" len="med"/>
+                      <a:tailEnd type="none" w="med" len="med"/>
+                    </a:lnB>
+                    <a:noFill/>
+                  </a:tcPr>
+                </a:tc>
+                <a:extLst>
+                  <a:ext uri="{0D108BD9-81ED-4DB2-BD59-A6C34878D82A}">
+                    <a16:rowId xmlns:a16="http://schemas.microsoft.com/office/drawing/2014/main" val="1592375428"/>
+                  </a:ext>
+                </a:extLst>
+              </a:tr>
+              <a:tr h="370840">
+                <a:tc>
+                  <a:txBody>
+                    <a:bodyPr/>
+                    <a:lstStyle/>
+                    <a:p>
+                      <a:pPr algn="ctr" latinLnBrk="1"/>
+                      <a:r>
+                        <a:rPr lang="en-US" altLang="ko-KR" sz="1100" dirty="0">
+                          <a:solidFill>
+                            <a:schemeClr val="tx1"/>
+                          </a:solidFill>
+                        </a:rPr>
+                        <a:t>3</a:t>
+                      </a:r>
+                      <a:endParaRPr lang="ko-KR" altLang="en-US" sz="1100" dirty="0">
+                        <a:solidFill>
+                          <a:schemeClr val="tx1"/>
+                        </a:solidFill>
+                      </a:endParaRPr>
+                    </a:p>
+                  </a:txBody>
+                  <a:tcPr>
+                    <a:lnL w="12700" cap="flat" cmpd="sng" algn="ctr">
+                      <a:solidFill>
+                        <a:schemeClr val="tx1"/>
+                      </a:solidFill>
+                      <a:prstDash val="solid"/>
+                      <a:round/>
+                      <a:headEnd type="none" w="med" len="med"/>
+                      <a:tailEnd type="none" w="med" len="med"/>
+                    </a:lnL>
+                    <a:lnR w="12700" cap="flat" cmpd="sng" algn="ctr">
+                      <a:solidFill>
+                        <a:schemeClr val="tx1"/>
+                      </a:solidFill>
+                      <a:prstDash val="solid"/>
+                      <a:round/>
+                      <a:headEnd type="none" w="med" len="med"/>
+                      <a:tailEnd type="none" w="med" len="med"/>
+                    </a:lnR>
+                    <a:lnT w="12700" cap="flat" cmpd="sng" algn="ctr">
+                      <a:solidFill>
+                        <a:schemeClr val="tx1"/>
+                      </a:solidFill>
+                      <a:prstDash val="solid"/>
+                      <a:round/>
+                      <a:headEnd type="none" w="med" len="med"/>
+                      <a:tailEnd type="none" w="med" len="med"/>
+                    </a:lnT>
+                    <a:lnB w="12700" cap="flat" cmpd="sng" algn="ctr">
+                      <a:solidFill>
+                        <a:schemeClr val="tx1"/>
+                      </a:solidFill>
+                      <a:prstDash val="solid"/>
+                      <a:round/>
+                      <a:headEnd type="none" w="med" len="med"/>
+                      <a:tailEnd type="none" w="med" len="med"/>
+                    </a:lnB>
+                    <a:noFill/>
+                  </a:tcPr>
+                </a:tc>
+                <a:tc>
+                  <a:txBody>
+                    <a:bodyPr/>
+                    <a:lstStyle/>
+                    <a:p>
+                      <a:pPr algn="ctr" latinLnBrk="1"/>
+                      <a:endParaRPr lang="ko-KR" altLang="en-US" sz="1100" dirty="0">
+                        <a:solidFill>
+                          <a:schemeClr val="tx1"/>
+                        </a:solidFill>
+                      </a:endParaRPr>
+                    </a:p>
+                  </a:txBody>
+                  <a:tcPr>
+                    <a:lnL w="12700" cap="flat" cmpd="sng" algn="ctr">
+                      <a:solidFill>
+                        <a:schemeClr val="tx1"/>
+                      </a:solidFill>
+                      <a:prstDash val="solid"/>
+                      <a:round/>
+                      <a:headEnd type="none" w="med" len="med"/>
+                      <a:tailEnd type="none" w="med" len="med"/>
+                    </a:lnL>
+                    <a:lnR w="12700" cap="flat" cmpd="sng" algn="ctr">
+                      <a:solidFill>
+                        <a:schemeClr val="tx1"/>
+                      </a:solidFill>
+                      <a:prstDash val="solid"/>
+                      <a:round/>
+                      <a:headEnd type="none" w="med" len="med"/>
+                      <a:tailEnd type="none" w="med" len="med"/>
+                    </a:lnR>
+                    <a:lnT w="12700" cap="flat" cmpd="sng" algn="ctr">
+                      <a:solidFill>
+                        <a:schemeClr val="tx1"/>
+                      </a:solidFill>
+                      <a:prstDash val="solid"/>
+                      <a:round/>
+                      <a:headEnd type="none" w="med" len="med"/>
+                      <a:tailEnd type="none" w="med" len="med"/>
+                    </a:lnT>
+                    <a:lnB w="12700" cap="flat" cmpd="sng" algn="ctr">
+                      <a:solidFill>
+                        <a:schemeClr val="tx1"/>
+                      </a:solidFill>
+                      <a:prstDash val="solid"/>
+                      <a:round/>
+                      <a:headEnd type="none" w="med" len="med"/>
+                      <a:tailEnd type="none" w="med" len="med"/>
+                    </a:lnB>
+                    <a:noFill/>
+                  </a:tcPr>
+                </a:tc>
+                <a:tc>
+                  <a:txBody>
+                    <a:bodyPr/>
+                    <a:lstStyle/>
+                    <a:p>
+                      <a:pPr marL="182563" indent="-182563" algn="l" latinLnBrk="1">
+                        <a:lnSpc>
+                          <a:spcPct val="125000"/>
+                        </a:lnSpc>
+                        <a:buFont typeface="Arial" panose="020B0604020202020204" pitchFamily="34" charset="0"/>
+                        <a:buChar char="•"/>
+                      </a:pPr>
+                      <a:r>
+                        <a:rPr lang="ko-KR" altLang="en-US" sz="1100" baseline="0" dirty="0">
+                          <a:solidFill>
+                            <a:schemeClr val="tx1"/>
+                          </a:solidFill>
+                        </a:rPr>
+                        <a:t>아</a:t>
+                      </a:r>
+                      <a:endParaRPr lang="en-US" altLang="ko-KR" sz="1100" baseline="0" dirty="0">
+                        <a:solidFill>
+                          <a:schemeClr val="tx1"/>
+                        </a:solidFill>
+                      </a:endParaRPr>
+                    </a:p>
+                    <a:p>
+                      <a:pPr marL="0" indent="0" algn="l" latinLnBrk="1">
+                        <a:lnSpc>
+                          <a:spcPct val="125000"/>
+                        </a:lnSpc>
+                        <a:buFont typeface="Arial" panose="020B0604020202020204" pitchFamily="34" charset="0"/>
+                        <a:buNone/>
+                      </a:pPr>
+                      <a:r>
+                        <a:rPr lang="en-US" altLang="ko-KR" sz="1100" baseline="0" dirty="0">
+                          <a:solidFill>
+                            <a:schemeClr val="tx1"/>
+                          </a:solidFill>
+                        </a:rPr>
+                        <a:t> - </a:t>
+                      </a:r>
+                      <a:r>
+                        <a:rPr lang="ko-KR" altLang="en-US" sz="1100" baseline="0" dirty="0">
+                          <a:solidFill>
+                            <a:schemeClr val="tx1"/>
+                          </a:solidFill>
+                        </a:rPr>
+                        <a:t>클릭 시 다음 로그인 할 때 아이디 자동 입력</a:t>
+                      </a:r>
+                      <a:r>
+                        <a:rPr lang="en-US" altLang="ko-KR" sz="1100" baseline="0" dirty="0">
+                          <a:solidFill>
+                            <a:schemeClr val="tx1"/>
+                          </a:solidFill>
+                        </a:rPr>
+                        <a:t>. </a:t>
+                      </a:r>
+                    </a:p>
+                  </a:txBody>
+                  <a:tcPr>
+                    <a:lnL w="12700" cap="flat" cmpd="sng" algn="ctr">
+                      <a:solidFill>
+                        <a:schemeClr val="tx1"/>
+                      </a:solidFill>
+                      <a:prstDash val="solid"/>
+                      <a:round/>
+                      <a:headEnd type="none" w="med" len="med"/>
+                      <a:tailEnd type="none" w="med" len="med"/>
+                    </a:lnL>
+                    <a:lnR w="12700" cap="flat" cmpd="sng" algn="ctr">
+                      <a:solidFill>
+                        <a:schemeClr val="tx1"/>
+                      </a:solidFill>
+                      <a:prstDash val="solid"/>
+                      <a:round/>
+                      <a:headEnd type="none" w="med" len="med"/>
+                      <a:tailEnd type="none" w="med" len="med"/>
+                    </a:lnR>
+                    <a:lnT w="12700" cap="flat" cmpd="sng" algn="ctr">
+                      <a:solidFill>
+                        <a:schemeClr val="tx1"/>
+                      </a:solidFill>
+                      <a:prstDash val="solid"/>
+                      <a:round/>
+                      <a:headEnd type="none" w="med" len="med"/>
+                      <a:tailEnd type="none" w="med" len="med"/>
+                    </a:lnT>
+                    <a:lnB w="12700" cap="flat" cmpd="sng" algn="ctr">
+                      <a:solidFill>
+                        <a:schemeClr val="tx1"/>
+                      </a:solidFill>
+                      <a:prstDash val="solid"/>
+                      <a:round/>
+                      <a:headEnd type="none" w="med" len="med"/>
+                      <a:tailEnd type="none" w="med" len="med"/>
+                    </a:lnB>
+                    <a:noFill/>
+                  </a:tcPr>
+                </a:tc>
+                <a:extLst>
+                  <a:ext uri="{0D108BD9-81ED-4DB2-BD59-A6C34878D82A}">
+                    <a16:rowId xmlns:a16="http://schemas.microsoft.com/office/drawing/2014/main" val="2878950322"/>
+                  </a:ext>
+                </a:extLst>
+              </a:tr>
+              <a:tr h="370840">
+                <a:tc>
+                  <a:txBody>
+                    <a:bodyPr/>
+                    <a:lstStyle/>
+                    <a:p>
+                      <a:pPr algn="ctr" latinLnBrk="1"/>
+                      <a:r>
+                        <a:rPr lang="en-US" altLang="ko-KR" sz="1100" dirty="0">
+                          <a:solidFill>
+                            <a:schemeClr val="tx1"/>
+                          </a:solidFill>
+                        </a:rPr>
+                        <a:t>4</a:t>
+                      </a:r>
+                      <a:endParaRPr lang="ko-KR" altLang="en-US" sz="1100" dirty="0">
+                        <a:solidFill>
+                          <a:schemeClr val="tx1"/>
+                        </a:solidFill>
+                      </a:endParaRPr>
+                    </a:p>
+                  </a:txBody>
+                  <a:tcPr>
+                    <a:lnL w="12700" cap="flat" cmpd="sng" algn="ctr">
+                      <a:solidFill>
+                        <a:schemeClr val="tx1"/>
+                      </a:solidFill>
+                      <a:prstDash val="solid"/>
+                      <a:round/>
+                      <a:headEnd type="none" w="med" len="med"/>
+                      <a:tailEnd type="none" w="med" len="med"/>
+                    </a:lnL>
+                    <a:lnR w="12700" cap="flat" cmpd="sng" algn="ctr">
+                      <a:solidFill>
+                        <a:schemeClr val="tx1"/>
+                      </a:solidFill>
+                      <a:prstDash val="solid"/>
+                      <a:round/>
+                      <a:headEnd type="none" w="med" len="med"/>
+                      <a:tailEnd type="none" w="med" len="med"/>
+                    </a:lnR>
+                    <a:lnT w="12700" cap="flat" cmpd="sng" algn="ctr">
+                      <a:solidFill>
+                        <a:schemeClr val="tx1"/>
+                      </a:solidFill>
+                      <a:prstDash val="solid"/>
+                      <a:round/>
+                      <a:headEnd type="none" w="med" len="med"/>
+                      <a:tailEnd type="none" w="med" len="med"/>
+                    </a:lnT>
+                    <a:lnB w="12700" cap="flat" cmpd="sng" algn="ctr">
+                      <a:solidFill>
+                        <a:schemeClr val="tx1"/>
+                      </a:solidFill>
+                      <a:prstDash val="solid"/>
+                      <a:round/>
+                      <a:headEnd type="none" w="med" len="med"/>
+                      <a:tailEnd type="none" w="med" len="med"/>
+                    </a:lnB>
+                    <a:noFill/>
+                  </a:tcPr>
+                </a:tc>
+                <a:tc>
+                  <a:txBody>
+                    <a:bodyPr/>
+                    <a:lstStyle/>
+                    <a:p>
+                      <a:pPr algn="ctr" latinLnBrk="1"/>
+                      <a:endParaRPr lang="ko-KR" altLang="en-US" sz="1100" dirty="0">
+                        <a:solidFill>
+                          <a:schemeClr val="tx1"/>
+                        </a:solidFill>
+                      </a:endParaRPr>
+                    </a:p>
+                  </a:txBody>
+                  <a:tcPr>
+                    <a:lnL w="12700" cap="flat" cmpd="sng" algn="ctr">
+                      <a:solidFill>
+                        <a:schemeClr val="tx1"/>
+                      </a:solidFill>
+                      <a:prstDash val="solid"/>
+                      <a:round/>
+                      <a:headEnd type="none" w="med" len="med"/>
+                      <a:tailEnd type="none" w="med" len="med"/>
+                    </a:lnL>
+                    <a:lnR w="12700" cap="flat" cmpd="sng" algn="ctr">
+                      <a:solidFill>
+                        <a:schemeClr val="tx1"/>
+                      </a:solidFill>
+                      <a:prstDash val="solid"/>
+                      <a:round/>
+                      <a:headEnd type="none" w="med" len="med"/>
+                      <a:tailEnd type="none" w="med" len="med"/>
+                    </a:lnR>
+                    <a:lnT w="12700" cap="flat" cmpd="sng" algn="ctr">
+                      <a:solidFill>
+                        <a:schemeClr val="tx1"/>
+                      </a:solidFill>
+                      <a:prstDash val="solid"/>
+                      <a:round/>
+                      <a:headEnd type="none" w="med" len="med"/>
+                      <a:tailEnd type="none" w="med" len="med"/>
+                    </a:lnT>
+                    <a:lnB w="12700" cap="flat" cmpd="sng" algn="ctr">
+                      <a:solidFill>
+                        <a:schemeClr val="tx1"/>
+                      </a:solidFill>
+                      <a:prstDash val="solid"/>
+                      <a:round/>
+                      <a:headEnd type="none" w="med" len="med"/>
+                      <a:tailEnd type="none" w="med" len="med"/>
+                    </a:lnB>
+                    <a:noFill/>
+                  </a:tcPr>
+                </a:tc>
+                <a:tc>
+                  <a:txBody>
+                    <a:bodyPr/>
+                    <a:lstStyle/>
+                    <a:p>
+                      <a:pPr marL="182563" indent="-182563" algn="l" latinLnBrk="1">
+                        <a:lnSpc>
+                          <a:spcPct val="125000"/>
+                        </a:lnSpc>
+                        <a:buFont typeface="Arial" panose="020B0604020202020204" pitchFamily="34" charset="0"/>
+                        <a:buChar char="•"/>
+                      </a:pPr>
+                      <a:r>
+                        <a:rPr lang="ko-KR" altLang="en-US" sz="1100" dirty="0">
+                          <a:solidFill>
+                            <a:schemeClr val="tx1"/>
+                          </a:solidFill>
+                        </a:rPr>
+                        <a:t>로그인</a:t>
+                      </a:r>
+                      <a:endParaRPr lang="en-US" altLang="ko-KR" sz="1100" dirty="0">
+                        <a:solidFill>
+                          <a:schemeClr val="tx1"/>
+                        </a:solidFill>
+                      </a:endParaRPr>
+                    </a:p>
+                    <a:p>
+                      <a:pPr marL="0" indent="0" algn="l" latinLnBrk="1">
+                        <a:lnSpc>
+                          <a:spcPct val="125000"/>
+                        </a:lnSpc>
+                        <a:buFont typeface="Arial" panose="020B0604020202020204" pitchFamily="34" charset="0"/>
+                        <a:buNone/>
+                      </a:pPr>
+                      <a:r>
+                        <a:rPr lang="en-US" altLang="ko-KR" sz="1100" dirty="0">
+                          <a:solidFill>
+                            <a:schemeClr val="tx1"/>
+                          </a:solidFill>
+                        </a:rPr>
+                        <a:t> -</a:t>
+                      </a:r>
+                      <a:r>
+                        <a:rPr lang="en-US" altLang="ko-KR" sz="1100" baseline="0" dirty="0">
+                          <a:solidFill>
+                            <a:schemeClr val="tx1"/>
+                          </a:solidFill>
+                        </a:rPr>
+                        <a:t> </a:t>
+                      </a:r>
+                      <a:r>
+                        <a:rPr lang="ko-KR" altLang="en-US" sz="1100" baseline="0" dirty="0">
+                          <a:solidFill>
+                            <a:schemeClr val="tx1"/>
+                          </a:solidFill>
+                        </a:rPr>
+                        <a:t>로그인 성공 시 메인 페이지로 이동</a:t>
+                      </a:r>
+                      <a:r>
+                        <a:rPr lang="en-US" altLang="ko-KR" sz="1100" baseline="0" dirty="0">
+                          <a:solidFill>
+                            <a:schemeClr val="tx1"/>
+                          </a:solidFill>
+                        </a:rPr>
+                        <a:t>.</a:t>
+                      </a:r>
+                      <a:endParaRPr lang="en-US" altLang="ko-KR" sz="1100" dirty="0">
+                        <a:solidFill>
+                          <a:schemeClr val="tx1"/>
+                        </a:solidFill>
+                      </a:endParaRPr>
+                    </a:p>
+                  </a:txBody>
+                  <a:tcPr>
+                    <a:lnL w="12700" cap="flat" cmpd="sng" algn="ctr">
+                      <a:solidFill>
+                        <a:schemeClr val="tx1"/>
+                      </a:solidFill>
+                      <a:prstDash val="solid"/>
+                      <a:round/>
+                      <a:headEnd type="none" w="med" len="med"/>
+                      <a:tailEnd type="none" w="med" len="med"/>
+                    </a:lnL>
+                    <a:lnR w="12700" cap="flat" cmpd="sng" algn="ctr">
+                      <a:solidFill>
+                        <a:schemeClr val="tx1"/>
+                      </a:solidFill>
+                      <a:prstDash val="solid"/>
+                      <a:round/>
+                      <a:headEnd type="none" w="med" len="med"/>
+                      <a:tailEnd type="none" w="med" len="med"/>
+                    </a:lnR>
+                    <a:lnT w="12700" cap="flat" cmpd="sng" algn="ctr">
+                      <a:solidFill>
+                        <a:schemeClr val="tx1"/>
+                      </a:solidFill>
+                      <a:prstDash val="solid"/>
+                      <a:round/>
+                      <a:headEnd type="none" w="med" len="med"/>
+                      <a:tailEnd type="none" w="med" len="med"/>
+                    </a:lnT>
+                    <a:lnB w="12700" cap="flat" cmpd="sng" algn="ctr">
+                      <a:solidFill>
+                        <a:schemeClr val="tx1"/>
+                      </a:solidFill>
+                      <a:prstDash val="solid"/>
+                      <a:round/>
+                      <a:headEnd type="none" w="med" len="med"/>
+                      <a:tailEnd type="none" w="med" len="med"/>
+                    </a:lnB>
+                    <a:noFill/>
+                  </a:tcPr>
+                </a:tc>
+                <a:extLst>
+                  <a:ext uri="{0D108BD9-81ED-4DB2-BD59-A6C34878D82A}">
+                    <a16:rowId xmlns:a16="http://schemas.microsoft.com/office/drawing/2014/main" val="247755150"/>
+                  </a:ext>
+                </a:extLst>
+              </a:tr>
+              <a:tr h="370840">
+                <a:tc>
+                  <a:txBody>
+                    <a:bodyPr/>
+                    <a:lstStyle/>
+                    <a:p>
+                      <a:pPr algn="ctr" latinLnBrk="1"/>
+                      <a:r>
+                        <a:rPr lang="en-US" altLang="ko-KR" sz="1100" dirty="0">
+                          <a:solidFill>
+                            <a:schemeClr val="tx1"/>
+                          </a:solidFill>
+                        </a:rPr>
+                        <a:t>5</a:t>
+                      </a:r>
+                      <a:endParaRPr lang="ko-KR" altLang="en-US" sz="1100" dirty="0">
+                        <a:solidFill>
+                          <a:schemeClr val="tx1"/>
+                        </a:solidFill>
+                      </a:endParaRPr>
+                    </a:p>
+                  </a:txBody>
+                  <a:tcPr>
+                    <a:lnL w="12700" cap="flat" cmpd="sng" algn="ctr">
+                      <a:solidFill>
+                        <a:schemeClr val="tx1"/>
+                      </a:solidFill>
+                      <a:prstDash val="solid"/>
+                      <a:round/>
+                      <a:headEnd type="none" w="med" len="med"/>
+                      <a:tailEnd type="none" w="med" len="med"/>
+                    </a:lnL>
+                    <a:lnR w="12700" cap="flat" cmpd="sng" algn="ctr">
+                      <a:solidFill>
+                        <a:schemeClr val="tx1"/>
+                      </a:solidFill>
+                      <a:prstDash val="solid"/>
+                      <a:round/>
+                      <a:headEnd type="none" w="med" len="med"/>
+                      <a:tailEnd type="none" w="med" len="med"/>
+                    </a:lnR>
+                    <a:lnT w="12700" cap="flat" cmpd="sng" algn="ctr">
+                      <a:solidFill>
+                        <a:schemeClr val="tx1"/>
+                      </a:solidFill>
+                      <a:prstDash val="solid"/>
+                      <a:round/>
+                      <a:headEnd type="none" w="med" len="med"/>
+                      <a:tailEnd type="none" w="med" len="med"/>
+                    </a:lnT>
+                    <a:lnB w="12700" cap="flat" cmpd="sng" algn="ctr">
+                      <a:solidFill>
+                        <a:schemeClr val="tx1"/>
+                      </a:solidFill>
+                      <a:prstDash val="solid"/>
+                      <a:round/>
+                      <a:headEnd type="none" w="med" len="med"/>
+                      <a:tailEnd type="none" w="med" len="med"/>
+                    </a:lnB>
+                    <a:noFill/>
+                  </a:tcPr>
+                </a:tc>
+                <a:tc>
+                  <a:txBody>
+                    <a:bodyPr/>
+                    <a:lstStyle/>
+                    <a:p>
+                      <a:pPr algn="ctr" latinLnBrk="1"/>
+                      <a:endParaRPr lang="ko-KR" altLang="en-US" sz="1100" dirty="0">
+                        <a:solidFill>
+                          <a:schemeClr val="tx1"/>
+                        </a:solidFill>
+                      </a:endParaRPr>
+                    </a:p>
+                  </a:txBody>
+                  <a:tcPr>
+                    <a:lnL w="12700" cap="flat" cmpd="sng" algn="ctr">
+                      <a:solidFill>
+                        <a:schemeClr val="tx1"/>
+                      </a:solidFill>
+                      <a:prstDash val="solid"/>
+                      <a:round/>
+                      <a:headEnd type="none" w="med" len="med"/>
+                      <a:tailEnd type="none" w="med" len="med"/>
+                    </a:lnL>
+                    <a:lnR w="12700" cap="flat" cmpd="sng" algn="ctr">
+                      <a:solidFill>
+                        <a:schemeClr val="tx1"/>
+                      </a:solidFill>
+                      <a:prstDash val="solid"/>
+                      <a:round/>
+                      <a:headEnd type="none" w="med" len="med"/>
+                      <a:tailEnd type="none" w="med" len="med"/>
+                    </a:lnR>
+                    <a:lnT w="12700" cap="flat" cmpd="sng" algn="ctr">
+                      <a:solidFill>
+                        <a:schemeClr val="tx1"/>
+                      </a:solidFill>
+                      <a:prstDash val="solid"/>
+                      <a:round/>
+                      <a:headEnd type="none" w="med" len="med"/>
+                      <a:tailEnd type="none" w="med" len="med"/>
+                    </a:lnT>
+                    <a:lnB w="12700" cap="flat" cmpd="sng" algn="ctr">
+                      <a:solidFill>
+                        <a:schemeClr val="tx1"/>
+                      </a:solidFill>
+                      <a:prstDash val="solid"/>
+                      <a:round/>
+                      <a:headEnd type="none" w="med" len="med"/>
+                      <a:tailEnd type="none" w="med" len="med"/>
+                    </a:lnB>
+                    <a:noFill/>
+                  </a:tcPr>
+                </a:tc>
+                <a:tc>
+                  <a:txBody>
+                    <a:bodyPr/>
+                    <a:lstStyle/>
+                    <a:p>
+                      <a:pPr marL="171450" indent="-171450" algn="l" latinLnBrk="1">
+                        <a:lnSpc>
+                          <a:spcPct val="125000"/>
+                        </a:lnSpc>
+                        <a:buFont typeface="Arial" panose="020B0604020202020204" pitchFamily="34" charset="0"/>
+                        <a:buChar char="•"/>
+                      </a:pPr>
+                      <a:r>
+                        <a:rPr lang="ko-KR" altLang="en-US" sz="1100" dirty="0">
+                          <a:solidFill>
+                            <a:schemeClr val="tx1"/>
+                          </a:solidFill>
+                        </a:rPr>
+                        <a:t>아이디 찾기</a:t>
+                      </a:r>
+                      <a:endParaRPr lang="en-US" altLang="ko-KR" sz="1100" dirty="0">
+                        <a:solidFill>
+                          <a:schemeClr val="tx1"/>
+                        </a:solidFill>
+                      </a:endParaRPr>
+                    </a:p>
+                    <a:p>
+                      <a:pPr marL="0" indent="0" algn="l" latinLnBrk="1">
+                        <a:lnSpc>
+                          <a:spcPct val="125000"/>
+                        </a:lnSpc>
+                        <a:buFont typeface="Arial" panose="020B0604020202020204" pitchFamily="34" charset="0"/>
+                        <a:buNone/>
+                      </a:pPr>
+                      <a:r>
+                        <a:rPr lang="en-US" altLang="ko-KR" sz="1100" dirty="0">
+                          <a:solidFill>
+                            <a:schemeClr val="tx1"/>
+                          </a:solidFill>
+                        </a:rPr>
+                        <a:t> - </a:t>
+                      </a:r>
+                      <a:r>
+                        <a:rPr lang="ko-KR" altLang="en-US" sz="1100" dirty="0">
+                          <a:solidFill>
+                            <a:schemeClr val="tx1"/>
+                          </a:solidFill>
+                        </a:rPr>
+                        <a:t>아이디 찾기 페이지로 이동</a:t>
+                      </a:r>
+                      <a:r>
+                        <a:rPr lang="en-US" altLang="ko-KR" sz="1100" dirty="0">
+                          <a:solidFill>
+                            <a:schemeClr val="tx1"/>
+                          </a:solidFill>
+                        </a:rPr>
+                        <a:t>.</a:t>
+                      </a:r>
+                    </a:p>
+                  </a:txBody>
+                  <a:tcPr>
+                    <a:lnL w="12700" cap="flat" cmpd="sng" algn="ctr">
+                      <a:solidFill>
+                        <a:schemeClr val="tx1"/>
+                      </a:solidFill>
+                      <a:prstDash val="solid"/>
+                      <a:round/>
+                      <a:headEnd type="none" w="med" len="med"/>
+                      <a:tailEnd type="none" w="med" len="med"/>
+                    </a:lnL>
+                    <a:lnR w="12700" cap="flat" cmpd="sng" algn="ctr">
+                      <a:solidFill>
+                        <a:schemeClr val="tx1"/>
+                      </a:solidFill>
+                      <a:prstDash val="solid"/>
+                      <a:round/>
+                      <a:headEnd type="none" w="med" len="med"/>
+                      <a:tailEnd type="none" w="med" len="med"/>
+                    </a:lnR>
+                    <a:lnT w="12700" cap="flat" cmpd="sng" algn="ctr">
+                      <a:solidFill>
+                        <a:schemeClr val="tx1"/>
+                      </a:solidFill>
+                      <a:prstDash val="solid"/>
+                      <a:round/>
+                      <a:headEnd type="none" w="med" len="med"/>
+                      <a:tailEnd type="none" w="med" len="med"/>
+                    </a:lnT>
+                    <a:lnB w="12700" cap="flat" cmpd="sng" algn="ctr">
+                      <a:solidFill>
+                        <a:schemeClr val="tx1"/>
+                      </a:solidFill>
+                      <a:prstDash val="solid"/>
+                      <a:round/>
+                      <a:headEnd type="none" w="med" len="med"/>
+                      <a:tailEnd type="none" w="med" len="med"/>
+                    </a:lnB>
+                    <a:noFill/>
+                  </a:tcPr>
+                </a:tc>
+                <a:extLst>
+                  <a:ext uri="{0D108BD9-81ED-4DB2-BD59-A6C34878D82A}">
+                    <a16:rowId xmlns:a16="http://schemas.microsoft.com/office/drawing/2014/main" val="1245563291"/>
+                  </a:ext>
+                </a:extLst>
+              </a:tr>
+              <a:tr h="370840">
+                <a:tc>
+                  <a:txBody>
+                    <a:bodyPr/>
+                    <a:lstStyle/>
+                    <a:p>
+                      <a:pPr algn="ctr" latinLnBrk="1"/>
+                      <a:r>
+                        <a:rPr lang="en-US" altLang="ko-KR" sz="1100" dirty="0">
+                          <a:solidFill>
+                            <a:schemeClr val="tx1"/>
+                          </a:solidFill>
+                        </a:rPr>
+                        <a:t>6</a:t>
+                      </a:r>
+                      <a:endParaRPr lang="ko-KR" altLang="en-US" sz="1100" dirty="0">
+                        <a:solidFill>
+                          <a:schemeClr val="tx1"/>
+                        </a:solidFill>
+                      </a:endParaRPr>
+                    </a:p>
+                  </a:txBody>
+                  <a:tcPr>
+                    <a:lnL w="12700" cap="flat" cmpd="sng" algn="ctr">
+                      <a:solidFill>
+                        <a:schemeClr val="tx1"/>
+                      </a:solidFill>
+                      <a:prstDash val="solid"/>
+                      <a:round/>
+                      <a:headEnd type="none" w="med" len="med"/>
+                      <a:tailEnd type="none" w="med" len="med"/>
+                    </a:lnL>
+                    <a:lnR w="12700" cap="flat" cmpd="sng" algn="ctr">
+                      <a:solidFill>
+                        <a:schemeClr val="tx1"/>
+                      </a:solidFill>
+                      <a:prstDash val="solid"/>
+                      <a:round/>
+                      <a:headEnd type="none" w="med" len="med"/>
+                      <a:tailEnd type="none" w="med" len="med"/>
+                    </a:lnR>
+                    <a:lnT w="12700" cap="flat" cmpd="sng" algn="ctr">
+                      <a:solidFill>
+                        <a:schemeClr val="tx1"/>
+                      </a:solidFill>
+                      <a:prstDash val="solid"/>
+                      <a:round/>
+                      <a:headEnd type="none" w="med" len="med"/>
+                      <a:tailEnd type="none" w="med" len="med"/>
+                    </a:lnT>
+                    <a:lnB w="12700" cap="flat" cmpd="sng" algn="ctr">
+                      <a:solidFill>
+                        <a:schemeClr val="tx1"/>
+                      </a:solidFill>
+                      <a:prstDash val="solid"/>
+                      <a:round/>
+                      <a:headEnd type="none" w="med" len="med"/>
+                      <a:tailEnd type="none" w="med" len="med"/>
+                    </a:lnB>
+                    <a:noFill/>
+                  </a:tcPr>
+                </a:tc>
+                <a:tc>
+                  <a:txBody>
+                    <a:bodyPr/>
+                    <a:lstStyle/>
+                    <a:p>
+                      <a:pPr algn="ctr" latinLnBrk="1"/>
+                      <a:endParaRPr lang="ko-KR" altLang="en-US" sz="1100" dirty="0">
+                        <a:solidFill>
+                          <a:schemeClr val="tx1"/>
+                        </a:solidFill>
+                      </a:endParaRPr>
+                    </a:p>
+                  </a:txBody>
+                  <a:tcPr>
+                    <a:lnL w="12700" cap="flat" cmpd="sng" algn="ctr">
+                      <a:solidFill>
+                        <a:schemeClr val="tx1"/>
+                      </a:solidFill>
+                      <a:prstDash val="solid"/>
+                      <a:round/>
+                      <a:headEnd type="none" w="med" len="med"/>
+                      <a:tailEnd type="none" w="med" len="med"/>
+                    </a:lnL>
+                    <a:lnR w="12700" cap="flat" cmpd="sng" algn="ctr">
+                      <a:solidFill>
+                        <a:schemeClr val="tx1"/>
+                      </a:solidFill>
+                      <a:prstDash val="solid"/>
+                      <a:round/>
+                      <a:headEnd type="none" w="med" len="med"/>
+                      <a:tailEnd type="none" w="med" len="med"/>
+                    </a:lnR>
+                    <a:lnT w="12700" cap="flat" cmpd="sng" algn="ctr">
+                      <a:solidFill>
+                        <a:schemeClr val="tx1"/>
+                      </a:solidFill>
+                      <a:prstDash val="solid"/>
+                      <a:round/>
+                      <a:headEnd type="none" w="med" len="med"/>
+                      <a:tailEnd type="none" w="med" len="med"/>
+                    </a:lnT>
+                    <a:lnB w="12700" cap="flat" cmpd="sng" algn="ctr">
+                      <a:solidFill>
+                        <a:schemeClr val="tx1"/>
+                      </a:solidFill>
+                      <a:prstDash val="solid"/>
+                      <a:round/>
+                      <a:headEnd type="none" w="med" len="med"/>
+                      <a:tailEnd type="none" w="med" len="med"/>
+                    </a:lnB>
+                    <a:noFill/>
+                  </a:tcPr>
+                </a:tc>
+                <a:tc>
+                  <a:txBody>
+                    <a:bodyPr/>
+                    <a:lstStyle/>
+                    <a:p>
+                      <a:pPr marL="171450" indent="-171450" algn="l" latinLnBrk="1">
+                        <a:lnSpc>
+                          <a:spcPct val="125000"/>
+                        </a:lnSpc>
+                        <a:buFont typeface="Arial" panose="020B0604020202020204" pitchFamily="34" charset="0"/>
+                        <a:buChar char="•"/>
+                      </a:pPr>
+                      <a:r>
+                        <a:rPr lang="ko-KR" altLang="en-US" sz="1100" dirty="0">
+                          <a:solidFill>
+                            <a:schemeClr val="tx1"/>
+                          </a:solidFill>
+                        </a:rPr>
+                        <a:t>비밀번호 찾기</a:t>
+                      </a:r>
+                      <a:endParaRPr lang="en-US" altLang="ko-KR" sz="1100" dirty="0">
+                        <a:solidFill>
+                          <a:schemeClr val="tx1"/>
+                        </a:solidFill>
+                      </a:endParaRPr>
+                    </a:p>
+                    <a:p>
+                      <a:pPr marL="0" indent="0" algn="l" latinLnBrk="1">
+                        <a:lnSpc>
+                          <a:spcPct val="125000"/>
+                        </a:lnSpc>
+                        <a:buFont typeface="Arial" panose="020B0604020202020204" pitchFamily="34" charset="0"/>
+                        <a:buNone/>
+                      </a:pPr>
+                      <a:r>
+                        <a:rPr lang="en-US" altLang="ko-KR" sz="1100" dirty="0">
+                          <a:solidFill>
+                            <a:schemeClr val="tx1"/>
+                          </a:solidFill>
+                        </a:rPr>
+                        <a:t> - </a:t>
+                      </a:r>
+                      <a:r>
+                        <a:rPr lang="ko-KR" altLang="en-US" sz="1100" dirty="0">
+                          <a:solidFill>
+                            <a:schemeClr val="tx1"/>
+                          </a:solidFill>
+                        </a:rPr>
+                        <a:t>비밀번호 찾기 페이지로 이동</a:t>
+                      </a:r>
+                      <a:r>
+                        <a:rPr lang="en-US" altLang="ko-KR" sz="1100" dirty="0">
+                          <a:solidFill>
+                            <a:schemeClr val="tx1"/>
+                          </a:solidFill>
+                        </a:rPr>
+                        <a:t>.</a:t>
+                      </a:r>
+                    </a:p>
+                  </a:txBody>
+                  <a:tcPr>
+                    <a:lnL w="12700" cap="flat" cmpd="sng" algn="ctr">
+                      <a:solidFill>
+                        <a:schemeClr val="tx1"/>
+                      </a:solidFill>
+                      <a:prstDash val="solid"/>
+                      <a:round/>
+                      <a:headEnd type="none" w="med" len="med"/>
+                      <a:tailEnd type="none" w="med" len="med"/>
+                    </a:lnL>
+                    <a:lnR w="12700" cap="flat" cmpd="sng" algn="ctr">
+                      <a:solidFill>
+                        <a:schemeClr val="tx1"/>
+                      </a:solidFill>
+                      <a:prstDash val="solid"/>
+                      <a:round/>
+                      <a:headEnd type="none" w="med" len="med"/>
+                      <a:tailEnd type="none" w="med" len="med"/>
+                    </a:lnR>
+                    <a:lnT w="12700" cap="flat" cmpd="sng" algn="ctr">
+                      <a:solidFill>
+                        <a:schemeClr val="tx1"/>
+                      </a:solidFill>
+                      <a:prstDash val="solid"/>
+                      <a:round/>
+                      <a:headEnd type="none" w="med" len="med"/>
+                      <a:tailEnd type="none" w="med" len="med"/>
+                    </a:lnT>
+                    <a:lnB w="12700" cap="flat" cmpd="sng" algn="ctr">
+                      <a:solidFill>
+                        <a:schemeClr val="tx1"/>
+                      </a:solidFill>
+                      <a:prstDash val="solid"/>
+                      <a:round/>
+                      <a:headEnd type="none" w="med" len="med"/>
+                      <a:tailEnd type="none" w="med" len="med"/>
+                    </a:lnB>
+                    <a:noFill/>
+                  </a:tcPr>
+                </a:tc>
+                <a:extLst>
+                  <a:ext uri="{0D108BD9-81ED-4DB2-BD59-A6C34878D82A}">
+                    <a16:rowId xmlns:a16="http://schemas.microsoft.com/office/drawing/2014/main" val="1939154687"/>
+                  </a:ext>
+                </a:extLst>
+              </a:tr>
+              <a:tr h="370840">
+                <a:tc>
+                  <a:txBody>
+                    <a:bodyPr/>
+                    <a:lstStyle/>
+                    <a:p>
+                      <a:pPr algn="ctr" latinLnBrk="1"/>
+                      <a:r>
+                        <a:rPr lang="en-US" altLang="ko-KR" sz="1100" dirty="0">
+                          <a:solidFill>
+                            <a:schemeClr val="tx1"/>
+                          </a:solidFill>
+                        </a:rPr>
+                        <a:t>7</a:t>
+                      </a:r>
+                      <a:endParaRPr lang="ko-KR" altLang="en-US" sz="1100" dirty="0">
+                        <a:solidFill>
+                          <a:schemeClr val="tx1"/>
+                        </a:solidFill>
+                      </a:endParaRPr>
+                    </a:p>
+                  </a:txBody>
+                  <a:tcPr>
+                    <a:lnL w="12700" cap="flat" cmpd="sng" algn="ctr">
+                      <a:solidFill>
+                        <a:schemeClr val="tx1"/>
+                      </a:solidFill>
+                      <a:prstDash val="solid"/>
+                      <a:round/>
+                      <a:headEnd type="none" w="med" len="med"/>
+                      <a:tailEnd type="none" w="med" len="med"/>
+                    </a:lnL>
+                    <a:lnR w="12700" cap="flat" cmpd="sng" algn="ctr">
+                      <a:solidFill>
+                        <a:schemeClr val="tx1"/>
+                      </a:solidFill>
+                      <a:prstDash val="solid"/>
+                      <a:round/>
+                      <a:headEnd type="none" w="med" len="med"/>
+                      <a:tailEnd type="none" w="med" len="med"/>
+                    </a:lnR>
+                    <a:lnT w="12700" cap="flat" cmpd="sng" algn="ctr">
+                      <a:solidFill>
+                        <a:schemeClr val="tx1"/>
+                      </a:solidFill>
+                      <a:prstDash val="solid"/>
+                      <a:round/>
+                      <a:headEnd type="none" w="med" len="med"/>
+                      <a:tailEnd type="none" w="med" len="med"/>
+                    </a:lnT>
+                    <a:lnB w="12700" cap="flat" cmpd="sng" algn="ctr">
+                      <a:solidFill>
+                        <a:schemeClr val="tx1"/>
+                      </a:solidFill>
+                      <a:prstDash val="solid"/>
+                      <a:round/>
+                      <a:headEnd type="none" w="med" len="med"/>
+                      <a:tailEnd type="none" w="med" len="med"/>
+                    </a:lnB>
+                    <a:noFill/>
+                  </a:tcPr>
+                </a:tc>
+                <a:tc>
+                  <a:txBody>
+                    <a:bodyPr/>
+                    <a:lstStyle/>
+                    <a:p>
+                      <a:pPr algn="ctr" latinLnBrk="1"/>
+                      <a:endParaRPr lang="ko-KR" altLang="en-US" sz="1100" dirty="0">
+                        <a:solidFill>
+                          <a:schemeClr val="tx1"/>
+                        </a:solidFill>
+                      </a:endParaRPr>
+                    </a:p>
+                  </a:txBody>
+                  <a:tcPr>
+                    <a:lnL w="12700" cap="flat" cmpd="sng" algn="ctr">
+                      <a:solidFill>
+                        <a:schemeClr val="tx1"/>
+                      </a:solidFill>
+                      <a:prstDash val="solid"/>
+                      <a:round/>
+                      <a:headEnd type="none" w="med" len="med"/>
+                      <a:tailEnd type="none" w="med" len="med"/>
+                    </a:lnL>
+                    <a:lnR w="12700" cap="flat" cmpd="sng" algn="ctr">
+                      <a:solidFill>
+                        <a:schemeClr val="tx1"/>
+                      </a:solidFill>
+                      <a:prstDash val="solid"/>
+                      <a:round/>
+                      <a:headEnd type="none" w="med" len="med"/>
+                      <a:tailEnd type="none" w="med" len="med"/>
+                    </a:lnR>
+                    <a:lnT w="12700" cap="flat" cmpd="sng" algn="ctr">
+                      <a:solidFill>
+                        <a:schemeClr val="tx1"/>
+                      </a:solidFill>
+                      <a:prstDash val="solid"/>
+                      <a:round/>
+                      <a:headEnd type="none" w="med" len="med"/>
+                      <a:tailEnd type="none" w="med" len="med"/>
+                    </a:lnT>
+                    <a:lnB w="12700" cap="flat" cmpd="sng" algn="ctr">
+                      <a:solidFill>
+                        <a:schemeClr val="tx1"/>
+                      </a:solidFill>
+                      <a:prstDash val="solid"/>
+                      <a:round/>
+                      <a:headEnd type="none" w="med" len="med"/>
+                      <a:tailEnd type="none" w="med" len="med"/>
+                    </a:lnB>
+                    <a:noFill/>
+                  </a:tcPr>
+                </a:tc>
+                <a:tc>
+                  <a:txBody>
+                    <a:bodyPr/>
+                    <a:lstStyle/>
+                    <a:p>
+                      <a:pPr marL="171450" indent="-171450" algn="l" latinLnBrk="1">
+                        <a:lnSpc>
+                          <a:spcPct val="125000"/>
+                        </a:lnSpc>
+                        <a:buFont typeface="Arial" panose="020B0604020202020204" pitchFamily="34" charset="0"/>
+                        <a:buChar char="•"/>
+                      </a:pPr>
+                      <a:r>
+                        <a:rPr lang="ko-KR" altLang="en-US" sz="1100" dirty="0">
+                          <a:solidFill>
+                            <a:schemeClr val="tx1"/>
+                          </a:solidFill>
+                        </a:rPr>
+                        <a:t>회원 가입</a:t>
+                      </a:r>
+                      <a:endParaRPr lang="en-US" altLang="ko-KR" sz="1100" dirty="0">
+                        <a:solidFill>
+                          <a:schemeClr val="tx1"/>
+                        </a:solidFill>
+                      </a:endParaRPr>
+                    </a:p>
+                    <a:p>
+                      <a:pPr marL="0" indent="0" algn="l" latinLnBrk="1">
+                        <a:lnSpc>
+                          <a:spcPct val="125000"/>
+                        </a:lnSpc>
+                        <a:buFont typeface="Arial" panose="020B0604020202020204" pitchFamily="34" charset="0"/>
+                        <a:buNone/>
+                      </a:pPr>
+                      <a:r>
+                        <a:rPr lang="en-US" altLang="ko-KR" sz="1100" dirty="0">
+                          <a:solidFill>
+                            <a:schemeClr val="tx1"/>
+                          </a:solidFill>
+                        </a:rPr>
+                        <a:t> - </a:t>
+                      </a:r>
+                      <a:r>
+                        <a:rPr lang="ko-KR" altLang="en-US" sz="1100" dirty="0">
+                          <a:solidFill>
+                            <a:schemeClr val="tx1"/>
+                          </a:solidFill>
+                        </a:rPr>
+                        <a:t>약관 동의 페이지로 이동</a:t>
+                      </a:r>
+                      <a:r>
+                        <a:rPr lang="en-US" altLang="ko-KR" sz="1100" dirty="0">
+                          <a:solidFill>
+                            <a:schemeClr val="tx1"/>
+                          </a:solidFill>
+                        </a:rPr>
+                        <a:t>.</a:t>
+                      </a:r>
+                    </a:p>
+                  </a:txBody>
+                  <a:tcPr>
+                    <a:lnL w="12700" cap="flat" cmpd="sng" algn="ctr">
+                      <a:solidFill>
+                        <a:schemeClr val="tx1"/>
+                      </a:solidFill>
+                      <a:prstDash val="solid"/>
+                      <a:round/>
+                      <a:headEnd type="none" w="med" len="med"/>
+                      <a:tailEnd type="none" w="med" len="med"/>
+                    </a:lnL>
+                    <a:lnR w="12700" cap="flat" cmpd="sng" algn="ctr">
+                      <a:solidFill>
+                        <a:schemeClr val="tx1"/>
+                      </a:solidFill>
+                      <a:prstDash val="solid"/>
+                      <a:round/>
+                      <a:headEnd type="none" w="med" len="med"/>
+                      <a:tailEnd type="none" w="med" len="med"/>
+                    </a:lnR>
+                    <a:lnT w="12700" cap="flat" cmpd="sng" algn="ctr">
+                      <a:solidFill>
+                        <a:schemeClr val="tx1"/>
+                      </a:solidFill>
+                      <a:prstDash val="solid"/>
+                      <a:round/>
+                      <a:headEnd type="none" w="med" len="med"/>
+                      <a:tailEnd type="none" w="med" len="med"/>
+                    </a:lnT>
+                    <a:lnB w="12700" cap="flat" cmpd="sng" algn="ctr">
+                      <a:solidFill>
+                        <a:schemeClr val="tx1"/>
+                      </a:solidFill>
+                      <a:prstDash val="solid"/>
+                      <a:round/>
+                      <a:headEnd type="none" w="med" len="med"/>
+                      <a:tailEnd type="none" w="med" len="med"/>
+                    </a:lnB>
+                    <a:noFill/>
+                  </a:tcPr>
+                </a:tc>
+                <a:extLst>
+                  <a:ext uri="{0D108BD9-81ED-4DB2-BD59-A6C34878D82A}">
+                    <a16:rowId xmlns:a16="http://schemas.microsoft.com/office/drawing/2014/main" val="4226857812"/>
+                  </a:ext>
+                </a:extLst>
+              </a:tr>
+            </a:tbl>
+          </a:graphicData>
+        </a:graphic>
+      </p:graphicFrame>
+      <p:sp>
+        <p:nvSpPr>
+          <p:cNvPr id="22" name="직사각형 21">
+            <a:extLst>
+              <a:ext uri="{FF2B5EF4-FFF2-40B4-BE49-F238E27FC236}">
+                <a16:creationId xmlns:a16="http://schemas.microsoft.com/office/drawing/2014/main" id="{8DEC87F9-876A-459E-8432-C0A66997EC63}"/>
+              </a:ext>
+            </a:extLst>
+          </p:cNvPr>
+          <p:cNvSpPr/>
+          <p:nvPr/>
+        </p:nvSpPr>
+        <p:spPr>
+          <a:xfrm>
+            <a:off x="4720046" y="1555082"/>
+            <a:ext cx="2046515" cy="369335"/>
+          </a:xfrm>
+          <a:prstGeom prst="rect">
+            <a:avLst/>
+          </a:prstGeom>
+          <a:noFill/>
+          <a:ln w="28575">
+            <a:solidFill>
+              <a:srgbClr val="FF0000"/>
+            </a:solidFill>
+          </a:ln>
+        </p:spPr>
+        <p:style>
+          <a:lnRef idx="2">
+            <a:schemeClr val="accent1">
+              <a:shade val="50000"/>
+            </a:schemeClr>
+          </a:lnRef>
+          <a:fillRef idx="1">
+            <a:schemeClr val="accent1"/>
+          </a:fillRef>
+          <a:effectRef idx="0">
+            <a:schemeClr val="accent1"/>
+          </a:effectRef>
+          <a:fontRef idx="minor">
+            <a:schemeClr val="lt1"/>
+          </a:fontRef>
+        </p:style>
+        <p:txBody>
+          <a:bodyPr rtlCol="0" anchor="ctr"/>
+          <a:lstStyle/>
+          <a:p>
+            <a:pPr algn="ctr"/>
+            <a:endParaRPr lang="ko-KR" altLang="en-US"/>
+          </a:p>
+        </p:txBody>
+      </p:sp>
+      <p:sp>
+        <p:nvSpPr>
+          <p:cNvPr id="28" name="직사각형 27">
+            <a:extLst>
+              <a:ext uri="{FF2B5EF4-FFF2-40B4-BE49-F238E27FC236}">
+                <a16:creationId xmlns:a16="http://schemas.microsoft.com/office/drawing/2014/main" id="{802FF848-31DE-4542-A516-14084DDEBD93}"/>
+              </a:ext>
+            </a:extLst>
+          </p:cNvPr>
+          <p:cNvSpPr/>
+          <p:nvPr/>
+        </p:nvSpPr>
+        <p:spPr>
+          <a:xfrm>
+            <a:off x="1911415" y="2199159"/>
+            <a:ext cx="1964338" cy="254977"/>
+          </a:xfrm>
+          <a:prstGeom prst="rect">
+            <a:avLst/>
+          </a:prstGeom>
+          <a:noFill/>
+          <a:ln w="28575">
+            <a:solidFill>
+              <a:srgbClr val="FF0000"/>
+            </a:solidFill>
+          </a:ln>
+        </p:spPr>
+        <p:style>
+          <a:lnRef idx="2">
+            <a:schemeClr val="accent1">
+              <a:shade val="50000"/>
+            </a:schemeClr>
+          </a:lnRef>
+          <a:fillRef idx="1">
+            <a:schemeClr val="accent1"/>
+          </a:fillRef>
+          <a:effectRef idx="0">
+            <a:schemeClr val="accent1"/>
+          </a:effectRef>
+          <a:fontRef idx="minor">
+            <a:schemeClr val="lt1"/>
+          </a:fontRef>
+        </p:style>
+        <p:txBody>
+          <a:bodyPr rtlCol="0" anchor="ctr"/>
+          <a:lstStyle/>
+          <a:p>
+            <a:pPr algn="ctr"/>
+            <a:endParaRPr lang="ko-KR" altLang="en-US" dirty="0"/>
+          </a:p>
+        </p:txBody>
+      </p:sp>
+      <p:sp>
+        <p:nvSpPr>
+          <p:cNvPr id="32" name="타원 31">
+            <a:extLst>
+              <a:ext uri="{FF2B5EF4-FFF2-40B4-BE49-F238E27FC236}">
+                <a16:creationId xmlns:a16="http://schemas.microsoft.com/office/drawing/2014/main" id="{2C47E3F3-8AA3-4F8D-8503-173F18E25F63}"/>
+              </a:ext>
+            </a:extLst>
+          </p:cNvPr>
+          <p:cNvSpPr/>
+          <p:nvPr/>
+        </p:nvSpPr>
+        <p:spPr>
+          <a:xfrm>
+            <a:off x="4418346" y="1612260"/>
+            <a:ext cx="254977" cy="254977"/>
+          </a:xfrm>
+          <a:prstGeom prst="ellipse">
+            <a:avLst/>
+          </a:prstGeom>
+          <a:ln>
+            <a:noFill/>
+          </a:ln>
+        </p:spPr>
+        <p:style>
+          <a:lnRef idx="2">
+            <a:schemeClr val="accent4">
+              <a:shade val="50000"/>
+            </a:schemeClr>
+          </a:lnRef>
+          <a:fillRef idx="1">
+            <a:schemeClr val="accent4"/>
+          </a:fillRef>
+          <a:effectRef idx="0">
+            <a:schemeClr val="accent4"/>
+          </a:effectRef>
+          <a:fontRef idx="minor">
+            <a:schemeClr val="lt1"/>
+          </a:fontRef>
+        </p:style>
+        <p:txBody>
+          <a:bodyPr rtlCol="0" anchor="ctr"/>
+          <a:lstStyle/>
+          <a:p>
+            <a:pPr algn="ctr"/>
+            <a:r>
+              <a:rPr lang="en-US" altLang="ko-KR" dirty="0"/>
+              <a:t>1</a:t>
+            </a:r>
+            <a:endParaRPr lang="ko-KR" altLang="en-US" dirty="0"/>
+          </a:p>
+        </p:txBody>
+      </p:sp>
+      <p:sp>
+        <p:nvSpPr>
+          <p:cNvPr id="33" name="타원 32">
+            <a:extLst>
+              <a:ext uri="{FF2B5EF4-FFF2-40B4-BE49-F238E27FC236}">
+                <a16:creationId xmlns:a16="http://schemas.microsoft.com/office/drawing/2014/main" id="{4E6D34F9-B099-4621-BB9A-127973199619}"/>
+              </a:ext>
+            </a:extLst>
+          </p:cNvPr>
+          <p:cNvSpPr/>
+          <p:nvPr/>
+        </p:nvSpPr>
+        <p:spPr>
+          <a:xfrm>
+            <a:off x="6502875" y="2096886"/>
+            <a:ext cx="254977" cy="254977"/>
+          </a:xfrm>
+          <a:prstGeom prst="ellipse">
+            <a:avLst/>
+          </a:prstGeom>
+          <a:ln>
+            <a:noFill/>
+          </a:ln>
+        </p:spPr>
+        <p:style>
+          <a:lnRef idx="2">
+            <a:schemeClr val="accent4">
+              <a:shade val="50000"/>
+            </a:schemeClr>
+          </a:lnRef>
+          <a:fillRef idx="1">
+            <a:schemeClr val="accent4"/>
+          </a:fillRef>
+          <a:effectRef idx="0">
+            <a:schemeClr val="accent4"/>
+          </a:effectRef>
+          <a:fontRef idx="minor">
+            <a:schemeClr val="lt1"/>
+          </a:fontRef>
+        </p:style>
+        <p:txBody>
+          <a:bodyPr rtlCol="0" anchor="ctr"/>
+          <a:lstStyle/>
+          <a:p>
+            <a:pPr algn="ctr"/>
+            <a:r>
+              <a:rPr lang="en-US" altLang="ko-KR" dirty="0"/>
+              <a:t>2</a:t>
+            </a:r>
+            <a:endParaRPr lang="ko-KR" altLang="en-US" dirty="0"/>
+          </a:p>
+        </p:txBody>
+      </p:sp>
+      <p:sp>
+        <p:nvSpPr>
+          <p:cNvPr id="14" name="직사각형 13">
+            <a:extLst>
+              <a:ext uri="{FF2B5EF4-FFF2-40B4-BE49-F238E27FC236}">
+                <a16:creationId xmlns:a16="http://schemas.microsoft.com/office/drawing/2014/main" id="{73194D3F-D413-4165-AFA3-149AEE66C30F}"/>
+              </a:ext>
+            </a:extLst>
+          </p:cNvPr>
+          <p:cNvSpPr/>
+          <p:nvPr/>
+        </p:nvSpPr>
+        <p:spPr>
+          <a:xfrm>
+            <a:off x="330777" y="2071669"/>
+            <a:ext cx="6435784" cy="2062809"/>
+          </a:xfrm>
+          <a:prstGeom prst="rect">
+            <a:avLst/>
+          </a:prstGeom>
+          <a:noFill/>
+          <a:ln w="28575">
+            <a:solidFill>
+              <a:srgbClr val="FF0000"/>
+            </a:solidFill>
+          </a:ln>
+        </p:spPr>
+        <p:style>
+          <a:lnRef idx="2">
+            <a:schemeClr val="accent1">
+              <a:shade val="50000"/>
+            </a:schemeClr>
+          </a:lnRef>
+          <a:fillRef idx="1">
+            <a:schemeClr val="accent1"/>
+          </a:fillRef>
+          <a:effectRef idx="0">
+            <a:schemeClr val="accent1"/>
+          </a:effectRef>
+          <a:fontRef idx="minor">
+            <a:schemeClr val="lt1"/>
+          </a:fontRef>
+        </p:style>
+        <p:txBody>
+          <a:bodyPr rtlCol="0" anchor="ctr"/>
+          <a:lstStyle/>
+          <a:p>
+            <a:pPr algn="ctr"/>
+            <a:endParaRPr lang="ko-KR" altLang="en-US"/>
+          </a:p>
+        </p:txBody>
+      </p:sp>
+      <p:sp>
+        <p:nvSpPr>
+          <p:cNvPr id="21" name="직사각형 20">
+            <a:extLst>
+              <a:ext uri="{FF2B5EF4-FFF2-40B4-BE49-F238E27FC236}">
+                <a16:creationId xmlns:a16="http://schemas.microsoft.com/office/drawing/2014/main" id="{A6898354-7794-4A52-BDB5-9BCE87589993}"/>
+              </a:ext>
+            </a:extLst>
+          </p:cNvPr>
+          <p:cNvSpPr/>
+          <p:nvPr/>
+        </p:nvSpPr>
+        <p:spPr>
+          <a:xfrm>
+            <a:off x="1909171" y="2505610"/>
+            <a:ext cx="4012657" cy="1465499"/>
+          </a:xfrm>
+          <a:prstGeom prst="rect">
+            <a:avLst/>
+          </a:prstGeom>
+          <a:noFill/>
+          <a:ln w="28575">
+            <a:solidFill>
+              <a:srgbClr val="FF0000"/>
+            </a:solidFill>
+          </a:ln>
+        </p:spPr>
+        <p:style>
+          <a:lnRef idx="2">
+            <a:schemeClr val="accent1">
+              <a:shade val="50000"/>
+            </a:schemeClr>
+          </a:lnRef>
+          <a:fillRef idx="1">
+            <a:schemeClr val="accent1"/>
+          </a:fillRef>
+          <a:effectRef idx="0">
+            <a:schemeClr val="accent1"/>
+          </a:effectRef>
+          <a:fontRef idx="minor">
+            <a:schemeClr val="lt1"/>
+          </a:fontRef>
+        </p:style>
+        <p:txBody>
+          <a:bodyPr rtlCol="0" anchor="ctr"/>
+          <a:lstStyle/>
+          <a:p>
+            <a:pPr algn="ctr"/>
+            <a:endParaRPr lang="ko-KR" altLang="en-US"/>
+          </a:p>
+        </p:txBody>
+      </p:sp>
+      <p:sp>
+        <p:nvSpPr>
+          <p:cNvPr id="23" name="직사각형 22">
+            <a:extLst>
+              <a:ext uri="{FF2B5EF4-FFF2-40B4-BE49-F238E27FC236}">
+                <a16:creationId xmlns:a16="http://schemas.microsoft.com/office/drawing/2014/main" id="{38B21510-1FA8-4448-B991-7D8A2F830C93}"/>
+              </a:ext>
+            </a:extLst>
+          </p:cNvPr>
+          <p:cNvSpPr/>
+          <p:nvPr/>
+        </p:nvSpPr>
+        <p:spPr>
+          <a:xfrm>
+            <a:off x="6183084" y="4182967"/>
+            <a:ext cx="661852" cy="295160"/>
+          </a:xfrm>
+          <a:prstGeom prst="rect">
+            <a:avLst/>
+          </a:prstGeom>
+          <a:noFill/>
+          <a:ln w="28575">
+            <a:solidFill>
+              <a:srgbClr val="FF0000"/>
+            </a:solidFill>
+          </a:ln>
+        </p:spPr>
+        <p:style>
+          <a:lnRef idx="2">
+            <a:schemeClr val="accent1">
+              <a:shade val="50000"/>
+            </a:schemeClr>
+          </a:lnRef>
+          <a:fillRef idx="1">
+            <a:schemeClr val="accent1"/>
+          </a:fillRef>
+          <a:effectRef idx="0">
+            <a:schemeClr val="accent1"/>
+          </a:effectRef>
+          <a:fontRef idx="minor">
+            <a:schemeClr val="lt1"/>
+          </a:fontRef>
+        </p:style>
+        <p:txBody>
+          <a:bodyPr rtlCol="0" anchor="ctr"/>
+          <a:lstStyle/>
+          <a:p>
+            <a:pPr algn="ctr"/>
+            <a:endParaRPr lang="ko-KR" altLang="en-US"/>
+          </a:p>
+        </p:txBody>
+      </p:sp>
+      <p:sp>
+        <p:nvSpPr>
+          <p:cNvPr id="24" name="직사각형 23">
+            <a:extLst>
+              <a:ext uri="{FF2B5EF4-FFF2-40B4-BE49-F238E27FC236}">
+                <a16:creationId xmlns:a16="http://schemas.microsoft.com/office/drawing/2014/main" id="{8C75C27D-F0D4-42D8-8E46-8C799869F33E}"/>
+              </a:ext>
+            </a:extLst>
+          </p:cNvPr>
+          <p:cNvSpPr/>
+          <p:nvPr/>
+        </p:nvSpPr>
+        <p:spPr>
+          <a:xfrm>
+            <a:off x="2908663" y="4416104"/>
+            <a:ext cx="1410788" cy="254977"/>
+          </a:xfrm>
+          <a:prstGeom prst="rect">
+            <a:avLst/>
+          </a:prstGeom>
+          <a:noFill/>
+          <a:ln w="28575">
+            <a:solidFill>
+              <a:srgbClr val="FF0000"/>
+            </a:solidFill>
+          </a:ln>
+        </p:spPr>
+        <p:style>
+          <a:lnRef idx="2">
+            <a:schemeClr val="accent1">
+              <a:shade val="50000"/>
+            </a:schemeClr>
+          </a:lnRef>
+          <a:fillRef idx="1">
+            <a:schemeClr val="accent1"/>
+          </a:fillRef>
+          <a:effectRef idx="0">
+            <a:schemeClr val="accent1"/>
+          </a:effectRef>
+          <a:fontRef idx="minor">
+            <a:schemeClr val="lt1"/>
+          </a:fontRef>
+        </p:style>
+        <p:txBody>
+          <a:bodyPr rtlCol="0" anchor="ctr"/>
+          <a:lstStyle/>
+          <a:p>
+            <a:pPr algn="ctr"/>
+            <a:endParaRPr lang="ko-KR" altLang="en-US"/>
+          </a:p>
+        </p:txBody>
+      </p:sp>
+      <p:sp>
+        <p:nvSpPr>
+          <p:cNvPr id="25" name="직사각형 24">
+            <a:extLst>
+              <a:ext uri="{FF2B5EF4-FFF2-40B4-BE49-F238E27FC236}">
+                <a16:creationId xmlns:a16="http://schemas.microsoft.com/office/drawing/2014/main" id="{6BC0E055-4C6F-407D-9514-C2D5924851B4}"/>
+              </a:ext>
+            </a:extLst>
+          </p:cNvPr>
+          <p:cNvSpPr/>
+          <p:nvPr/>
+        </p:nvSpPr>
+        <p:spPr>
+          <a:xfrm>
+            <a:off x="499407" y="2204019"/>
+            <a:ext cx="1315436" cy="1767090"/>
+          </a:xfrm>
+          <a:prstGeom prst="rect">
+            <a:avLst/>
+          </a:prstGeom>
+          <a:noFill/>
+          <a:ln w="28575">
+            <a:solidFill>
+              <a:srgbClr val="FF0000"/>
+            </a:solidFill>
+          </a:ln>
+        </p:spPr>
+        <p:style>
+          <a:lnRef idx="2">
+            <a:schemeClr val="accent1">
+              <a:shade val="50000"/>
+            </a:schemeClr>
+          </a:lnRef>
+          <a:fillRef idx="1">
+            <a:schemeClr val="accent1"/>
+          </a:fillRef>
+          <a:effectRef idx="0">
+            <a:schemeClr val="accent1"/>
+          </a:effectRef>
+          <a:fontRef idx="minor">
+            <a:schemeClr val="lt1"/>
+          </a:fontRef>
+        </p:style>
+        <p:txBody>
+          <a:bodyPr rtlCol="0" anchor="ctr"/>
+          <a:lstStyle/>
+          <a:p>
+            <a:pPr algn="ctr"/>
+            <a:endParaRPr lang="ko-KR" altLang="en-US" dirty="0"/>
+          </a:p>
+        </p:txBody>
+      </p:sp>
+      <p:sp>
+        <p:nvSpPr>
+          <p:cNvPr id="26" name="타원 25">
+            <a:extLst>
+              <a:ext uri="{FF2B5EF4-FFF2-40B4-BE49-F238E27FC236}">
+                <a16:creationId xmlns:a16="http://schemas.microsoft.com/office/drawing/2014/main" id="{877E2E4B-D3C6-4B82-B0DE-EB8FAD2FDF39}"/>
+              </a:ext>
+            </a:extLst>
+          </p:cNvPr>
+          <p:cNvSpPr/>
+          <p:nvPr/>
+        </p:nvSpPr>
+        <p:spPr>
+          <a:xfrm>
+            <a:off x="1544435" y="2233215"/>
+            <a:ext cx="254977" cy="254977"/>
+          </a:xfrm>
+          <a:prstGeom prst="ellipse">
+            <a:avLst/>
+          </a:prstGeom>
+          <a:ln>
+            <a:noFill/>
+          </a:ln>
+        </p:spPr>
+        <p:style>
+          <a:lnRef idx="2">
+            <a:schemeClr val="accent4">
+              <a:shade val="50000"/>
+            </a:schemeClr>
+          </a:lnRef>
+          <a:fillRef idx="1">
+            <a:schemeClr val="accent4"/>
+          </a:fillRef>
+          <a:effectRef idx="0">
+            <a:schemeClr val="accent4"/>
+          </a:effectRef>
+          <a:fontRef idx="minor">
+            <a:schemeClr val="lt1"/>
+          </a:fontRef>
+        </p:style>
+        <p:txBody>
+          <a:bodyPr rtlCol="0" anchor="ctr"/>
+          <a:lstStyle/>
+          <a:p>
+            <a:pPr algn="ctr"/>
+            <a:r>
+              <a:rPr lang="en-US" altLang="ko-KR" dirty="0"/>
+              <a:t>3</a:t>
+            </a:r>
+            <a:endParaRPr lang="ko-KR" altLang="en-US" dirty="0"/>
+          </a:p>
+        </p:txBody>
+      </p:sp>
+      <p:sp>
+        <p:nvSpPr>
+          <p:cNvPr id="27" name="타원 26">
+            <a:extLst>
+              <a:ext uri="{FF2B5EF4-FFF2-40B4-BE49-F238E27FC236}">
+                <a16:creationId xmlns:a16="http://schemas.microsoft.com/office/drawing/2014/main" id="{1CA0482C-31EB-441F-A47C-FFFCC220FAFA}"/>
+              </a:ext>
+            </a:extLst>
+          </p:cNvPr>
+          <p:cNvSpPr/>
+          <p:nvPr/>
+        </p:nvSpPr>
+        <p:spPr>
+          <a:xfrm>
+            <a:off x="3593189" y="2197478"/>
+            <a:ext cx="254977" cy="254977"/>
+          </a:xfrm>
+          <a:prstGeom prst="ellipse">
+            <a:avLst/>
+          </a:prstGeom>
+          <a:ln>
+            <a:noFill/>
+          </a:ln>
+        </p:spPr>
+        <p:style>
+          <a:lnRef idx="2">
+            <a:schemeClr val="accent4">
+              <a:shade val="50000"/>
+            </a:schemeClr>
+          </a:lnRef>
+          <a:fillRef idx="1">
+            <a:schemeClr val="accent4"/>
+          </a:fillRef>
+          <a:effectRef idx="0">
+            <a:schemeClr val="accent4"/>
+          </a:effectRef>
+          <a:fontRef idx="minor">
+            <a:schemeClr val="lt1"/>
+          </a:fontRef>
+        </p:style>
+        <p:txBody>
+          <a:bodyPr rtlCol="0" anchor="ctr"/>
+          <a:lstStyle/>
+          <a:p>
+            <a:pPr algn="ctr"/>
+            <a:r>
+              <a:rPr lang="en-US" altLang="ko-KR" dirty="0"/>
+              <a:t>4</a:t>
+            </a:r>
+            <a:endParaRPr lang="ko-KR" altLang="en-US" dirty="0"/>
+          </a:p>
+        </p:txBody>
+      </p:sp>
+      <p:sp>
+        <p:nvSpPr>
+          <p:cNvPr id="29" name="타원 28">
+            <a:extLst>
+              <a:ext uri="{FF2B5EF4-FFF2-40B4-BE49-F238E27FC236}">
+                <a16:creationId xmlns:a16="http://schemas.microsoft.com/office/drawing/2014/main" id="{D0A4FB44-4DF5-46C2-AC04-5FD7FD071ECD}"/>
+              </a:ext>
+            </a:extLst>
+          </p:cNvPr>
+          <p:cNvSpPr/>
+          <p:nvPr/>
+        </p:nvSpPr>
+        <p:spPr>
+          <a:xfrm>
+            <a:off x="5656929" y="2523028"/>
+            <a:ext cx="254977" cy="254977"/>
+          </a:xfrm>
+          <a:prstGeom prst="ellipse">
+            <a:avLst/>
+          </a:prstGeom>
+          <a:ln>
+            <a:noFill/>
+          </a:ln>
+        </p:spPr>
+        <p:style>
+          <a:lnRef idx="2">
+            <a:schemeClr val="accent4">
+              <a:shade val="50000"/>
+            </a:schemeClr>
+          </a:lnRef>
+          <a:fillRef idx="1">
+            <a:schemeClr val="accent4"/>
+          </a:fillRef>
+          <a:effectRef idx="0">
+            <a:schemeClr val="accent4"/>
+          </a:effectRef>
+          <a:fontRef idx="minor">
+            <a:schemeClr val="lt1"/>
+          </a:fontRef>
+        </p:style>
+        <p:txBody>
+          <a:bodyPr rtlCol="0" anchor="ctr"/>
+          <a:lstStyle/>
+          <a:p>
+            <a:pPr algn="ctr"/>
+            <a:r>
+              <a:rPr lang="en-US" altLang="ko-KR" dirty="0"/>
+              <a:t>5</a:t>
+            </a:r>
+            <a:endParaRPr lang="ko-KR" altLang="en-US" dirty="0"/>
+          </a:p>
+        </p:txBody>
+      </p:sp>
+      <p:sp>
+        <p:nvSpPr>
+          <p:cNvPr id="30" name="타원 29">
+            <a:extLst>
+              <a:ext uri="{FF2B5EF4-FFF2-40B4-BE49-F238E27FC236}">
+                <a16:creationId xmlns:a16="http://schemas.microsoft.com/office/drawing/2014/main" id="{936687C1-7A94-4B49-8F4A-B2C884BEA469}"/>
+              </a:ext>
+            </a:extLst>
+          </p:cNvPr>
+          <p:cNvSpPr/>
+          <p:nvPr/>
+        </p:nvSpPr>
+        <p:spPr>
+          <a:xfrm>
+            <a:off x="4191962" y="4416103"/>
+            <a:ext cx="254977" cy="254977"/>
+          </a:xfrm>
+          <a:prstGeom prst="ellipse">
+            <a:avLst/>
+          </a:prstGeom>
+          <a:ln>
+            <a:noFill/>
+          </a:ln>
+        </p:spPr>
+        <p:style>
+          <a:lnRef idx="2">
+            <a:schemeClr val="accent4">
+              <a:shade val="50000"/>
+            </a:schemeClr>
+          </a:lnRef>
+          <a:fillRef idx="1">
+            <a:schemeClr val="accent4"/>
+          </a:fillRef>
+          <a:effectRef idx="0">
+            <a:schemeClr val="accent4"/>
+          </a:effectRef>
+          <a:fontRef idx="minor">
+            <a:schemeClr val="lt1"/>
+          </a:fontRef>
+        </p:style>
+        <p:txBody>
+          <a:bodyPr rtlCol="0" anchor="ctr"/>
+          <a:lstStyle/>
+          <a:p>
+            <a:pPr algn="ctr"/>
+            <a:r>
+              <a:rPr lang="en-US" altLang="ko-KR" dirty="0"/>
+              <a:t>6</a:t>
+            </a:r>
+            <a:endParaRPr lang="ko-KR" altLang="en-US" dirty="0"/>
+          </a:p>
+        </p:txBody>
+      </p:sp>
+      <p:sp>
+        <p:nvSpPr>
+          <p:cNvPr id="36" name="타원 35">
+            <a:extLst>
+              <a:ext uri="{FF2B5EF4-FFF2-40B4-BE49-F238E27FC236}">
+                <a16:creationId xmlns:a16="http://schemas.microsoft.com/office/drawing/2014/main" id="{D36BBF9D-6AE1-4F20-B830-2D43E02C64D7}"/>
+              </a:ext>
+            </a:extLst>
+          </p:cNvPr>
+          <p:cNvSpPr/>
+          <p:nvPr/>
+        </p:nvSpPr>
+        <p:spPr>
+          <a:xfrm>
+            <a:off x="6757852" y="4203775"/>
+            <a:ext cx="254977" cy="254977"/>
+          </a:xfrm>
+          <a:prstGeom prst="ellipse">
+            <a:avLst/>
+          </a:prstGeom>
+          <a:ln>
+            <a:noFill/>
+          </a:ln>
+        </p:spPr>
+        <p:style>
+          <a:lnRef idx="2">
+            <a:schemeClr val="accent4">
+              <a:shade val="50000"/>
+            </a:schemeClr>
+          </a:lnRef>
+          <a:fillRef idx="1">
+            <a:schemeClr val="accent4"/>
+          </a:fillRef>
+          <a:effectRef idx="0">
+            <a:schemeClr val="accent4"/>
+          </a:effectRef>
+          <a:fontRef idx="minor">
+            <a:schemeClr val="lt1"/>
+          </a:fontRef>
+        </p:style>
+        <p:txBody>
+          <a:bodyPr rtlCol="0" anchor="ctr"/>
+          <a:lstStyle/>
+          <a:p>
+            <a:pPr algn="ctr"/>
+            <a:r>
+              <a:rPr lang="en-US" altLang="ko-KR" dirty="0"/>
+              <a:t>7</a:t>
+            </a:r>
+            <a:endParaRPr lang="ko-KR" altLang="en-US" dirty="0"/>
+          </a:p>
+        </p:txBody>
+      </p:sp>
+    </p:spTree>
+    <p:extLst>
+      <p:ext uri="{BB962C8B-B14F-4D97-AF65-F5344CB8AC3E}">
+        <p14:creationId xmlns:p14="http://schemas.microsoft.com/office/powerpoint/2010/main" val="1056350564"/>
+      </p:ext>
+    </p:extLst>
+  </p:cSld>
+  <p:clrMapOvr>
+    <a:masterClrMapping/>
+  </p:clrMapOvr>
+</p:sld>
+</file>
+
+<file path=ppt/slides/slide18.xml><?xml version="1.0" encoding="utf-8"?>
 <p:sld xmlns:a="http://schemas.openxmlformats.org/drawingml/2006/main" xmlns:r="http://schemas.openxmlformats.org/officeDocument/2006/relationships" xmlns:p="http://schemas.openxmlformats.org/presentationml/2006/main">
   <p:cSld>
     <p:spTree>
@@ -18710,7 +22512,7 @@
           <p:nvPr>
             <p:extLst>
               <p:ext uri="{D42A27DB-BD31-4B8C-83A1-F6EECF244321}">
-                <p14:modId xmlns:p14="http://schemas.microsoft.com/office/powerpoint/2010/main" val="1527306506"/>
+                <p14:modId xmlns:p14="http://schemas.microsoft.com/office/powerpoint/2010/main" val="1138200252"/>
               </p:ext>
             </p:extLst>
           </p:nvPr>
@@ -19028,7 +22830,7 @@
                             <a:schemeClr val="tx1"/>
                           </a:solidFill>
                         </a:rPr>
-                        <a:t>F-19</a:t>
+                        <a:t>F-22</a:t>
                       </a:r>
                       <a:endParaRPr lang="ko-KR" altLang="en-US" sz="1600" dirty="0">
                         <a:solidFill>
@@ -20576,7 +24378,7 @@
 </p:sld>
 </file>
 
-<file path=ppt/slides/slide18.xml><?xml version="1.0" encoding="utf-8"?>
+<file path=ppt/slides/slide19.xml><?xml version="1.0" encoding="utf-8"?>
 <p:sld xmlns:a="http://schemas.openxmlformats.org/drawingml/2006/main" xmlns:r="http://schemas.openxmlformats.org/officeDocument/2006/relationships" xmlns:p="http://schemas.openxmlformats.org/presentationml/2006/main">
   <p:cSld>
     <p:spTree>
@@ -22560,7 +26362,113 @@
 </p:sld>
 </file>
 
-<file path=ppt/slides/slide19.xml><?xml version="1.0" encoding="utf-8"?>
+<file path=ppt/slides/slide2.xml><?xml version="1.0" encoding="utf-8"?>
+<p:sld xmlns:a="http://schemas.openxmlformats.org/drawingml/2006/main" xmlns:r="http://schemas.openxmlformats.org/officeDocument/2006/relationships" xmlns:p="http://schemas.openxmlformats.org/presentationml/2006/main">
+  <p:cSld>
+    <p:spTree>
+      <p:nvGrpSpPr>
+        <p:cNvPr id="1" name=""/>
+        <p:cNvGrpSpPr/>
+        <p:nvPr/>
+      </p:nvGrpSpPr>
+      <p:grpSpPr>
+        <a:xfrm>
+          <a:off x="0" y="0"/>
+          <a:ext cx="0" cy="0"/>
+          <a:chOff x="0" y="0"/>
+          <a:chExt cx="0" cy="0"/>
+        </a:xfrm>
+      </p:grpSpPr>
+      <p:sp>
+        <p:nvSpPr>
+          <p:cNvPr id="4" name="직사각형 3"/>
+          <p:cNvSpPr/>
+          <p:nvPr/>
+        </p:nvSpPr>
+        <p:spPr>
+          <a:xfrm>
+            <a:off x="1227993" y="1081453"/>
+            <a:ext cx="10964007" cy="79131"/>
+          </a:xfrm>
+          <a:prstGeom prst="rect">
+            <a:avLst/>
+          </a:prstGeom>
+          <a:solidFill>
+            <a:srgbClr val="FF0000"/>
+          </a:solidFill>
+          <a:ln>
+            <a:noFill/>
+          </a:ln>
+        </p:spPr>
+        <p:style>
+          <a:lnRef idx="2">
+            <a:schemeClr val="accent1">
+              <a:shade val="50000"/>
+            </a:schemeClr>
+          </a:lnRef>
+          <a:fillRef idx="1">
+            <a:schemeClr val="accent1"/>
+          </a:fillRef>
+          <a:effectRef idx="0">
+            <a:schemeClr val="accent1"/>
+          </a:effectRef>
+          <a:fontRef idx="minor">
+            <a:schemeClr val="lt1"/>
+          </a:fontRef>
+        </p:style>
+        <p:txBody>
+          <a:bodyPr rtlCol="0" anchor="ctr"/>
+          <a:lstStyle/>
+          <a:p>
+            <a:pPr algn="ctr"/>
+            <a:endParaRPr lang="ko-KR" altLang="en-US"/>
+          </a:p>
+        </p:txBody>
+      </p:sp>
+      <p:sp>
+        <p:nvSpPr>
+          <p:cNvPr id="8" name="TextBox 7"/>
+          <p:cNvSpPr txBox="1"/>
+          <p:nvPr/>
+        </p:nvSpPr>
+        <p:spPr>
+          <a:xfrm>
+            <a:off x="1227993" y="237392"/>
+            <a:ext cx="4749121" cy="707886"/>
+          </a:xfrm>
+          <a:prstGeom prst="rect">
+            <a:avLst/>
+          </a:prstGeom>
+          <a:noFill/>
+        </p:spPr>
+        <p:txBody>
+          <a:bodyPr wrap="square" rtlCol="0">
+            <a:spAutoFit/>
+          </a:bodyPr>
+          <a:lstStyle/>
+          <a:p>
+            <a:r>
+              <a:rPr lang="en-US" altLang="ko-KR" sz="4000" b="1" dirty="0"/>
+              <a:t>Contents</a:t>
+            </a:r>
+            <a:endParaRPr lang="ko-KR" altLang="en-US" b="1" dirty="0"/>
+          </a:p>
+        </p:txBody>
+      </p:sp>
+    </p:spTree>
+    <p:extLst>
+      <p:ext uri="{BB962C8B-B14F-4D97-AF65-F5344CB8AC3E}">
+        <p14:creationId xmlns:p14="http://schemas.microsoft.com/office/powerpoint/2010/main" val="2834205363"/>
+      </p:ext>
+    </p:extLst>
+  </p:cSld>
+  <p:clrMapOvr>
+    <a:masterClrMapping/>
+  </p:clrMapOvr>
+</p:sld>
+</file>
+
+<file path=ppt/slides/slide20.xml><?xml version="1.0" encoding="utf-8"?>
 <p:sld xmlns:a="http://schemas.openxmlformats.org/drawingml/2006/main" xmlns:r="http://schemas.openxmlformats.org/officeDocument/2006/relationships" xmlns:p="http://schemas.openxmlformats.org/presentationml/2006/main">
   <p:cSld>
     <p:spTree>
@@ -24520,112 +28428,6 @@
 </p:sld>
 </file>
 
-<file path=ppt/slides/slide2.xml><?xml version="1.0" encoding="utf-8"?>
-<p:sld xmlns:a="http://schemas.openxmlformats.org/drawingml/2006/main" xmlns:r="http://schemas.openxmlformats.org/officeDocument/2006/relationships" xmlns:p="http://schemas.openxmlformats.org/presentationml/2006/main">
-  <p:cSld>
-    <p:spTree>
-      <p:nvGrpSpPr>
-        <p:cNvPr id="1" name=""/>
-        <p:cNvGrpSpPr/>
-        <p:nvPr/>
-      </p:nvGrpSpPr>
-      <p:grpSpPr>
-        <a:xfrm>
-          <a:off x="0" y="0"/>
-          <a:ext cx="0" cy="0"/>
-          <a:chOff x="0" y="0"/>
-          <a:chExt cx="0" cy="0"/>
-        </a:xfrm>
-      </p:grpSpPr>
-      <p:sp>
-        <p:nvSpPr>
-          <p:cNvPr id="4" name="직사각형 3"/>
-          <p:cNvSpPr/>
-          <p:nvPr/>
-        </p:nvSpPr>
-        <p:spPr>
-          <a:xfrm>
-            <a:off x="1227993" y="1081453"/>
-            <a:ext cx="10964007" cy="79131"/>
-          </a:xfrm>
-          <a:prstGeom prst="rect">
-            <a:avLst/>
-          </a:prstGeom>
-          <a:solidFill>
-            <a:srgbClr val="FF0000"/>
-          </a:solidFill>
-          <a:ln>
-            <a:noFill/>
-          </a:ln>
-        </p:spPr>
-        <p:style>
-          <a:lnRef idx="2">
-            <a:schemeClr val="accent1">
-              <a:shade val="50000"/>
-            </a:schemeClr>
-          </a:lnRef>
-          <a:fillRef idx="1">
-            <a:schemeClr val="accent1"/>
-          </a:fillRef>
-          <a:effectRef idx="0">
-            <a:schemeClr val="accent1"/>
-          </a:effectRef>
-          <a:fontRef idx="minor">
-            <a:schemeClr val="lt1"/>
-          </a:fontRef>
-        </p:style>
-        <p:txBody>
-          <a:bodyPr rtlCol="0" anchor="ctr"/>
-          <a:lstStyle/>
-          <a:p>
-            <a:pPr algn="ctr"/>
-            <a:endParaRPr lang="ko-KR" altLang="en-US"/>
-          </a:p>
-        </p:txBody>
-      </p:sp>
-      <p:sp>
-        <p:nvSpPr>
-          <p:cNvPr id="8" name="TextBox 7"/>
-          <p:cNvSpPr txBox="1"/>
-          <p:nvPr/>
-        </p:nvSpPr>
-        <p:spPr>
-          <a:xfrm>
-            <a:off x="1227993" y="237392"/>
-            <a:ext cx="4749121" cy="707886"/>
-          </a:xfrm>
-          <a:prstGeom prst="rect">
-            <a:avLst/>
-          </a:prstGeom>
-          <a:noFill/>
-        </p:spPr>
-        <p:txBody>
-          <a:bodyPr wrap="square" rtlCol="0">
-            <a:spAutoFit/>
-          </a:bodyPr>
-          <a:lstStyle/>
-          <a:p>
-            <a:r>
-              <a:rPr lang="en-US" altLang="ko-KR" sz="4000" b="1" dirty="0"/>
-              <a:t>Contents</a:t>
-            </a:r>
-            <a:endParaRPr lang="ko-KR" altLang="en-US" b="1" dirty="0"/>
-          </a:p>
-        </p:txBody>
-      </p:sp>
-    </p:spTree>
-    <p:extLst>
-      <p:ext uri="{BB962C8B-B14F-4D97-AF65-F5344CB8AC3E}">
-        <p14:creationId xmlns:p14="http://schemas.microsoft.com/office/powerpoint/2010/main" val="2834205363"/>
-      </p:ext>
-    </p:extLst>
-  </p:cSld>
-  <p:clrMapOvr>
-    <a:masterClrMapping/>
-  </p:clrMapOvr>
-</p:sld>
-</file>
-
 <file path=ppt/slides/slide3.xml><?xml version="1.0" encoding="utf-8"?>
 <p:sld xmlns:a="http://schemas.openxmlformats.org/drawingml/2006/main" xmlns:r="http://schemas.openxmlformats.org/officeDocument/2006/relationships" xmlns:p="http://schemas.openxmlformats.org/presentationml/2006/main">
   <p:cSld>
@@ -28512,7 +32314,7 @@
           <p:nvPr>
             <p:extLst>
               <p:ext uri="{D42A27DB-BD31-4B8C-83A1-F6EECF244321}">
-                <p14:modId xmlns:p14="http://schemas.microsoft.com/office/powerpoint/2010/main" val="3021094426"/>
+                <p14:modId xmlns:p14="http://schemas.microsoft.com/office/powerpoint/2010/main" val="1331198801"/>
               </p:ext>
             </p:extLst>
           </p:nvPr>
@@ -28830,7 +32632,15 @@
                             <a:schemeClr val="tx1"/>
                           </a:solidFill>
                         </a:rPr>
-                        <a:t>F-11</a:t>
+                        <a:t>PS-front-</a:t>
+                      </a:r>
+                      <a:r>
+                        <a:rPr lang="en-US" altLang="ko-KR" sz="1600" dirty="0" err="1">
+                          <a:solidFill>
+                            <a:schemeClr val="tx1"/>
+                          </a:solidFill>
+                        </a:rPr>
+                        <a:t>gnb</a:t>
                       </a:r>
                       <a:endParaRPr lang="ko-KR" altLang="en-US" sz="1600" dirty="0">
                         <a:solidFill>
@@ -29068,7 +32878,7 @@
           <p:nvPr>
             <p:extLst>
               <p:ext uri="{D42A27DB-BD31-4B8C-83A1-F6EECF244321}">
-                <p14:modId xmlns:p14="http://schemas.microsoft.com/office/powerpoint/2010/main" val="2241669323"/>
+                <p14:modId xmlns:p14="http://schemas.microsoft.com/office/powerpoint/2010/main" val="2155781300"/>
               </p:ext>
             </p:extLst>
           </p:nvPr>
@@ -29774,7 +33584,7 @@
                             <a:schemeClr val="tx1"/>
                           </a:solidFill>
                         </a:rPr>
-                        <a:t>마이 페이지로 이동</a:t>
+                        <a:t>마이페이지로 이동</a:t>
                       </a:r>
                       <a:r>
                         <a:rPr lang="en-US" altLang="ko-KR" sz="1100" baseline="0" dirty="0">
@@ -30627,7 +34437,7 @@
                             <a:schemeClr val="tx1"/>
                           </a:solidFill>
                         </a:rPr>
-                        <a:t>검색 결과 </a:t>
+                        <a:t>검색 결과</a:t>
                       </a:r>
                       <a:r>
                         <a:rPr lang="en-US" altLang="ko-KR" sz="1100" dirty="0">
@@ -31864,7 +35674,7 @@
           <p:nvPr>
             <p:extLst>
               <p:ext uri="{D42A27DB-BD31-4B8C-83A1-F6EECF244321}">
-                <p14:modId xmlns:p14="http://schemas.microsoft.com/office/powerpoint/2010/main" val="1242938779"/>
+                <p14:modId xmlns:p14="http://schemas.microsoft.com/office/powerpoint/2010/main" val="796564705"/>
               </p:ext>
             </p:extLst>
           </p:nvPr>
@@ -32182,7 +35992,15 @@
                             <a:schemeClr val="tx1"/>
                           </a:solidFill>
                         </a:rPr>
-                        <a:t>F-12</a:t>
+                        <a:t>PS-</a:t>
+                      </a:r>
+                      <a:r>
+                        <a:rPr lang="en-US" altLang="ko-KR" sz="1600" dirty="0" err="1">
+                          <a:solidFill>
+                            <a:schemeClr val="tx1"/>
+                          </a:solidFill>
+                        </a:rPr>
+                        <a:t>front_main</a:t>
                       </a:r>
                       <a:endParaRPr lang="ko-KR" altLang="en-US" sz="1600" dirty="0">
                         <a:solidFill>

--- a/Documents/화면설계서.pptx
+++ b/Documents/화면설계서.pptx
@@ -7,6 +7,9 @@
   <p:notesMasterIdLst>
     <p:notesMasterId r:id="rId22"/>
   </p:notesMasterIdLst>
+  <p:handoutMasterIdLst>
+    <p:handoutMasterId r:id="rId23"/>
+  </p:handoutMasterIdLst>
   <p:sldIdLst>
     <p:sldId id="279" r:id="rId2"/>
     <p:sldId id="274" r:id="rId3"/>
@@ -134,6 +137,195 @@
 </p:presentation>
 </file>
 
+<file path=ppt/handoutMasters/handoutMaster1.xml><?xml version="1.0" encoding="utf-8"?>
+<p:handoutMaster xmlns:a="http://schemas.openxmlformats.org/drawingml/2006/main" xmlns:r="http://schemas.openxmlformats.org/officeDocument/2006/relationships" xmlns:p="http://schemas.openxmlformats.org/presentationml/2006/main">
+  <p:cSld>
+    <p:bg>
+      <p:bgRef idx="1001">
+        <a:schemeClr val="bg1"/>
+      </p:bgRef>
+    </p:bg>
+    <p:spTree>
+      <p:nvGrpSpPr>
+        <p:cNvPr id="1" name=""/>
+        <p:cNvGrpSpPr/>
+        <p:nvPr/>
+      </p:nvGrpSpPr>
+      <p:grpSpPr>
+        <a:xfrm>
+          <a:off x="0" y="0"/>
+          <a:ext cx="0" cy="0"/>
+          <a:chOff x="0" y="0"/>
+          <a:chExt cx="0" cy="0"/>
+        </a:xfrm>
+      </p:grpSpPr>
+      <p:sp>
+        <p:nvSpPr>
+          <p:cNvPr id="2" name="머리글 개체 틀 1">
+            <a:extLst>
+              <a:ext uri="{FF2B5EF4-FFF2-40B4-BE49-F238E27FC236}">
+                <a16:creationId xmlns:a16="http://schemas.microsoft.com/office/drawing/2014/main" id="{3594E843-734E-469C-842B-FB89E5959DB8}"/>
+              </a:ext>
+            </a:extLst>
+          </p:cNvPr>
+          <p:cNvSpPr>
+            <a:spLocks noGrp="1"/>
+          </p:cNvSpPr>
+          <p:nvPr>
+            <p:ph type="hdr" sz="quarter"/>
+          </p:nvPr>
+        </p:nvSpPr>
+        <p:spPr>
+          <a:xfrm>
+            <a:off x="0" y="0"/>
+            <a:ext cx="2971800" cy="458788"/>
+          </a:xfrm>
+          <a:prstGeom prst="rect">
+            <a:avLst/>
+          </a:prstGeom>
+        </p:spPr>
+        <p:txBody>
+          <a:bodyPr vert="horz" lIns="91440" tIns="45720" rIns="91440" bIns="45720" rtlCol="0"/>
+          <a:lstStyle>
+            <a:lvl1pPr algn="l">
+              <a:defRPr sz="1200"/>
+            </a:lvl1pPr>
+          </a:lstStyle>
+          <a:p>
+            <a:endParaRPr lang="ko-KR" altLang="en-US"/>
+          </a:p>
+        </p:txBody>
+      </p:sp>
+      <p:sp>
+        <p:nvSpPr>
+          <p:cNvPr id="3" name="날짜 개체 틀 2">
+            <a:extLst>
+              <a:ext uri="{FF2B5EF4-FFF2-40B4-BE49-F238E27FC236}">
+                <a16:creationId xmlns:a16="http://schemas.microsoft.com/office/drawing/2014/main" id="{16A79E38-2C00-4328-94C6-808D7FCD6060}"/>
+              </a:ext>
+            </a:extLst>
+          </p:cNvPr>
+          <p:cNvSpPr>
+            <a:spLocks noGrp="1"/>
+          </p:cNvSpPr>
+          <p:nvPr>
+            <p:ph type="dt" sz="quarter" idx="1"/>
+          </p:nvPr>
+        </p:nvSpPr>
+        <p:spPr>
+          <a:xfrm>
+            <a:off x="3884613" y="0"/>
+            <a:ext cx="2971800" cy="458788"/>
+          </a:xfrm>
+          <a:prstGeom prst="rect">
+            <a:avLst/>
+          </a:prstGeom>
+        </p:spPr>
+        <p:txBody>
+          <a:bodyPr vert="horz" lIns="91440" tIns="45720" rIns="91440" bIns="45720" rtlCol="0"/>
+          <a:lstStyle>
+            <a:lvl1pPr algn="r">
+              <a:defRPr sz="1200"/>
+            </a:lvl1pPr>
+          </a:lstStyle>
+          <a:p>
+            <a:fld id="{43423BA1-D08D-4CFF-8BED-DE6561336F37}" type="datetimeFigureOut">
+              <a:rPr lang="ko-KR" altLang="en-US" smtClean="0"/>
+              <a:t>2020-06-04</a:t>
+            </a:fld>
+            <a:endParaRPr lang="ko-KR" altLang="en-US"/>
+          </a:p>
+        </p:txBody>
+      </p:sp>
+      <p:sp>
+        <p:nvSpPr>
+          <p:cNvPr id="4" name="바닥글 개체 틀 3">
+            <a:extLst>
+              <a:ext uri="{FF2B5EF4-FFF2-40B4-BE49-F238E27FC236}">
+                <a16:creationId xmlns:a16="http://schemas.microsoft.com/office/drawing/2014/main" id="{4E4C033F-C87B-4496-BD1A-686CAED450B5}"/>
+              </a:ext>
+            </a:extLst>
+          </p:cNvPr>
+          <p:cNvSpPr>
+            <a:spLocks noGrp="1"/>
+          </p:cNvSpPr>
+          <p:nvPr>
+            <p:ph type="ftr" sz="quarter" idx="2"/>
+          </p:nvPr>
+        </p:nvSpPr>
+        <p:spPr>
+          <a:xfrm>
+            <a:off x="0" y="8685213"/>
+            <a:ext cx="2971800" cy="458787"/>
+          </a:xfrm>
+          <a:prstGeom prst="rect">
+            <a:avLst/>
+          </a:prstGeom>
+        </p:spPr>
+        <p:txBody>
+          <a:bodyPr vert="horz" lIns="91440" tIns="45720" rIns="91440" bIns="45720" rtlCol="0" anchor="b"/>
+          <a:lstStyle>
+            <a:lvl1pPr algn="l">
+              <a:defRPr sz="1200"/>
+            </a:lvl1pPr>
+          </a:lstStyle>
+          <a:p>
+            <a:endParaRPr lang="ko-KR" altLang="en-US"/>
+          </a:p>
+        </p:txBody>
+      </p:sp>
+      <p:sp>
+        <p:nvSpPr>
+          <p:cNvPr id="5" name="슬라이드 번호 개체 틀 4">
+            <a:extLst>
+              <a:ext uri="{FF2B5EF4-FFF2-40B4-BE49-F238E27FC236}">
+                <a16:creationId xmlns:a16="http://schemas.microsoft.com/office/drawing/2014/main" id="{DDC6C8AA-442A-460C-BE21-90BE2D982DE1}"/>
+              </a:ext>
+            </a:extLst>
+          </p:cNvPr>
+          <p:cNvSpPr>
+            <a:spLocks noGrp="1"/>
+          </p:cNvSpPr>
+          <p:nvPr>
+            <p:ph type="sldNum" sz="quarter" idx="3"/>
+          </p:nvPr>
+        </p:nvSpPr>
+        <p:spPr>
+          <a:xfrm>
+            <a:off x="3884613" y="8685213"/>
+            <a:ext cx="2971800" cy="458787"/>
+          </a:xfrm>
+          <a:prstGeom prst="rect">
+            <a:avLst/>
+          </a:prstGeom>
+        </p:spPr>
+        <p:txBody>
+          <a:bodyPr vert="horz" lIns="91440" tIns="45720" rIns="91440" bIns="45720" rtlCol="0" anchor="b"/>
+          <a:lstStyle>
+            <a:lvl1pPr algn="r">
+              <a:defRPr sz="1200"/>
+            </a:lvl1pPr>
+          </a:lstStyle>
+          <a:p>
+            <a:fld id="{A9754DE0-3F99-4432-AB46-3393E6FB90A6}" type="slidenum">
+              <a:rPr lang="ko-KR" altLang="en-US" smtClean="0"/>
+              <a:t>‹#›</a:t>
+            </a:fld>
+            <a:endParaRPr lang="ko-KR" altLang="en-US"/>
+          </a:p>
+        </p:txBody>
+      </p:sp>
+    </p:spTree>
+    <p:extLst>
+      <p:ext uri="{BB962C8B-B14F-4D97-AF65-F5344CB8AC3E}">
+        <p14:creationId xmlns:p14="http://schemas.microsoft.com/office/powerpoint/2010/main" val="3799135"/>
+      </p:ext>
+    </p:extLst>
+  </p:cSld>
+  <p:clrMap bg1="lt1" tx1="dk1" bg2="lt2" tx2="dk2" accent1="accent1" accent2="accent2" accent3="accent3" accent4="accent4" accent5="accent5" accent6="accent6" hlink="hlink" folHlink="folHlink"/>
+</p:handoutMaster>
+</file>
+
 <file path=ppt/notesMasters/notesMaster1.xml><?xml version="1.0" encoding="utf-8"?>
 <p:notesMaster xmlns:a="http://schemas.openxmlformats.org/drawingml/2006/main" xmlns:r="http://schemas.openxmlformats.org/officeDocument/2006/relationships" xmlns:p="http://schemas.openxmlformats.org/presentationml/2006/main">
   <p:cSld>
@@ -216,7 +408,7 @@
           <a:p>
             <a:fld id="{2A2A61BD-85B6-4952-8352-7323239EDB97}" type="datetimeFigureOut">
               <a:rPr lang="ko-KR" altLang="en-US" smtClean="0"/>
-              <a:t>2020-06-03</a:t>
+              <a:t>2020-06-04</a:t>
             </a:fld>
             <a:endParaRPr lang="ko-KR" altLang="en-US"/>
           </a:p>
@@ -612,7 +804,7 @@
           <a:p>
             <a:fld id="{1F3F10A2-1868-4C8C-9F00-753B47F5FC10}" type="datetimeFigureOut">
               <a:rPr lang="ko-KR" altLang="en-US" smtClean="0"/>
-              <a:t>2020-06-03</a:t>
+              <a:t>2020-06-04</a:t>
             </a:fld>
             <a:endParaRPr lang="ko-KR" altLang="en-US"/>
           </a:p>
@@ -780,7 +972,7 @@
           <a:p>
             <a:fld id="{1F3F10A2-1868-4C8C-9F00-753B47F5FC10}" type="datetimeFigureOut">
               <a:rPr lang="ko-KR" altLang="en-US" smtClean="0"/>
-              <a:t>2020-06-03</a:t>
+              <a:t>2020-06-04</a:t>
             </a:fld>
             <a:endParaRPr lang="ko-KR" altLang="en-US"/>
           </a:p>
@@ -958,7 +1150,7 @@
           <a:p>
             <a:fld id="{1F3F10A2-1868-4C8C-9F00-753B47F5FC10}" type="datetimeFigureOut">
               <a:rPr lang="ko-KR" altLang="en-US" smtClean="0"/>
-              <a:t>2020-06-03</a:t>
+              <a:t>2020-06-04</a:t>
             </a:fld>
             <a:endParaRPr lang="ko-KR" altLang="en-US"/>
           </a:p>
@@ -1126,7 +1318,7 @@
           <a:p>
             <a:fld id="{1F3F10A2-1868-4C8C-9F00-753B47F5FC10}" type="datetimeFigureOut">
               <a:rPr lang="ko-KR" altLang="en-US" smtClean="0"/>
-              <a:t>2020-06-03</a:t>
+              <a:t>2020-06-04</a:t>
             </a:fld>
             <a:endParaRPr lang="ko-KR" altLang="en-US"/>
           </a:p>
@@ -1371,7 +1563,7 @@
           <a:p>
             <a:fld id="{1F3F10A2-1868-4C8C-9F00-753B47F5FC10}" type="datetimeFigureOut">
               <a:rPr lang="ko-KR" altLang="en-US" smtClean="0"/>
-              <a:t>2020-06-03</a:t>
+              <a:t>2020-06-04</a:t>
             </a:fld>
             <a:endParaRPr lang="ko-KR" altLang="en-US"/>
           </a:p>
@@ -1600,7 +1792,7 @@
           <a:p>
             <a:fld id="{1F3F10A2-1868-4C8C-9F00-753B47F5FC10}" type="datetimeFigureOut">
               <a:rPr lang="ko-KR" altLang="en-US" smtClean="0"/>
-              <a:t>2020-06-03</a:t>
+              <a:t>2020-06-04</a:t>
             </a:fld>
             <a:endParaRPr lang="ko-KR" altLang="en-US"/>
           </a:p>
@@ -1964,7 +2156,7 @@
           <a:p>
             <a:fld id="{1F3F10A2-1868-4C8C-9F00-753B47F5FC10}" type="datetimeFigureOut">
               <a:rPr lang="ko-KR" altLang="en-US" smtClean="0"/>
-              <a:t>2020-06-03</a:t>
+              <a:t>2020-06-04</a:t>
             </a:fld>
             <a:endParaRPr lang="ko-KR" altLang="en-US"/>
           </a:p>
@@ -2081,7 +2273,7 @@
           <a:p>
             <a:fld id="{1F3F10A2-1868-4C8C-9F00-753B47F5FC10}" type="datetimeFigureOut">
               <a:rPr lang="ko-KR" altLang="en-US" smtClean="0"/>
-              <a:t>2020-06-03</a:t>
+              <a:t>2020-06-04</a:t>
             </a:fld>
             <a:endParaRPr lang="ko-KR" altLang="en-US"/>
           </a:p>
@@ -2176,7 +2368,7 @@
           <a:p>
             <a:fld id="{1F3F10A2-1868-4C8C-9F00-753B47F5FC10}" type="datetimeFigureOut">
               <a:rPr lang="ko-KR" altLang="en-US" smtClean="0"/>
-              <a:t>2020-06-03</a:t>
+              <a:t>2020-06-04</a:t>
             </a:fld>
             <a:endParaRPr lang="ko-KR" altLang="en-US"/>
           </a:p>
@@ -2451,7 +2643,7 @@
           <a:p>
             <a:fld id="{1F3F10A2-1868-4C8C-9F00-753B47F5FC10}" type="datetimeFigureOut">
               <a:rPr lang="ko-KR" altLang="en-US" smtClean="0"/>
-              <a:t>2020-06-03</a:t>
+              <a:t>2020-06-04</a:t>
             </a:fld>
             <a:endParaRPr lang="ko-KR" altLang="en-US"/>
           </a:p>
@@ -2703,7 +2895,7 @@
           <a:p>
             <a:fld id="{1F3F10A2-1868-4C8C-9F00-753B47F5FC10}" type="datetimeFigureOut">
               <a:rPr lang="ko-KR" altLang="en-US" smtClean="0"/>
-              <a:t>2020-06-03</a:t>
+              <a:t>2020-06-04</a:t>
             </a:fld>
             <a:endParaRPr lang="ko-KR" altLang="en-US"/>
           </a:p>
@@ -2914,7 +3106,7 @@
           <a:p>
             <a:fld id="{1F3F10A2-1868-4C8C-9F00-753B47F5FC10}" type="datetimeFigureOut">
               <a:rPr lang="ko-KR" altLang="en-US" smtClean="0"/>
-              <a:t>2020-06-03</a:t>
+              <a:t>2020-06-04</a:t>
             </a:fld>
             <a:endParaRPr lang="ko-KR" altLang="en-US"/>
           </a:p>
@@ -4062,7 +4254,7 @@
           <p:nvPr>
             <p:extLst>
               <p:ext uri="{D42A27DB-BD31-4B8C-83A1-F6EECF244321}">
-                <p14:modId xmlns:p14="http://schemas.microsoft.com/office/powerpoint/2010/main" val="1862997878"/>
+                <p14:modId xmlns:p14="http://schemas.microsoft.com/office/powerpoint/2010/main" val="2844410726"/>
               </p:ext>
             </p:extLst>
           </p:nvPr>
@@ -4380,7 +4572,15 @@
                             <a:schemeClr val="tx1"/>
                           </a:solidFill>
                         </a:rPr>
-                        <a:t>F-15</a:t>
+                        <a:t>PS-front-</a:t>
+                      </a:r>
+                      <a:r>
+                        <a:rPr lang="en-US" altLang="ko-KR" sz="1600" dirty="0" err="1">
+                          <a:solidFill>
+                            <a:schemeClr val="tx1"/>
+                          </a:solidFill>
+                        </a:rPr>
+                        <a:t>pwd_find</a:t>
                       </a:r>
                       <a:endParaRPr lang="ko-KR" altLang="en-US" sz="1600" dirty="0">
                         <a:solidFill>
@@ -4496,22 +4696,6 @@
                     <a:lstStyle/>
                     <a:p>
                       <a:pPr algn="ctr" latinLnBrk="1"/>
-                      <a:r>
-                        <a:rPr lang="en-US" altLang="ko-KR" sz="1600" dirty="0" err="1">
-                          <a:solidFill>
-                            <a:schemeClr val="tx1"/>
-                          </a:solidFill>
-                        </a:rPr>
-                        <a:t>Gnb</a:t>
-                      </a:r>
-                      <a:r>
-                        <a:rPr lang="en-US" altLang="ko-KR" sz="1600" dirty="0">
-                          <a:solidFill>
-                            <a:schemeClr val="tx1"/>
-                          </a:solidFill>
-                        </a:rPr>
-                        <a:t> &gt; </a:t>
-                      </a:r>
                       <a:r>
                         <a:rPr lang="ko-KR" altLang="en-US" sz="1600" dirty="0">
                           <a:solidFill>
@@ -4653,7 +4837,7 @@
           <p:nvPr>
             <p:extLst>
               <p:ext uri="{D42A27DB-BD31-4B8C-83A1-F6EECF244321}">
-                <p14:modId xmlns:p14="http://schemas.microsoft.com/office/powerpoint/2010/main" val="2758597640"/>
+                <p14:modId xmlns:p14="http://schemas.microsoft.com/office/powerpoint/2010/main" val="2377372988"/>
               </p:ext>
             </p:extLst>
           </p:nvPr>
@@ -5740,7 +5924,7 @@
                             <a:schemeClr val="tx1"/>
                           </a:solidFill>
                         </a:rPr>
-                        <a:t> - 6</a:t>
+                        <a:t> - </a:t>
                       </a:r>
                       <a:r>
                         <a:rPr lang="ko-KR" altLang="en-US" sz="1100" baseline="0" dirty="0">
@@ -5748,7 +5932,7 @@
                             <a:schemeClr val="tx1"/>
                           </a:solidFill>
                         </a:rPr>
-                        <a:t>자리 인증번호 출력</a:t>
+                        <a:t>인증 요청 기능 버튼</a:t>
                       </a:r>
                       <a:r>
                         <a:rPr lang="en-US" altLang="ko-KR" sz="1100" baseline="0" dirty="0">
@@ -5977,7 +6161,7 @@
                             <a:schemeClr val="tx1"/>
                           </a:solidFill>
                         </a:rPr>
-                        <a:t>인증 성공 시 팝업창으로 임시 비밀번호 출력</a:t>
+                        <a:t>아이디 요청 기능 버튼</a:t>
                       </a:r>
                       <a:r>
                         <a:rPr lang="en-US" altLang="ko-KR" sz="1100" baseline="0" dirty="0">
@@ -6974,14 +7158,14 @@
           <p:nvPr>
             <p:extLst>
               <p:ext uri="{D42A27DB-BD31-4B8C-83A1-F6EECF244321}">
-                <p14:modId xmlns:p14="http://schemas.microsoft.com/office/powerpoint/2010/main" val="848126803"/>
+                <p14:modId xmlns:p14="http://schemas.microsoft.com/office/powerpoint/2010/main" val="1733988290"/>
               </p:ext>
             </p:extLst>
           </p:nvPr>
         </p:nvGraphicFramePr>
         <p:xfrm>
           <a:off x="0" y="0"/>
-          <a:ext cx="12192000" cy="949960"/>
+          <a:ext cx="12192000" cy="741680"/>
         </p:xfrm>
         <a:graphic>
           <a:graphicData uri="http://schemas.openxmlformats.org/drawingml/2006/table">
@@ -7287,7 +7471,7 @@
                     <a:p>
                       <a:pPr algn="ctr" latinLnBrk="1">
                         <a:lnSpc>
-                          <a:spcPct val="175000"/>
+                          <a:spcPct val="100000"/>
                         </a:lnSpc>
                       </a:pPr>
                       <a:r>
@@ -7296,7 +7480,7 @@
                             <a:schemeClr val="tx1"/>
                           </a:solidFill>
                         </a:rPr>
-                        <a:t>F-16</a:t>
+                        <a:t>PS-front-join</a:t>
                       </a:r>
                       <a:endParaRPr lang="ko-KR" altLang="en-US" sz="1600" dirty="0">
                         <a:solidFill>
@@ -7352,7 +7536,7 @@
                     <a:p>
                       <a:pPr algn="ctr" latinLnBrk="1">
                         <a:lnSpc>
-                          <a:spcPct val="175000"/>
+                          <a:spcPct val="100000"/>
                         </a:lnSpc>
                       </a:pPr>
                       <a:r>
@@ -7415,23 +7599,11 @@
                     <a:bodyPr/>
                     <a:lstStyle/>
                     <a:p>
-                      <a:pPr algn="ctr" latinLnBrk="1"/>
-                      <a:r>
-                        <a:rPr lang="en-US" altLang="ko-KR" sz="1600" dirty="0" err="1">
-                          <a:solidFill>
-                            <a:schemeClr val="tx1"/>
-                          </a:solidFill>
-                        </a:rPr>
-                        <a:t>Gnb</a:t>
-                      </a:r>
-                      <a:r>
-                        <a:rPr lang="en-US" altLang="ko-KR" sz="1600" dirty="0">
-                          <a:solidFill>
-                            <a:schemeClr val="tx1"/>
-                          </a:solidFill>
-                        </a:rPr>
-                        <a:t> &gt; </a:t>
-                      </a:r>
+                      <a:pPr algn="ctr" latinLnBrk="1">
+                        <a:lnSpc>
+                          <a:spcPct val="100000"/>
+                        </a:lnSpc>
+                      </a:pPr>
                       <a:r>
                         <a:rPr lang="ko-KR" altLang="en-US" sz="1600" dirty="0">
                           <a:solidFill>
@@ -7461,65 +7633,6 @@
                           <a:schemeClr val="tx1"/>
                         </a:solidFill>
                       </a:endParaRPr>
-                    </a:p>
-                    <a:p>
-                      <a:pPr algn="ctr" latinLnBrk="1"/>
-                      <a:r>
-                        <a:rPr lang="en-US" altLang="ko-KR" sz="1600" dirty="0" err="1">
-                          <a:solidFill>
-                            <a:schemeClr val="tx1"/>
-                          </a:solidFill>
-                        </a:rPr>
-                        <a:t>Gnb</a:t>
-                      </a:r>
-                      <a:r>
-                        <a:rPr lang="en-US" altLang="ko-KR" sz="1600" dirty="0">
-                          <a:solidFill>
-                            <a:schemeClr val="tx1"/>
-                          </a:solidFill>
-                        </a:rPr>
-                        <a:t> &gt; </a:t>
-                      </a:r>
-                      <a:r>
-                        <a:rPr lang="ko-KR" altLang="en-US" sz="1600" dirty="0">
-                          <a:solidFill>
-                            <a:schemeClr val="tx1"/>
-                          </a:solidFill>
-                        </a:rPr>
-                        <a:t>로그인 </a:t>
-                      </a:r>
-                      <a:r>
-                        <a:rPr lang="en-US" altLang="ko-KR" sz="1600" dirty="0">
-                          <a:solidFill>
-                            <a:schemeClr val="tx1"/>
-                          </a:solidFill>
-                        </a:rPr>
-                        <a:t>&gt; </a:t>
-                      </a:r>
-                      <a:r>
-                        <a:rPr lang="ko-KR" altLang="en-US" sz="1600" dirty="0">
-                          <a:solidFill>
-                            <a:schemeClr val="tx1"/>
-                          </a:solidFill>
-                        </a:rPr>
-                        <a:t>회원가입 </a:t>
-                      </a:r>
-                      <a:r>
-                        <a:rPr lang="en-US" altLang="ko-KR" sz="1600" dirty="0">
-                          <a:solidFill>
-                            <a:schemeClr val="tx1"/>
-                          </a:solidFill>
-                        </a:rPr>
-                        <a:t>&gt; </a:t>
-                      </a:r>
-                      <a:r>
-                        <a:rPr lang="ko-KR" altLang="en-US" sz="1600" dirty="0">
-                          <a:solidFill>
-                            <a:schemeClr val="tx1"/>
-                          </a:solidFill>
-                        </a:rPr>
-                        <a:t>약관동의</a:t>
-                      </a:r>
                     </a:p>
                   </a:txBody>
                   <a:tcPr>
@@ -7569,7 +7682,7 @@
                     <a:p>
                       <a:pPr algn="ctr" latinLnBrk="1">
                         <a:lnSpc>
-                          <a:spcPct val="175000"/>
+                          <a:spcPct val="100000"/>
                         </a:lnSpc>
                       </a:pPr>
                       <a:r>
@@ -7641,7 +7754,7 @@
           <p:nvPr>
             <p:extLst>
               <p:ext uri="{D42A27DB-BD31-4B8C-83A1-F6EECF244321}">
-                <p14:modId xmlns:p14="http://schemas.microsoft.com/office/powerpoint/2010/main" val="2545892999"/>
+                <p14:modId xmlns:p14="http://schemas.microsoft.com/office/powerpoint/2010/main" val="675951176"/>
               </p:ext>
             </p:extLst>
           </p:nvPr>
@@ -10064,14 +10177,14 @@
           <p:nvPr>
             <p:extLst>
               <p:ext uri="{D42A27DB-BD31-4B8C-83A1-F6EECF244321}">
-                <p14:modId xmlns:p14="http://schemas.microsoft.com/office/powerpoint/2010/main" val="772574936"/>
+                <p14:modId xmlns:p14="http://schemas.microsoft.com/office/powerpoint/2010/main" val="3620262866"/>
               </p:ext>
             </p:extLst>
           </p:nvPr>
         </p:nvGraphicFramePr>
         <p:xfrm>
           <a:off x="0" y="0"/>
-          <a:ext cx="12192000" cy="889000"/>
+          <a:ext cx="12192000" cy="741680"/>
         </p:xfrm>
         <a:graphic>
           <a:graphicData uri="http://schemas.openxmlformats.org/drawingml/2006/table">
@@ -10377,7 +10490,7 @@
                     <a:p>
                       <a:pPr algn="ctr" latinLnBrk="1">
                         <a:lnSpc>
-                          <a:spcPct val="150000"/>
+                          <a:spcPct val="100000"/>
                         </a:lnSpc>
                       </a:pPr>
                       <a:r>
@@ -10386,7 +10499,7 @@
                             <a:schemeClr val="tx1"/>
                           </a:solidFill>
                         </a:rPr>
-                        <a:t>F-17</a:t>
+                        <a:t>PS-front-</a:t>
                       </a:r>
                       <a:endParaRPr lang="ko-KR" altLang="en-US" sz="1600" dirty="0">
                         <a:solidFill>
@@ -10442,7 +10555,7 @@
                     <a:p>
                       <a:pPr algn="ctr" latinLnBrk="1">
                         <a:lnSpc>
-                          <a:spcPct val="150000"/>
+                          <a:spcPct val="100000"/>
                         </a:lnSpc>
                       </a:pPr>
                       <a:r>
@@ -10505,23 +10618,11 @@
                     <a:bodyPr/>
                     <a:lstStyle/>
                     <a:p>
-                      <a:pPr algn="ctr" latinLnBrk="1"/>
-                      <a:r>
-                        <a:rPr lang="en-US" altLang="ko-KR" sz="1400" dirty="0" err="1">
-                          <a:solidFill>
-                            <a:schemeClr val="tx1"/>
-                          </a:solidFill>
-                        </a:rPr>
-                        <a:t>Gnb</a:t>
-                      </a:r>
-                      <a:r>
-                        <a:rPr lang="en-US" altLang="ko-KR" sz="1400" dirty="0">
-                          <a:solidFill>
-                            <a:schemeClr val="tx1"/>
-                          </a:solidFill>
-                        </a:rPr>
-                        <a:t> &gt; </a:t>
-                      </a:r>
+                      <a:pPr algn="ctr" latinLnBrk="1">
+                        <a:lnSpc>
+                          <a:spcPct val="100000"/>
+                        </a:lnSpc>
+                      </a:pPr>
                       <a:r>
                         <a:rPr lang="ko-KR" altLang="en-US" sz="1400" dirty="0">
                           <a:solidFill>
@@ -10567,81 +10668,6 @@
                           <a:schemeClr val="tx1"/>
                         </a:solidFill>
                       </a:endParaRPr>
-                    </a:p>
-                    <a:p>
-                      <a:pPr algn="ctr" latinLnBrk="1"/>
-                      <a:r>
-                        <a:rPr lang="en-US" altLang="ko-KR" sz="1400" dirty="0" err="1">
-                          <a:solidFill>
-                            <a:schemeClr val="tx1"/>
-                          </a:solidFill>
-                        </a:rPr>
-                        <a:t>Gnb</a:t>
-                      </a:r>
-                      <a:r>
-                        <a:rPr lang="en-US" altLang="ko-KR" sz="1400" dirty="0">
-                          <a:solidFill>
-                            <a:schemeClr val="tx1"/>
-                          </a:solidFill>
-                        </a:rPr>
-                        <a:t> &gt; </a:t>
-                      </a:r>
-                      <a:r>
-                        <a:rPr lang="ko-KR" altLang="en-US" sz="1400" dirty="0">
-                          <a:solidFill>
-                            <a:schemeClr val="tx1"/>
-                          </a:solidFill>
-                        </a:rPr>
-                        <a:t>로그인 </a:t>
-                      </a:r>
-                      <a:r>
-                        <a:rPr lang="en-US" altLang="ko-KR" sz="1400" dirty="0">
-                          <a:solidFill>
-                            <a:schemeClr val="tx1"/>
-                          </a:solidFill>
-                        </a:rPr>
-                        <a:t>&gt; </a:t>
-                      </a:r>
-                      <a:r>
-                        <a:rPr lang="ko-KR" altLang="en-US" sz="1400" dirty="0">
-                          <a:solidFill>
-                            <a:schemeClr val="tx1"/>
-                          </a:solidFill>
-                        </a:rPr>
-                        <a:t>회원가입 </a:t>
-                      </a:r>
-                      <a:r>
-                        <a:rPr lang="en-US" altLang="ko-KR" sz="1400" dirty="0">
-                          <a:solidFill>
-                            <a:schemeClr val="tx1"/>
-                          </a:solidFill>
-                        </a:rPr>
-                        <a:t>&gt; </a:t>
-                      </a:r>
-                      <a:r>
-                        <a:rPr lang="ko-KR" altLang="en-US" sz="1400" dirty="0">
-                          <a:solidFill>
-                            <a:schemeClr val="tx1"/>
-                          </a:solidFill>
-                        </a:rPr>
-                        <a:t>약관동의 </a:t>
-                      </a:r>
-                      <a:r>
-                        <a:rPr lang="en-US" altLang="ko-KR" sz="1400" dirty="0">
-                          <a:solidFill>
-                            <a:schemeClr val="tx1"/>
-                          </a:solidFill>
-                        </a:rPr>
-                        <a:t>&gt; </a:t>
-                      </a:r>
-                      <a:r>
-                        <a:rPr lang="ko-KR" altLang="en-US" sz="1400" dirty="0">
-                          <a:solidFill>
-                            <a:schemeClr val="tx1"/>
-                          </a:solidFill>
-                        </a:rPr>
-                        <a:t>정보입력</a:t>
-                      </a:r>
                     </a:p>
                   </a:txBody>
                   <a:tcPr>
@@ -10691,7 +10717,7 @@
                     <a:p>
                       <a:pPr algn="ctr" latinLnBrk="1">
                         <a:lnSpc>
-                          <a:spcPct val="150000"/>
+                          <a:spcPct val="100000"/>
                         </a:lnSpc>
                       </a:pPr>
                       <a:r>
@@ -15885,7 +15911,7 @@
           <p:nvPr>
             <p:extLst>
               <p:ext uri="{D42A27DB-BD31-4B8C-83A1-F6EECF244321}">
-                <p14:modId xmlns:p14="http://schemas.microsoft.com/office/powerpoint/2010/main" val="1666789297"/>
+                <p14:modId xmlns:p14="http://schemas.microsoft.com/office/powerpoint/2010/main" val="3254540139"/>
               </p:ext>
             </p:extLst>
           </p:nvPr>
@@ -16311,22 +16337,6 @@
                     <a:lstStyle/>
                     <a:p>
                       <a:pPr algn="ctr" latinLnBrk="1"/>
-                      <a:r>
-                        <a:rPr lang="en-US" altLang="ko-KR" sz="1600" dirty="0" err="1">
-                          <a:solidFill>
-                            <a:schemeClr val="tx1"/>
-                          </a:solidFill>
-                        </a:rPr>
-                        <a:t>Gnb</a:t>
-                      </a:r>
-                      <a:r>
-                        <a:rPr lang="en-US" altLang="ko-KR" sz="1600" dirty="0">
-                          <a:solidFill>
-                            <a:schemeClr val="tx1"/>
-                          </a:solidFill>
-                        </a:rPr>
-                        <a:t> &gt; </a:t>
-                      </a:r>
                       <a:r>
                         <a:rPr lang="ko-KR" altLang="en-US" sz="1600" dirty="0">
                           <a:solidFill>
@@ -32314,7 +32324,7 @@
           <p:nvPr>
             <p:extLst>
               <p:ext uri="{D42A27DB-BD31-4B8C-83A1-F6EECF244321}">
-                <p14:modId xmlns:p14="http://schemas.microsoft.com/office/powerpoint/2010/main" val="1331198801"/>
+                <p14:modId xmlns:p14="http://schemas.microsoft.com/office/powerpoint/2010/main" val="20321977"/>
               </p:ext>
             </p:extLst>
           </p:nvPr>
@@ -32749,18 +32759,13 @@
                     <a:p>
                       <a:pPr algn="ctr" latinLnBrk="1"/>
                       <a:r>
-                        <a:rPr lang="en-US" altLang="ko-KR" sz="1600" dirty="0" err="1">
-                          <a:solidFill>
-                            <a:schemeClr val="tx1"/>
-                          </a:solidFill>
-                        </a:rPr>
-                        <a:t>Gnb</a:t>
-                      </a:r>
-                      <a:endParaRPr lang="ko-KR" altLang="en-US" sz="1600" dirty="0">
-                        <a:solidFill>
-                          <a:schemeClr val="tx1"/>
-                        </a:solidFill>
-                      </a:endParaRPr>
+                        <a:rPr lang="ko-KR" altLang="en-US" sz="1600" dirty="0">
+                          <a:solidFill>
+                            <a:schemeClr val="tx1"/>
+                          </a:solidFill>
+                        </a:rPr>
+                        <a:t>공통영역</a:t>
+                      </a:r>
                     </a:p>
                   </a:txBody>
                   <a:tcPr>
@@ -32878,14 +32883,14 @@
           <p:nvPr>
             <p:extLst>
               <p:ext uri="{D42A27DB-BD31-4B8C-83A1-F6EECF244321}">
-                <p14:modId xmlns:p14="http://schemas.microsoft.com/office/powerpoint/2010/main" val="2155781300"/>
+                <p14:modId xmlns:p14="http://schemas.microsoft.com/office/powerpoint/2010/main" val="2442662595"/>
               </p:ext>
             </p:extLst>
           </p:nvPr>
         </p:nvGraphicFramePr>
         <p:xfrm>
           <a:off x="7292972" y="793154"/>
-          <a:ext cx="4899028" cy="4442145"/>
+          <a:ext cx="4899028" cy="4651695"/>
         </p:xfrm>
         <a:graphic>
           <a:graphicData uri="http://schemas.openxmlformats.org/drawingml/2006/table">
@@ -33956,6 +33961,55 @@
                           <a:schemeClr val="tx1"/>
                         </a:solidFill>
                       </a:endParaRPr>
+                    </a:p>
+                    <a:p>
+                      <a:pPr marL="0" indent="0" algn="l" latinLnBrk="1">
+                        <a:lnSpc>
+                          <a:spcPct val="125000"/>
+                        </a:lnSpc>
+                        <a:buFont typeface="Arial" panose="020B0604020202020204" pitchFamily="34" charset="0"/>
+                        <a:buNone/>
+                      </a:pPr>
+                      <a:r>
+                        <a:rPr lang="en-US" altLang="ko-KR" sz="1100" baseline="0" dirty="0">
+                          <a:solidFill>
+                            <a:schemeClr val="tx1"/>
+                          </a:solidFill>
+                        </a:rPr>
+                        <a:t> - </a:t>
+                      </a:r>
+                      <a:r>
+                        <a:rPr lang="ko-KR" altLang="en-US" sz="1100" baseline="0" dirty="0">
+                          <a:solidFill>
+                            <a:schemeClr val="tx1"/>
+                          </a:solidFill>
+                        </a:rPr>
+                        <a:t>로그인 </a:t>
+                      </a:r>
+                      <a:r>
+                        <a:rPr lang="en-US" altLang="ko-KR" sz="1100" baseline="0" dirty="0">
+                          <a:solidFill>
+                            <a:schemeClr val="tx1"/>
+                          </a:solidFill>
+                        </a:rPr>
+                        <a:t>-&gt; </a:t>
+                      </a:r>
+                      <a:r>
+                        <a:rPr lang="ko-KR" altLang="en-US" sz="1100" baseline="0" dirty="0">
+                          <a:solidFill>
+                            <a:schemeClr val="tx1"/>
+                          </a:solidFill>
+                        </a:rPr>
+                        <a:t>로그아웃 상태로 변경</a:t>
+                      </a:r>
+                      <a:r>
+                        <a:rPr lang="en-US" altLang="ko-KR" sz="1100" baseline="0" dirty="0">
+                          <a:solidFill>
+                            <a:schemeClr val="tx1"/>
+                          </a:solidFill>
+                        </a:rPr>
+                        <a:t>.</a:t>
+                      </a:r>
                     </a:p>
                   </a:txBody>
                   <a:tcPr>
@@ -36241,14 +36295,14 @@
           <p:nvPr>
             <p:extLst>
               <p:ext uri="{D42A27DB-BD31-4B8C-83A1-F6EECF244321}">
-                <p14:modId xmlns:p14="http://schemas.microsoft.com/office/powerpoint/2010/main" val="256827186"/>
+                <p14:modId xmlns:p14="http://schemas.microsoft.com/office/powerpoint/2010/main" val="1548638996"/>
               </p:ext>
             </p:extLst>
           </p:nvPr>
         </p:nvGraphicFramePr>
         <p:xfrm>
           <a:off x="7292972" y="793154"/>
-          <a:ext cx="4899028" cy="2534922"/>
+          <a:ext cx="4899028" cy="3791271"/>
         </p:xfrm>
         <a:graphic>
           <a:graphicData uri="http://schemas.openxmlformats.org/drawingml/2006/table">
@@ -36617,7 +36671,23 @@
                             <a:schemeClr val="tx1"/>
                           </a:solidFill>
                         </a:rPr>
-                        <a:t>도서 소개</a:t>
+                        <a:t>슬라이드 배너</a:t>
+                      </a:r>
+                      <a:r>
+                        <a:rPr lang="en-US" altLang="ko-KR" sz="1100" dirty="0">
+                          <a:solidFill>
+                            <a:schemeClr val="tx1"/>
+                          </a:solidFill>
+                        </a:rPr>
+                        <a:t> </a:t>
+                      </a:r>
+                      <a:r>
+                        <a:rPr lang="ko-KR" altLang="en-US" sz="1100" dirty="0">
+                          <a:solidFill>
+                            <a:schemeClr val="tx1"/>
+                          </a:solidFill>
+                        </a:rPr>
+                        <a:t>버튼</a:t>
                       </a:r>
                       <a:endParaRPr lang="en-US" altLang="ko-KR" sz="1100" dirty="0">
                         <a:solidFill>
@@ -36647,7 +36717,7 @@
                             <a:schemeClr val="tx1"/>
                           </a:solidFill>
                         </a:rPr>
-                        <a:t>표지 클릭 시 상세 페이지로 이동</a:t>
+                        <a:t>왼쪽으로 이동</a:t>
                       </a:r>
                       <a:r>
                         <a:rPr lang="en-US" altLang="ko-KR" sz="1100" dirty="0">
@@ -36833,30 +36903,14 @@
                         <a:buChar char="•"/>
                       </a:pPr>
                       <a:r>
-                        <a:rPr lang="ko-KR" altLang="en-US" sz="1100" dirty="0">
-                          <a:solidFill>
-                            <a:schemeClr val="tx1"/>
-                          </a:solidFill>
-                        </a:rPr>
-                        <a:t>공지사항</a:t>
-                      </a:r>
-                      <a:r>
-                        <a:rPr lang="en-US" altLang="ko-KR" sz="1100" dirty="0">
-                          <a:solidFill>
-                            <a:schemeClr val="tx1"/>
-                          </a:solidFill>
-                        </a:rPr>
-                        <a:t>/</a:t>
-                      </a:r>
-                      <a:r>
-                        <a:rPr lang="ko-KR" altLang="en-US" sz="1100" dirty="0">
-                          <a:solidFill>
-                            <a:schemeClr val="tx1"/>
-                          </a:solidFill>
-                        </a:rPr>
-                        <a:t>이벤트</a:t>
-                      </a:r>
-                      <a:endParaRPr lang="en-US" altLang="ko-KR" sz="1100" dirty="0">
+                        <a:rPr lang="ko-KR" altLang="en-US" sz="1100" baseline="0" dirty="0">
+                          <a:solidFill>
+                            <a:schemeClr val="tx1"/>
+                          </a:solidFill>
+                        </a:rPr>
+                        <a:t>슬라이드 배너</a:t>
+                      </a:r>
+                      <a:endParaRPr lang="en-US" altLang="ko-KR" sz="1100" baseline="0" dirty="0">
                         <a:solidFill>
                           <a:schemeClr val="tx1"/>
                         </a:solidFill>
@@ -36871,34 +36925,29 @@
                         <a:buNone/>
                       </a:pPr>
                       <a:r>
-                        <a:rPr lang="en-US" altLang="ko-KR" sz="1100" dirty="0">
-                          <a:solidFill>
-                            <a:schemeClr val="tx1"/>
-                          </a:solidFill>
-                        </a:rPr>
-                        <a:t> - Title</a:t>
-                      </a:r>
-                      <a:r>
-                        <a:rPr lang="ko-KR" altLang="en-US" sz="1100" dirty="0">
-                          <a:solidFill>
-                            <a:schemeClr val="tx1"/>
-                          </a:solidFill>
-                        </a:rPr>
-                        <a:t> 클릭 시 상세 페이지로 이동</a:t>
-                      </a:r>
-                      <a:r>
-                        <a:rPr lang="en-US" altLang="ko-KR" sz="1100" dirty="0">
+                        <a:rPr lang="en-US" altLang="ko-KR" sz="1100" baseline="0" dirty="0">
+                          <a:solidFill>
+                            <a:schemeClr val="tx1"/>
+                          </a:solidFill>
+                        </a:rPr>
+                        <a:t> - </a:t>
+                      </a:r>
+                      <a:r>
+                        <a:rPr lang="ko-KR" altLang="en-US" sz="1100" baseline="0" dirty="0">
+                          <a:solidFill>
+                            <a:schemeClr val="tx1"/>
+                          </a:solidFill>
+                        </a:rPr>
+                        <a:t>책 표지 클릭 시 상세 페이지로 이동</a:t>
+                      </a:r>
+                      <a:r>
+                        <a:rPr lang="en-US" altLang="ko-KR" sz="1100" baseline="0" dirty="0">
                           <a:solidFill>
                             <a:schemeClr val="tx1"/>
                           </a:solidFill>
                         </a:rPr>
                         <a:t>.</a:t>
                       </a:r>
-                      <a:endParaRPr lang="en-US" altLang="ko-KR" sz="1100" baseline="0" dirty="0">
-                        <a:solidFill>
-                          <a:schemeClr val="tx1"/>
-                        </a:solidFill>
-                      </a:endParaRPr>
                     </a:p>
                   </a:txBody>
                   <a:tcPr>
@@ -37080,7 +37129,7 @@
                             <a:schemeClr val="tx1"/>
                           </a:solidFill>
                         </a:rPr>
-                        <a:t>배너</a:t>
+                        <a:t>슬라이드 배너 버튼</a:t>
                       </a:r>
                       <a:endParaRPr lang="en-US" altLang="ko-KR" sz="1100" baseline="0" dirty="0">
                         <a:solidFill>
@@ -37110,56 +37159,7 @@
                             <a:schemeClr val="tx1"/>
                           </a:solidFill>
                         </a:rPr>
-                        <a:t>이벤트</a:t>
-                      </a:r>
-                      <a:r>
-                        <a:rPr lang="en-US" altLang="ko-KR" sz="1100" baseline="0" dirty="0">
-                          <a:solidFill>
-                            <a:schemeClr val="tx1"/>
-                          </a:solidFill>
-                        </a:rPr>
-                        <a:t> </a:t>
-                      </a:r>
-                      <a:r>
-                        <a:rPr lang="ko-KR" altLang="en-US" sz="1100" baseline="0" dirty="0">
-                          <a:solidFill>
-                            <a:schemeClr val="tx1"/>
-                          </a:solidFill>
-                        </a:rPr>
-                        <a:t>관련 이미지</a:t>
-                      </a:r>
-                      <a:r>
-                        <a:rPr lang="en-US" altLang="ko-KR" sz="1100" baseline="0" dirty="0">
-                          <a:solidFill>
-                            <a:schemeClr val="tx1"/>
-                          </a:solidFill>
-                        </a:rPr>
-                        <a:t>.</a:t>
-                      </a:r>
-                    </a:p>
-                    <a:p>
-                      <a:pPr marL="0" indent="0" algn="l" latinLnBrk="1">
-                        <a:lnSpc>
-                          <a:spcPct val="125000"/>
-                        </a:lnSpc>
-                        <a:buFont typeface="Arial" panose="020B0604020202020204" pitchFamily="34" charset="0"/>
-                        <a:buNone/>
-                      </a:pPr>
-                      <a:r>
-                        <a:rPr lang="en-US" altLang="ko-KR" sz="1100" baseline="0" dirty="0">
-                          <a:solidFill>
-                            <a:schemeClr val="tx1"/>
-                          </a:solidFill>
-                        </a:rPr>
-                        <a:t> - </a:t>
-                      </a:r>
-                      <a:r>
-                        <a:rPr lang="ko-KR" altLang="en-US" sz="1100" baseline="0" dirty="0">
-                          <a:solidFill>
-                            <a:schemeClr val="tx1"/>
-                          </a:solidFill>
-                        </a:rPr>
-                        <a:t>배너 클릭 시 상세 페이지로 이동</a:t>
+                        <a:t>오른쪽으로 이동</a:t>
                       </a:r>
                       <a:r>
                         <a:rPr lang="en-US" altLang="ko-KR" sz="1100" baseline="0" dirty="0">
@@ -37345,13 +37345,34 @@
                         <a:buChar char="•"/>
                       </a:pPr>
                       <a:r>
+                        <a:rPr lang="ko-KR" altLang="en-US" sz="1100" dirty="0">
+                          <a:solidFill>
+                            <a:schemeClr val="tx1"/>
+                          </a:solidFill>
+                        </a:rPr>
+                        <a:t>공지사항</a:t>
+                      </a:r>
+                      <a:r>
                         <a:rPr lang="en-US" altLang="ko-KR" sz="1100" dirty="0">
                           <a:solidFill>
                             <a:schemeClr val="tx1"/>
                           </a:solidFill>
                         </a:rPr>
-                        <a:t>SNS</a:t>
-                      </a:r>
+                        <a:t>/</a:t>
+                      </a:r>
+                      <a:r>
+                        <a:rPr lang="ko-KR" altLang="en-US" sz="1100" dirty="0">
+                          <a:solidFill>
+                            <a:schemeClr val="tx1"/>
+                          </a:solidFill>
+                        </a:rPr>
+                        <a:t>이벤트</a:t>
+                      </a:r>
+                      <a:endParaRPr lang="en-US" altLang="ko-KR" sz="1100" dirty="0">
+                        <a:solidFill>
+                          <a:schemeClr val="tx1"/>
+                        </a:solidFill>
+                      </a:endParaRPr>
                     </a:p>
                     <a:p>
                       <a:pPr marL="0" indent="0" algn="l" latinLnBrk="1">
@@ -37375,7 +37396,7 @@
                             <a:schemeClr val="tx1"/>
                           </a:solidFill>
                         </a:rPr>
-                        <a:t>출판사 </a:t>
+                        <a:t>제목 클릭 시 상세 페이지로 이동</a:t>
                       </a:r>
                       <a:r>
                         <a:rPr lang="en-US" altLang="ko-KR" sz="1100" dirty="0">
@@ -37383,24 +37404,13 @@
                             <a:schemeClr val="tx1"/>
                           </a:solidFill>
                         </a:rPr>
-                        <a:t>SNS</a:t>
-                      </a:r>
-                      <a:r>
-                        <a:rPr lang="ko-KR" altLang="en-US" sz="1100" dirty="0">
-                          <a:solidFill>
-                            <a:schemeClr val="tx1"/>
-                          </a:solidFill>
-                        </a:rPr>
-                        <a:t> 페이지로 이동</a:t>
-                      </a:r>
-                      <a:r>
-                        <a:rPr lang="en-US" altLang="ko-KR" sz="1100" dirty="0">
-                          <a:solidFill>
-                            <a:schemeClr val="tx1"/>
-                          </a:solidFill>
-                        </a:rPr>
                         <a:t>.</a:t>
                       </a:r>
+                      <a:endParaRPr lang="en-US" altLang="ko-KR" sz="1100" baseline="0" dirty="0">
+                        <a:solidFill>
+                          <a:schemeClr val="tx1"/>
+                        </a:solidFill>
+                      </a:endParaRPr>
                     </a:p>
                   </a:txBody>
                   <a:tcPr>
@@ -37446,6 +37456,704 @@
                 <a:extLst>
                   <a:ext uri="{0D108BD9-81ED-4DB2-BD59-A6C34878D82A}">
                     <a16:rowId xmlns:a16="http://schemas.microsoft.com/office/drawing/2014/main" val="247755150"/>
+                  </a:ext>
+                </a:extLst>
+              </a:tr>
+              <a:tr h="370840">
+                <a:tc>
+                  <a:txBody>
+                    <a:bodyPr/>
+                    <a:lstStyle/>
+                    <a:p>
+                      <a:pPr algn="ctr" latinLnBrk="1"/>
+                      <a:r>
+                        <a:rPr lang="en-US" altLang="ko-KR" sz="1100" dirty="0">
+                          <a:solidFill>
+                            <a:schemeClr val="tx1"/>
+                          </a:solidFill>
+                        </a:rPr>
+                        <a:t>5</a:t>
+                      </a:r>
+                      <a:endParaRPr lang="ko-KR" altLang="en-US" sz="1100" dirty="0">
+                        <a:solidFill>
+                          <a:schemeClr val="tx1"/>
+                        </a:solidFill>
+                      </a:endParaRPr>
+                    </a:p>
+                  </a:txBody>
+                  <a:tcPr>
+                    <a:lnL w="12700" cap="flat" cmpd="sng" algn="ctr">
+                      <a:solidFill>
+                        <a:schemeClr val="tx1"/>
+                      </a:solidFill>
+                      <a:prstDash val="solid"/>
+                      <a:round/>
+                      <a:headEnd type="none" w="med" len="med"/>
+                      <a:tailEnd type="none" w="med" len="med"/>
+                    </a:lnL>
+                    <a:lnR w="12700" cap="flat" cmpd="sng" algn="ctr">
+                      <a:solidFill>
+                        <a:schemeClr val="tx1"/>
+                      </a:solidFill>
+                      <a:prstDash val="solid"/>
+                      <a:round/>
+                      <a:headEnd type="none" w="med" len="med"/>
+                      <a:tailEnd type="none" w="med" len="med"/>
+                    </a:lnR>
+                    <a:lnT w="12700" cap="flat" cmpd="sng" algn="ctr">
+                      <a:solidFill>
+                        <a:schemeClr val="tx1"/>
+                      </a:solidFill>
+                      <a:prstDash val="solid"/>
+                      <a:round/>
+                      <a:headEnd type="none" w="med" len="med"/>
+                      <a:tailEnd type="none" w="med" len="med"/>
+                    </a:lnT>
+                    <a:lnB w="12700" cap="flat" cmpd="sng" algn="ctr">
+                      <a:solidFill>
+                        <a:schemeClr val="tx1"/>
+                      </a:solidFill>
+                      <a:prstDash val="solid"/>
+                      <a:round/>
+                      <a:headEnd type="none" w="med" len="med"/>
+                      <a:tailEnd type="none" w="med" len="med"/>
+                    </a:lnB>
+                    <a:noFill/>
+                  </a:tcPr>
+                </a:tc>
+                <a:tc>
+                  <a:txBody>
+                    <a:bodyPr/>
+                    <a:lstStyle/>
+                    <a:p>
+                      <a:pPr algn="ctr" latinLnBrk="1"/>
+                      <a:endParaRPr lang="ko-KR" altLang="en-US" sz="1100" dirty="0">
+                        <a:solidFill>
+                          <a:schemeClr val="tx1"/>
+                        </a:solidFill>
+                      </a:endParaRPr>
+                    </a:p>
+                  </a:txBody>
+                  <a:tcPr>
+                    <a:lnL w="12700" cap="flat" cmpd="sng" algn="ctr">
+                      <a:solidFill>
+                        <a:schemeClr val="tx1"/>
+                      </a:solidFill>
+                      <a:prstDash val="solid"/>
+                      <a:round/>
+                      <a:headEnd type="none" w="med" len="med"/>
+                      <a:tailEnd type="none" w="med" len="med"/>
+                    </a:lnL>
+                    <a:lnR w="12700" cap="flat" cmpd="sng" algn="ctr">
+                      <a:solidFill>
+                        <a:schemeClr val="tx1"/>
+                      </a:solidFill>
+                      <a:prstDash val="solid"/>
+                      <a:round/>
+                      <a:headEnd type="none" w="med" len="med"/>
+                      <a:tailEnd type="none" w="med" len="med"/>
+                    </a:lnR>
+                    <a:lnT w="12700" cap="flat" cmpd="sng" algn="ctr">
+                      <a:solidFill>
+                        <a:schemeClr val="tx1"/>
+                      </a:solidFill>
+                      <a:prstDash val="solid"/>
+                      <a:round/>
+                      <a:headEnd type="none" w="med" len="med"/>
+                      <a:tailEnd type="none" w="med" len="med"/>
+                    </a:lnT>
+                    <a:lnB w="12700" cap="flat" cmpd="sng" algn="ctr">
+                      <a:solidFill>
+                        <a:schemeClr val="tx1"/>
+                      </a:solidFill>
+                      <a:prstDash val="solid"/>
+                      <a:round/>
+                      <a:headEnd type="none" w="med" len="med"/>
+                      <a:tailEnd type="none" w="med" len="med"/>
+                    </a:lnB>
+                    <a:noFill/>
+                  </a:tcPr>
+                </a:tc>
+                <a:tc>
+                  <a:txBody>
+                    <a:bodyPr/>
+                    <a:lstStyle/>
+                    <a:p>
+                      <a:pPr marL="171450" indent="-171450" algn="l" latinLnBrk="1">
+                        <a:lnSpc>
+                          <a:spcPct val="125000"/>
+                        </a:lnSpc>
+                        <a:buFont typeface="Arial" panose="020B0604020202020204" pitchFamily="34" charset="0"/>
+                        <a:buChar char="•"/>
+                      </a:pPr>
+                      <a:r>
+                        <a:rPr lang="en-US" altLang="ko-KR" sz="1100" dirty="0">
+                          <a:solidFill>
+                            <a:schemeClr val="tx1"/>
+                          </a:solidFill>
+                        </a:rPr>
+                        <a:t>(+) </a:t>
+                      </a:r>
+                      <a:r>
+                        <a:rPr lang="ko-KR" altLang="en-US" sz="1100" dirty="0">
+                          <a:solidFill>
+                            <a:schemeClr val="tx1"/>
+                          </a:solidFill>
+                        </a:rPr>
+                        <a:t>버튼</a:t>
+                      </a:r>
+                      <a:endParaRPr lang="en-US" altLang="ko-KR" sz="1100" dirty="0">
+                        <a:solidFill>
+                          <a:schemeClr val="tx1"/>
+                        </a:solidFill>
+                      </a:endParaRPr>
+                    </a:p>
+                    <a:p>
+                      <a:pPr marL="0" indent="0" algn="l" latinLnBrk="1">
+                        <a:lnSpc>
+                          <a:spcPct val="125000"/>
+                        </a:lnSpc>
+                        <a:buFont typeface="Arial" panose="020B0604020202020204" pitchFamily="34" charset="0"/>
+                        <a:buNone/>
+                      </a:pPr>
+                      <a:r>
+                        <a:rPr lang="en-US" altLang="ko-KR" sz="1100" dirty="0">
+                          <a:solidFill>
+                            <a:schemeClr val="tx1"/>
+                          </a:solidFill>
+                        </a:rPr>
+                        <a:t> - </a:t>
+                      </a:r>
+                      <a:r>
+                        <a:rPr lang="ko-KR" altLang="en-US" sz="1100" dirty="0">
+                          <a:solidFill>
+                            <a:schemeClr val="tx1"/>
+                          </a:solidFill>
+                        </a:rPr>
+                        <a:t>버튼 클릭 시 공지사항</a:t>
+                      </a:r>
+                      <a:r>
+                        <a:rPr lang="en-US" altLang="ko-KR" sz="1100" dirty="0">
+                          <a:solidFill>
+                            <a:schemeClr val="tx1"/>
+                          </a:solidFill>
+                        </a:rPr>
+                        <a:t>/</a:t>
+                      </a:r>
+                      <a:r>
+                        <a:rPr lang="ko-KR" altLang="en-US" sz="1100" dirty="0">
+                          <a:solidFill>
+                            <a:schemeClr val="tx1"/>
+                          </a:solidFill>
+                        </a:rPr>
+                        <a:t>이벤트로 이동</a:t>
+                      </a:r>
+                      <a:r>
+                        <a:rPr lang="en-US" altLang="ko-KR" sz="1100" dirty="0">
+                          <a:solidFill>
+                            <a:schemeClr val="tx1"/>
+                          </a:solidFill>
+                        </a:rPr>
+                        <a:t>.</a:t>
+                      </a:r>
+                    </a:p>
+                  </a:txBody>
+                  <a:tcPr>
+                    <a:lnL w="12700" cap="flat" cmpd="sng" algn="ctr">
+                      <a:solidFill>
+                        <a:schemeClr val="tx1"/>
+                      </a:solidFill>
+                      <a:prstDash val="solid"/>
+                      <a:round/>
+                      <a:headEnd type="none" w="med" len="med"/>
+                      <a:tailEnd type="none" w="med" len="med"/>
+                    </a:lnL>
+                    <a:lnR w="12700" cap="flat" cmpd="sng" algn="ctr">
+                      <a:solidFill>
+                        <a:schemeClr val="tx1"/>
+                      </a:solidFill>
+                      <a:prstDash val="solid"/>
+                      <a:round/>
+                      <a:headEnd type="none" w="med" len="med"/>
+                      <a:tailEnd type="none" w="med" len="med"/>
+                    </a:lnR>
+                    <a:lnT w="12700" cap="flat" cmpd="sng" algn="ctr">
+                      <a:solidFill>
+                        <a:schemeClr val="tx1"/>
+                      </a:solidFill>
+                      <a:prstDash val="solid"/>
+                      <a:round/>
+                      <a:headEnd type="none" w="med" len="med"/>
+                      <a:tailEnd type="none" w="med" len="med"/>
+                    </a:lnT>
+                    <a:lnB w="12700" cap="flat" cmpd="sng" algn="ctr">
+                      <a:solidFill>
+                        <a:schemeClr val="tx1"/>
+                      </a:solidFill>
+                      <a:prstDash val="solid"/>
+                      <a:round/>
+                      <a:headEnd type="none" w="med" len="med"/>
+                      <a:tailEnd type="none" w="med" len="med"/>
+                    </a:lnB>
+                    <a:noFill/>
+                  </a:tcPr>
+                </a:tc>
+                <a:extLst>
+                  <a:ext uri="{0D108BD9-81ED-4DB2-BD59-A6C34878D82A}">
+                    <a16:rowId xmlns:a16="http://schemas.microsoft.com/office/drawing/2014/main" val="2466352094"/>
+                  </a:ext>
+                </a:extLst>
+              </a:tr>
+              <a:tr h="370840">
+                <a:tc>
+                  <a:txBody>
+                    <a:bodyPr/>
+                    <a:lstStyle/>
+                    <a:p>
+                      <a:pPr algn="ctr" latinLnBrk="1"/>
+                      <a:r>
+                        <a:rPr lang="en-US" altLang="ko-KR" sz="1100" dirty="0">
+                          <a:solidFill>
+                            <a:schemeClr val="tx1"/>
+                          </a:solidFill>
+                        </a:rPr>
+                        <a:t>6</a:t>
+                      </a:r>
+                      <a:endParaRPr lang="ko-KR" altLang="en-US" sz="1100" dirty="0">
+                        <a:solidFill>
+                          <a:schemeClr val="tx1"/>
+                        </a:solidFill>
+                      </a:endParaRPr>
+                    </a:p>
+                  </a:txBody>
+                  <a:tcPr>
+                    <a:lnL w="12700" cap="flat" cmpd="sng" algn="ctr">
+                      <a:solidFill>
+                        <a:schemeClr val="tx1"/>
+                      </a:solidFill>
+                      <a:prstDash val="solid"/>
+                      <a:round/>
+                      <a:headEnd type="none" w="med" len="med"/>
+                      <a:tailEnd type="none" w="med" len="med"/>
+                    </a:lnL>
+                    <a:lnR w="12700" cap="flat" cmpd="sng" algn="ctr">
+                      <a:solidFill>
+                        <a:schemeClr val="tx1"/>
+                      </a:solidFill>
+                      <a:prstDash val="solid"/>
+                      <a:round/>
+                      <a:headEnd type="none" w="med" len="med"/>
+                      <a:tailEnd type="none" w="med" len="med"/>
+                    </a:lnR>
+                    <a:lnT w="12700" cap="flat" cmpd="sng" algn="ctr">
+                      <a:solidFill>
+                        <a:schemeClr val="tx1"/>
+                      </a:solidFill>
+                      <a:prstDash val="solid"/>
+                      <a:round/>
+                      <a:headEnd type="none" w="med" len="med"/>
+                      <a:tailEnd type="none" w="med" len="med"/>
+                    </a:lnT>
+                    <a:lnB w="12700" cap="flat" cmpd="sng" algn="ctr">
+                      <a:solidFill>
+                        <a:schemeClr val="tx1"/>
+                      </a:solidFill>
+                      <a:prstDash val="solid"/>
+                      <a:round/>
+                      <a:headEnd type="none" w="med" len="med"/>
+                      <a:tailEnd type="none" w="med" len="med"/>
+                    </a:lnB>
+                    <a:noFill/>
+                  </a:tcPr>
+                </a:tc>
+                <a:tc>
+                  <a:txBody>
+                    <a:bodyPr/>
+                    <a:lstStyle/>
+                    <a:p>
+                      <a:pPr algn="ctr" latinLnBrk="1"/>
+                      <a:endParaRPr lang="ko-KR" altLang="en-US" sz="1100" dirty="0">
+                        <a:solidFill>
+                          <a:schemeClr val="tx1"/>
+                        </a:solidFill>
+                      </a:endParaRPr>
+                    </a:p>
+                  </a:txBody>
+                  <a:tcPr>
+                    <a:lnL w="12700" cap="flat" cmpd="sng" algn="ctr">
+                      <a:solidFill>
+                        <a:schemeClr val="tx1"/>
+                      </a:solidFill>
+                      <a:prstDash val="solid"/>
+                      <a:round/>
+                      <a:headEnd type="none" w="med" len="med"/>
+                      <a:tailEnd type="none" w="med" len="med"/>
+                    </a:lnL>
+                    <a:lnR w="12700" cap="flat" cmpd="sng" algn="ctr">
+                      <a:solidFill>
+                        <a:schemeClr val="tx1"/>
+                      </a:solidFill>
+                      <a:prstDash val="solid"/>
+                      <a:round/>
+                      <a:headEnd type="none" w="med" len="med"/>
+                      <a:tailEnd type="none" w="med" len="med"/>
+                    </a:lnR>
+                    <a:lnT w="12700" cap="flat" cmpd="sng" algn="ctr">
+                      <a:solidFill>
+                        <a:schemeClr val="tx1"/>
+                      </a:solidFill>
+                      <a:prstDash val="solid"/>
+                      <a:round/>
+                      <a:headEnd type="none" w="med" len="med"/>
+                      <a:tailEnd type="none" w="med" len="med"/>
+                    </a:lnT>
+                    <a:lnB w="12700" cap="flat" cmpd="sng" algn="ctr">
+                      <a:solidFill>
+                        <a:schemeClr val="tx1"/>
+                      </a:solidFill>
+                      <a:prstDash val="solid"/>
+                      <a:round/>
+                      <a:headEnd type="none" w="med" len="med"/>
+                      <a:tailEnd type="none" w="med" len="med"/>
+                    </a:lnB>
+                    <a:noFill/>
+                  </a:tcPr>
+                </a:tc>
+                <a:tc>
+                  <a:txBody>
+                    <a:bodyPr/>
+                    <a:lstStyle/>
+                    <a:p>
+                      <a:pPr marL="182563" indent="-182563" algn="l" latinLnBrk="1">
+                        <a:lnSpc>
+                          <a:spcPct val="125000"/>
+                        </a:lnSpc>
+                        <a:buFont typeface="Arial" panose="020B0604020202020204" pitchFamily="34" charset="0"/>
+                        <a:buChar char="•"/>
+                      </a:pPr>
+                      <a:r>
+                        <a:rPr lang="ko-KR" altLang="en-US" sz="1100" baseline="0" dirty="0">
+                          <a:solidFill>
+                            <a:schemeClr val="tx1"/>
+                          </a:solidFill>
+                        </a:rPr>
+                        <a:t>이벤트 배너</a:t>
+                      </a:r>
+                      <a:endParaRPr lang="en-US" altLang="ko-KR" sz="1100" baseline="0" dirty="0">
+                        <a:solidFill>
+                          <a:schemeClr val="tx1"/>
+                        </a:solidFill>
+                      </a:endParaRPr>
+                    </a:p>
+                    <a:p>
+                      <a:pPr marL="0" indent="0" algn="l" latinLnBrk="1">
+                        <a:lnSpc>
+                          <a:spcPct val="125000"/>
+                        </a:lnSpc>
+                        <a:buFont typeface="Arial" panose="020B0604020202020204" pitchFamily="34" charset="0"/>
+                        <a:buNone/>
+                      </a:pPr>
+                      <a:r>
+                        <a:rPr lang="en-US" altLang="ko-KR" sz="1100" baseline="0" dirty="0">
+                          <a:solidFill>
+                            <a:schemeClr val="tx1"/>
+                          </a:solidFill>
+                        </a:rPr>
+                        <a:t>- </a:t>
+                      </a:r>
+                      <a:r>
+                        <a:rPr lang="ko-KR" altLang="en-US" sz="1100" baseline="0" dirty="0">
+                          <a:solidFill>
+                            <a:schemeClr val="tx1"/>
+                          </a:solidFill>
+                        </a:rPr>
+                        <a:t>배너 클릭 시 상세 페이지로 이동</a:t>
+                      </a:r>
+                      <a:r>
+                        <a:rPr lang="en-US" altLang="ko-KR" sz="1100" baseline="0" dirty="0">
+                          <a:solidFill>
+                            <a:schemeClr val="tx1"/>
+                          </a:solidFill>
+                        </a:rPr>
+                        <a:t>.</a:t>
+                      </a:r>
+                    </a:p>
+                  </a:txBody>
+                  <a:tcPr>
+                    <a:lnL w="12700" cap="flat" cmpd="sng" algn="ctr">
+                      <a:solidFill>
+                        <a:schemeClr val="tx1"/>
+                      </a:solidFill>
+                      <a:prstDash val="solid"/>
+                      <a:round/>
+                      <a:headEnd type="none" w="med" len="med"/>
+                      <a:tailEnd type="none" w="med" len="med"/>
+                    </a:lnL>
+                    <a:lnR w="12700" cap="flat" cmpd="sng" algn="ctr">
+                      <a:solidFill>
+                        <a:schemeClr val="tx1"/>
+                      </a:solidFill>
+                      <a:prstDash val="solid"/>
+                      <a:round/>
+                      <a:headEnd type="none" w="med" len="med"/>
+                      <a:tailEnd type="none" w="med" len="med"/>
+                    </a:lnR>
+                    <a:lnT w="12700" cap="flat" cmpd="sng" algn="ctr">
+                      <a:solidFill>
+                        <a:schemeClr val="tx1"/>
+                      </a:solidFill>
+                      <a:prstDash val="solid"/>
+                      <a:round/>
+                      <a:headEnd type="none" w="med" len="med"/>
+                      <a:tailEnd type="none" w="med" len="med"/>
+                    </a:lnT>
+                    <a:lnB w="12700" cap="flat" cmpd="sng" algn="ctr">
+                      <a:solidFill>
+                        <a:schemeClr val="tx1"/>
+                      </a:solidFill>
+                      <a:prstDash val="solid"/>
+                      <a:round/>
+                      <a:headEnd type="none" w="med" len="med"/>
+                      <a:tailEnd type="none" w="med" len="med"/>
+                    </a:lnB>
+                    <a:noFill/>
+                  </a:tcPr>
+                </a:tc>
+                <a:extLst>
+                  <a:ext uri="{0D108BD9-81ED-4DB2-BD59-A6C34878D82A}">
+                    <a16:rowId xmlns:a16="http://schemas.microsoft.com/office/drawing/2014/main" val="807255153"/>
+                  </a:ext>
+                </a:extLst>
+              </a:tr>
+              <a:tr h="298494">
+                <a:tc>
+                  <a:txBody>
+                    <a:bodyPr/>
+                    <a:lstStyle/>
+                    <a:p>
+                      <a:pPr algn="ctr" latinLnBrk="1"/>
+                      <a:r>
+                        <a:rPr lang="en-US" altLang="ko-KR" sz="1100" dirty="0">
+                          <a:solidFill>
+                            <a:schemeClr val="tx1"/>
+                          </a:solidFill>
+                        </a:rPr>
+                        <a:t>7</a:t>
+                      </a:r>
+                      <a:endParaRPr lang="ko-KR" altLang="en-US" sz="1100" dirty="0">
+                        <a:solidFill>
+                          <a:schemeClr val="tx1"/>
+                        </a:solidFill>
+                      </a:endParaRPr>
+                    </a:p>
+                  </a:txBody>
+                  <a:tcPr>
+                    <a:lnL w="12700" cap="flat" cmpd="sng" algn="ctr">
+                      <a:solidFill>
+                        <a:schemeClr val="tx1"/>
+                      </a:solidFill>
+                      <a:prstDash val="solid"/>
+                      <a:round/>
+                      <a:headEnd type="none" w="med" len="med"/>
+                      <a:tailEnd type="none" w="med" len="med"/>
+                    </a:lnL>
+                    <a:lnR w="12700" cap="flat" cmpd="sng" algn="ctr">
+                      <a:solidFill>
+                        <a:schemeClr val="tx1"/>
+                      </a:solidFill>
+                      <a:prstDash val="solid"/>
+                      <a:round/>
+                      <a:headEnd type="none" w="med" len="med"/>
+                      <a:tailEnd type="none" w="med" len="med"/>
+                    </a:lnR>
+                    <a:lnT w="12700" cap="flat" cmpd="sng" algn="ctr">
+                      <a:solidFill>
+                        <a:schemeClr val="tx1"/>
+                      </a:solidFill>
+                      <a:prstDash val="solid"/>
+                      <a:round/>
+                      <a:headEnd type="none" w="med" len="med"/>
+                      <a:tailEnd type="none" w="med" len="med"/>
+                    </a:lnT>
+                    <a:lnB w="12700" cap="flat" cmpd="sng" algn="ctr">
+                      <a:solidFill>
+                        <a:schemeClr val="tx1"/>
+                      </a:solidFill>
+                      <a:prstDash val="solid"/>
+                      <a:round/>
+                      <a:headEnd type="none" w="med" len="med"/>
+                      <a:tailEnd type="none" w="med" len="med"/>
+                    </a:lnB>
+                    <a:noFill/>
+                  </a:tcPr>
+                </a:tc>
+                <a:tc>
+                  <a:txBody>
+                    <a:bodyPr/>
+                    <a:lstStyle/>
+                    <a:p>
+                      <a:pPr algn="ctr" latinLnBrk="1"/>
+                      <a:endParaRPr lang="ko-KR" altLang="en-US" sz="1100" dirty="0">
+                        <a:solidFill>
+                          <a:schemeClr val="tx1"/>
+                        </a:solidFill>
+                      </a:endParaRPr>
+                    </a:p>
+                  </a:txBody>
+                  <a:tcPr>
+                    <a:lnL w="12700" cap="flat" cmpd="sng" algn="ctr">
+                      <a:solidFill>
+                        <a:schemeClr val="tx1"/>
+                      </a:solidFill>
+                      <a:prstDash val="solid"/>
+                      <a:round/>
+                      <a:headEnd type="none" w="med" len="med"/>
+                      <a:tailEnd type="none" w="med" len="med"/>
+                    </a:lnL>
+                    <a:lnR w="12700" cap="flat" cmpd="sng" algn="ctr">
+                      <a:solidFill>
+                        <a:schemeClr val="tx1"/>
+                      </a:solidFill>
+                      <a:prstDash val="solid"/>
+                      <a:round/>
+                      <a:headEnd type="none" w="med" len="med"/>
+                      <a:tailEnd type="none" w="med" len="med"/>
+                    </a:lnR>
+                    <a:lnT w="12700" cap="flat" cmpd="sng" algn="ctr">
+                      <a:solidFill>
+                        <a:schemeClr val="tx1"/>
+                      </a:solidFill>
+                      <a:prstDash val="solid"/>
+                      <a:round/>
+                      <a:headEnd type="none" w="med" len="med"/>
+                      <a:tailEnd type="none" w="med" len="med"/>
+                    </a:lnT>
+                    <a:lnB w="12700" cap="flat" cmpd="sng" algn="ctr">
+                      <a:solidFill>
+                        <a:schemeClr val="tx1"/>
+                      </a:solidFill>
+                      <a:prstDash val="solid"/>
+                      <a:round/>
+                      <a:headEnd type="none" w="med" len="med"/>
+                      <a:tailEnd type="none" w="med" len="med"/>
+                    </a:lnB>
+                    <a:noFill/>
+                  </a:tcPr>
+                </a:tc>
+                <a:tc>
+                  <a:txBody>
+                    <a:bodyPr/>
+                    <a:lstStyle/>
+                    <a:p>
+                      <a:pPr marL="182563" indent="-182563" algn="l" latinLnBrk="1">
+                        <a:lnSpc>
+                          <a:spcPct val="125000"/>
+                        </a:lnSpc>
+                        <a:buFont typeface="Arial" panose="020B0604020202020204" pitchFamily="34" charset="0"/>
+                        <a:buChar char="•"/>
+                      </a:pPr>
+                      <a:r>
+                        <a:rPr lang="en-US" altLang="ko-KR" sz="1100" dirty="0">
+                          <a:solidFill>
+                            <a:schemeClr val="tx1"/>
+                          </a:solidFill>
+                        </a:rPr>
+                        <a:t>SNS</a:t>
+                      </a:r>
+                    </a:p>
+                    <a:p>
+                      <a:pPr marL="0" indent="0" algn="l" latinLnBrk="1">
+                        <a:lnSpc>
+                          <a:spcPct val="125000"/>
+                        </a:lnSpc>
+                        <a:buFont typeface="Arial" panose="020B0604020202020204" pitchFamily="34" charset="0"/>
+                        <a:buNone/>
+                      </a:pPr>
+                      <a:r>
+                        <a:rPr lang="en-US" altLang="ko-KR" sz="1100" dirty="0">
+                          <a:solidFill>
+                            <a:schemeClr val="tx1"/>
+                          </a:solidFill>
+                        </a:rPr>
+                        <a:t> - </a:t>
+                      </a:r>
+                      <a:r>
+                        <a:rPr lang="ko-KR" altLang="en-US" sz="1100" dirty="0">
+                          <a:solidFill>
+                            <a:schemeClr val="tx1"/>
+                          </a:solidFill>
+                        </a:rPr>
+                        <a:t>출판사 </a:t>
+                      </a:r>
+                      <a:r>
+                        <a:rPr lang="en-US" altLang="ko-KR" sz="1100" dirty="0">
+                          <a:solidFill>
+                            <a:schemeClr val="tx1"/>
+                          </a:solidFill>
+                        </a:rPr>
+                        <a:t>SNS</a:t>
+                      </a:r>
+                      <a:r>
+                        <a:rPr lang="ko-KR" altLang="en-US" sz="1100" dirty="0">
+                          <a:solidFill>
+                            <a:schemeClr val="tx1"/>
+                          </a:solidFill>
+                        </a:rPr>
+                        <a:t> 페이지로 이동</a:t>
+                      </a:r>
+                      <a:r>
+                        <a:rPr lang="en-US" altLang="ko-KR" sz="1100" dirty="0">
+                          <a:solidFill>
+                            <a:schemeClr val="tx1"/>
+                          </a:solidFill>
+                        </a:rPr>
+                        <a:t>.</a:t>
+                      </a:r>
+                    </a:p>
+                  </a:txBody>
+                  <a:tcPr>
+                    <a:lnL w="12700" cap="flat" cmpd="sng" algn="ctr">
+                      <a:solidFill>
+                        <a:schemeClr val="tx1"/>
+                      </a:solidFill>
+                      <a:prstDash val="solid"/>
+                      <a:round/>
+                      <a:headEnd type="none" w="med" len="med"/>
+                      <a:tailEnd type="none" w="med" len="med"/>
+                    </a:lnL>
+                    <a:lnR w="12700" cap="flat" cmpd="sng" algn="ctr">
+                      <a:solidFill>
+                        <a:schemeClr val="tx1"/>
+                      </a:solidFill>
+                      <a:prstDash val="solid"/>
+                      <a:round/>
+                      <a:headEnd type="none" w="med" len="med"/>
+                      <a:tailEnd type="none" w="med" len="med"/>
+                    </a:lnR>
+                    <a:lnT w="12700" cap="flat" cmpd="sng" algn="ctr">
+                      <a:solidFill>
+                        <a:schemeClr val="tx1"/>
+                      </a:solidFill>
+                      <a:prstDash val="solid"/>
+                      <a:round/>
+                      <a:headEnd type="none" w="med" len="med"/>
+                      <a:tailEnd type="none" w="med" len="med"/>
+                    </a:lnT>
+                    <a:lnB w="12700" cap="flat" cmpd="sng" algn="ctr">
+                      <a:solidFill>
+                        <a:schemeClr val="tx1"/>
+                      </a:solidFill>
+                      <a:prstDash val="solid"/>
+                      <a:round/>
+                      <a:headEnd type="none" w="med" len="med"/>
+                      <a:tailEnd type="none" w="med" len="med"/>
+                    </a:lnB>
+                    <a:noFill/>
+                  </a:tcPr>
+                </a:tc>
+                <a:extLst>
+                  <a:ext uri="{0D108BD9-81ED-4DB2-BD59-A6C34878D82A}">
+                    <a16:rowId xmlns:a16="http://schemas.microsoft.com/office/drawing/2014/main" val="2071249821"/>
                   </a:ext>
                 </a:extLst>
               </a:tr>
@@ -37501,8 +38209,8 @@
         </p:nvSpPr>
         <p:spPr>
           <a:xfrm>
-            <a:off x="156672" y="879978"/>
-            <a:ext cx="6914688" cy="1985141"/>
+            <a:off x="278598" y="1437151"/>
+            <a:ext cx="496467" cy="548018"/>
           </a:xfrm>
           <a:prstGeom prst="rect">
             <a:avLst/>
@@ -37553,8 +38261,8 @@
         </p:nvSpPr>
         <p:spPr>
           <a:xfrm>
-            <a:off x="156672" y="2953004"/>
-            <a:ext cx="3474802" cy="1749626"/>
+            <a:off x="3376496" y="3228232"/>
+            <a:ext cx="254977" cy="200768"/>
           </a:xfrm>
           <a:prstGeom prst="rect">
             <a:avLst/>
@@ -37709,7 +38417,7 @@
         </p:nvSpPr>
         <p:spPr>
           <a:xfrm>
-            <a:off x="174169" y="904021"/>
+            <a:off x="399342" y="1147338"/>
             <a:ext cx="254977" cy="254977"/>
           </a:xfrm>
           <a:prstGeom prst="ellipse">
@@ -37750,10 +38458,10 @@
       </p:sp>
       <p:sp>
         <p:nvSpPr>
-          <p:cNvPr id="33" name="타원 32">
+          <p:cNvPr id="34" name="타원 33">
             <a:extLst>
               <a:ext uri="{FF2B5EF4-FFF2-40B4-BE49-F238E27FC236}">
-                <a16:creationId xmlns:a16="http://schemas.microsoft.com/office/drawing/2014/main" id="{4E6D34F9-B099-4621-BB9A-127973199619}"/>
+                <a16:creationId xmlns:a16="http://schemas.microsoft.com/office/drawing/2014/main" id="{7D408BF1-A613-4FF9-B958-57DC5BB80A6C}"/>
               </a:ext>
             </a:extLst>
           </p:cNvPr>
@@ -37762,7 +38470,165 @@
         </p:nvSpPr>
         <p:spPr>
           <a:xfrm>
-            <a:off x="182877" y="2981014"/>
+            <a:off x="5856138" y="3022478"/>
+            <a:ext cx="254977" cy="254977"/>
+          </a:xfrm>
+          <a:prstGeom prst="ellipse">
+            <a:avLst/>
+          </a:prstGeom>
+          <a:ln>
+            <a:noFill/>
+          </a:ln>
+        </p:spPr>
+        <p:style>
+          <a:lnRef idx="2">
+            <a:schemeClr val="accent4">
+              <a:shade val="50000"/>
+            </a:schemeClr>
+          </a:lnRef>
+          <a:fillRef idx="1">
+            <a:schemeClr val="accent4"/>
+          </a:fillRef>
+          <a:effectRef idx="0">
+            <a:schemeClr val="accent4"/>
+          </a:effectRef>
+          <a:fontRef idx="minor">
+            <a:schemeClr val="lt1"/>
+          </a:fontRef>
+        </p:style>
+        <p:txBody>
+          <a:bodyPr rtlCol="0" anchor="ctr"/>
+          <a:lstStyle/>
+          <a:p>
+            <a:pPr algn="ctr"/>
+            <a:r>
+              <a:rPr lang="en-US" altLang="ko-KR" dirty="0"/>
+              <a:t>6</a:t>
+            </a:r>
+            <a:endParaRPr lang="ko-KR" altLang="en-US" dirty="0"/>
+          </a:p>
+        </p:txBody>
+      </p:sp>
+      <p:sp>
+        <p:nvSpPr>
+          <p:cNvPr id="35" name="타원 34">
+            <a:extLst>
+              <a:ext uri="{FF2B5EF4-FFF2-40B4-BE49-F238E27FC236}">
+                <a16:creationId xmlns:a16="http://schemas.microsoft.com/office/drawing/2014/main" id="{305940ED-54E8-4AFC-8132-A36AF0A11129}"/>
+              </a:ext>
+            </a:extLst>
+          </p:cNvPr>
+          <p:cNvSpPr/>
+          <p:nvPr/>
+        </p:nvSpPr>
+        <p:spPr>
+          <a:xfrm>
+            <a:off x="6354825" y="3022230"/>
+            <a:ext cx="254977" cy="254977"/>
+          </a:xfrm>
+          <a:prstGeom prst="ellipse">
+            <a:avLst/>
+          </a:prstGeom>
+          <a:ln>
+            <a:noFill/>
+          </a:ln>
+        </p:spPr>
+        <p:style>
+          <a:lnRef idx="2">
+            <a:schemeClr val="accent4">
+              <a:shade val="50000"/>
+            </a:schemeClr>
+          </a:lnRef>
+          <a:fillRef idx="1">
+            <a:schemeClr val="accent4"/>
+          </a:fillRef>
+          <a:effectRef idx="0">
+            <a:schemeClr val="accent4"/>
+          </a:effectRef>
+          <a:fontRef idx="minor">
+            <a:schemeClr val="lt1"/>
+          </a:fontRef>
+        </p:style>
+        <p:txBody>
+          <a:bodyPr rtlCol="0" anchor="ctr"/>
+          <a:lstStyle/>
+          <a:p>
+            <a:pPr algn="ctr"/>
+            <a:r>
+              <a:rPr lang="en-US" altLang="ko-KR" dirty="0"/>
+              <a:t>7</a:t>
+            </a:r>
+            <a:endParaRPr lang="ko-KR" altLang="en-US" dirty="0"/>
+          </a:p>
+        </p:txBody>
+      </p:sp>
+      <p:sp>
+        <p:nvSpPr>
+          <p:cNvPr id="13" name="직사각형 12">
+            <a:extLst>
+              <a:ext uri="{FF2B5EF4-FFF2-40B4-BE49-F238E27FC236}">
+                <a16:creationId xmlns:a16="http://schemas.microsoft.com/office/drawing/2014/main" id="{D614A4C3-5C84-4950-8ECC-36EE3CB731A7}"/>
+              </a:ext>
+            </a:extLst>
+          </p:cNvPr>
+          <p:cNvSpPr/>
+          <p:nvPr/>
+        </p:nvSpPr>
+        <p:spPr>
+          <a:xfrm>
+            <a:off x="6422533" y="1437151"/>
+            <a:ext cx="496467" cy="548018"/>
+          </a:xfrm>
+          <a:prstGeom prst="rect">
+            <a:avLst/>
+          </a:prstGeom>
+          <a:noFill/>
+          <a:ln w="28575">
+            <a:solidFill>
+              <a:srgbClr val="FF0000"/>
+            </a:solidFill>
+          </a:ln>
+        </p:spPr>
+        <p:style>
+          <a:lnRef idx="2">
+            <a:schemeClr val="accent1">
+              <a:shade val="50000"/>
+            </a:schemeClr>
+          </a:lnRef>
+          <a:fillRef idx="1">
+            <a:schemeClr val="accent1"/>
+          </a:fillRef>
+          <a:effectRef idx="0">
+            <a:schemeClr val="accent1"/>
+          </a:effectRef>
+          <a:fontRef idx="minor">
+            <a:schemeClr val="lt1"/>
+          </a:fontRef>
+        </p:style>
+        <p:txBody>
+          <a:bodyPr rtlCol="0" anchor="ctr"/>
+          <a:lstStyle/>
+          <a:p>
+            <a:pPr algn="ctr"/>
+            <a:endParaRPr lang="ko-KR" altLang="en-US"/>
+          </a:p>
+        </p:txBody>
+      </p:sp>
+      <p:sp>
+        <p:nvSpPr>
+          <p:cNvPr id="14" name="타원 13">
+            <a:extLst>
+              <a:ext uri="{FF2B5EF4-FFF2-40B4-BE49-F238E27FC236}">
+                <a16:creationId xmlns:a16="http://schemas.microsoft.com/office/drawing/2014/main" id="{2B2FA218-C8DC-40AC-AB1A-4399A3F7873B}"/>
+              </a:ext>
+            </a:extLst>
+          </p:cNvPr>
+          <p:cNvSpPr/>
+          <p:nvPr/>
+        </p:nvSpPr>
+        <p:spPr>
+          <a:xfrm>
+            <a:off x="6543277" y="1147338"/>
             <a:ext cx="254977" cy="254977"/>
           </a:xfrm>
           <a:prstGeom prst="ellipse">
@@ -37803,10 +38669,10 @@
       </p:sp>
       <p:sp>
         <p:nvSpPr>
-          <p:cNvPr id="34" name="타원 33">
+          <p:cNvPr id="15" name="직사각형 14">
             <a:extLst>
               <a:ext uri="{FF2B5EF4-FFF2-40B4-BE49-F238E27FC236}">
-                <a16:creationId xmlns:a16="http://schemas.microsoft.com/office/drawing/2014/main" id="{7D408BF1-A613-4FF9-B958-57DC5BB80A6C}"/>
+                <a16:creationId xmlns:a16="http://schemas.microsoft.com/office/drawing/2014/main" id="{E985B912-8F58-472E-83E5-A35D5A578F1B}"/>
               </a:ext>
             </a:extLst>
           </p:cNvPr>
@@ -37815,7 +38681,59 @@
         </p:nvSpPr>
         <p:spPr>
           <a:xfrm>
-            <a:off x="3882765" y="2973255"/>
+            <a:off x="888235" y="897841"/>
+            <a:ext cx="5425479" cy="1925331"/>
+          </a:xfrm>
+          <a:prstGeom prst="rect">
+            <a:avLst/>
+          </a:prstGeom>
+          <a:noFill/>
+          <a:ln w="28575">
+            <a:solidFill>
+              <a:srgbClr val="FF0000"/>
+            </a:solidFill>
+          </a:ln>
+        </p:spPr>
+        <p:style>
+          <a:lnRef idx="2">
+            <a:schemeClr val="accent1">
+              <a:shade val="50000"/>
+            </a:schemeClr>
+          </a:lnRef>
+          <a:fillRef idx="1">
+            <a:schemeClr val="accent1"/>
+          </a:fillRef>
+          <a:effectRef idx="0">
+            <a:schemeClr val="accent1"/>
+          </a:effectRef>
+          <a:fontRef idx="minor">
+            <a:schemeClr val="lt1"/>
+          </a:fontRef>
+        </p:style>
+        <p:txBody>
+          <a:bodyPr rtlCol="0" anchor="ctr"/>
+          <a:lstStyle/>
+          <a:p>
+            <a:pPr algn="ctr"/>
+            <a:endParaRPr lang="ko-KR" altLang="en-US"/>
+          </a:p>
+        </p:txBody>
+      </p:sp>
+      <p:sp>
+        <p:nvSpPr>
+          <p:cNvPr id="16" name="타원 15">
+            <a:extLst>
+              <a:ext uri="{FF2B5EF4-FFF2-40B4-BE49-F238E27FC236}">
+                <a16:creationId xmlns:a16="http://schemas.microsoft.com/office/drawing/2014/main" id="{3E0A3DC3-8506-41A9-BA40-59AC0719A972}"/>
+              </a:ext>
+            </a:extLst>
+          </p:cNvPr>
+          <p:cNvSpPr/>
+          <p:nvPr/>
+        </p:nvSpPr>
+        <p:spPr>
+          <a:xfrm>
+            <a:off x="3470323" y="951107"/>
             <a:ext cx="254977" cy="254977"/>
           </a:xfrm>
           <a:prstGeom prst="ellipse">
@@ -37856,10 +38774,10 @@
       </p:sp>
       <p:sp>
         <p:nvSpPr>
-          <p:cNvPr id="35" name="타원 34">
+          <p:cNvPr id="17" name="직사각형 16">
             <a:extLst>
               <a:ext uri="{FF2B5EF4-FFF2-40B4-BE49-F238E27FC236}">
-                <a16:creationId xmlns:a16="http://schemas.microsoft.com/office/drawing/2014/main" id="{305940ED-54E8-4AFC-8132-A36AF0A11129}"/>
+                <a16:creationId xmlns:a16="http://schemas.microsoft.com/office/drawing/2014/main" id="{040D83C5-8EA9-4653-A51F-F68AA32882F3}"/>
               </a:ext>
             </a:extLst>
           </p:cNvPr>
@@ -37868,7 +38786,112 @@
         </p:nvSpPr>
         <p:spPr>
           <a:xfrm>
-            <a:off x="6247186" y="2978933"/>
+            <a:off x="278598" y="3429000"/>
+            <a:ext cx="3000550" cy="1271081"/>
+          </a:xfrm>
+          <a:prstGeom prst="rect">
+            <a:avLst/>
+          </a:prstGeom>
+          <a:noFill/>
+          <a:ln w="28575">
+            <a:solidFill>
+              <a:srgbClr val="FF0000"/>
+            </a:solidFill>
+          </a:ln>
+        </p:spPr>
+        <p:style>
+          <a:lnRef idx="2">
+            <a:schemeClr val="accent1">
+              <a:shade val="50000"/>
+            </a:schemeClr>
+          </a:lnRef>
+          <a:fillRef idx="1">
+            <a:schemeClr val="accent1"/>
+          </a:fillRef>
+          <a:effectRef idx="0">
+            <a:schemeClr val="accent1"/>
+          </a:effectRef>
+          <a:fontRef idx="minor">
+            <a:schemeClr val="lt1"/>
+          </a:fontRef>
+        </p:style>
+        <p:txBody>
+          <a:bodyPr rtlCol="0" anchor="ctr"/>
+          <a:lstStyle/>
+          <a:p>
+            <a:pPr algn="ctr"/>
+            <a:endParaRPr lang="ko-KR" altLang="en-US"/>
+          </a:p>
+        </p:txBody>
+      </p:sp>
+      <p:sp>
+        <p:nvSpPr>
+          <p:cNvPr id="18" name="타원 17">
+            <a:extLst>
+              <a:ext uri="{FF2B5EF4-FFF2-40B4-BE49-F238E27FC236}">
+                <a16:creationId xmlns:a16="http://schemas.microsoft.com/office/drawing/2014/main" id="{2F448F66-1E7A-491D-8F09-84283FD9FC35}"/>
+              </a:ext>
+            </a:extLst>
+          </p:cNvPr>
+          <p:cNvSpPr/>
+          <p:nvPr/>
+        </p:nvSpPr>
+        <p:spPr>
+          <a:xfrm>
+            <a:off x="3382780" y="2920262"/>
+            <a:ext cx="254977" cy="254977"/>
+          </a:xfrm>
+          <a:prstGeom prst="ellipse">
+            <a:avLst/>
+          </a:prstGeom>
+          <a:ln>
+            <a:noFill/>
+          </a:ln>
+        </p:spPr>
+        <p:style>
+          <a:lnRef idx="2">
+            <a:schemeClr val="accent4">
+              <a:shade val="50000"/>
+            </a:schemeClr>
+          </a:lnRef>
+          <a:fillRef idx="1">
+            <a:schemeClr val="accent4"/>
+          </a:fillRef>
+          <a:effectRef idx="0">
+            <a:schemeClr val="accent4"/>
+          </a:effectRef>
+          <a:fontRef idx="minor">
+            <a:schemeClr val="lt1"/>
+          </a:fontRef>
+        </p:style>
+        <p:txBody>
+          <a:bodyPr rtlCol="0" anchor="ctr"/>
+          <a:lstStyle/>
+          <a:p>
+            <a:pPr algn="ctr"/>
+            <a:r>
+              <a:rPr lang="en-US" altLang="ko-KR" dirty="0"/>
+              <a:t>5</a:t>
+            </a:r>
+            <a:endParaRPr lang="ko-KR" altLang="en-US" dirty="0"/>
+          </a:p>
+        </p:txBody>
+      </p:sp>
+      <p:sp>
+        <p:nvSpPr>
+          <p:cNvPr id="19" name="타원 18">
+            <a:extLst>
+              <a:ext uri="{FF2B5EF4-FFF2-40B4-BE49-F238E27FC236}">
+                <a16:creationId xmlns:a16="http://schemas.microsoft.com/office/drawing/2014/main" id="{13DDD398-7678-4FF8-B882-CB6F54354732}"/>
+              </a:ext>
+            </a:extLst>
+          </p:cNvPr>
+          <p:cNvSpPr/>
+          <p:nvPr/>
+        </p:nvSpPr>
+        <p:spPr>
+          <a:xfrm>
+            <a:off x="2968847" y="3113060"/>
             <a:ext cx="254977" cy="254977"/>
           </a:xfrm>
           <a:prstGeom prst="ellipse">
@@ -37986,7 +39009,7 @@
           <p:nvPr>
             <p:extLst>
               <p:ext uri="{D42A27DB-BD31-4B8C-83A1-F6EECF244321}">
-                <p14:modId xmlns:p14="http://schemas.microsoft.com/office/powerpoint/2010/main" val="2176362593"/>
+                <p14:modId xmlns:p14="http://schemas.microsoft.com/office/powerpoint/2010/main" val="4146134572"/>
               </p:ext>
             </p:extLst>
           </p:nvPr>
@@ -38304,7 +39327,7 @@
                             <a:schemeClr val="tx1"/>
                           </a:solidFill>
                         </a:rPr>
-                        <a:t>F-13</a:t>
+                        <a:t>PS-front-sign</a:t>
                       </a:r>
                       <a:endParaRPr lang="ko-KR" altLang="en-US" sz="1600" dirty="0">
                         <a:solidFill>
@@ -38420,22 +39443,6 @@
                     <a:lstStyle/>
                     <a:p>
                       <a:pPr algn="ctr" latinLnBrk="1"/>
-                      <a:r>
-                        <a:rPr lang="en-US" altLang="ko-KR" sz="1600" dirty="0" err="1">
-                          <a:solidFill>
-                            <a:schemeClr val="tx1"/>
-                          </a:solidFill>
-                        </a:rPr>
-                        <a:t>Gnb</a:t>
-                      </a:r>
-                      <a:r>
-                        <a:rPr lang="en-US" altLang="ko-KR" sz="1600" dirty="0">
-                          <a:solidFill>
-                            <a:schemeClr val="tx1"/>
-                          </a:solidFill>
-                        </a:rPr>
-                        <a:t> &gt; </a:t>
-                      </a:r>
                       <a:r>
                         <a:rPr lang="ko-KR" altLang="en-US" sz="1600" dirty="0">
                           <a:solidFill>
@@ -38561,14 +39568,14 @@
           <p:nvPr>
             <p:extLst>
               <p:ext uri="{D42A27DB-BD31-4B8C-83A1-F6EECF244321}">
-                <p14:modId xmlns:p14="http://schemas.microsoft.com/office/powerpoint/2010/main" val="1875890203"/>
+                <p14:modId xmlns:p14="http://schemas.microsoft.com/office/powerpoint/2010/main" val="4198334046"/>
               </p:ext>
             </p:extLst>
           </p:nvPr>
         </p:nvGraphicFramePr>
         <p:xfrm>
-          <a:off x="7292972" y="793154"/>
-          <a:ext cx="4899028" cy="3555685"/>
+          <a:off x="7292972" y="793156"/>
+          <a:ext cx="4899028" cy="3306131"/>
         </p:xfrm>
         <a:graphic>
           <a:graphicData uri="http://schemas.openxmlformats.org/drawingml/2006/table">
@@ -38599,7 +39606,7 @@
                   </a:extLst>
                 </a:gridCol>
               </a:tblGrid>
-              <a:tr h="370840">
+              <a:tr h="278263">
                 <a:tc>
                   <a:txBody>
                     <a:bodyPr/>
@@ -38804,7 +39811,7 @@
                   </a:ext>
                 </a:extLst>
               </a:tr>
-              <a:tr h="370840">
+              <a:tr h="278263">
                 <a:tc>
                   <a:txBody>
                     <a:bodyPr/>
@@ -39043,7 +40050,7 @@
                   </a:ext>
                 </a:extLst>
               </a:tr>
-              <a:tr h="370840">
+              <a:tr h="278263">
                 <a:tc>
                   <a:txBody>
                     <a:bodyPr/>
@@ -39282,7 +40289,7 @@
                   </a:ext>
                 </a:extLst>
               </a:tr>
-              <a:tr h="370840">
+              <a:tr h="351789">
                 <a:tc>
                   <a:txBody>
                     <a:bodyPr/>
@@ -39445,7 +40452,7 @@
                             <a:schemeClr val="tx1"/>
                           </a:solidFill>
                         </a:rPr>
-                        <a:t>클릭 시 다음 로그인 할 때 아이디 자동 입력</a:t>
+                        <a:t>아이디 저장 기능 체크박스</a:t>
                       </a:r>
                       <a:r>
                         <a:rPr lang="en-US" altLang="ko-KR" sz="1100" baseline="0" dirty="0">
@@ -39453,7 +40460,7 @@
                             <a:schemeClr val="tx1"/>
                           </a:solidFill>
                         </a:rPr>
-                        <a:t>. </a:t>
+                        <a:t>.</a:t>
                       </a:r>
                     </a:p>
                   </a:txBody>
@@ -39503,7 +40510,7 @@
                   </a:ext>
                 </a:extLst>
               </a:tr>
-              <a:tr h="370840">
+              <a:tr h="305768">
                 <a:tc>
                   <a:txBody>
                     <a:bodyPr/>
@@ -39658,33 +40665,25 @@
                             <a:schemeClr val="tx1"/>
                           </a:solidFill>
                         </a:rPr>
-                        <a:t> -</a:t>
-                      </a:r>
-                      <a:r>
-                        <a:rPr lang="en-US" altLang="ko-KR" sz="1100" baseline="0" dirty="0">
-                          <a:solidFill>
-                            <a:schemeClr val="tx1"/>
-                          </a:solidFill>
-                        </a:rPr>
-                        <a:t> </a:t>
-                      </a:r>
-                      <a:r>
-                        <a:rPr lang="ko-KR" altLang="en-US" sz="1100" baseline="0" dirty="0">
-                          <a:solidFill>
-                            <a:schemeClr val="tx1"/>
-                          </a:solidFill>
-                        </a:rPr>
-                        <a:t>로그인 성공 시 메인 페이지로 이동</a:t>
-                      </a:r>
-                      <a:r>
-                        <a:rPr lang="en-US" altLang="ko-KR" sz="1100" baseline="0" dirty="0">
+                        <a:t> - </a:t>
+                      </a:r>
+                      <a:r>
+                        <a:rPr lang="ko-KR" altLang="en-US" sz="1100" dirty="0">
+                          <a:solidFill>
+                            <a:schemeClr val="tx1"/>
+                          </a:solidFill>
+                        </a:rPr>
+                        <a:t>로그인 기능 버튼</a:t>
+                      </a:r>
+                      <a:r>
+                        <a:rPr lang="en-US" altLang="ko-KR" sz="1100" dirty="0">
                           <a:solidFill>
                             <a:schemeClr val="tx1"/>
                           </a:solidFill>
                         </a:rPr>
                         <a:t>.</a:t>
                       </a:r>
-                      <a:endParaRPr lang="en-US" altLang="ko-KR" sz="1100" dirty="0">
+                      <a:endParaRPr lang="en-US" altLang="ko-KR" sz="1000" dirty="0">
                         <a:solidFill>
                           <a:schemeClr val="tx1"/>
                         </a:solidFill>
@@ -39737,7 +40736,7 @@
                   </a:ext>
                 </a:extLst>
               </a:tr>
-              <a:tr h="370840">
+              <a:tr h="0">
                 <a:tc>
                   <a:txBody>
                     <a:bodyPr/>
@@ -39958,7 +40957,7 @@
                   </a:ext>
                 </a:extLst>
               </a:tr>
-              <a:tr h="370840">
+              <a:tr h="437236">
                 <a:tc>
                   <a:txBody>
                     <a:bodyPr/>
@@ -40179,7 +41178,7 @@
                   </a:ext>
                 </a:extLst>
               </a:tr>
-              <a:tr h="370840">
+              <a:tr h="437236">
                 <a:tc>
                   <a:txBody>
                     <a:bodyPr/>
@@ -40342,7 +41341,7 @@
                             <a:schemeClr val="tx1"/>
                           </a:solidFill>
                         </a:rPr>
-                        <a:t>약관 동의 페이지로 이동</a:t>
+                        <a:t>회원가입 페이지로 이동</a:t>
                       </a:r>
                       <a:r>
                         <a:rPr lang="en-US" altLang="ko-KR" sz="1100" dirty="0">
@@ -41218,7 +42217,7 @@
           <p:nvPr>
             <p:extLst>
               <p:ext uri="{D42A27DB-BD31-4B8C-83A1-F6EECF244321}">
-                <p14:modId xmlns:p14="http://schemas.microsoft.com/office/powerpoint/2010/main" val="2004870930"/>
+                <p14:modId xmlns:p14="http://schemas.microsoft.com/office/powerpoint/2010/main" val="2472189254"/>
               </p:ext>
             </p:extLst>
           </p:nvPr>
@@ -41536,7 +42535,15 @@
                             <a:schemeClr val="tx1"/>
                           </a:solidFill>
                         </a:rPr>
-                        <a:t>F-14</a:t>
+                        <a:t>PS-front-</a:t>
+                      </a:r>
+                      <a:r>
+                        <a:rPr lang="en-US" altLang="ko-KR" sz="1600" dirty="0" err="1">
+                          <a:solidFill>
+                            <a:schemeClr val="tx1"/>
+                          </a:solidFill>
+                        </a:rPr>
+                        <a:t>id_find</a:t>
                       </a:r>
                       <a:endParaRPr lang="ko-KR" altLang="en-US" sz="1600" dirty="0">
                         <a:solidFill>
@@ -41652,22 +42659,6 @@
                     <a:lstStyle/>
                     <a:p>
                       <a:pPr algn="ctr" latinLnBrk="1"/>
-                      <a:r>
-                        <a:rPr lang="en-US" altLang="ko-KR" sz="1600" dirty="0" err="1">
-                          <a:solidFill>
-                            <a:schemeClr val="tx1"/>
-                          </a:solidFill>
-                        </a:rPr>
-                        <a:t>Gnb</a:t>
-                      </a:r>
-                      <a:r>
-                        <a:rPr lang="en-US" altLang="ko-KR" sz="1600" dirty="0">
-                          <a:solidFill>
-                            <a:schemeClr val="tx1"/>
-                          </a:solidFill>
-                        </a:rPr>
-                        <a:t> &gt; </a:t>
-                      </a:r>
                       <a:r>
                         <a:rPr lang="ko-KR" altLang="en-US" sz="1600" dirty="0">
                           <a:solidFill>
@@ -41809,7 +42800,7 @@
           <p:nvPr>
             <p:extLst>
               <p:ext uri="{D42A27DB-BD31-4B8C-83A1-F6EECF244321}">
-                <p14:modId xmlns:p14="http://schemas.microsoft.com/office/powerpoint/2010/main" val="2045963023"/>
+                <p14:modId xmlns:p14="http://schemas.microsoft.com/office/powerpoint/2010/main" val="667782237"/>
               </p:ext>
             </p:extLst>
           </p:nvPr>
@@ -42632,12 +43623,20 @@
                         <a:buNone/>
                       </a:pPr>
                       <a:r>
+                        <a:rPr lang="ko-KR" altLang="en-US" sz="1100" baseline="0" dirty="0">
+                          <a:solidFill>
+                            <a:schemeClr val="tx1"/>
+                          </a:solidFill>
+                        </a:rPr>
+                        <a:t> </a:t>
+                      </a:r>
+                      <a:r>
                         <a:rPr lang="en-US" altLang="ko-KR" sz="1100" baseline="0" dirty="0">
                           <a:solidFill>
                             <a:schemeClr val="tx1"/>
                           </a:solidFill>
                         </a:rPr>
-                        <a:t> - 6</a:t>
+                        <a:t>- </a:t>
                       </a:r>
                       <a:r>
                         <a:rPr lang="ko-KR" altLang="en-US" sz="1100" baseline="0" dirty="0">
@@ -42645,7 +43644,7 @@
                             <a:schemeClr val="tx1"/>
                           </a:solidFill>
                         </a:rPr>
-                        <a:t>자리 인증번호 출력</a:t>
+                        <a:t>인증 요청 기능 버튼</a:t>
                       </a:r>
                       <a:r>
                         <a:rPr lang="en-US" altLang="ko-KR" sz="1100" baseline="0" dirty="0">
@@ -42655,6 +43654,11 @@
                         </a:rPr>
                         <a:t>.</a:t>
                       </a:r>
+                      <a:endParaRPr lang="en-US" altLang="ko-KR" sz="1000" baseline="0" dirty="0">
+                        <a:solidFill>
+                          <a:schemeClr val="tx1"/>
+                        </a:solidFill>
+                      </a:endParaRPr>
                     </a:p>
                   </a:txBody>
                   <a:tcPr>
@@ -42874,7 +43878,7 @@
                             <a:schemeClr val="tx1"/>
                           </a:solidFill>
                         </a:rPr>
-                        <a:t>인증 성공 시 팝업창으로 아이디 출력</a:t>
+                        <a:t>아이디 요청 기능 버튼</a:t>
                       </a:r>
                       <a:r>
                         <a:rPr lang="en-US" altLang="ko-KR" sz="1100" baseline="0" dirty="0">
@@ -44220,4 +45224,299 @@
     </a:ext>
   </a:extLst>
 </a:theme>
+</file>
+
+<file path=ppt/theme/theme3.xml><?xml version="1.0" encoding="utf-8"?>
+<a:theme xmlns:a="http://schemas.openxmlformats.org/drawingml/2006/main" name="Office 테마">
+  <a:themeElements>
+    <a:clrScheme name="Office">
+      <a:dk1>
+        <a:sysClr val="windowText" lastClr="000000"/>
+      </a:dk1>
+      <a:lt1>
+        <a:sysClr val="window" lastClr="FFFFFF"/>
+      </a:lt1>
+      <a:dk2>
+        <a:srgbClr val="44546A"/>
+      </a:dk2>
+      <a:lt2>
+        <a:srgbClr val="E7E6E6"/>
+      </a:lt2>
+      <a:accent1>
+        <a:srgbClr val="4472C4"/>
+      </a:accent1>
+      <a:accent2>
+        <a:srgbClr val="ED7D31"/>
+      </a:accent2>
+      <a:accent3>
+        <a:srgbClr val="A5A5A5"/>
+      </a:accent3>
+      <a:accent4>
+        <a:srgbClr val="FFC000"/>
+      </a:accent4>
+      <a:accent5>
+        <a:srgbClr val="5B9BD5"/>
+      </a:accent5>
+      <a:accent6>
+        <a:srgbClr val="70AD47"/>
+      </a:accent6>
+      <a:hlink>
+        <a:srgbClr val="0563C1"/>
+      </a:hlink>
+      <a:folHlink>
+        <a:srgbClr val="954F72"/>
+      </a:folHlink>
+    </a:clrScheme>
+    <a:fontScheme name="Office">
+      <a:majorFont>
+        <a:latin typeface="맑은 고딕" panose="020F0302020204030204"/>
+        <a:ea typeface=""/>
+        <a:cs typeface=""/>
+        <a:font script="Jpan" typeface="游ゴシック Light"/>
+        <a:font script="Hang" typeface="맑은 고딕"/>
+        <a:font script="Hans" typeface="等线 Light"/>
+        <a:font script="Hant" typeface="新細明體"/>
+        <a:font script="Arab" typeface="Times New Roman"/>
+        <a:font script="Hebr" typeface="Times New Roman"/>
+        <a:font script="Thai" typeface="Angsana New"/>
+        <a:font script="Ethi" typeface="Nyala"/>
+        <a:font script="Beng" typeface="Vrinda"/>
+        <a:font script="Gujr" typeface="Shruti"/>
+        <a:font script="Khmr" typeface="MoolBoran"/>
+        <a:font script="Knda" typeface="Tunga"/>
+        <a:font script="Guru" typeface="Raavi"/>
+        <a:font script="Cans" typeface="Euphemia"/>
+        <a:font script="Cher" typeface="Plantagenet Cherokee"/>
+        <a:font script="Yiii" typeface="Microsoft Yi Baiti"/>
+        <a:font script="Tibt" typeface="Microsoft Himalaya"/>
+        <a:font script="Thaa" typeface="MV Boli"/>
+        <a:font script="Deva" typeface="Mangal"/>
+        <a:font script="Telu" typeface="Gautami"/>
+        <a:font script="Taml" typeface="Latha"/>
+        <a:font script="Syrc" typeface="Estrangelo Edessa"/>
+        <a:font script="Orya" typeface="Kalinga"/>
+        <a:font script="Mlym" typeface="Kartika"/>
+        <a:font script="Laoo" typeface="DokChampa"/>
+        <a:font script="Sinh" typeface="Iskoola Pota"/>
+        <a:font script="Mong" typeface="Mongolian Baiti"/>
+        <a:font script="Viet" typeface="Times New Roman"/>
+        <a:font script="Uigh" typeface="Microsoft Uighur"/>
+        <a:font script="Geor" typeface="Sylfaen"/>
+        <a:font script="Armn" typeface="Arial"/>
+        <a:font script="Bugi" typeface="Leelawadee UI"/>
+        <a:font script="Bopo" typeface="Microsoft JhengHei"/>
+        <a:font script="Java" typeface="Javanese Text"/>
+        <a:font script="Lisu" typeface="Segoe UI"/>
+        <a:font script="Mymr" typeface="Myanmar Text"/>
+        <a:font script="Nkoo" typeface="Ebrima"/>
+        <a:font script="Olck" typeface="Nirmala UI"/>
+        <a:font script="Osma" typeface="Ebrima"/>
+        <a:font script="Phag" typeface="Phagspa"/>
+        <a:font script="Syrn" typeface="Estrangelo Edessa"/>
+        <a:font script="Syrj" typeface="Estrangelo Edessa"/>
+        <a:font script="Syre" typeface="Estrangelo Edessa"/>
+        <a:font script="Sora" typeface="Nirmala UI"/>
+        <a:font script="Tale" typeface="Microsoft Tai Le"/>
+        <a:font script="Talu" typeface="Microsoft New Tai Lue"/>
+        <a:font script="Tfng" typeface="Ebrima"/>
+      </a:majorFont>
+      <a:minorFont>
+        <a:latin typeface="맑은 고딕" panose="020F0502020204030204"/>
+        <a:ea typeface=""/>
+        <a:cs typeface=""/>
+        <a:font script="Jpan" typeface="游ゴシック"/>
+        <a:font script="Hang" typeface="맑은 고딕"/>
+        <a:font script="Hans" typeface="等线"/>
+        <a:font script="Hant" typeface="新細明體"/>
+        <a:font script="Arab" typeface="Arial"/>
+        <a:font script="Hebr" typeface="Arial"/>
+        <a:font script="Thai" typeface="Cordia New"/>
+        <a:font script="Ethi" typeface="Nyala"/>
+        <a:font script="Beng" typeface="Vrinda"/>
+        <a:font script="Gujr" typeface="Shruti"/>
+        <a:font script="Khmr" typeface="DaunPenh"/>
+        <a:font script="Knda" typeface="Tunga"/>
+        <a:font script="Guru" typeface="Raavi"/>
+        <a:font script="Cans" typeface="Euphemia"/>
+        <a:font script="Cher" typeface="Plantagenet Cherokee"/>
+        <a:font script="Yiii" typeface="Microsoft Yi Baiti"/>
+        <a:font script="Tibt" typeface="Microsoft Himalaya"/>
+        <a:font script="Thaa" typeface="MV Boli"/>
+        <a:font script="Deva" typeface="Mangal"/>
+        <a:font script="Telu" typeface="Gautami"/>
+        <a:font script="Taml" typeface="Latha"/>
+        <a:font script="Syrc" typeface="Estrangelo Edessa"/>
+        <a:font script="Orya" typeface="Kalinga"/>
+        <a:font script="Mlym" typeface="Kartika"/>
+        <a:font script="Laoo" typeface="DokChampa"/>
+        <a:font script="Sinh" typeface="Iskoola Pota"/>
+        <a:font script="Mong" typeface="Mongolian Baiti"/>
+        <a:font script="Viet" typeface="Arial"/>
+        <a:font script="Uigh" typeface="Microsoft Uighur"/>
+        <a:font script="Geor" typeface="Sylfaen"/>
+        <a:font script="Armn" typeface="Arial"/>
+        <a:font script="Bugi" typeface="Leelawadee UI"/>
+        <a:font script="Bopo" typeface="Microsoft JhengHei"/>
+        <a:font script="Java" typeface="Javanese Text"/>
+        <a:font script="Lisu" typeface="Segoe UI"/>
+        <a:font script="Mymr" typeface="Myanmar Text"/>
+        <a:font script="Nkoo" typeface="Ebrima"/>
+        <a:font script="Olck" typeface="Nirmala UI"/>
+        <a:font script="Osma" typeface="Ebrima"/>
+        <a:font script="Phag" typeface="Phagspa"/>
+        <a:font script="Syrn" typeface="Estrangelo Edessa"/>
+        <a:font script="Syrj" typeface="Estrangelo Edessa"/>
+        <a:font script="Syre" typeface="Estrangelo Edessa"/>
+        <a:font script="Sora" typeface="Nirmala UI"/>
+        <a:font script="Tale" typeface="Microsoft Tai Le"/>
+        <a:font script="Talu" typeface="Microsoft New Tai Lue"/>
+        <a:font script="Tfng" typeface="Ebrima"/>
+      </a:minorFont>
+    </a:fontScheme>
+    <a:fmtScheme name="Office">
+      <a:fillStyleLst>
+        <a:solidFill>
+          <a:schemeClr val="phClr"/>
+        </a:solidFill>
+        <a:gradFill rotWithShape="1">
+          <a:gsLst>
+            <a:gs pos="0">
+              <a:schemeClr val="phClr">
+                <a:lumMod val="110000"/>
+                <a:satMod val="105000"/>
+                <a:tint val="67000"/>
+              </a:schemeClr>
+            </a:gs>
+            <a:gs pos="50000">
+              <a:schemeClr val="phClr">
+                <a:lumMod val="105000"/>
+                <a:satMod val="103000"/>
+                <a:tint val="73000"/>
+              </a:schemeClr>
+            </a:gs>
+            <a:gs pos="100000">
+              <a:schemeClr val="phClr">
+                <a:lumMod val="105000"/>
+                <a:satMod val="109000"/>
+                <a:tint val="81000"/>
+              </a:schemeClr>
+            </a:gs>
+          </a:gsLst>
+          <a:lin ang="5400000" scaled="0"/>
+        </a:gradFill>
+        <a:gradFill rotWithShape="1">
+          <a:gsLst>
+            <a:gs pos="0">
+              <a:schemeClr val="phClr">
+                <a:satMod val="103000"/>
+                <a:lumMod val="102000"/>
+                <a:tint val="94000"/>
+              </a:schemeClr>
+            </a:gs>
+            <a:gs pos="50000">
+              <a:schemeClr val="phClr">
+                <a:satMod val="110000"/>
+                <a:lumMod val="100000"/>
+                <a:shade val="100000"/>
+              </a:schemeClr>
+            </a:gs>
+            <a:gs pos="100000">
+              <a:schemeClr val="phClr">
+                <a:lumMod val="99000"/>
+                <a:satMod val="120000"/>
+                <a:shade val="78000"/>
+              </a:schemeClr>
+            </a:gs>
+          </a:gsLst>
+          <a:lin ang="5400000" scaled="0"/>
+        </a:gradFill>
+      </a:fillStyleLst>
+      <a:lnStyleLst>
+        <a:ln w="6350" cap="flat" cmpd="sng" algn="ctr">
+          <a:solidFill>
+            <a:schemeClr val="phClr"/>
+          </a:solidFill>
+          <a:prstDash val="solid"/>
+          <a:miter lim="800000"/>
+        </a:ln>
+        <a:ln w="12700" cap="flat" cmpd="sng" algn="ctr">
+          <a:solidFill>
+            <a:schemeClr val="phClr"/>
+          </a:solidFill>
+          <a:prstDash val="solid"/>
+          <a:miter lim="800000"/>
+        </a:ln>
+        <a:ln w="19050" cap="flat" cmpd="sng" algn="ctr">
+          <a:solidFill>
+            <a:schemeClr val="phClr"/>
+          </a:solidFill>
+          <a:prstDash val="solid"/>
+          <a:miter lim="800000"/>
+        </a:ln>
+      </a:lnStyleLst>
+      <a:effectStyleLst>
+        <a:effectStyle>
+          <a:effectLst/>
+        </a:effectStyle>
+        <a:effectStyle>
+          <a:effectLst/>
+        </a:effectStyle>
+        <a:effectStyle>
+          <a:effectLst>
+            <a:outerShdw blurRad="57150" dist="19050" dir="5400000" algn="ctr" rotWithShape="0">
+              <a:srgbClr val="000000">
+                <a:alpha val="63000"/>
+              </a:srgbClr>
+            </a:outerShdw>
+          </a:effectLst>
+        </a:effectStyle>
+      </a:effectStyleLst>
+      <a:bgFillStyleLst>
+        <a:solidFill>
+          <a:schemeClr val="phClr"/>
+        </a:solidFill>
+        <a:solidFill>
+          <a:schemeClr val="phClr">
+            <a:tint val="95000"/>
+            <a:satMod val="170000"/>
+          </a:schemeClr>
+        </a:solidFill>
+        <a:gradFill rotWithShape="1">
+          <a:gsLst>
+            <a:gs pos="0">
+              <a:schemeClr val="phClr">
+                <a:tint val="93000"/>
+                <a:satMod val="150000"/>
+                <a:shade val="98000"/>
+                <a:lumMod val="102000"/>
+              </a:schemeClr>
+            </a:gs>
+            <a:gs pos="50000">
+              <a:schemeClr val="phClr">
+                <a:tint val="98000"/>
+                <a:satMod val="130000"/>
+                <a:shade val="90000"/>
+                <a:lumMod val="103000"/>
+              </a:schemeClr>
+            </a:gs>
+            <a:gs pos="100000">
+              <a:schemeClr val="phClr">
+                <a:shade val="63000"/>
+                <a:satMod val="120000"/>
+              </a:schemeClr>
+            </a:gs>
+          </a:gsLst>
+          <a:lin ang="5400000" scaled="0"/>
+        </a:gradFill>
+      </a:bgFillStyleLst>
+    </a:fmtScheme>
+  </a:themeElements>
+  <a:objectDefaults/>
+  <a:extraClrSchemeLst/>
+  <a:extLst>
+    <a:ext uri="{05A4C25C-085E-4340-85A3-A5531E510DB2}">
+      <thm15:themeFamily xmlns:thm15="http://schemas.microsoft.com/office/thememl/2012/main" name="Office Theme" id="{62F939B6-93AF-4DB8-9C6B-D6C7DFDC589F}" vid="{4A3C46E8-61CC-4603-A589-7422A47A8E4A}"/>
+    </a:ext>
+  </a:extLst>
+</a:theme>
 </file>